--- a/Sharing.pptx
+++ b/Sharing.pptx
@@ -5,17 +5,18 @@
     <p:sldMasterId id="2147483648" r:id="rId1"/>
   </p:sldMasterIdLst>
   <p:notesMasterIdLst>
-    <p:notesMasterId r:id="rId11"/>
+    <p:notesMasterId r:id="rId12"/>
   </p:notesMasterIdLst>
   <p:sldIdLst>
     <p:sldId id="256" r:id="rId3"/>
     <p:sldId id="257" r:id="rId4"/>
     <p:sldId id="258" r:id="rId5"/>
-    <p:sldId id="259" r:id="rId6"/>
+    <p:sldId id="265" r:id="rId6"/>
     <p:sldId id="260" r:id="rId7"/>
     <p:sldId id="261" r:id="rId8"/>
     <p:sldId id="262" r:id="rId9"/>
     <p:sldId id="263" r:id="rId10"/>
+    <p:sldId id="264" r:id="rId11"/>
   </p:sldIdLst>
   <p:sldSz cx="12192000" cy="6858000"/>
   <p:notesSz cx="7103745" cy="10234295"/>
@@ -5018,140 +5019,13 @@
       </p:sp>
       <p:sp>
         <p:nvSpPr>
-          <p:cNvPr id="5" name="Rounded Rectangle 4"/>
-          <p:cNvSpPr/>
-          <p:nvPr/>
-        </p:nvSpPr>
-        <p:spPr>
-          <a:xfrm>
-            <a:off x="1939925" y="1964055"/>
-            <a:ext cx="8359140" cy="615315"/>
-          </a:xfrm>
-          <a:prstGeom prst="roundRect">
-            <a:avLst/>
-          </a:prstGeom>
-          <a:gradFill rotWithShape="0">
-            <a:gsLst>
-              <a:gs pos="0">
-                <a:schemeClr val="accent1"/>
-              </a:gs>
-              <a:gs pos="100000">
-                <a:schemeClr val="accent2"/>
-              </a:gs>
-            </a:gsLst>
-            <a:lin ang="5400000" scaled="1"/>
-          </a:gradFill>
-          <a:ln w="9525" cap="flat" cmpd="sng" algn="ctr">
-            <a:solidFill>
-              <a:schemeClr val="accent1"/>
-            </a:solidFill>
-            <a:prstDash val="solid"/>
-            <a:round/>
-            <a:headEnd type="none" w="med" len="med"/>
-            <a:tailEnd type="none" w="med" len="med"/>
-          </a:ln>
-        </p:spPr>
-        <p:txBody>
-          <a:bodyPr vert="horz" wrap="none" lIns="91440" tIns="45720" rIns="91440" bIns="45720" numCol="1" anchor="ctr" anchorCtr="0" compatLnSpc="1">
-            <a:scene3d>
-              <a:camera prst="orthographicFront"/>
-              <a:lightRig rig="threePt" dir="t"/>
-            </a:scene3d>
-          </a:bodyPr>
-          <a:p>
-            <a:pPr marL="0" marR="0" indent="0" algn="l" defTabSz="914400" rtl="0" eaLnBrk="1" fontAlgn="base" latinLnBrk="0" hangingPunct="1">
-              <a:lnSpc>
-                <a:spcPct val="100000"/>
-              </a:lnSpc>
-              <a:spcBef>
-                <a:spcPct val="0"/>
-              </a:spcBef>
-              <a:spcAft>
-                <a:spcPct val="0"/>
-              </a:spcAft>
-              <a:buClrTx/>
-              <a:buSzTx/>
-              <a:buFontTx/>
-              <a:buNone/>
-            </a:pPr>
-            <a:r>
-              <a:rPr kumimoji="0" lang="zh-CN" altLang="en-US" sz="2000" b="0" i="0" u="none" strike="noStrike" cap="none" normalizeH="0" baseline="0" smtClean="0">
-                <a:ln w="10160">
-                  <a:solidFill>
-                    <a:schemeClr val="accent5"/>
-                  </a:solidFill>
-                  <a:prstDash val="solid"/>
-                </a:ln>
-                <a:solidFill>
-                  <a:srgbClr val="FFFFFF"/>
-                </a:solidFill>
-                <a:effectLst>
-                  <a:outerShdw blurRad="38100" dist="22860" dir="5400000" algn="tl" rotWithShape="0">
-                    <a:srgbClr val="000000">
-                      <a:alpha val="30000"/>
-                    </a:srgbClr>
-                  </a:outerShdw>
-                </a:effectLst>
-                <a:latin typeface="Arial" panose="020B0604020202020204" pitchFamily="34" charset="0"/>
-                <a:ea typeface="SimSun" panose="02010600030101010101" pitchFamily="2" charset="-122"/>
-              </a:rPr>
-              <a:t>What is </a:t>
-            </a:r>
-            <a:r>
-              <a:rPr kumimoji="0" lang="en-US" altLang="zh-CN" sz="2000" b="0" i="0" u="none" strike="noStrike" cap="none" normalizeH="0" baseline="0" smtClean="0">
-                <a:ln w="10160">
-                  <a:solidFill>
-                    <a:schemeClr val="accent5"/>
-                  </a:solidFill>
-                  <a:prstDash val="solid"/>
-                </a:ln>
-                <a:solidFill>
-                  <a:srgbClr val="FFFFFF"/>
-                </a:solidFill>
-                <a:effectLst>
-                  <a:outerShdw blurRad="38100" dist="22860" dir="5400000" algn="tl" rotWithShape="0">
-                    <a:srgbClr val="000000">
-                      <a:alpha val="30000"/>
-                    </a:srgbClr>
-                  </a:outerShdw>
-                </a:effectLst>
-                <a:latin typeface="Arial" panose="020B0604020202020204" pitchFamily="34" charset="0"/>
-                <a:ea typeface="SimSun" panose="02010600030101010101" pitchFamily="2" charset="-122"/>
-              </a:rPr>
-              <a:t>Cucumber?</a:t>
-            </a:r>
-            <a:endParaRPr kumimoji="0" lang="en-US" altLang="zh-CN" sz="2000" b="0" i="0" u="none" strike="noStrike" cap="none" normalizeH="0" baseline="0" smtClean="0">
-              <a:ln w="10160">
-                <a:solidFill>
-                  <a:schemeClr val="accent5"/>
-                </a:solidFill>
-                <a:prstDash val="solid"/>
-              </a:ln>
-              <a:solidFill>
-                <a:srgbClr val="FFFFFF"/>
-              </a:solidFill>
-              <a:effectLst>
-                <a:outerShdw blurRad="38100" dist="22860" dir="5400000" algn="tl" rotWithShape="0">
-                  <a:srgbClr val="000000">
-                    <a:alpha val="30000"/>
-                  </a:srgbClr>
-                </a:outerShdw>
-              </a:effectLst>
-              <a:latin typeface="Arial" panose="020B0604020202020204" pitchFamily="34" charset="0"/>
-              <a:ea typeface="SimSun" panose="02010600030101010101" pitchFamily="2" charset="-122"/>
-            </a:endParaRPr>
-          </a:p>
-        </p:txBody>
-      </p:sp>
-      <p:sp>
-        <p:nvSpPr>
           <p:cNvPr id="6" name="Rounded Rectangle 5"/>
           <p:cNvSpPr/>
           <p:nvPr/>
         </p:nvSpPr>
         <p:spPr>
           <a:xfrm>
-            <a:off x="1939925" y="2847340"/>
+            <a:off x="1891665" y="2043430"/>
             <a:ext cx="8407400" cy="615315"/>
           </a:xfrm>
           <a:prstGeom prst="roundRect">
@@ -5255,7 +5129,7 @@
         </p:nvSpPr>
         <p:spPr>
           <a:xfrm>
-            <a:off x="1892300" y="3684270"/>
+            <a:off x="1891665" y="2871470"/>
             <a:ext cx="8407400" cy="615315"/>
           </a:xfrm>
           <a:prstGeom prst="roundRect">
@@ -5359,7 +5233,7 @@
         </p:nvSpPr>
         <p:spPr>
           <a:xfrm>
-            <a:off x="1891665" y="4536440"/>
+            <a:off x="1891665" y="3668395"/>
             <a:ext cx="8407400" cy="615315"/>
           </a:xfrm>
           <a:prstGeom prst="roundRect">
@@ -5463,7 +5337,7 @@
         </p:nvSpPr>
         <p:spPr>
           <a:xfrm>
-            <a:off x="1891665" y="5293995"/>
+            <a:off x="1891665" y="4482465"/>
             <a:ext cx="8407400" cy="615315"/>
           </a:xfrm>
           <a:prstGeom prst="roundRect">
@@ -5840,140 +5714,13 @@
       </p:sp>
       <p:sp>
         <p:nvSpPr>
-          <p:cNvPr id="13" name="Rounded Rectangle 12"/>
-          <p:cNvSpPr/>
-          <p:nvPr/>
-        </p:nvSpPr>
-        <p:spPr>
-          <a:xfrm>
-            <a:off x="1892300" y="1996440"/>
-            <a:ext cx="8359140" cy="615315"/>
-          </a:xfrm>
-          <a:prstGeom prst="roundRect">
-            <a:avLst/>
-          </a:prstGeom>
-          <a:gradFill rotWithShape="0">
-            <a:gsLst>
-              <a:gs pos="0">
-                <a:schemeClr val="accent1"/>
-              </a:gs>
-              <a:gs pos="100000">
-                <a:schemeClr val="accent2"/>
-              </a:gs>
-            </a:gsLst>
-            <a:lin ang="5400000" scaled="1"/>
-          </a:gradFill>
-          <a:ln w="9525" cap="flat" cmpd="sng" algn="ctr">
-            <a:solidFill>
-              <a:schemeClr val="accent1"/>
-            </a:solidFill>
-            <a:prstDash val="solid"/>
-            <a:round/>
-            <a:headEnd type="none" w="med" len="med"/>
-            <a:tailEnd type="none" w="med" len="med"/>
-          </a:ln>
-        </p:spPr>
-        <p:txBody>
-          <a:bodyPr vert="horz" wrap="none" lIns="91440" tIns="45720" rIns="91440" bIns="45720" numCol="1" anchor="ctr" anchorCtr="0" compatLnSpc="1">
-            <a:scene3d>
-              <a:camera prst="orthographicFront"/>
-              <a:lightRig rig="threePt" dir="t"/>
-            </a:scene3d>
-          </a:bodyPr>
-          <a:p>
-            <a:pPr marL="0" marR="0" indent="0" algn="l" defTabSz="914400" rtl="0" eaLnBrk="1" fontAlgn="base" latinLnBrk="0" hangingPunct="1">
-              <a:lnSpc>
-                <a:spcPct val="100000"/>
-              </a:lnSpc>
-              <a:spcBef>
-                <a:spcPct val="0"/>
-              </a:spcBef>
-              <a:spcAft>
-                <a:spcPct val="0"/>
-              </a:spcAft>
-              <a:buClrTx/>
-              <a:buSzTx/>
-              <a:buFontTx/>
-              <a:buNone/>
-            </a:pPr>
-            <a:r>
-              <a:rPr kumimoji="0" lang="zh-CN" altLang="en-US" sz="2800" b="0" i="0" u="none" strike="noStrike" cap="none" normalizeH="0" baseline="0" smtClean="0">
-                <a:ln w="10160">
-                  <a:solidFill>
-                    <a:schemeClr val="accent5"/>
-                  </a:solidFill>
-                  <a:prstDash val="solid"/>
-                </a:ln>
-                <a:solidFill>
-                  <a:srgbClr val="FFFFFF"/>
-                </a:solidFill>
-                <a:effectLst>
-                  <a:outerShdw blurRad="38100" dist="22860" dir="5400000" algn="tl" rotWithShape="0">
-                    <a:srgbClr val="000000">
-                      <a:alpha val="30000"/>
-                    </a:srgbClr>
-                  </a:outerShdw>
-                </a:effectLst>
-                <a:latin typeface="Arial" panose="020B0604020202020204" pitchFamily="34" charset="0"/>
-                <a:ea typeface="SimSun" panose="02010600030101010101" pitchFamily="2" charset="-122"/>
-              </a:rPr>
-              <a:t>What is </a:t>
-            </a:r>
-            <a:r>
-              <a:rPr kumimoji="0" lang="en-US" altLang="zh-CN" sz="2800" b="0" i="0" u="none" strike="noStrike" cap="none" normalizeH="0" baseline="0" smtClean="0">
-                <a:ln w="10160">
-                  <a:solidFill>
-                    <a:schemeClr val="accent5"/>
-                  </a:solidFill>
-                  <a:prstDash val="solid"/>
-                </a:ln>
-                <a:solidFill>
-                  <a:srgbClr val="FFFFFF"/>
-                </a:solidFill>
-                <a:effectLst>
-                  <a:outerShdw blurRad="38100" dist="22860" dir="5400000" algn="tl" rotWithShape="0">
-                    <a:srgbClr val="000000">
-                      <a:alpha val="30000"/>
-                    </a:srgbClr>
-                  </a:outerShdw>
-                </a:effectLst>
-                <a:latin typeface="Arial" panose="020B0604020202020204" pitchFamily="34" charset="0"/>
-                <a:ea typeface="SimSun" panose="02010600030101010101" pitchFamily="2" charset="-122"/>
-              </a:rPr>
-              <a:t>Cucumber?</a:t>
-            </a:r>
-            <a:endParaRPr kumimoji="0" lang="en-US" altLang="zh-CN" sz="2800" b="0" i="0" u="none" strike="noStrike" cap="none" normalizeH="0" baseline="0" smtClean="0">
-              <a:ln w="10160">
-                <a:solidFill>
-                  <a:schemeClr val="accent5"/>
-                </a:solidFill>
-                <a:prstDash val="solid"/>
-              </a:ln>
-              <a:solidFill>
-                <a:srgbClr val="FFFFFF"/>
-              </a:solidFill>
-              <a:effectLst>
-                <a:outerShdw blurRad="38100" dist="22860" dir="5400000" algn="tl" rotWithShape="0">
-                  <a:srgbClr val="000000">
-                    <a:alpha val="30000"/>
-                  </a:srgbClr>
-                </a:outerShdw>
-              </a:effectLst>
-              <a:latin typeface="Arial" panose="020B0604020202020204" pitchFamily="34" charset="0"/>
-              <a:ea typeface="SimSun" panose="02010600030101010101" pitchFamily="2" charset="-122"/>
-            </a:endParaRPr>
-          </a:p>
-        </p:txBody>
-      </p:sp>
-      <p:sp>
-        <p:nvSpPr>
           <p:cNvPr id="14" name="Rounded Rectangle 13"/>
           <p:cNvSpPr/>
           <p:nvPr/>
         </p:nvSpPr>
         <p:spPr>
           <a:xfrm>
-            <a:off x="1892300" y="2879725"/>
+            <a:off x="1892300" y="2043430"/>
             <a:ext cx="8407400" cy="615315"/>
           </a:xfrm>
           <a:prstGeom prst="roundRect">
@@ -6045,6 +5792,110 @@
                 <a:ea typeface="SimSun" panose="02010600030101010101" pitchFamily="2" charset="-122"/>
               </a:rPr>
               <a:t>Creating a new Serenity BDD - Cucumber project?</a:t>
+            </a:r>
+            <a:endParaRPr kumimoji="0" lang="en-US" altLang="zh-CN" sz="2800" b="0" i="0" u="none" strike="noStrike" cap="none" normalizeH="0" baseline="0" smtClean="0">
+              <a:ln w="10160">
+                <a:solidFill>
+                  <a:schemeClr val="accent5"/>
+                </a:solidFill>
+                <a:prstDash val="solid"/>
+              </a:ln>
+              <a:solidFill>
+                <a:srgbClr val="FFFFFF"/>
+              </a:solidFill>
+              <a:effectLst>
+                <a:outerShdw blurRad="38100" dist="22860" dir="5400000" algn="tl" rotWithShape="0">
+                  <a:srgbClr val="000000">
+                    <a:alpha val="30000"/>
+                  </a:srgbClr>
+                </a:outerShdw>
+              </a:effectLst>
+              <a:latin typeface="Arial" panose="020B0604020202020204" pitchFamily="34" charset="0"/>
+              <a:ea typeface="SimSun" panose="02010600030101010101" pitchFamily="2" charset="-122"/>
+            </a:endParaRPr>
+          </a:p>
+        </p:txBody>
+      </p:sp>
+      <p:sp>
+        <p:nvSpPr>
+          <p:cNvPr id="11" name="Rounded Rectangle 10"/>
+          <p:cNvSpPr/>
+          <p:nvPr/>
+        </p:nvSpPr>
+        <p:spPr>
+          <a:xfrm>
+            <a:off x="1891665" y="5318760"/>
+            <a:ext cx="8407400" cy="615315"/>
+          </a:xfrm>
+          <a:prstGeom prst="roundRect">
+            <a:avLst/>
+          </a:prstGeom>
+          <a:gradFill rotWithShape="0">
+            <a:gsLst>
+              <a:gs pos="0">
+                <a:schemeClr val="accent1"/>
+              </a:gs>
+              <a:gs pos="100000">
+                <a:schemeClr val="accent2"/>
+              </a:gs>
+            </a:gsLst>
+            <a:lin ang="5400000" scaled="1"/>
+          </a:gradFill>
+          <a:ln w="9525" cap="flat" cmpd="sng" algn="ctr">
+            <a:solidFill>
+              <a:schemeClr val="accent1"/>
+            </a:solidFill>
+            <a:prstDash val="solid"/>
+            <a:round/>
+            <a:headEnd type="none" w="med" len="med"/>
+            <a:tailEnd type="none" w="med" len="med"/>
+          </a:ln>
+        </p:spPr>
+        <p:txBody>
+          <a:bodyPr vert="horz" wrap="none" lIns="91440" tIns="45720" rIns="91440" bIns="45720" numCol="1" anchor="ctr" anchorCtr="0" compatLnSpc="1">
+            <a:scene3d>
+              <a:camera prst="orthographicFront"/>
+              <a:lightRig rig="threePt" dir="t"/>
+            </a:scene3d>
+          </a:bodyPr>
+          <a:p>
+            <a:pPr marL="0" marR="0" indent="0" algn="l" defTabSz="914400" rtl="0" eaLnBrk="1" fontAlgn="base" latinLnBrk="0" hangingPunct="1">
+              <a:lnSpc>
+                <a:spcPct val="100000"/>
+              </a:lnSpc>
+              <a:spcBef>
+                <a:spcPct val="0"/>
+              </a:spcBef>
+              <a:spcAft>
+                <a:spcPct val="0"/>
+              </a:spcAft>
+              <a:buClrTx/>
+              <a:buSzTx/>
+              <a:buFontTx/>
+              <a:buNone/>
+            </a:pPr>
+            <a:r>
+              <a:rPr kumimoji="0" lang="en-US" altLang="zh-CN" sz="2800" b="0" i="0" u="none" strike="noStrike" cap="none" normalizeH="0" baseline="0" smtClean="0">
+                <a:ln w="10160">
+                  <a:solidFill>
+                    <a:schemeClr val="accent5"/>
+                  </a:solidFill>
+                  <a:prstDash val="solid"/>
+                </a:ln>
+                <a:solidFill>
+                  <a:srgbClr val="FFFFFF"/>
+                </a:solidFill>
+                <a:effectLst>
+                  <a:outerShdw blurRad="38100" dist="22860" dir="5400000" algn="tl" rotWithShape="0">
+                    <a:srgbClr val="000000">
+                      <a:alpha val="30000"/>
+                    </a:srgbClr>
+                  </a:outerShdw>
+                </a:effectLst>
+                <a:latin typeface="Arial" panose="020B0604020202020204" pitchFamily="34" charset="0"/>
+                <a:ea typeface="SimSun" panose="02010600030101010101" pitchFamily="2" charset="-122"/>
+              </a:rPr>
+              <a:t>Summary</a:t>
             </a:r>
             <a:endParaRPr kumimoji="0" lang="en-US" altLang="zh-CN" sz="2800" b="0" i="0" u="none" strike="noStrike" cap="none" normalizeH="0" baseline="0" smtClean="0">
               <a:ln w="10160">
@@ -6353,7 +6204,7 @@
         <p:spPr>
           <a:xfrm>
             <a:off x="6471285" y="2268220"/>
-            <a:ext cx="4627245" cy="3138170"/>
+            <a:ext cx="5111750" cy="3108960"/>
           </a:xfrm>
           <a:prstGeom prst="rect">
             <a:avLst/>
@@ -6375,37 +6226,57 @@
             <a:endParaRPr lang="en-US"/>
           </a:p>
           <a:p>
+            <a:pPr marL="285750" indent="-285750">
+              <a:buFont typeface="Wingdings" panose="05000000000000000000" charset="0"/>
+              <a:buChar char="ü"/>
+            </a:pPr>
             <a:r>
               <a:rPr lang="en-US"/>
-              <a:t>    Write tests that are more flexible and easier to maintain</a:t>
+              <a:t>Write tests that are more flexible and easier to maintain</a:t>
             </a:r>
             <a:endParaRPr lang="en-US"/>
           </a:p>
           <a:p>
+            <a:pPr marL="285750" indent="-285750">
+              <a:buFont typeface="Wingdings" panose="05000000000000000000" charset="0"/>
+              <a:buChar char="ü"/>
+            </a:pPr>
             <a:r>
               <a:rPr lang="en-US"/>
-              <a:t>    Produce illustrated, narrative reports about your tests</a:t>
+              <a:t>Produce illustrated, narrative reports about your tests</a:t>
             </a:r>
             <a:endParaRPr lang="en-US"/>
           </a:p>
           <a:p>
+            <a:pPr marL="285750" indent="-285750">
+              <a:buFont typeface="Wingdings" panose="05000000000000000000" charset="0"/>
+              <a:buChar char="ü"/>
+            </a:pPr>
             <a:r>
               <a:rPr lang="en-US"/>
-              <a:t>    Map your automated tests back to your requirements</a:t>
+              <a:t>Map your automated tests back to your requirements</a:t>
             </a:r>
             <a:endParaRPr lang="en-US"/>
           </a:p>
           <a:p>
+            <a:pPr marL="285750" indent="-285750">
+              <a:buFont typeface="Wingdings" panose="05000000000000000000" charset="0"/>
+              <a:buChar char="ü"/>
+            </a:pPr>
             <a:r>
               <a:rPr lang="en-US"/>
-              <a:t>    See how much of your application is actually being tested</a:t>
+              <a:t>See how much of your application is actually being tested.</a:t>
             </a:r>
             <a:endParaRPr lang="en-US"/>
           </a:p>
           <a:p>
+            <a:pPr marL="285750" indent="-285750">
+              <a:buFont typeface="Wingdings" panose="05000000000000000000" charset="0"/>
+              <a:buChar char="ü"/>
+            </a:pPr>
             <a:r>
               <a:rPr lang="en-US"/>
-              <a:t>    And keep tabs on project progress</a:t>
+              <a:t>And keep tabs on project progress</a:t>
             </a:r>
             <a:endParaRPr lang="en-US"/>
           </a:p>
@@ -6519,7 +6390,7 @@
               <a:buNone/>
             </a:pPr>
             <a:r>
-              <a:rPr lang="en-US" altLang="zh-CN" sz="3600" smtClean="0">
+              <a:rPr kumimoji="0" lang="en-US" altLang="zh-CN" sz="3600" b="0" i="0" u="none" strike="noStrike" cap="none" normalizeH="0" baseline="0" smtClean="0">
                 <a:ln w="10160">
                   <a:solidFill>
                     <a:schemeClr val="accent5"/>
@@ -6538,9 +6409,8 @@
                 </a:effectLst>
                 <a:latin typeface="Arial" panose="020B0604020202020204" pitchFamily="34" charset="0"/>
                 <a:ea typeface="SimSun" panose="02010600030101010101" pitchFamily="2" charset="-122"/>
-                <a:sym typeface="+mn-ea"/>
               </a:rPr>
-              <a:t>II. What is Cucumber?</a:t>
+              <a:t>I. What is Serenity - BDD?</a:t>
             </a:r>
             <a:endParaRPr kumimoji="0" lang="en-US" altLang="zh-CN" sz="3600" b="0" i="0" u="none" strike="noStrike" cap="none" normalizeH="0" baseline="0" smtClean="0">
               <a:ln w="10160">
@@ -6561,24 +6431,7 @@
               </a:effectLst>
               <a:latin typeface="Arial" panose="020B0604020202020204" pitchFamily="34" charset="0"/>
               <a:ea typeface="SimSun" panose="02010600030101010101" pitchFamily="2" charset="-122"/>
-              <a:sym typeface="+mn-ea"/>
             </a:endParaRPr>
-          </a:p>
-        </p:txBody>
-      </p:sp>
-      <p:sp>
-        <p:nvSpPr>
-          <p:cNvPr id="11" name="Content Placeholder 10"/>
-          <p:cNvSpPr/>
-          <p:nvPr>
-            <p:ph idx="1"/>
-          </p:nvPr>
-        </p:nvSpPr>
-        <p:spPr/>
-        <p:txBody>
-          <a:bodyPr/>
-          <a:p>
-            <a:endParaRPr lang="en-US"/>
           </a:p>
         </p:txBody>
       </p:sp>
@@ -6710,7 +6563,7 @@
                 <a:latin typeface="Arial" panose="020B0604020202020204" pitchFamily="34" charset="0"/>
                 <a:ea typeface="SimSun" panose="02010600030101010101" pitchFamily="2" charset="-122"/>
               </a:rPr>
-              <a:t>III. Creating a new Serenity - BDD Cucumber project</a:t>
+              <a:t>II. Creating a new Serenity - BDD Cucumber project</a:t>
             </a:r>
             <a:r>
               <a:rPr kumimoji="0" lang="en-US" altLang="zh-CN" sz="4400" b="0" i="0" u="none" strike="noStrike" cap="none" normalizeH="0" baseline="0" smtClean="0">
@@ -6903,7 +6756,7 @@
                 <a:ea typeface="SimSun" panose="02010600030101010101" pitchFamily="2" charset="-122"/>
                 <a:sym typeface="+mn-ea"/>
               </a:rPr>
-              <a:t>IV. Project Parttern</a:t>
+              <a:t>III. Project Parttern</a:t>
             </a:r>
             <a:endParaRPr kumimoji="0" lang="en-US" altLang="zh-CN" sz="3600" b="0" i="0" u="none" strike="noStrike" cap="none" normalizeH="0" baseline="0" smtClean="0">
               <a:ln w="10160">
@@ -7074,7 +6927,7 @@
                 <a:ea typeface="SimSun" panose="02010600030101010101" pitchFamily="2" charset="-122"/>
                 <a:sym typeface="+mn-ea"/>
               </a:rPr>
-              <a:t>V. Run project and get result?</a:t>
+              <a:t>IV. Run project and get result?</a:t>
             </a:r>
             <a:endParaRPr kumimoji="0" lang="en-US" altLang="zh-CN" sz="3600" b="0" i="0" u="none" strike="noStrike" cap="none" normalizeH="0" baseline="0" smtClean="0">
               <a:ln w="10160">
@@ -7245,7 +7098,178 @@
                 <a:ea typeface="SimSun" panose="02010600030101010101" pitchFamily="2" charset="-122"/>
                 <a:sym typeface="+mn-ea"/>
               </a:rPr>
-              <a:t>VI. Demo</a:t>
+              <a:t>V. Demo</a:t>
+            </a:r>
+            <a:endParaRPr kumimoji="0" lang="en-US" altLang="zh-CN" sz="3600" b="0" i="0" u="none" strike="noStrike" cap="none" normalizeH="0" baseline="0" smtClean="0">
+              <a:ln w="10160">
+                <a:solidFill>
+                  <a:schemeClr val="accent5"/>
+                </a:solidFill>
+                <a:prstDash val="solid"/>
+              </a:ln>
+              <a:solidFill>
+                <a:srgbClr val="FFFFFF"/>
+              </a:solidFill>
+              <a:effectLst>
+                <a:outerShdw blurRad="38100" dist="22860" dir="5400000" algn="tl" rotWithShape="0">
+                  <a:srgbClr val="000000">
+                    <a:alpha val="30000"/>
+                  </a:srgbClr>
+                </a:outerShdw>
+              </a:effectLst>
+              <a:latin typeface="Arial" panose="020B0604020202020204" pitchFamily="34" charset="0"/>
+              <a:ea typeface="SimSun" panose="02010600030101010101" pitchFamily="2" charset="-122"/>
+              <a:sym typeface="+mn-ea"/>
+            </a:endParaRPr>
+          </a:p>
+        </p:txBody>
+      </p:sp>
+      <p:sp>
+        <p:nvSpPr>
+          <p:cNvPr id="11" name="Content Placeholder 10"/>
+          <p:cNvSpPr/>
+          <p:nvPr>
+            <p:ph idx="1"/>
+          </p:nvPr>
+        </p:nvSpPr>
+        <p:spPr/>
+        <p:txBody>
+          <a:bodyPr/>
+          <a:p>
+            <a:endParaRPr lang="en-US"/>
+          </a:p>
+        </p:txBody>
+      </p:sp>
+    </p:spTree>
+  </p:cSld>
+  <p:clrMapOvr>
+    <a:masterClrMapping/>
+  </p:clrMapOvr>
+</p:sld>
+</file>
+
+<file path=ppt/slides/slide9.xml><?xml version="1.0" encoding="utf-8"?>
+<p:sld xmlns:a="http://schemas.openxmlformats.org/drawingml/2006/main" xmlns:r="http://schemas.openxmlformats.org/officeDocument/2006/relationships" xmlns:p="http://schemas.openxmlformats.org/presentationml/2006/main">
+  <p:cSld>
+    <p:spTree>
+      <p:nvGrpSpPr>
+        <p:cNvPr id="1" name=""/>
+        <p:cNvGrpSpPr/>
+        <p:nvPr/>
+      </p:nvGrpSpPr>
+      <p:grpSpPr/>
+      <p:sp>
+        <p:nvSpPr>
+          <p:cNvPr id="2" name="Title 1"/>
+          <p:cNvSpPr>
+            <a:spLocks noGrp="1"/>
+          </p:cNvSpPr>
+          <p:nvPr>
+            <p:ph type="title"/>
+          </p:nvPr>
+        </p:nvSpPr>
+        <p:spPr/>
+        <p:txBody>
+          <a:bodyPr/>
+          <a:p>
+            <a:endParaRPr lang="en-US">
+              <a:solidFill>
+                <a:schemeClr val="accent1"/>
+              </a:solidFill>
+              <a:effectLst>
+                <a:outerShdw blurRad="38100" dist="25400" dir="5400000" algn="ctr" rotWithShape="0">
+                  <a:srgbClr val="6E747A">
+                    <a:alpha val="43000"/>
+                  </a:srgbClr>
+                </a:outerShdw>
+              </a:effectLst>
+            </a:endParaRPr>
+          </a:p>
+        </p:txBody>
+      </p:sp>
+      <p:sp>
+        <p:nvSpPr>
+          <p:cNvPr id="10" name="Flowchart: Process 9"/>
+          <p:cNvSpPr/>
+          <p:nvPr/>
+        </p:nvSpPr>
+        <p:spPr>
+          <a:xfrm>
+            <a:off x="609600" y="190500"/>
+            <a:ext cx="10972800" cy="784860"/>
+          </a:xfrm>
+          <a:prstGeom prst="flowChartProcess">
+            <a:avLst/>
+          </a:prstGeom>
+          <a:gradFill rotWithShape="0">
+            <a:gsLst>
+              <a:gs pos="0">
+                <a:srgbClr val="012D86"/>
+              </a:gs>
+              <a:gs pos="100000">
+                <a:srgbClr val="0E2557"/>
+              </a:gs>
+            </a:gsLst>
+            <a:lin ang="5400000" scaled="0"/>
+          </a:gradFill>
+          <a:ln w="9525" cap="flat" cmpd="sng" algn="ctr">
+            <a:solidFill>
+              <a:schemeClr val="accent1"/>
+            </a:solidFill>
+            <a:prstDash val="solid"/>
+            <a:round/>
+            <a:headEnd type="none" w="med" len="med"/>
+            <a:tailEnd type="none" w="med" len="med"/>
+          </a:ln>
+          <a:effectLst>
+            <a:outerShdw blurRad="50800" dist="50800" dir="5400000" algn="ctr" rotWithShape="0">
+              <a:srgbClr val="002060">
+                <a:alpha val="38000"/>
+              </a:srgbClr>
+            </a:outerShdw>
+          </a:effectLst>
+        </p:spPr>
+        <p:txBody>
+          <a:bodyPr vert="horz" wrap="none" lIns="91440" tIns="45720" rIns="91440" bIns="45720" numCol="1" anchor="ctr" anchorCtr="0" compatLnSpc="1"/>
+          <a:p>
+            <a:pPr marL="0" marR="0" indent="0" algn="l" defTabSz="914400" rtl="0" eaLnBrk="1" fontAlgn="base" latinLnBrk="0" hangingPunct="1">
+              <a:lnSpc>
+                <a:spcPct val="100000"/>
+              </a:lnSpc>
+              <a:spcBef>
+                <a:spcPct val="0"/>
+              </a:spcBef>
+              <a:spcAft>
+                <a:spcPct val="0"/>
+              </a:spcAft>
+              <a:buClrTx/>
+              <a:buSzTx/>
+              <a:buFontTx/>
+              <a:buNone/>
+            </a:pPr>
+            <a:r>
+              <a:rPr lang="en-US" altLang="zh-CN" sz="3600" smtClean="0">
+                <a:ln w="10160">
+                  <a:solidFill>
+                    <a:schemeClr val="accent5"/>
+                  </a:solidFill>
+                  <a:prstDash val="solid"/>
+                </a:ln>
+                <a:solidFill>
+                  <a:srgbClr val="FFFFFF"/>
+                </a:solidFill>
+                <a:effectLst>
+                  <a:outerShdw blurRad="38100" dist="22860" dir="5400000" algn="tl" rotWithShape="0">
+                    <a:srgbClr val="000000">
+                      <a:alpha val="30000"/>
+                    </a:srgbClr>
+                  </a:outerShdw>
+                </a:effectLst>
+                <a:latin typeface="Arial" panose="020B0604020202020204" pitchFamily="34" charset="0"/>
+                <a:ea typeface="SimSun" panose="02010600030101010101" pitchFamily="2" charset="-122"/>
+                <a:sym typeface="+mn-ea"/>
+              </a:rPr>
+              <a:t>VI. Summary</a:t>
             </a:r>
             <a:endParaRPr kumimoji="0" lang="en-US" altLang="zh-CN" sz="3600" b="0" i="0" u="none" strike="noStrike" cap="none" normalizeH="0" baseline="0" smtClean="0">
               <a:ln w="10160">

--- a/Sharing.pptx
+++ b/Sharing.pptx
@@ -5,18 +5,25 @@
     <p:sldMasterId id="2147483648" r:id="rId1"/>
   </p:sldMasterIdLst>
   <p:notesMasterIdLst>
-    <p:notesMasterId r:id="rId12"/>
+    <p:notesMasterId r:id="rId19"/>
   </p:notesMasterIdLst>
   <p:sldIdLst>
     <p:sldId id="256" r:id="rId3"/>
     <p:sldId id="257" r:id="rId4"/>
     <p:sldId id="258" r:id="rId5"/>
-    <p:sldId id="265" r:id="rId6"/>
-    <p:sldId id="260" r:id="rId7"/>
-    <p:sldId id="261" r:id="rId8"/>
-    <p:sldId id="262" r:id="rId9"/>
-    <p:sldId id="263" r:id="rId10"/>
-    <p:sldId id="264" r:id="rId11"/>
+    <p:sldId id="278" r:id="rId6"/>
+    <p:sldId id="279" r:id="rId7"/>
+    <p:sldId id="280" r:id="rId8"/>
+    <p:sldId id="260" r:id="rId9"/>
+    <p:sldId id="271" r:id="rId10"/>
+    <p:sldId id="272" r:id="rId11"/>
+    <p:sldId id="261" r:id="rId12"/>
+    <p:sldId id="275" r:id="rId13"/>
+    <p:sldId id="274" r:id="rId14"/>
+    <p:sldId id="263" r:id="rId15"/>
+    <p:sldId id="262" r:id="rId16"/>
+    <p:sldId id="264" r:id="rId17"/>
+    <p:sldId id="277" r:id="rId18"/>
   </p:sldIdLst>
   <p:sldSz cx="12192000" cy="6858000"/>
   <p:notesSz cx="7103745" cy="10234295"/>
@@ -4785,7 +4792,7 @@
 </p:sld>
 </file>
 
-<file path=ppt/slides/slide2.xml><?xml version="1.0" encoding="utf-8"?>
+<file path=ppt/slides/slide10.xml><?xml version="1.0" encoding="utf-8"?>
 <p:sld xmlns:a="http://schemas.openxmlformats.org/drawingml/2006/main" xmlns:r="http://schemas.openxmlformats.org/officeDocument/2006/relationships" xmlns:p="http://schemas.openxmlformats.org/presentationml/2006/main">
   <p:cSld>
     <p:spTree>
@@ -4797,7 +4804,7 @@
       <p:grpSpPr/>
       <p:sp>
         <p:nvSpPr>
-          <p:cNvPr id="2" name="Title 1"/>
+          <p:cNvPr id="4" name="Title 3"/>
           <p:cNvSpPr>
             <a:spLocks noGrp="1"/>
           </p:cNvSpPr>
@@ -4809,627 +4816,7 @@
         <p:txBody>
           <a:bodyPr/>
           <a:p>
-            <a:endParaRPr lang="en-US">
-              <a:solidFill>
-                <a:schemeClr val="accent1"/>
-              </a:solidFill>
-              <a:effectLst>
-                <a:outerShdw blurRad="38100" dist="25400" dir="5400000" algn="ctr" rotWithShape="0">
-                  <a:srgbClr val="6E747A">
-                    <a:alpha val="43000"/>
-                  </a:srgbClr>
-                </a:outerShdw>
-              </a:effectLst>
-            </a:endParaRPr>
-          </a:p>
-        </p:txBody>
-      </p:sp>
-      <p:sp>
-        <p:nvSpPr>
-          <p:cNvPr id="3" name="Content Placeholder 2"/>
-          <p:cNvSpPr>
-            <a:spLocks noGrp="1"/>
-          </p:cNvSpPr>
-          <p:nvPr>
-            <p:ph idx="1"/>
-          </p:nvPr>
-        </p:nvSpPr>
-        <p:spPr>
-          <a:xfrm>
-            <a:off x="609600" y="1174750"/>
-            <a:ext cx="10972800" cy="4953000"/>
-          </a:xfrm>
-        </p:spPr>
-        <p:txBody>
-          <a:bodyPr/>
-          <a:p>
-            <a:r>
-              <a:rPr lang="en-US" sz="4400"/>
-              <a:t>I.</a:t>
-            </a:r>
-            <a:r>
-              <a:rPr lang="en-US"/>
-              <a:t>	</a:t>
-            </a:r>
             <a:endParaRPr lang="en-US"/>
-          </a:p>
-          <a:p>
-            <a:r>
-              <a:rPr lang="en-US" sz="4400"/>
-              <a:t>II. </a:t>
-            </a:r>
-            <a:endParaRPr lang="en-US" sz="4400"/>
-          </a:p>
-          <a:p>
-            <a:r>
-              <a:rPr lang="en-US" sz="4400"/>
-              <a:t>III.</a:t>
-            </a:r>
-            <a:endParaRPr lang="en-US" sz="4400"/>
-          </a:p>
-          <a:p>
-            <a:r>
-              <a:rPr lang="en-US" sz="4400"/>
-              <a:t>IV. </a:t>
-            </a:r>
-            <a:endParaRPr lang="en-US" sz="4400"/>
-          </a:p>
-          <a:p>
-            <a:r>
-              <a:rPr lang="en-US" sz="4400"/>
-              <a:t>V.  </a:t>
-            </a:r>
-            <a:endParaRPr lang="en-US" sz="4400"/>
-          </a:p>
-          <a:p>
-            <a:r>
-              <a:rPr lang="en-US" sz="4400"/>
-              <a:t>VI.</a:t>
-            </a:r>
-            <a:endParaRPr lang="en-US" sz="4400"/>
-          </a:p>
-        </p:txBody>
-      </p:sp>
-      <p:sp>
-        <p:nvSpPr>
-          <p:cNvPr id="4" name="Rounded Rectangle 3"/>
-          <p:cNvSpPr/>
-          <p:nvPr/>
-        </p:nvSpPr>
-        <p:spPr>
-          <a:xfrm>
-            <a:off x="1939925" y="1174750"/>
-            <a:ext cx="8407400" cy="615315"/>
-          </a:xfrm>
-          <a:prstGeom prst="roundRect">
-            <a:avLst/>
-          </a:prstGeom>
-          <a:gradFill rotWithShape="0">
-            <a:gsLst>
-              <a:gs pos="0">
-                <a:schemeClr val="accent1"/>
-              </a:gs>
-              <a:gs pos="100000">
-                <a:schemeClr val="accent2"/>
-              </a:gs>
-            </a:gsLst>
-            <a:lin ang="5400000" scaled="1"/>
-          </a:gradFill>
-          <a:ln w="9525" cap="flat" cmpd="sng" algn="ctr">
-            <a:solidFill>
-              <a:schemeClr val="accent1"/>
-            </a:solidFill>
-            <a:prstDash val="solid"/>
-            <a:round/>
-            <a:headEnd type="none" w="med" len="med"/>
-            <a:tailEnd type="none" w="med" len="med"/>
-          </a:ln>
-        </p:spPr>
-        <p:txBody>
-          <a:bodyPr vert="horz" wrap="none" lIns="91440" tIns="45720" rIns="91440" bIns="45720" numCol="1" anchor="ctr" anchorCtr="0" compatLnSpc="1">
-            <a:scene3d>
-              <a:camera prst="orthographicFront"/>
-              <a:lightRig rig="threePt" dir="t"/>
-            </a:scene3d>
-          </a:bodyPr>
-          <a:p>
-            <a:pPr marL="0" marR="0" indent="0" algn="l" defTabSz="914400" rtl="0" eaLnBrk="1" fontAlgn="base" latinLnBrk="0" hangingPunct="1">
-              <a:lnSpc>
-                <a:spcPct val="100000"/>
-              </a:lnSpc>
-              <a:spcBef>
-                <a:spcPct val="0"/>
-              </a:spcBef>
-              <a:spcAft>
-                <a:spcPct val="0"/>
-              </a:spcAft>
-              <a:buClrTx/>
-              <a:buSzTx/>
-              <a:buFontTx/>
-              <a:buNone/>
-            </a:pPr>
-            <a:r>
-              <a:rPr kumimoji="0" lang="zh-CN" altLang="en-US" sz="2000" b="0" i="0" u="none" strike="noStrike" cap="none" normalizeH="0" baseline="0" smtClean="0">
-                <a:ln w="10160">
-                  <a:solidFill>
-                    <a:schemeClr val="accent5"/>
-                  </a:solidFill>
-                  <a:prstDash val="solid"/>
-                </a:ln>
-                <a:solidFill>
-                  <a:srgbClr val="FFFFFF"/>
-                </a:solidFill>
-                <a:effectLst>
-                  <a:outerShdw blurRad="38100" dist="22860" dir="5400000" algn="tl" rotWithShape="0">
-                    <a:srgbClr val="000000">
-                      <a:alpha val="30000"/>
-                    </a:srgbClr>
-                  </a:outerShdw>
-                </a:effectLst>
-                <a:latin typeface="Arial" panose="020B0604020202020204" pitchFamily="34" charset="0"/>
-                <a:ea typeface="SimSun" panose="02010600030101010101" pitchFamily="2" charset="-122"/>
-              </a:rPr>
-              <a:t>What is BDD</a:t>
-            </a:r>
-            <a:r>
-              <a:rPr kumimoji="0" lang="en-US" altLang="zh-CN" sz="2000" b="0" i="0" u="none" strike="noStrike" cap="none" normalizeH="0" baseline="0" smtClean="0">
-                <a:ln w="10160">
-                  <a:solidFill>
-                    <a:schemeClr val="accent5"/>
-                  </a:solidFill>
-                  <a:prstDash val="solid"/>
-                </a:ln>
-                <a:solidFill>
-                  <a:srgbClr val="FFFFFF"/>
-                </a:solidFill>
-                <a:effectLst>
-                  <a:outerShdw blurRad="38100" dist="22860" dir="5400000" algn="tl" rotWithShape="0">
-                    <a:srgbClr val="000000">
-                      <a:alpha val="30000"/>
-                    </a:srgbClr>
-                  </a:outerShdw>
-                </a:effectLst>
-                <a:latin typeface="Arial" panose="020B0604020202020204" pitchFamily="34" charset="0"/>
-                <a:ea typeface="SimSun" panose="02010600030101010101" pitchFamily="2" charset="-122"/>
-              </a:rPr>
-              <a:t>?</a:t>
-            </a:r>
-            <a:endParaRPr kumimoji="0" lang="en-US" altLang="zh-CN" sz="2000" b="0" i="0" u="none" strike="noStrike" cap="none" normalizeH="0" baseline="0" smtClean="0">
-              <a:ln w="10160">
-                <a:solidFill>
-                  <a:schemeClr val="accent5"/>
-                </a:solidFill>
-                <a:prstDash val="solid"/>
-              </a:ln>
-              <a:solidFill>
-                <a:srgbClr val="FFFFFF"/>
-              </a:solidFill>
-              <a:effectLst>
-                <a:outerShdw blurRad="38100" dist="22860" dir="5400000" algn="tl" rotWithShape="0">
-                  <a:srgbClr val="000000">
-                    <a:alpha val="30000"/>
-                  </a:srgbClr>
-                </a:outerShdw>
-              </a:effectLst>
-              <a:latin typeface="Arial" panose="020B0604020202020204" pitchFamily="34" charset="0"/>
-              <a:ea typeface="SimSun" panose="02010600030101010101" pitchFamily="2" charset="-122"/>
-            </a:endParaRPr>
-          </a:p>
-        </p:txBody>
-      </p:sp>
-      <p:sp>
-        <p:nvSpPr>
-          <p:cNvPr id="6" name="Rounded Rectangle 5"/>
-          <p:cNvSpPr/>
-          <p:nvPr/>
-        </p:nvSpPr>
-        <p:spPr>
-          <a:xfrm>
-            <a:off x="1891665" y="2043430"/>
-            <a:ext cx="8407400" cy="615315"/>
-          </a:xfrm>
-          <a:prstGeom prst="roundRect">
-            <a:avLst/>
-          </a:prstGeom>
-          <a:gradFill rotWithShape="0">
-            <a:gsLst>
-              <a:gs pos="0">
-                <a:schemeClr val="accent1"/>
-              </a:gs>
-              <a:gs pos="100000">
-                <a:schemeClr val="accent2"/>
-              </a:gs>
-            </a:gsLst>
-            <a:lin ang="5400000" scaled="1"/>
-          </a:gradFill>
-          <a:ln w="9525" cap="flat" cmpd="sng" algn="ctr">
-            <a:solidFill>
-              <a:schemeClr val="accent1"/>
-            </a:solidFill>
-            <a:prstDash val="solid"/>
-            <a:round/>
-            <a:headEnd type="none" w="med" len="med"/>
-            <a:tailEnd type="none" w="med" len="med"/>
-          </a:ln>
-        </p:spPr>
-        <p:txBody>
-          <a:bodyPr vert="horz" wrap="none" lIns="91440" tIns="45720" rIns="91440" bIns="45720" numCol="1" anchor="ctr" anchorCtr="0" compatLnSpc="1">
-            <a:scene3d>
-              <a:camera prst="orthographicFront"/>
-              <a:lightRig rig="threePt" dir="t"/>
-            </a:scene3d>
-          </a:bodyPr>
-          <a:p>
-            <a:pPr marL="0" marR="0" indent="0" algn="l" defTabSz="914400" rtl="0" eaLnBrk="1" fontAlgn="base" latinLnBrk="0" hangingPunct="1">
-              <a:lnSpc>
-                <a:spcPct val="100000"/>
-              </a:lnSpc>
-              <a:spcBef>
-                <a:spcPct val="0"/>
-              </a:spcBef>
-              <a:spcAft>
-                <a:spcPct val="0"/>
-              </a:spcAft>
-              <a:buClrTx/>
-              <a:buSzTx/>
-              <a:buFontTx/>
-              <a:buNone/>
-            </a:pPr>
-            <a:r>
-              <a:rPr kumimoji="0" lang="en-US" altLang="zh-CN" sz="2000" b="0" i="0" u="none" strike="noStrike" cap="none" normalizeH="0" baseline="0" smtClean="0">
-                <a:ln w="10160">
-                  <a:solidFill>
-                    <a:schemeClr val="accent5"/>
-                  </a:solidFill>
-                  <a:prstDash val="solid"/>
-                </a:ln>
-                <a:solidFill>
-                  <a:srgbClr val="FFFFFF"/>
-                </a:solidFill>
-                <a:effectLst>
-                  <a:outerShdw blurRad="38100" dist="22860" dir="5400000" algn="tl" rotWithShape="0">
-                    <a:srgbClr val="000000">
-                      <a:alpha val="30000"/>
-                    </a:srgbClr>
-                  </a:outerShdw>
-                </a:effectLst>
-                <a:latin typeface="Arial" panose="020B0604020202020204" pitchFamily="34" charset="0"/>
-                <a:ea typeface="SimSun" panose="02010600030101010101" pitchFamily="2" charset="-122"/>
-              </a:rPr>
-              <a:t>Creating a new Serenity BDD - Cucumber project?</a:t>
-            </a:r>
-            <a:endParaRPr kumimoji="0" lang="en-US" altLang="zh-CN" sz="2000" b="0" i="0" u="none" strike="noStrike" cap="none" normalizeH="0" baseline="0" smtClean="0">
-              <a:ln w="10160">
-                <a:solidFill>
-                  <a:schemeClr val="accent5"/>
-                </a:solidFill>
-                <a:prstDash val="solid"/>
-              </a:ln>
-              <a:solidFill>
-                <a:srgbClr val="FFFFFF"/>
-              </a:solidFill>
-              <a:effectLst>
-                <a:outerShdw blurRad="38100" dist="22860" dir="5400000" algn="tl" rotWithShape="0">
-                  <a:srgbClr val="000000">
-                    <a:alpha val="30000"/>
-                  </a:srgbClr>
-                </a:outerShdw>
-              </a:effectLst>
-              <a:latin typeface="Arial" panose="020B0604020202020204" pitchFamily="34" charset="0"/>
-              <a:ea typeface="SimSun" panose="02010600030101010101" pitchFamily="2" charset="-122"/>
-            </a:endParaRPr>
-          </a:p>
-        </p:txBody>
-      </p:sp>
-      <p:sp>
-        <p:nvSpPr>
-          <p:cNvPr id="7" name="Rounded Rectangle 6"/>
-          <p:cNvSpPr/>
-          <p:nvPr/>
-        </p:nvSpPr>
-        <p:spPr>
-          <a:xfrm>
-            <a:off x="1891665" y="2871470"/>
-            <a:ext cx="8407400" cy="615315"/>
-          </a:xfrm>
-          <a:prstGeom prst="roundRect">
-            <a:avLst/>
-          </a:prstGeom>
-          <a:gradFill rotWithShape="0">
-            <a:gsLst>
-              <a:gs pos="0">
-                <a:schemeClr val="accent1"/>
-              </a:gs>
-              <a:gs pos="100000">
-                <a:schemeClr val="accent2"/>
-              </a:gs>
-            </a:gsLst>
-            <a:lin ang="5400000" scaled="1"/>
-          </a:gradFill>
-          <a:ln w="9525" cap="flat" cmpd="sng" algn="ctr">
-            <a:solidFill>
-              <a:schemeClr val="accent1"/>
-            </a:solidFill>
-            <a:prstDash val="solid"/>
-            <a:round/>
-            <a:headEnd type="none" w="med" len="med"/>
-            <a:tailEnd type="none" w="med" len="med"/>
-          </a:ln>
-        </p:spPr>
-        <p:txBody>
-          <a:bodyPr vert="horz" wrap="none" lIns="91440" tIns="45720" rIns="91440" bIns="45720" numCol="1" anchor="ctr" anchorCtr="0" compatLnSpc="1">
-            <a:scene3d>
-              <a:camera prst="orthographicFront"/>
-              <a:lightRig rig="threePt" dir="t"/>
-            </a:scene3d>
-          </a:bodyPr>
-          <a:p>
-            <a:pPr marL="0" marR="0" indent="0" algn="l" defTabSz="914400" rtl="0" eaLnBrk="1" fontAlgn="base" latinLnBrk="0" hangingPunct="1">
-              <a:lnSpc>
-                <a:spcPct val="100000"/>
-              </a:lnSpc>
-              <a:spcBef>
-                <a:spcPct val="0"/>
-              </a:spcBef>
-              <a:spcAft>
-                <a:spcPct val="0"/>
-              </a:spcAft>
-              <a:buClrTx/>
-              <a:buSzTx/>
-              <a:buFontTx/>
-              <a:buNone/>
-            </a:pPr>
-            <a:r>
-              <a:rPr kumimoji="0" lang="en-US" altLang="zh-CN" sz="2800" b="0" i="0" u="none" strike="noStrike" cap="none" normalizeH="0" baseline="0" smtClean="0">
-                <a:ln w="10160">
-                  <a:solidFill>
-                    <a:schemeClr val="accent5"/>
-                  </a:solidFill>
-                  <a:prstDash val="solid"/>
-                </a:ln>
-                <a:solidFill>
-                  <a:srgbClr val="FFFFFF"/>
-                </a:solidFill>
-                <a:effectLst>
-                  <a:outerShdw blurRad="38100" dist="22860" dir="5400000" algn="tl" rotWithShape="0">
-                    <a:srgbClr val="000000">
-                      <a:alpha val="30000"/>
-                    </a:srgbClr>
-                  </a:outerShdw>
-                </a:effectLst>
-                <a:latin typeface="Arial" panose="020B0604020202020204" pitchFamily="34" charset="0"/>
-                <a:ea typeface="SimSun" panose="02010600030101010101" pitchFamily="2" charset="-122"/>
-              </a:rPr>
-              <a:t>Project Parttern</a:t>
-            </a:r>
-            <a:endParaRPr kumimoji="0" lang="en-US" altLang="zh-CN" sz="2800" b="0" i="0" u="none" strike="noStrike" cap="none" normalizeH="0" baseline="0" smtClean="0">
-              <a:ln w="10160">
-                <a:solidFill>
-                  <a:schemeClr val="accent5"/>
-                </a:solidFill>
-                <a:prstDash val="solid"/>
-              </a:ln>
-              <a:solidFill>
-                <a:srgbClr val="FFFFFF"/>
-              </a:solidFill>
-              <a:effectLst>
-                <a:outerShdw blurRad="38100" dist="22860" dir="5400000" algn="tl" rotWithShape="0">
-                  <a:srgbClr val="000000">
-                    <a:alpha val="30000"/>
-                  </a:srgbClr>
-                </a:outerShdw>
-              </a:effectLst>
-              <a:latin typeface="Arial" panose="020B0604020202020204" pitchFamily="34" charset="0"/>
-              <a:ea typeface="SimSun" panose="02010600030101010101" pitchFamily="2" charset="-122"/>
-            </a:endParaRPr>
-          </a:p>
-        </p:txBody>
-      </p:sp>
-      <p:sp>
-        <p:nvSpPr>
-          <p:cNvPr id="8" name="Rounded Rectangle 7"/>
-          <p:cNvSpPr/>
-          <p:nvPr/>
-        </p:nvSpPr>
-        <p:spPr>
-          <a:xfrm>
-            <a:off x="1891665" y="3668395"/>
-            <a:ext cx="8407400" cy="615315"/>
-          </a:xfrm>
-          <a:prstGeom prst="roundRect">
-            <a:avLst/>
-          </a:prstGeom>
-          <a:gradFill rotWithShape="0">
-            <a:gsLst>
-              <a:gs pos="0">
-                <a:schemeClr val="accent1"/>
-              </a:gs>
-              <a:gs pos="100000">
-                <a:schemeClr val="accent2"/>
-              </a:gs>
-            </a:gsLst>
-            <a:lin ang="5400000" scaled="1"/>
-          </a:gradFill>
-          <a:ln w="9525" cap="flat" cmpd="sng" algn="ctr">
-            <a:solidFill>
-              <a:schemeClr val="accent1"/>
-            </a:solidFill>
-            <a:prstDash val="solid"/>
-            <a:round/>
-            <a:headEnd type="none" w="med" len="med"/>
-            <a:tailEnd type="none" w="med" len="med"/>
-          </a:ln>
-        </p:spPr>
-        <p:txBody>
-          <a:bodyPr vert="horz" wrap="none" lIns="91440" tIns="45720" rIns="91440" bIns="45720" numCol="1" anchor="ctr" anchorCtr="0" compatLnSpc="1">
-            <a:scene3d>
-              <a:camera prst="orthographicFront"/>
-              <a:lightRig rig="threePt" dir="t"/>
-            </a:scene3d>
-          </a:bodyPr>
-          <a:p>
-            <a:pPr marL="0" marR="0" indent="0" algn="l" defTabSz="914400" rtl="0" eaLnBrk="1" fontAlgn="base" latinLnBrk="0" hangingPunct="1">
-              <a:lnSpc>
-                <a:spcPct val="100000"/>
-              </a:lnSpc>
-              <a:spcBef>
-                <a:spcPct val="0"/>
-              </a:spcBef>
-              <a:spcAft>
-                <a:spcPct val="0"/>
-              </a:spcAft>
-              <a:buClrTx/>
-              <a:buSzTx/>
-              <a:buFontTx/>
-              <a:buNone/>
-            </a:pPr>
-            <a:r>
-              <a:rPr kumimoji="0" lang="en-US" altLang="zh-CN" sz="2800" b="0" i="0" u="none" strike="noStrike" cap="none" normalizeH="0" baseline="0" smtClean="0">
-                <a:ln w="10160">
-                  <a:solidFill>
-                    <a:schemeClr val="accent5"/>
-                  </a:solidFill>
-                  <a:prstDash val="solid"/>
-                </a:ln>
-                <a:solidFill>
-                  <a:srgbClr val="FFFFFF"/>
-                </a:solidFill>
-                <a:effectLst>
-                  <a:outerShdw blurRad="38100" dist="22860" dir="5400000" algn="tl" rotWithShape="0">
-                    <a:srgbClr val="000000">
-                      <a:alpha val="30000"/>
-                    </a:srgbClr>
-                  </a:outerShdw>
-                </a:effectLst>
-                <a:latin typeface="Arial" panose="020B0604020202020204" pitchFamily="34" charset="0"/>
-                <a:ea typeface="SimSun" panose="02010600030101010101" pitchFamily="2" charset="-122"/>
-              </a:rPr>
-              <a:t>Run project and get result.</a:t>
-            </a:r>
-            <a:endParaRPr kumimoji="0" lang="en-US" altLang="zh-CN" sz="2800" b="0" i="0" u="none" strike="noStrike" cap="none" normalizeH="0" baseline="0" smtClean="0">
-              <a:ln w="10160">
-                <a:solidFill>
-                  <a:schemeClr val="accent5"/>
-                </a:solidFill>
-                <a:prstDash val="solid"/>
-              </a:ln>
-              <a:solidFill>
-                <a:srgbClr val="FFFFFF"/>
-              </a:solidFill>
-              <a:effectLst>
-                <a:outerShdw blurRad="38100" dist="22860" dir="5400000" algn="tl" rotWithShape="0">
-                  <a:srgbClr val="000000">
-                    <a:alpha val="30000"/>
-                  </a:srgbClr>
-                </a:outerShdw>
-              </a:effectLst>
-              <a:latin typeface="Arial" panose="020B0604020202020204" pitchFamily="34" charset="0"/>
-              <a:ea typeface="SimSun" panose="02010600030101010101" pitchFamily="2" charset="-122"/>
-            </a:endParaRPr>
-          </a:p>
-        </p:txBody>
-      </p:sp>
-      <p:sp>
-        <p:nvSpPr>
-          <p:cNvPr id="9" name="Rounded Rectangle 8"/>
-          <p:cNvSpPr/>
-          <p:nvPr/>
-        </p:nvSpPr>
-        <p:spPr>
-          <a:xfrm>
-            <a:off x="1891665" y="4482465"/>
-            <a:ext cx="8407400" cy="615315"/>
-          </a:xfrm>
-          <a:prstGeom prst="roundRect">
-            <a:avLst/>
-          </a:prstGeom>
-          <a:gradFill rotWithShape="0">
-            <a:gsLst>
-              <a:gs pos="0">
-                <a:schemeClr val="accent1"/>
-              </a:gs>
-              <a:gs pos="100000">
-                <a:schemeClr val="accent2"/>
-              </a:gs>
-            </a:gsLst>
-            <a:lin ang="5400000" scaled="1"/>
-          </a:gradFill>
-          <a:ln w="9525" cap="flat" cmpd="sng" algn="ctr">
-            <a:solidFill>
-              <a:schemeClr val="accent1"/>
-            </a:solidFill>
-            <a:prstDash val="solid"/>
-            <a:round/>
-            <a:headEnd type="none" w="med" len="med"/>
-            <a:tailEnd type="none" w="med" len="med"/>
-          </a:ln>
-        </p:spPr>
-        <p:txBody>
-          <a:bodyPr vert="horz" wrap="none" lIns="91440" tIns="45720" rIns="91440" bIns="45720" numCol="1" anchor="ctr" anchorCtr="0" compatLnSpc="1">
-            <a:scene3d>
-              <a:camera prst="orthographicFront"/>
-              <a:lightRig rig="threePt" dir="t"/>
-            </a:scene3d>
-          </a:bodyPr>
-          <a:p>
-            <a:pPr marL="0" marR="0" indent="0" algn="l" defTabSz="914400" rtl="0" eaLnBrk="1" fontAlgn="base" latinLnBrk="0" hangingPunct="1">
-              <a:lnSpc>
-                <a:spcPct val="100000"/>
-              </a:lnSpc>
-              <a:spcBef>
-                <a:spcPct val="0"/>
-              </a:spcBef>
-              <a:spcAft>
-                <a:spcPct val="0"/>
-              </a:spcAft>
-              <a:buClrTx/>
-              <a:buSzTx/>
-              <a:buFontTx/>
-              <a:buNone/>
-            </a:pPr>
-            <a:r>
-              <a:rPr kumimoji="0" lang="en-US" altLang="zh-CN" sz="2800" b="0" i="0" u="none" strike="noStrike" cap="none" normalizeH="0" baseline="0" smtClean="0">
-                <a:ln w="10160">
-                  <a:solidFill>
-                    <a:schemeClr val="accent5"/>
-                  </a:solidFill>
-                  <a:prstDash val="solid"/>
-                </a:ln>
-                <a:solidFill>
-                  <a:srgbClr val="FFFFFF"/>
-                </a:solidFill>
-                <a:effectLst>
-                  <a:outerShdw blurRad="38100" dist="22860" dir="5400000" algn="tl" rotWithShape="0">
-                    <a:srgbClr val="000000">
-                      <a:alpha val="30000"/>
-                    </a:srgbClr>
-                  </a:outerShdw>
-                </a:effectLst>
-                <a:latin typeface="Arial" panose="020B0604020202020204" pitchFamily="34" charset="0"/>
-                <a:ea typeface="SimSun" panose="02010600030101010101" pitchFamily="2" charset="-122"/>
-              </a:rPr>
-              <a:t>Demo</a:t>
-            </a:r>
-            <a:endParaRPr kumimoji="0" lang="en-US" altLang="zh-CN" sz="2800" b="0" i="0" u="none" strike="noStrike" cap="none" normalizeH="0" baseline="0" smtClean="0">
-              <a:ln w="10160">
-                <a:solidFill>
-                  <a:schemeClr val="accent5"/>
-                </a:solidFill>
-                <a:prstDash val="solid"/>
-              </a:ln>
-              <a:solidFill>
-                <a:srgbClr val="FFFFFF"/>
-              </a:solidFill>
-              <a:effectLst>
-                <a:outerShdw blurRad="38100" dist="22860" dir="5400000" algn="tl" rotWithShape="0">
-                  <a:srgbClr val="000000">
-                    <a:alpha val="30000"/>
-                  </a:srgbClr>
-                </a:outerShdw>
-              </a:effectLst>
-              <a:latin typeface="Arial" panose="020B0604020202020204" pitchFamily="34" charset="0"/>
-              <a:ea typeface="SimSun" panose="02010600030101010101" pitchFamily="2" charset="-122"/>
-            </a:endParaRPr>
           </a:p>
         </p:txBody>
       </p:sp>
@@ -5478,7 +4865,7 @@
         <p:txBody>
           <a:bodyPr vert="horz" wrap="none" lIns="91440" tIns="45720" rIns="91440" bIns="45720" numCol="1" anchor="ctr" anchorCtr="0" compatLnSpc="1"/>
           <a:p>
-            <a:pPr marL="0" marR="0" indent="0" algn="ctr" defTabSz="914400" rtl="0" eaLnBrk="1" fontAlgn="base" latinLnBrk="0" hangingPunct="1">
+            <a:pPr marL="0" marR="0" indent="0" algn="l" defTabSz="914400" rtl="0" eaLnBrk="1" fontAlgn="base" latinLnBrk="0" hangingPunct="1">
               <a:lnSpc>
                 <a:spcPct val="100000"/>
               </a:lnSpc>
@@ -5494,7 +4881,7 @@
               <a:buNone/>
             </a:pPr>
             <a:r>
-              <a:rPr kumimoji="0" lang="en-US" altLang="zh-CN" sz="4000" b="0" i="0" u="none" strike="noStrike" cap="none" normalizeH="0" baseline="0" smtClean="0">
+              <a:rPr lang="en-US" altLang="zh-CN" sz="3600" smtClean="0">
                 <a:ln w="10160">
                   <a:solidFill>
                     <a:schemeClr val="accent5"/>
@@ -5513,10 +4900,11 @@
                 </a:effectLst>
                 <a:latin typeface="Arial" panose="020B0604020202020204" pitchFamily="34" charset="0"/>
                 <a:ea typeface="SimSun" panose="02010600030101010101" pitchFamily="2" charset="-122"/>
+                <a:sym typeface="+mn-ea"/>
               </a:rPr>
-              <a:t>Content</a:t>
-            </a:r>
-            <a:endParaRPr kumimoji="0" lang="en-US" altLang="zh-CN" sz="4000" b="0" i="0" u="none" strike="noStrike" cap="none" normalizeH="0" baseline="0" smtClean="0">
+              <a:t>III. Project Parttern</a:t>
+            </a:r>
+            <a:endParaRPr kumimoji="0" lang="en-US" altLang="zh-CN" sz="3600" b="0" i="0" u="none" strike="noStrike" cap="none" normalizeH="0" baseline="0" smtClean="0">
               <a:ln w="10160">
                 <a:solidFill>
                   <a:schemeClr val="accent5"/>
@@ -5535,424 +4923,49 @@
               </a:effectLst>
               <a:latin typeface="Arial" panose="020B0604020202020204" pitchFamily="34" charset="0"/>
               <a:ea typeface="SimSun" panose="02010600030101010101" pitchFamily="2" charset="-122"/>
+              <a:sym typeface="+mn-ea"/>
             </a:endParaRPr>
           </a:p>
         </p:txBody>
       </p:sp>
       <p:sp>
         <p:nvSpPr>
-          <p:cNvPr id="12" name="Rounded Rectangle 11"/>
+          <p:cNvPr id="11" name="Content Placeholder 10"/>
           <p:cNvSpPr/>
-          <p:nvPr/>
-        </p:nvSpPr>
-        <p:spPr>
-          <a:xfrm>
-            <a:off x="1892300" y="1207135"/>
-            <a:ext cx="8407400" cy="615315"/>
-          </a:xfrm>
-          <a:prstGeom prst="roundRect">
-            <a:avLst/>
-          </a:prstGeom>
-          <a:gradFill rotWithShape="0">
-            <a:gsLst>
-              <a:gs pos="0">
-                <a:schemeClr val="accent1"/>
-              </a:gs>
-              <a:gs pos="100000">
-                <a:schemeClr val="accent2"/>
-              </a:gs>
-            </a:gsLst>
-            <a:lin ang="5400000" scaled="1"/>
-          </a:gradFill>
-          <a:ln w="9525" cap="flat" cmpd="sng" algn="ctr">
-            <a:solidFill>
-              <a:schemeClr val="accent1"/>
-            </a:solidFill>
-            <a:prstDash val="solid"/>
-            <a:round/>
-            <a:headEnd type="none" w="med" len="med"/>
-            <a:tailEnd type="none" w="med" len="med"/>
-          </a:ln>
-        </p:spPr>
-        <p:txBody>
-          <a:bodyPr vert="horz" wrap="none" lIns="91440" tIns="45720" rIns="91440" bIns="45720" numCol="1" anchor="ctr" anchorCtr="0" compatLnSpc="1">
+          <p:nvPr>
+            <p:ph sz="half" idx="1"/>
+          </p:nvPr>
+        </p:nvSpPr>
+        <p:spPr/>
+        <p:txBody>
+          <a:bodyPr>
             <a:scene3d>
               <a:camera prst="orthographicFront"/>
               <a:lightRig rig="threePt" dir="t"/>
             </a:scene3d>
           </a:bodyPr>
           <a:p>
-            <a:pPr marL="0" marR="0" indent="0" algn="l" defTabSz="914400" rtl="0" eaLnBrk="1" fontAlgn="base" latinLnBrk="0" hangingPunct="1">
-              <a:lnSpc>
-                <a:spcPct val="100000"/>
-              </a:lnSpc>
-              <a:spcBef>
-                <a:spcPct val="0"/>
-              </a:spcBef>
-              <a:spcAft>
-                <a:spcPct val="0"/>
-              </a:spcAft>
-              <a:buClrTx/>
-              <a:buSzTx/>
-              <a:buFontTx/>
+            <a:pPr marL="0" indent="0">
               <a:buNone/>
             </a:pPr>
             <a:r>
-              <a:rPr kumimoji="0" lang="zh-CN" altLang="en-US" sz="2800" b="0" i="0" u="none" strike="noStrike" cap="none" normalizeH="0" baseline="0" smtClean="0">
-                <a:ln w="10160">
-                  <a:solidFill>
-                    <a:schemeClr val="accent5"/>
-                  </a:solidFill>
-                  <a:prstDash val="solid"/>
-                </a:ln>
-                <a:solidFill>
-                  <a:srgbClr val="FFFFFF"/>
+              <a:rPr lang="en-US" sz="2400">
+                <a:ln/>
+                <a:solidFill>
+                  <a:schemeClr val="accent1"/>
                 </a:solidFill>
                 <a:effectLst>
-                  <a:outerShdw blurRad="38100" dist="22860" dir="5400000" algn="tl" rotWithShape="0">
-                    <a:srgbClr val="000000">
-                      <a:alpha val="30000"/>
+                  <a:outerShdw blurRad="38100" dist="25400" dir="5400000" algn="ctr" rotWithShape="0">
+                    <a:srgbClr val="6E747A">
+                      <a:alpha val="43000"/>
                     </a:srgbClr>
                   </a:outerShdw>
                 </a:effectLst>
-                <a:latin typeface="Arial" panose="020B0604020202020204" pitchFamily="34" charset="0"/>
-                <a:ea typeface="SimSun" panose="02010600030101010101" pitchFamily="2" charset="-122"/>
               </a:rPr>
-              <a:t>What is </a:t>
-            </a:r>
-            <a:r>
-              <a:rPr kumimoji="0" lang="en-US" altLang="zh-CN" sz="2800" b="0" i="0" u="none" strike="noStrike" cap="none" normalizeH="0" baseline="0" smtClean="0">
-                <a:ln w="10160">
-                  <a:solidFill>
-                    <a:schemeClr val="accent5"/>
-                  </a:solidFill>
-                  <a:prstDash val="solid"/>
-                </a:ln>
-                <a:solidFill>
-                  <a:srgbClr val="FFFFFF"/>
-                </a:solidFill>
-                <a:effectLst>
-                  <a:outerShdw blurRad="38100" dist="22860" dir="5400000" algn="tl" rotWithShape="0">
-                    <a:srgbClr val="000000">
-                      <a:alpha val="30000"/>
-                    </a:srgbClr>
-                  </a:outerShdw>
-                </a:effectLst>
-                <a:latin typeface="Arial" panose="020B0604020202020204" pitchFamily="34" charset="0"/>
-                <a:ea typeface="SimSun" panose="02010600030101010101" pitchFamily="2" charset="-122"/>
-              </a:rPr>
-              <a:t>Serenity - </a:t>
-            </a:r>
-            <a:r>
-              <a:rPr kumimoji="0" lang="zh-CN" altLang="en-US" sz="2800" b="0" i="0" u="none" strike="noStrike" cap="none" normalizeH="0" baseline="0" smtClean="0">
-                <a:ln w="10160">
-                  <a:solidFill>
-                    <a:schemeClr val="accent5"/>
-                  </a:solidFill>
-                  <a:prstDash val="solid"/>
-                </a:ln>
-                <a:solidFill>
-                  <a:srgbClr val="FFFFFF"/>
-                </a:solidFill>
-                <a:effectLst>
-                  <a:outerShdw blurRad="38100" dist="22860" dir="5400000" algn="tl" rotWithShape="0">
-                    <a:srgbClr val="000000">
-                      <a:alpha val="30000"/>
-                    </a:srgbClr>
-                  </a:outerShdw>
-                </a:effectLst>
-                <a:latin typeface="Arial" panose="020B0604020202020204" pitchFamily="34" charset="0"/>
-                <a:ea typeface="SimSun" panose="02010600030101010101" pitchFamily="2" charset="-122"/>
-              </a:rPr>
-              <a:t>BDD</a:t>
-            </a:r>
-            <a:r>
-              <a:rPr kumimoji="0" lang="en-US" altLang="zh-CN" sz="2800" b="0" i="0" u="none" strike="noStrike" cap="none" normalizeH="0" baseline="0" smtClean="0">
-                <a:ln w="10160">
-                  <a:solidFill>
-                    <a:schemeClr val="accent5"/>
-                  </a:solidFill>
-                  <a:prstDash val="solid"/>
-                </a:ln>
-                <a:solidFill>
-                  <a:srgbClr val="FFFFFF"/>
-                </a:solidFill>
-                <a:effectLst>
-                  <a:outerShdw blurRad="38100" dist="22860" dir="5400000" algn="tl" rotWithShape="0">
-                    <a:srgbClr val="000000">
-                      <a:alpha val="30000"/>
-                    </a:srgbClr>
-                  </a:outerShdw>
-                </a:effectLst>
-                <a:latin typeface="Arial" panose="020B0604020202020204" pitchFamily="34" charset="0"/>
-                <a:ea typeface="SimSun" panose="02010600030101010101" pitchFamily="2" charset="-122"/>
-              </a:rPr>
-              <a:t>?</a:t>
-            </a:r>
-            <a:endParaRPr kumimoji="0" lang="en-US" altLang="zh-CN" sz="2800" b="0" i="0" u="none" strike="noStrike" cap="none" normalizeH="0" baseline="0" smtClean="0">
-              <a:ln w="10160">
-                <a:solidFill>
-                  <a:schemeClr val="accent5"/>
-                </a:solidFill>
-                <a:prstDash val="solid"/>
-              </a:ln>
-              <a:solidFill>
-                <a:srgbClr val="FFFFFF"/>
-              </a:solidFill>
-              <a:effectLst>
-                <a:outerShdw blurRad="38100" dist="22860" dir="5400000" algn="tl" rotWithShape="0">
-                  <a:srgbClr val="000000">
-                    <a:alpha val="30000"/>
-                  </a:srgbClr>
-                </a:outerShdw>
-              </a:effectLst>
-              <a:latin typeface="Arial" panose="020B0604020202020204" pitchFamily="34" charset="0"/>
-              <a:ea typeface="SimSun" panose="02010600030101010101" pitchFamily="2" charset="-122"/>
-            </a:endParaRPr>
-          </a:p>
-        </p:txBody>
-      </p:sp>
-      <p:sp>
-        <p:nvSpPr>
-          <p:cNvPr id="14" name="Rounded Rectangle 13"/>
-          <p:cNvSpPr/>
-          <p:nvPr/>
-        </p:nvSpPr>
-        <p:spPr>
-          <a:xfrm>
-            <a:off x="1892300" y="2043430"/>
-            <a:ext cx="8407400" cy="615315"/>
-          </a:xfrm>
-          <a:prstGeom prst="roundRect">
-            <a:avLst/>
-          </a:prstGeom>
-          <a:gradFill rotWithShape="0">
-            <a:gsLst>
-              <a:gs pos="0">
-                <a:schemeClr val="accent1"/>
-              </a:gs>
-              <a:gs pos="100000">
-                <a:schemeClr val="accent2"/>
-              </a:gs>
-            </a:gsLst>
-            <a:lin ang="5400000" scaled="1"/>
-          </a:gradFill>
-          <a:ln w="9525" cap="flat" cmpd="sng" algn="ctr">
-            <a:solidFill>
-              <a:schemeClr val="accent1"/>
-            </a:solidFill>
-            <a:prstDash val="solid"/>
-            <a:round/>
-            <a:headEnd type="none" w="med" len="med"/>
-            <a:tailEnd type="none" w="med" len="med"/>
-          </a:ln>
-        </p:spPr>
-        <p:txBody>
-          <a:bodyPr vert="horz" wrap="none" lIns="91440" tIns="45720" rIns="91440" bIns="45720" numCol="1" anchor="ctr" anchorCtr="0" compatLnSpc="1">
-            <a:scene3d>
-              <a:camera prst="orthographicFront"/>
-              <a:lightRig rig="threePt" dir="t"/>
-            </a:scene3d>
-          </a:bodyPr>
-          <a:p>
-            <a:pPr marL="0" marR="0" indent="0" algn="l" defTabSz="914400" rtl="0" eaLnBrk="1" fontAlgn="base" latinLnBrk="0" hangingPunct="1">
-              <a:lnSpc>
-                <a:spcPct val="100000"/>
-              </a:lnSpc>
-              <a:spcBef>
-                <a:spcPct val="0"/>
-              </a:spcBef>
-              <a:spcAft>
-                <a:spcPct val="0"/>
-              </a:spcAft>
-              <a:buClrTx/>
-              <a:buSzTx/>
-              <a:buFontTx/>
-              <a:buNone/>
-            </a:pPr>
-            <a:r>
-              <a:rPr kumimoji="0" lang="en-US" altLang="zh-CN" sz="2800" b="0" i="0" u="none" strike="noStrike" cap="none" normalizeH="0" baseline="0" smtClean="0">
-                <a:ln w="10160">
-                  <a:solidFill>
-                    <a:schemeClr val="accent5"/>
-                  </a:solidFill>
-                  <a:prstDash val="solid"/>
-                </a:ln>
-                <a:solidFill>
-                  <a:srgbClr val="FFFFFF"/>
-                </a:solidFill>
-                <a:effectLst>
-                  <a:outerShdw blurRad="38100" dist="22860" dir="5400000" algn="tl" rotWithShape="0">
-                    <a:srgbClr val="000000">
-                      <a:alpha val="30000"/>
-                    </a:srgbClr>
-                  </a:outerShdw>
-                </a:effectLst>
-                <a:latin typeface="Arial" panose="020B0604020202020204" pitchFamily="34" charset="0"/>
-                <a:ea typeface="SimSun" panose="02010600030101010101" pitchFamily="2" charset="-122"/>
-              </a:rPr>
-              <a:t>Creating a new Serenity BDD - Cucumber project?</a:t>
-            </a:r>
-            <a:endParaRPr kumimoji="0" lang="en-US" altLang="zh-CN" sz="2800" b="0" i="0" u="none" strike="noStrike" cap="none" normalizeH="0" baseline="0" smtClean="0">
-              <a:ln w="10160">
-                <a:solidFill>
-                  <a:schemeClr val="accent5"/>
-                </a:solidFill>
-                <a:prstDash val="solid"/>
-              </a:ln>
-              <a:solidFill>
-                <a:srgbClr val="FFFFFF"/>
-              </a:solidFill>
-              <a:effectLst>
-                <a:outerShdw blurRad="38100" dist="22860" dir="5400000" algn="tl" rotWithShape="0">
-                  <a:srgbClr val="000000">
-                    <a:alpha val="30000"/>
-                  </a:srgbClr>
-                </a:outerShdw>
-              </a:effectLst>
-              <a:latin typeface="Arial" panose="020B0604020202020204" pitchFamily="34" charset="0"/>
-              <a:ea typeface="SimSun" panose="02010600030101010101" pitchFamily="2" charset="-122"/>
-            </a:endParaRPr>
-          </a:p>
-        </p:txBody>
-      </p:sp>
-      <p:sp>
-        <p:nvSpPr>
-          <p:cNvPr id="11" name="Rounded Rectangle 10"/>
-          <p:cNvSpPr/>
-          <p:nvPr/>
-        </p:nvSpPr>
-        <p:spPr>
-          <a:xfrm>
-            <a:off x="1891665" y="5318760"/>
-            <a:ext cx="8407400" cy="615315"/>
-          </a:xfrm>
-          <a:prstGeom prst="roundRect">
-            <a:avLst/>
-          </a:prstGeom>
-          <a:gradFill rotWithShape="0">
-            <a:gsLst>
-              <a:gs pos="0">
-                <a:schemeClr val="accent1"/>
-              </a:gs>
-              <a:gs pos="100000">
-                <a:schemeClr val="accent2"/>
-              </a:gs>
-            </a:gsLst>
-            <a:lin ang="5400000" scaled="1"/>
-          </a:gradFill>
-          <a:ln w="9525" cap="flat" cmpd="sng" algn="ctr">
-            <a:solidFill>
-              <a:schemeClr val="accent1"/>
-            </a:solidFill>
-            <a:prstDash val="solid"/>
-            <a:round/>
-            <a:headEnd type="none" w="med" len="med"/>
-            <a:tailEnd type="none" w="med" len="med"/>
-          </a:ln>
-        </p:spPr>
-        <p:txBody>
-          <a:bodyPr vert="horz" wrap="none" lIns="91440" tIns="45720" rIns="91440" bIns="45720" numCol="1" anchor="ctr" anchorCtr="0" compatLnSpc="1">
-            <a:scene3d>
-              <a:camera prst="orthographicFront"/>
-              <a:lightRig rig="threePt" dir="t"/>
-            </a:scene3d>
-          </a:bodyPr>
-          <a:p>
-            <a:pPr marL="0" marR="0" indent="0" algn="l" defTabSz="914400" rtl="0" eaLnBrk="1" fontAlgn="base" latinLnBrk="0" hangingPunct="1">
-              <a:lnSpc>
-                <a:spcPct val="100000"/>
-              </a:lnSpc>
-              <a:spcBef>
-                <a:spcPct val="0"/>
-              </a:spcBef>
-              <a:spcAft>
-                <a:spcPct val="0"/>
-              </a:spcAft>
-              <a:buClrTx/>
-              <a:buSzTx/>
-              <a:buFontTx/>
-              <a:buNone/>
-            </a:pPr>
-            <a:r>
-              <a:rPr kumimoji="0" lang="en-US" altLang="zh-CN" sz="2800" b="0" i="0" u="none" strike="noStrike" cap="none" normalizeH="0" baseline="0" smtClean="0">
-                <a:ln w="10160">
-                  <a:solidFill>
-                    <a:schemeClr val="accent5"/>
-                  </a:solidFill>
-                  <a:prstDash val="solid"/>
-                </a:ln>
-                <a:solidFill>
-                  <a:srgbClr val="FFFFFF"/>
-                </a:solidFill>
-                <a:effectLst>
-                  <a:outerShdw blurRad="38100" dist="22860" dir="5400000" algn="tl" rotWithShape="0">
-                    <a:srgbClr val="000000">
-                      <a:alpha val="30000"/>
-                    </a:srgbClr>
-                  </a:outerShdw>
-                </a:effectLst>
-                <a:latin typeface="Arial" panose="020B0604020202020204" pitchFamily="34" charset="0"/>
-                <a:ea typeface="SimSun" panose="02010600030101010101" pitchFamily="2" charset="-122"/>
-              </a:rPr>
-              <a:t>Summary</a:t>
-            </a:r>
-            <a:endParaRPr kumimoji="0" lang="en-US" altLang="zh-CN" sz="2800" b="0" i="0" u="none" strike="noStrike" cap="none" normalizeH="0" baseline="0" smtClean="0">
-              <a:ln w="10160">
-                <a:solidFill>
-                  <a:schemeClr val="accent5"/>
-                </a:solidFill>
-                <a:prstDash val="solid"/>
-              </a:ln>
-              <a:solidFill>
-                <a:srgbClr val="FFFFFF"/>
-              </a:solidFill>
-              <a:effectLst>
-                <a:outerShdw blurRad="38100" dist="22860" dir="5400000" algn="tl" rotWithShape="0">
-                  <a:srgbClr val="000000">
-                    <a:alpha val="30000"/>
-                  </a:srgbClr>
-                </a:outerShdw>
-              </a:effectLst>
-              <a:latin typeface="Arial" panose="020B0604020202020204" pitchFamily="34" charset="0"/>
-              <a:ea typeface="SimSun" panose="02010600030101010101" pitchFamily="2" charset="-122"/>
-            </a:endParaRPr>
-          </a:p>
-        </p:txBody>
-      </p:sp>
-    </p:spTree>
-  </p:cSld>
-  <p:clrMapOvr>
-    <a:masterClrMapping/>
-  </p:clrMapOvr>
-</p:sld>
-</file>
-
-<file path=ppt/slides/slide3.xml><?xml version="1.0" encoding="utf-8"?>
-<p:sld xmlns:a="http://schemas.openxmlformats.org/drawingml/2006/main" xmlns:r="http://schemas.openxmlformats.org/officeDocument/2006/relationships" xmlns:p="http://schemas.openxmlformats.org/presentationml/2006/main">
-  <p:cSld>
-    <p:spTree>
-      <p:nvGrpSpPr>
-        <p:cNvPr id="1" name=""/>
-        <p:cNvGrpSpPr/>
-        <p:nvPr/>
-      </p:nvGrpSpPr>
-      <p:grpSpPr/>
-      <p:sp>
-        <p:nvSpPr>
-          <p:cNvPr id="2" name="Title 1"/>
-          <p:cNvSpPr>
-            <a:spLocks noGrp="1"/>
-          </p:cNvSpPr>
-          <p:nvPr>
-            <p:ph type="title"/>
-          </p:nvPr>
-        </p:nvSpPr>
-        <p:spPr/>
-        <p:txBody>
-          <a:bodyPr/>
-          <a:p>
-            <a:endParaRPr lang="en-US">
+              <a:t>1. Project Overview</a:t>
+            </a:r>
+            <a:endParaRPr lang="en-US" sz="2400">
+              <a:ln/>
               <a:solidFill>
                 <a:schemeClr val="accent1"/>
               </a:solidFill>
@@ -5964,6 +4977,86 @@
                 </a:outerShdw>
               </a:effectLst>
             </a:endParaRPr>
+          </a:p>
+          <a:p>
+            <a:pPr marL="0" indent="0">
+              <a:buNone/>
+            </a:pPr>
+            <a:endParaRPr lang="en-US" sz="2400">
+              <a:ln/>
+              <a:solidFill>
+                <a:schemeClr val="accent1"/>
+              </a:solidFill>
+              <a:effectLst>
+                <a:outerShdw blurRad="38100" dist="25400" dir="5400000" algn="ctr" rotWithShape="0">
+                  <a:srgbClr val="6E747A">
+                    <a:alpha val="43000"/>
+                  </a:srgbClr>
+                </a:outerShdw>
+              </a:effectLst>
+            </a:endParaRPr>
+          </a:p>
+        </p:txBody>
+      </p:sp>
+      <p:pic>
+        <p:nvPicPr>
+          <p:cNvPr id="3" name="Content Placeholder 2" descr="2.1 project structer"/>
+          <p:cNvPicPr>
+            <a:picLocks noChangeAspect="1"/>
+          </p:cNvPicPr>
+          <p:nvPr>
+            <p:ph sz="half" idx="2"/>
+          </p:nvPr>
+        </p:nvPicPr>
+        <p:blipFill>
+          <a:blip r:embed="rId1"/>
+          <a:stretch>
+            <a:fillRect/>
+          </a:stretch>
+        </p:blipFill>
+        <p:spPr>
+          <a:xfrm>
+            <a:off x="609600" y="1866900"/>
+            <a:ext cx="10321925" cy="3811270"/>
+          </a:xfrm>
+          <a:prstGeom prst="rect">
+            <a:avLst/>
+          </a:prstGeom>
+        </p:spPr>
+      </p:pic>
+    </p:spTree>
+  </p:cSld>
+  <p:clrMapOvr>
+    <a:masterClrMapping/>
+  </p:clrMapOvr>
+</p:sld>
+</file>
+
+<file path=ppt/slides/slide11.xml><?xml version="1.0" encoding="utf-8"?>
+<p:sld xmlns:a="http://schemas.openxmlformats.org/drawingml/2006/main" xmlns:r="http://schemas.openxmlformats.org/officeDocument/2006/relationships" xmlns:p="http://schemas.openxmlformats.org/presentationml/2006/main">
+  <p:cSld>
+    <p:spTree>
+      <p:nvGrpSpPr>
+        <p:cNvPr id="1" name=""/>
+        <p:cNvGrpSpPr/>
+        <p:nvPr/>
+      </p:nvGrpSpPr>
+      <p:grpSpPr/>
+      <p:sp>
+        <p:nvSpPr>
+          <p:cNvPr id="4" name="Title 3"/>
+          <p:cNvSpPr>
+            <a:spLocks noGrp="1"/>
+          </p:cNvSpPr>
+          <p:nvPr>
+            <p:ph type="title"/>
+          </p:nvPr>
+        </p:nvSpPr>
+        <p:spPr/>
+        <p:txBody>
+          <a:bodyPr/>
+          <a:p>
+            <a:endParaRPr lang="en-US"/>
           </a:p>
         </p:txBody>
       </p:sp>
@@ -6028,7 +5121,7 @@
               <a:buNone/>
             </a:pPr>
             <a:r>
-              <a:rPr kumimoji="0" lang="en-US" altLang="zh-CN" sz="3600" b="0" i="0" u="none" strike="noStrike" cap="none" normalizeH="0" baseline="0" smtClean="0">
+              <a:rPr lang="en-US" altLang="zh-CN" sz="3600" smtClean="0">
                 <a:ln w="10160">
                   <a:solidFill>
                     <a:schemeClr val="accent5"/>
@@ -6047,8 +5140,9 @@
                 </a:effectLst>
                 <a:latin typeface="Arial" panose="020B0604020202020204" pitchFamily="34" charset="0"/>
                 <a:ea typeface="SimSun" panose="02010600030101010101" pitchFamily="2" charset="-122"/>
+                <a:sym typeface="+mn-ea"/>
               </a:rPr>
-              <a:t>I. What is Serenity - BDD?</a:t>
+              <a:t>III. Project Parttern</a:t>
             </a:r>
             <a:endParaRPr kumimoji="0" lang="en-US" altLang="zh-CN" sz="3600" b="0" i="0" u="none" strike="noStrike" cap="none" normalizeH="0" baseline="0" smtClean="0">
               <a:ln w="10160">
@@ -6069,252 +5163,47 @@
               </a:effectLst>
               <a:latin typeface="Arial" panose="020B0604020202020204" pitchFamily="34" charset="0"/>
               <a:ea typeface="SimSun" panose="02010600030101010101" pitchFamily="2" charset="-122"/>
+              <a:sym typeface="+mn-ea"/>
             </a:endParaRPr>
           </a:p>
         </p:txBody>
       </p:sp>
       <p:sp>
         <p:nvSpPr>
-          <p:cNvPr id="4" name="Rounded Rectangle 3"/>
+          <p:cNvPr id="11" name="Content Placeholder 10"/>
           <p:cNvSpPr/>
-          <p:nvPr/>
-        </p:nvSpPr>
-        <p:spPr>
-          <a:xfrm>
-            <a:off x="304800" y="1178560"/>
-            <a:ext cx="5710555" cy="3684270"/>
-          </a:xfrm>
-          <a:prstGeom prst="roundRect">
-            <a:avLst/>
-          </a:prstGeom>
-          <a:gradFill rotWithShape="0">
-            <a:gsLst>
-              <a:gs pos="0">
-                <a:schemeClr val="accent1"/>
-              </a:gs>
-              <a:gs pos="100000">
-                <a:schemeClr val="accent2"/>
-              </a:gs>
-            </a:gsLst>
-            <a:lin ang="5400000" scaled="1"/>
-          </a:gradFill>
-          <a:ln w="9525" cap="flat" cmpd="sng" algn="ctr">
-            <a:solidFill>
-              <a:schemeClr val="accent1"/>
-            </a:solidFill>
-            <a:prstDash val="solid"/>
-            <a:round/>
-            <a:headEnd type="none" w="med" len="med"/>
-            <a:tailEnd type="none" w="med" len="med"/>
-          </a:ln>
-        </p:spPr>
-        <p:txBody>
-          <a:bodyPr vert="horz" wrap="none" lIns="91440" tIns="45720" rIns="91440" bIns="45720" numCol="1" anchor="ctr" anchorCtr="0" compatLnSpc="1"/>
-          <a:p>
-            <a:pPr marL="0" marR="0" indent="0" algn="l" defTabSz="914400" rtl="0" eaLnBrk="1" fontAlgn="base" latinLnBrk="0" hangingPunct="1">
-              <a:lnSpc>
-                <a:spcPct val="100000"/>
-              </a:lnSpc>
-              <a:spcBef>
-                <a:spcPct val="0"/>
-              </a:spcBef>
-              <a:spcAft>
-                <a:spcPct val="0"/>
-              </a:spcAft>
-              <a:buClrTx/>
-              <a:buSzTx/>
-              <a:buFontTx/>
+          <p:nvPr>
+            <p:ph sz="half" idx="1"/>
+          </p:nvPr>
+        </p:nvSpPr>
+        <p:spPr/>
+        <p:txBody>
+          <a:bodyPr>
+            <a:scene3d>
+              <a:camera prst="orthographicFront"/>
+              <a:lightRig rig="threePt" dir="t"/>
+            </a:scene3d>
+          </a:bodyPr>
+          <a:p>
+            <a:pPr marL="0" indent="0">
               <a:buNone/>
             </a:pPr>
-            <a:endParaRPr kumimoji="0" lang="zh-CN" altLang="en-US" sz="1800" b="0" i="0" u="none" strike="noStrike" cap="none" normalizeH="0" baseline="0" smtClean="0">
-              <a:ln>
-                <a:noFill/>
-              </a:ln>
-              <a:solidFill>
-                <a:schemeClr val="tx1"/>
-              </a:solidFill>
-              <a:effectLst/>
-              <a:latin typeface="Arial" panose="020B0604020202020204" pitchFamily="34" charset="0"/>
-              <a:ea typeface="SimSun" panose="02010600030101010101" pitchFamily="2" charset="-122"/>
-            </a:endParaRPr>
-          </a:p>
-        </p:txBody>
-      </p:sp>
-      <p:pic>
-        <p:nvPicPr>
-          <p:cNvPr id="3" name="Content Placeholder 2" descr="serenity"/>
-          <p:cNvPicPr>
-            <a:picLocks noChangeAspect="1"/>
-          </p:cNvPicPr>
-          <p:nvPr>
-            <p:ph idx="1"/>
-          </p:nvPr>
-        </p:nvPicPr>
-        <p:blipFill>
-          <a:blip r:embed="rId1"/>
-          <a:stretch>
-            <a:fillRect/>
-          </a:stretch>
-        </p:blipFill>
-        <p:spPr>
-          <a:xfrm>
-            <a:off x="304800" y="1320800"/>
-            <a:ext cx="5276850" cy="3324225"/>
-          </a:xfrm>
-          <a:prstGeom prst="rect">
-            <a:avLst/>
-          </a:prstGeom>
-        </p:spPr>
-      </p:pic>
-      <p:sp>
-        <p:nvSpPr>
-          <p:cNvPr id="9" name="Text Box 8"/>
-          <p:cNvSpPr txBox="1"/>
-          <p:nvPr/>
-        </p:nvSpPr>
-        <p:spPr>
-          <a:xfrm>
-            <a:off x="6330950" y="1178560"/>
-            <a:ext cx="4895215" cy="922020"/>
-          </a:xfrm>
-          <a:prstGeom prst="rect">
-            <a:avLst/>
-          </a:prstGeom>
-          <a:noFill/>
-        </p:spPr>
-        <p:txBody>
-          <a:bodyPr wrap="square" rtlCol="0">
-            <a:spAutoFit/>
-          </a:bodyPr>
-          <a:p>
-            <a:r>
-              <a:rPr lang="en-US"/>
-              <a:t>Serenity is an open source library that helps you write higher quality automated acceptance tests faster.</a:t>
-            </a:r>
-            <a:endParaRPr lang="en-US"/>
-          </a:p>
-        </p:txBody>
-      </p:sp>
-      <p:sp>
-        <p:nvSpPr>
-          <p:cNvPr id="14" name="Text Box 13"/>
-          <p:cNvSpPr txBox="1"/>
-          <p:nvPr/>
-        </p:nvSpPr>
-        <p:spPr>
-          <a:xfrm>
-            <a:off x="6471285" y="2268220"/>
-            <a:ext cx="5111750" cy="3108960"/>
-          </a:xfrm>
-          <a:prstGeom prst="rect">
-            <a:avLst/>
-          </a:prstGeom>
-          <a:noFill/>
-        </p:spPr>
-        <p:txBody>
-          <a:bodyPr wrap="square" rtlCol="0">
-            <a:spAutoFit/>
-          </a:bodyPr>
-          <a:p>
-            <a:r>
-              <a:rPr lang="en-US"/>
-              <a:t>Serenity helps you :</a:t>
-            </a:r>
-            <a:endParaRPr lang="en-US"/>
-          </a:p>
-          <a:p>
-            <a:endParaRPr lang="en-US"/>
-          </a:p>
-          <a:p>
-            <a:pPr marL="285750" indent="-285750">
-              <a:buFont typeface="Wingdings" panose="05000000000000000000" charset="0"/>
-              <a:buChar char="ü"/>
-            </a:pPr>
-            <a:r>
-              <a:rPr lang="en-US"/>
-              <a:t>Write tests that are more flexible and easier to maintain</a:t>
-            </a:r>
-            <a:endParaRPr lang="en-US"/>
-          </a:p>
-          <a:p>
-            <a:pPr marL="285750" indent="-285750">
-              <a:buFont typeface="Wingdings" panose="05000000000000000000" charset="0"/>
-              <a:buChar char="ü"/>
-            </a:pPr>
-            <a:r>
-              <a:rPr lang="en-US"/>
-              <a:t>Produce illustrated, narrative reports about your tests</a:t>
-            </a:r>
-            <a:endParaRPr lang="en-US"/>
-          </a:p>
-          <a:p>
-            <a:pPr marL="285750" indent="-285750">
-              <a:buFont typeface="Wingdings" panose="05000000000000000000" charset="0"/>
-              <a:buChar char="ü"/>
-            </a:pPr>
-            <a:r>
-              <a:rPr lang="en-US"/>
-              <a:t>Map your automated tests back to your requirements</a:t>
-            </a:r>
-            <a:endParaRPr lang="en-US"/>
-          </a:p>
-          <a:p>
-            <a:pPr marL="285750" indent="-285750">
-              <a:buFont typeface="Wingdings" panose="05000000000000000000" charset="0"/>
-              <a:buChar char="ü"/>
-            </a:pPr>
-            <a:r>
-              <a:rPr lang="en-US"/>
-              <a:t>See how much of your application is actually being tested.</a:t>
-            </a:r>
-            <a:endParaRPr lang="en-US"/>
-          </a:p>
-          <a:p>
-            <a:pPr marL="285750" indent="-285750">
-              <a:buFont typeface="Wingdings" panose="05000000000000000000" charset="0"/>
-              <a:buChar char="ü"/>
-            </a:pPr>
-            <a:r>
-              <a:rPr lang="en-US"/>
-              <a:t>And keep tabs on project progress</a:t>
-            </a:r>
-            <a:endParaRPr lang="en-US"/>
-          </a:p>
-        </p:txBody>
-      </p:sp>
-    </p:spTree>
-  </p:cSld>
-  <p:clrMapOvr>
-    <a:masterClrMapping/>
-  </p:clrMapOvr>
-</p:sld>
-</file>
-
-<file path=ppt/slides/slide4.xml><?xml version="1.0" encoding="utf-8"?>
-<p:sld xmlns:a="http://schemas.openxmlformats.org/drawingml/2006/main" xmlns:r="http://schemas.openxmlformats.org/officeDocument/2006/relationships" xmlns:p="http://schemas.openxmlformats.org/presentationml/2006/main">
-  <p:cSld>
-    <p:spTree>
-      <p:nvGrpSpPr>
-        <p:cNvPr id="1" name=""/>
-        <p:cNvGrpSpPr/>
-        <p:nvPr/>
-      </p:nvGrpSpPr>
-      <p:grpSpPr/>
-      <p:sp>
-        <p:nvSpPr>
-          <p:cNvPr id="2" name="Title 1"/>
-          <p:cNvSpPr>
-            <a:spLocks noGrp="1"/>
-          </p:cNvSpPr>
-          <p:nvPr>
-            <p:ph type="title"/>
-          </p:nvPr>
-        </p:nvSpPr>
-        <p:spPr/>
-        <p:txBody>
-          <a:bodyPr/>
-          <a:p>
-            <a:endParaRPr lang="en-US">
+            <a:r>
+              <a:rPr lang="en-US" sz="2400">
+                <a:solidFill>
+                  <a:schemeClr val="accent1"/>
+                </a:solidFill>
+                <a:effectLst>
+                  <a:outerShdw blurRad="38100" dist="25400" dir="5400000" algn="ctr" rotWithShape="0">
+                    <a:srgbClr val="6E747A">
+                      <a:alpha val="43000"/>
+                    </a:srgbClr>
+                  </a:outerShdw>
+                </a:effectLst>
+              </a:rPr>
+              <a:t>2. Feature file.</a:t>
+            </a:r>
+            <a:endParaRPr lang="en-US" sz="2400">
               <a:solidFill>
                 <a:schemeClr val="accent1"/>
               </a:solidFill>
@@ -6326,6 +5215,85 @@
                 </a:outerShdw>
               </a:effectLst>
             </a:endParaRPr>
+          </a:p>
+          <a:p>
+            <a:pPr marL="0" indent="0">
+              <a:buNone/>
+            </a:pPr>
+            <a:endParaRPr lang="en-US" sz="2400">
+              <a:solidFill>
+                <a:schemeClr val="accent1"/>
+              </a:solidFill>
+              <a:effectLst>
+                <a:outerShdw blurRad="38100" dist="25400" dir="5400000" algn="ctr" rotWithShape="0">
+                  <a:srgbClr val="6E747A">
+                    <a:alpha val="43000"/>
+                  </a:srgbClr>
+                </a:outerShdw>
+              </a:effectLst>
+            </a:endParaRPr>
+          </a:p>
+        </p:txBody>
+      </p:sp>
+      <p:pic>
+        <p:nvPicPr>
+          <p:cNvPr id="3" name="Content Placeholder 2" descr="2.2.4 feature file"/>
+          <p:cNvPicPr>
+            <a:picLocks noChangeAspect="1"/>
+          </p:cNvPicPr>
+          <p:nvPr>
+            <p:ph sz="half" idx="2"/>
+          </p:nvPr>
+        </p:nvPicPr>
+        <p:blipFill>
+          <a:blip r:embed="rId1"/>
+          <a:stretch>
+            <a:fillRect/>
+          </a:stretch>
+        </p:blipFill>
+        <p:spPr>
+          <a:xfrm>
+            <a:off x="609600" y="1835150"/>
+            <a:ext cx="10587355" cy="2877820"/>
+          </a:xfrm>
+          <a:prstGeom prst="rect">
+            <a:avLst/>
+          </a:prstGeom>
+        </p:spPr>
+      </p:pic>
+    </p:spTree>
+  </p:cSld>
+  <p:clrMapOvr>
+    <a:masterClrMapping/>
+  </p:clrMapOvr>
+</p:sld>
+</file>
+
+<file path=ppt/slides/slide12.xml><?xml version="1.0" encoding="utf-8"?>
+<p:sld xmlns:a="http://schemas.openxmlformats.org/drawingml/2006/main" xmlns:r="http://schemas.openxmlformats.org/officeDocument/2006/relationships" xmlns:p="http://schemas.openxmlformats.org/presentationml/2006/main">
+  <p:cSld>
+    <p:spTree>
+      <p:nvGrpSpPr>
+        <p:cNvPr id="1" name=""/>
+        <p:cNvGrpSpPr/>
+        <p:nvPr/>
+      </p:nvGrpSpPr>
+      <p:grpSpPr/>
+      <p:sp>
+        <p:nvSpPr>
+          <p:cNvPr id="6" name="Title 5"/>
+          <p:cNvSpPr>
+            <a:spLocks noGrp="1"/>
+          </p:cNvSpPr>
+          <p:nvPr>
+            <p:ph type="title"/>
+          </p:nvPr>
+        </p:nvSpPr>
+        <p:spPr/>
+        <p:txBody>
+          <a:bodyPr/>
+          <a:p>
+            <a:endParaRPr lang="en-US"/>
           </a:p>
         </p:txBody>
       </p:sp>
@@ -6390,7 +5358,7 @@
               <a:buNone/>
             </a:pPr>
             <a:r>
-              <a:rPr kumimoji="0" lang="en-US" altLang="zh-CN" sz="3600" b="0" i="0" u="none" strike="noStrike" cap="none" normalizeH="0" baseline="0" smtClean="0">
+              <a:rPr lang="en-US" altLang="zh-CN" sz="3600" smtClean="0">
                 <a:ln w="10160">
                   <a:solidFill>
                     <a:schemeClr val="accent5"/>
@@ -6409,8 +5377,9 @@
                 </a:effectLst>
                 <a:latin typeface="Arial" panose="020B0604020202020204" pitchFamily="34" charset="0"/>
                 <a:ea typeface="SimSun" panose="02010600030101010101" pitchFamily="2" charset="-122"/>
+                <a:sym typeface="+mn-ea"/>
               </a:rPr>
-              <a:t>I. What is Serenity - BDD?</a:t>
+              <a:t>III. Project Parttern</a:t>
             </a:r>
             <a:endParaRPr kumimoji="0" lang="en-US" altLang="zh-CN" sz="3600" b="0" i="0" u="none" strike="noStrike" cap="none" normalizeH="0" baseline="0" smtClean="0">
               <a:ln w="10160">
@@ -6431,43 +5400,47 @@
               </a:effectLst>
               <a:latin typeface="Arial" panose="020B0604020202020204" pitchFamily="34" charset="0"/>
               <a:ea typeface="SimSun" panose="02010600030101010101" pitchFamily="2" charset="-122"/>
+              <a:sym typeface="+mn-ea"/>
             </a:endParaRPr>
           </a:p>
         </p:txBody>
       </p:sp>
-    </p:spTree>
-  </p:cSld>
-  <p:clrMapOvr>
-    <a:masterClrMapping/>
-  </p:clrMapOvr>
-</p:sld>
-</file>
-
-<file path=ppt/slides/slide5.xml><?xml version="1.0" encoding="utf-8"?>
-<p:sld xmlns:a="http://schemas.openxmlformats.org/drawingml/2006/main" xmlns:r="http://schemas.openxmlformats.org/officeDocument/2006/relationships" xmlns:p="http://schemas.openxmlformats.org/presentationml/2006/main">
-  <p:cSld>
-    <p:spTree>
-      <p:nvGrpSpPr>
-        <p:cNvPr id="1" name=""/>
-        <p:cNvGrpSpPr/>
-        <p:nvPr/>
-      </p:nvGrpSpPr>
-      <p:grpSpPr/>
-      <p:sp>
-        <p:nvSpPr>
-          <p:cNvPr id="2" name="Title 1"/>
-          <p:cNvSpPr>
-            <a:spLocks noGrp="1"/>
-          </p:cNvSpPr>
+      <p:sp>
+        <p:nvSpPr>
+          <p:cNvPr id="11" name="Content Placeholder 10"/>
+          <p:cNvSpPr/>
           <p:nvPr>
-            <p:ph type="title"/>
+            <p:ph sz="half" idx="1"/>
           </p:nvPr>
         </p:nvSpPr>
         <p:spPr/>
         <p:txBody>
-          <a:bodyPr/>
-          <a:p>
-            <a:endParaRPr lang="en-US">
+          <a:bodyPr>
+            <a:scene3d>
+              <a:camera prst="orthographicFront"/>
+              <a:lightRig rig="threePt" dir="t"/>
+            </a:scene3d>
+          </a:bodyPr>
+          <a:p>
+            <a:pPr marL="0" indent="0">
+              <a:buNone/>
+            </a:pPr>
+            <a:r>
+              <a:rPr lang="en-US" sz="2400">
+                <a:solidFill>
+                  <a:schemeClr val="accent1"/>
+                </a:solidFill>
+                <a:effectLst>
+                  <a:outerShdw blurRad="38100" dist="25400" dir="5400000" algn="ctr" rotWithShape="0">
+                    <a:srgbClr val="6E747A">
+                      <a:alpha val="43000"/>
+                    </a:srgbClr>
+                  </a:outerShdw>
+                </a:effectLst>
+              </a:rPr>
+              <a:t>3. Definition Step</a:t>
+            </a:r>
+            <a:endParaRPr lang="en-US" sz="2400">
               <a:solidFill>
                 <a:schemeClr val="accent1"/>
               </a:solidFill>
@@ -6480,11 +5453,90 @@
               </a:effectLst>
             </a:endParaRPr>
           </a:p>
-        </p:txBody>
-      </p:sp>
-      <p:sp>
-        <p:nvSpPr>
-          <p:cNvPr id="10" name="Flowchart: Process 9"/>
+          <a:p>
+            <a:pPr marL="0" indent="0">
+              <a:buNone/>
+            </a:pPr>
+            <a:endParaRPr lang="en-US" sz="2400">
+              <a:solidFill>
+                <a:schemeClr val="accent1"/>
+              </a:solidFill>
+              <a:effectLst>
+                <a:outerShdw blurRad="38100" dist="25400" dir="5400000" algn="ctr" rotWithShape="0">
+                  <a:srgbClr val="6E747A">
+                    <a:alpha val="43000"/>
+                  </a:srgbClr>
+                </a:outerShdw>
+              </a:effectLst>
+            </a:endParaRPr>
+          </a:p>
+        </p:txBody>
+      </p:sp>
+      <p:pic>
+        <p:nvPicPr>
+          <p:cNvPr id="5" name="Content Placeholder 4" descr="2.2.1 definition step"/>
+          <p:cNvPicPr>
+            <a:picLocks noChangeAspect="1"/>
+          </p:cNvPicPr>
+          <p:nvPr>
+            <p:ph sz="half" idx="2"/>
+          </p:nvPr>
+        </p:nvPicPr>
+        <p:blipFill>
+          <a:blip r:embed="rId1"/>
+          <a:stretch>
+            <a:fillRect/>
+          </a:stretch>
+        </p:blipFill>
+        <p:spPr>
+          <a:xfrm>
+            <a:off x="1047115" y="1977390"/>
+            <a:ext cx="9410700" cy="3575685"/>
+          </a:xfrm>
+          <a:prstGeom prst="rect">
+            <a:avLst/>
+          </a:prstGeom>
+        </p:spPr>
+      </p:pic>
+    </p:spTree>
+  </p:cSld>
+  <p:clrMapOvr>
+    <a:masterClrMapping/>
+  </p:clrMapOvr>
+</p:sld>
+</file>
+
+<file path=ppt/slides/slide13.xml><?xml version="1.0" encoding="utf-8"?>
+<p:sld xmlns:a="http://schemas.openxmlformats.org/drawingml/2006/main" xmlns:r="http://schemas.openxmlformats.org/officeDocument/2006/relationships" xmlns:p="http://schemas.openxmlformats.org/presentationml/2006/main">
+  <p:cSld>
+    <p:spTree>
+      <p:nvGrpSpPr>
+        <p:cNvPr id="1" name=""/>
+        <p:cNvGrpSpPr/>
+        <p:nvPr/>
+      </p:nvGrpSpPr>
+      <p:grpSpPr/>
+      <p:sp>
+        <p:nvSpPr>
+          <p:cNvPr id="7" name="Title 6"/>
+          <p:cNvSpPr>
+            <a:spLocks noGrp="1"/>
+          </p:cNvSpPr>
+          <p:nvPr>
+            <p:ph type="title"/>
+          </p:nvPr>
+        </p:nvSpPr>
+        <p:spPr/>
+        <p:txBody>
+          <a:bodyPr/>
+          <a:p>
+            <a:endParaRPr lang="en-US"/>
+          </a:p>
+        </p:txBody>
+      </p:sp>
+      <p:sp>
+        <p:nvSpPr>
+          <p:cNvPr id="4" name="Flowchart: Process 3"/>
           <p:cNvSpPr/>
           <p:nvPr/>
         </p:nvSpPr>
@@ -6527,7 +5579,7 @@
         <p:txBody>
           <a:bodyPr vert="horz" wrap="none" lIns="91440" tIns="45720" rIns="91440" bIns="45720" numCol="1" anchor="ctr" anchorCtr="0" compatLnSpc="1"/>
           <a:p>
-            <a:pPr marL="0" marR="0" indent="0" algn="ctr" defTabSz="914400" rtl="0" eaLnBrk="1" fontAlgn="base" latinLnBrk="0" hangingPunct="1">
+            <a:pPr marL="0" marR="0" indent="0" algn="l" defTabSz="914400" rtl="0" eaLnBrk="1" fontAlgn="base" latinLnBrk="0" hangingPunct="1">
               <a:lnSpc>
                 <a:spcPct val="100000"/>
               </a:lnSpc>
@@ -6543,7 +5595,7 @@
               <a:buNone/>
             </a:pPr>
             <a:r>
-              <a:rPr kumimoji="0" lang="en-US" altLang="zh-CN" sz="3600" b="0" i="0" u="none" strike="noStrike" cap="none" normalizeH="0" baseline="0" smtClean="0">
+              <a:rPr lang="en-US" altLang="zh-CN" sz="3600" smtClean="0">
                 <a:ln w="10160">
                   <a:solidFill>
                     <a:schemeClr val="accent5"/>
@@ -6562,33 +5614,11 @@
                 </a:effectLst>
                 <a:latin typeface="Arial" panose="020B0604020202020204" pitchFamily="34" charset="0"/>
                 <a:ea typeface="SimSun" panose="02010600030101010101" pitchFamily="2" charset="-122"/>
+                <a:sym typeface="+mn-ea"/>
               </a:rPr>
-              <a:t>II. Creating a new Serenity - BDD Cucumber project</a:t>
-            </a:r>
-            <a:r>
-              <a:rPr kumimoji="0" lang="en-US" altLang="zh-CN" sz="4400" b="0" i="0" u="none" strike="noStrike" cap="none" normalizeH="0" baseline="0" smtClean="0">
-                <a:ln w="10160">
-                  <a:solidFill>
-                    <a:schemeClr val="accent5"/>
-                  </a:solidFill>
-                  <a:prstDash val="solid"/>
-                </a:ln>
-                <a:solidFill>
-                  <a:srgbClr val="FFFFFF"/>
-                </a:solidFill>
-                <a:effectLst>
-                  <a:outerShdw blurRad="38100" dist="22860" dir="5400000" algn="tl" rotWithShape="0">
-                    <a:srgbClr val="000000">
-                      <a:alpha val="30000"/>
-                    </a:srgbClr>
-                  </a:outerShdw>
-                </a:effectLst>
-                <a:latin typeface="Arial" panose="020B0604020202020204" pitchFamily="34" charset="0"/>
-                <a:ea typeface="SimSun" panose="02010600030101010101" pitchFamily="2" charset="-122"/>
-              </a:rPr>
-              <a:t> </a:t>
-            </a:r>
-            <a:endParaRPr kumimoji="0" lang="en-US" altLang="zh-CN" sz="4400" b="0" i="0" u="none" strike="noStrike" cap="none" normalizeH="0" baseline="0" smtClean="0">
+              <a:t>III. Project Parttern</a:t>
+            </a:r>
+            <a:endParaRPr kumimoji="0" lang="en-US" altLang="zh-CN" sz="3600" b="0" i="0" u="none" strike="noStrike" cap="none" normalizeH="0" baseline="0" smtClean="0">
               <a:ln w="10160">
                 <a:solidFill>
                   <a:schemeClr val="accent5"/>
@@ -6607,26 +5637,87 @@
               </a:effectLst>
               <a:latin typeface="Arial" panose="020B0604020202020204" pitchFamily="34" charset="0"/>
               <a:ea typeface="SimSun" panose="02010600030101010101" pitchFamily="2" charset="-122"/>
+              <a:sym typeface="+mn-ea"/>
             </a:endParaRPr>
           </a:p>
         </p:txBody>
       </p:sp>
       <p:sp>
         <p:nvSpPr>
-          <p:cNvPr id="11" name="Content Placeholder 10"/>
+          <p:cNvPr id="5" name="Content Placeholder 4"/>
           <p:cNvSpPr/>
           <p:nvPr>
-            <p:ph idx="1"/>
+            <p:ph sz="half" idx="1"/>
           </p:nvPr>
         </p:nvSpPr>
         <p:spPr/>
         <p:txBody>
-          <a:bodyPr/>
-          <a:p>
-            <a:endParaRPr lang="en-US"/>
-          </a:p>
-        </p:txBody>
-      </p:sp>
+          <a:bodyPr>
+            <a:scene3d>
+              <a:camera prst="orthographicFront"/>
+              <a:lightRig rig="threePt" dir="t"/>
+            </a:scene3d>
+          </a:bodyPr>
+          <a:p>
+            <a:pPr marL="0" indent="0">
+              <a:buNone/>
+            </a:pPr>
+            <a:r>
+              <a:rPr lang="en-US" sz="2400">
+                <a:solidFill>
+                  <a:schemeClr val="accent1"/>
+                </a:solidFill>
+                <a:effectLst>
+                  <a:outerShdw blurRad="38100" dist="25400" dir="5400000" algn="ctr" rotWithShape="0">
+                    <a:srgbClr val="6E747A">
+                      <a:alpha val="43000"/>
+                    </a:srgbClr>
+                  </a:outerShdw>
+                </a:effectLst>
+              </a:rPr>
+              <a:t>4. Report</a:t>
+            </a:r>
+            <a:endParaRPr lang="en-US" sz="2400">
+              <a:solidFill>
+                <a:schemeClr val="accent1"/>
+              </a:solidFill>
+              <a:effectLst>
+                <a:outerShdw blurRad="38100" dist="25400" dir="5400000" algn="ctr" rotWithShape="0">
+                  <a:srgbClr val="6E747A">
+                    <a:alpha val="43000"/>
+                  </a:srgbClr>
+                </a:outerShdw>
+              </a:effectLst>
+            </a:endParaRPr>
+          </a:p>
+        </p:txBody>
+      </p:sp>
+      <p:pic>
+        <p:nvPicPr>
+          <p:cNvPr id="6" name="Content Placeholder 5" descr="2.2.5 report"/>
+          <p:cNvPicPr>
+            <a:picLocks noChangeAspect="1"/>
+          </p:cNvPicPr>
+          <p:nvPr>
+            <p:ph sz="half" idx="2"/>
+          </p:nvPr>
+        </p:nvPicPr>
+        <p:blipFill>
+          <a:blip r:embed="rId1"/>
+          <a:stretch>
+            <a:fillRect/>
+          </a:stretch>
+        </p:blipFill>
+        <p:spPr>
+          <a:xfrm>
+            <a:off x="2284095" y="1174750"/>
+            <a:ext cx="8682990" cy="4678680"/>
+          </a:xfrm>
+          <a:prstGeom prst="rect">
+            <a:avLst/>
+          </a:prstGeom>
+        </p:spPr>
+      </p:pic>
     </p:spTree>
   </p:cSld>
   <p:clrMapOvr>
@@ -6635,7 +5726,7 @@
 </p:sld>
 </file>
 
-<file path=ppt/slides/slide6.xml><?xml version="1.0" encoding="utf-8"?>
+<file path=ppt/slides/slide14.xml><?xml version="1.0" encoding="utf-8"?>
 <p:sld xmlns:a="http://schemas.openxmlformats.org/drawingml/2006/main" xmlns:r="http://schemas.openxmlformats.org/officeDocument/2006/relationships" xmlns:p="http://schemas.openxmlformats.org/presentationml/2006/main">
   <p:cSld>
     <p:spTree>
@@ -6784,20 +5875,1400 @@
       </p:sp>
       <p:sp>
         <p:nvSpPr>
-          <p:cNvPr id="11" name="Content Placeholder 10"/>
+          <p:cNvPr id="3" name="Rounded Rectangle 2"/>
           <p:cNvSpPr/>
-          <p:nvPr>
-            <p:ph idx="1"/>
-          </p:nvPr>
-        </p:nvSpPr>
-        <p:spPr/>
-        <p:txBody>
-          <a:bodyPr/>
-          <a:p>
-            <a:endParaRPr lang="en-US"/>
-          </a:p>
-        </p:txBody>
-      </p:sp>
+          <p:nvPr/>
+        </p:nvSpPr>
+        <p:spPr>
+          <a:xfrm>
+            <a:off x="9428480" y="1159510"/>
+            <a:ext cx="2153920" cy="4627880"/>
+          </a:xfrm>
+          <a:prstGeom prst="roundRect">
+            <a:avLst/>
+          </a:prstGeom>
+          <a:gradFill rotWithShape="0">
+            <a:gsLst>
+              <a:gs pos="0">
+                <a:schemeClr val="accent1"/>
+              </a:gs>
+              <a:gs pos="100000">
+                <a:schemeClr val="accent2"/>
+              </a:gs>
+            </a:gsLst>
+            <a:lin ang="5400000" scaled="1"/>
+          </a:gradFill>
+          <a:ln w="9525" cap="flat" cmpd="sng" algn="ctr">
+            <a:solidFill>
+              <a:schemeClr val="accent1"/>
+            </a:solidFill>
+            <a:prstDash val="solid"/>
+            <a:round/>
+            <a:headEnd type="none" w="med" len="med"/>
+            <a:tailEnd type="none" w="med" len="med"/>
+          </a:ln>
+        </p:spPr>
+        <p:txBody>
+          <a:bodyPr vert="horz" wrap="none" lIns="91440" tIns="45720" rIns="91440" bIns="45720" numCol="1" anchor="ctr" anchorCtr="0" compatLnSpc="1"/>
+          <a:p>
+            <a:pPr marL="0" marR="0" indent="0" algn="ctr" defTabSz="914400" rtl="0" eaLnBrk="1" fontAlgn="base" latinLnBrk="0" hangingPunct="1">
+              <a:lnSpc>
+                <a:spcPct val="100000"/>
+              </a:lnSpc>
+              <a:spcBef>
+                <a:spcPct val="0"/>
+              </a:spcBef>
+              <a:spcAft>
+                <a:spcPct val="0"/>
+              </a:spcAft>
+              <a:buClrTx/>
+              <a:buSzTx/>
+              <a:buFontTx/>
+              <a:buNone/>
+            </a:pPr>
+            <a:endParaRPr kumimoji="0" lang="en-US" altLang="zh-CN" sz="1800" b="0" i="0" u="none" strike="noStrike" cap="none" normalizeH="0" baseline="0" smtClean="0">
+              <a:ln>
+                <a:noFill/>
+              </a:ln>
+              <a:solidFill>
+                <a:schemeClr val="tx1"/>
+              </a:solidFill>
+              <a:effectLst/>
+              <a:latin typeface="Arial" panose="020B0604020202020204" pitchFamily="34" charset="0"/>
+              <a:ea typeface="SimSun" panose="02010600030101010101" pitchFamily="2" charset="-122"/>
+            </a:endParaRPr>
+          </a:p>
+        </p:txBody>
+      </p:sp>
+      <p:sp>
+        <p:nvSpPr>
+          <p:cNvPr id="4" name="Text Box 3"/>
+          <p:cNvSpPr txBox="1"/>
+          <p:nvPr/>
+        </p:nvSpPr>
+        <p:spPr>
+          <a:xfrm>
+            <a:off x="9995535" y="1159510"/>
+            <a:ext cx="1019810" cy="368300"/>
+          </a:xfrm>
+          <a:prstGeom prst="rect">
+            <a:avLst/>
+          </a:prstGeom>
+          <a:noFill/>
+        </p:spPr>
+        <p:txBody>
+          <a:bodyPr wrap="square" rtlCol="0">
+            <a:spAutoFit/>
+          </a:bodyPr>
+          <a:p>
+            <a:r>
+              <a:rPr lang="en-US">
+                <a:solidFill>
+                  <a:schemeClr val="accent5">
+                    <a:lumMod val="40000"/>
+                    <a:lumOff val="60000"/>
+                  </a:schemeClr>
+                </a:solidFill>
+              </a:rPr>
+              <a:t>PAGE</a:t>
+            </a:r>
+            <a:endParaRPr lang="en-US">
+              <a:solidFill>
+                <a:schemeClr val="accent5">
+                  <a:lumMod val="40000"/>
+                  <a:lumOff val="60000"/>
+                </a:schemeClr>
+              </a:solidFill>
+            </a:endParaRPr>
+          </a:p>
+        </p:txBody>
+      </p:sp>
+      <p:sp>
+        <p:nvSpPr>
+          <p:cNvPr id="5" name="Flowchart: Terminator 4"/>
+          <p:cNvSpPr/>
+          <p:nvPr/>
+        </p:nvSpPr>
+        <p:spPr>
+          <a:xfrm>
+            <a:off x="9631680" y="1707515"/>
+            <a:ext cx="1784985" cy="1070610"/>
+          </a:xfrm>
+          <a:prstGeom prst="flowChartTerminator">
+            <a:avLst/>
+          </a:prstGeom>
+          <a:ln>
+            <a:headEnd type="none" w="med" len="med"/>
+            <a:tailEnd type="none" w="med" len="med"/>
+          </a:ln>
+        </p:spPr>
+        <p:style>
+          <a:lnRef idx="1">
+            <a:schemeClr val="accent1"/>
+          </a:lnRef>
+          <a:fillRef idx="2">
+            <a:schemeClr val="accent1"/>
+          </a:fillRef>
+          <a:effectRef idx="1">
+            <a:schemeClr val="accent1"/>
+          </a:effectRef>
+          <a:fontRef idx="minor">
+            <a:schemeClr val="dk1"/>
+          </a:fontRef>
+        </p:style>
+        <p:txBody>
+          <a:bodyPr vert="horz" wrap="none" lIns="91440" tIns="45720" rIns="91440" bIns="45720" numCol="1" anchor="ctr" anchorCtr="0" compatLnSpc="1"/>
+          <a:p>
+            <a:pPr marL="0" marR="0" indent="0" algn="l" defTabSz="914400" rtl="0" eaLnBrk="1" fontAlgn="base" latinLnBrk="0" hangingPunct="1">
+              <a:lnSpc>
+                <a:spcPct val="100000"/>
+              </a:lnSpc>
+              <a:spcBef>
+                <a:spcPct val="0"/>
+              </a:spcBef>
+              <a:spcAft>
+                <a:spcPct val="0"/>
+              </a:spcAft>
+              <a:buClrTx/>
+              <a:buSzTx/>
+              <a:buFontTx/>
+              <a:buNone/>
+            </a:pPr>
+            <a:r>
+              <a:rPr kumimoji="0" lang="en-US" altLang="zh-CN" sz="1800" b="0" i="0" u="none" strike="noStrike" cap="none" normalizeH="0" baseline="0" smtClean="0">
+                <a:ln>
+                  <a:noFill/>
+                </a:ln>
+                <a:solidFill>
+                  <a:schemeClr val="tx1"/>
+                </a:solidFill>
+                <a:effectLst/>
+                <a:latin typeface="Arial" panose="020B0604020202020204" pitchFamily="34" charset="0"/>
+                <a:ea typeface="SimSun" panose="02010600030101010101" pitchFamily="2" charset="-122"/>
+              </a:rPr>
+              <a:t>...locator 1....</a:t>
+            </a:r>
+            <a:endParaRPr kumimoji="0" lang="en-US" altLang="zh-CN" sz="1800" b="0" i="0" u="none" strike="noStrike" cap="none" normalizeH="0" baseline="0" smtClean="0">
+              <a:ln>
+                <a:noFill/>
+              </a:ln>
+              <a:solidFill>
+                <a:schemeClr val="tx1"/>
+              </a:solidFill>
+              <a:effectLst/>
+              <a:latin typeface="Arial" panose="020B0604020202020204" pitchFamily="34" charset="0"/>
+              <a:ea typeface="SimSun" panose="02010600030101010101" pitchFamily="2" charset="-122"/>
+            </a:endParaRPr>
+          </a:p>
+          <a:p>
+            <a:pPr marL="0" marR="0" indent="0" algn="l" defTabSz="914400" rtl="0" eaLnBrk="1" fontAlgn="base" latinLnBrk="0" hangingPunct="1">
+              <a:lnSpc>
+                <a:spcPct val="100000"/>
+              </a:lnSpc>
+              <a:spcBef>
+                <a:spcPct val="0"/>
+              </a:spcBef>
+              <a:spcAft>
+                <a:spcPct val="0"/>
+              </a:spcAft>
+              <a:buClrTx/>
+              <a:buSzTx/>
+              <a:buFontTx/>
+              <a:buNone/>
+            </a:pPr>
+            <a:r>
+              <a:rPr kumimoji="0" lang="en-US" altLang="zh-CN" sz="1800" b="0" i="0" u="none" strike="noStrike" cap="none" normalizeH="0" baseline="0" smtClean="0">
+                <a:ln>
+                  <a:noFill/>
+                </a:ln>
+                <a:solidFill>
+                  <a:schemeClr val="tx1"/>
+                </a:solidFill>
+                <a:effectLst/>
+                <a:latin typeface="Arial" panose="020B0604020202020204" pitchFamily="34" charset="0"/>
+                <a:ea typeface="SimSun" panose="02010600030101010101" pitchFamily="2" charset="-122"/>
+              </a:rPr>
+              <a:t>~ Method 1 ~</a:t>
+            </a:r>
+            <a:endParaRPr kumimoji="0" lang="en-US" altLang="zh-CN" sz="1800" b="0" i="0" u="none" strike="noStrike" cap="none" normalizeH="0" baseline="0" smtClean="0">
+              <a:ln>
+                <a:noFill/>
+              </a:ln>
+              <a:solidFill>
+                <a:schemeClr val="tx1"/>
+              </a:solidFill>
+              <a:effectLst/>
+              <a:latin typeface="Arial" panose="020B0604020202020204" pitchFamily="34" charset="0"/>
+              <a:ea typeface="SimSun" panose="02010600030101010101" pitchFamily="2" charset="-122"/>
+            </a:endParaRPr>
+          </a:p>
+        </p:txBody>
+      </p:sp>
+      <p:sp>
+        <p:nvSpPr>
+          <p:cNvPr id="6" name="Flowchart: Terminator 5"/>
+          <p:cNvSpPr/>
+          <p:nvPr/>
+        </p:nvSpPr>
+        <p:spPr>
+          <a:xfrm>
+            <a:off x="9631045" y="3046095"/>
+            <a:ext cx="1785620" cy="1070610"/>
+          </a:xfrm>
+          <a:prstGeom prst="flowChartTerminator">
+            <a:avLst/>
+          </a:prstGeom>
+          <a:ln>
+            <a:headEnd type="none" w="med" len="med"/>
+            <a:tailEnd type="none" w="med" len="med"/>
+          </a:ln>
+        </p:spPr>
+        <p:style>
+          <a:lnRef idx="1">
+            <a:schemeClr val="accent1"/>
+          </a:lnRef>
+          <a:fillRef idx="2">
+            <a:schemeClr val="accent1"/>
+          </a:fillRef>
+          <a:effectRef idx="1">
+            <a:schemeClr val="accent1"/>
+          </a:effectRef>
+          <a:fontRef idx="minor">
+            <a:schemeClr val="dk1"/>
+          </a:fontRef>
+        </p:style>
+        <p:txBody>
+          <a:bodyPr vert="horz" wrap="none" lIns="91440" tIns="45720" rIns="91440" bIns="45720" numCol="1" anchor="ctr" anchorCtr="0" compatLnSpc="1"/>
+          <a:p>
+            <a:pPr marL="0" marR="0" indent="0" algn="l" defTabSz="914400" rtl="0" eaLnBrk="1" fontAlgn="base" latinLnBrk="0" hangingPunct="1">
+              <a:lnSpc>
+                <a:spcPct val="100000"/>
+              </a:lnSpc>
+              <a:spcBef>
+                <a:spcPct val="0"/>
+              </a:spcBef>
+              <a:spcAft>
+                <a:spcPct val="0"/>
+              </a:spcAft>
+              <a:buClrTx/>
+              <a:buSzTx/>
+              <a:buFontTx/>
+              <a:buNone/>
+            </a:pPr>
+            <a:r>
+              <a:rPr kumimoji="0" lang="en-US" altLang="zh-CN" sz="1800" b="0" i="0" u="none" strike="noStrike" cap="none" normalizeH="0" baseline="0" smtClean="0">
+                <a:ln>
+                  <a:noFill/>
+                </a:ln>
+                <a:solidFill>
+                  <a:schemeClr val="tx1"/>
+                </a:solidFill>
+                <a:effectLst/>
+                <a:latin typeface="Arial" panose="020B0604020202020204" pitchFamily="34" charset="0"/>
+                <a:ea typeface="SimSun" panose="02010600030101010101" pitchFamily="2" charset="-122"/>
+              </a:rPr>
+              <a:t>...locator 2....</a:t>
+            </a:r>
+            <a:endParaRPr kumimoji="0" lang="en-US" altLang="zh-CN" sz="1800" b="0" i="0" u="none" strike="noStrike" cap="none" normalizeH="0" baseline="0" smtClean="0">
+              <a:ln>
+                <a:noFill/>
+              </a:ln>
+              <a:solidFill>
+                <a:schemeClr val="tx1"/>
+              </a:solidFill>
+              <a:effectLst/>
+              <a:latin typeface="Arial" panose="020B0604020202020204" pitchFamily="34" charset="0"/>
+              <a:ea typeface="SimSun" panose="02010600030101010101" pitchFamily="2" charset="-122"/>
+            </a:endParaRPr>
+          </a:p>
+          <a:p>
+            <a:pPr marL="0" marR="0" indent="0" algn="l" defTabSz="914400" rtl="0" eaLnBrk="1" fontAlgn="base" latinLnBrk="0" hangingPunct="1">
+              <a:lnSpc>
+                <a:spcPct val="100000"/>
+              </a:lnSpc>
+              <a:spcBef>
+                <a:spcPct val="0"/>
+              </a:spcBef>
+              <a:spcAft>
+                <a:spcPct val="0"/>
+              </a:spcAft>
+              <a:buClrTx/>
+              <a:buSzTx/>
+              <a:buFontTx/>
+              <a:buNone/>
+            </a:pPr>
+            <a:r>
+              <a:rPr kumimoji="0" lang="en-US" altLang="zh-CN" sz="1800" b="0" i="0" u="none" strike="noStrike" cap="none" normalizeH="0" baseline="0" smtClean="0">
+                <a:ln>
+                  <a:noFill/>
+                </a:ln>
+                <a:solidFill>
+                  <a:schemeClr val="tx1"/>
+                </a:solidFill>
+                <a:effectLst/>
+                <a:latin typeface="Arial" panose="020B0604020202020204" pitchFamily="34" charset="0"/>
+                <a:ea typeface="SimSun" panose="02010600030101010101" pitchFamily="2" charset="-122"/>
+              </a:rPr>
+              <a:t>~ Method 2 ~</a:t>
+            </a:r>
+            <a:endParaRPr kumimoji="0" lang="en-US" altLang="zh-CN" sz="1800" b="0" i="0" u="none" strike="noStrike" cap="none" normalizeH="0" baseline="0" smtClean="0">
+              <a:ln>
+                <a:noFill/>
+              </a:ln>
+              <a:solidFill>
+                <a:schemeClr val="tx1"/>
+              </a:solidFill>
+              <a:effectLst/>
+              <a:latin typeface="Arial" panose="020B0604020202020204" pitchFamily="34" charset="0"/>
+              <a:ea typeface="SimSun" panose="02010600030101010101" pitchFamily="2" charset="-122"/>
+            </a:endParaRPr>
+          </a:p>
+        </p:txBody>
+      </p:sp>
+      <p:sp>
+        <p:nvSpPr>
+          <p:cNvPr id="7" name="Flowchart: Terminator 6"/>
+          <p:cNvSpPr/>
+          <p:nvPr/>
+        </p:nvSpPr>
+        <p:spPr>
+          <a:xfrm>
+            <a:off x="9752965" y="4384040"/>
+            <a:ext cx="1663700" cy="1070610"/>
+          </a:xfrm>
+          <a:prstGeom prst="flowChartTerminator">
+            <a:avLst/>
+          </a:prstGeom>
+          <a:ln>
+            <a:headEnd type="none" w="med" len="med"/>
+            <a:tailEnd type="none" w="med" len="med"/>
+          </a:ln>
+        </p:spPr>
+        <p:style>
+          <a:lnRef idx="1">
+            <a:schemeClr val="accent1"/>
+          </a:lnRef>
+          <a:fillRef idx="2">
+            <a:schemeClr val="accent1"/>
+          </a:fillRef>
+          <a:effectRef idx="1">
+            <a:schemeClr val="accent1"/>
+          </a:effectRef>
+          <a:fontRef idx="minor">
+            <a:schemeClr val="dk1"/>
+          </a:fontRef>
+        </p:style>
+        <p:txBody>
+          <a:bodyPr vert="horz" wrap="none" lIns="91440" tIns="45720" rIns="91440" bIns="45720" numCol="1" anchor="ctr" anchorCtr="0" compatLnSpc="1"/>
+          <a:p>
+            <a:pPr marL="0" marR="0" indent="0" algn="l" defTabSz="914400" rtl="0" eaLnBrk="1" fontAlgn="base" latinLnBrk="0" hangingPunct="1">
+              <a:lnSpc>
+                <a:spcPct val="100000"/>
+              </a:lnSpc>
+              <a:spcBef>
+                <a:spcPct val="0"/>
+              </a:spcBef>
+              <a:spcAft>
+                <a:spcPct val="0"/>
+              </a:spcAft>
+              <a:buClrTx/>
+              <a:buSzTx/>
+              <a:buFontTx/>
+              <a:buNone/>
+            </a:pPr>
+            <a:r>
+              <a:rPr kumimoji="0" lang="en-US" altLang="zh-CN" sz="1800" b="0" i="0" u="none" strike="noStrike" cap="none" normalizeH="0" baseline="0" smtClean="0">
+                <a:ln>
+                  <a:noFill/>
+                </a:ln>
+                <a:solidFill>
+                  <a:schemeClr val="tx1"/>
+                </a:solidFill>
+                <a:effectLst/>
+                <a:latin typeface="Arial" panose="020B0604020202020204" pitchFamily="34" charset="0"/>
+                <a:ea typeface="SimSun" panose="02010600030101010101" pitchFamily="2" charset="-122"/>
+              </a:rPr>
+              <a:t>...locator 3....</a:t>
+            </a:r>
+            <a:endParaRPr kumimoji="0" lang="en-US" altLang="zh-CN" sz="1800" b="0" i="0" u="none" strike="noStrike" cap="none" normalizeH="0" baseline="0" smtClean="0">
+              <a:ln>
+                <a:noFill/>
+              </a:ln>
+              <a:solidFill>
+                <a:schemeClr val="tx1"/>
+              </a:solidFill>
+              <a:effectLst/>
+              <a:latin typeface="Arial" panose="020B0604020202020204" pitchFamily="34" charset="0"/>
+              <a:ea typeface="SimSun" panose="02010600030101010101" pitchFamily="2" charset="-122"/>
+            </a:endParaRPr>
+          </a:p>
+          <a:p>
+            <a:pPr marL="0" marR="0" indent="0" algn="l" defTabSz="914400" rtl="0" eaLnBrk="1" fontAlgn="base" latinLnBrk="0" hangingPunct="1">
+              <a:lnSpc>
+                <a:spcPct val="100000"/>
+              </a:lnSpc>
+              <a:spcBef>
+                <a:spcPct val="0"/>
+              </a:spcBef>
+              <a:spcAft>
+                <a:spcPct val="0"/>
+              </a:spcAft>
+              <a:buClrTx/>
+              <a:buSzTx/>
+              <a:buFontTx/>
+              <a:buNone/>
+            </a:pPr>
+            <a:r>
+              <a:rPr kumimoji="0" lang="en-US" altLang="zh-CN" sz="1800" b="0" i="0" u="none" strike="noStrike" cap="none" normalizeH="0" baseline="0" smtClean="0">
+                <a:ln>
+                  <a:noFill/>
+                </a:ln>
+                <a:solidFill>
+                  <a:schemeClr val="tx1"/>
+                </a:solidFill>
+                <a:effectLst/>
+                <a:latin typeface="Arial" panose="020B0604020202020204" pitchFamily="34" charset="0"/>
+                <a:ea typeface="SimSun" panose="02010600030101010101" pitchFamily="2" charset="-122"/>
+              </a:rPr>
+              <a:t>~ Method 3~</a:t>
+            </a:r>
+            <a:endParaRPr kumimoji="0" lang="en-US" altLang="zh-CN" sz="1800" b="0" i="0" u="none" strike="noStrike" cap="none" normalizeH="0" baseline="0" smtClean="0">
+              <a:ln>
+                <a:noFill/>
+              </a:ln>
+              <a:solidFill>
+                <a:schemeClr val="tx1"/>
+              </a:solidFill>
+              <a:effectLst/>
+              <a:latin typeface="Arial" panose="020B0604020202020204" pitchFamily="34" charset="0"/>
+              <a:ea typeface="SimSun" panose="02010600030101010101" pitchFamily="2" charset="-122"/>
+            </a:endParaRPr>
+          </a:p>
+        </p:txBody>
+      </p:sp>
+      <p:sp>
+        <p:nvSpPr>
+          <p:cNvPr id="8" name="Rounded Rectangle 7"/>
+          <p:cNvSpPr/>
+          <p:nvPr/>
+        </p:nvSpPr>
+        <p:spPr>
+          <a:xfrm>
+            <a:off x="5617845" y="1159510"/>
+            <a:ext cx="2162175" cy="4627880"/>
+          </a:xfrm>
+          <a:prstGeom prst="roundRect">
+            <a:avLst/>
+          </a:prstGeom>
+          <a:gradFill rotWithShape="0">
+            <a:gsLst>
+              <a:gs pos="0">
+                <a:schemeClr val="accent1"/>
+              </a:gs>
+              <a:gs pos="100000">
+                <a:schemeClr val="accent2"/>
+              </a:gs>
+            </a:gsLst>
+            <a:lin ang="5400000" scaled="1"/>
+          </a:gradFill>
+          <a:ln w="9525" cap="flat" cmpd="sng" algn="ctr">
+            <a:solidFill>
+              <a:schemeClr val="accent1"/>
+            </a:solidFill>
+            <a:prstDash val="solid"/>
+            <a:round/>
+            <a:headEnd type="none" w="med" len="med"/>
+            <a:tailEnd type="none" w="med" len="med"/>
+          </a:ln>
+        </p:spPr>
+        <p:txBody>
+          <a:bodyPr vert="horz" wrap="none" lIns="91440" tIns="45720" rIns="91440" bIns="45720" numCol="1" anchor="ctr" anchorCtr="0" compatLnSpc="1"/>
+          <a:p>
+            <a:pPr marL="0" marR="0" indent="0" algn="ctr" defTabSz="914400" rtl="0" eaLnBrk="1" fontAlgn="base" latinLnBrk="0" hangingPunct="1">
+              <a:lnSpc>
+                <a:spcPct val="100000"/>
+              </a:lnSpc>
+              <a:spcBef>
+                <a:spcPct val="0"/>
+              </a:spcBef>
+              <a:spcAft>
+                <a:spcPct val="0"/>
+              </a:spcAft>
+              <a:buClrTx/>
+              <a:buSzTx/>
+              <a:buFontTx/>
+              <a:buNone/>
+            </a:pPr>
+            <a:r>
+              <a:rPr kumimoji="0" lang="en-US" altLang="zh-CN" sz="1800" b="0" i="0" u="none" strike="noStrike" cap="none" normalizeH="0" baseline="0" smtClean="0">
+                <a:ln>
+                  <a:noFill/>
+                </a:ln>
+                <a:solidFill>
+                  <a:schemeClr val="tx1"/>
+                </a:solidFill>
+                <a:effectLst/>
+                <a:latin typeface="Arial" panose="020B0604020202020204" pitchFamily="34" charset="0"/>
+                <a:ea typeface="SimSun" panose="02010600030101010101" pitchFamily="2" charset="-122"/>
+              </a:rPr>
+              <a:t> </a:t>
+            </a:r>
+            <a:endParaRPr kumimoji="0" lang="en-US" altLang="zh-CN" sz="1800" b="0" i="0" u="none" strike="noStrike" cap="none" normalizeH="0" baseline="0" smtClean="0">
+              <a:ln>
+                <a:noFill/>
+              </a:ln>
+              <a:solidFill>
+                <a:schemeClr val="tx1"/>
+              </a:solidFill>
+              <a:effectLst/>
+              <a:latin typeface="Arial" panose="020B0604020202020204" pitchFamily="34" charset="0"/>
+              <a:ea typeface="SimSun" panose="02010600030101010101" pitchFamily="2" charset="-122"/>
+            </a:endParaRPr>
+          </a:p>
+        </p:txBody>
+      </p:sp>
+      <p:sp>
+        <p:nvSpPr>
+          <p:cNvPr id="9" name="Flowchart: Terminator 8"/>
+          <p:cNvSpPr/>
+          <p:nvPr/>
+        </p:nvSpPr>
+        <p:spPr>
+          <a:xfrm>
+            <a:off x="5832475" y="1995805"/>
+            <a:ext cx="1733550" cy="739140"/>
+          </a:xfrm>
+          <a:prstGeom prst="flowChartTerminator">
+            <a:avLst/>
+          </a:prstGeom>
+          <a:ln>
+            <a:headEnd type="none" w="med" len="med"/>
+            <a:tailEnd type="none" w="med" len="med"/>
+          </a:ln>
+        </p:spPr>
+        <p:style>
+          <a:lnRef idx="1">
+            <a:schemeClr val="accent1"/>
+          </a:lnRef>
+          <a:fillRef idx="2">
+            <a:schemeClr val="accent1"/>
+          </a:fillRef>
+          <a:effectRef idx="1">
+            <a:schemeClr val="accent1"/>
+          </a:effectRef>
+          <a:fontRef idx="minor">
+            <a:schemeClr val="dk1"/>
+          </a:fontRef>
+        </p:style>
+        <p:txBody>
+          <a:bodyPr vert="horz" wrap="none" lIns="91440" tIns="45720" rIns="91440" bIns="45720" numCol="1" anchor="ctr" anchorCtr="0" compatLnSpc="1"/>
+          <a:p>
+            <a:pPr marL="0" marR="0" indent="0" algn="ctr" defTabSz="914400" rtl="0" eaLnBrk="1" fontAlgn="base" latinLnBrk="0" hangingPunct="1">
+              <a:lnSpc>
+                <a:spcPct val="100000"/>
+              </a:lnSpc>
+              <a:spcBef>
+                <a:spcPct val="0"/>
+              </a:spcBef>
+              <a:spcAft>
+                <a:spcPct val="0"/>
+              </a:spcAft>
+              <a:buClrTx/>
+              <a:buSzTx/>
+              <a:buFontTx/>
+              <a:buNone/>
+            </a:pPr>
+            <a:r>
+              <a:rPr kumimoji="0" lang="en-US" altLang="zh-CN" sz="1800" b="0" i="0" u="none" strike="noStrike" cap="none" normalizeH="0" baseline="0" smtClean="0">
+                <a:ln>
+                  <a:noFill/>
+                </a:ln>
+                <a:solidFill>
+                  <a:schemeClr val="tx1"/>
+                </a:solidFill>
+                <a:effectLst/>
+                <a:latin typeface="Arial" panose="020B0604020202020204" pitchFamily="34" charset="0"/>
+                <a:ea typeface="SimSun" panose="02010600030101010101" pitchFamily="2" charset="-122"/>
+              </a:rPr>
+              <a:t>Step 1</a:t>
+            </a:r>
+            <a:endParaRPr kumimoji="0" lang="en-US" altLang="zh-CN" sz="1800" b="0" i="0" u="none" strike="noStrike" cap="none" normalizeH="0" baseline="0" smtClean="0">
+              <a:ln>
+                <a:noFill/>
+              </a:ln>
+              <a:solidFill>
+                <a:schemeClr val="tx1"/>
+              </a:solidFill>
+              <a:effectLst/>
+              <a:latin typeface="Arial" panose="020B0604020202020204" pitchFamily="34" charset="0"/>
+              <a:ea typeface="SimSun" panose="02010600030101010101" pitchFamily="2" charset="-122"/>
+            </a:endParaRPr>
+          </a:p>
+        </p:txBody>
+      </p:sp>
+      <p:sp>
+        <p:nvSpPr>
+          <p:cNvPr id="12" name="Text Box 11"/>
+          <p:cNvSpPr txBox="1"/>
+          <p:nvPr/>
+        </p:nvSpPr>
+        <p:spPr>
+          <a:xfrm>
+            <a:off x="6188710" y="1159510"/>
+            <a:ext cx="1019810" cy="368300"/>
+          </a:xfrm>
+          <a:prstGeom prst="rect">
+            <a:avLst/>
+          </a:prstGeom>
+          <a:noFill/>
+        </p:spPr>
+        <p:txBody>
+          <a:bodyPr wrap="square" rtlCol="0">
+            <a:spAutoFit/>
+          </a:bodyPr>
+          <a:p>
+            <a:r>
+              <a:rPr lang="en-US">
+                <a:solidFill>
+                  <a:schemeClr val="accent5">
+                    <a:lumMod val="40000"/>
+                    <a:lumOff val="60000"/>
+                  </a:schemeClr>
+                </a:solidFill>
+              </a:rPr>
+              <a:t>STEP</a:t>
+            </a:r>
+            <a:endParaRPr lang="en-US">
+              <a:solidFill>
+                <a:schemeClr val="accent5">
+                  <a:lumMod val="40000"/>
+                  <a:lumOff val="60000"/>
+                </a:schemeClr>
+              </a:solidFill>
+            </a:endParaRPr>
+          </a:p>
+        </p:txBody>
+      </p:sp>
+      <p:sp>
+        <p:nvSpPr>
+          <p:cNvPr id="15" name="Flowchart: Terminator 14"/>
+          <p:cNvSpPr/>
+          <p:nvPr/>
+        </p:nvSpPr>
+        <p:spPr>
+          <a:xfrm>
+            <a:off x="5831840" y="3540760"/>
+            <a:ext cx="1733550" cy="739140"/>
+          </a:xfrm>
+          <a:prstGeom prst="flowChartTerminator">
+            <a:avLst/>
+          </a:prstGeom>
+          <a:ln>
+            <a:headEnd type="none" w="med" len="med"/>
+            <a:tailEnd type="none" w="med" len="med"/>
+          </a:ln>
+        </p:spPr>
+        <p:style>
+          <a:lnRef idx="1">
+            <a:schemeClr val="accent1"/>
+          </a:lnRef>
+          <a:fillRef idx="2">
+            <a:schemeClr val="accent1"/>
+          </a:fillRef>
+          <a:effectRef idx="1">
+            <a:schemeClr val="accent1"/>
+          </a:effectRef>
+          <a:fontRef idx="minor">
+            <a:schemeClr val="dk1"/>
+          </a:fontRef>
+        </p:style>
+        <p:txBody>
+          <a:bodyPr vert="horz" wrap="none" lIns="91440" tIns="45720" rIns="91440" bIns="45720" numCol="1" anchor="ctr" anchorCtr="0" compatLnSpc="1"/>
+          <a:p>
+            <a:pPr marL="0" marR="0" indent="0" algn="ctr" defTabSz="914400" rtl="0" eaLnBrk="1" fontAlgn="base" latinLnBrk="0" hangingPunct="1">
+              <a:lnSpc>
+                <a:spcPct val="100000"/>
+              </a:lnSpc>
+              <a:spcBef>
+                <a:spcPct val="0"/>
+              </a:spcBef>
+              <a:spcAft>
+                <a:spcPct val="0"/>
+              </a:spcAft>
+              <a:buClrTx/>
+              <a:buSzTx/>
+              <a:buFontTx/>
+              <a:buNone/>
+            </a:pPr>
+            <a:r>
+              <a:rPr kumimoji="0" lang="en-US" altLang="zh-CN" sz="1800" b="0" i="0" u="none" strike="noStrike" cap="none" normalizeH="0" baseline="0" smtClean="0">
+                <a:ln>
+                  <a:noFill/>
+                </a:ln>
+                <a:solidFill>
+                  <a:schemeClr val="tx1"/>
+                </a:solidFill>
+                <a:effectLst/>
+                <a:latin typeface="Arial" panose="020B0604020202020204" pitchFamily="34" charset="0"/>
+                <a:ea typeface="SimSun" panose="02010600030101010101" pitchFamily="2" charset="-122"/>
+              </a:rPr>
+              <a:t>Step 2</a:t>
+            </a:r>
+            <a:endParaRPr kumimoji="0" lang="en-US" altLang="zh-CN" sz="1800" b="0" i="0" u="none" strike="noStrike" cap="none" normalizeH="0" baseline="0" smtClean="0">
+              <a:ln>
+                <a:noFill/>
+              </a:ln>
+              <a:solidFill>
+                <a:schemeClr val="tx1"/>
+              </a:solidFill>
+              <a:effectLst/>
+              <a:latin typeface="Arial" panose="020B0604020202020204" pitchFamily="34" charset="0"/>
+              <a:ea typeface="SimSun" panose="02010600030101010101" pitchFamily="2" charset="-122"/>
+            </a:endParaRPr>
+          </a:p>
+        </p:txBody>
+      </p:sp>
+      <p:sp>
+        <p:nvSpPr>
+          <p:cNvPr id="16" name="Flowchart: Terminator 15"/>
+          <p:cNvSpPr/>
+          <p:nvPr/>
+        </p:nvSpPr>
+        <p:spPr>
+          <a:xfrm>
+            <a:off x="5831840" y="4901565"/>
+            <a:ext cx="1733550" cy="739140"/>
+          </a:xfrm>
+          <a:prstGeom prst="flowChartTerminator">
+            <a:avLst/>
+          </a:prstGeom>
+          <a:ln>
+            <a:headEnd type="none" w="med" len="med"/>
+            <a:tailEnd type="none" w="med" len="med"/>
+          </a:ln>
+        </p:spPr>
+        <p:style>
+          <a:lnRef idx="1">
+            <a:schemeClr val="accent1"/>
+          </a:lnRef>
+          <a:fillRef idx="2">
+            <a:schemeClr val="accent1"/>
+          </a:fillRef>
+          <a:effectRef idx="1">
+            <a:schemeClr val="accent1"/>
+          </a:effectRef>
+          <a:fontRef idx="minor">
+            <a:schemeClr val="dk1"/>
+          </a:fontRef>
+        </p:style>
+        <p:txBody>
+          <a:bodyPr vert="horz" wrap="none" lIns="91440" tIns="45720" rIns="91440" bIns="45720" numCol="1" anchor="ctr" anchorCtr="0" compatLnSpc="1"/>
+          <a:p>
+            <a:pPr marL="0" marR="0" indent="0" algn="ctr" defTabSz="914400" rtl="0" eaLnBrk="1" fontAlgn="base" latinLnBrk="0" hangingPunct="1">
+              <a:lnSpc>
+                <a:spcPct val="100000"/>
+              </a:lnSpc>
+              <a:spcBef>
+                <a:spcPct val="0"/>
+              </a:spcBef>
+              <a:spcAft>
+                <a:spcPct val="0"/>
+              </a:spcAft>
+              <a:buClrTx/>
+              <a:buSzTx/>
+              <a:buFontTx/>
+              <a:buNone/>
+            </a:pPr>
+            <a:r>
+              <a:rPr kumimoji="0" lang="en-US" altLang="zh-CN" sz="1800" b="0" i="0" u="none" strike="noStrike" cap="none" normalizeH="0" baseline="0" smtClean="0">
+                <a:ln>
+                  <a:noFill/>
+                </a:ln>
+                <a:solidFill>
+                  <a:schemeClr val="tx1"/>
+                </a:solidFill>
+                <a:effectLst/>
+                <a:latin typeface="Arial" panose="020B0604020202020204" pitchFamily="34" charset="0"/>
+                <a:ea typeface="SimSun" panose="02010600030101010101" pitchFamily="2" charset="-122"/>
+              </a:rPr>
+              <a:t>Step 3</a:t>
+            </a:r>
+            <a:endParaRPr kumimoji="0" lang="en-US" altLang="zh-CN" sz="1800" b="0" i="0" u="none" strike="noStrike" cap="none" normalizeH="0" baseline="0" smtClean="0">
+              <a:ln>
+                <a:noFill/>
+              </a:ln>
+              <a:solidFill>
+                <a:schemeClr val="tx1"/>
+              </a:solidFill>
+              <a:effectLst/>
+              <a:latin typeface="Arial" panose="020B0604020202020204" pitchFamily="34" charset="0"/>
+              <a:ea typeface="SimSun" panose="02010600030101010101" pitchFamily="2" charset="-122"/>
+            </a:endParaRPr>
+          </a:p>
+        </p:txBody>
+      </p:sp>
+      <p:sp>
+        <p:nvSpPr>
+          <p:cNvPr id="18" name="Rounded Rectangle 17"/>
+          <p:cNvSpPr/>
+          <p:nvPr/>
+        </p:nvSpPr>
+        <p:spPr>
+          <a:xfrm>
+            <a:off x="2437765" y="2487295"/>
+            <a:ext cx="2195195" cy="1971675"/>
+          </a:xfrm>
+          <a:prstGeom prst="roundRect">
+            <a:avLst/>
+          </a:prstGeom>
+          <a:gradFill rotWithShape="0">
+            <a:gsLst>
+              <a:gs pos="0">
+                <a:schemeClr val="accent1"/>
+              </a:gs>
+              <a:gs pos="100000">
+                <a:schemeClr val="accent2"/>
+              </a:gs>
+            </a:gsLst>
+            <a:lin ang="5400000" scaled="1"/>
+          </a:gradFill>
+          <a:ln w="9525" cap="flat" cmpd="sng" algn="ctr">
+            <a:solidFill>
+              <a:schemeClr val="accent1"/>
+            </a:solidFill>
+            <a:prstDash val="solid"/>
+            <a:round/>
+            <a:headEnd type="none" w="med" len="med"/>
+            <a:tailEnd type="none" w="med" len="med"/>
+          </a:ln>
+        </p:spPr>
+        <p:txBody>
+          <a:bodyPr vert="horz" wrap="none" lIns="91440" tIns="45720" rIns="91440" bIns="45720" numCol="1" anchor="ctr" anchorCtr="0" compatLnSpc="1"/>
+          <a:p>
+            <a:pPr marL="0" marR="0" indent="0" algn="ctr" defTabSz="914400" rtl="0" eaLnBrk="1" fontAlgn="base" latinLnBrk="0" hangingPunct="1">
+              <a:lnSpc>
+                <a:spcPct val="100000"/>
+              </a:lnSpc>
+              <a:spcBef>
+                <a:spcPct val="0"/>
+              </a:spcBef>
+              <a:spcAft>
+                <a:spcPct val="0"/>
+              </a:spcAft>
+              <a:buClrTx/>
+              <a:buSzTx/>
+              <a:buFontTx/>
+              <a:buNone/>
+            </a:pPr>
+            <a:r>
+              <a:rPr kumimoji="0" lang="en-US" altLang="zh-CN" sz="1800" b="0" i="0" u="none" strike="noStrike" cap="none" normalizeH="0" baseline="0" smtClean="0">
+                <a:ln>
+                  <a:noFill/>
+                </a:ln>
+                <a:solidFill>
+                  <a:schemeClr val="tx1"/>
+                </a:solidFill>
+                <a:effectLst/>
+                <a:latin typeface="Arial" panose="020B0604020202020204" pitchFamily="34" charset="0"/>
+                <a:ea typeface="SimSun" panose="02010600030101010101" pitchFamily="2" charset="-122"/>
+              </a:rPr>
+              <a:t> </a:t>
+            </a:r>
+            <a:endParaRPr kumimoji="0" lang="en-US" altLang="zh-CN" sz="1800" b="0" i="0" u="none" strike="noStrike" cap="none" normalizeH="0" baseline="0" smtClean="0">
+              <a:ln>
+                <a:noFill/>
+              </a:ln>
+              <a:solidFill>
+                <a:schemeClr val="tx1"/>
+              </a:solidFill>
+              <a:effectLst/>
+              <a:latin typeface="Arial" panose="020B0604020202020204" pitchFamily="34" charset="0"/>
+              <a:ea typeface="SimSun" panose="02010600030101010101" pitchFamily="2" charset="-122"/>
+            </a:endParaRPr>
+          </a:p>
+        </p:txBody>
+      </p:sp>
+      <p:sp>
+        <p:nvSpPr>
+          <p:cNvPr id="19" name="Text Box 18"/>
+          <p:cNvSpPr txBox="1"/>
+          <p:nvPr/>
+        </p:nvSpPr>
+        <p:spPr>
+          <a:xfrm>
+            <a:off x="2701925" y="2677795"/>
+            <a:ext cx="1666240" cy="368300"/>
+          </a:xfrm>
+          <a:prstGeom prst="rect">
+            <a:avLst/>
+          </a:prstGeom>
+          <a:noFill/>
+        </p:spPr>
+        <p:txBody>
+          <a:bodyPr wrap="square" rtlCol="0">
+            <a:spAutoFit/>
+          </a:bodyPr>
+          <a:p>
+            <a:r>
+              <a:rPr lang="en-US">
+                <a:solidFill>
+                  <a:schemeClr val="accent5">
+                    <a:lumMod val="40000"/>
+                    <a:lumOff val="60000"/>
+                  </a:schemeClr>
+                </a:solidFill>
+              </a:rPr>
+              <a:t>DEFINITION</a:t>
+            </a:r>
+            <a:endParaRPr lang="en-US">
+              <a:solidFill>
+                <a:schemeClr val="accent5">
+                  <a:lumMod val="40000"/>
+                  <a:lumOff val="60000"/>
+                </a:schemeClr>
+              </a:solidFill>
+            </a:endParaRPr>
+          </a:p>
+        </p:txBody>
+      </p:sp>
+      <p:sp>
+        <p:nvSpPr>
+          <p:cNvPr id="20" name="Flowchart: Terminator 19"/>
+          <p:cNvSpPr/>
+          <p:nvPr/>
+        </p:nvSpPr>
+        <p:spPr>
+          <a:xfrm>
+            <a:off x="2668270" y="3211830"/>
+            <a:ext cx="1733550" cy="739140"/>
+          </a:xfrm>
+          <a:prstGeom prst="flowChartTerminator">
+            <a:avLst/>
+          </a:prstGeom>
+          <a:ln>
+            <a:headEnd type="none" w="med" len="med"/>
+            <a:tailEnd type="none" w="med" len="med"/>
+          </a:ln>
+        </p:spPr>
+        <p:style>
+          <a:lnRef idx="1">
+            <a:schemeClr val="accent1"/>
+          </a:lnRef>
+          <a:fillRef idx="2">
+            <a:schemeClr val="accent1"/>
+          </a:fillRef>
+          <a:effectRef idx="1">
+            <a:schemeClr val="accent1"/>
+          </a:effectRef>
+          <a:fontRef idx="minor">
+            <a:schemeClr val="dk1"/>
+          </a:fontRef>
+        </p:style>
+        <p:txBody>
+          <a:bodyPr vert="horz" wrap="none" lIns="91440" tIns="45720" rIns="91440" bIns="45720" numCol="1" anchor="ctr" anchorCtr="0" compatLnSpc="1"/>
+          <a:p>
+            <a:pPr marL="0" marR="0" indent="0" algn="ctr" defTabSz="914400" rtl="0" eaLnBrk="1" fontAlgn="base" latinLnBrk="0" hangingPunct="1">
+              <a:lnSpc>
+                <a:spcPct val="100000"/>
+              </a:lnSpc>
+              <a:spcBef>
+                <a:spcPct val="0"/>
+              </a:spcBef>
+              <a:spcAft>
+                <a:spcPct val="0"/>
+              </a:spcAft>
+              <a:buClrTx/>
+              <a:buSzTx/>
+              <a:buFontTx/>
+              <a:buNone/>
+            </a:pPr>
+            <a:r>
+              <a:rPr kumimoji="0" lang="en-US" altLang="zh-CN" sz="1800" b="0" i="0" u="none" strike="noStrike" cap="none" normalizeH="0" baseline="0" smtClean="0">
+                <a:ln>
+                  <a:noFill/>
+                </a:ln>
+                <a:solidFill>
+                  <a:schemeClr val="tx1"/>
+                </a:solidFill>
+                <a:effectLst/>
+                <a:latin typeface="Arial" panose="020B0604020202020204" pitchFamily="34" charset="0"/>
+                <a:ea typeface="SimSun" panose="02010600030101010101" pitchFamily="2" charset="-122"/>
+              </a:rPr>
+              <a:t>Action 1</a:t>
+            </a:r>
+            <a:endParaRPr kumimoji="0" lang="en-US" altLang="zh-CN" sz="1800" b="0" i="0" u="none" strike="noStrike" cap="none" normalizeH="0" baseline="0" smtClean="0">
+              <a:ln>
+                <a:noFill/>
+              </a:ln>
+              <a:solidFill>
+                <a:schemeClr val="tx1"/>
+              </a:solidFill>
+              <a:effectLst/>
+              <a:latin typeface="Arial" panose="020B0604020202020204" pitchFamily="34" charset="0"/>
+              <a:ea typeface="SimSun" panose="02010600030101010101" pitchFamily="2" charset="-122"/>
+            </a:endParaRPr>
+          </a:p>
+        </p:txBody>
+      </p:sp>
+      <p:cxnSp>
+        <p:nvCxnSpPr>
+          <p:cNvPr id="25" name="Curved Connector 24"/>
+          <p:cNvCxnSpPr>
+            <a:stCxn id="5" idx="1"/>
+            <a:endCxn id="9" idx="3"/>
+          </p:cNvCxnSpPr>
+          <p:nvPr/>
+        </p:nvCxnSpPr>
+        <p:spPr>
+          <a:xfrm rot="10800000" flipV="1">
+            <a:off x="7565390" y="2242185"/>
+            <a:ext cx="2065655" cy="122555"/>
+          </a:xfrm>
+          <a:prstGeom prst="curvedConnector3">
+            <a:avLst>
+              <a:gd name="adj1" fmla="val 49985"/>
+            </a:avLst>
+          </a:prstGeom>
+          <a:gradFill rotWithShape="0">
+            <a:gsLst>
+              <a:gs pos="0">
+                <a:schemeClr val="accent1"/>
+              </a:gs>
+              <a:gs pos="100000">
+                <a:schemeClr val="accent2"/>
+              </a:gs>
+            </a:gsLst>
+            <a:lin ang="5400000" scaled="1"/>
+          </a:gradFill>
+          <a:ln w="9525" cap="flat" cmpd="sng" algn="ctr">
+            <a:solidFill>
+              <a:schemeClr val="accent1"/>
+            </a:solidFill>
+            <a:prstDash val="solid"/>
+            <a:round/>
+            <a:headEnd type="none" w="med" len="med"/>
+            <a:tailEnd type="arrow" w="med" len="med"/>
+          </a:ln>
+        </p:spPr>
+      </p:cxnSp>
+      <p:cxnSp>
+        <p:nvCxnSpPr>
+          <p:cNvPr id="26" name="Curved Connector 25"/>
+          <p:cNvCxnSpPr>
+            <a:stCxn id="6" idx="1"/>
+            <a:endCxn id="15" idx="3"/>
+          </p:cNvCxnSpPr>
+          <p:nvPr/>
+        </p:nvCxnSpPr>
+        <p:spPr>
+          <a:xfrm rot="10800000" flipV="1">
+            <a:off x="7564755" y="3581400"/>
+            <a:ext cx="2065655" cy="328930"/>
+          </a:xfrm>
+          <a:prstGeom prst="curvedConnector3">
+            <a:avLst>
+              <a:gd name="adj1" fmla="val 49985"/>
+            </a:avLst>
+          </a:prstGeom>
+          <a:gradFill rotWithShape="0">
+            <a:gsLst>
+              <a:gs pos="0">
+                <a:schemeClr val="accent1"/>
+              </a:gs>
+              <a:gs pos="100000">
+                <a:schemeClr val="accent2"/>
+              </a:gs>
+            </a:gsLst>
+            <a:lin ang="5400000" scaled="1"/>
+          </a:gradFill>
+          <a:ln w="9525" cap="flat" cmpd="sng" algn="ctr">
+            <a:solidFill>
+              <a:schemeClr val="accent1"/>
+            </a:solidFill>
+            <a:prstDash val="solid"/>
+            <a:round/>
+            <a:headEnd type="none" w="med" len="med"/>
+            <a:tailEnd type="arrow" w="med" len="med"/>
+          </a:ln>
+        </p:spPr>
+      </p:cxnSp>
+      <p:cxnSp>
+        <p:nvCxnSpPr>
+          <p:cNvPr id="27" name="Curved Connector 26"/>
+          <p:cNvCxnSpPr>
+            <a:stCxn id="7" idx="1"/>
+            <a:endCxn id="16" idx="3"/>
+          </p:cNvCxnSpPr>
+          <p:nvPr/>
+        </p:nvCxnSpPr>
+        <p:spPr>
+          <a:xfrm rot="10800000" flipV="1">
+            <a:off x="7564755" y="4919345"/>
+            <a:ext cx="2187575" cy="351790"/>
+          </a:xfrm>
+          <a:prstGeom prst="curvedConnector3">
+            <a:avLst>
+              <a:gd name="adj1" fmla="val 49985"/>
+            </a:avLst>
+          </a:prstGeom>
+          <a:gradFill rotWithShape="0">
+            <a:gsLst>
+              <a:gs pos="0">
+                <a:schemeClr val="accent1"/>
+              </a:gs>
+              <a:gs pos="100000">
+                <a:schemeClr val="accent2"/>
+              </a:gs>
+            </a:gsLst>
+            <a:lin ang="5400000" scaled="1"/>
+          </a:gradFill>
+          <a:ln w="9525" cap="flat" cmpd="sng" algn="ctr">
+            <a:solidFill>
+              <a:schemeClr val="accent1"/>
+            </a:solidFill>
+            <a:prstDash val="solid"/>
+            <a:round/>
+            <a:headEnd type="none" w="med" len="med"/>
+            <a:tailEnd type="arrow" w="med" len="med"/>
+          </a:ln>
+        </p:spPr>
+      </p:cxnSp>
+      <p:cxnSp>
+        <p:nvCxnSpPr>
+          <p:cNvPr id="28" name="Curved Connector 27"/>
+          <p:cNvCxnSpPr>
+            <a:stCxn id="9" idx="1"/>
+            <a:endCxn id="20" idx="3"/>
+          </p:cNvCxnSpPr>
+          <p:nvPr/>
+        </p:nvCxnSpPr>
+        <p:spPr>
+          <a:xfrm rot="10800000" flipV="1">
+            <a:off x="4401820" y="2365375"/>
+            <a:ext cx="1430655" cy="1216025"/>
+          </a:xfrm>
+          <a:prstGeom prst="curvedConnector3">
+            <a:avLst>
+              <a:gd name="adj1" fmla="val 49978"/>
+            </a:avLst>
+          </a:prstGeom>
+          <a:gradFill rotWithShape="0">
+            <a:gsLst>
+              <a:gs pos="0">
+                <a:schemeClr val="accent1"/>
+              </a:gs>
+              <a:gs pos="100000">
+                <a:schemeClr val="accent2"/>
+              </a:gs>
+            </a:gsLst>
+            <a:lin ang="5400000" scaled="1"/>
+          </a:gradFill>
+          <a:ln w="9525" cap="flat" cmpd="sng" algn="ctr">
+            <a:solidFill>
+              <a:schemeClr val="accent1"/>
+            </a:solidFill>
+            <a:prstDash val="solid"/>
+            <a:round/>
+            <a:headEnd type="none" w="med" len="med"/>
+            <a:tailEnd type="arrow" w="med" len="med"/>
+          </a:ln>
+        </p:spPr>
+      </p:cxnSp>
+      <p:cxnSp>
+        <p:nvCxnSpPr>
+          <p:cNvPr id="29" name="Curved Connector 28"/>
+          <p:cNvCxnSpPr>
+            <a:stCxn id="15" idx="1"/>
+            <a:endCxn id="20" idx="3"/>
+          </p:cNvCxnSpPr>
+          <p:nvPr/>
+        </p:nvCxnSpPr>
+        <p:spPr>
+          <a:xfrm rot="10800000">
+            <a:off x="4401820" y="3581400"/>
+            <a:ext cx="1430020" cy="328930"/>
+          </a:xfrm>
+          <a:prstGeom prst="curvedConnector3">
+            <a:avLst>
+              <a:gd name="adj1" fmla="val 50000"/>
+            </a:avLst>
+          </a:prstGeom>
+          <a:gradFill rotWithShape="0">
+            <a:gsLst>
+              <a:gs pos="0">
+                <a:schemeClr val="accent1"/>
+              </a:gs>
+              <a:gs pos="100000">
+                <a:schemeClr val="accent2"/>
+              </a:gs>
+            </a:gsLst>
+            <a:lin ang="5400000" scaled="1"/>
+          </a:gradFill>
+          <a:ln w="9525" cap="flat" cmpd="sng" algn="ctr">
+            <a:solidFill>
+              <a:schemeClr val="accent1"/>
+            </a:solidFill>
+            <a:prstDash val="solid"/>
+            <a:round/>
+            <a:headEnd type="none" w="med" len="med"/>
+            <a:tailEnd type="arrow" w="med" len="med"/>
+          </a:ln>
+        </p:spPr>
+      </p:cxnSp>
+      <p:cxnSp>
+        <p:nvCxnSpPr>
+          <p:cNvPr id="30" name="Curved Connector 29"/>
+          <p:cNvCxnSpPr>
+            <a:stCxn id="16" idx="1"/>
+            <a:endCxn id="20" idx="3"/>
+          </p:cNvCxnSpPr>
+          <p:nvPr/>
+        </p:nvCxnSpPr>
+        <p:spPr>
+          <a:xfrm rot="10800000">
+            <a:off x="4401820" y="3581400"/>
+            <a:ext cx="1430020" cy="1689735"/>
+          </a:xfrm>
+          <a:prstGeom prst="curvedConnector3">
+            <a:avLst>
+              <a:gd name="adj1" fmla="val 50000"/>
+            </a:avLst>
+          </a:prstGeom>
+          <a:gradFill rotWithShape="0">
+            <a:gsLst>
+              <a:gs pos="0">
+                <a:schemeClr val="accent1"/>
+              </a:gs>
+              <a:gs pos="100000">
+                <a:schemeClr val="accent2"/>
+              </a:gs>
+            </a:gsLst>
+            <a:lin ang="5400000" scaled="1"/>
+          </a:gradFill>
+          <a:ln w="9525" cap="flat" cmpd="sng" algn="ctr">
+            <a:solidFill>
+              <a:schemeClr val="accent1"/>
+            </a:solidFill>
+            <a:prstDash val="solid"/>
+            <a:round/>
+            <a:headEnd type="none" w="med" len="med"/>
+            <a:tailEnd type="arrow" w="med" len="med"/>
+          </a:ln>
+        </p:spPr>
+      </p:cxnSp>
+      <p:sp>
+        <p:nvSpPr>
+          <p:cNvPr id="34" name="Explosion 1 33"/>
+          <p:cNvSpPr/>
+          <p:nvPr/>
+        </p:nvSpPr>
+        <p:spPr>
+          <a:xfrm>
+            <a:off x="144780" y="1191260"/>
+            <a:ext cx="2292985" cy="2020570"/>
+          </a:xfrm>
+          <a:prstGeom prst="irregularSeal1">
+            <a:avLst/>
+          </a:prstGeom>
+          <a:solidFill>
+            <a:srgbClr val="92D050"/>
+          </a:solidFill>
+          <a:ln w="9525" cap="flat" cmpd="sng" algn="ctr">
+            <a:solidFill>
+              <a:schemeClr val="accent1"/>
+            </a:solidFill>
+            <a:prstDash val="solid"/>
+            <a:round/>
+            <a:headEnd type="none" w="med" len="med"/>
+            <a:tailEnd type="none" w="med" len="med"/>
+          </a:ln>
+        </p:spPr>
+        <p:txBody>
+          <a:bodyPr vert="horz" wrap="none" lIns="91440" tIns="45720" rIns="91440" bIns="45720" numCol="1" anchor="ctr" anchorCtr="0" compatLnSpc="1"/>
+          <a:p>
+            <a:pPr marL="0" marR="0" indent="0" algn="l" defTabSz="914400" rtl="0" eaLnBrk="1" fontAlgn="base" latinLnBrk="0" hangingPunct="1">
+              <a:lnSpc>
+                <a:spcPct val="100000"/>
+              </a:lnSpc>
+              <a:spcBef>
+                <a:spcPct val="0"/>
+              </a:spcBef>
+              <a:spcAft>
+                <a:spcPct val="0"/>
+              </a:spcAft>
+              <a:buClrTx/>
+              <a:buSzTx/>
+              <a:buFontTx/>
+              <a:buNone/>
+            </a:pPr>
+            <a:r>
+              <a:rPr kumimoji="0" lang="en-US" altLang="zh-CN" sz="1800" b="1" i="0" u="none" strike="noStrike" cap="none" normalizeH="0" baseline="0" smtClean="0">
+                <a:ln>
+                  <a:noFill/>
+                </a:ln>
+                <a:solidFill>
+                  <a:schemeClr val="tx1"/>
+                </a:solidFill>
+                <a:effectLst/>
+                <a:latin typeface="Arial" panose="020B0604020202020204" pitchFamily="34" charset="0"/>
+                <a:ea typeface="SimSun" panose="02010600030101010101" pitchFamily="2" charset="-122"/>
+              </a:rPr>
+              <a:t>Feature File</a:t>
+            </a:r>
+            <a:endParaRPr kumimoji="0" lang="en-US" altLang="zh-CN" sz="1800" b="1" i="0" u="none" strike="noStrike" cap="none" normalizeH="0" baseline="0" smtClean="0">
+              <a:ln>
+                <a:noFill/>
+              </a:ln>
+              <a:solidFill>
+                <a:schemeClr val="tx1"/>
+              </a:solidFill>
+              <a:effectLst/>
+              <a:latin typeface="Arial" panose="020B0604020202020204" pitchFamily="34" charset="0"/>
+              <a:ea typeface="SimSun" panose="02010600030101010101" pitchFamily="2" charset="-122"/>
+            </a:endParaRPr>
+          </a:p>
+        </p:txBody>
+      </p:sp>
+      <p:cxnSp>
+        <p:nvCxnSpPr>
+          <p:cNvPr id="35" name="Curved Connector 34"/>
+          <p:cNvCxnSpPr>
+            <a:stCxn id="34" idx="2"/>
+            <a:endCxn id="20" idx="1"/>
+          </p:cNvCxnSpPr>
+          <p:nvPr/>
+        </p:nvCxnSpPr>
+        <p:spPr>
+          <a:xfrm rot="5400000" flipV="1">
+            <a:off x="1671955" y="2585085"/>
+            <a:ext cx="369570" cy="1623060"/>
+          </a:xfrm>
+          <a:prstGeom prst="curvedConnector2">
+            <a:avLst/>
+          </a:prstGeom>
+          <a:ln w="38100">
+            <a:solidFill>
+              <a:srgbClr val="92D050"/>
+            </a:solidFill>
+            <a:headEnd type="none" w="med" len="med"/>
+            <a:tailEnd type="arrow" w="med" len="med"/>
+          </a:ln>
+        </p:spPr>
+        <p:style>
+          <a:lnRef idx="2">
+            <a:schemeClr val="accent1"/>
+          </a:lnRef>
+          <a:fillRef idx="0">
+            <a:schemeClr val="accent1"/>
+          </a:fillRef>
+          <a:effectRef idx="1">
+            <a:schemeClr val="accent1"/>
+          </a:effectRef>
+          <a:fontRef idx="minor">
+            <a:schemeClr val="tx1"/>
+          </a:fontRef>
+        </p:style>
+      </p:cxnSp>
     </p:spTree>
   </p:cSld>
   <p:clrMapOvr>
@@ -6806,7 +7277,7 @@
 </p:sld>
 </file>
 
-<file path=ppt/slides/slide7.xml><?xml version="1.0" encoding="utf-8"?>
+<file path=ppt/slides/slide15.xml><?xml version="1.0" encoding="utf-8"?>
 <p:sld xmlns:a="http://schemas.openxmlformats.org/drawingml/2006/main" xmlns:r="http://schemas.openxmlformats.org/officeDocument/2006/relationships" xmlns:p="http://schemas.openxmlformats.org/presentationml/2006/main">
   <p:cSld>
     <p:spTree>
@@ -6927,7 +7398,7 @@
                 <a:ea typeface="SimSun" panose="02010600030101010101" pitchFamily="2" charset="-122"/>
                 <a:sym typeface="+mn-ea"/>
               </a:rPr>
-              <a:t>IV. Run project and get result?</a:t>
+              <a:t>V. Demo</a:t>
             </a:r>
             <a:endParaRPr kumimoji="0" lang="en-US" altLang="zh-CN" sz="3600" b="0" i="0" u="none" strike="noStrike" cap="none" normalizeH="0" baseline="0" smtClean="0">
               <a:ln w="10160">
@@ -6965,6 +7436,33 @@
         <p:txBody>
           <a:bodyPr/>
           <a:p>
+            <a:pPr marL="0" indent="0">
+              <a:buNone/>
+            </a:pPr>
+            <a:r>
+              <a:rPr lang="en-US"/>
+              <a:t>1. Login</a:t>
+            </a:r>
+            <a:endParaRPr lang="en-US"/>
+          </a:p>
+          <a:p>
+            <a:pPr marL="0" indent="0">
+              <a:buNone/>
+            </a:pPr>
+            <a:r>
+              <a:rPr lang="en-US"/>
+              <a:t>2. Change User Profile - Background</a:t>
+            </a:r>
+            <a:endParaRPr lang="en-US"/>
+          </a:p>
+          <a:p>
+            <a:pPr marL="0" indent="0">
+              <a:buNone/>
+            </a:pPr>
+            <a:r>
+              <a:rPr lang="en-US"/>
+              <a:t>3. Create new User account - Scenario Ouline.</a:t>
+            </a:r>
             <a:endParaRPr lang="en-US"/>
           </a:p>
         </p:txBody>
@@ -6977,7 +7475,82 @@
 </p:sld>
 </file>
 
-<file path=ppt/slides/slide8.xml><?xml version="1.0" encoding="utf-8"?>
+<file path=ppt/slides/slide16.xml><?xml version="1.0" encoding="utf-8"?>
+<p:sld xmlns:a="http://schemas.openxmlformats.org/drawingml/2006/main" xmlns:r="http://schemas.openxmlformats.org/officeDocument/2006/relationships" xmlns:p="http://schemas.openxmlformats.org/presentationml/2006/main">
+  <p:cSld>
+    <p:spTree>
+      <p:nvGrpSpPr>
+        <p:cNvPr id="1" name=""/>
+        <p:cNvGrpSpPr/>
+        <p:nvPr/>
+      </p:nvGrpSpPr>
+      <p:grpSpPr/>
+      <p:sp>
+        <p:nvSpPr>
+          <p:cNvPr id="3" name="Rectangle 2"/>
+          <p:cNvSpPr/>
+          <p:nvPr/>
+        </p:nvSpPr>
+        <p:spPr>
+          <a:xfrm>
+            <a:off x="4250690" y="2829560"/>
+            <a:ext cx="3689985" cy="1198880"/>
+          </a:xfrm>
+          <a:prstGeom prst="rect">
+            <a:avLst/>
+          </a:prstGeom>
+          <a:noFill/>
+          <a:ln>
+            <a:noFill/>
+          </a:ln>
+        </p:spPr>
+        <p:txBody>
+          <a:bodyPr wrap="none" rtlCol="0" anchor="t">
+            <a:spAutoFit/>
+          </a:bodyPr>
+          <a:p>
+            <a:pPr algn="ctr"/>
+            <a:r>
+              <a:rPr lang="en-US" altLang="zh-CN" sz="7200" b="1">
+                <a:ln/>
+                <a:solidFill>
+                  <a:schemeClr val="accent1"/>
+                </a:solidFill>
+                <a:effectLst>
+                  <a:outerShdw blurRad="38100" dist="25400" dir="5400000" algn="ctr" rotWithShape="0">
+                    <a:srgbClr val="6E747A">
+                      <a:alpha val="43000"/>
+                    </a:srgbClr>
+                  </a:outerShdw>
+                </a:effectLst>
+              </a:rPr>
+              <a:t>Thanks!</a:t>
+            </a:r>
+            <a:endParaRPr lang="en-US" altLang="zh-CN" sz="7200" b="1">
+              <a:ln/>
+              <a:solidFill>
+                <a:schemeClr val="accent1"/>
+              </a:solidFill>
+              <a:effectLst>
+                <a:outerShdw blurRad="38100" dist="25400" dir="5400000" algn="ctr" rotWithShape="0">
+                  <a:srgbClr val="6E747A">
+                    <a:alpha val="43000"/>
+                  </a:srgbClr>
+                </a:outerShdw>
+              </a:effectLst>
+            </a:endParaRPr>
+          </a:p>
+        </p:txBody>
+      </p:sp>
+    </p:spTree>
+  </p:cSld>
+  <p:clrMapOvr>
+    <a:masterClrMapping/>
+  </p:clrMapOvr>
+</p:sld>
+</file>
+
+<file path=ppt/slides/slide2.xml><?xml version="1.0" encoding="utf-8"?>
 <p:sld xmlns:a="http://schemas.openxmlformats.org/drawingml/2006/main" xmlns:r="http://schemas.openxmlformats.org/officeDocument/2006/relationships" xmlns:p="http://schemas.openxmlformats.org/presentationml/2006/main">
   <p:cSld>
     <p:spTree>
@@ -7012,6 +7585,503 @@
                   </a:srgbClr>
                 </a:outerShdw>
               </a:effectLst>
+            </a:endParaRPr>
+          </a:p>
+        </p:txBody>
+      </p:sp>
+      <p:sp>
+        <p:nvSpPr>
+          <p:cNvPr id="3" name="Content Placeholder 2"/>
+          <p:cNvSpPr>
+            <a:spLocks noGrp="1"/>
+          </p:cNvSpPr>
+          <p:nvPr>
+            <p:ph idx="1"/>
+          </p:nvPr>
+        </p:nvSpPr>
+        <p:spPr>
+          <a:xfrm>
+            <a:off x="609600" y="1174750"/>
+            <a:ext cx="10972800" cy="4953000"/>
+          </a:xfrm>
+        </p:spPr>
+        <p:txBody>
+          <a:bodyPr/>
+          <a:p>
+            <a:r>
+              <a:rPr lang="en-US" sz="4400"/>
+              <a:t>I.</a:t>
+            </a:r>
+            <a:r>
+              <a:rPr lang="en-US"/>
+              <a:t>	</a:t>
+            </a:r>
+            <a:endParaRPr lang="en-US"/>
+          </a:p>
+          <a:p>
+            <a:r>
+              <a:rPr lang="en-US" sz="4400"/>
+              <a:t>II. </a:t>
+            </a:r>
+            <a:endParaRPr lang="en-US" sz="4400"/>
+          </a:p>
+          <a:p>
+            <a:r>
+              <a:rPr lang="en-US" sz="4400"/>
+              <a:t>III.</a:t>
+            </a:r>
+            <a:endParaRPr lang="en-US" sz="4400"/>
+          </a:p>
+          <a:p>
+            <a:r>
+              <a:rPr lang="en-US" sz="4400"/>
+              <a:t>IV.   </a:t>
+            </a:r>
+            <a:endParaRPr lang="en-US" sz="4400"/>
+          </a:p>
+          <a:p>
+            <a:pPr marL="0" indent="0">
+              <a:buNone/>
+            </a:pPr>
+            <a:endParaRPr lang="en-US" sz="4400"/>
+          </a:p>
+        </p:txBody>
+      </p:sp>
+      <p:sp>
+        <p:nvSpPr>
+          <p:cNvPr id="4" name="Rounded Rectangle 3"/>
+          <p:cNvSpPr/>
+          <p:nvPr/>
+        </p:nvSpPr>
+        <p:spPr>
+          <a:xfrm>
+            <a:off x="1939925" y="1174750"/>
+            <a:ext cx="8407400" cy="615315"/>
+          </a:xfrm>
+          <a:prstGeom prst="roundRect">
+            <a:avLst/>
+          </a:prstGeom>
+          <a:gradFill rotWithShape="0">
+            <a:gsLst>
+              <a:gs pos="0">
+                <a:schemeClr val="accent1"/>
+              </a:gs>
+              <a:gs pos="100000">
+                <a:schemeClr val="accent2"/>
+              </a:gs>
+            </a:gsLst>
+            <a:lin ang="5400000" scaled="1"/>
+          </a:gradFill>
+          <a:ln w="9525" cap="flat" cmpd="sng" algn="ctr">
+            <a:solidFill>
+              <a:schemeClr val="accent1"/>
+            </a:solidFill>
+            <a:prstDash val="solid"/>
+            <a:round/>
+            <a:headEnd type="none" w="med" len="med"/>
+            <a:tailEnd type="none" w="med" len="med"/>
+          </a:ln>
+        </p:spPr>
+        <p:txBody>
+          <a:bodyPr vert="horz" wrap="none" lIns="91440" tIns="45720" rIns="91440" bIns="45720" numCol="1" anchor="ctr" anchorCtr="0" compatLnSpc="1">
+            <a:scene3d>
+              <a:camera prst="orthographicFront"/>
+              <a:lightRig rig="threePt" dir="t"/>
+            </a:scene3d>
+          </a:bodyPr>
+          <a:p>
+            <a:pPr marL="0" marR="0" indent="0" algn="l" defTabSz="914400" rtl="0" eaLnBrk="1" fontAlgn="base" latinLnBrk="0" hangingPunct="1">
+              <a:lnSpc>
+                <a:spcPct val="100000"/>
+              </a:lnSpc>
+              <a:spcBef>
+                <a:spcPct val="0"/>
+              </a:spcBef>
+              <a:spcAft>
+                <a:spcPct val="0"/>
+              </a:spcAft>
+              <a:buClrTx/>
+              <a:buSzTx/>
+              <a:buFontTx/>
+              <a:buNone/>
+            </a:pPr>
+            <a:r>
+              <a:rPr kumimoji="0" lang="zh-CN" altLang="en-US" sz="2000" b="0" i="0" u="none" strike="noStrike" cap="none" normalizeH="0" baseline="0" smtClean="0">
+                <a:ln w="10160">
+                  <a:solidFill>
+                    <a:schemeClr val="accent5"/>
+                  </a:solidFill>
+                  <a:prstDash val="solid"/>
+                </a:ln>
+                <a:solidFill>
+                  <a:srgbClr val="FFFFFF"/>
+                </a:solidFill>
+                <a:effectLst>
+                  <a:outerShdw blurRad="38100" dist="22860" dir="5400000" algn="tl" rotWithShape="0">
+                    <a:srgbClr val="000000">
+                      <a:alpha val="30000"/>
+                    </a:srgbClr>
+                  </a:outerShdw>
+                </a:effectLst>
+                <a:latin typeface="Arial" panose="020B0604020202020204" pitchFamily="34" charset="0"/>
+                <a:ea typeface="SimSun" panose="02010600030101010101" pitchFamily="2" charset="-122"/>
+              </a:rPr>
+              <a:t>What is BDD</a:t>
+            </a:r>
+            <a:r>
+              <a:rPr kumimoji="0" lang="en-US" altLang="zh-CN" sz="2000" b="0" i="0" u="none" strike="noStrike" cap="none" normalizeH="0" baseline="0" smtClean="0">
+                <a:ln w="10160">
+                  <a:solidFill>
+                    <a:schemeClr val="accent5"/>
+                  </a:solidFill>
+                  <a:prstDash val="solid"/>
+                </a:ln>
+                <a:solidFill>
+                  <a:srgbClr val="FFFFFF"/>
+                </a:solidFill>
+                <a:effectLst>
+                  <a:outerShdw blurRad="38100" dist="22860" dir="5400000" algn="tl" rotWithShape="0">
+                    <a:srgbClr val="000000">
+                      <a:alpha val="30000"/>
+                    </a:srgbClr>
+                  </a:outerShdw>
+                </a:effectLst>
+                <a:latin typeface="Arial" panose="020B0604020202020204" pitchFamily="34" charset="0"/>
+                <a:ea typeface="SimSun" panose="02010600030101010101" pitchFamily="2" charset="-122"/>
+              </a:rPr>
+              <a:t>?</a:t>
+            </a:r>
+            <a:endParaRPr kumimoji="0" lang="en-US" altLang="zh-CN" sz="2000" b="0" i="0" u="none" strike="noStrike" cap="none" normalizeH="0" baseline="0" smtClean="0">
+              <a:ln w="10160">
+                <a:solidFill>
+                  <a:schemeClr val="accent5"/>
+                </a:solidFill>
+                <a:prstDash val="solid"/>
+              </a:ln>
+              <a:solidFill>
+                <a:srgbClr val="FFFFFF"/>
+              </a:solidFill>
+              <a:effectLst>
+                <a:outerShdw blurRad="38100" dist="22860" dir="5400000" algn="tl" rotWithShape="0">
+                  <a:srgbClr val="000000">
+                    <a:alpha val="30000"/>
+                  </a:srgbClr>
+                </a:outerShdw>
+              </a:effectLst>
+              <a:latin typeface="Arial" panose="020B0604020202020204" pitchFamily="34" charset="0"/>
+              <a:ea typeface="SimSun" panose="02010600030101010101" pitchFamily="2" charset="-122"/>
+            </a:endParaRPr>
+          </a:p>
+        </p:txBody>
+      </p:sp>
+      <p:sp>
+        <p:nvSpPr>
+          <p:cNvPr id="6" name="Rounded Rectangle 5"/>
+          <p:cNvSpPr/>
+          <p:nvPr/>
+        </p:nvSpPr>
+        <p:spPr>
+          <a:xfrm>
+            <a:off x="1891665" y="2043430"/>
+            <a:ext cx="8407400" cy="615315"/>
+          </a:xfrm>
+          <a:prstGeom prst="roundRect">
+            <a:avLst/>
+          </a:prstGeom>
+          <a:gradFill rotWithShape="0">
+            <a:gsLst>
+              <a:gs pos="0">
+                <a:schemeClr val="accent1"/>
+              </a:gs>
+              <a:gs pos="100000">
+                <a:schemeClr val="accent2"/>
+              </a:gs>
+            </a:gsLst>
+            <a:lin ang="5400000" scaled="1"/>
+          </a:gradFill>
+          <a:ln w="9525" cap="flat" cmpd="sng" algn="ctr">
+            <a:solidFill>
+              <a:schemeClr val="accent1"/>
+            </a:solidFill>
+            <a:prstDash val="solid"/>
+            <a:round/>
+            <a:headEnd type="none" w="med" len="med"/>
+            <a:tailEnd type="none" w="med" len="med"/>
+          </a:ln>
+        </p:spPr>
+        <p:txBody>
+          <a:bodyPr vert="horz" wrap="none" lIns="91440" tIns="45720" rIns="91440" bIns="45720" numCol="1" anchor="ctr" anchorCtr="0" compatLnSpc="1">
+            <a:scene3d>
+              <a:camera prst="orthographicFront"/>
+              <a:lightRig rig="threePt" dir="t"/>
+            </a:scene3d>
+          </a:bodyPr>
+          <a:p>
+            <a:pPr marL="0" marR="0" indent="0" algn="l" defTabSz="914400" rtl="0" eaLnBrk="1" fontAlgn="base" latinLnBrk="0" hangingPunct="1">
+              <a:lnSpc>
+                <a:spcPct val="100000"/>
+              </a:lnSpc>
+              <a:spcBef>
+                <a:spcPct val="0"/>
+              </a:spcBef>
+              <a:spcAft>
+                <a:spcPct val="0"/>
+              </a:spcAft>
+              <a:buClrTx/>
+              <a:buSzTx/>
+              <a:buFontTx/>
+              <a:buNone/>
+            </a:pPr>
+            <a:r>
+              <a:rPr kumimoji="0" lang="en-US" altLang="zh-CN" sz="2000" b="0" i="0" u="none" strike="noStrike" cap="none" normalizeH="0" baseline="0" smtClean="0">
+                <a:ln w="10160">
+                  <a:solidFill>
+                    <a:schemeClr val="accent5"/>
+                  </a:solidFill>
+                  <a:prstDash val="solid"/>
+                </a:ln>
+                <a:solidFill>
+                  <a:srgbClr val="FFFFFF"/>
+                </a:solidFill>
+                <a:effectLst>
+                  <a:outerShdw blurRad="38100" dist="22860" dir="5400000" algn="tl" rotWithShape="0">
+                    <a:srgbClr val="000000">
+                      <a:alpha val="30000"/>
+                    </a:srgbClr>
+                  </a:outerShdw>
+                </a:effectLst>
+                <a:latin typeface="Arial" panose="020B0604020202020204" pitchFamily="34" charset="0"/>
+                <a:ea typeface="SimSun" panose="02010600030101010101" pitchFamily="2" charset="-122"/>
+              </a:rPr>
+              <a:t>Creating a new Serenity BDD - Cucumber project?</a:t>
+            </a:r>
+            <a:endParaRPr kumimoji="0" lang="en-US" altLang="zh-CN" sz="2000" b="0" i="0" u="none" strike="noStrike" cap="none" normalizeH="0" baseline="0" smtClean="0">
+              <a:ln w="10160">
+                <a:solidFill>
+                  <a:schemeClr val="accent5"/>
+                </a:solidFill>
+                <a:prstDash val="solid"/>
+              </a:ln>
+              <a:solidFill>
+                <a:srgbClr val="FFFFFF"/>
+              </a:solidFill>
+              <a:effectLst>
+                <a:outerShdw blurRad="38100" dist="22860" dir="5400000" algn="tl" rotWithShape="0">
+                  <a:srgbClr val="000000">
+                    <a:alpha val="30000"/>
+                  </a:srgbClr>
+                </a:outerShdw>
+              </a:effectLst>
+              <a:latin typeface="Arial" panose="020B0604020202020204" pitchFamily="34" charset="0"/>
+              <a:ea typeface="SimSun" panose="02010600030101010101" pitchFamily="2" charset="-122"/>
+            </a:endParaRPr>
+          </a:p>
+        </p:txBody>
+      </p:sp>
+      <p:sp>
+        <p:nvSpPr>
+          <p:cNvPr id="7" name="Rounded Rectangle 6"/>
+          <p:cNvSpPr/>
+          <p:nvPr/>
+        </p:nvSpPr>
+        <p:spPr>
+          <a:xfrm>
+            <a:off x="1891665" y="2871470"/>
+            <a:ext cx="8407400" cy="615315"/>
+          </a:xfrm>
+          <a:prstGeom prst="roundRect">
+            <a:avLst/>
+          </a:prstGeom>
+          <a:gradFill rotWithShape="0">
+            <a:gsLst>
+              <a:gs pos="0">
+                <a:schemeClr val="accent1"/>
+              </a:gs>
+              <a:gs pos="100000">
+                <a:schemeClr val="accent2"/>
+              </a:gs>
+            </a:gsLst>
+            <a:lin ang="5400000" scaled="1"/>
+          </a:gradFill>
+          <a:ln w="9525" cap="flat" cmpd="sng" algn="ctr">
+            <a:solidFill>
+              <a:schemeClr val="accent1"/>
+            </a:solidFill>
+            <a:prstDash val="solid"/>
+            <a:round/>
+            <a:headEnd type="none" w="med" len="med"/>
+            <a:tailEnd type="none" w="med" len="med"/>
+          </a:ln>
+        </p:spPr>
+        <p:txBody>
+          <a:bodyPr vert="horz" wrap="none" lIns="91440" tIns="45720" rIns="91440" bIns="45720" numCol="1" anchor="ctr" anchorCtr="0" compatLnSpc="1">
+            <a:scene3d>
+              <a:camera prst="orthographicFront"/>
+              <a:lightRig rig="threePt" dir="t"/>
+            </a:scene3d>
+          </a:bodyPr>
+          <a:p>
+            <a:pPr marL="0" marR="0" indent="0" algn="l" defTabSz="914400" rtl="0" eaLnBrk="1" fontAlgn="base" latinLnBrk="0" hangingPunct="1">
+              <a:lnSpc>
+                <a:spcPct val="100000"/>
+              </a:lnSpc>
+              <a:spcBef>
+                <a:spcPct val="0"/>
+              </a:spcBef>
+              <a:spcAft>
+                <a:spcPct val="0"/>
+              </a:spcAft>
+              <a:buClrTx/>
+              <a:buSzTx/>
+              <a:buFontTx/>
+              <a:buNone/>
+            </a:pPr>
+            <a:r>
+              <a:rPr kumimoji="0" lang="en-US" altLang="zh-CN" sz="2800" b="0" i="0" u="none" strike="noStrike" cap="none" normalizeH="0" baseline="0" smtClean="0">
+                <a:ln w="10160">
+                  <a:solidFill>
+                    <a:schemeClr val="accent5"/>
+                  </a:solidFill>
+                  <a:prstDash val="solid"/>
+                </a:ln>
+                <a:solidFill>
+                  <a:srgbClr val="FFFFFF"/>
+                </a:solidFill>
+                <a:effectLst>
+                  <a:outerShdw blurRad="38100" dist="22860" dir="5400000" algn="tl" rotWithShape="0">
+                    <a:srgbClr val="000000">
+                      <a:alpha val="30000"/>
+                    </a:srgbClr>
+                  </a:outerShdw>
+                </a:effectLst>
+                <a:latin typeface="Arial" panose="020B0604020202020204" pitchFamily="34" charset="0"/>
+                <a:ea typeface="SimSun" panose="02010600030101010101" pitchFamily="2" charset="-122"/>
+              </a:rPr>
+              <a:t>Project Parttern</a:t>
+            </a:r>
+            <a:endParaRPr kumimoji="0" lang="en-US" altLang="zh-CN" sz="2800" b="0" i="0" u="none" strike="noStrike" cap="none" normalizeH="0" baseline="0" smtClean="0">
+              <a:ln w="10160">
+                <a:solidFill>
+                  <a:schemeClr val="accent5"/>
+                </a:solidFill>
+                <a:prstDash val="solid"/>
+              </a:ln>
+              <a:solidFill>
+                <a:srgbClr val="FFFFFF"/>
+              </a:solidFill>
+              <a:effectLst>
+                <a:outerShdw blurRad="38100" dist="22860" dir="5400000" algn="tl" rotWithShape="0">
+                  <a:srgbClr val="000000">
+                    <a:alpha val="30000"/>
+                  </a:srgbClr>
+                </a:outerShdw>
+              </a:effectLst>
+              <a:latin typeface="Arial" panose="020B0604020202020204" pitchFamily="34" charset="0"/>
+              <a:ea typeface="SimSun" panose="02010600030101010101" pitchFamily="2" charset="-122"/>
+            </a:endParaRPr>
+          </a:p>
+        </p:txBody>
+      </p:sp>
+      <p:sp>
+        <p:nvSpPr>
+          <p:cNvPr id="9" name="Rounded Rectangle 8"/>
+          <p:cNvSpPr/>
+          <p:nvPr/>
+        </p:nvSpPr>
+        <p:spPr>
+          <a:xfrm>
+            <a:off x="1891665" y="3681095"/>
+            <a:ext cx="8407400" cy="615315"/>
+          </a:xfrm>
+          <a:prstGeom prst="roundRect">
+            <a:avLst/>
+          </a:prstGeom>
+          <a:gradFill rotWithShape="0">
+            <a:gsLst>
+              <a:gs pos="0">
+                <a:schemeClr val="accent1"/>
+              </a:gs>
+              <a:gs pos="100000">
+                <a:schemeClr val="accent2"/>
+              </a:gs>
+            </a:gsLst>
+            <a:lin ang="5400000" scaled="1"/>
+          </a:gradFill>
+          <a:ln w="9525" cap="flat" cmpd="sng" algn="ctr">
+            <a:solidFill>
+              <a:schemeClr val="accent1"/>
+            </a:solidFill>
+            <a:prstDash val="solid"/>
+            <a:round/>
+            <a:headEnd type="none" w="med" len="med"/>
+            <a:tailEnd type="none" w="med" len="med"/>
+          </a:ln>
+        </p:spPr>
+        <p:txBody>
+          <a:bodyPr vert="horz" wrap="none" lIns="91440" tIns="45720" rIns="91440" bIns="45720" numCol="1" anchor="ctr" anchorCtr="0" compatLnSpc="1">
+            <a:scene3d>
+              <a:camera prst="orthographicFront"/>
+              <a:lightRig rig="threePt" dir="t"/>
+            </a:scene3d>
+          </a:bodyPr>
+          <a:p>
+            <a:pPr marL="0" marR="0" indent="0" algn="l" defTabSz="914400" rtl="0" eaLnBrk="1" fontAlgn="base" latinLnBrk="0" hangingPunct="1">
+              <a:lnSpc>
+                <a:spcPct val="100000"/>
+              </a:lnSpc>
+              <a:spcBef>
+                <a:spcPct val="0"/>
+              </a:spcBef>
+              <a:spcAft>
+                <a:spcPct val="0"/>
+              </a:spcAft>
+              <a:buClrTx/>
+              <a:buSzTx/>
+              <a:buFontTx/>
+              <a:buNone/>
+            </a:pPr>
+            <a:r>
+              <a:rPr kumimoji="0" lang="en-US" altLang="zh-CN" sz="2800" b="0" i="0" u="none" strike="noStrike" cap="none" normalizeH="0" baseline="0" smtClean="0">
+                <a:ln w="10160">
+                  <a:solidFill>
+                    <a:schemeClr val="accent5"/>
+                  </a:solidFill>
+                  <a:prstDash val="solid"/>
+                </a:ln>
+                <a:solidFill>
+                  <a:srgbClr val="FFFFFF"/>
+                </a:solidFill>
+                <a:effectLst>
+                  <a:outerShdw blurRad="38100" dist="22860" dir="5400000" algn="tl" rotWithShape="0">
+                    <a:srgbClr val="000000">
+                      <a:alpha val="30000"/>
+                    </a:srgbClr>
+                  </a:outerShdw>
+                </a:effectLst>
+                <a:latin typeface="Arial" panose="020B0604020202020204" pitchFamily="34" charset="0"/>
+                <a:ea typeface="SimSun" panose="02010600030101010101" pitchFamily="2" charset="-122"/>
+              </a:rPr>
+              <a:t>Demo</a:t>
+            </a:r>
+            <a:endParaRPr kumimoji="0" lang="en-US" altLang="zh-CN" sz="2800" b="0" i="0" u="none" strike="noStrike" cap="none" normalizeH="0" baseline="0" smtClean="0">
+              <a:ln w="10160">
+                <a:solidFill>
+                  <a:schemeClr val="accent5"/>
+                </a:solidFill>
+                <a:prstDash val="solid"/>
+              </a:ln>
+              <a:solidFill>
+                <a:srgbClr val="FFFFFF"/>
+              </a:solidFill>
+              <a:effectLst>
+                <a:outerShdw blurRad="38100" dist="22860" dir="5400000" algn="tl" rotWithShape="0">
+                  <a:srgbClr val="000000">
+                    <a:alpha val="30000"/>
+                  </a:srgbClr>
+                </a:outerShdw>
+              </a:effectLst>
+              <a:latin typeface="Arial" panose="020B0604020202020204" pitchFamily="34" charset="0"/>
+              <a:ea typeface="SimSun" panose="02010600030101010101" pitchFamily="2" charset="-122"/>
             </a:endParaRPr>
           </a:p>
         </p:txBody>
@@ -7061,7 +8131,7 @@
         <p:txBody>
           <a:bodyPr vert="horz" wrap="none" lIns="91440" tIns="45720" rIns="91440" bIns="45720" numCol="1" anchor="ctr" anchorCtr="0" compatLnSpc="1"/>
           <a:p>
-            <a:pPr marL="0" marR="0" indent="0" algn="l" defTabSz="914400" rtl="0" eaLnBrk="1" fontAlgn="base" latinLnBrk="0" hangingPunct="1">
+            <a:pPr marL="0" marR="0" indent="0" algn="ctr" defTabSz="914400" rtl="0" eaLnBrk="1" fontAlgn="base" latinLnBrk="0" hangingPunct="1">
               <a:lnSpc>
                 <a:spcPct val="100000"/>
               </a:lnSpc>
@@ -7077,7 +8147,7 @@
               <a:buNone/>
             </a:pPr>
             <a:r>
-              <a:rPr lang="en-US" altLang="zh-CN" sz="3600" smtClean="0">
+              <a:rPr kumimoji="0" lang="en-US" altLang="zh-CN" sz="4000" b="0" i="0" u="none" strike="noStrike" cap="none" normalizeH="0" baseline="0" smtClean="0">
                 <a:ln w="10160">
                   <a:solidFill>
                     <a:schemeClr val="accent5"/>
@@ -7096,11 +8166,10 @@
                 </a:effectLst>
                 <a:latin typeface="Arial" panose="020B0604020202020204" pitchFamily="34" charset="0"/>
                 <a:ea typeface="SimSun" panose="02010600030101010101" pitchFamily="2" charset="-122"/>
-                <a:sym typeface="+mn-ea"/>
               </a:rPr>
-              <a:t>V. Demo</a:t>
-            </a:r>
-            <a:endParaRPr kumimoji="0" lang="en-US" altLang="zh-CN" sz="3600" b="0" i="0" u="none" strike="noStrike" cap="none" normalizeH="0" baseline="0" smtClean="0">
+              <a:t>Content</a:t>
+            </a:r>
+            <a:endParaRPr kumimoji="0" lang="en-US" altLang="zh-CN" sz="4000" b="0" i="0" u="none" strike="noStrike" cap="none" normalizeH="0" baseline="0" smtClean="0">
               <a:ln w="10160">
                 <a:solidFill>
                   <a:schemeClr val="accent5"/>
@@ -7119,24 +8188,284 @@
               </a:effectLst>
               <a:latin typeface="Arial" panose="020B0604020202020204" pitchFamily="34" charset="0"/>
               <a:ea typeface="SimSun" panose="02010600030101010101" pitchFamily="2" charset="-122"/>
-              <a:sym typeface="+mn-ea"/>
             </a:endParaRPr>
           </a:p>
         </p:txBody>
       </p:sp>
       <p:sp>
         <p:nvSpPr>
-          <p:cNvPr id="11" name="Content Placeholder 10"/>
+          <p:cNvPr id="12" name="Rounded Rectangle 11"/>
           <p:cNvSpPr/>
-          <p:nvPr>
-            <p:ph idx="1"/>
-          </p:nvPr>
-        </p:nvSpPr>
-        <p:spPr/>
-        <p:txBody>
-          <a:bodyPr/>
-          <a:p>
-            <a:endParaRPr lang="en-US"/>
+          <p:nvPr/>
+        </p:nvSpPr>
+        <p:spPr>
+          <a:xfrm>
+            <a:off x="1892300" y="1207135"/>
+            <a:ext cx="8407400" cy="615315"/>
+          </a:xfrm>
+          <a:prstGeom prst="roundRect">
+            <a:avLst/>
+          </a:prstGeom>
+          <a:gradFill rotWithShape="0">
+            <a:gsLst>
+              <a:gs pos="0">
+                <a:schemeClr val="accent1"/>
+              </a:gs>
+              <a:gs pos="100000">
+                <a:schemeClr val="accent2"/>
+              </a:gs>
+            </a:gsLst>
+            <a:lin ang="5400000" scaled="1"/>
+          </a:gradFill>
+          <a:ln w="9525" cap="flat" cmpd="sng" algn="ctr">
+            <a:solidFill>
+              <a:schemeClr val="accent1"/>
+            </a:solidFill>
+            <a:prstDash val="solid"/>
+            <a:round/>
+            <a:headEnd type="none" w="med" len="med"/>
+            <a:tailEnd type="none" w="med" len="med"/>
+          </a:ln>
+        </p:spPr>
+        <p:txBody>
+          <a:bodyPr vert="horz" wrap="none" lIns="91440" tIns="45720" rIns="91440" bIns="45720" numCol="1" anchor="ctr" anchorCtr="0" compatLnSpc="1">
+            <a:scene3d>
+              <a:camera prst="orthographicFront"/>
+              <a:lightRig rig="threePt" dir="t"/>
+            </a:scene3d>
+          </a:bodyPr>
+          <a:p>
+            <a:pPr marL="0" marR="0" indent="0" algn="l" defTabSz="914400" rtl="0" eaLnBrk="1" fontAlgn="base" latinLnBrk="0" hangingPunct="1">
+              <a:lnSpc>
+                <a:spcPct val="100000"/>
+              </a:lnSpc>
+              <a:spcBef>
+                <a:spcPct val="0"/>
+              </a:spcBef>
+              <a:spcAft>
+                <a:spcPct val="0"/>
+              </a:spcAft>
+              <a:buClrTx/>
+              <a:buSzTx/>
+              <a:buFontTx/>
+              <a:buNone/>
+            </a:pPr>
+            <a:r>
+              <a:rPr kumimoji="0" lang="zh-CN" altLang="en-US" sz="2800" b="0" i="0" u="none" strike="noStrike" cap="none" normalizeH="0" baseline="0" smtClean="0">
+                <a:ln w="10160">
+                  <a:solidFill>
+                    <a:schemeClr val="accent5"/>
+                  </a:solidFill>
+                  <a:prstDash val="solid"/>
+                </a:ln>
+                <a:solidFill>
+                  <a:srgbClr val="FFFFFF"/>
+                </a:solidFill>
+                <a:effectLst>
+                  <a:outerShdw blurRad="38100" dist="22860" dir="5400000" algn="tl" rotWithShape="0">
+                    <a:srgbClr val="000000">
+                      <a:alpha val="30000"/>
+                    </a:srgbClr>
+                  </a:outerShdw>
+                </a:effectLst>
+                <a:latin typeface="Arial" panose="020B0604020202020204" pitchFamily="34" charset="0"/>
+                <a:ea typeface="SimSun" panose="02010600030101010101" pitchFamily="2" charset="-122"/>
+              </a:rPr>
+              <a:t>What is </a:t>
+            </a:r>
+            <a:r>
+              <a:rPr kumimoji="0" lang="en-US" altLang="zh-CN" sz="2800" b="0" i="0" u="none" strike="noStrike" cap="none" normalizeH="0" baseline="0" smtClean="0">
+                <a:ln w="10160">
+                  <a:solidFill>
+                    <a:schemeClr val="accent5"/>
+                  </a:solidFill>
+                  <a:prstDash val="solid"/>
+                </a:ln>
+                <a:solidFill>
+                  <a:srgbClr val="FFFFFF"/>
+                </a:solidFill>
+                <a:effectLst>
+                  <a:outerShdw blurRad="38100" dist="22860" dir="5400000" algn="tl" rotWithShape="0">
+                    <a:srgbClr val="000000">
+                      <a:alpha val="30000"/>
+                    </a:srgbClr>
+                  </a:outerShdw>
+                </a:effectLst>
+                <a:latin typeface="Arial" panose="020B0604020202020204" pitchFamily="34" charset="0"/>
+                <a:ea typeface="SimSun" panose="02010600030101010101" pitchFamily="2" charset="-122"/>
+              </a:rPr>
+              <a:t>Serenity - </a:t>
+            </a:r>
+            <a:r>
+              <a:rPr kumimoji="0" lang="zh-CN" altLang="en-US" sz="2800" b="0" i="0" u="none" strike="noStrike" cap="none" normalizeH="0" baseline="0" smtClean="0">
+                <a:ln w="10160">
+                  <a:solidFill>
+                    <a:schemeClr val="accent5"/>
+                  </a:solidFill>
+                  <a:prstDash val="solid"/>
+                </a:ln>
+                <a:solidFill>
+                  <a:srgbClr val="FFFFFF"/>
+                </a:solidFill>
+                <a:effectLst>
+                  <a:outerShdw blurRad="38100" dist="22860" dir="5400000" algn="tl" rotWithShape="0">
+                    <a:srgbClr val="000000">
+                      <a:alpha val="30000"/>
+                    </a:srgbClr>
+                  </a:outerShdw>
+                </a:effectLst>
+                <a:latin typeface="Arial" panose="020B0604020202020204" pitchFamily="34" charset="0"/>
+                <a:ea typeface="SimSun" panose="02010600030101010101" pitchFamily="2" charset="-122"/>
+              </a:rPr>
+              <a:t>BDD</a:t>
+            </a:r>
+            <a:r>
+              <a:rPr kumimoji="0" lang="en-US" altLang="zh-CN" sz="2800" b="0" i="0" u="none" strike="noStrike" cap="none" normalizeH="0" baseline="0" smtClean="0">
+                <a:ln w="10160">
+                  <a:solidFill>
+                    <a:schemeClr val="accent5"/>
+                  </a:solidFill>
+                  <a:prstDash val="solid"/>
+                </a:ln>
+                <a:solidFill>
+                  <a:srgbClr val="FFFFFF"/>
+                </a:solidFill>
+                <a:effectLst>
+                  <a:outerShdw blurRad="38100" dist="22860" dir="5400000" algn="tl" rotWithShape="0">
+                    <a:srgbClr val="000000">
+                      <a:alpha val="30000"/>
+                    </a:srgbClr>
+                  </a:outerShdw>
+                </a:effectLst>
+                <a:latin typeface="Arial" panose="020B0604020202020204" pitchFamily="34" charset="0"/>
+                <a:ea typeface="SimSun" panose="02010600030101010101" pitchFamily="2" charset="-122"/>
+              </a:rPr>
+              <a:t>?</a:t>
+            </a:r>
+            <a:endParaRPr kumimoji="0" lang="en-US" altLang="zh-CN" sz="2800" b="0" i="0" u="none" strike="noStrike" cap="none" normalizeH="0" baseline="0" smtClean="0">
+              <a:ln w="10160">
+                <a:solidFill>
+                  <a:schemeClr val="accent5"/>
+                </a:solidFill>
+                <a:prstDash val="solid"/>
+              </a:ln>
+              <a:solidFill>
+                <a:srgbClr val="FFFFFF"/>
+              </a:solidFill>
+              <a:effectLst>
+                <a:outerShdw blurRad="38100" dist="22860" dir="5400000" algn="tl" rotWithShape="0">
+                  <a:srgbClr val="000000">
+                    <a:alpha val="30000"/>
+                  </a:srgbClr>
+                </a:outerShdw>
+              </a:effectLst>
+              <a:latin typeface="Arial" panose="020B0604020202020204" pitchFamily="34" charset="0"/>
+              <a:ea typeface="SimSun" panose="02010600030101010101" pitchFamily="2" charset="-122"/>
+            </a:endParaRPr>
+          </a:p>
+        </p:txBody>
+      </p:sp>
+      <p:sp>
+        <p:nvSpPr>
+          <p:cNvPr id="14" name="Rounded Rectangle 13"/>
+          <p:cNvSpPr/>
+          <p:nvPr/>
+        </p:nvSpPr>
+        <p:spPr>
+          <a:xfrm>
+            <a:off x="1892300" y="2043430"/>
+            <a:ext cx="8407400" cy="615315"/>
+          </a:xfrm>
+          <a:prstGeom prst="roundRect">
+            <a:avLst/>
+          </a:prstGeom>
+          <a:gradFill rotWithShape="0">
+            <a:gsLst>
+              <a:gs pos="0">
+                <a:schemeClr val="accent1"/>
+              </a:gs>
+              <a:gs pos="100000">
+                <a:schemeClr val="accent2"/>
+              </a:gs>
+            </a:gsLst>
+            <a:lin ang="5400000" scaled="1"/>
+          </a:gradFill>
+          <a:ln w="9525" cap="flat" cmpd="sng" algn="ctr">
+            <a:solidFill>
+              <a:schemeClr val="accent1"/>
+            </a:solidFill>
+            <a:prstDash val="solid"/>
+            <a:round/>
+            <a:headEnd type="none" w="med" len="med"/>
+            <a:tailEnd type="none" w="med" len="med"/>
+          </a:ln>
+        </p:spPr>
+        <p:txBody>
+          <a:bodyPr vert="horz" wrap="none" lIns="91440" tIns="45720" rIns="91440" bIns="45720" numCol="1" anchor="ctr" anchorCtr="0" compatLnSpc="1">
+            <a:scene3d>
+              <a:camera prst="orthographicFront"/>
+              <a:lightRig rig="threePt" dir="t"/>
+            </a:scene3d>
+          </a:bodyPr>
+          <a:p>
+            <a:pPr marL="0" marR="0" indent="0" algn="l" defTabSz="914400" rtl="0" eaLnBrk="1" fontAlgn="base" latinLnBrk="0" hangingPunct="1">
+              <a:lnSpc>
+                <a:spcPct val="100000"/>
+              </a:lnSpc>
+              <a:spcBef>
+                <a:spcPct val="0"/>
+              </a:spcBef>
+              <a:spcAft>
+                <a:spcPct val="0"/>
+              </a:spcAft>
+              <a:buClrTx/>
+              <a:buSzTx/>
+              <a:buFontTx/>
+              <a:buNone/>
+            </a:pPr>
+            <a:r>
+              <a:rPr kumimoji="0" lang="en-US" altLang="zh-CN" sz="2800" b="0" i="0" u="none" strike="noStrike" cap="none" normalizeH="0" baseline="0" smtClean="0">
+                <a:ln w="10160">
+                  <a:solidFill>
+                    <a:schemeClr val="accent5"/>
+                  </a:solidFill>
+                  <a:prstDash val="solid"/>
+                </a:ln>
+                <a:solidFill>
+                  <a:srgbClr val="FFFFFF"/>
+                </a:solidFill>
+                <a:effectLst>
+                  <a:outerShdw blurRad="38100" dist="22860" dir="5400000" algn="tl" rotWithShape="0">
+                    <a:srgbClr val="000000">
+                      <a:alpha val="30000"/>
+                    </a:srgbClr>
+                  </a:outerShdw>
+                </a:effectLst>
+                <a:latin typeface="Arial" panose="020B0604020202020204" pitchFamily="34" charset="0"/>
+                <a:ea typeface="SimSun" panose="02010600030101010101" pitchFamily="2" charset="-122"/>
+              </a:rPr>
+              <a:t>Creating a new Serenity BDD - Cucumber project?</a:t>
+            </a:r>
+            <a:endParaRPr kumimoji="0" lang="en-US" altLang="zh-CN" sz="2800" b="0" i="0" u="none" strike="noStrike" cap="none" normalizeH="0" baseline="0" smtClean="0">
+              <a:ln w="10160">
+                <a:solidFill>
+                  <a:schemeClr val="accent5"/>
+                </a:solidFill>
+                <a:prstDash val="solid"/>
+              </a:ln>
+              <a:solidFill>
+                <a:srgbClr val="FFFFFF"/>
+              </a:solidFill>
+              <a:effectLst>
+                <a:outerShdw blurRad="38100" dist="22860" dir="5400000" algn="tl" rotWithShape="0">
+                  <a:srgbClr val="000000">
+                    <a:alpha val="30000"/>
+                  </a:srgbClr>
+                </a:outerShdw>
+              </a:effectLst>
+              <a:latin typeface="Arial" panose="020B0604020202020204" pitchFamily="34" charset="0"/>
+              <a:ea typeface="SimSun" panose="02010600030101010101" pitchFamily="2" charset="-122"/>
+            </a:endParaRPr>
           </a:p>
         </p:txBody>
       </p:sp>
@@ -7148,7 +8477,7 @@
 </p:sld>
 </file>
 
-<file path=ppt/slides/slide9.xml><?xml version="1.0" encoding="utf-8"?>
+<file path=ppt/slides/slide3.xml><?xml version="1.0" encoding="utf-8"?>
 <p:sld xmlns:a="http://schemas.openxmlformats.org/drawingml/2006/main" xmlns:r="http://schemas.openxmlformats.org/officeDocument/2006/relationships" xmlns:p="http://schemas.openxmlformats.org/presentationml/2006/main">
   <p:cSld>
     <p:spTree>
@@ -7248,7 +8577,7 @@
               <a:buNone/>
             </a:pPr>
             <a:r>
-              <a:rPr lang="en-US" altLang="zh-CN" sz="3600" smtClean="0">
+              <a:rPr kumimoji="0" lang="en-US" altLang="zh-CN" sz="3600" b="0" i="0" u="none" strike="noStrike" cap="none" normalizeH="0" baseline="0" smtClean="0">
                 <a:ln w="10160">
                   <a:solidFill>
                     <a:schemeClr val="accent5"/>
@@ -7267,9 +8596,8 @@
                 </a:effectLst>
                 <a:latin typeface="Arial" panose="020B0604020202020204" pitchFamily="34" charset="0"/>
                 <a:ea typeface="SimSun" panose="02010600030101010101" pitchFamily="2" charset="-122"/>
-                <a:sym typeface="+mn-ea"/>
               </a:rPr>
-              <a:t>VI. Summary</a:t>
+              <a:t>I. What is Serenity - BDD?</a:t>
             </a:r>
             <a:endParaRPr kumimoji="0" lang="en-US" altLang="zh-CN" sz="3600" b="0" i="0" u="none" strike="noStrike" cap="none" normalizeH="0" baseline="0" smtClean="0">
               <a:ln w="10160">
@@ -7290,7 +8618,1051 @@
               </a:effectLst>
               <a:latin typeface="Arial" panose="020B0604020202020204" pitchFamily="34" charset="0"/>
               <a:ea typeface="SimSun" panose="02010600030101010101" pitchFamily="2" charset="-122"/>
-              <a:sym typeface="+mn-ea"/>
+            </a:endParaRPr>
+          </a:p>
+        </p:txBody>
+      </p:sp>
+      <p:sp>
+        <p:nvSpPr>
+          <p:cNvPr id="4" name="Rounded Rectangle 3"/>
+          <p:cNvSpPr/>
+          <p:nvPr/>
+        </p:nvSpPr>
+        <p:spPr>
+          <a:xfrm>
+            <a:off x="304800" y="1178560"/>
+            <a:ext cx="5710555" cy="3684270"/>
+          </a:xfrm>
+          <a:prstGeom prst="roundRect">
+            <a:avLst/>
+          </a:prstGeom>
+          <a:gradFill rotWithShape="0">
+            <a:gsLst>
+              <a:gs pos="0">
+                <a:schemeClr val="accent1"/>
+              </a:gs>
+              <a:gs pos="100000">
+                <a:schemeClr val="accent2"/>
+              </a:gs>
+            </a:gsLst>
+            <a:lin ang="5400000" scaled="1"/>
+          </a:gradFill>
+          <a:ln w="9525" cap="flat" cmpd="sng" algn="ctr">
+            <a:solidFill>
+              <a:schemeClr val="accent1"/>
+            </a:solidFill>
+            <a:prstDash val="solid"/>
+            <a:round/>
+            <a:headEnd type="none" w="med" len="med"/>
+            <a:tailEnd type="none" w="med" len="med"/>
+          </a:ln>
+        </p:spPr>
+        <p:txBody>
+          <a:bodyPr vert="horz" wrap="none" lIns="91440" tIns="45720" rIns="91440" bIns="45720" numCol="1" anchor="ctr" anchorCtr="0" compatLnSpc="1"/>
+          <a:p>
+            <a:pPr marL="0" marR="0" indent="0" algn="l" defTabSz="914400" rtl="0" eaLnBrk="1" fontAlgn="base" latinLnBrk="0" hangingPunct="1">
+              <a:lnSpc>
+                <a:spcPct val="100000"/>
+              </a:lnSpc>
+              <a:spcBef>
+                <a:spcPct val="0"/>
+              </a:spcBef>
+              <a:spcAft>
+                <a:spcPct val="0"/>
+              </a:spcAft>
+              <a:buClrTx/>
+              <a:buSzTx/>
+              <a:buFontTx/>
+              <a:buNone/>
+            </a:pPr>
+            <a:endParaRPr kumimoji="0" lang="zh-CN" altLang="en-US" sz="1800" b="0" i="0" u="none" strike="noStrike" cap="none" normalizeH="0" baseline="0" smtClean="0">
+              <a:ln>
+                <a:noFill/>
+              </a:ln>
+              <a:solidFill>
+                <a:schemeClr val="tx1"/>
+              </a:solidFill>
+              <a:effectLst/>
+              <a:latin typeface="Arial" panose="020B0604020202020204" pitchFamily="34" charset="0"/>
+              <a:ea typeface="SimSun" panose="02010600030101010101" pitchFamily="2" charset="-122"/>
+            </a:endParaRPr>
+          </a:p>
+        </p:txBody>
+      </p:sp>
+      <p:pic>
+        <p:nvPicPr>
+          <p:cNvPr id="3" name="Content Placeholder 2" descr="serenity"/>
+          <p:cNvPicPr>
+            <a:picLocks noChangeAspect="1"/>
+          </p:cNvPicPr>
+          <p:nvPr>
+            <p:ph idx="1"/>
+          </p:nvPr>
+        </p:nvPicPr>
+        <p:blipFill>
+          <a:blip r:embed="rId1"/>
+          <a:stretch>
+            <a:fillRect/>
+          </a:stretch>
+        </p:blipFill>
+        <p:spPr>
+          <a:xfrm>
+            <a:off x="304800" y="1320800"/>
+            <a:ext cx="5276850" cy="3324225"/>
+          </a:xfrm>
+          <a:prstGeom prst="rect">
+            <a:avLst/>
+          </a:prstGeom>
+        </p:spPr>
+      </p:pic>
+      <p:sp>
+        <p:nvSpPr>
+          <p:cNvPr id="9" name="Text Box 8"/>
+          <p:cNvSpPr txBox="1"/>
+          <p:nvPr/>
+        </p:nvSpPr>
+        <p:spPr>
+          <a:xfrm>
+            <a:off x="6330950" y="1178560"/>
+            <a:ext cx="4895215" cy="922020"/>
+          </a:xfrm>
+          <a:prstGeom prst="rect">
+            <a:avLst/>
+          </a:prstGeom>
+          <a:noFill/>
+        </p:spPr>
+        <p:txBody>
+          <a:bodyPr wrap="square" rtlCol="0">
+            <a:spAutoFit/>
+          </a:bodyPr>
+          <a:p>
+            <a:r>
+              <a:rPr lang="en-US"/>
+              <a:t>Serenity is an open source library that helps you write higher quality automated acceptance tests faster.</a:t>
+            </a:r>
+            <a:endParaRPr lang="en-US"/>
+          </a:p>
+        </p:txBody>
+      </p:sp>
+      <p:sp>
+        <p:nvSpPr>
+          <p:cNvPr id="14" name="Text Box 13"/>
+          <p:cNvSpPr txBox="1"/>
+          <p:nvPr/>
+        </p:nvSpPr>
+        <p:spPr>
+          <a:xfrm>
+            <a:off x="6471285" y="2268220"/>
+            <a:ext cx="5111750" cy="3108960"/>
+          </a:xfrm>
+          <a:prstGeom prst="rect">
+            <a:avLst/>
+          </a:prstGeom>
+          <a:noFill/>
+        </p:spPr>
+        <p:txBody>
+          <a:bodyPr wrap="square" rtlCol="0">
+            <a:spAutoFit/>
+          </a:bodyPr>
+          <a:p>
+            <a:r>
+              <a:rPr lang="en-US"/>
+              <a:t>Serenity helps you :</a:t>
+            </a:r>
+            <a:endParaRPr lang="en-US"/>
+          </a:p>
+          <a:p>
+            <a:endParaRPr lang="en-US"/>
+          </a:p>
+          <a:p>
+            <a:pPr marL="285750" indent="-285750">
+              <a:buFont typeface="Wingdings" panose="05000000000000000000" charset="0"/>
+              <a:buChar char="ü"/>
+            </a:pPr>
+            <a:r>
+              <a:rPr lang="en-US"/>
+              <a:t>Write tests that are more flexible and easier to maintain</a:t>
+            </a:r>
+            <a:endParaRPr lang="en-US"/>
+          </a:p>
+          <a:p>
+            <a:pPr marL="285750" indent="-285750">
+              <a:buFont typeface="Wingdings" panose="05000000000000000000" charset="0"/>
+              <a:buChar char="ü"/>
+            </a:pPr>
+            <a:r>
+              <a:rPr lang="en-US"/>
+              <a:t>Produce illustrated, narrative reports about your tests</a:t>
+            </a:r>
+            <a:endParaRPr lang="en-US"/>
+          </a:p>
+          <a:p>
+            <a:pPr marL="285750" indent="-285750">
+              <a:buFont typeface="Wingdings" panose="05000000000000000000" charset="0"/>
+              <a:buChar char="ü"/>
+            </a:pPr>
+            <a:r>
+              <a:rPr lang="en-US"/>
+              <a:t>Map your automated tests back to your requirements</a:t>
+            </a:r>
+            <a:endParaRPr lang="en-US"/>
+          </a:p>
+          <a:p>
+            <a:pPr marL="285750" indent="-285750">
+              <a:buFont typeface="Wingdings" panose="05000000000000000000" charset="0"/>
+              <a:buChar char="ü"/>
+            </a:pPr>
+            <a:r>
+              <a:rPr lang="en-US"/>
+              <a:t>See how much of your application is actually being tested.</a:t>
+            </a:r>
+            <a:endParaRPr lang="en-US"/>
+          </a:p>
+          <a:p>
+            <a:pPr marL="285750" indent="-285750">
+              <a:buFont typeface="Wingdings" panose="05000000000000000000" charset="0"/>
+              <a:buChar char="ü"/>
+            </a:pPr>
+            <a:r>
+              <a:rPr lang="en-US"/>
+              <a:t>And keep tabs on project progress</a:t>
+            </a:r>
+            <a:endParaRPr lang="en-US"/>
+          </a:p>
+        </p:txBody>
+      </p:sp>
+    </p:spTree>
+  </p:cSld>
+  <p:clrMapOvr>
+    <a:masterClrMapping/>
+  </p:clrMapOvr>
+</p:sld>
+</file>
+
+<file path=ppt/slides/slide4.xml><?xml version="1.0" encoding="utf-8"?>
+<p:sld xmlns:a="http://schemas.openxmlformats.org/drawingml/2006/main" xmlns:r="http://schemas.openxmlformats.org/officeDocument/2006/relationships" xmlns:p="http://schemas.openxmlformats.org/presentationml/2006/main">
+  <p:cSld>
+    <p:spTree>
+      <p:nvGrpSpPr>
+        <p:cNvPr id="1" name=""/>
+        <p:cNvGrpSpPr/>
+        <p:nvPr/>
+      </p:nvGrpSpPr>
+      <p:grpSpPr/>
+      <p:sp>
+        <p:nvSpPr>
+          <p:cNvPr id="8" name="Title 7"/>
+          <p:cNvSpPr>
+            <a:spLocks noGrp="1"/>
+          </p:cNvSpPr>
+          <p:nvPr>
+            <p:ph type="title"/>
+          </p:nvPr>
+        </p:nvSpPr>
+        <p:spPr/>
+        <p:txBody>
+          <a:bodyPr/>
+          <a:p>
+            <a:endParaRPr lang="en-US"/>
+          </a:p>
+        </p:txBody>
+      </p:sp>
+      <p:sp>
+        <p:nvSpPr>
+          <p:cNvPr id="10" name="Flowchart: Process 9"/>
+          <p:cNvSpPr/>
+          <p:nvPr/>
+        </p:nvSpPr>
+        <p:spPr>
+          <a:xfrm>
+            <a:off x="609600" y="190500"/>
+            <a:ext cx="10972800" cy="784860"/>
+          </a:xfrm>
+          <a:prstGeom prst="flowChartProcess">
+            <a:avLst/>
+          </a:prstGeom>
+          <a:gradFill rotWithShape="0">
+            <a:gsLst>
+              <a:gs pos="0">
+                <a:srgbClr val="012D86"/>
+              </a:gs>
+              <a:gs pos="100000">
+                <a:srgbClr val="0E2557"/>
+              </a:gs>
+            </a:gsLst>
+            <a:lin ang="5400000" scaled="0"/>
+          </a:gradFill>
+          <a:ln w="9525" cap="flat" cmpd="sng" algn="ctr">
+            <a:solidFill>
+              <a:schemeClr val="accent1"/>
+            </a:solidFill>
+            <a:prstDash val="solid"/>
+            <a:round/>
+            <a:headEnd type="none" w="med" len="med"/>
+            <a:tailEnd type="none" w="med" len="med"/>
+          </a:ln>
+          <a:effectLst>
+            <a:outerShdw blurRad="50800" dist="50800" dir="5400000" algn="ctr" rotWithShape="0">
+              <a:srgbClr val="002060">
+                <a:alpha val="38000"/>
+              </a:srgbClr>
+            </a:outerShdw>
+          </a:effectLst>
+        </p:spPr>
+        <p:txBody>
+          <a:bodyPr vert="horz" wrap="none" lIns="91440" tIns="45720" rIns="91440" bIns="45720" numCol="1" anchor="ctr" anchorCtr="0" compatLnSpc="1"/>
+          <a:p>
+            <a:pPr marL="0" marR="0" indent="0" algn="l" defTabSz="914400" rtl="0" eaLnBrk="1" fontAlgn="base" latinLnBrk="0" hangingPunct="1">
+              <a:lnSpc>
+                <a:spcPct val="100000"/>
+              </a:lnSpc>
+              <a:spcBef>
+                <a:spcPct val="0"/>
+              </a:spcBef>
+              <a:spcAft>
+                <a:spcPct val="0"/>
+              </a:spcAft>
+              <a:buClrTx/>
+              <a:buSzTx/>
+              <a:buFontTx/>
+              <a:buNone/>
+            </a:pPr>
+            <a:r>
+              <a:rPr kumimoji="0" lang="en-US" altLang="zh-CN" sz="3600" b="0" i="0" u="none" strike="noStrike" cap="none" normalizeH="0" baseline="0" smtClean="0">
+                <a:ln w="10160">
+                  <a:solidFill>
+                    <a:schemeClr val="accent5"/>
+                  </a:solidFill>
+                  <a:prstDash val="solid"/>
+                </a:ln>
+                <a:solidFill>
+                  <a:srgbClr val="FFFFFF"/>
+                </a:solidFill>
+                <a:effectLst>
+                  <a:outerShdw blurRad="38100" dist="22860" dir="5400000" algn="tl" rotWithShape="0">
+                    <a:srgbClr val="000000">
+                      <a:alpha val="30000"/>
+                    </a:srgbClr>
+                  </a:outerShdw>
+                </a:effectLst>
+                <a:latin typeface="Arial" panose="020B0604020202020204" pitchFamily="34" charset="0"/>
+                <a:ea typeface="SimSun" panose="02010600030101010101" pitchFamily="2" charset="-122"/>
+              </a:rPr>
+              <a:t>I. What is Serenity - BDD?</a:t>
+            </a:r>
+            <a:endParaRPr kumimoji="0" lang="en-US" altLang="zh-CN" sz="3600" b="0" i="0" u="none" strike="noStrike" cap="none" normalizeH="0" baseline="0" smtClean="0">
+              <a:ln w="10160">
+                <a:solidFill>
+                  <a:schemeClr val="accent5"/>
+                </a:solidFill>
+                <a:prstDash val="solid"/>
+              </a:ln>
+              <a:solidFill>
+                <a:srgbClr val="FFFFFF"/>
+              </a:solidFill>
+              <a:effectLst>
+                <a:outerShdw blurRad="38100" dist="22860" dir="5400000" algn="tl" rotWithShape="0">
+                  <a:srgbClr val="000000">
+                    <a:alpha val="30000"/>
+                  </a:srgbClr>
+                </a:outerShdw>
+              </a:effectLst>
+              <a:latin typeface="Arial" panose="020B0604020202020204" pitchFamily="34" charset="0"/>
+              <a:ea typeface="SimSun" panose="02010600030101010101" pitchFamily="2" charset="-122"/>
+            </a:endParaRPr>
+          </a:p>
+        </p:txBody>
+      </p:sp>
+      <p:sp>
+        <p:nvSpPr>
+          <p:cNvPr id="6" name="Text Box 5"/>
+          <p:cNvSpPr txBox="1"/>
+          <p:nvPr/>
+        </p:nvSpPr>
+        <p:spPr>
+          <a:xfrm>
+            <a:off x="565150" y="1342390"/>
+            <a:ext cx="4657090" cy="460375"/>
+          </a:xfrm>
+          <a:prstGeom prst="rect">
+            <a:avLst/>
+          </a:prstGeom>
+          <a:noFill/>
+        </p:spPr>
+        <p:txBody>
+          <a:bodyPr wrap="square" rtlCol="0">
+            <a:spAutoFit/>
+            <a:scene3d>
+              <a:camera prst="orthographicFront"/>
+              <a:lightRig rig="threePt" dir="t"/>
+            </a:scene3d>
+          </a:bodyPr>
+          <a:p>
+            <a:r>
+              <a:rPr lang="en-US" sz="2400">
+                <a:ln/>
+                <a:solidFill>
+                  <a:schemeClr val="accent1"/>
+                </a:solidFill>
+                <a:effectLst>
+                  <a:outerShdw blurRad="38100" dist="25400" dir="5400000" algn="ctr" rotWithShape="0">
+                    <a:srgbClr val="6E747A">
+                      <a:alpha val="43000"/>
+                    </a:srgbClr>
+                  </a:outerShdw>
+                </a:effectLst>
+              </a:rPr>
+              <a:t>TDD - Test-Driven Development</a:t>
+            </a:r>
+            <a:endParaRPr lang="en-US" sz="2400">
+              <a:ln/>
+              <a:solidFill>
+                <a:schemeClr val="accent1"/>
+              </a:solidFill>
+              <a:effectLst>
+                <a:outerShdw blurRad="38100" dist="25400" dir="5400000" algn="ctr" rotWithShape="0">
+                  <a:srgbClr val="6E747A">
+                    <a:alpha val="43000"/>
+                  </a:srgbClr>
+                </a:outerShdw>
+              </a:effectLst>
+            </a:endParaRPr>
+          </a:p>
+        </p:txBody>
+      </p:sp>
+      <p:pic>
+        <p:nvPicPr>
+          <p:cNvPr id="7" name="Content Placeholder 6" descr="tdd-la-gi-Test-Driven-Development"/>
+          <p:cNvPicPr>
+            <a:picLocks noChangeAspect="1"/>
+          </p:cNvPicPr>
+          <p:nvPr>
+            <p:ph idx="1"/>
+          </p:nvPr>
+        </p:nvPicPr>
+        <p:blipFill>
+          <a:blip r:embed="rId1"/>
+          <a:stretch>
+            <a:fillRect/>
+          </a:stretch>
+        </p:blipFill>
+        <p:spPr>
+          <a:xfrm>
+            <a:off x="1167765" y="1975485"/>
+            <a:ext cx="9144000" cy="4029075"/>
+          </a:xfrm>
+          <a:prstGeom prst="rect">
+            <a:avLst/>
+          </a:prstGeom>
+        </p:spPr>
+      </p:pic>
+    </p:spTree>
+  </p:cSld>
+  <p:clrMapOvr>
+    <a:masterClrMapping/>
+  </p:clrMapOvr>
+</p:sld>
+</file>
+
+<file path=ppt/slides/slide5.xml><?xml version="1.0" encoding="utf-8"?>
+<p:sld xmlns:a="http://schemas.openxmlformats.org/drawingml/2006/main" xmlns:r="http://schemas.openxmlformats.org/officeDocument/2006/relationships" xmlns:p="http://schemas.openxmlformats.org/presentationml/2006/main">
+  <p:cSld>
+    <p:spTree>
+      <p:nvGrpSpPr>
+        <p:cNvPr id="1" name=""/>
+        <p:cNvGrpSpPr/>
+        <p:nvPr/>
+      </p:nvGrpSpPr>
+      <p:grpSpPr/>
+      <p:sp>
+        <p:nvSpPr>
+          <p:cNvPr id="4" name="Title 3"/>
+          <p:cNvSpPr>
+            <a:spLocks noGrp="1"/>
+          </p:cNvSpPr>
+          <p:nvPr>
+            <p:ph type="title"/>
+          </p:nvPr>
+        </p:nvSpPr>
+        <p:spPr/>
+        <p:txBody>
+          <a:bodyPr/>
+          <a:p>
+            <a:endParaRPr lang="en-US"/>
+          </a:p>
+        </p:txBody>
+      </p:sp>
+      <p:sp>
+        <p:nvSpPr>
+          <p:cNvPr id="10" name="Flowchart: Process 9"/>
+          <p:cNvSpPr/>
+          <p:nvPr/>
+        </p:nvSpPr>
+        <p:spPr>
+          <a:xfrm>
+            <a:off x="609600" y="190500"/>
+            <a:ext cx="10972800" cy="784860"/>
+          </a:xfrm>
+          <a:prstGeom prst="flowChartProcess">
+            <a:avLst/>
+          </a:prstGeom>
+          <a:gradFill rotWithShape="0">
+            <a:gsLst>
+              <a:gs pos="0">
+                <a:srgbClr val="012D86"/>
+              </a:gs>
+              <a:gs pos="100000">
+                <a:srgbClr val="0E2557"/>
+              </a:gs>
+            </a:gsLst>
+            <a:lin ang="5400000" scaled="0"/>
+          </a:gradFill>
+          <a:ln w="9525" cap="flat" cmpd="sng" algn="ctr">
+            <a:solidFill>
+              <a:schemeClr val="accent1"/>
+            </a:solidFill>
+            <a:prstDash val="solid"/>
+            <a:round/>
+            <a:headEnd type="none" w="med" len="med"/>
+            <a:tailEnd type="none" w="med" len="med"/>
+          </a:ln>
+          <a:effectLst>
+            <a:outerShdw blurRad="50800" dist="50800" dir="5400000" algn="ctr" rotWithShape="0">
+              <a:srgbClr val="002060">
+                <a:alpha val="38000"/>
+              </a:srgbClr>
+            </a:outerShdw>
+          </a:effectLst>
+        </p:spPr>
+        <p:txBody>
+          <a:bodyPr vert="horz" wrap="none" lIns="91440" tIns="45720" rIns="91440" bIns="45720" numCol="1" anchor="ctr" anchorCtr="0" compatLnSpc="1"/>
+          <a:p>
+            <a:pPr marL="0" marR="0" indent="0" algn="l" defTabSz="914400" rtl="0" eaLnBrk="1" fontAlgn="base" latinLnBrk="0" hangingPunct="1">
+              <a:lnSpc>
+                <a:spcPct val="100000"/>
+              </a:lnSpc>
+              <a:spcBef>
+                <a:spcPct val="0"/>
+              </a:spcBef>
+              <a:spcAft>
+                <a:spcPct val="0"/>
+              </a:spcAft>
+              <a:buClrTx/>
+              <a:buSzTx/>
+              <a:buFontTx/>
+              <a:buNone/>
+            </a:pPr>
+            <a:r>
+              <a:rPr kumimoji="0" lang="en-US" altLang="zh-CN" sz="3600" b="0" i="0" u="none" strike="noStrike" cap="none" normalizeH="0" baseline="0" smtClean="0">
+                <a:ln w="10160">
+                  <a:solidFill>
+                    <a:schemeClr val="accent5"/>
+                  </a:solidFill>
+                  <a:prstDash val="solid"/>
+                </a:ln>
+                <a:solidFill>
+                  <a:srgbClr val="FFFFFF"/>
+                </a:solidFill>
+                <a:effectLst>
+                  <a:outerShdw blurRad="38100" dist="22860" dir="5400000" algn="tl" rotWithShape="0">
+                    <a:srgbClr val="000000">
+                      <a:alpha val="30000"/>
+                    </a:srgbClr>
+                  </a:outerShdw>
+                </a:effectLst>
+                <a:latin typeface="Arial" panose="020B0604020202020204" pitchFamily="34" charset="0"/>
+                <a:ea typeface="SimSun" panose="02010600030101010101" pitchFamily="2" charset="-122"/>
+              </a:rPr>
+              <a:t>I. What is Serenity - BDD?</a:t>
+            </a:r>
+            <a:endParaRPr kumimoji="0" lang="en-US" altLang="zh-CN" sz="3600" b="0" i="0" u="none" strike="noStrike" cap="none" normalizeH="0" baseline="0" smtClean="0">
+              <a:ln w="10160">
+                <a:solidFill>
+                  <a:schemeClr val="accent5"/>
+                </a:solidFill>
+                <a:prstDash val="solid"/>
+              </a:ln>
+              <a:solidFill>
+                <a:srgbClr val="FFFFFF"/>
+              </a:solidFill>
+              <a:effectLst>
+                <a:outerShdw blurRad="38100" dist="22860" dir="5400000" algn="tl" rotWithShape="0">
+                  <a:srgbClr val="000000">
+                    <a:alpha val="30000"/>
+                  </a:srgbClr>
+                </a:outerShdw>
+              </a:effectLst>
+              <a:latin typeface="Arial" panose="020B0604020202020204" pitchFamily="34" charset="0"/>
+              <a:ea typeface="SimSun" panose="02010600030101010101" pitchFamily="2" charset="-122"/>
+            </a:endParaRPr>
+          </a:p>
+        </p:txBody>
+      </p:sp>
+      <p:sp>
+        <p:nvSpPr>
+          <p:cNvPr id="6" name="Text Box 5"/>
+          <p:cNvSpPr txBox="1"/>
+          <p:nvPr/>
+        </p:nvSpPr>
+        <p:spPr>
+          <a:xfrm>
+            <a:off x="565150" y="1342390"/>
+            <a:ext cx="5610225" cy="460375"/>
+          </a:xfrm>
+          <a:prstGeom prst="rect">
+            <a:avLst/>
+          </a:prstGeom>
+          <a:noFill/>
+        </p:spPr>
+        <p:txBody>
+          <a:bodyPr wrap="square" rtlCol="0">
+            <a:spAutoFit/>
+            <a:scene3d>
+              <a:camera prst="orthographicFront"/>
+              <a:lightRig rig="threePt" dir="t"/>
+            </a:scene3d>
+          </a:bodyPr>
+          <a:p>
+            <a:r>
+              <a:rPr lang="en-US" sz="2400">
+                <a:solidFill>
+                  <a:schemeClr val="accent1"/>
+                </a:solidFill>
+                <a:effectLst>
+                  <a:outerShdw blurRad="38100" dist="25400" dir="5400000" algn="ctr" rotWithShape="0">
+                    <a:srgbClr val="6E747A">
+                      <a:alpha val="43000"/>
+                    </a:srgbClr>
+                  </a:outerShdw>
+                </a:effectLst>
+              </a:rPr>
+              <a:t>BDD - Behavior-Driven Development</a:t>
+            </a:r>
+            <a:endParaRPr lang="en-US" sz="2400">
+              <a:solidFill>
+                <a:schemeClr val="accent1"/>
+              </a:solidFill>
+              <a:effectLst>
+                <a:outerShdw blurRad="38100" dist="25400" dir="5400000" algn="ctr" rotWithShape="0">
+                  <a:srgbClr val="6E747A">
+                    <a:alpha val="43000"/>
+                  </a:srgbClr>
+                </a:outerShdw>
+              </a:effectLst>
+            </a:endParaRPr>
+          </a:p>
+        </p:txBody>
+      </p:sp>
+      <p:pic>
+        <p:nvPicPr>
+          <p:cNvPr id="3" name="Content Placeholder 2" descr="TDD-vs-BDD"/>
+          <p:cNvPicPr>
+            <a:picLocks noChangeAspect="1"/>
+          </p:cNvPicPr>
+          <p:nvPr>
+            <p:ph idx="1"/>
+          </p:nvPr>
+        </p:nvPicPr>
+        <p:blipFill>
+          <a:blip r:embed="rId1"/>
+          <a:stretch>
+            <a:fillRect/>
+          </a:stretch>
+        </p:blipFill>
+        <p:spPr>
+          <a:xfrm>
+            <a:off x="2959735" y="1802765"/>
+            <a:ext cx="6660515" cy="3952240"/>
+          </a:xfrm>
+          <a:prstGeom prst="rect">
+            <a:avLst/>
+          </a:prstGeom>
+        </p:spPr>
+      </p:pic>
+    </p:spTree>
+  </p:cSld>
+  <p:clrMapOvr>
+    <a:masterClrMapping/>
+  </p:clrMapOvr>
+</p:sld>
+</file>
+
+<file path=ppt/slides/slide6.xml><?xml version="1.0" encoding="utf-8"?>
+<p:sld xmlns:a="http://schemas.openxmlformats.org/drawingml/2006/main" xmlns:r="http://schemas.openxmlformats.org/officeDocument/2006/relationships" xmlns:p="http://schemas.openxmlformats.org/presentationml/2006/main">
+  <p:cSld>
+    <p:spTree>
+      <p:nvGrpSpPr>
+        <p:cNvPr id="1" name=""/>
+        <p:cNvGrpSpPr/>
+        <p:nvPr/>
+      </p:nvGrpSpPr>
+      <p:grpSpPr/>
+      <p:sp>
+        <p:nvSpPr>
+          <p:cNvPr id="7" name="Title 6"/>
+          <p:cNvSpPr>
+            <a:spLocks noGrp="1"/>
+          </p:cNvSpPr>
+          <p:nvPr>
+            <p:ph type="title"/>
+          </p:nvPr>
+        </p:nvSpPr>
+        <p:spPr/>
+        <p:txBody>
+          <a:bodyPr/>
+          <a:p>
+            <a:endParaRPr lang="en-US"/>
+          </a:p>
+        </p:txBody>
+      </p:sp>
+      <p:sp>
+        <p:nvSpPr>
+          <p:cNvPr id="10" name="Flowchart: Process 9"/>
+          <p:cNvSpPr/>
+          <p:nvPr/>
+        </p:nvSpPr>
+        <p:spPr>
+          <a:xfrm>
+            <a:off x="609600" y="190500"/>
+            <a:ext cx="10972800" cy="784860"/>
+          </a:xfrm>
+          <a:prstGeom prst="flowChartProcess">
+            <a:avLst/>
+          </a:prstGeom>
+          <a:gradFill rotWithShape="0">
+            <a:gsLst>
+              <a:gs pos="0">
+                <a:srgbClr val="012D86"/>
+              </a:gs>
+              <a:gs pos="100000">
+                <a:srgbClr val="0E2557"/>
+              </a:gs>
+            </a:gsLst>
+            <a:lin ang="5400000" scaled="0"/>
+          </a:gradFill>
+          <a:ln w="9525" cap="flat" cmpd="sng" algn="ctr">
+            <a:solidFill>
+              <a:schemeClr val="accent1"/>
+            </a:solidFill>
+            <a:prstDash val="solid"/>
+            <a:round/>
+            <a:headEnd type="none" w="med" len="med"/>
+            <a:tailEnd type="none" w="med" len="med"/>
+          </a:ln>
+          <a:effectLst>
+            <a:outerShdw blurRad="50800" dist="50800" dir="5400000" algn="ctr" rotWithShape="0">
+              <a:srgbClr val="002060">
+                <a:alpha val="38000"/>
+              </a:srgbClr>
+            </a:outerShdw>
+          </a:effectLst>
+        </p:spPr>
+        <p:txBody>
+          <a:bodyPr vert="horz" wrap="none" lIns="91440" tIns="45720" rIns="91440" bIns="45720" numCol="1" anchor="ctr" anchorCtr="0" compatLnSpc="1"/>
+          <a:p>
+            <a:pPr marL="0" marR="0" indent="0" algn="l" defTabSz="914400" rtl="0" eaLnBrk="1" fontAlgn="base" latinLnBrk="0" hangingPunct="1">
+              <a:lnSpc>
+                <a:spcPct val="100000"/>
+              </a:lnSpc>
+              <a:spcBef>
+                <a:spcPct val="0"/>
+              </a:spcBef>
+              <a:spcAft>
+                <a:spcPct val="0"/>
+              </a:spcAft>
+              <a:buClrTx/>
+              <a:buSzTx/>
+              <a:buFontTx/>
+              <a:buNone/>
+            </a:pPr>
+            <a:r>
+              <a:rPr kumimoji="0" lang="en-US" altLang="zh-CN" sz="3600" b="0" i="0" u="none" strike="noStrike" cap="none" normalizeH="0" baseline="0" smtClean="0">
+                <a:ln w="10160">
+                  <a:solidFill>
+                    <a:schemeClr val="accent5"/>
+                  </a:solidFill>
+                  <a:prstDash val="solid"/>
+                </a:ln>
+                <a:solidFill>
+                  <a:srgbClr val="FFFFFF"/>
+                </a:solidFill>
+                <a:effectLst>
+                  <a:outerShdw blurRad="38100" dist="22860" dir="5400000" algn="tl" rotWithShape="0">
+                    <a:srgbClr val="000000">
+                      <a:alpha val="30000"/>
+                    </a:srgbClr>
+                  </a:outerShdw>
+                </a:effectLst>
+                <a:latin typeface="Arial" panose="020B0604020202020204" pitchFamily="34" charset="0"/>
+                <a:ea typeface="SimSun" panose="02010600030101010101" pitchFamily="2" charset="-122"/>
+              </a:rPr>
+              <a:t>I. What is Serenity - BDD?</a:t>
+            </a:r>
+            <a:endParaRPr kumimoji="0" lang="en-US" altLang="zh-CN" sz="3600" b="0" i="0" u="none" strike="noStrike" cap="none" normalizeH="0" baseline="0" smtClean="0">
+              <a:ln w="10160">
+                <a:solidFill>
+                  <a:schemeClr val="accent5"/>
+                </a:solidFill>
+                <a:prstDash val="solid"/>
+              </a:ln>
+              <a:solidFill>
+                <a:srgbClr val="FFFFFF"/>
+              </a:solidFill>
+              <a:effectLst>
+                <a:outerShdw blurRad="38100" dist="22860" dir="5400000" algn="tl" rotWithShape="0">
+                  <a:srgbClr val="000000">
+                    <a:alpha val="30000"/>
+                  </a:srgbClr>
+                </a:outerShdw>
+              </a:effectLst>
+              <a:latin typeface="Arial" panose="020B0604020202020204" pitchFamily="34" charset="0"/>
+              <a:ea typeface="SimSun" panose="02010600030101010101" pitchFamily="2" charset="-122"/>
+            </a:endParaRPr>
+          </a:p>
+        </p:txBody>
+      </p:sp>
+      <p:sp>
+        <p:nvSpPr>
+          <p:cNvPr id="6" name="Text Box 5"/>
+          <p:cNvSpPr txBox="1"/>
+          <p:nvPr/>
+        </p:nvSpPr>
+        <p:spPr>
+          <a:xfrm>
+            <a:off x="565150" y="1342390"/>
+            <a:ext cx="5610225" cy="460375"/>
+          </a:xfrm>
+          <a:prstGeom prst="rect">
+            <a:avLst/>
+          </a:prstGeom>
+          <a:noFill/>
+        </p:spPr>
+        <p:txBody>
+          <a:bodyPr wrap="square" rtlCol="0">
+            <a:spAutoFit/>
+            <a:scene3d>
+              <a:camera prst="orthographicFront"/>
+              <a:lightRig rig="threePt" dir="t"/>
+            </a:scene3d>
+          </a:bodyPr>
+          <a:p>
+            <a:r>
+              <a:rPr lang="en-US" sz="2400">
+                <a:solidFill>
+                  <a:schemeClr val="accent1"/>
+                </a:solidFill>
+                <a:effectLst>
+                  <a:outerShdw blurRad="38100" dist="25400" dir="5400000" algn="ctr" rotWithShape="0">
+                    <a:srgbClr val="6E747A">
+                      <a:alpha val="43000"/>
+                    </a:srgbClr>
+                  </a:outerShdw>
+                </a:effectLst>
+              </a:rPr>
+              <a:t>Gherkin</a:t>
+            </a:r>
+            <a:endParaRPr lang="en-US" sz="2400">
+              <a:solidFill>
+                <a:schemeClr val="accent1"/>
+              </a:solidFill>
+              <a:effectLst>
+                <a:outerShdw blurRad="38100" dist="25400" dir="5400000" algn="ctr" rotWithShape="0">
+                  <a:srgbClr val="6E747A">
+                    <a:alpha val="43000"/>
+                  </a:srgbClr>
+                </a:outerShdw>
+              </a:effectLst>
+            </a:endParaRPr>
+          </a:p>
+        </p:txBody>
+      </p:sp>
+      <p:pic>
+        <p:nvPicPr>
+          <p:cNvPr id="5" name="Content Placeholder 4" descr="BBDTestStructure"/>
+          <p:cNvPicPr>
+            <a:picLocks noChangeAspect="1"/>
+          </p:cNvPicPr>
+          <p:nvPr>
+            <p:ph idx="1"/>
+          </p:nvPr>
+        </p:nvPicPr>
+        <p:blipFill>
+          <a:blip r:embed="rId1"/>
+          <a:stretch>
+            <a:fillRect/>
+          </a:stretch>
+        </p:blipFill>
+        <p:spPr>
+          <a:xfrm>
+            <a:off x="1755775" y="2118995"/>
+            <a:ext cx="8874760" cy="3434715"/>
+          </a:xfrm>
+          <a:prstGeom prst="rect">
+            <a:avLst/>
+          </a:prstGeom>
+        </p:spPr>
+      </p:pic>
+    </p:spTree>
+  </p:cSld>
+  <p:clrMapOvr>
+    <a:masterClrMapping/>
+  </p:clrMapOvr>
+</p:sld>
+</file>
+
+<file path=ppt/slides/slide7.xml><?xml version="1.0" encoding="utf-8"?>
+<p:sld xmlns:a="http://schemas.openxmlformats.org/drawingml/2006/main" xmlns:r="http://schemas.openxmlformats.org/officeDocument/2006/relationships" xmlns:p="http://schemas.openxmlformats.org/presentationml/2006/main">
+  <p:cSld>
+    <p:spTree>
+      <p:nvGrpSpPr>
+        <p:cNvPr id="1" name=""/>
+        <p:cNvGrpSpPr/>
+        <p:nvPr/>
+      </p:nvGrpSpPr>
+      <p:grpSpPr/>
+      <p:sp>
+        <p:nvSpPr>
+          <p:cNvPr id="4" name="Title 3"/>
+          <p:cNvSpPr>
+            <a:spLocks noGrp="1"/>
+          </p:cNvSpPr>
+          <p:nvPr>
+            <p:ph type="title"/>
+          </p:nvPr>
+        </p:nvSpPr>
+        <p:spPr/>
+        <p:txBody>
+          <a:bodyPr/>
+          <a:p>
+            <a:endParaRPr lang="en-US"/>
+          </a:p>
+        </p:txBody>
+      </p:sp>
+      <p:sp>
+        <p:nvSpPr>
+          <p:cNvPr id="10" name="Flowchart: Process 9"/>
+          <p:cNvSpPr/>
+          <p:nvPr/>
+        </p:nvSpPr>
+        <p:spPr>
+          <a:xfrm>
+            <a:off x="609600" y="190500"/>
+            <a:ext cx="10972800" cy="784860"/>
+          </a:xfrm>
+          <a:prstGeom prst="flowChartProcess">
+            <a:avLst/>
+          </a:prstGeom>
+          <a:gradFill rotWithShape="0">
+            <a:gsLst>
+              <a:gs pos="0">
+                <a:srgbClr val="012D86"/>
+              </a:gs>
+              <a:gs pos="100000">
+                <a:srgbClr val="0E2557"/>
+              </a:gs>
+            </a:gsLst>
+            <a:lin ang="5400000" scaled="0"/>
+          </a:gradFill>
+          <a:ln w="9525" cap="flat" cmpd="sng" algn="ctr">
+            <a:solidFill>
+              <a:schemeClr val="accent1"/>
+            </a:solidFill>
+            <a:prstDash val="solid"/>
+            <a:round/>
+            <a:headEnd type="none" w="med" len="med"/>
+            <a:tailEnd type="none" w="med" len="med"/>
+          </a:ln>
+          <a:effectLst>
+            <a:outerShdw blurRad="50800" dist="50800" dir="5400000" algn="ctr" rotWithShape="0">
+              <a:srgbClr val="002060">
+                <a:alpha val="38000"/>
+              </a:srgbClr>
+            </a:outerShdw>
+          </a:effectLst>
+        </p:spPr>
+        <p:txBody>
+          <a:bodyPr vert="horz" wrap="none" lIns="91440" tIns="45720" rIns="91440" bIns="45720" numCol="1" anchor="ctr" anchorCtr="0" compatLnSpc="1"/>
+          <a:p>
+            <a:pPr marL="0" marR="0" indent="0" algn="ctr" defTabSz="914400" rtl="0" eaLnBrk="1" fontAlgn="base" latinLnBrk="0" hangingPunct="1">
+              <a:lnSpc>
+                <a:spcPct val="100000"/>
+              </a:lnSpc>
+              <a:spcBef>
+                <a:spcPct val="0"/>
+              </a:spcBef>
+              <a:spcAft>
+                <a:spcPct val="0"/>
+              </a:spcAft>
+              <a:buClrTx/>
+              <a:buSzTx/>
+              <a:buFontTx/>
+              <a:buNone/>
+            </a:pPr>
+            <a:r>
+              <a:rPr kumimoji="0" lang="en-US" altLang="zh-CN" sz="3600" b="0" i="0" u="none" strike="noStrike" cap="none" normalizeH="0" baseline="0" smtClean="0">
+                <a:ln w="10160">
+                  <a:solidFill>
+                    <a:schemeClr val="accent5"/>
+                  </a:solidFill>
+                  <a:prstDash val="solid"/>
+                </a:ln>
+                <a:solidFill>
+                  <a:srgbClr val="FFFFFF"/>
+                </a:solidFill>
+                <a:effectLst>
+                  <a:outerShdw blurRad="38100" dist="22860" dir="5400000" algn="tl" rotWithShape="0">
+                    <a:srgbClr val="000000">
+                      <a:alpha val="30000"/>
+                    </a:srgbClr>
+                  </a:outerShdw>
+                </a:effectLst>
+                <a:latin typeface="Arial" panose="020B0604020202020204" pitchFamily="34" charset="0"/>
+                <a:ea typeface="SimSun" panose="02010600030101010101" pitchFamily="2" charset="-122"/>
+              </a:rPr>
+              <a:t>II. Creating a new Serenity - BDD Cucumber project</a:t>
+            </a:r>
+            <a:r>
+              <a:rPr kumimoji="0" lang="en-US" altLang="zh-CN" sz="4400" b="0" i="0" u="none" strike="noStrike" cap="none" normalizeH="0" baseline="0" smtClean="0">
+                <a:ln w="10160">
+                  <a:solidFill>
+                    <a:schemeClr val="accent5"/>
+                  </a:solidFill>
+                  <a:prstDash val="solid"/>
+                </a:ln>
+                <a:solidFill>
+                  <a:srgbClr val="FFFFFF"/>
+                </a:solidFill>
+                <a:effectLst>
+                  <a:outerShdw blurRad="38100" dist="22860" dir="5400000" algn="tl" rotWithShape="0">
+                    <a:srgbClr val="000000">
+                      <a:alpha val="30000"/>
+                    </a:srgbClr>
+                  </a:outerShdw>
+                </a:effectLst>
+                <a:latin typeface="Arial" panose="020B0604020202020204" pitchFamily="34" charset="0"/>
+                <a:ea typeface="SimSun" panose="02010600030101010101" pitchFamily="2" charset="-122"/>
+              </a:rPr>
+              <a:t> </a:t>
+            </a:r>
+            <a:endParaRPr kumimoji="0" lang="en-US" altLang="zh-CN" sz="4400" b="0" i="0" u="none" strike="noStrike" cap="none" normalizeH="0" baseline="0" smtClean="0">
+              <a:ln w="10160">
+                <a:solidFill>
+                  <a:schemeClr val="accent5"/>
+                </a:solidFill>
+                <a:prstDash val="solid"/>
+              </a:ln>
+              <a:solidFill>
+                <a:srgbClr val="FFFFFF"/>
+              </a:solidFill>
+              <a:effectLst>
+                <a:outerShdw blurRad="38100" dist="22860" dir="5400000" algn="tl" rotWithShape="0">
+                  <a:srgbClr val="000000">
+                    <a:alpha val="30000"/>
+                  </a:srgbClr>
+                </a:outerShdw>
+              </a:effectLst>
+              <a:latin typeface="Arial" panose="020B0604020202020204" pitchFamily="34" charset="0"/>
+              <a:ea typeface="SimSun" panose="02010600030101010101" pitchFamily="2" charset="-122"/>
             </a:endParaRPr>
           </a:p>
         </p:txBody>
@@ -7300,9 +9672,127 @@
           <p:cNvPr id="11" name="Content Placeholder 10"/>
           <p:cNvSpPr/>
           <p:nvPr>
-            <p:ph idx="1"/>
+            <p:ph sz="half" idx="1"/>
           </p:nvPr>
         </p:nvSpPr>
+        <p:spPr>
+          <a:xfrm>
+            <a:off x="609600" y="1174750"/>
+            <a:ext cx="4722495" cy="4953000"/>
+          </a:xfrm>
+        </p:spPr>
+        <p:txBody>
+          <a:bodyPr/>
+          <a:p>
+            <a:pPr marL="0" indent="0">
+              <a:buNone/>
+            </a:pPr>
+            <a:r>
+              <a:rPr lang="en-US" sz="2400">
+                <a:ln/>
+                <a:solidFill>
+                  <a:schemeClr val="accent1"/>
+                </a:solidFill>
+                <a:effectLst>
+                  <a:outerShdw blurRad="38100" dist="25400" dir="5400000" algn="ctr" rotWithShape="0">
+                    <a:srgbClr val="6E747A">
+                      <a:alpha val="43000"/>
+                    </a:srgbClr>
+                  </a:outerShdw>
+                </a:effectLst>
+              </a:rPr>
+              <a:t>1. Run</a:t>
+            </a:r>
+            <a:r>
+              <a:rPr lang="en-US" sz="2400"/>
+              <a:t>: </a:t>
+            </a:r>
+            <a:endParaRPr lang="en-US" sz="2400"/>
+          </a:p>
+          <a:p>
+            <a:pPr marL="0" indent="0">
+              <a:buNone/>
+            </a:pPr>
+            <a:r>
+              <a:rPr lang="en-US" sz="2400">
+                <a:solidFill>
+                  <a:schemeClr val="accent2">
+                    <a:lumMod val="75000"/>
+                  </a:schemeClr>
+                </a:solidFill>
+              </a:rPr>
+              <a:t>mvn archetype:generate -Dfilter=serenity-cucumber</a:t>
+            </a:r>
+            <a:endParaRPr lang="en-US" sz="2400">
+              <a:solidFill>
+                <a:schemeClr val="accent2">
+                  <a:lumMod val="75000"/>
+                </a:schemeClr>
+              </a:solidFill>
+            </a:endParaRPr>
+          </a:p>
+          <a:p>
+            <a:pPr marL="0" indent="0">
+              <a:buNone/>
+            </a:pPr>
+            <a:endParaRPr lang="en-US" sz="2400"/>
+          </a:p>
+        </p:txBody>
+      </p:sp>
+      <p:pic>
+        <p:nvPicPr>
+          <p:cNvPr id="3" name="Content Placeholder 2" descr="1. creating project command"/>
+          <p:cNvPicPr>
+            <a:picLocks noChangeAspect="1"/>
+          </p:cNvPicPr>
+          <p:nvPr>
+            <p:ph sz="half" idx="2"/>
+          </p:nvPr>
+        </p:nvPicPr>
+        <p:blipFill>
+          <a:blip r:embed="rId1"/>
+          <a:stretch>
+            <a:fillRect/>
+          </a:stretch>
+        </p:blipFill>
+        <p:spPr>
+          <a:xfrm>
+            <a:off x="4957445" y="1297940"/>
+            <a:ext cx="6624955" cy="3482975"/>
+          </a:xfrm>
+          <a:prstGeom prst="rect">
+            <a:avLst/>
+          </a:prstGeom>
+        </p:spPr>
+      </p:pic>
+    </p:spTree>
+  </p:cSld>
+  <p:clrMapOvr>
+    <a:masterClrMapping/>
+  </p:clrMapOvr>
+</p:sld>
+</file>
+
+<file path=ppt/slides/slide8.xml><?xml version="1.0" encoding="utf-8"?>
+<p:sld xmlns:a="http://schemas.openxmlformats.org/drawingml/2006/main" xmlns:r="http://schemas.openxmlformats.org/officeDocument/2006/relationships" xmlns:p="http://schemas.openxmlformats.org/presentationml/2006/main">
+  <p:cSld>
+    <p:spTree>
+      <p:nvGrpSpPr>
+        <p:cNvPr id="1" name=""/>
+        <p:cNvGrpSpPr/>
+        <p:nvPr/>
+      </p:nvGrpSpPr>
+      <p:grpSpPr/>
+      <p:sp>
+        <p:nvSpPr>
+          <p:cNvPr id="12" name="Title 11"/>
+          <p:cNvSpPr>
+            <a:spLocks noGrp="1"/>
+          </p:cNvSpPr>
+          <p:nvPr>
+            <p:ph type="title"/>
+          </p:nvPr>
+        </p:nvSpPr>
         <p:spPr/>
         <p:txBody>
           <a:bodyPr/>
@@ -7311,6 +9801,1068 @@
           </a:p>
         </p:txBody>
       </p:sp>
+      <p:sp>
+        <p:nvSpPr>
+          <p:cNvPr id="10" name="Flowchart: Process 9"/>
+          <p:cNvSpPr/>
+          <p:nvPr/>
+        </p:nvSpPr>
+        <p:spPr>
+          <a:xfrm>
+            <a:off x="609600" y="190500"/>
+            <a:ext cx="10972800" cy="784860"/>
+          </a:xfrm>
+          <a:prstGeom prst="flowChartProcess">
+            <a:avLst/>
+          </a:prstGeom>
+          <a:gradFill rotWithShape="0">
+            <a:gsLst>
+              <a:gs pos="0">
+                <a:srgbClr val="012D86"/>
+              </a:gs>
+              <a:gs pos="100000">
+                <a:srgbClr val="0E2557"/>
+              </a:gs>
+            </a:gsLst>
+            <a:lin ang="5400000" scaled="0"/>
+          </a:gradFill>
+          <a:ln w="9525" cap="flat" cmpd="sng" algn="ctr">
+            <a:solidFill>
+              <a:schemeClr val="accent1"/>
+            </a:solidFill>
+            <a:prstDash val="solid"/>
+            <a:round/>
+            <a:headEnd type="none" w="med" len="med"/>
+            <a:tailEnd type="none" w="med" len="med"/>
+          </a:ln>
+          <a:effectLst>
+            <a:outerShdw blurRad="50800" dist="50800" dir="5400000" algn="ctr" rotWithShape="0">
+              <a:srgbClr val="002060">
+                <a:alpha val="38000"/>
+              </a:srgbClr>
+            </a:outerShdw>
+          </a:effectLst>
+        </p:spPr>
+        <p:txBody>
+          <a:bodyPr vert="horz" wrap="none" lIns="91440" tIns="45720" rIns="91440" bIns="45720" numCol="1" anchor="ctr" anchorCtr="0" compatLnSpc="1"/>
+          <a:p>
+            <a:pPr marL="0" marR="0" indent="0" algn="ctr" defTabSz="914400" rtl="0" eaLnBrk="1" fontAlgn="base" latinLnBrk="0" hangingPunct="1">
+              <a:lnSpc>
+                <a:spcPct val="100000"/>
+              </a:lnSpc>
+              <a:spcBef>
+                <a:spcPct val="0"/>
+              </a:spcBef>
+              <a:spcAft>
+                <a:spcPct val="0"/>
+              </a:spcAft>
+              <a:buClrTx/>
+              <a:buSzTx/>
+              <a:buFontTx/>
+              <a:buNone/>
+            </a:pPr>
+            <a:r>
+              <a:rPr kumimoji="0" lang="en-US" altLang="zh-CN" sz="3600" b="0" i="0" u="none" strike="noStrike" cap="none" normalizeH="0" baseline="0" smtClean="0">
+                <a:ln w="10160">
+                  <a:solidFill>
+                    <a:schemeClr val="accent5"/>
+                  </a:solidFill>
+                  <a:prstDash val="solid"/>
+                </a:ln>
+                <a:solidFill>
+                  <a:srgbClr val="FFFFFF"/>
+                </a:solidFill>
+                <a:effectLst>
+                  <a:outerShdw blurRad="38100" dist="22860" dir="5400000" algn="tl" rotWithShape="0">
+                    <a:srgbClr val="000000">
+                      <a:alpha val="30000"/>
+                    </a:srgbClr>
+                  </a:outerShdw>
+                </a:effectLst>
+                <a:latin typeface="Arial" panose="020B0604020202020204" pitchFamily="34" charset="0"/>
+                <a:ea typeface="SimSun" panose="02010600030101010101" pitchFamily="2" charset="-122"/>
+              </a:rPr>
+              <a:t>II. Creating a new Serenity - BDD Cucumber project</a:t>
+            </a:r>
+            <a:r>
+              <a:rPr kumimoji="0" lang="en-US" altLang="zh-CN" sz="4400" b="0" i="0" u="none" strike="noStrike" cap="none" normalizeH="0" baseline="0" smtClean="0">
+                <a:ln w="10160">
+                  <a:solidFill>
+                    <a:schemeClr val="accent5"/>
+                  </a:solidFill>
+                  <a:prstDash val="solid"/>
+                </a:ln>
+                <a:solidFill>
+                  <a:srgbClr val="FFFFFF"/>
+                </a:solidFill>
+                <a:effectLst>
+                  <a:outerShdw blurRad="38100" dist="22860" dir="5400000" algn="tl" rotWithShape="0">
+                    <a:srgbClr val="000000">
+                      <a:alpha val="30000"/>
+                    </a:srgbClr>
+                  </a:outerShdw>
+                </a:effectLst>
+                <a:latin typeface="Arial" panose="020B0604020202020204" pitchFamily="34" charset="0"/>
+                <a:ea typeface="SimSun" panose="02010600030101010101" pitchFamily="2" charset="-122"/>
+              </a:rPr>
+              <a:t> </a:t>
+            </a:r>
+            <a:endParaRPr kumimoji="0" lang="en-US" altLang="zh-CN" sz="4400" b="0" i="0" u="none" strike="noStrike" cap="none" normalizeH="0" baseline="0" smtClean="0">
+              <a:ln w="10160">
+                <a:solidFill>
+                  <a:schemeClr val="accent5"/>
+                </a:solidFill>
+                <a:prstDash val="solid"/>
+              </a:ln>
+              <a:solidFill>
+                <a:srgbClr val="FFFFFF"/>
+              </a:solidFill>
+              <a:effectLst>
+                <a:outerShdw blurRad="38100" dist="22860" dir="5400000" algn="tl" rotWithShape="0">
+                  <a:srgbClr val="000000">
+                    <a:alpha val="30000"/>
+                  </a:srgbClr>
+                </a:outerShdw>
+              </a:effectLst>
+              <a:latin typeface="Arial" panose="020B0604020202020204" pitchFamily="34" charset="0"/>
+              <a:ea typeface="SimSun" panose="02010600030101010101" pitchFamily="2" charset="-122"/>
+            </a:endParaRPr>
+          </a:p>
+        </p:txBody>
+      </p:sp>
+      <p:sp>
+        <p:nvSpPr>
+          <p:cNvPr id="11" name="Content Placeholder 10"/>
+          <p:cNvSpPr/>
+          <p:nvPr>
+            <p:ph sz="half" idx="1"/>
+          </p:nvPr>
+        </p:nvSpPr>
+        <p:spPr/>
+        <p:txBody>
+          <a:bodyPr/>
+          <a:p>
+            <a:pPr marL="0" indent="0">
+              <a:buNone/>
+            </a:pPr>
+            <a:endParaRPr lang="en-US" sz="2400">
+              <a:solidFill>
+                <a:schemeClr val="accent2">
+                  <a:lumMod val="75000"/>
+                </a:schemeClr>
+              </a:solidFill>
+            </a:endParaRPr>
+          </a:p>
+          <a:p>
+            <a:pPr marL="0" indent="0">
+              <a:buNone/>
+            </a:pPr>
+            <a:endParaRPr lang="en-US" sz="2400"/>
+          </a:p>
+        </p:txBody>
+      </p:sp>
+      <p:sp>
+        <p:nvSpPr>
+          <p:cNvPr id="5" name="Content Placeholder 10"/>
+          <p:cNvSpPr/>
+          <p:nvPr/>
+        </p:nvSpPr>
+        <p:spPr>
+          <a:xfrm>
+            <a:off x="736600" y="1301750"/>
+            <a:ext cx="4722495" cy="4953000"/>
+          </a:xfrm>
+          <a:prstGeom prst="rect">
+            <a:avLst/>
+          </a:prstGeom>
+          <a:noFill/>
+          <a:ln w="9525">
+            <a:noFill/>
+          </a:ln>
+        </p:spPr>
+        <p:txBody>
+          <a:bodyPr/>
+          <a:lstStyle>
+            <a:lvl1pPr marL="342900" indent="-342900" algn="l" rtl="0" fontAlgn="base">
+              <a:spcBef>
+                <a:spcPct val="20000"/>
+              </a:spcBef>
+              <a:spcAft>
+                <a:spcPct val="0"/>
+              </a:spcAft>
+              <a:buChar char="•"/>
+              <a:defRPr sz="3200" kern="1200">
+                <a:solidFill>
+                  <a:schemeClr val="tx1"/>
+                </a:solidFill>
+                <a:latin typeface="+mn-lt"/>
+                <a:ea typeface="+mn-ea"/>
+                <a:cs typeface="+mn-cs"/>
+              </a:defRPr>
+            </a:lvl1pPr>
+            <a:lvl2pPr marL="742950" indent="-285750" algn="l" rtl="0" fontAlgn="base">
+              <a:spcBef>
+                <a:spcPct val="20000"/>
+              </a:spcBef>
+              <a:spcAft>
+                <a:spcPct val="0"/>
+              </a:spcAft>
+              <a:buChar char="–"/>
+              <a:defRPr sz="2800" kern="1200">
+                <a:solidFill>
+                  <a:schemeClr val="tx1"/>
+                </a:solidFill>
+                <a:latin typeface="+mn-lt"/>
+                <a:ea typeface="+mn-ea"/>
+                <a:cs typeface="+mn-cs"/>
+              </a:defRPr>
+            </a:lvl2pPr>
+            <a:lvl3pPr marL="1143000" indent="-228600" algn="l" rtl="0" fontAlgn="base">
+              <a:spcBef>
+                <a:spcPct val="20000"/>
+              </a:spcBef>
+              <a:spcAft>
+                <a:spcPct val="0"/>
+              </a:spcAft>
+              <a:buChar char="•"/>
+              <a:defRPr sz="2400" kern="1200">
+                <a:solidFill>
+                  <a:schemeClr val="tx1"/>
+                </a:solidFill>
+                <a:latin typeface="+mn-lt"/>
+                <a:ea typeface="+mn-ea"/>
+                <a:cs typeface="+mn-cs"/>
+              </a:defRPr>
+            </a:lvl3pPr>
+            <a:lvl4pPr marL="1600200" indent="-228600" algn="l" rtl="0" fontAlgn="base">
+              <a:spcBef>
+                <a:spcPct val="20000"/>
+              </a:spcBef>
+              <a:spcAft>
+                <a:spcPct val="0"/>
+              </a:spcAft>
+              <a:buChar char="–"/>
+              <a:defRPr sz="2000" kern="1200">
+                <a:solidFill>
+                  <a:schemeClr val="tx1"/>
+                </a:solidFill>
+                <a:latin typeface="+mn-lt"/>
+                <a:ea typeface="+mn-ea"/>
+                <a:cs typeface="+mn-cs"/>
+              </a:defRPr>
+            </a:lvl4pPr>
+            <a:lvl5pPr marL="2057400" indent="-228600" algn="l" rtl="0" fontAlgn="base">
+              <a:spcBef>
+                <a:spcPct val="20000"/>
+              </a:spcBef>
+              <a:spcAft>
+                <a:spcPct val="0"/>
+              </a:spcAft>
+              <a:buChar char="»"/>
+              <a:defRPr sz="2000" kern="1200">
+                <a:solidFill>
+                  <a:schemeClr val="tx1"/>
+                </a:solidFill>
+                <a:latin typeface="+mn-lt"/>
+                <a:ea typeface="+mn-ea"/>
+                <a:cs typeface="+mn-cs"/>
+              </a:defRPr>
+            </a:lvl5pPr>
+            <a:lvl6pPr marL="2514600" indent="-228600" algn="l" defTabSz="914400" rtl="0" eaLnBrk="1" latinLnBrk="0" hangingPunct="1">
+              <a:lnSpc>
+                <a:spcPct val="90000"/>
+              </a:lnSpc>
+              <a:spcBef>
+                <a:spcPts val="500"/>
+              </a:spcBef>
+              <a:buFont typeface="Arial" panose="020B0604020202020204" pitchFamily="34" charset="0"/>
+              <a:buChar char="•"/>
+              <a:defRPr sz="1800" kern="1200">
+                <a:solidFill>
+                  <a:schemeClr val="tx1"/>
+                </a:solidFill>
+                <a:latin typeface="+mn-lt"/>
+                <a:ea typeface="+mn-ea"/>
+                <a:cs typeface="+mn-cs"/>
+              </a:defRPr>
+            </a:lvl6pPr>
+            <a:lvl7pPr marL="2971800" indent="-228600" algn="l" defTabSz="914400" rtl="0" eaLnBrk="1" latinLnBrk="0" hangingPunct="1">
+              <a:lnSpc>
+                <a:spcPct val="90000"/>
+              </a:lnSpc>
+              <a:spcBef>
+                <a:spcPts val="500"/>
+              </a:spcBef>
+              <a:buFont typeface="Arial" panose="020B0604020202020204" pitchFamily="34" charset="0"/>
+              <a:buChar char="•"/>
+              <a:defRPr sz="1800" kern="1200">
+                <a:solidFill>
+                  <a:schemeClr val="tx1"/>
+                </a:solidFill>
+                <a:latin typeface="+mn-lt"/>
+                <a:ea typeface="+mn-ea"/>
+                <a:cs typeface="+mn-cs"/>
+              </a:defRPr>
+            </a:lvl7pPr>
+            <a:lvl8pPr marL="3429000" indent="-228600" algn="l" defTabSz="914400" rtl="0" eaLnBrk="1" latinLnBrk="0" hangingPunct="1">
+              <a:lnSpc>
+                <a:spcPct val="90000"/>
+              </a:lnSpc>
+              <a:spcBef>
+                <a:spcPts val="500"/>
+              </a:spcBef>
+              <a:buFont typeface="Arial" panose="020B0604020202020204" pitchFamily="34" charset="0"/>
+              <a:buChar char="•"/>
+              <a:defRPr sz="1800" kern="1200">
+                <a:solidFill>
+                  <a:schemeClr val="tx1"/>
+                </a:solidFill>
+                <a:latin typeface="+mn-lt"/>
+                <a:ea typeface="+mn-ea"/>
+                <a:cs typeface="+mn-cs"/>
+              </a:defRPr>
+            </a:lvl8pPr>
+            <a:lvl9pPr marL="3886200" indent="-228600" algn="l" defTabSz="914400" rtl="0" eaLnBrk="1" latinLnBrk="0" hangingPunct="1">
+              <a:lnSpc>
+                <a:spcPct val="90000"/>
+              </a:lnSpc>
+              <a:spcBef>
+                <a:spcPts val="500"/>
+              </a:spcBef>
+              <a:buFont typeface="Arial" panose="020B0604020202020204" pitchFamily="34" charset="0"/>
+              <a:buChar char="•"/>
+              <a:defRPr sz="1800" kern="1200">
+                <a:solidFill>
+                  <a:schemeClr val="tx1"/>
+                </a:solidFill>
+                <a:latin typeface="+mn-lt"/>
+                <a:ea typeface="+mn-ea"/>
+                <a:cs typeface="+mn-cs"/>
+              </a:defRPr>
+            </a:lvl9pPr>
+          </a:lstStyle>
+          <a:p>
+            <a:pPr marL="0" indent="0">
+              <a:buNone/>
+            </a:pPr>
+            <a:r>
+              <a:rPr lang="en-US" sz="2400">
+                <a:ln/>
+                <a:solidFill>
+                  <a:schemeClr val="accent1"/>
+                </a:solidFill>
+                <a:effectLst>
+                  <a:outerShdw blurRad="38100" dist="25400" dir="5400000" algn="ctr" rotWithShape="0">
+                    <a:srgbClr val="6E747A">
+                      <a:alpha val="43000"/>
+                    </a:srgbClr>
+                  </a:outerShdw>
+                </a:effectLst>
+              </a:rPr>
+              <a:t>2. Choosing version:</a:t>
+            </a:r>
+            <a:endParaRPr lang="en-US" sz="2400">
+              <a:ln/>
+              <a:solidFill>
+                <a:schemeClr val="accent1"/>
+              </a:solidFill>
+              <a:effectLst>
+                <a:outerShdw blurRad="38100" dist="25400" dir="5400000" algn="ctr" rotWithShape="0">
+                  <a:srgbClr val="6E747A">
+                    <a:alpha val="43000"/>
+                  </a:srgbClr>
+                </a:outerShdw>
+              </a:effectLst>
+            </a:endParaRPr>
+          </a:p>
+        </p:txBody>
+      </p:sp>
+      <p:pic>
+        <p:nvPicPr>
+          <p:cNvPr id="9" name="Content Placeholder 8" descr="1.2 create project name"/>
+          <p:cNvPicPr>
+            <a:picLocks noChangeAspect="1"/>
+          </p:cNvPicPr>
+          <p:nvPr>
+            <p:ph sz="half" idx="2"/>
+          </p:nvPr>
+        </p:nvPicPr>
+        <p:blipFill>
+          <a:blip r:embed="rId1"/>
+          <a:stretch>
+            <a:fillRect/>
+          </a:stretch>
+        </p:blipFill>
+        <p:spPr>
+          <a:xfrm>
+            <a:off x="1736090" y="2019300"/>
+            <a:ext cx="8218805" cy="3695700"/>
+          </a:xfrm>
+          <a:prstGeom prst="rect">
+            <a:avLst/>
+          </a:prstGeom>
+        </p:spPr>
+      </p:pic>
+    </p:spTree>
+  </p:cSld>
+  <p:clrMapOvr>
+    <a:masterClrMapping/>
+  </p:clrMapOvr>
+</p:sld>
+</file>
+
+<file path=ppt/slides/slide9.xml><?xml version="1.0" encoding="utf-8"?>
+<p:sld xmlns:a="http://schemas.openxmlformats.org/drawingml/2006/main" xmlns:r="http://schemas.openxmlformats.org/officeDocument/2006/relationships" xmlns:p="http://schemas.openxmlformats.org/presentationml/2006/main">
+  <p:cSld>
+    <p:spTree>
+      <p:nvGrpSpPr>
+        <p:cNvPr id="1" name=""/>
+        <p:cNvGrpSpPr/>
+        <p:nvPr/>
+      </p:nvGrpSpPr>
+      <p:grpSpPr/>
+      <p:sp>
+        <p:nvSpPr>
+          <p:cNvPr id="6" name="Title 5"/>
+          <p:cNvSpPr>
+            <a:spLocks noGrp="1"/>
+          </p:cNvSpPr>
+          <p:nvPr>
+            <p:ph type="title"/>
+          </p:nvPr>
+        </p:nvSpPr>
+        <p:spPr/>
+        <p:txBody>
+          <a:bodyPr/>
+          <a:p>
+            <a:endParaRPr lang="en-US"/>
+          </a:p>
+        </p:txBody>
+      </p:sp>
+      <p:sp>
+        <p:nvSpPr>
+          <p:cNvPr id="10" name="Flowchart: Process 9"/>
+          <p:cNvSpPr/>
+          <p:nvPr/>
+        </p:nvSpPr>
+        <p:spPr>
+          <a:xfrm>
+            <a:off x="609600" y="190500"/>
+            <a:ext cx="10972800" cy="784860"/>
+          </a:xfrm>
+          <a:prstGeom prst="flowChartProcess">
+            <a:avLst/>
+          </a:prstGeom>
+          <a:gradFill rotWithShape="0">
+            <a:gsLst>
+              <a:gs pos="0">
+                <a:srgbClr val="012D86"/>
+              </a:gs>
+              <a:gs pos="100000">
+                <a:srgbClr val="0E2557"/>
+              </a:gs>
+            </a:gsLst>
+            <a:lin ang="5400000" scaled="0"/>
+          </a:gradFill>
+          <a:ln w="9525" cap="flat" cmpd="sng" algn="ctr">
+            <a:solidFill>
+              <a:schemeClr val="accent1"/>
+            </a:solidFill>
+            <a:prstDash val="solid"/>
+            <a:round/>
+            <a:headEnd type="none" w="med" len="med"/>
+            <a:tailEnd type="none" w="med" len="med"/>
+          </a:ln>
+          <a:effectLst>
+            <a:outerShdw blurRad="50800" dist="50800" dir="5400000" algn="ctr" rotWithShape="0">
+              <a:srgbClr val="002060">
+                <a:alpha val="38000"/>
+              </a:srgbClr>
+            </a:outerShdw>
+          </a:effectLst>
+        </p:spPr>
+        <p:txBody>
+          <a:bodyPr vert="horz" wrap="none" lIns="91440" tIns="45720" rIns="91440" bIns="45720" numCol="1" anchor="ctr" anchorCtr="0" compatLnSpc="1"/>
+          <a:p>
+            <a:pPr marL="0" marR="0" indent="0" algn="ctr" defTabSz="914400" rtl="0" eaLnBrk="1" fontAlgn="base" latinLnBrk="0" hangingPunct="1">
+              <a:lnSpc>
+                <a:spcPct val="100000"/>
+              </a:lnSpc>
+              <a:spcBef>
+                <a:spcPct val="0"/>
+              </a:spcBef>
+              <a:spcAft>
+                <a:spcPct val="0"/>
+              </a:spcAft>
+              <a:buClrTx/>
+              <a:buSzTx/>
+              <a:buFontTx/>
+              <a:buNone/>
+            </a:pPr>
+            <a:r>
+              <a:rPr kumimoji="0" lang="en-US" altLang="zh-CN" sz="3600" b="0" i="0" u="none" strike="noStrike" cap="none" normalizeH="0" baseline="0" smtClean="0">
+                <a:ln w="10160">
+                  <a:solidFill>
+                    <a:schemeClr val="accent5"/>
+                  </a:solidFill>
+                  <a:prstDash val="solid"/>
+                </a:ln>
+                <a:solidFill>
+                  <a:srgbClr val="FFFFFF"/>
+                </a:solidFill>
+                <a:effectLst>
+                  <a:outerShdw blurRad="38100" dist="22860" dir="5400000" algn="tl" rotWithShape="0">
+                    <a:srgbClr val="000000">
+                      <a:alpha val="30000"/>
+                    </a:srgbClr>
+                  </a:outerShdw>
+                </a:effectLst>
+                <a:latin typeface="Arial" panose="020B0604020202020204" pitchFamily="34" charset="0"/>
+                <a:ea typeface="SimSun" panose="02010600030101010101" pitchFamily="2" charset="-122"/>
+              </a:rPr>
+              <a:t>II. Creating a new Serenity - BDD Cucumber project</a:t>
+            </a:r>
+            <a:r>
+              <a:rPr kumimoji="0" lang="en-US" altLang="zh-CN" sz="4400" b="0" i="0" u="none" strike="noStrike" cap="none" normalizeH="0" baseline="0" smtClean="0">
+                <a:ln w="10160">
+                  <a:solidFill>
+                    <a:schemeClr val="accent5"/>
+                  </a:solidFill>
+                  <a:prstDash val="solid"/>
+                </a:ln>
+                <a:solidFill>
+                  <a:srgbClr val="FFFFFF"/>
+                </a:solidFill>
+                <a:effectLst>
+                  <a:outerShdw blurRad="38100" dist="22860" dir="5400000" algn="tl" rotWithShape="0">
+                    <a:srgbClr val="000000">
+                      <a:alpha val="30000"/>
+                    </a:srgbClr>
+                  </a:outerShdw>
+                </a:effectLst>
+                <a:latin typeface="Arial" panose="020B0604020202020204" pitchFamily="34" charset="0"/>
+                <a:ea typeface="SimSun" panose="02010600030101010101" pitchFamily="2" charset="-122"/>
+              </a:rPr>
+              <a:t> </a:t>
+            </a:r>
+            <a:endParaRPr kumimoji="0" lang="en-US" altLang="zh-CN" sz="4400" b="0" i="0" u="none" strike="noStrike" cap="none" normalizeH="0" baseline="0" smtClean="0">
+              <a:ln w="10160">
+                <a:solidFill>
+                  <a:schemeClr val="accent5"/>
+                </a:solidFill>
+                <a:prstDash val="solid"/>
+              </a:ln>
+              <a:solidFill>
+                <a:srgbClr val="FFFFFF"/>
+              </a:solidFill>
+              <a:effectLst>
+                <a:outerShdw blurRad="38100" dist="22860" dir="5400000" algn="tl" rotWithShape="0">
+                  <a:srgbClr val="000000">
+                    <a:alpha val="30000"/>
+                  </a:srgbClr>
+                </a:outerShdw>
+              </a:effectLst>
+              <a:latin typeface="Arial" panose="020B0604020202020204" pitchFamily="34" charset="0"/>
+              <a:ea typeface="SimSun" panose="02010600030101010101" pitchFamily="2" charset="-122"/>
+            </a:endParaRPr>
+          </a:p>
+        </p:txBody>
+      </p:sp>
+      <p:sp>
+        <p:nvSpPr>
+          <p:cNvPr id="11" name="Content Placeholder 10"/>
+          <p:cNvSpPr/>
+          <p:nvPr>
+            <p:ph sz="half" idx="1"/>
+          </p:nvPr>
+        </p:nvSpPr>
+        <p:spPr/>
+        <p:txBody>
+          <a:bodyPr/>
+          <a:p>
+            <a:pPr marL="0" indent="0">
+              <a:buNone/>
+            </a:pPr>
+            <a:endParaRPr lang="en-US" sz="2400">
+              <a:solidFill>
+                <a:schemeClr val="accent2">
+                  <a:lumMod val="75000"/>
+                </a:schemeClr>
+              </a:solidFill>
+            </a:endParaRPr>
+          </a:p>
+          <a:p>
+            <a:pPr marL="0" indent="0">
+              <a:buNone/>
+            </a:pPr>
+            <a:endParaRPr lang="en-US" sz="2400"/>
+          </a:p>
+        </p:txBody>
+      </p:sp>
+      <p:sp>
+        <p:nvSpPr>
+          <p:cNvPr id="2" name="Content Placeholder 10"/>
+          <p:cNvSpPr/>
+          <p:nvPr/>
+        </p:nvSpPr>
+        <p:spPr>
+          <a:xfrm>
+            <a:off x="609600" y="1174750"/>
+            <a:ext cx="5384800" cy="4953000"/>
+          </a:xfrm>
+          <a:prstGeom prst="rect">
+            <a:avLst/>
+          </a:prstGeom>
+          <a:noFill/>
+          <a:ln w="9525">
+            <a:noFill/>
+          </a:ln>
+        </p:spPr>
+        <p:txBody>
+          <a:bodyPr/>
+          <a:lstStyle>
+            <a:lvl1pPr marL="342900" indent="-342900" algn="l" rtl="0" fontAlgn="base">
+              <a:spcBef>
+                <a:spcPct val="20000"/>
+              </a:spcBef>
+              <a:spcAft>
+                <a:spcPct val="0"/>
+              </a:spcAft>
+              <a:buChar char="•"/>
+              <a:defRPr sz="3200" kern="1200">
+                <a:solidFill>
+                  <a:schemeClr val="tx1"/>
+                </a:solidFill>
+                <a:latin typeface="+mn-lt"/>
+                <a:ea typeface="+mn-ea"/>
+                <a:cs typeface="+mn-cs"/>
+              </a:defRPr>
+            </a:lvl1pPr>
+            <a:lvl2pPr marL="742950" indent="-285750" algn="l" rtl="0" fontAlgn="base">
+              <a:spcBef>
+                <a:spcPct val="20000"/>
+              </a:spcBef>
+              <a:spcAft>
+                <a:spcPct val="0"/>
+              </a:spcAft>
+              <a:buChar char="–"/>
+              <a:defRPr sz="2800" kern="1200">
+                <a:solidFill>
+                  <a:schemeClr val="tx1"/>
+                </a:solidFill>
+                <a:latin typeface="+mn-lt"/>
+                <a:ea typeface="+mn-ea"/>
+                <a:cs typeface="+mn-cs"/>
+              </a:defRPr>
+            </a:lvl2pPr>
+            <a:lvl3pPr marL="1143000" indent="-228600" algn="l" rtl="0" fontAlgn="base">
+              <a:spcBef>
+                <a:spcPct val="20000"/>
+              </a:spcBef>
+              <a:spcAft>
+                <a:spcPct val="0"/>
+              </a:spcAft>
+              <a:buChar char="•"/>
+              <a:defRPr sz="2400" kern="1200">
+                <a:solidFill>
+                  <a:schemeClr val="tx1"/>
+                </a:solidFill>
+                <a:latin typeface="+mn-lt"/>
+                <a:ea typeface="+mn-ea"/>
+                <a:cs typeface="+mn-cs"/>
+              </a:defRPr>
+            </a:lvl3pPr>
+            <a:lvl4pPr marL="1600200" indent="-228600" algn="l" rtl="0" fontAlgn="base">
+              <a:spcBef>
+                <a:spcPct val="20000"/>
+              </a:spcBef>
+              <a:spcAft>
+                <a:spcPct val="0"/>
+              </a:spcAft>
+              <a:buChar char="–"/>
+              <a:defRPr sz="2000" kern="1200">
+                <a:solidFill>
+                  <a:schemeClr val="tx1"/>
+                </a:solidFill>
+                <a:latin typeface="+mn-lt"/>
+                <a:ea typeface="+mn-ea"/>
+                <a:cs typeface="+mn-cs"/>
+              </a:defRPr>
+            </a:lvl4pPr>
+            <a:lvl5pPr marL="2057400" indent="-228600" algn="l" rtl="0" fontAlgn="base">
+              <a:spcBef>
+                <a:spcPct val="20000"/>
+              </a:spcBef>
+              <a:spcAft>
+                <a:spcPct val="0"/>
+              </a:spcAft>
+              <a:buChar char="»"/>
+              <a:defRPr sz="2000" kern="1200">
+                <a:solidFill>
+                  <a:schemeClr val="tx1"/>
+                </a:solidFill>
+                <a:latin typeface="+mn-lt"/>
+                <a:ea typeface="+mn-ea"/>
+                <a:cs typeface="+mn-cs"/>
+              </a:defRPr>
+            </a:lvl5pPr>
+            <a:lvl6pPr marL="2514600" indent="-228600" algn="l" defTabSz="914400" rtl="0" eaLnBrk="1" latinLnBrk="0" hangingPunct="1">
+              <a:lnSpc>
+                <a:spcPct val="90000"/>
+              </a:lnSpc>
+              <a:spcBef>
+                <a:spcPts val="500"/>
+              </a:spcBef>
+              <a:buFont typeface="Arial" panose="020B0604020202020204" pitchFamily="34" charset="0"/>
+              <a:buChar char="•"/>
+              <a:defRPr sz="1800" kern="1200">
+                <a:solidFill>
+                  <a:schemeClr val="tx1"/>
+                </a:solidFill>
+                <a:latin typeface="+mn-lt"/>
+                <a:ea typeface="+mn-ea"/>
+                <a:cs typeface="+mn-cs"/>
+              </a:defRPr>
+            </a:lvl6pPr>
+            <a:lvl7pPr marL="2971800" indent="-228600" algn="l" defTabSz="914400" rtl="0" eaLnBrk="1" latinLnBrk="0" hangingPunct="1">
+              <a:lnSpc>
+                <a:spcPct val="90000"/>
+              </a:lnSpc>
+              <a:spcBef>
+                <a:spcPts val="500"/>
+              </a:spcBef>
+              <a:buFont typeface="Arial" panose="020B0604020202020204" pitchFamily="34" charset="0"/>
+              <a:buChar char="•"/>
+              <a:defRPr sz="1800" kern="1200">
+                <a:solidFill>
+                  <a:schemeClr val="tx1"/>
+                </a:solidFill>
+                <a:latin typeface="+mn-lt"/>
+                <a:ea typeface="+mn-ea"/>
+                <a:cs typeface="+mn-cs"/>
+              </a:defRPr>
+            </a:lvl7pPr>
+            <a:lvl8pPr marL="3429000" indent="-228600" algn="l" defTabSz="914400" rtl="0" eaLnBrk="1" latinLnBrk="0" hangingPunct="1">
+              <a:lnSpc>
+                <a:spcPct val="90000"/>
+              </a:lnSpc>
+              <a:spcBef>
+                <a:spcPts val="500"/>
+              </a:spcBef>
+              <a:buFont typeface="Arial" panose="020B0604020202020204" pitchFamily="34" charset="0"/>
+              <a:buChar char="•"/>
+              <a:defRPr sz="1800" kern="1200">
+                <a:solidFill>
+                  <a:schemeClr val="tx1"/>
+                </a:solidFill>
+                <a:latin typeface="+mn-lt"/>
+                <a:ea typeface="+mn-ea"/>
+                <a:cs typeface="+mn-cs"/>
+              </a:defRPr>
+            </a:lvl8pPr>
+            <a:lvl9pPr marL="3886200" indent="-228600" algn="l" defTabSz="914400" rtl="0" eaLnBrk="1" latinLnBrk="0" hangingPunct="1">
+              <a:lnSpc>
+                <a:spcPct val="90000"/>
+              </a:lnSpc>
+              <a:spcBef>
+                <a:spcPts val="500"/>
+              </a:spcBef>
+              <a:buFont typeface="Arial" panose="020B0604020202020204" pitchFamily="34" charset="0"/>
+              <a:buChar char="•"/>
+              <a:defRPr sz="1800" kern="1200">
+                <a:solidFill>
+                  <a:schemeClr val="tx1"/>
+                </a:solidFill>
+                <a:latin typeface="+mn-lt"/>
+                <a:ea typeface="+mn-ea"/>
+                <a:cs typeface="+mn-cs"/>
+              </a:defRPr>
+            </a:lvl9pPr>
+          </a:lstStyle>
+          <a:p>
+            <a:pPr marL="0" indent="0">
+              <a:buNone/>
+            </a:pPr>
+            <a:endParaRPr lang="en-US" sz="2400">
+              <a:solidFill>
+                <a:schemeClr val="accent2">
+                  <a:lumMod val="75000"/>
+                </a:schemeClr>
+              </a:solidFill>
+            </a:endParaRPr>
+          </a:p>
+          <a:p>
+            <a:pPr marL="0" indent="0">
+              <a:buNone/>
+            </a:pPr>
+            <a:endParaRPr lang="en-US" sz="2400"/>
+          </a:p>
+        </p:txBody>
+      </p:sp>
+      <p:sp>
+        <p:nvSpPr>
+          <p:cNvPr id="5" name="Content Placeholder 10"/>
+          <p:cNvSpPr/>
+          <p:nvPr/>
+        </p:nvSpPr>
+        <p:spPr>
+          <a:xfrm>
+            <a:off x="736600" y="1301750"/>
+            <a:ext cx="4722495" cy="4953000"/>
+          </a:xfrm>
+          <a:prstGeom prst="rect">
+            <a:avLst/>
+          </a:prstGeom>
+          <a:noFill/>
+          <a:ln w="9525">
+            <a:noFill/>
+          </a:ln>
+        </p:spPr>
+        <p:txBody>
+          <a:bodyPr/>
+          <a:lstStyle>
+            <a:lvl1pPr marL="342900" indent="-342900" algn="l" rtl="0" fontAlgn="base">
+              <a:spcBef>
+                <a:spcPct val="20000"/>
+              </a:spcBef>
+              <a:spcAft>
+                <a:spcPct val="0"/>
+              </a:spcAft>
+              <a:buChar char="•"/>
+              <a:defRPr sz="3200" kern="1200">
+                <a:solidFill>
+                  <a:schemeClr val="tx1"/>
+                </a:solidFill>
+                <a:latin typeface="+mn-lt"/>
+                <a:ea typeface="+mn-ea"/>
+                <a:cs typeface="+mn-cs"/>
+              </a:defRPr>
+            </a:lvl1pPr>
+            <a:lvl2pPr marL="742950" indent="-285750" algn="l" rtl="0" fontAlgn="base">
+              <a:spcBef>
+                <a:spcPct val="20000"/>
+              </a:spcBef>
+              <a:spcAft>
+                <a:spcPct val="0"/>
+              </a:spcAft>
+              <a:buChar char="–"/>
+              <a:defRPr sz="2800" kern="1200">
+                <a:solidFill>
+                  <a:schemeClr val="tx1"/>
+                </a:solidFill>
+                <a:latin typeface="+mn-lt"/>
+                <a:ea typeface="+mn-ea"/>
+                <a:cs typeface="+mn-cs"/>
+              </a:defRPr>
+            </a:lvl2pPr>
+            <a:lvl3pPr marL="1143000" indent="-228600" algn="l" rtl="0" fontAlgn="base">
+              <a:spcBef>
+                <a:spcPct val="20000"/>
+              </a:spcBef>
+              <a:spcAft>
+                <a:spcPct val="0"/>
+              </a:spcAft>
+              <a:buChar char="•"/>
+              <a:defRPr sz="2400" kern="1200">
+                <a:solidFill>
+                  <a:schemeClr val="tx1"/>
+                </a:solidFill>
+                <a:latin typeface="+mn-lt"/>
+                <a:ea typeface="+mn-ea"/>
+                <a:cs typeface="+mn-cs"/>
+              </a:defRPr>
+            </a:lvl3pPr>
+            <a:lvl4pPr marL="1600200" indent="-228600" algn="l" rtl="0" fontAlgn="base">
+              <a:spcBef>
+                <a:spcPct val="20000"/>
+              </a:spcBef>
+              <a:spcAft>
+                <a:spcPct val="0"/>
+              </a:spcAft>
+              <a:buChar char="–"/>
+              <a:defRPr sz="2000" kern="1200">
+                <a:solidFill>
+                  <a:schemeClr val="tx1"/>
+                </a:solidFill>
+                <a:latin typeface="+mn-lt"/>
+                <a:ea typeface="+mn-ea"/>
+                <a:cs typeface="+mn-cs"/>
+              </a:defRPr>
+            </a:lvl4pPr>
+            <a:lvl5pPr marL="2057400" indent="-228600" algn="l" rtl="0" fontAlgn="base">
+              <a:spcBef>
+                <a:spcPct val="20000"/>
+              </a:spcBef>
+              <a:spcAft>
+                <a:spcPct val="0"/>
+              </a:spcAft>
+              <a:buChar char="»"/>
+              <a:defRPr sz="2000" kern="1200">
+                <a:solidFill>
+                  <a:schemeClr val="tx1"/>
+                </a:solidFill>
+                <a:latin typeface="+mn-lt"/>
+                <a:ea typeface="+mn-ea"/>
+                <a:cs typeface="+mn-cs"/>
+              </a:defRPr>
+            </a:lvl5pPr>
+            <a:lvl6pPr marL="2514600" indent="-228600" algn="l" defTabSz="914400" rtl="0" eaLnBrk="1" latinLnBrk="0" hangingPunct="1">
+              <a:lnSpc>
+                <a:spcPct val="90000"/>
+              </a:lnSpc>
+              <a:spcBef>
+                <a:spcPts val="500"/>
+              </a:spcBef>
+              <a:buFont typeface="Arial" panose="020B0604020202020204" pitchFamily="34" charset="0"/>
+              <a:buChar char="•"/>
+              <a:defRPr sz="1800" kern="1200">
+                <a:solidFill>
+                  <a:schemeClr val="tx1"/>
+                </a:solidFill>
+                <a:latin typeface="+mn-lt"/>
+                <a:ea typeface="+mn-ea"/>
+                <a:cs typeface="+mn-cs"/>
+              </a:defRPr>
+            </a:lvl6pPr>
+            <a:lvl7pPr marL="2971800" indent="-228600" algn="l" defTabSz="914400" rtl="0" eaLnBrk="1" latinLnBrk="0" hangingPunct="1">
+              <a:lnSpc>
+                <a:spcPct val="90000"/>
+              </a:lnSpc>
+              <a:spcBef>
+                <a:spcPts val="500"/>
+              </a:spcBef>
+              <a:buFont typeface="Arial" panose="020B0604020202020204" pitchFamily="34" charset="0"/>
+              <a:buChar char="•"/>
+              <a:defRPr sz="1800" kern="1200">
+                <a:solidFill>
+                  <a:schemeClr val="tx1"/>
+                </a:solidFill>
+                <a:latin typeface="+mn-lt"/>
+                <a:ea typeface="+mn-ea"/>
+                <a:cs typeface="+mn-cs"/>
+              </a:defRPr>
+            </a:lvl7pPr>
+            <a:lvl8pPr marL="3429000" indent="-228600" algn="l" defTabSz="914400" rtl="0" eaLnBrk="1" latinLnBrk="0" hangingPunct="1">
+              <a:lnSpc>
+                <a:spcPct val="90000"/>
+              </a:lnSpc>
+              <a:spcBef>
+                <a:spcPts val="500"/>
+              </a:spcBef>
+              <a:buFont typeface="Arial" panose="020B0604020202020204" pitchFamily="34" charset="0"/>
+              <a:buChar char="•"/>
+              <a:defRPr sz="1800" kern="1200">
+                <a:solidFill>
+                  <a:schemeClr val="tx1"/>
+                </a:solidFill>
+                <a:latin typeface="+mn-lt"/>
+                <a:ea typeface="+mn-ea"/>
+                <a:cs typeface="+mn-cs"/>
+              </a:defRPr>
+            </a:lvl8pPr>
+            <a:lvl9pPr marL="3886200" indent="-228600" algn="l" defTabSz="914400" rtl="0" eaLnBrk="1" latinLnBrk="0" hangingPunct="1">
+              <a:lnSpc>
+                <a:spcPct val="90000"/>
+              </a:lnSpc>
+              <a:spcBef>
+                <a:spcPts val="500"/>
+              </a:spcBef>
+              <a:buFont typeface="Arial" panose="020B0604020202020204" pitchFamily="34" charset="0"/>
+              <a:buChar char="•"/>
+              <a:defRPr sz="1800" kern="1200">
+                <a:solidFill>
+                  <a:schemeClr val="tx1"/>
+                </a:solidFill>
+                <a:latin typeface="+mn-lt"/>
+                <a:ea typeface="+mn-ea"/>
+                <a:cs typeface="+mn-cs"/>
+              </a:defRPr>
+            </a:lvl9pPr>
+          </a:lstStyle>
+          <a:p>
+            <a:pPr marL="0" indent="0">
+              <a:buNone/>
+            </a:pPr>
+            <a:r>
+              <a:rPr lang="en-US" sz="2400">
+                <a:solidFill>
+                  <a:schemeClr val="accent1"/>
+                </a:solidFill>
+                <a:effectLst>
+                  <a:outerShdw blurRad="38100" dist="25400" dir="5400000" algn="ctr" rotWithShape="0">
+                    <a:srgbClr val="6E747A">
+                      <a:alpha val="43000"/>
+                    </a:srgbClr>
+                  </a:outerShdw>
+                </a:effectLst>
+              </a:rPr>
+              <a:t>2. Creating successfully</a:t>
+            </a:r>
+            <a:endParaRPr lang="en-US" sz="2400">
+              <a:solidFill>
+                <a:schemeClr val="accent1"/>
+              </a:solidFill>
+              <a:effectLst>
+                <a:outerShdw blurRad="38100" dist="25400" dir="5400000" algn="ctr" rotWithShape="0">
+                  <a:srgbClr val="6E747A">
+                    <a:alpha val="43000"/>
+                  </a:srgbClr>
+                </a:outerShdw>
+              </a:effectLst>
+            </a:endParaRPr>
+          </a:p>
+        </p:txBody>
+      </p:sp>
+      <p:pic>
+        <p:nvPicPr>
+          <p:cNvPr id="3" name="Content Placeholder 2" descr="1.3 finish create project"/>
+          <p:cNvPicPr>
+            <a:picLocks noChangeAspect="1"/>
+          </p:cNvPicPr>
+          <p:nvPr>
+            <p:ph sz="half" idx="2"/>
+          </p:nvPr>
+        </p:nvPicPr>
+        <p:blipFill>
+          <a:blip r:embed="rId1"/>
+          <a:stretch>
+            <a:fillRect/>
+          </a:stretch>
+        </p:blipFill>
+        <p:spPr>
+          <a:xfrm>
+            <a:off x="609600" y="1840230"/>
+            <a:ext cx="8077200" cy="2103120"/>
+          </a:xfrm>
+          <a:prstGeom prst="rect">
+            <a:avLst/>
+          </a:prstGeom>
+        </p:spPr>
+      </p:pic>
+      <p:pic>
+        <p:nvPicPr>
+          <p:cNvPr id="7" name="Picture 6" descr="1.4 create project successfully"/>
+          <p:cNvPicPr>
+            <a:picLocks noChangeAspect="1"/>
+          </p:cNvPicPr>
+          <p:nvPr/>
+        </p:nvPicPr>
+        <p:blipFill>
+          <a:blip r:embed="rId2"/>
+          <a:stretch>
+            <a:fillRect/>
+          </a:stretch>
+        </p:blipFill>
+        <p:spPr>
+          <a:xfrm>
+            <a:off x="3667760" y="2923540"/>
+            <a:ext cx="7077075" cy="2541905"/>
+          </a:xfrm>
+          <a:prstGeom prst="rect">
+            <a:avLst/>
+          </a:prstGeom>
+        </p:spPr>
+      </p:pic>
     </p:spTree>
   </p:cSld>
   <p:clrMapOvr>

--- a/Sharing.pptx
+++ b/Sharing.pptx
@@ -5,25 +5,18 @@
     <p:sldMasterId id="2147483648" r:id="rId1"/>
   </p:sldMasterIdLst>
   <p:notesMasterIdLst>
-    <p:notesMasterId r:id="rId19"/>
+    <p:notesMasterId r:id="rId12"/>
   </p:notesMasterIdLst>
   <p:sldIdLst>
     <p:sldId id="256" r:id="rId3"/>
     <p:sldId id="257" r:id="rId4"/>
-    <p:sldId id="258" r:id="rId5"/>
-    <p:sldId id="278" r:id="rId6"/>
-    <p:sldId id="279" r:id="rId7"/>
-    <p:sldId id="280" r:id="rId8"/>
-    <p:sldId id="260" r:id="rId9"/>
-    <p:sldId id="271" r:id="rId10"/>
-    <p:sldId id="272" r:id="rId11"/>
-    <p:sldId id="261" r:id="rId12"/>
-    <p:sldId id="275" r:id="rId13"/>
-    <p:sldId id="274" r:id="rId14"/>
-    <p:sldId id="263" r:id="rId15"/>
-    <p:sldId id="262" r:id="rId16"/>
-    <p:sldId id="264" r:id="rId17"/>
-    <p:sldId id="277" r:id="rId18"/>
+    <p:sldId id="278" r:id="rId5"/>
+    <p:sldId id="279" r:id="rId6"/>
+    <p:sldId id="280" r:id="rId7"/>
+    <p:sldId id="281" r:id="rId8"/>
+    <p:sldId id="262" r:id="rId9"/>
+    <p:sldId id="264" r:id="rId10"/>
+    <p:sldId id="277" r:id="rId11"/>
   </p:sldIdLst>
   <p:sldSz cx="12192000" cy="6858000"/>
   <p:notesSz cx="7103745" cy="10234295"/>
@@ -3795,7 +3788,7 @@
         </p:nvSpPr>
         <p:spPr>
           <a:xfrm>
-            <a:off x="1460500" y="1176020"/>
+            <a:off x="1460500" y="795020"/>
             <a:ext cx="9144000" cy="923925"/>
           </a:xfrm>
         </p:spPr>
@@ -3828,7 +3821,7 @@
                   </a:outerShdw>
                 </a:effectLst>
               </a:rPr>
-              <a:t>Sharing</a:t>
+              <a:t> Sharing</a:t>
             </a:r>
             <a:endParaRPr lang="en-US" sz="4000" b="1">
               <a:pattFill prst="dkUpDiag">
@@ -3868,7 +3861,7 @@
         </p:nvSpPr>
         <p:spPr>
           <a:xfrm>
-            <a:off x="1460500" y="2099945"/>
+            <a:off x="1460500" y="1579245"/>
             <a:ext cx="9271000" cy="1545590"/>
           </a:xfrm>
         </p:spPr>
@@ -3904,7 +3897,7 @@
                   </a:innerShdw>
                 </a:effectLst>
               </a:rPr>
-              <a:t>SERENITY BDD - CUCUMBER</a:t>
+              <a:t> Automation Testing</a:t>
             </a:r>
             <a:endParaRPr lang="en-US" sz="4400">
               <a:ln w="12700">
@@ -3935,6 +3928,67 @@
               </a:effectLst>
             </a:endParaRPr>
           </a:p>
+          <a:p>
+            <a:r>
+              <a:rPr lang="en-US" sz="4400">
+                <a:ln w="12700">
+                  <a:solidFill>
+                    <a:schemeClr val="accent3">
+                      <a:lumMod val="50000"/>
+                    </a:schemeClr>
+                  </a:solidFill>
+                  <a:prstDash val="solid"/>
+                </a:ln>
+                <a:pattFill prst="narHorz">
+                  <a:fgClr>
+                    <a:schemeClr val="accent3"/>
+                  </a:fgClr>
+                  <a:bgClr>
+                    <a:schemeClr val="accent3">
+                      <a:lumMod val="40000"/>
+                      <a:lumOff val="60000"/>
+                    </a:schemeClr>
+                  </a:bgClr>
+                </a:pattFill>
+                <a:effectLst>
+                  <a:innerShdw blurRad="177800">
+                    <a:schemeClr val="accent3">
+                      <a:lumMod val="50000"/>
+                    </a:schemeClr>
+                  </a:innerShdw>
+                </a:effectLst>
+              </a:rPr>
+              <a:t> SERENITY BDD - CUCUMBER</a:t>
+            </a:r>
+            <a:endParaRPr lang="en-US" sz="4400">
+              <a:ln w="12700">
+                <a:solidFill>
+                  <a:schemeClr val="accent3">
+                    <a:lumMod val="50000"/>
+                  </a:schemeClr>
+                </a:solidFill>
+                <a:prstDash val="solid"/>
+              </a:ln>
+              <a:pattFill prst="narHorz">
+                <a:fgClr>
+                  <a:schemeClr val="accent3"/>
+                </a:fgClr>
+                <a:bgClr>
+                  <a:schemeClr val="accent3">
+                    <a:lumMod val="40000"/>
+                    <a:lumOff val="60000"/>
+                  </a:schemeClr>
+                </a:bgClr>
+              </a:pattFill>
+              <a:effectLst>
+                <a:innerShdw blurRad="177800">
+                  <a:schemeClr val="accent3">
+                    <a:lumMod val="50000"/>
+                  </a:schemeClr>
+                </a:innerShdw>
+              </a:effectLst>
+            </a:endParaRPr>
+          </a:p>
         </p:txBody>
       </p:sp>
       <p:sp>
@@ -3947,7 +4001,7 @@
         </p:nvSpPr>
         <p:spPr>
           <a:xfrm>
-            <a:off x="5640070" y="5540375"/>
+            <a:off x="5271770" y="4422775"/>
             <a:ext cx="9144000" cy="1539875"/>
           </a:xfrm>
           <a:prstGeom prst="rect">
@@ -4134,7 +4188,7 @@
                   </a:innerShdw>
                 </a:effectLst>
               </a:rPr>
-              <a:t>Team         : Dynagility</a:t>
+              <a:t>Team         : Dynagility - QC</a:t>
             </a:r>
             <a:endParaRPr lang="en-US" sz="2800">
               <a:ln w="12700">
@@ -4662,67 +4716,6 @@
           </a:lstStyle>
           <a:p>
             <a:r>
-              <a:rPr lang="en-US" sz="2600">
-                <a:ln w="12700">
-                  <a:solidFill>
-                    <a:schemeClr val="accent3">
-                      <a:lumMod val="50000"/>
-                    </a:schemeClr>
-                  </a:solidFill>
-                  <a:prstDash val="solid"/>
-                </a:ln>
-                <a:pattFill prst="narHorz">
-                  <a:fgClr>
-                    <a:schemeClr val="accent3"/>
-                  </a:fgClr>
-                  <a:bgClr>
-                    <a:schemeClr val="accent3">
-                      <a:lumMod val="40000"/>
-                      <a:lumOff val="60000"/>
-                    </a:schemeClr>
-                  </a:bgClr>
-                </a:pattFill>
-                <a:effectLst>
-                  <a:innerShdw blurRad="177800">
-                    <a:schemeClr val="accent3">
-                      <a:lumMod val="50000"/>
-                    </a:schemeClr>
-                  </a:innerShdw>
-                </a:effectLst>
-              </a:rPr>
-              <a:t>Source:  - http://www.thucydides.info</a:t>
-            </a:r>
-            <a:endParaRPr lang="en-US" sz="2600">
-              <a:ln w="12700">
-                <a:solidFill>
-                  <a:schemeClr val="accent3">
-                    <a:lumMod val="50000"/>
-                  </a:schemeClr>
-                </a:solidFill>
-                <a:prstDash val="solid"/>
-              </a:ln>
-              <a:pattFill prst="narHorz">
-                <a:fgClr>
-                  <a:schemeClr val="accent3"/>
-                </a:fgClr>
-                <a:bgClr>
-                  <a:schemeClr val="accent3">
-                    <a:lumMod val="40000"/>
-                    <a:lumOff val="60000"/>
-                  </a:schemeClr>
-                </a:bgClr>
-              </a:pattFill>
-              <a:effectLst>
-                <a:innerShdw blurRad="177800">
-                  <a:schemeClr val="accent3">
-                    <a:lumMod val="50000"/>
-                  </a:schemeClr>
-                </a:innerShdw>
-              </a:effectLst>
-            </a:endParaRPr>
-          </a:p>
-          <a:p>
-            <a:r>
               <a:rPr lang="en-US" sz="2800">
                 <a:ln w="12700">
                   <a:solidFill>
@@ -4751,7 +4744,7 @@
                   </a:innerShdw>
                 </a:effectLst>
               </a:rPr>
-              <a:t>             - </a:t>
+              <a:t>             </a:t>
             </a:r>
             <a:endParaRPr lang="en-US" sz="2800">
               <a:ln w="12700">
@@ -4792,7 +4785,7 @@
 </p:sld>
 </file>
 
-<file path=ppt/slides/slide10.xml><?xml version="1.0" encoding="utf-8"?>
+<file path=ppt/slides/slide2.xml><?xml version="1.0" encoding="utf-8"?>
 <p:sld xmlns:a="http://schemas.openxmlformats.org/drawingml/2006/main" xmlns:r="http://schemas.openxmlformats.org/officeDocument/2006/relationships" xmlns:p="http://schemas.openxmlformats.org/presentationml/2006/main">
   <p:cSld>
     <p:spTree>
@@ -4804,7 +4797,7 @@
       <p:grpSpPr/>
       <p:sp>
         <p:nvSpPr>
-          <p:cNvPr id="4" name="Title 3"/>
+          <p:cNvPr id="2" name="Title 1"/>
           <p:cNvSpPr>
             <a:spLocks noGrp="1"/>
           </p:cNvSpPr>
@@ -4816,7 +4809,300 @@
         <p:txBody>
           <a:bodyPr/>
           <a:p>
+            <a:endParaRPr lang="en-US">
+              <a:solidFill>
+                <a:schemeClr val="accent1"/>
+              </a:solidFill>
+              <a:effectLst>
+                <a:outerShdw blurRad="38100" dist="25400" dir="5400000" algn="ctr" rotWithShape="0">
+                  <a:srgbClr val="6E747A">
+                    <a:alpha val="43000"/>
+                  </a:srgbClr>
+                </a:outerShdw>
+              </a:effectLst>
+            </a:endParaRPr>
+          </a:p>
+        </p:txBody>
+      </p:sp>
+      <p:sp>
+        <p:nvSpPr>
+          <p:cNvPr id="3" name="Content Placeholder 2"/>
+          <p:cNvSpPr>
+            <a:spLocks noGrp="1"/>
+          </p:cNvSpPr>
+          <p:nvPr>
+            <p:ph idx="1"/>
+          </p:nvPr>
+        </p:nvSpPr>
+        <p:spPr>
+          <a:xfrm>
+            <a:off x="469900" y="1949450"/>
+            <a:ext cx="10972800" cy="4953000"/>
+          </a:xfrm>
+        </p:spPr>
+        <p:txBody>
+          <a:bodyPr/>
+          <a:p>
+            <a:r>
+              <a:rPr lang="en-US" sz="4400"/>
+              <a:t>I.</a:t>
+            </a:r>
+            <a:r>
+              <a:rPr lang="en-US"/>
+              <a:t>	</a:t>
+            </a:r>
             <a:endParaRPr lang="en-US"/>
+          </a:p>
+          <a:p>
+            <a:r>
+              <a:rPr lang="en-US" sz="4400"/>
+              <a:t>II. </a:t>
+            </a:r>
+            <a:endParaRPr lang="en-US" sz="4400"/>
+          </a:p>
+          <a:p>
+            <a:r>
+              <a:rPr lang="en-US" sz="4400"/>
+              <a:t>III.</a:t>
+            </a:r>
+            <a:endParaRPr lang="en-US" sz="4400"/>
+          </a:p>
+          <a:p>
+            <a:pPr marL="0" indent="0">
+              <a:buNone/>
+            </a:pPr>
+            <a:endParaRPr lang="en-US" sz="4400"/>
+          </a:p>
+        </p:txBody>
+      </p:sp>
+      <p:sp>
+        <p:nvSpPr>
+          <p:cNvPr id="4" name="Rounded Rectangle 3"/>
+          <p:cNvSpPr/>
+          <p:nvPr/>
+        </p:nvSpPr>
+        <p:spPr>
+          <a:xfrm>
+            <a:off x="1800225" y="1949450"/>
+            <a:ext cx="8407400" cy="615315"/>
+          </a:xfrm>
+          <a:prstGeom prst="roundRect">
+            <a:avLst/>
+          </a:prstGeom>
+          <a:gradFill rotWithShape="0">
+            <a:gsLst>
+              <a:gs pos="0">
+                <a:schemeClr val="accent1"/>
+              </a:gs>
+              <a:gs pos="100000">
+                <a:schemeClr val="accent2"/>
+              </a:gs>
+            </a:gsLst>
+            <a:lin ang="5400000" scaled="1"/>
+          </a:gradFill>
+          <a:ln w="9525" cap="flat" cmpd="sng" algn="ctr">
+            <a:solidFill>
+              <a:schemeClr val="accent1"/>
+            </a:solidFill>
+            <a:prstDash val="solid"/>
+            <a:round/>
+            <a:headEnd type="none" w="med" len="med"/>
+            <a:tailEnd type="none" w="med" len="med"/>
+          </a:ln>
+        </p:spPr>
+        <p:txBody>
+          <a:bodyPr vert="horz" wrap="none" lIns="91440" tIns="45720" rIns="91440" bIns="45720" numCol="1" anchor="ctr" anchorCtr="0" compatLnSpc="1">
+            <a:scene3d>
+              <a:camera prst="orthographicFront"/>
+              <a:lightRig rig="threePt" dir="t"/>
+            </a:scene3d>
+          </a:bodyPr>
+          <a:p>
+            <a:pPr marL="0" marR="0" indent="0" algn="l" defTabSz="914400" rtl="0" eaLnBrk="1" fontAlgn="base" latinLnBrk="0" hangingPunct="1">
+              <a:lnSpc>
+                <a:spcPct val="100000"/>
+              </a:lnSpc>
+              <a:spcBef>
+                <a:spcPct val="0"/>
+              </a:spcBef>
+              <a:spcAft>
+                <a:spcPct val="0"/>
+              </a:spcAft>
+              <a:buClrTx/>
+              <a:buSzTx/>
+              <a:buFontTx/>
+              <a:buNone/>
+            </a:pPr>
+            <a:r>
+              <a:rPr kumimoji="0" lang="zh-CN" altLang="en-US" sz="2000" b="0" i="0" u="none" strike="noStrike" cap="none" normalizeH="0" baseline="0" smtClean="0">
+                <a:ln w="10160">
+                  <a:solidFill>
+                    <a:schemeClr val="accent5"/>
+                  </a:solidFill>
+                  <a:prstDash val="solid"/>
+                </a:ln>
+                <a:solidFill>
+                  <a:srgbClr val="FFFFFF"/>
+                </a:solidFill>
+                <a:effectLst>
+                  <a:outerShdw blurRad="38100" dist="22860" dir="5400000" algn="tl" rotWithShape="0">
+                    <a:srgbClr val="000000">
+                      <a:alpha val="30000"/>
+                    </a:srgbClr>
+                  </a:outerShdw>
+                </a:effectLst>
+                <a:latin typeface="Arial" panose="020B0604020202020204" pitchFamily="34" charset="0"/>
+                <a:ea typeface="SimSun" panose="02010600030101010101" pitchFamily="2" charset="-122"/>
+              </a:rPr>
+              <a:t>What is BDD</a:t>
+            </a:r>
+            <a:r>
+              <a:rPr kumimoji="0" lang="en-US" altLang="zh-CN" sz="2000" b="0" i="0" u="none" strike="noStrike" cap="none" normalizeH="0" baseline="0" smtClean="0">
+                <a:ln w="10160">
+                  <a:solidFill>
+                    <a:schemeClr val="accent5"/>
+                  </a:solidFill>
+                  <a:prstDash val="solid"/>
+                </a:ln>
+                <a:solidFill>
+                  <a:srgbClr val="FFFFFF"/>
+                </a:solidFill>
+                <a:effectLst>
+                  <a:outerShdw blurRad="38100" dist="22860" dir="5400000" algn="tl" rotWithShape="0">
+                    <a:srgbClr val="000000">
+                      <a:alpha val="30000"/>
+                    </a:srgbClr>
+                  </a:outerShdw>
+                </a:effectLst>
+                <a:latin typeface="Arial" panose="020B0604020202020204" pitchFamily="34" charset="0"/>
+                <a:ea typeface="SimSun" panose="02010600030101010101" pitchFamily="2" charset="-122"/>
+              </a:rPr>
+              <a:t>?</a:t>
+            </a:r>
+            <a:endParaRPr kumimoji="0" lang="en-US" altLang="zh-CN" sz="2000" b="0" i="0" u="none" strike="noStrike" cap="none" normalizeH="0" baseline="0" smtClean="0">
+              <a:ln w="10160">
+                <a:solidFill>
+                  <a:schemeClr val="accent5"/>
+                </a:solidFill>
+                <a:prstDash val="solid"/>
+              </a:ln>
+              <a:solidFill>
+                <a:srgbClr val="FFFFFF"/>
+              </a:solidFill>
+              <a:effectLst>
+                <a:outerShdw blurRad="38100" dist="22860" dir="5400000" algn="tl" rotWithShape="0">
+                  <a:srgbClr val="000000">
+                    <a:alpha val="30000"/>
+                  </a:srgbClr>
+                </a:outerShdw>
+              </a:effectLst>
+              <a:latin typeface="Arial" panose="020B0604020202020204" pitchFamily="34" charset="0"/>
+              <a:ea typeface="SimSun" panose="02010600030101010101" pitchFamily="2" charset="-122"/>
+            </a:endParaRPr>
+          </a:p>
+        </p:txBody>
+      </p:sp>
+      <p:sp>
+        <p:nvSpPr>
+          <p:cNvPr id="6" name="Rounded Rectangle 5"/>
+          <p:cNvSpPr/>
+          <p:nvPr/>
+        </p:nvSpPr>
+        <p:spPr>
+          <a:xfrm>
+            <a:off x="1751965" y="2818130"/>
+            <a:ext cx="8407400" cy="615315"/>
+          </a:xfrm>
+          <a:prstGeom prst="roundRect">
+            <a:avLst/>
+          </a:prstGeom>
+          <a:gradFill rotWithShape="0">
+            <a:gsLst>
+              <a:gs pos="0">
+                <a:schemeClr val="accent1"/>
+              </a:gs>
+              <a:gs pos="100000">
+                <a:schemeClr val="accent2"/>
+              </a:gs>
+            </a:gsLst>
+            <a:lin ang="5400000" scaled="1"/>
+          </a:gradFill>
+          <a:ln w="9525" cap="flat" cmpd="sng" algn="ctr">
+            <a:solidFill>
+              <a:schemeClr val="accent1"/>
+            </a:solidFill>
+            <a:prstDash val="solid"/>
+            <a:round/>
+            <a:headEnd type="none" w="med" len="med"/>
+            <a:tailEnd type="none" w="med" len="med"/>
+          </a:ln>
+        </p:spPr>
+        <p:txBody>
+          <a:bodyPr vert="horz" wrap="none" lIns="91440" tIns="45720" rIns="91440" bIns="45720" numCol="1" anchor="ctr" anchorCtr="0" compatLnSpc="1">
+            <a:scene3d>
+              <a:camera prst="orthographicFront"/>
+              <a:lightRig rig="threePt" dir="t"/>
+            </a:scene3d>
+          </a:bodyPr>
+          <a:p>
+            <a:pPr marL="0" marR="0" indent="0" algn="l" defTabSz="914400" rtl="0" eaLnBrk="1" fontAlgn="base" latinLnBrk="0" hangingPunct="1">
+              <a:lnSpc>
+                <a:spcPct val="100000"/>
+              </a:lnSpc>
+              <a:spcBef>
+                <a:spcPct val="0"/>
+              </a:spcBef>
+              <a:spcAft>
+                <a:spcPct val="0"/>
+              </a:spcAft>
+              <a:buClrTx/>
+              <a:buSzTx/>
+              <a:buFontTx/>
+              <a:buNone/>
+            </a:pPr>
+            <a:r>
+              <a:rPr kumimoji="0" lang="en-US" altLang="zh-CN" sz="2000" b="0" i="0" u="none" strike="noStrike" cap="none" normalizeH="0" baseline="0" smtClean="0">
+                <a:ln w="10160">
+                  <a:solidFill>
+                    <a:schemeClr val="accent5"/>
+                  </a:solidFill>
+                  <a:prstDash val="solid"/>
+                </a:ln>
+                <a:solidFill>
+                  <a:srgbClr val="FFFFFF"/>
+                </a:solidFill>
+                <a:effectLst>
+                  <a:outerShdw blurRad="38100" dist="22860" dir="5400000" algn="tl" rotWithShape="0">
+                    <a:srgbClr val="000000">
+                      <a:alpha val="30000"/>
+                    </a:srgbClr>
+                  </a:outerShdw>
+                </a:effectLst>
+                <a:latin typeface="Arial" panose="020B0604020202020204" pitchFamily="34" charset="0"/>
+                <a:ea typeface="SimSun" panose="02010600030101010101" pitchFamily="2" charset="-122"/>
+              </a:rPr>
+              <a:t>Creating a new Serenity BDD - Cucumber project?</a:t>
+            </a:r>
+            <a:endParaRPr kumimoji="0" lang="en-US" altLang="zh-CN" sz="2000" b="0" i="0" u="none" strike="noStrike" cap="none" normalizeH="0" baseline="0" smtClean="0">
+              <a:ln w="10160">
+                <a:solidFill>
+                  <a:schemeClr val="accent5"/>
+                </a:solidFill>
+                <a:prstDash val="solid"/>
+              </a:ln>
+              <a:solidFill>
+                <a:srgbClr val="FFFFFF"/>
+              </a:solidFill>
+              <a:effectLst>
+                <a:outerShdw blurRad="38100" dist="22860" dir="5400000" algn="tl" rotWithShape="0">
+                  <a:srgbClr val="000000">
+                    <a:alpha val="30000"/>
+                  </a:srgbClr>
+                </a:outerShdw>
+              </a:effectLst>
+              <a:latin typeface="Arial" panose="020B0604020202020204" pitchFamily="34" charset="0"/>
+              <a:ea typeface="SimSun" panose="02010600030101010101" pitchFamily="2" charset="-122"/>
+            </a:endParaRPr>
           </a:p>
         </p:txBody>
       </p:sp>
@@ -4865,7 +5151,7 @@
         <p:txBody>
           <a:bodyPr vert="horz" wrap="none" lIns="91440" tIns="45720" rIns="91440" bIns="45720" numCol="1" anchor="ctr" anchorCtr="0" compatLnSpc="1"/>
           <a:p>
-            <a:pPr marL="0" marR="0" indent="0" algn="l" defTabSz="914400" rtl="0" eaLnBrk="1" fontAlgn="base" latinLnBrk="0" hangingPunct="1">
+            <a:pPr marL="0" marR="0" indent="0" algn="ctr" defTabSz="914400" rtl="0" eaLnBrk="1" fontAlgn="base" latinLnBrk="0" hangingPunct="1">
               <a:lnSpc>
                 <a:spcPct val="100000"/>
               </a:lnSpc>
@@ -4881,7 +5167,7 @@
               <a:buNone/>
             </a:pPr>
             <a:r>
-              <a:rPr lang="en-US" altLang="zh-CN" sz="3600" smtClean="0">
+              <a:rPr kumimoji="0" lang="en-US" altLang="zh-CN" sz="4000" b="0" i="0" u="none" strike="noStrike" cap="none" normalizeH="0" baseline="0" smtClean="0">
                 <a:ln w="10160">
                   <a:solidFill>
                     <a:schemeClr val="accent5"/>
@@ -4900,11 +5186,10 @@
                 </a:effectLst>
                 <a:latin typeface="Arial" panose="020B0604020202020204" pitchFamily="34" charset="0"/>
                 <a:ea typeface="SimSun" panose="02010600030101010101" pitchFamily="2" charset="-122"/>
-                <a:sym typeface="+mn-ea"/>
               </a:rPr>
-              <a:t>III. Project Parttern</a:t>
-            </a:r>
-            <a:endParaRPr kumimoji="0" lang="en-US" altLang="zh-CN" sz="3600" b="0" i="0" u="none" strike="noStrike" cap="none" normalizeH="0" baseline="0" smtClean="0">
+              <a:t>I. Testing funct</a:t>
+            </a:r>
+            <a:endParaRPr kumimoji="0" lang="en-US" altLang="zh-CN" sz="4000" b="0" i="0" u="none" strike="noStrike" cap="none" normalizeH="0" baseline="0" smtClean="0">
               <a:ln w="10160">
                 <a:solidFill>
                   <a:schemeClr val="accent5"/>
@@ -4923,107 +5208,322 @@
               </a:effectLst>
               <a:latin typeface="Arial" panose="020B0604020202020204" pitchFamily="34" charset="0"/>
               <a:ea typeface="SimSun" panose="02010600030101010101" pitchFamily="2" charset="-122"/>
-              <a:sym typeface="+mn-ea"/>
             </a:endParaRPr>
           </a:p>
         </p:txBody>
       </p:sp>
       <p:sp>
         <p:nvSpPr>
-          <p:cNvPr id="11" name="Content Placeholder 10"/>
+          <p:cNvPr id="12" name="Rounded Rectangle 11"/>
           <p:cNvSpPr/>
-          <p:nvPr>
-            <p:ph sz="half" idx="1"/>
-          </p:nvPr>
-        </p:nvSpPr>
-        <p:spPr/>
-        <p:txBody>
-          <a:bodyPr>
+          <p:nvPr/>
+        </p:nvSpPr>
+        <p:spPr>
+          <a:xfrm>
+            <a:off x="1752600" y="1949450"/>
+            <a:ext cx="8407400" cy="615315"/>
+          </a:xfrm>
+          <a:prstGeom prst="roundRect">
+            <a:avLst/>
+          </a:prstGeom>
+          <a:gradFill rotWithShape="0">
+            <a:gsLst>
+              <a:gs pos="0">
+                <a:schemeClr val="accent1"/>
+              </a:gs>
+              <a:gs pos="100000">
+                <a:schemeClr val="accent2"/>
+              </a:gs>
+            </a:gsLst>
+            <a:lin ang="5400000" scaled="1"/>
+          </a:gradFill>
+          <a:ln w="9525" cap="flat" cmpd="sng" algn="ctr">
+            <a:solidFill>
+              <a:schemeClr val="accent1"/>
+            </a:solidFill>
+            <a:prstDash val="solid"/>
+            <a:round/>
+            <a:headEnd type="none" w="med" len="med"/>
+            <a:tailEnd type="none" w="med" len="med"/>
+          </a:ln>
+        </p:spPr>
+        <p:txBody>
+          <a:bodyPr vert="horz" wrap="none" lIns="91440" tIns="45720" rIns="91440" bIns="45720" numCol="1" anchor="ctr" anchorCtr="0" compatLnSpc="1">
             <a:scene3d>
               <a:camera prst="orthographicFront"/>
               <a:lightRig rig="threePt" dir="t"/>
             </a:scene3d>
           </a:bodyPr>
           <a:p>
-            <a:pPr marL="0" indent="0">
+            <a:pPr marL="0" marR="0" indent="0" algn="l" defTabSz="914400" rtl="0" eaLnBrk="1" fontAlgn="base" latinLnBrk="0" hangingPunct="1">
+              <a:lnSpc>
+                <a:spcPct val="100000"/>
+              </a:lnSpc>
+              <a:spcBef>
+                <a:spcPct val="0"/>
+              </a:spcBef>
+              <a:spcAft>
+                <a:spcPct val="0"/>
+              </a:spcAft>
+              <a:buClrTx/>
+              <a:buSzTx/>
+              <a:buFontTx/>
               <a:buNone/>
             </a:pPr>
             <a:r>
-              <a:rPr lang="en-US" sz="2400">
-                <a:ln/>
+              <a:rPr kumimoji="0" lang="en-US" altLang="zh-CN" sz="2800" b="0" i="0" u="none" strike="noStrike" cap="none" normalizeH="0" baseline="0" smtClean="0">
+                <a:ln w="10160">
+                  <a:solidFill>
+                    <a:schemeClr val="accent5"/>
+                  </a:solidFill>
+                  <a:prstDash val="solid"/>
+                </a:ln>
                 <a:solidFill>
-                  <a:schemeClr val="accent1"/>
+                  <a:srgbClr val="FFFFFF"/>
                 </a:solidFill>
                 <a:effectLst>
-                  <a:outerShdw blurRad="38100" dist="25400" dir="5400000" algn="ctr" rotWithShape="0">
-                    <a:srgbClr val="6E747A">
-                      <a:alpha val="43000"/>
+                  <a:outerShdw blurRad="38100" dist="22860" dir="5400000" algn="tl" rotWithShape="0">
+                    <a:srgbClr val="000000">
+                      <a:alpha val="30000"/>
                     </a:srgbClr>
                   </a:outerShdw>
                 </a:effectLst>
+                <a:latin typeface="Arial" panose="020B0604020202020204" pitchFamily="34" charset="0"/>
+                <a:ea typeface="SimSun" panose="02010600030101010101" pitchFamily="2" charset="-122"/>
               </a:rPr>
-              <a:t>1. Project Overview</a:t>
-            </a:r>
-            <a:endParaRPr lang="en-US" sz="2400">
-              <a:ln/>
+              <a:t>Test function by MANUAL.</a:t>
+            </a:r>
+            <a:endParaRPr kumimoji="0" lang="en-US" altLang="zh-CN" sz="2800" b="0" i="0" u="none" strike="noStrike" cap="none" normalizeH="0" baseline="0" smtClean="0">
+              <a:ln w="10160">
+                <a:solidFill>
+                  <a:schemeClr val="accent5"/>
+                </a:solidFill>
+                <a:prstDash val="solid"/>
+              </a:ln>
               <a:solidFill>
-                <a:schemeClr val="accent1"/>
+                <a:srgbClr val="FFFFFF"/>
               </a:solidFill>
               <a:effectLst>
-                <a:outerShdw blurRad="38100" dist="25400" dir="5400000" algn="ctr" rotWithShape="0">
-                  <a:srgbClr val="6E747A">
-                    <a:alpha val="43000"/>
+                <a:outerShdw blurRad="38100" dist="22860" dir="5400000" algn="tl" rotWithShape="0">
+                  <a:srgbClr val="000000">
+                    <a:alpha val="30000"/>
                   </a:srgbClr>
                 </a:outerShdw>
               </a:effectLst>
+              <a:latin typeface="Arial" panose="020B0604020202020204" pitchFamily="34" charset="0"/>
+              <a:ea typeface="SimSun" panose="02010600030101010101" pitchFamily="2" charset="-122"/>
             </a:endParaRPr>
           </a:p>
-          <a:p>
-            <a:pPr marL="0" indent="0">
+        </p:txBody>
+      </p:sp>
+      <p:sp>
+        <p:nvSpPr>
+          <p:cNvPr id="14" name="Rounded Rectangle 13"/>
+          <p:cNvSpPr/>
+          <p:nvPr/>
+        </p:nvSpPr>
+        <p:spPr>
+          <a:xfrm>
+            <a:off x="1752600" y="2818130"/>
+            <a:ext cx="8407400" cy="615315"/>
+          </a:xfrm>
+          <a:prstGeom prst="roundRect">
+            <a:avLst/>
+          </a:prstGeom>
+          <a:gradFill rotWithShape="0">
+            <a:gsLst>
+              <a:gs pos="0">
+                <a:schemeClr val="accent1"/>
+              </a:gs>
+              <a:gs pos="100000">
+                <a:schemeClr val="accent2"/>
+              </a:gs>
+            </a:gsLst>
+            <a:lin ang="5400000" scaled="1"/>
+          </a:gradFill>
+          <a:ln w="9525" cap="flat" cmpd="sng" algn="ctr">
+            <a:solidFill>
+              <a:schemeClr val="accent1"/>
+            </a:solidFill>
+            <a:prstDash val="solid"/>
+            <a:round/>
+            <a:headEnd type="none" w="med" len="med"/>
+            <a:tailEnd type="none" w="med" len="med"/>
+          </a:ln>
+        </p:spPr>
+        <p:txBody>
+          <a:bodyPr vert="horz" wrap="none" lIns="91440" tIns="45720" rIns="91440" bIns="45720" numCol="1" anchor="ctr" anchorCtr="0" compatLnSpc="1">
+            <a:scene3d>
+              <a:camera prst="orthographicFront"/>
+              <a:lightRig rig="threePt" dir="t"/>
+            </a:scene3d>
+          </a:bodyPr>
+          <a:p>
+            <a:pPr marL="0" marR="0" indent="0" algn="l" defTabSz="914400" rtl="0" eaLnBrk="1" fontAlgn="base" latinLnBrk="0" hangingPunct="1">
+              <a:lnSpc>
+                <a:spcPct val="100000"/>
+              </a:lnSpc>
+              <a:spcBef>
+                <a:spcPct val="0"/>
+              </a:spcBef>
+              <a:spcAft>
+                <a:spcPct val="0"/>
+              </a:spcAft>
+              <a:buClrTx/>
+              <a:buSzTx/>
+              <a:buFontTx/>
               <a:buNone/>
             </a:pPr>
-            <a:endParaRPr lang="en-US" sz="2400">
-              <a:ln/>
+            <a:r>
+              <a:rPr kumimoji="0" lang="en-US" altLang="zh-CN" sz="2800" b="0" i="0" u="none" strike="noStrike" cap="none" normalizeH="0" baseline="0" smtClean="0">
+                <a:ln w="10160">
+                  <a:solidFill>
+                    <a:schemeClr val="accent5"/>
+                  </a:solidFill>
+                  <a:prstDash val="solid"/>
+                </a:ln>
+                <a:solidFill>
+                  <a:srgbClr val="FFFFFF"/>
+                </a:solidFill>
+                <a:effectLst>
+                  <a:outerShdw blurRad="38100" dist="22860" dir="5400000" algn="tl" rotWithShape="0">
+                    <a:srgbClr val="000000">
+                      <a:alpha val="30000"/>
+                    </a:srgbClr>
+                  </a:outerShdw>
+                </a:effectLst>
+                <a:latin typeface="Arial" panose="020B0604020202020204" pitchFamily="34" charset="0"/>
+                <a:ea typeface="SimSun" panose="02010600030101010101" pitchFamily="2" charset="-122"/>
+              </a:rPr>
+              <a:t>Test function by AUTOMATION.</a:t>
+            </a:r>
+            <a:endParaRPr kumimoji="0" lang="en-US" altLang="zh-CN" sz="2800" b="0" i="0" u="none" strike="noStrike" cap="none" normalizeH="0" baseline="0" smtClean="0">
+              <a:ln w="10160">
+                <a:solidFill>
+                  <a:schemeClr val="accent5"/>
+                </a:solidFill>
+                <a:prstDash val="solid"/>
+              </a:ln>
               <a:solidFill>
-                <a:schemeClr val="accent1"/>
+                <a:srgbClr val="FFFFFF"/>
               </a:solidFill>
               <a:effectLst>
-                <a:outerShdw blurRad="38100" dist="25400" dir="5400000" algn="ctr" rotWithShape="0">
-                  <a:srgbClr val="6E747A">
-                    <a:alpha val="43000"/>
+                <a:outerShdw blurRad="38100" dist="22860" dir="5400000" algn="tl" rotWithShape="0">
+                  <a:srgbClr val="000000">
+                    <a:alpha val="30000"/>
                   </a:srgbClr>
                 </a:outerShdw>
               </a:effectLst>
+              <a:latin typeface="Arial" panose="020B0604020202020204" pitchFamily="34" charset="0"/>
+              <a:ea typeface="SimSun" panose="02010600030101010101" pitchFamily="2" charset="-122"/>
             </a:endParaRPr>
           </a:p>
         </p:txBody>
       </p:sp>
-      <p:pic>
-        <p:nvPicPr>
-          <p:cNvPr id="3" name="Content Placeholder 2" descr="2.1 project structer"/>
-          <p:cNvPicPr>
-            <a:picLocks noChangeAspect="1"/>
-          </p:cNvPicPr>
-          <p:nvPr>
-            <p:ph sz="half" idx="2"/>
-          </p:nvPr>
-        </p:nvPicPr>
-        <p:blipFill>
-          <a:blip r:embed="rId1"/>
-          <a:stretch>
-            <a:fillRect/>
-          </a:stretch>
-        </p:blipFill>
+      <p:sp>
+        <p:nvSpPr>
+          <p:cNvPr id="5" name="Rounded Rectangle 4"/>
+          <p:cNvSpPr/>
+          <p:nvPr/>
+        </p:nvSpPr>
         <p:spPr>
           <a:xfrm>
-            <a:off x="609600" y="1866900"/>
-            <a:ext cx="10321925" cy="3811270"/>
+            <a:off x="1751965" y="3630930"/>
+            <a:ext cx="8407400" cy="615315"/>
           </a:xfrm>
-          <a:prstGeom prst="rect">
+          <a:prstGeom prst="roundRect">
             <a:avLst/>
           </a:prstGeom>
+          <a:gradFill rotWithShape="0">
+            <a:gsLst>
+              <a:gs pos="0">
+                <a:schemeClr val="accent1"/>
+              </a:gs>
+              <a:gs pos="100000">
+                <a:schemeClr val="accent2"/>
+              </a:gs>
+            </a:gsLst>
+            <a:lin ang="5400000" scaled="1"/>
+          </a:gradFill>
+          <a:ln w="9525" cap="flat" cmpd="sng" algn="ctr">
+            <a:solidFill>
+              <a:schemeClr val="accent1"/>
+            </a:solidFill>
+            <a:prstDash val="solid"/>
+            <a:round/>
+            <a:headEnd type="none" w="med" len="med"/>
+            <a:tailEnd type="none" w="med" len="med"/>
+          </a:ln>
         </p:spPr>
-      </p:pic>
+        <p:txBody>
+          <a:bodyPr vert="horz" wrap="none" lIns="91440" tIns="45720" rIns="91440" bIns="45720" numCol="1" anchor="ctr" anchorCtr="0" compatLnSpc="1">
+            <a:scene3d>
+              <a:camera prst="orthographicFront"/>
+              <a:lightRig rig="threePt" dir="t"/>
+            </a:scene3d>
+          </a:bodyPr>
+          <a:p>
+            <a:pPr marL="0" marR="0" indent="0" algn="l" defTabSz="914400" rtl="0" eaLnBrk="1" fontAlgn="base" latinLnBrk="0" hangingPunct="1">
+              <a:lnSpc>
+                <a:spcPct val="100000"/>
+              </a:lnSpc>
+              <a:spcBef>
+                <a:spcPct val="0"/>
+              </a:spcBef>
+              <a:spcAft>
+                <a:spcPct val="0"/>
+              </a:spcAft>
+              <a:buClrTx/>
+              <a:buSzTx/>
+              <a:buFontTx/>
+              <a:buNone/>
+            </a:pPr>
+            <a:r>
+              <a:rPr kumimoji="0" lang="en-US" altLang="zh-CN" sz="2800" b="0" i="0" u="none" strike="noStrike" cap="none" normalizeH="0" baseline="0" smtClean="0">
+                <a:ln w="10160">
+                  <a:solidFill>
+                    <a:schemeClr val="accent5"/>
+                  </a:solidFill>
+                  <a:prstDash val="solid"/>
+                </a:ln>
+                <a:solidFill>
+                  <a:srgbClr val="FFFFFF"/>
+                </a:solidFill>
+                <a:effectLst>
+                  <a:outerShdw blurRad="38100" dist="22860" dir="5400000" algn="tl" rotWithShape="0">
+                    <a:srgbClr val="000000">
+                      <a:alpha val="30000"/>
+                    </a:srgbClr>
+                  </a:outerShdw>
+                </a:effectLst>
+                <a:latin typeface="Arial" panose="020B0604020202020204" pitchFamily="34" charset="0"/>
+                <a:ea typeface="SimSun" panose="02010600030101010101" pitchFamily="2" charset="-122"/>
+              </a:rPr>
+              <a:t>Demo &amp; Report</a:t>
+            </a:r>
+            <a:endParaRPr kumimoji="0" lang="en-US" altLang="zh-CN" sz="2800" b="0" i="0" u="none" strike="noStrike" cap="none" normalizeH="0" baseline="0" smtClean="0">
+              <a:ln w="10160">
+                <a:solidFill>
+                  <a:schemeClr val="accent5"/>
+                </a:solidFill>
+                <a:prstDash val="solid"/>
+              </a:ln>
+              <a:solidFill>
+                <a:srgbClr val="FFFFFF"/>
+              </a:solidFill>
+              <a:effectLst>
+                <a:outerShdw blurRad="38100" dist="22860" dir="5400000" algn="tl" rotWithShape="0">
+                  <a:srgbClr val="000000">
+                    <a:alpha val="30000"/>
+                  </a:srgbClr>
+                </a:outerShdw>
+              </a:effectLst>
+              <a:latin typeface="Arial" panose="020B0604020202020204" pitchFamily="34" charset="0"/>
+              <a:ea typeface="SimSun" panose="02010600030101010101" pitchFamily="2" charset="-122"/>
+            </a:endParaRPr>
+          </a:p>
+        </p:txBody>
+      </p:sp>
     </p:spTree>
   </p:cSld>
   <p:clrMapOvr>
@@ -5032,7 +5532,7 @@
 </p:sld>
 </file>
 
-<file path=ppt/slides/slide11.xml><?xml version="1.0" encoding="utf-8"?>
+<file path=ppt/slides/slide3.xml><?xml version="1.0" encoding="utf-8"?>
 <p:sld xmlns:a="http://schemas.openxmlformats.org/drawingml/2006/main" xmlns:r="http://schemas.openxmlformats.org/officeDocument/2006/relationships" xmlns:p="http://schemas.openxmlformats.org/presentationml/2006/main">
   <p:cSld>
     <p:spTree>
@@ -5044,7 +5544,7 @@
       <p:grpSpPr/>
       <p:sp>
         <p:nvSpPr>
-          <p:cNvPr id="4" name="Title 3"/>
+          <p:cNvPr id="15" name="Title 14"/>
           <p:cNvSpPr>
             <a:spLocks noGrp="1"/>
           </p:cNvSpPr>
@@ -5121,7 +5621,7 @@
               <a:buNone/>
             </a:pPr>
             <a:r>
-              <a:rPr lang="en-US" altLang="zh-CN" sz="3600" smtClean="0">
+              <a:rPr kumimoji="0" lang="en-US" altLang="zh-CN" sz="4000" b="0" i="0" u="none" strike="noStrike" cap="none" normalizeH="0" baseline="0" smtClean="0">
                 <a:ln w="10160">
                   <a:solidFill>
                     <a:schemeClr val="accent5"/>
@@ -5140,11 +5640,10 @@
                 </a:effectLst>
                 <a:latin typeface="Arial" panose="020B0604020202020204" pitchFamily="34" charset="0"/>
                 <a:ea typeface="SimSun" panose="02010600030101010101" pitchFamily="2" charset="-122"/>
-                <a:sym typeface="+mn-ea"/>
               </a:rPr>
-              <a:t>III. Project Parttern</a:t>
-            </a:r>
-            <a:endParaRPr kumimoji="0" lang="en-US" altLang="zh-CN" sz="3600" b="0" i="0" u="none" strike="noStrike" cap="none" normalizeH="0" baseline="0" smtClean="0">
+              <a:t>I. Test function by MANUAL</a:t>
+            </a:r>
+            <a:endParaRPr kumimoji="0" lang="en-US" altLang="zh-CN" sz="4000" b="0" i="0" u="none" strike="noStrike" cap="none" normalizeH="0" baseline="0" smtClean="0">
               <a:ln w="10160">
                 <a:solidFill>
                   <a:schemeClr val="accent5"/>
@@ -5163,86 +5662,47 @@
               </a:effectLst>
               <a:latin typeface="Arial" panose="020B0604020202020204" pitchFamily="34" charset="0"/>
               <a:ea typeface="SimSun" panose="02010600030101010101" pitchFamily="2" charset="-122"/>
-              <a:sym typeface="+mn-ea"/>
             </a:endParaRPr>
           </a:p>
         </p:txBody>
       </p:sp>
       <p:sp>
         <p:nvSpPr>
-          <p:cNvPr id="11" name="Content Placeholder 10"/>
-          <p:cNvSpPr/>
-          <p:nvPr>
-            <p:ph sz="half" idx="1"/>
-          </p:nvPr>
-        </p:nvSpPr>
-        <p:spPr/>
-        <p:txBody>
-          <a:bodyPr>
-            <a:scene3d>
-              <a:camera prst="orthographicFront"/>
-              <a:lightRig rig="threePt" dir="t"/>
-            </a:scene3d>
+          <p:cNvPr id="7" name="Text Box 6"/>
+          <p:cNvSpPr txBox="1"/>
+          <p:nvPr/>
+        </p:nvSpPr>
+        <p:spPr>
+          <a:xfrm>
+            <a:off x="596900" y="1339850"/>
+            <a:ext cx="10820400" cy="368300"/>
+          </a:xfrm>
+          <a:prstGeom prst="rect">
+            <a:avLst/>
+          </a:prstGeom>
+          <a:noFill/>
+        </p:spPr>
+        <p:txBody>
+          <a:bodyPr wrap="square" rtlCol="0">
+            <a:spAutoFit/>
           </a:bodyPr>
           <a:p>
-            <a:pPr marL="0" indent="0">
-              <a:buNone/>
-            </a:pPr>
-            <a:r>
-              <a:rPr lang="en-US" sz="2400">
-                <a:solidFill>
-                  <a:schemeClr val="accent1"/>
-                </a:solidFill>
-                <a:effectLst>
-                  <a:outerShdw blurRad="38100" dist="25400" dir="5400000" algn="ctr" rotWithShape="0">
-                    <a:srgbClr val="6E747A">
-                      <a:alpha val="43000"/>
-                    </a:srgbClr>
-                  </a:outerShdw>
-                </a:effectLst>
-              </a:rPr>
-              <a:t>2. Feature file.</a:t>
-            </a:r>
-            <a:endParaRPr lang="en-US" sz="2400">
-              <a:solidFill>
-                <a:schemeClr val="accent1"/>
-              </a:solidFill>
-              <a:effectLst>
-                <a:outerShdw blurRad="38100" dist="25400" dir="5400000" algn="ctr" rotWithShape="0">
-                  <a:srgbClr val="6E747A">
-                    <a:alpha val="43000"/>
-                  </a:srgbClr>
-                </a:outerShdw>
-              </a:effectLst>
-            </a:endParaRPr>
-          </a:p>
-          <a:p>
-            <a:pPr marL="0" indent="0">
-              <a:buNone/>
-            </a:pPr>
-            <a:endParaRPr lang="en-US" sz="2400">
-              <a:solidFill>
-                <a:schemeClr val="accent1"/>
-              </a:solidFill>
-              <a:effectLst>
-                <a:outerShdw blurRad="38100" dist="25400" dir="5400000" algn="ctr" rotWithShape="0">
-                  <a:srgbClr val="6E747A">
-                    <a:alpha val="43000"/>
-                  </a:srgbClr>
-                </a:outerShdw>
-              </a:effectLst>
-            </a:endParaRPr>
+            <a:r>
+              <a:rPr lang="en-US"/>
+              <a:t>Example: Update User Profile</a:t>
+            </a:r>
+            <a:endParaRPr lang="en-US"/>
           </a:p>
         </p:txBody>
       </p:sp>
       <p:pic>
         <p:nvPicPr>
-          <p:cNvPr id="3" name="Content Placeholder 2" descr="2.2.4 feature file"/>
+          <p:cNvPr id="13" name="Content Placeholder 12" descr="userprofile"/>
           <p:cNvPicPr>
             <a:picLocks noChangeAspect="1"/>
           </p:cNvPicPr>
           <p:nvPr>
-            <p:ph sz="half" idx="2"/>
+            <p:ph idx="1"/>
           </p:nvPr>
         </p:nvPicPr>
         <p:blipFill>
@@ -5253,8 +5713,8 @@
         </p:blipFill>
         <p:spPr>
           <a:xfrm>
-            <a:off x="609600" y="1835150"/>
-            <a:ext cx="10587355" cy="2877820"/>
+            <a:off x="609600" y="1708150"/>
+            <a:ext cx="10211435" cy="4377690"/>
           </a:xfrm>
           <a:prstGeom prst="rect">
             <a:avLst/>
@@ -5269,7 +5729,7 @@
 </p:sld>
 </file>
 
-<file path=ppt/slides/slide12.xml><?xml version="1.0" encoding="utf-8"?>
+<file path=ppt/slides/slide4.xml><?xml version="1.0" encoding="utf-8"?>
 <p:sld xmlns:a="http://schemas.openxmlformats.org/drawingml/2006/main" xmlns:r="http://schemas.openxmlformats.org/officeDocument/2006/relationships" xmlns:p="http://schemas.openxmlformats.org/presentationml/2006/main">
   <p:cSld>
     <p:spTree>
@@ -5281,7 +5741,7 @@
       <p:grpSpPr/>
       <p:sp>
         <p:nvSpPr>
-          <p:cNvPr id="6" name="Title 5"/>
+          <p:cNvPr id="5" name="Title 4"/>
           <p:cNvSpPr>
             <a:spLocks noGrp="1"/>
           </p:cNvSpPr>
@@ -5358,7 +5818,7 @@
               <a:buNone/>
             </a:pPr>
             <a:r>
-              <a:rPr lang="en-US" altLang="zh-CN" sz="3600" smtClean="0">
+              <a:rPr kumimoji="0" lang="en-US" altLang="zh-CN" sz="4000" b="0" i="0" u="none" strike="noStrike" cap="none" normalizeH="0" baseline="0" smtClean="0">
                 <a:ln w="10160">
                   <a:solidFill>
                     <a:schemeClr val="accent5"/>
@@ -5377,11 +5837,10 @@
                 </a:effectLst>
                 <a:latin typeface="Arial" panose="020B0604020202020204" pitchFamily="34" charset="0"/>
                 <a:ea typeface="SimSun" panose="02010600030101010101" pitchFamily="2" charset="-122"/>
-                <a:sym typeface="+mn-ea"/>
               </a:rPr>
-              <a:t>III. Project Parttern</a:t>
-            </a:r>
-            <a:endParaRPr kumimoji="0" lang="en-US" altLang="zh-CN" sz="3600" b="0" i="0" u="none" strike="noStrike" cap="none" normalizeH="0" baseline="0" smtClean="0">
+              <a:t>I. Test function by MANUAL</a:t>
+            </a:r>
+            <a:endParaRPr kumimoji="0" lang="en-US" altLang="zh-CN" sz="4000" b="0" i="0" u="none" strike="noStrike" cap="none" normalizeH="0" baseline="0" smtClean="0">
               <a:ln w="10160">
                 <a:solidFill>
                   <a:schemeClr val="accent5"/>
@@ -5400,86 +5859,47 @@
               </a:effectLst>
               <a:latin typeface="Arial" panose="020B0604020202020204" pitchFamily="34" charset="0"/>
               <a:ea typeface="SimSun" panose="02010600030101010101" pitchFamily="2" charset="-122"/>
-              <a:sym typeface="+mn-ea"/>
             </a:endParaRPr>
           </a:p>
         </p:txBody>
       </p:sp>
       <p:sp>
         <p:nvSpPr>
-          <p:cNvPr id="11" name="Content Placeholder 10"/>
-          <p:cNvSpPr/>
-          <p:nvPr>
-            <p:ph sz="half" idx="1"/>
-          </p:nvPr>
-        </p:nvSpPr>
-        <p:spPr/>
-        <p:txBody>
-          <a:bodyPr>
-            <a:scene3d>
-              <a:camera prst="orthographicFront"/>
-              <a:lightRig rig="threePt" dir="t"/>
-            </a:scene3d>
+          <p:cNvPr id="3" name="Text Box 2"/>
+          <p:cNvSpPr txBox="1"/>
+          <p:nvPr/>
+        </p:nvSpPr>
+        <p:spPr>
+          <a:xfrm>
+            <a:off x="575945" y="1238250"/>
+            <a:ext cx="10833100" cy="368300"/>
+          </a:xfrm>
+          <a:prstGeom prst="rect">
+            <a:avLst/>
+          </a:prstGeom>
+          <a:noFill/>
+        </p:spPr>
+        <p:txBody>
+          <a:bodyPr wrap="square" rtlCol="0">
+            <a:spAutoFit/>
           </a:bodyPr>
           <a:p>
-            <a:pPr marL="0" indent="0">
-              <a:buNone/>
-            </a:pPr>
-            <a:r>
-              <a:rPr lang="en-US" sz="2400">
-                <a:solidFill>
-                  <a:schemeClr val="accent1"/>
-                </a:solidFill>
-                <a:effectLst>
-                  <a:outerShdw blurRad="38100" dist="25400" dir="5400000" algn="ctr" rotWithShape="0">
-                    <a:srgbClr val="6E747A">
-                      <a:alpha val="43000"/>
-                    </a:srgbClr>
-                  </a:outerShdw>
-                </a:effectLst>
-              </a:rPr>
-              <a:t>3. Definition Step</a:t>
-            </a:r>
-            <a:endParaRPr lang="en-US" sz="2400">
-              <a:solidFill>
-                <a:schemeClr val="accent1"/>
-              </a:solidFill>
-              <a:effectLst>
-                <a:outerShdw blurRad="38100" dist="25400" dir="5400000" algn="ctr" rotWithShape="0">
-                  <a:srgbClr val="6E747A">
-                    <a:alpha val="43000"/>
-                  </a:srgbClr>
-                </a:outerShdw>
-              </a:effectLst>
-            </a:endParaRPr>
-          </a:p>
-          <a:p>
-            <a:pPr marL="0" indent="0">
-              <a:buNone/>
-            </a:pPr>
-            <a:endParaRPr lang="en-US" sz="2400">
-              <a:solidFill>
-                <a:schemeClr val="accent1"/>
-              </a:solidFill>
-              <a:effectLst>
-                <a:outerShdw blurRad="38100" dist="25400" dir="5400000" algn="ctr" rotWithShape="0">
-                  <a:srgbClr val="6E747A">
-                    <a:alpha val="43000"/>
-                  </a:srgbClr>
-                </a:outerShdw>
-              </a:effectLst>
-            </a:endParaRPr>
+            <a:r>
+              <a:rPr lang="en-US"/>
+              <a:t>Design Manual Test Case</a:t>
+            </a:r>
+            <a:endParaRPr lang="en-US"/>
           </a:p>
         </p:txBody>
       </p:sp>
       <p:pic>
         <p:nvPicPr>
-          <p:cNvPr id="5" name="Content Placeholder 4" descr="2.2.1 definition step"/>
+          <p:cNvPr id="4" name="Content Placeholder 3" descr="test case"/>
           <p:cNvPicPr>
             <a:picLocks noChangeAspect="1"/>
           </p:cNvPicPr>
           <p:nvPr>
-            <p:ph sz="half" idx="2"/>
+            <p:ph idx="1"/>
           </p:nvPr>
         </p:nvPicPr>
         <p:blipFill>
@@ -5490,8 +5910,8 @@
         </p:blipFill>
         <p:spPr>
           <a:xfrm>
-            <a:off x="1047115" y="1977390"/>
-            <a:ext cx="9410700" cy="3575685"/>
+            <a:off x="1656080" y="1606550"/>
+            <a:ext cx="8672830" cy="5041265"/>
           </a:xfrm>
           <a:prstGeom prst="rect">
             <a:avLst/>
@@ -5506,7 +5926,7 @@
 </p:sld>
 </file>
 
-<file path=ppt/slides/slide13.xml><?xml version="1.0" encoding="utf-8"?>
+<file path=ppt/slides/slide5.xml><?xml version="1.0" encoding="utf-8"?>
 <p:sld xmlns:a="http://schemas.openxmlformats.org/drawingml/2006/main" xmlns:r="http://schemas.openxmlformats.org/officeDocument/2006/relationships" xmlns:p="http://schemas.openxmlformats.org/presentationml/2006/main">
   <p:cSld>
     <p:spTree>
@@ -5518,7 +5938,7 @@
       <p:grpSpPr/>
       <p:sp>
         <p:nvSpPr>
-          <p:cNvPr id="7" name="Title 6"/>
+          <p:cNvPr id="13" name="Title 12"/>
           <p:cNvSpPr>
             <a:spLocks noGrp="1"/>
           </p:cNvSpPr>
@@ -5536,7 +5956,7 @@
       </p:sp>
       <p:sp>
         <p:nvSpPr>
-          <p:cNvPr id="4" name="Flowchart: Process 3"/>
+          <p:cNvPr id="10" name="Flowchart: Process 9"/>
           <p:cNvSpPr/>
           <p:nvPr/>
         </p:nvSpPr>
@@ -5595,7 +6015,7 @@
               <a:buNone/>
             </a:pPr>
             <a:r>
-              <a:rPr lang="en-US" altLang="zh-CN" sz="3600" smtClean="0">
+              <a:rPr lang="en-US" altLang="zh-CN" sz="4000" smtClean="0">
                 <a:ln w="10160">
                   <a:solidFill>
                     <a:schemeClr val="accent5"/>
@@ -5616,9 +6036,9 @@
                 <a:ea typeface="SimSun" panose="02010600030101010101" pitchFamily="2" charset="-122"/>
                 <a:sym typeface="+mn-ea"/>
               </a:rPr>
-              <a:t>III. Project Parttern</a:t>
-            </a:r>
-            <a:endParaRPr kumimoji="0" lang="en-US" altLang="zh-CN" sz="3600" b="0" i="0" u="none" strike="noStrike" cap="none" normalizeH="0" baseline="0" smtClean="0">
+              <a:t>II. Test function by AUTOMATION.</a:t>
+            </a:r>
+            <a:endParaRPr kumimoji="0" lang="en-US" altLang="zh-CN" sz="4000" b="0" i="0" u="none" strike="noStrike" cap="none" normalizeH="0" baseline="0" smtClean="0">
               <a:ln w="10160">
                 <a:solidFill>
                   <a:schemeClr val="accent5"/>
@@ -5637,69 +6057,47 @@
               </a:effectLst>
               <a:latin typeface="Arial" panose="020B0604020202020204" pitchFamily="34" charset="0"/>
               <a:ea typeface="SimSun" panose="02010600030101010101" pitchFamily="2" charset="-122"/>
-              <a:sym typeface="+mn-ea"/>
             </a:endParaRPr>
           </a:p>
         </p:txBody>
       </p:sp>
       <p:sp>
         <p:nvSpPr>
-          <p:cNvPr id="5" name="Content Placeholder 4"/>
-          <p:cNvSpPr/>
-          <p:nvPr>
-            <p:ph sz="half" idx="1"/>
-          </p:nvPr>
-        </p:nvSpPr>
-        <p:spPr/>
-        <p:txBody>
-          <a:bodyPr>
-            <a:scene3d>
-              <a:camera prst="orthographicFront"/>
-              <a:lightRig rig="threePt" dir="t"/>
-            </a:scene3d>
+          <p:cNvPr id="3" name="Text Box 2"/>
+          <p:cNvSpPr txBox="1"/>
+          <p:nvPr/>
+        </p:nvSpPr>
+        <p:spPr>
+          <a:xfrm>
+            <a:off x="575945" y="1238250"/>
+            <a:ext cx="10833100" cy="368300"/>
+          </a:xfrm>
+          <a:prstGeom prst="rect">
+            <a:avLst/>
+          </a:prstGeom>
+          <a:noFill/>
+        </p:spPr>
+        <p:txBody>
+          <a:bodyPr wrap="square" rtlCol="0">
+            <a:spAutoFit/>
           </a:bodyPr>
           <a:p>
-            <a:pPr marL="0" indent="0">
-              <a:buNone/>
-            </a:pPr>
-            <a:r>
-              <a:rPr lang="en-US" sz="2400">
-                <a:solidFill>
-                  <a:schemeClr val="accent1"/>
-                </a:solidFill>
-                <a:effectLst>
-                  <a:outerShdw blurRad="38100" dist="25400" dir="5400000" algn="ctr" rotWithShape="0">
-                    <a:srgbClr val="6E747A">
-                      <a:alpha val="43000"/>
-                    </a:srgbClr>
-                  </a:outerShdw>
-                </a:effectLst>
-              </a:rPr>
-              <a:t>4. Report</a:t>
-            </a:r>
-            <a:endParaRPr lang="en-US" sz="2400">
-              <a:solidFill>
-                <a:schemeClr val="accent1"/>
-              </a:solidFill>
-              <a:effectLst>
-                <a:outerShdw blurRad="38100" dist="25400" dir="5400000" algn="ctr" rotWithShape="0">
-                  <a:srgbClr val="6E747A">
-                    <a:alpha val="43000"/>
-                  </a:srgbClr>
-                </a:outerShdw>
-              </a:effectLst>
-            </a:endParaRPr>
+            <a:r>
+              <a:rPr lang="en-US"/>
+              <a:t>Design Scenario</a:t>
+            </a:r>
+            <a:endParaRPr lang="en-US"/>
           </a:p>
         </p:txBody>
       </p:sp>
       <p:pic>
         <p:nvPicPr>
-          <p:cNvPr id="6" name="Content Placeholder 5" descr="2.2.5 report"/>
+          <p:cNvPr id="12" name="Content Placeholder 11" descr="change"/>
           <p:cNvPicPr>
             <a:picLocks noChangeAspect="1"/>
           </p:cNvPicPr>
           <p:nvPr>
-            <p:ph sz="half" idx="2"/>
+            <p:ph idx="1"/>
           </p:nvPr>
         </p:nvPicPr>
         <p:blipFill>
@@ -5710,8 +6108,8 @@
         </p:blipFill>
         <p:spPr>
           <a:xfrm>
-            <a:off x="2284095" y="1174750"/>
-            <a:ext cx="8682990" cy="4678680"/>
+            <a:off x="609600" y="1795145"/>
+            <a:ext cx="10132060" cy="2773045"/>
           </a:xfrm>
           <a:prstGeom prst="rect">
             <a:avLst/>
@@ -5726,7 +6124,7 @@
 </p:sld>
 </file>
 
-<file path=ppt/slides/slide14.xml><?xml version="1.0" encoding="utf-8"?>
+<file path=ppt/slides/slide6.xml><?xml version="1.0" encoding="utf-8"?>
 <p:sld xmlns:a="http://schemas.openxmlformats.org/drawingml/2006/main" xmlns:r="http://schemas.openxmlformats.org/officeDocument/2006/relationships" xmlns:p="http://schemas.openxmlformats.org/presentationml/2006/main">
   <p:cSld>
     <p:spTree>
@@ -5738,7 +6136,7 @@
       <p:grpSpPr/>
       <p:sp>
         <p:nvSpPr>
-          <p:cNvPr id="2" name="Title 1"/>
+          <p:cNvPr id="4" name="Title 3"/>
           <p:cNvSpPr>
             <a:spLocks noGrp="1"/>
           </p:cNvSpPr>
@@ -5750,18 +6148,7 @@
         <p:txBody>
           <a:bodyPr/>
           <a:p>
-            <a:endParaRPr lang="en-US">
-              <a:solidFill>
-                <a:schemeClr val="accent1"/>
-              </a:solidFill>
-              <a:effectLst>
-                <a:outerShdw blurRad="38100" dist="25400" dir="5400000" algn="ctr" rotWithShape="0">
-                  <a:srgbClr val="6E747A">
-                    <a:alpha val="43000"/>
-                  </a:srgbClr>
-                </a:outerShdw>
-              </a:effectLst>
-            </a:endParaRPr>
+            <a:endParaRPr lang="en-US"/>
           </a:p>
         </p:txBody>
       </p:sp>
@@ -5826,6 +6213,215 @@
               <a:buNone/>
             </a:pPr>
             <a:r>
+              <a:rPr lang="en-US" altLang="zh-CN" sz="4000" smtClean="0">
+                <a:ln w="10160">
+                  <a:solidFill>
+                    <a:schemeClr val="accent5"/>
+                  </a:solidFill>
+                  <a:prstDash val="solid"/>
+                </a:ln>
+                <a:solidFill>
+                  <a:srgbClr val="FFFFFF"/>
+                </a:solidFill>
+                <a:effectLst>
+                  <a:outerShdw blurRad="38100" dist="22860" dir="5400000" algn="tl" rotWithShape="0">
+                    <a:srgbClr val="000000">
+                      <a:alpha val="30000"/>
+                    </a:srgbClr>
+                  </a:outerShdw>
+                </a:effectLst>
+                <a:latin typeface="Arial" panose="020B0604020202020204" pitchFamily="34" charset="0"/>
+                <a:ea typeface="SimSun" panose="02010600030101010101" pitchFamily="2" charset="-122"/>
+                <a:sym typeface="+mn-ea"/>
+              </a:rPr>
+              <a:t>II. Test function by AUTOMATION.</a:t>
+            </a:r>
+            <a:endParaRPr kumimoji="0" lang="en-US" altLang="zh-CN" sz="4000" b="0" i="0" u="none" strike="noStrike" cap="none" normalizeH="0" baseline="0" smtClean="0">
+              <a:ln w="10160">
+                <a:solidFill>
+                  <a:schemeClr val="accent5"/>
+                </a:solidFill>
+                <a:prstDash val="solid"/>
+              </a:ln>
+              <a:solidFill>
+                <a:srgbClr val="FFFFFF"/>
+              </a:solidFill>
+              <a:effectLst>
+                <a:outerShdw blurRad="38100" dist="22860" dir="5400000" algn="tl" rotWithShape="0">
+                  <a:srgbClr val="000000">
+                    <a:alpha val="30000"/>
+                  </a:srgbClr>
+                </a:outerShdw>
+              </a:effectLst>
+              <a:latin typeface="Arial" panose="020B0604020202020204" pitchFamily="34" charset="0"/>
+              <a:ea typeface="SimSun" panose="02010600030101010101" pitchFamily="2" charset="-122"/>
+            </a:endParaRPr>
+          </a:p>
+        </p:txBody>
+      </p:sp>
+      <p:sp>
+        <p:nvSpPr>
+          <p:cNvPr id="3" name="Text Box 2"/>
+          <p:cNvSpPr txBox="1"/>
+          <p:nvPr/>
+        </p:nvSpPr>
+        <p:spPr>
+          <a:xfrm>
+            <a:off x="575945" y="1238250"/>
+            <a:ext cx="10833100" cy="368300"/>
+          </a:xfrm>
+          <a:prstGeom prst="rect">
+            <a:avLst/>
+          </a:prstGeom>
+          <a:noFill/>
+        </p:spPr>
+        <p:txBody>
+          <a:bodyPr wrap="square" rtlCol="0">
+            <a:spAutoFit/>
+          </a:bodyPr>
+          <a:p>
+            <a:r>
+              <a:rPr lang="en-US"/>
+              <a:t>Define step</a:t>
+            </a:r>
+            <a:endParaRPr lang="en-US"/>
+          </a:p>
+        </p:txBody>
+      </p:sp>
+      <p:pic>
+        <p:nvPicPr>
+          <p:cNvPr id="2" name="Content Placeholder 1" descr="define"/>
+          <p:cNvPicPr>
+            <a:picLocks noChangeAspect="1"/>
+          </p:cNvPicPr>
+          <p:nvPr>
+            <p:ph idx="1"/>
+          </p:nvPr>
+        </p:nvPicPr>
+        <p:blipFill>
+          <a:blip r:embed="rId1"/>
+          <a:stretch>
+            <a:fillRect/>
+          </a:stretch>
+        </p:blipFill>
+        <p:spPr>
+          <a:xfrm>
+            <a:off x="742315" y="1606550"/>
+            <a:ext cx="8307705" cy="4330700"/>
+          </a:xfrm>
+          <a:prstGeom prst="rect">
+            <a:avLst/>
+          </a:prstGeom>
+        </p:spPr>
+      </p:pic>
+    </p:spTree>
+  </p:cSld>
+  <p:clrMapOvr>
+    <a:masterClrMapping/>
+  </p:clrMapOvr>
+</p:sld>
+</file>
+
+<file path=ppt/slides/slide7.xml><?xml version="1.0" encoding="utf-8"?>
+<p:sld xmlns:a="http://schemas.openxmlformats.org/drawingml/2006/main" xmlns:r="http://schemas.openxmlformats.org/officeDocument/2006/relationships" xmlns:p="http://schemas.openxmlformats.org/presentationml/2006/main">
+  <p:cSld>
+    <p:spTree>
+      <p:nvGrpSpPr>
+        <p:cNvPr id="1" name=""/>
+        <p:cNvGrpSpPr/>
+        <p:nvPr/>
+      </p:nvGrpSpPr>
+      <p:grpSpPr/>
+      <p:sp>
+        <p:nvSpPr>
+          <p:cNvPr id="2" name="Title 1"/>
+          <p:cNvSpPr>
+            <a:spLocks noGrp="1"/>
+          </p:cNvSpPr>
+          <p:nvPr>
+            <p:ph type="title"/>
+          </p:nvPr>
+        </p:nvSpPr>
+        <p:spPr/>
+        <p:txBody>
+          <a:bodyPr/>
+          <a:p>
+            <a:endParaRPr lang="en-US">
+              <a:solidFill>
+                <a:schemeClr val="accent1"/>
+              </a:solidFill>
+              <a:effectLst>
+                <a:outerShdw blurRad="38100" dist="25400" dir="5400000" algn="ctr" rotWithShape="0">
+                  <a:srgbClr val="6E747A">
+                    <a:alpha val="43000"/>
+                  </a:srgbClr>
+                </a:outerShdw>
+              </a:effectLst>
+            </a:endParaRPr>
+          </a:p>
+        </p:txBody>
+      </p:sp>
+      <p:sp>
+        <p:nvSpPr>
+          <p:cNvPr id="10" name="Flowchart: Process 9"/>
+          <p:cNvSpPr/>
+          <p:nvPr/>
+        </p:nvSpPr>
+        <p:spPr>
+          <a:xfrm>
+            <a:off x="609600" y="190500"/>
+            <a:ext cx="10972800" cy="784860"/>
+          </a:xfrm>
+          <a:prstGeom prst="flowChartProcess">
+            <a:avLst/>
+          </a:prstGeom>
+          <a:gradFill rotWithShape="0">
+            <a:gsLst>
+              <a:gs pos="0">
+                <a:srgbClr val="012D86"/>
+              </a:gs>
+              <a:gs pos="100000">
+                <a:srgbClr val="0E2557"/>
+              </a:gs>
+            </a:gsLst>
+            <a:lin ang="5400000" scaled="0"/>
+          </a:gradFill>
+          <a:ln w="9525" cap="flat" cmpd="sng" algn="ctr">
+            <a:solidFill>
+              <a:schemeClr val="accent1"/>
+            </a:solidFill>
+            <a:prstDash val="solid"/>
+            <a:round/>
+            <a:headEnd type="none" w="med" len="med"/>
+            <a:tailEnd type="none" w="med" len="med"/>
+          </a:ln>
+          <a:effectLst>
+            <a:outerShdw blurRad="50800" dist="50800" dir="5400000" algn="ctr" rotWithShape="0">
+              <a:srgbClr val="002060">
+                <a:alpha val="38000"/>
+              </a:srgbClr>
+            </a:outerShdw>
+          </a:effectLst>
+        </p:spPr>
+        <p:txBody>
+          <a:bodyPr vert="horz" wrap="none" lIns="91440" tIns="45720" rIns="91440" bIns="45720" numCol="1" anchor="ctr" anchorCtr="0" compatLnSpc="1"/>
+          <a:p>
+            <a:pPr marL="0" marR="0" indent="0" algn="l" defTabSz="914400" rtl="0" eaLnBrk="1" fontAlgn="base" latinLnBrk="0" hangingPunct="1">
+              <a:lnSpc>
+                <a:spcPct val="100000"/>
+              </a:lnSpc>
+              <a:spcBef>
+                <a:spcPct val="0"/>
+              </a:spcBef>
+              <a:spcAft>
+                <a:spcPct val="0"/>
+              </a:spcAft>
+              <a:buClrTx/>
+              <a:buSzTx/>
+              <a:buFontTx/>
+              <a:buNone/>
+            </a:pPr>
+            <a:r>
               <a:rPr lang="en-US" altLang="zh-CN" sz="3600" smtClean="0">
                 <a:ln w="10160">
                   <a:solidFill>
@@ -5847,7 +6443,7 @@
                 <a:ea typeface="SimSun" panose="02010600030101010101" pitchFamily="2" charset="-122"/>
                 <a:sym typeface="+mn-ea"/>
               </a:rPr>
-              <a:t>III. Project Parttern</a:t>
+              <a:t>II. Test function by AUTOMATION.</a:t>
             </a:r>
             <a:endParaRPr kumimoji="0" lang="en-US" altLang="zh-CN" sz="3600" b="0" i="0" u="none" strike="noStrike" cap="none" normalizeH="0" baseline="0" smtClean="0">
               <a:ln w="10160">
@@ -7277,7 +7873,7 @@
 </p:sld>
 </file>
 
-<file path=ppt/slides/slide15.xml><?xml version="1.0" encoding="utf-8"?>
+<file path=ppt/slides/slide8.xml><?xml version="1.0" encoding="utf-8"?>
 <p:sld xmlns:a="http://schemas.openxmlformats.org/drawingml/2006/main" xmlns:r="http://schemas.openxmlformats.org/officeDocument/2006/relationships" xmlns:p="http://schemas.openxmlformats.org/presentationml/2006/main">
   <p:cSld>
     <p:spTree>
@@ -7398,7 +7994,7 @@
                 <a:ea typeface="SimSun" panose="02010600030101010101" pitchFamily="2" charset="-122"/>
                 <a:sym typeface="+mn-ea"/>
               </a:rPr>
-              <a:t>V. Demo</a:t>
+              <a:t>III. Demo &amp; Report</a:t>
             </a:r>
             <a:endParaRPr kumimoji="0" lang="en-US" altLang="zh-CN" sz="3600" b="0" i="0" u="none" strike="noStrike" cap="none" normalizeH="0" baseline="0" smtClean="0">
               <a:ln w="10160">
@@ -7436,2773 +8032,17 @@
         <p:txBody>
           <a:bodyPr/>
           <a:p>
-            <a:pPr marL="0" indent="0">
+            <a:pPr marL="0" indent="0" algn="ctr">
               <a:buNone/>
             </a:pPr>
             <a:r>
               <a:rPr lang="en-US"/>
-              <a:t>1. Login</a:t>
+              <a:t> Change User Profile - Background</a:t>
             </a:r>
             <a:endParaRPr lang="en-US"/>
           </a:p>
-          <a:p>
-            <a:pPr marL="0" indent="0">
-              <a:buNone/>
-            </a:pPr>
-            <a:r>
-              <a:rPr lang="en-US"/>
-              <a:t>2. Change User Profile - Background</a:t>
-            </a:r>
-            <a:endParaRPr lang="en-US"/>
-          </a:p>
-          <a:p>
-            <a:pPr marL="0" indent="0">
-              <a:buNone/>
-            </a:pPr>
-            <a:r>
-              <a:rPr lang="en-US"/>
-              <a:t>3. Create new User account - Scenario Ouline.</a:t>
-            </a:r>
-            <a:endParaRPr lang="en-US"/>
-          </a:p>
-        </p:txBody>
-      </p:sp>
-    </p:spTree>
-  </p:cSld>
-  <p:clrMapOvr>
-    <a:masterClrMapping/>
-  </p:clrMapOvr>
-</p:sld>
-</file>
-
-<file path=ppt/slides/slide16.xml><?xml version="1.0" encoding="utf-8"?>
-<p:sld xmlns:a="http://schemas.openxmlformats.org/drawingml/2006/main" xmlns:r="http://schemas.openxmlformats.org/officeDocument/2006/relationships" xmlns:p="http://schemas.openxmlformats.org/presentationml/2006/main">
-  <p:cSld>
-    <p:spTree>
-      <p:nvGrpSpPr>
-        <p:cNvPr id="1" name=""/>
-        <p:cNvGrpSpPr/>
-        <p:nvPr/>
-      </p:nvGrpSpPr>
-      <p:grpSpPr/>
-      <p:sp>
-        <p:nvSpPr>
-          <p:cNvPr id="3" name="Rectangle 2"/>
-          <p:cNvSpPr/>
-          <p:nvPr/>
-        </p:nvSpPr>
-        <p:spPr>
-          <a:xfrm>
-            <a:off x="4250690" y="2829560"/>
-            <a:ext cx="3689985" cy="1198880"/>
-          </a:xfrm>
-          <a:prstGeom prst="rect">
-            <a:avLst/>
-          </a:prstGeom>
-          <a:noFill/>
-          <a:ln>
-            <a:noFill/>
-          </a:ln>
-        </p:spPr>
-        <p:txBody>
-          <a:bodyPr wrap="none" rtlCol="0" anchor="t">
-            <a:spAutoFit/>
-          </a:bodyPr>
-          <a:p>
-            <a:pPr algn="ctr"/>
-            <a:r>
-              <a:rPr lang="en-US" altLang="zh-CN" sz="7200" b="1">
-                <a:ln/>
-                <a:solidFill>
-                  <a:schemeClr val="accent1"/>
-                </a:solidFill>
-                <a:effectLst>
-                  <a:outerShdw blurRad="38100" dist="25400" dir="5400000" algn="ctr" rotWithShape="0">
-                    <a:srgbClr val="6E747A">
-                      <a:alpha val="43000"/>
-                    </a:srgbClr>
-                  </a:outerShdw>
-                </a:effectLst>
-              </a:rPr>
-              <a:t>Thanks!</a:t>
-            </a:r>
-            <a:endParaRPr lang="en-US" altLang="zh-CN" sz="7200" b="1">
-              <a:ln/>
-              <a:solidFill>
-                <a:schemeClr val="accent1"/>
-              </a:solidFill>
-              <a:effectLst>
-                <a:outerShdw blurRad="38100" dist="25400" dir="5400000" algn="ctr" rotWithShape="0">
-                  <a:srgbClr val="6E747A">
-                    <a:alpha val="43000"/>
-                  </a:srgbClr>
-                </a:outerShdw>
-              </a:effectLst>
-            </a:endParaRPr>
-          </a:p>
-        </p:txBody>
-      </p:sp>
-    </p:spTree>
-  </p:cSld>
-  <p:clrMapOvr>
-    <a:masterClrMapping/>
-  </p:clrMapOvr>
-</p:sld>
-</file>
-
-<file path=ppt/slides/slide2.xml><?xml version="1.0" encoding="utf-8"?>
-<p:sld xmlns:a="http://schemas.openxmlformats.org/drawingml/2006/main" xmlns:r="http://schemas.openxmlformats.org/officeDocument/2006/relationships" xmlns:p="http://schemas.openxmlformats.org/presentationml/2006/main">
-  <p:cSld>
-    <p:spTree>
-      <p:nvGrpSpPr>
-        <p:cNvPr id="1" name=""/>
-        <p:cNvGrpSpPr/>
-        <p:nvPr/>
-      </p:nvGrpSpPr>
-      <p:grpSpPr/>
-      <p:sp>
-        <p:nvSpPr>
-          <p:cNvPr id="2" name="Title 1"/>
-          <p:cNvSpPr>
-            <a:spLocks noGrp="1"/>
-          </p:cNvSpPr>
-          <p:nvPr>
-            <p:ph type="title"/>
-          </p:nvPr>
-        </p:nvSpPr>
-        <p:spPr/>
-        <p:txBody>
-          <a:bodyPr/>
-          <a:p>
-            <a:endParaRPr lang="en-US">
-              <a:solidFill>
-                <a:schemeClr val="accent1"/>
-              </a:solidFill>
-              <a:effectLst>
-                <a:outerShdw blurRad="38100" dist="25400" dir="5400000" algn="ctr" rotWithShape="0">
-                  <a:srgbClr val="6E747A">
-                    <a:alpha val="43000"/>
-                  </a:srgbClr>
-                </a:outerShdw>
-              </a:effectLst>
-            </a:endParaRPr>
-          </a:p>
-        </p:txBody>
-      </p:sp>
-      <p:sp>
-        <p:nvSpPr>
-          <p:cNvPr id="3" name="Content Placeholder 2"/>
-          <p:cNvSpPr>
-            <a:spLocks noGrp="1"/>
-          </p:cNvSpPr>
-          <p:nvPr>
-            <p:ph idx="1"/>
-          </p:nvPr>
-        </p:nvSpPr>
-        <p:spPr>
-          <a:xfrm>
-            <a:off x="609600" y="1174750"/>
-            <a:ext cx="10972800" cy="4953000"/>
-          </a:xfrm>
-        </p:spPr>
-        <p:txBody>
-          <a:bodyPr/>
-          <a:p>
-            <a:r>
-              <a:rPr lang="en-US" sz="4400"/>
-              <a:t>I.</a:t>
-            </a:r>
-            <a:r>
-              <a:rPr lang="en-US"/>
-              <a:t>	</a:t>
-            </a:r>
-            <a:endParaRPr lang="en-US"/>
-          </a:p>
-          <a:p>
-            <a:r>
-              <a:rPr lang="en-US" sz="4400"/>
-              <a:t>II. </a:t>
-            </a:r>
-            <a:endParaRPr lang="en-US" sz="4400"/>
-          </a:p>
-          <a:p>
-            <a:r>
-              <a:rPr lang="en-US" sz="4400"/>
-              <a:t>III.</a:t>
-            </a:r>
-            <a:endParaRPr lang="en-US" sz="4400"/>
-          </a:p>
-          <a:p>
-            <a:r>
-              <a:rPr lang="en-US" sz="4400"/>
-              <a:t>IV.   </a:t>
-            </a:r>
-            <a:endParaRPr lang="en-US" sz="4400"/>
-          </a:p>
-          <a:p>
-            <a:pPr marL="0" indent="0">
-              <a:buNone/>
-            </a:pPr>
-            <a:endParaRPr lang="en-US" sz="4400"/>
-          </a:p>
-        </p:txBody>
-      </p:sp>
-      <p:sp>
-        <p:nvSpPr>
-          <p:cNvPr id="4" name="Rounded Rectangle 3"/>
-          <p:cNvSpPr/>
-          <p:nvPr/>
-        </p:nvSpPr>
-        <p:spPr>
-          <a:xfrm>
-            <a:off x="1939925" y="1174750"/>
-            <a:ext cx="8407400" cy="615315"/>
-          </a:xfrm>
-          <a:prstGeom prst="roundRect">
-            <a:avLst/>
-          </a:prstGeom>
-          <a:gradFill rotWithShape="0">
-            <a:gsLst>
-              <a:gs pos="0">
-                <a:schemeClr val="accent1"/>
-              </a:gs>
-              <a:gs pos="100000">
-                <a:schemeClr val="accent2"/>
-              </a:gs>
-            </a:gsLst>
-            <a:lin ang="5400000" scaled="1"/>
-          </a:gradFill>
-          <a:ln w="9525" cap="flat" cmpd="sng" algn="ctr">
-            <a:solidFill>
-              <a:schemeClr val="accent1"/>
-            </a:solidFill>
-            <a:prstDash val="solid"/>
-            <a:round/>
-            <a:headEnd type="none" w="med" len="med"/>
-            <a:tailEnd type="none" w="med" len="med"/>
-          </a:ln>
-        </p:spPr>
-        <p:txBody>
-          <a:bodyPr vert="horz" wrap="none" lIns="91440" tIns="45720" rIns="91440" bIns="45720" numCol="1" anchor="ctr" anchorCtr="0" compatLnSpc="1">
-            <a:scene3d>
-              <a:camera prst="orthographicFront"/>
-              <a:lightRig rig="threePt" dir="t"/>
-            </a:scene3d>
-          </a:bodyPr>
-          <a:p>
-            <a:pPr marL="0" marR="0" indent="0" algn="l" defTabSz="914400" rtl="0" eaLnBrk="1" fontAlgn="base" latinLnBrk="0" hangingPunct="1">
-              <a:lnSpc>
-                <a:spcPct val="100000"/>
-              </a:lnSpc>
-              <a:spcBef>
-                <a:spcPct val="0"/>
-              </a:spcBef>
-              <a:spcAft>
-                <a:spcPct val="0"/>
-              </a:spcAft>
-              <a:buClrTx/>
-              <a:buSzTx/>
-              <a:buFontTx/>
-              <a:buNone/>
-            </a:pPr>
-            <a:r>
-              <a:rPr kumimoji="0" lang="zh-CN" altLang="en-US" sz="2000" b="0" i="0" u="none" strike="noStrike" cap="none" normalizeH="0" baseline="0" smtClean="0">
-                <a:ln w="10160">
-                  <a:solidFill>
-                    <a:schemeClr val="accent5"/>
-                  </a:solidFill>
-                  <a:prstDash val="solid"/>
-                </a:ln>
-                <a:solidFill>
-                  <a:srgbClr val="FFFFFF"/>
-                </a:solidFill>
-                <a:effectLst>
-                  <a:outerShdw blurRad="38100" dist="22860" dir="5400000" algn="tl" rotWithShape="0">
-                    <a:srgbClr val="000000">
-                      <a:alpha val="30000"/>
-                    </a:srgbClr>
-                  </a:outerShdw>
-                </a:effectLst>
-                <a:latin typeface="Arial" panose="020B0604020202020204" pitchFamily="34" charset="0"/>
-                <a:ea typeface="SimSun" panose="02010600030101010101" pitchFamily="2" charset="-122"/>
-              </a:rPr>
-              <a:t>What is BDD</a:t>
-            </a:r>
-            <a:r>
-              <a:rPr kumimoji="0" lang="en-US" altLang="zh-CN" sz="2000" b="0" i="0" u="none" strike="noStrike" cap="none" normalizeH="0" baseline="0" smtClean="0">
-                <a:ln w="10160">
-                  <a:solidFill>
-                    <a:schemeClr val="accent5"/>
-                  </a:solidFill>
-                  <a:prstDash val="solid"/>
-                </a:ln>
-                <a:solidFill>
-                  <a:srgbClr val="FFFFFF"/>
-                </a:solidFill>
-                <a:effectLst>
-                  <a:outerShdw blurRad="38100" dist="22860" dir="5400000" algn="tl" rotWithShape="0">
-                    <a:srgbClr val="000000">
-                      <a:alpha val="30000"/>
-                    </a:srgbClr>
-                  </a:outerShdw>
-                </a:effectLst>
-                <a:latin typeface="Arial" panose="020B0604020202020204" pitchFamily="34" charset="0"/>
-                <a:ea typeface="SimSun" panose="02010600030101010101" pitchFamily="2" charset="-122"/>
-              </a:rPr>
-              <a:t>?</a:t>
-            </a:r>
-            <a:endParaRPr kumimoji="0" lang="en-US" altLang="zh-CN" sz="2000" b="0" i="0" u="none" strike="noStrike" cap="none" normalizeH="0" baseline="0" smtClean="0">
-              <a:ln w="10160">
-                <a:solidFill>
-                  <a:schemeClr val="accent5"/>
-                </a:solidFill>
-                <a:prstDash val="solid"/>
-              </a:ln>
-              <a:solidFill>
-                <a:srgbClr val="FFFFFF"/>
-              </a:solidFill>
-              <a:effectLst>
-                <a:outerShdw blurRad="38100" dist="22860" dir="5400000" algn="tl" rotWithShape="0">
-                  <a:srgbClr val="000000">
-                    <a:alpha val="30000"/>
-                  </a:srgbClr>
-                </a:outerShdw>
-              </a:effectLst>
-              <a:latin typeface="Arial" panose="020B0604020202020204" pitchFamily="34" charset="0"/>
-              <a:ea typeface="SimSun" panose="02010600030101010101" pitchFamily="2" charset="-122"/>
-            </a:endParaRPr>
-          </a:p>
-        </p:txBody>
-      </p:sp>
-      <p:sp>
-        <p:nvSpPr>
-          <p:cNvPr id="6" name="Rounded Rectangle 5"/>
-          <p:cNvSpPr/>
-          <p:nvPr/>
-        </p:nvSpPr>
-        <p:spPr>
-          <a:xfrm>
-            <a:off x="1891665" y="2043430"/>
-            <a:ext cx="8407400" cy="615315"/>
-          </a:xfrm>
-          <a:prstGeom prst="roundRect">
-            <a:avLst/>
-          </a:prstGeom>
-          <a:gradFill rotWithShape="0">
-            <a:gsLst>
-              <a:gs pos="0">
-                <a:schemeClr val="accent1"/>
-              </a:gs>
-              <a:gs pos="100000">
-                <a:schemeClr val="accent2"/>
-              </a:gs>
-            </a:gsLst>
-            <a:lin ang="5400000" scaled="1"/>
-          </a:gradFill>
-          <a:ln w="9525" cap="flat" cmpd="sng" algn="ctr">
-            <a:solidFill>
-              <a:schemeClr val="accent1"/>
-            </a:solidFill>
-            <a:prstDash val="solid"/>
-            <a:round/>
-            <a:headEnd type="none" w="med" len="med"/>
-            <a:tailEnd type="none" w="med" len="med"/>
-          </a:ln>
-        </p:spPr>
-        <p:txBody>
-          <a:bodyPr vert="horz" wrap="none" lIns="91440" tIns="45720" rIns="91440" bIns="45720" numCol="1" anchor="ctr" anchorCtr="0" compatLnSpc="1">
-            <a:scene3d>
-              <a:camera prst="orthographicFront"/>
-              <a:lightRig rig="threePt" dir="t"/>
-            </a:scene3d>
-          </a:bodyPr>
-          <a:p>
-            <a:pPr marL="0" marR="0" indent="0" algn="l" defTabSz="914400" rtl="0" eaLnBrk="1" fontAlgn="base" latinLnBrk="0" hangingPunct="1">
-              <a:lnSpc>
-                <a:spcPct val="100000"/>
-              </a:lnSpc>
-              <a:spcBef>
-                <a:spcPct val="0"/>
-              </a:spcBef>
-              <a:spcAft>
-                <a:spcPct val="0"/>
-              </a:spcAft>
-              <a:buClrTx/>
-              <a:buSzTx/>
-              <a:buFontTx/>
-              <a:buNone/>
-            </a:pPr>
-            <a:r>
-              <a:rPr kumimoji="0" lang="en-US" altLang="zh-CN" sz="2000" b="0" i="0" u="none" strike="noStrike" cap="none" normalizeH="0" baseline="0" smtClean="0">
-                <a:ln w="10160">
-                  <a:solidFill>
-                    <a:schemeClr val="accent5"/>
-                  </a:solidFill>
-                  <a:prstDash val="solid"/>
-                </a:ln>
-                <a:solidFill>
-                  <a:srgbClr val="FFFFFF"/>
-                </a:solidFill>
-                <a:effectLst>
-                  <a:outerShdw blurRad="38100" dist="22860" dir="5400000" algn="tl" rotWithShape="0">
-                    <a:srgbClr val="000000">
-                      <a:alpha val="30000"/>
-                    </a:srgbClr>
-                  </a:outerShdw>
-                </a:effectLst>
-                <a:latin typeface="Arial" panose="020B0604020202020204" pitchFamily="34" charset="0"/>
-                <a:ea typeface="SimSun" panose="02010600030101010101" pitchFamily="2" charset="-122"/>
-              </a:rPr>
-              <a:t>Creating a new Serenity BDD - Cucumber project?</a:t>
-            </a:r>
-            <a:endParaRPr kumimoji="0" lang="en-US" altLang="zh-CN" sz="2000" b="0" i="0" u="none" strike="noStrike" cap="none" normalizeH="0" baseline="0" smtClean="0">
-              <a:ln w="10160">
-                <a:solidFill>
-                  <a:schemeClr val="accent5"/>
-                </a:solidFill>
-                <a:prstDash val="solid"/>
-              </a:ln>
-              <a:solidFill>
-                <a:srgbClr val="FFFFFF"/>
-              </a:solidFill>
-              <a:effectLst>
-                <a:outerShdw blurRad="38100" dist="22860" dir="5400000" algn="tl" rotWithShape="0">
-                  <a:srgbClr val="000000">
-                    <a:alpha val="30000"/>
-                  </a:srgbClr>
-                </a:outerShdw>
-              </a:effectLst>
-              <a:latin typeface="Arial" panose="020B0604020202020204" pitchFamily="34" charset="0"/>
-              <a:ea typeface="SimSun" panose="02010600030101010101" pitchFamily="2" charset="-122"/>
-            </a:endParaRPr>
-          </a:p>
-        </p:txBody>
-      </p:sp>
-      <p:sp>
-        <p:nvSpPr>
-          <p:cNvPr id="7" name="Rounded Rectangle 6"/>
-          <p:cNvSpPr/>
-          <p:nvPr/>
-        </p:nvSpPr>
-        <p:spPr>
-          <a:xfrm>
-            <a:off x="1891665" y="2871470"/>
-            <a:ext cx="8407400" cy="615315"/>
-          </a:xfrm>
-          <a:prstGeom prst="roundRect">
-            <a:avLst/>
-          </a:prstGeom>
-          <a:gradFill rotWithShape="0">
-            <a:gsLst>
-              <a:gs pos="0">
-                <a:schemeClr val="accent1"/>
-              </a:gs>
-              <a:gs pos="100000">
-                <a:schemeClr val="accent2"/>
-              </a:gs>
-            </a:gsLst>
-            <a:lin ang="5400000" scaled="1"/>
-          </a:gradFill>
-          <a:ln w="9525" cap="flat" cmpd="sng" algn="ctr">
-            <a:solidFill>
-              <a:schemeClr val="accent1"/>
-            </a:solidFill>
-            <a:prstDash val="solid"/>
-            <a:round/>
-            <a:headEnd type="none" w="med" len="med"/>
-            <a:tailEnd type="none" w="med" len="med"/>
-          </a:ln>
-        </p:spPr>
-        <p:txBody>
-          <a:bodyPr vert="horz" wrap="none" lIns="91440" tIns="45720" rIns="91440" bIns="45720" numCol="1" anchor="ctr" anchorCtr="0" compatLnSpc="1">
-            <a:scene3d>
-              <a:camera prst="orthographicFront"/>
-              <a:lightRig rig="threePt" dir="t"/>
-            </a:scene3d>
-          </a:bodyPr>
-          <a:p>
-            <a:pPr marL="0" marR="0" indent="0" algn="l" defTabSz="914400" rtl="0" eaLnBrk="1" fontAlgn="base" latinLnBrk="0" hangingPunct="1">
-              <a:lnSpc>
-                <a:spcPct val="100000"/>
-              </a:lnSpc>
-              <a:spcBef>
-                <a:spcPct val="0"/>
-              </a:spcBef>
-              <a:spcAft>
-                <a:spcPct val="0"/>
-              </a:spcAft>
-              <a:buClrTx/>
-              <a:buSzTx/>
-              <a:buFontTx/>
-              <a:buNone/>
-            </a:pPr>
-            <a:r>
-              <a:rPr kumimoji="0" lang="en-US" altLang="zh-CN" sz="2800" b="0" i="0" u="none" strike="noStrike" cap="none" normalizeH="0" baseline="0" smtClean="0">
-                <a:ln w="10160">
-                  <a:solidFill>
-                    <a:schemeClr val="accent5"/>
-                  </a:solidFill>
-                  <a:prstDash val="solid"/>
-                </a:ln>
-                <a:solidFill>
-                  <a:srgbClr val="FFFFFF"/>
-                </a:solidFill>
-                <a:effectLst>
-                  <a:outerShdw blurRad="38100" dist="22860" dir="5400000" algn="tl" rotWithShape="0">
-                    <a:srgbClr val="000000">
-                      <a:alpha val="30000"/>
-                    </a:srgbClr>
-                  </a:outerShdw>
-                </a:effectLst>
-                <a:latin typeface="Arial" panose="020B0604020202020204" pitchFamily="34" charset="0"/>
-                <a:ea typeface="SimSun" panose="02010600030101010101" pitchFamily="2" charset="-122"/>
-              </a:rPr>
-              <a:t>Project Parttern</a:t>
-            </a:r>
-            <a:endParaRPr kumimoji="0" lang="en-US" altLang="zh-CN" sz="2800" b="0" i="0" u="none" strike="noStrike" cap="none" normalizeH="0" baseline="0" smtClean="0">
-              <a:ln w="10160">
-                <a:solidFill>
-                  <a:schemeClr val="accent5"/>
-                </a:solidFill>
-                <a:prstDash val="solid"/>
-              </a:ln>
-              <a:solidFill>
-                <a:srgbClr val="FFFFFF"/>
-              </a:solidFill>
-              <a:effectLst>
-                <a:outerShdw blurRad="38100" dist="22860" dir="5400000" algn="tl" rotWithShape="0">
-                  <a:srgbClr val="000000">
-                    <a:alpha val="30000"/>
-                  </a:srgbClr>
-                </a:outerShdw>
-              </a:effectLst>
-              <a:latin typeface="Arial" panose="020B0604020202020204" pitchFamily="34" charset="0"/>
-              <a:ea typeface="SimSun" panose="02010600030101010101" pitchFamily="2" charset="-122"/>
-            </a:endParaRPr>
-          </a:p>
-        </p:txBody>
-      </p:sp>
-      <p:sp>
-        <p:nvSpPr>
-          <p:cNvPr id="9" name="Rounded Rectangle 8"/>
-          <p:cNvSpPr/>
-          <p:nvPr/>
-        </p:nvSpPr>
-        <p:spPr>
-          <a:xfrm>
-            <a:off x="1891665" y="3681095"/>
-            <a:ext cx="8407400" cy="615315"/>
-          </a:xfrm>
-          <a:prstGeom prst="roundRect">
-            <a:avLst/>
-          </a:prstGeom>
-          <a:gradFill rotWithShape="0">
-            <a:gsLst>
-              <a:gs pos="0">
-                <a:schemeClr val="accent1"/>
-              </a:gs>
-              <a:gs pos="100000">
-                <a:schemeClr val="accent2"/>
-              </a:gs>
-            </a:gsLst>
-            <a:lin ang="5400000" scaled="1"/>
-          </a:gradFill>
-          <a:ln w="9525" cap="flat" cmpd="sng" algn="ctr">
-            <a:solidFill>
-              <a:schemeClr val="accent1"/>
-            </a:solidFill>
-            <a:prstDash val="solid"/>
-            <a:round/>
-            <a:headEnd type="none" w="med" len="med"/>
-            <a:tailEnd type="none" w="med" len="med"/>
-          </a:ln>
-        </p:spPr>
-        <p:txBody>
-          <a:bodyPr vert="horz" wrap="none" lIns="91440" tIns="45720" rIns="91440" bIns="45720" numCol="1" anchor="ctr" anchorCtr="0" compatLnSpc="1">
-            <a:scene3d>
-              <a:camera prst="orthographicFront"/>
-              <a:lightRig rig="threePt" dir="t"/>
-            </a:scene3d>
-          </a:bodyPr>
-          <a:p>
-            <a:pPr marL="0" marR="0" indent="0" algn="l" defTabSz="914400" rtl="0" eaLnBrk="1" fontAlgn="base" latinLnBrk="0" hangingPunct="1">
-              <a:lnSpc>
-                <a:spcPct val="100000"/>
-              </a:lnSpc>
-              <a:spcBef>
-                <a:spcPct val="0"/>
-              </a:spcBef>
-              <a:spcAft>
-                <a:spcPct val="0"/>
-              </a:spcAft>
-              <a:buClrTx/>
-              <a:buSzTx/>
-              <a:buFontTx/>
-              <a:buNone/>
-            </a:pPr>
-            <a:r>
-              <a:rPr kumimoji="0" lang="en-US" altLang="zh-CN" sz="2800" b="0" i="0" u="none" strike="noStrike" cap="none" normalizeH="0" baseline="0" smtClean="0">
-                <a:ln w="10160">
-                  <a:solidFill>
-                    <a:schemeClr val="accent5"/>
-                  </a:solidFill>
-                  <a:prstDash val="solid"/>
-                </a:ln>
-                <a:solidFill>
-                  <a:srgbClr val="FFFFFF"/>
-                </a:solidFill>
-                <a:effectLst>
-                  <a:outerShdw blurRad="38100" dist="22860" dir="5400000" algn="tl" rotWithShape="0">
-                    <a:srgbClr val="000000">
-                      <a:alpha val="30000"/>
-                    </a:srgbClr>
-                  </a:outerShdw>
-                </a:effectLst>
-                <a:latin typeface="Arial" panose="020B0604020202020204" pitchFamily="34" charset="0"/>
-                <a:ea typeface="SimSun" panose="02010600030101010101" pitchFamily="2" charset="-122"/>
-              </a:rPr>
-              <a:t>Demo</a:t>
-            </a:r>
-            <a:endParaRPr kumimoji="0" lang="en-US" altLang="zh-CN" sz="2800" b="0" i="0" u="none" strike="noStrike" cap="none" normalizeH="0" baseline="0" smtClean="0">
-              <a:ln w="10160">
-                <a:solidFill>
-                  <a:schemeClr val="accent5"/>
-                </a:solidFill>
-                <a:prstDash val="solid"/>
-              </a:ln>
-              <a:solidFill>
-                <a:srgbClr val="FFFFFF"/>
-              </a:solidFill>
-              <a:effectLst>
-                <a:outerShdw blurRad="38100" dist="22860" dir="5400000" algn="tl" rotWithShape="0">
-                  <a:srgbClr val="000000">
-                    <a:alpha val="30000"/>
-                  </a:srgbClr>
-                </a:outerShdw>
-              </a:effectLst>
-              <a:latin typeface="Arial" panose="020B0604020202020204" pitchFamily="34" charset="0"/>
-              <a:ea typeface="SimSun" panose="02010600030101010101" pitchFamily="2" charset="-122"/>
-            </a:endParaRPr>
-          </a:p>
-        </p:txBody>
-      </p:sp>
-      <p:sp>
-        <p:nvSpPr>
-          <p:cNvPr id="10" name="Flowchart: Process 9"/>
-          <p:cNvSpPr/>
-          <p:nvPr/>
-        </p:nvSpPr>
-        <p:spPr>
-          <a:xfrm>
-            <a:off x="609600" y="190500"/>
-            <a:ext cx="10972800" cy="784860"/>
-          </a:xfrm>
-          <a:prstGeom prst="flowChartProcess">
-            <a:avLst/>
-          </a:prstGeom>
-          <a:gradFill rotWithShape="0">
-            <a:gsLst>
-              <a:gs pos="0">
-                <a:srgbClr val="012D86"/>
-              </a:gs>
-              <a:gs pos="100000">
-                <a:srgbClr val="0E2557"/>
-              </a:gs>
-            </a:gsLst>
-            <a:lin ang="5400000" scaled="0"/>
-          </a:gradFill>
-          <a:ln w="9525" cap="flat" cmpd="sng" algn="ctr">
-            <a:solidFill>
-              <a:schemeClr val="accent1"/>
-            </a:solidFill>
-            <a:prstDash val="solid"/>
-            <a:round/>
-            <a:headEnd type="none" w="med" len="med"/>
-            <a:tailEnd type="none" w="med" len="med"/>
-          </a:ln>
-          <a:effectLst>
-            <a:outerShdw blurRad="50800" dist="50800" dir="5400000" algn="ctr" rotWithShape="0">
-              <a:srgbClr val="002060">
-                <a:alpha val="38000"/>
-              </a:srgbClr>
-            </a:outerShdw>
-          </a:effectLst>
-        </p:spPr>
-        <p:txBody>
-          <a:bodyPr vert="horz" wrap="none" lIns="91440" tIns="45720" rIns="91440" bIns="45720" numCol="1" anchor="ctr" anchorCtr="0" compatLnSpc="1"/>
-          <a:p>
-            <a:pPr marL="0" marR="0" indent="0" algn="ctr" defTabSz="914400" rtl="0" eaLnBrk="1" fontAlgn="base" latinLnBrk="0" hangingPunct="1">
-              <a:lnSpc>
-                <a:spcPct val="100000"/>
-              </a:lnSpc>
-              <a:spcBef>
-                <a:spcPct val="0"/>
-              </a:spcBef>
-              <a:spcAft>
-                <a:spcPct val="0"/>
-              </a:spcAft>
-              <a:buClrTx/>
-              <a:buSzTx/>
-              <a:buFontTx/>
-              <a:buNone/>
-            </a:pPr>
-            <a:r>
-              <a:rPr kumimoji="0" lang="en-US" altLang="zh-CN" sz="4000" b="0" i="0" u="none" strike="noStrike" cap="none" normalizeH="0" baseline="0" smtClean="0">
-                <a:ln w="10160">
-                  <a:solidFill>
-                    <a:schemeClr val="accent5"/>
-                  </a:solidFill>
-                  <a:prstDash val="solid"/>
-                </a:ln>
-                <a:solidFill>
-                  <a:srgbClr val="FFFFFF"/>
-                </a:solidFill>
-                <a:effectLst>
-                  <a:outerShdw blurRad="38100" dist="22860" dir="5400000" algn="tl" rotWithShape="0">
-                    <a:srgbClr val="000000">
-                      <a:alpha val="30000"/>
-                    </a:srgbClr>
-                  </a:outerShdw>
-                </a:effectLst>
-                <a:latin typeface="Arial" panose="020B0604020202020204" pitchFamily="34" charset="0"/>
-                <a:ea typeface="SimSun" panose="02010600030101010101" pitchFamily="2" charset="-122"/>
-              </a:rPr>
-              <a:t>Content</a:t>
-            </a:r>
-            <a:endParaRPr kumimoji="0" lang="en-US" altLang="zh-CN" sz="4000" b="0" i="0" u="none" strike="noStrike" cap="none" normalizeH="0" baseline="0" smtClean="0">
-              <a:ln w="10160">
-                <a:solidFill>
-                  <a:schemeClr val="accent5"/>
-                </a:solidFill>
-                <a:prstDash val="solid"/>
-              </a:ln>
-              <a:solidFill>
-                <a:srgbClr val="FFFFFF"/>
-              </a:solidFill>
-              <a:effectLst>
-                <a:outerShdw blurRad="38100" dist="22860" dir="5400000" algn="tl" rotWithShape="0">
-                  <a:srgbClr val="000000">
-                    <a:alpha val="30000"/>
-                  </a:srgbClr>
-                </a:outerShdw>
-              </a:effectLst>
-              <a:latin typeface="Arial" panose="020B0604020202020204" pitchFamily="34" charset="0"/>
-              <a:ea typeface="SimSun" panose="02010600030101010101" pitchFamily="2" charset="-122"/>
-            </a:endParaRPr>
-          </a:p>
-        </p:txBody>
-      </p:sp>
-      <p:sp>
-        <p:nvSpPr>
-          <p:cNvPr id="12" name="Rounded Rectangle 11"/>
-          <p:cNvSpPr/>
-          <p:nvPr/>
-        </p:nvSpPr>
-        <p:spPr>
-          <a:xfrm>
-            <a:off x="1892300" y="1207135"/>
-            <a:ext cx="8407400" cy="615315"/>
-          </a:xfrm>
-          <a:prstGeom prst="roundRect">
-            <a:avLst/>
-          </a:prstGeom>
-          <a:gradFill rotWithShape="0">
-            <a:gsLst>
-              <a:gs pos="0">
-                <a:schemeClr val="accent1"/>
-              </a:gs>
-              <a:gs pos="100000">
-                <a:schemeClr val="accent2"/>
-              </a:gs>
-            </a:gsLst>
-            <a:lin ang="5400000" scaled="1"/>
-          </a:gradFill>
-          <a:ln w="9525" cap="flat" cmpd="sng" algn="ctr">
-            <a:solidFill>
-              <a:schemeClr val="accent1"/>
-            </a:solidFill>
-            <a:prstDash val="solid"/>
-            <a:round/>
-            <a:headEnd type="none" w="med" len="med"/>
-            <a:tailEnd type="none" w="med" len="med"/>
-          </a:ln>
-        </p:spPr>
-        <p:txBody>
-          <a:bodyPr vert="horz" wrap="none" lIns="91440" tIns="45720" rIns="91440" bIns="45720" numCol="1" anchor="ctr" anchorCtr="0" compatLnSpc="1">
-            <a:scene3d>
-              <a:camera prst="orthographicFront"/>
-              <a:lightRig rig="threePt" dir="t"/>
-            </a:scene3d>
-          </a:bodyPr>
-          <a:p>
-            <a:pPr marL="0" marR="0" indent="0" algn="l" defTabSz="914400" rtl="0" eaLnBrk="1" fontAlgn="base" latinLnBrk="0" hangingPunct="1">
-              <a:lnSpc>
-                <a:spcPct val="100000"/>
-              </a:lnSpc>
-              <a:spcBef>
-                <a:spcPct val="0"/>
-              </a:spcBef>
-              <a:spcAft>
-                <a:spcPct val="0"/>
-              </a:spcAft>
-              <a:buClrTx/>
-              <a:buSzTx/>
-              <a:buFontTx/>
-              <a:buNone/>
-            </a:pPr>
-            <a:r>
-              <a:rPr kumimoji="0" lang="zh-CN" altLang="en-US" sz="2800" b="0" i="0" u="none" strike="noStrike" cap="none" normalizeH="0" baseline="0" smtClean="0">
-                <a:ln w="10160">
-                  <a:solidFill>
-                    <a:schemeClr val="accent5"/>
-                  </a:solidFill>
-                  <a:prstDash val="solid"/>
-                </a:ln>
-                <a:solidFill>
-                  <a:srgbClr val="FFFFFF"/>
-                </a:solidFill>
-                <a:effectLst>
-                  <a:outerShdw blurRad="38100" dist="22860" dir="5400000" algn="tl" rotWithShape="0">
-                    <a:srgbClr val="000000">
-                      <a:alpha val="30000"/>
-                    </a:srgbClr>
-                  </a:outerShdw>
-                </a:effectLst>
-                <a:latin typeface="Arial" panose="020B0604020202020204" pitchFamily="34" charset="0"/>
-                <a:ea typeface="SimSun" panose="02010600030101010101" pitchFamily="2" charset="-122"/>
-              </a:rPr>
-              <a:t>What is </a:t>
-            </a:r>
-            <a:r>
-              <a:rPr kumimoji="0" lang="en-US" altLang="zh-CN" sz="2800" b="0" i="0" u="none" strike="noStrike" cap="none" normalizeH="0" baseline="0" smtClean="0">
-                <a:ln w="10160">
-                  <a:solidFill>
-                    <a:schemeClr val="accent5"/>
-                  </a:solidFill>
-                  <a:prstDash val="solid"/>
-                </a:ln>
-                <a:solidFill>
-                  <a:srgbClr val="FFFFFF"/>
-                </a:solidFill>
-                <a:effectLst>
-                  <a:outerShdw blurRad="38100" dist="22860" dir="5400000" algn="tl" rotWithShape="0">
-                    <a:srgbClr val="000000">
-                      <a:alpha val="30000"/>
-                    </a:srgbClr>
-                  </a:outerShdw>
-                </a:effectLst>
-                <a:latin typeface="Arial" panose="020B0604020202020204" pitchFamily="34" charset="0"/>
-                <a:ea typeface="SimSun" panose="02010600030101010101" pitchFamily="2" charset="-122"/>
-              </a:rPr>
-              <a:t>Serenity - </a:t>
-            </a:r>
-            <a:r>
-              <a:rPr kumimoji="0" lang="zh-CN" altLang="en-US" sz="2800" b="0" i="0" u="none" strike="noStrike" cap="none" normalizeH="0" baseline="0" smtClean="0">
-                <a:ln w="10160">
-                  <a:solidFill>
-                    <a:schemeClr val="accent5"/>
-                  </a:solidFill>
-                  <a:prstDash val="solid"/>
-                </a:ln>
-                <a:solidFill>
-                  <a:srgbClr val="FFFFFF"/>
-                </a:solidFill>
-                <a:effectLst>
-                  <a:outerShdw blurRad="38100" dist="22860" dir="5400000" algn="tl" rotWithShape="0">
-                    <a:srgbClr val="000000">
-                      <a:alpha val="30000"/>
-                    </a:srgbClr>
-                  </a:outerShdw>
-                </a:effectLst>
-                <a:latin typeface="Arial" panose="020B0604020202020204" pitchFamily="34" charset="0"/>
-                <a:ea typeface="SimSun" panose="02010600030101010101" pitchFamily="2" charset="-122"/>
-              </a:rPr>
-              <a:t>BDD</a:t>
-            </a:r>
-            <a:r>
-              <a:rPr kumimoji="0" lang="en-US" altLang="zh-CN" sz="2800" b="0" i="0" u="none" strike="noStrike" cap="none" normalizeH="0" baseline="0" smtClean="0">
-                <a:ln w="10160">
-                  <a:solidFill>
-                    <a:schemeClr val="accent5"/>
-                  </a:solidFill>
-                  <a:prstDash val="solid"/>
-                </a:ln>
-                <a:solidFill>
-                  <a:srgbClr val="FFFFFF"/>
-                </a:solidFill>
-                <a:effectLst>
-                  <a:outerShdw blurRad="38100" dist="22860" dir="5400000" algn="tl" rotWithShape="0">
-                    <a:srgbClr val="000000">
-                      <a:alpha val="30000"/>
-                    </a:srgbClr>
-                  </a:outerShdw>
-                </a:effectLst>
-                <a:latin typeface="Arial" panose="020B0604020202020204" pitchFamily="34" charset="0"/>
-                <a:ea typeface="SimSun" panose="02010600030101010101" pitchFamily="2" charset="-122"/>
-              </a:rPr>
-              <a:t>?</a:t>
-            </a:r>
-            <a:endParaRPr kumimoji="0" lang="en-US" altLang="zh-CN" sz="2800" b="0" i="0" u="none" strike="noStrike" cap="none" normalizeH="0" baseline="0" smtClean="0">
-              <a:ln w="10160">
-                <a:solidFill>
-                  <a:schemeClr val="accent5"/>
-                </a:solidFill>
-                <a:prstDash val="solid"/>
-              </a:ln>
-              <a:solidFill>
-                <a:srgbClr val="FFFFFF"/>
-              </a:solidFill>
-              <a:effectLst>
-                <a:outerShdw blurRad="38100" dist="22860" dir="5400000" algn="tl" rotWithShape="0">
-                  <a:srgbClr val="000000">
-                    <a:alpha val="30000"/>
-                  </a:srgbClr>
-                </a:outerShdw>
-              </a:effectLst>
-              <a:latin typeface="Arial" panose="020B0604020202020204" pitchFamily="34" charset="0"/>
-              <a:ea typeface="SimSun" panose="02010600030101010101" pitchFamily="2" charset="-122"/>
-            </a:endParaRPr>
-          </a:p>
-        </p:txBody>
-      </p:sp>
-      <p:sp>
-        <p:nvSpPr>
-          <p:cNvPr id="14" name="Rounded Rectangle 13"/>
-          <p:cNvSpPr/>
-          <p:nvPr/>
-        </p:nvSpPr>
-        <p:spPr>
-          <a:xfrm>
-            <a:off x="1892300" y="2043430"/>
-            <a:ext cx="8407400" cy="615315"/>
-          </a:xfrm>
-          <a:prstGeom prst="roundRect">
-            <a:avLst/>
-          </a:prstGeom>
-          <a:gradFill rotWithShape="0">
-            <a:gsLst>
-              <a:gs pos="0">
-                <a:schemeClr val="accent1"/>
-              </a:gs>
-              <a:gs pos="100000">
-                <a:schemeClr val="accent2"/>
-              </a:gs>
-            </a:gsLst>
-            <a:lin ang="5400000" scaled="1"/>
-          </a:gradFill>
-          <a:ln w="9525" cap="flat" cmpd="sng" algn="ctr">
-            <a:solidFill>
-              <a:schemeClr val="accent1"/>
-            </a:solidFill>
-            <a:prstDash val="solid"/>
-            <a:round/>
-            <a:headEnd type="none" w="med" len="med"/>
-            <a:tailEnd type="none" w="med" len="med"/>
-          </a:ln>
-        </p:spPr>
-        <p:txBody>
-          <a:bodyPr vert="horz" wrap="none" lIns="91440" tIns="45720" rIns="91440" bIns="45720" numCol="1" anchor="ctr" anchorCtr="0" compatLnSpc="1">
-            <a:scene3d>
-              <a:camera prst="orthographicFront"/>
-              <a:lightRig rig="threePt" dir="t"/>
-            </a:scene3d>
-          </a:bodyPr>
-          <a:p>
-            <a:pPr marL="0" marR="0" indent="0" algn="l" defTabSz="914400" rtl="0" eaLnBrk="1" fontAlgn="base" latinLnBrk="0" hangingPunct="1">
-              <a:lnSpc>
-                <a:spcPct val="100000"/>
-              </a:lnSpc>
-              <a:spcBef>
-                <a:spcPct val="0"/>
-              </a:spcBef>
-              <a:spcAft>
-                <a:spcPct val="0"/>
-              </a:spcAft>
-              <a:buClrTx/>
-              <a:buSzTx/>
-              <a:buFontTx/>
-              <a:buNone/>
-            </a:pPr>
-            <a:r>
-              <a:rPr kumimoji="0" lang="en-US" altLang="zh-CN" sz="2800" b="0" i="0" u="none" strike="noStrike" cap="none" normalizeH="0" baseline="0" smtClean="0">
-                <a:ln w="10160">
-                  <a:solidFill>
-                    <a:schemeClr val="accent5"/>
-                  </a:solidFill>
-                  <a:prstDash val="solid"/>
-                </a:ln>
-                <a:solidFill>
-                  <a:srgbClr val="FFFFFF"/>
-                </a:solidFill>
-                <a:effectLst>
-                  <a:outerShdw blurRad="38100" dist="22860" dir="5400000" algn="tl" rotWithShape="0">
-                    <a:srgbClr val="000000">
-                      <a:alpha val="30000"/>
-                    </a:srgbClr>
-                  </a:outerShdw>
-                </a:effectLst>
-                <a:latin typeface="Arial" panose="020B0604020202020204" pitchFamily="34" charset="0"/>
-                <a:ea typeface="SimSun" panose="02010600030101010101" pitchFamily="2" charset="-122"/>
-              </a:rPr>
-              <a:t>Creating a new Serenity BDD - Cucumber project?</a:t>
-            </a:r>
-            <a:endParaRPr kumimoji="0" lang="en-US" altLang="zh-CN" sz="2800" b="0" i="0" u="none" strike="noStrike" cap="none" normalizeH="0" baseline="0" smtClean="0">
-              <a:ln w="10160">
-                <a:solidFill>
-                  <a:schemeClr val="accent5"/>
-                </a:solidFill>
-                <a:prstDash val="solid"/>
-              </a:ln>
-              <a:solidFill>
-                <a:srgbClr val="FFFFFF"/>
-              </a:solidFill>
-              <a:effectLst>
-                <a:outerShdw blurRad="38100" dist="22860" dir="5400000" algn="tl" rotWithShape="0">
-                  <a:srgbClr val="000000">
-                    <a:alpha val="30000"/>
-                  </a:srgbClr>
-                </a:outerShdw>
-              </a:effectLst>
-              <a:latin typeface="Arial" panose="020B0604020202020204" pitchFamily="34" charset="0"/>
-              <a:ea typeface="SimSun" panose="02010600030101010101" pitchFamily="2" charset="-122"/>
-            </a:endParaRPr>
-          </a:p>
-        </p:txBody>
-      </p:sp>
-    </p:spTree>
-  </p:cSld>
-  <p:clrMapOvr>
-    <a:masterClrMapping/>
-  </p:clrMapOvr>
-</p:sld>
-</file>
-
-<file path=ppt/slides/slide3.xml><?xml version="1.0" encoding="utf-8"?>
-<p:sld xmlns:a="http://schemas.openxmlformats.org/drawingml/2006/main" xmlns:r="http://schemas.openxmlformats.org/officeDocument/2006/relationships" xmlns:p="http://schemas.openxmlformats.org/presentationml/2006/main">
-  <p:cSld>
-    <p:spTree>
-      <p:nvGrpSpPr>
-        <p:cNvPr id="1" name=""/>
-        <p:cNvGrpSpPr/>
-        <p:nvPr/>
-      </p:nvGrpSpPr>
-      <p:grpSpPr/>
-      <p:sp>
-        <p:nvSpPr>
-          <p:cNvPr id="2" name="Title 1"/>
-          <p:cNvSpPr>
-            <a:spLocks noGrp="1"/>
-          </p:cNvSpPr>
-          <p:nvPr>
-            <p:ph type="title"/>
-          </p:nvPr>
-        </p:nvSpPr>
-        <p:spPr/>
-        <p:txBody>
-          <a:bodyPr/>
-          <a:p>
-            <a:endParaRPr lang="en-US">
-              <a:solidFill>
-                <a:schemeClr val="accent1"/>
-              </a:solidFill>
-              <a:effectLst>
-                <a:outerShdw blurRad="38100" dist="25400" dir="5400000" algn="ctr" rotWithShape="0">
-                  <a:srgbClr val="6E747A">
-                    <a:alpha val="43000"/>
-                  </a:srgbClr>
-                </a:outerShdw>
-              </a:effectLst>
-            </a:endParaRPr>
-          </a:p>
-        </p:txBody>
-      </p:sp>
-      <p:sp>
-        <p:nvSpPr>
-          <p:cNvPr id="10" name="Flowchart: Process 9"/>
-          <p:cNvSpPr/>
-          <p:nvPr/>
-        </p:nvSpPr>
-        <p:spPr>
-          <a:xfrm>
-            <a:off x="609600" y="190500"/>
-            <a:ext cx="10972800" cy="784860"/>
-          </a:xfrm>
-          <a:prstGeom prst="flowChartProcess">
-            <a:avLst/>
-          </a:prstGeom>
-          <a:gradFill rotWithShape="0">
-            <a:gsLst>
-              <a:gs pos="0">
-                <a:srgbClr val="012D86"/>
-              </a:gs>
-              <a:gs pos="100000">
-                <a:srgbClr val="0E2557"/>
-              </a:gs>
-            </a:gsLst>
-            <a:lin ang="5400000" scaled="0"/>
-          </a:gradFill>
-          <a:ln w="9525" cap="flat" cmpd="sng" algn="ctr">
-            <a:solidFill>
-              <a:schemeClr val="accent1"/>
-            </a:solidFill>
-            <a:prstDash val="solid"/>
-            <a:round/>
-            <a:headEnd type="none" w="med" len="med"/>
-            <a:tailEnd type="none" w="med" len="med"/>
-          </a:ln>
-          <a:effectLst>
-            <a:outerShdw blurRad="50800" dist="50800" dir="5400000" algn="ctr" rotWithShape="0">
-              <a:srgbClr val="002060">
-                <a:alpha val="38000"/>
-              </a:srgbClr>
-            </a:outerShdw>
-          </a:effectLst>
-        </p:spPr>
-        <p:txBody>
-          <a:bodyPr vert="horz" wrap="none" lIns="91440" tIns="45720" rIns="91440" bIns="45720" numCol="1" anchor="ctr" anchorCtr="0" compatLnSpc="1"/>
-          <a:p>
-            <a:pPr marL="0" marR="0" indent="0" algn="l" defTabSz="914400" rtl="0" eaLnBrk="1" fontAlgn="base" latinLnBrk="0" hangingPunct="1">
-              <a:lnSpc>
-                <a:spcPct val="100000"/>
-              </a:lnSpc>
-              <a:spcBef>
-                <a:spcPct val="0"/>
-              </a:spcBef>
-              <a:spcAft>
-                <a:spcPct val="0"/>
-              </a:spcAft>
-              <a:buClrTx/>
-              <a:buSzTx/>
-              <a:buFontTx/>
-              <a:buNone/>
-            </a:pPr>
-            <a:r>
-              <a:rPr kumimoji="0" lang="en-US" altLang="zh-CN" sz="3600" b="0" i="0" u="none" strike="noStrike" cap="none" normalizeH="0" baseline="0" smtClean="0">
-                <a:ln w="10160">
-                  <a:solidFill>
-                    <a:schemeClr val="accent5"/>
-                  </a:solidFill>
-                  <a:prstDash val="solid"/>
-                </a:ln>
-                <a:solidFill>
-                  <a:srgbClr val="FFFFFF"/>
-                </a:solidFill>
-                <a:effectLst>
-                  <a:outerShdw blurRad="38100" dist="22860" dir="5400000" algn="tl" rotWithShape="0">
-                    <a:srgbClr val="000000">
-                      <a:alpha val="30000"/>
-                    </a:srgbClr>
-                  </a:outerShdw>
-                </a:effectLst>
-                <a:latin typeface="Arial" panose="020B0604020202020204" pitchFamily="34" charset="0"/>
-                <a:ea typeface="SimSun" panose="02010600030101010101" pitchFamily="2" charset="-122"/>
-              </a:rPr>
-              <a:t>I. What is Serenity - BDD?</a:t>
-            </a:r>
-            <a:endParaRPr kumimoji="0" lang="en-US" altLang="zh-CN" sz="3600" b="0" i="0" u="none" strike="noStrike" cap="none" normalizeH="0" baseline="0" smtClean="0">
-              <a:ln w="10160">
-                <a:solidFill>
-                  <a:schemeClr val="accent5"/>
-                </a:solidFill>
-                <a:prstDash val="solid"/>
-              </a:ln>
-              <a:solidFill>
-                <a:srgbClr val="FFFFFF"/>
-              </a:solidFill>
-              <a:effectLst>
-                <a:outerShdw blurRad="38100" dist="22860" dir="5400000" algn="tl" rotWithShape="0">
-                  <a:srgbClr val="000000">
-                    <a:alpha val="30000"/>
-                  </a:srgbClr>
-                </a:outerShdw>
-              </a:effectLst>
-              <a:latin typeface="Arial" panose="020B0604020202020204" pitchFamily="34" charset="0"/>
-              <a:ea typeface="SimSun" panose="02010600030101010101" pitchFamily="2" charset="-122"/>
-            </a:endParaRPr>
-          </a:p>
-        </p:txBody>
-      </p:sp>
-      <p:sp>
-        <p:nvSpPr>
-          <p:cNvPr id="4" name="Rounded Rectangle 3"/>
-          <p:cNvSpPr/>
-          <p:nvPr/>
-        </p:nvSpPr>
-        <p:spPr>
-          <a:xfrm>
-            <a:off x="304800" y="1178560"/>
-            <a:ext cx="5710555" cy="3684270"/>
-          </a:xfrm>
-          <a:prstGeom prst="roundRect">
-            <a:avLst/>
-          </a:prstGeom>
-          <a:gradFill rotWithShape="0">
-            <a:gsLst>
-              <a:gs pos="0">
-                <a:schemeClr val="accent1"/>
-              </a:gs>
-              <a:gs pos="100000">
-                <a:schemeClr val="accent2"/>
-              </a:gs>
-            </a:gsLst>
-            <a:lin ang="5400000" scaled="1"/>
-          </a:gradFill>
-          <a:ln w="9525" cap="flat" cmpd="sng" algn="ctr">
-            <a:solidFill>
-              <a:schemeClr val="accent1"/>
-            </a:solidFill>
-            <a:prstDash val="solid"/>
-            <a:round/>
-            <a:headEnd type="none" w="med" len="med"/>
-            <a:tailEnd type="none" w="med" len="med"/>
-          </a:ln>
-        </p:spPr>
-        <p:txBody>
-          <a:bodyPr vert="horz" wrap="none" lIns="91440" tIns="45720" rIns="91440" bIns="45720" numCol="1" anchor="ctr" anchorCtr="0" compatLnSpc="1"/>
-          <a:p>
-            <a:pPr marL="0" marR="0" indent="0" algn="l" defTabSz="914400" rtl="0" eaLnBrk="1" fontAlgn="base" latinLnBrk="0" hangingPunct="1">
-              <a:lnSpc>
-                <a:spcPct val="100000"/>
-              </a:lnSpc>
-              <a:spcBef>
-                <a:spcPct val="0"/>
-              </a:spcBef>
-              <a:spcAft>
-                <a:spcPct val="0"/>
-              </a:spcAft>
-              <a:buClrTx/>
-              <a:buSzTx/>
-              <a:buFontTx/>
-              <a:buNone/>
-            </a:pPr>
-            <a:endParaRPr kumimoji="0" lang="zh-CN" altLang="en-US" sz="1800" b="0" i="0" u="none" strike="noStrike" cap="none" normalizeH="0" baseline="0" smtClean="0">
-              <a:ln>
-                <a:noFill/>
-              </a:ln>
-              <a:solidFill>
-                <a:schemeClr val="tx1"/>
-              </a:solidFill>
-              <a:effectLst/>
-              <a:latin typeface="Arial" panose="020B0604020202020204" pitchFamily="34" charset="0"/>
-              <a:ea typeface="SimSun" panose="02010600030101010101" pitchFamily="2" charset="-122"/>
-            </a:endParaRPr>
-          </a:p>
-        </p:txBody>
-      </p:sp>
-      <p:pic>
-        <p:nvPicPr>
-          <p:cNvPr id="3" name="Content Placeholder 2" descr="serenity"/>
-          <p:cNvPicPr>
-            <a:picLocks noChangeAspect="1"/>
-          </p:cNvPicPr>
-          <p:nvPr>
-            <p:ph idx="1"/>
-          </p:nvPr>
-        </p:nvPicPr>
-        <p:blipFill>
-          <a:blip r:embed="rId1"/>
-          <a:stretch>
-            <a:fillRect/>
-          </a:stretch>
-        </p:blipFill>
-        <p:spPr>
-          <a:xfrm>
-            <a:off x="304800" y="1320800"/>
-            <a:ext cx="5276850" cy="3324225"/>
-          </a:xfrm>
-          <a:prstGeom prst="rect">
-            <a:avLst/>
-          </a:prstGeom>
-        </p:spPr>
-      </p:pic>
-      <p:sp>
-        <p:nvSpPr>
-          <p:cNvPr id="9" name="Text Box 8"/>
-          <p:cNvSpPr txBox="1"/>
-          <p:nvPr/>
-        </p:nvSpPr>
-        <p:spPr>
-          <a:xfrm>
-            <a:off x="6330950" y="1178560"/>
-            <a:ext cx="4895215" cy="922020"/>
-          </a:xfrm>
-          <a:prstGeom prst="rect">
-            <a:avLst/>
-          </a:prstGeom>
-          <a:noFill/>
-        </p:spPr>
-        <p:txBody>
-          <a:bodyPr wrap="square" rtlCol="0">
-            <a:spAutoFit/>
-          </a:bodyPr>
-          <a:p>
-            <a:r>
-              <a:rPr lang="en-US"/>
-              <a:t>Serenity is an open source library that helps you write higher quality automated acceptance tests faster.</a:t>
-            </a:r>
-            <a:endParaRPr lang="en-US"/>
-          </a:p>
-        </p:txBody>
-      </p:sp>
-      <p:sp>
-        <p:nvSpPr>
-          <p:cNvPr id="14" name="Text Box 13"/>
-          <p:cNvSpPr txBox="1"/>
-          <p:nvPr/>
-        </p:nvSpPr>
-        <p:spPr>
-          <a:xfrm>
-            <a:off x="6471285" y="2268220"/>
-            <a:ext cx="5111750" cy="3108960"/>
-          </a:xfrm>
-          <a:prstGeom prst="rect">
-            <a:avLst/>
-          </a:prstGeom>
-          <a:noFill/>
-        </p:spPr>
-        <p:txBody>
-          <a:bodyPr wrap="square" rtlCol="0">
-            <a:spAutoFit/>
-          </a:bodyPr>
-          <a:p>
-            <a:r>
-              <a:rPr lang="en-US"/>
-              <a:t>Serenity helps you :</a:t>
-            </a:r>
-            <a:endParaRPr lang="en-US"/>
-          </a:p>
-          <a:p>
-            <a:endParaRPr lang="en-US"/>
-          </a:p>
-          <a:p>
-            <a:pPr marL="285750" indent="-285750">
-              <a:buFont typeface="Wingdings" panose="05000000000000000000" charset="0"/>
-              <a:buChar char="ü"/>
-            </a:pPr>
-            <a:r>
-              <a:rPr lang="en-US"/>
-              <a:t>Write tests that are more flexible and easier to maintain</a:t>
-            </a:r>
-            <a:endParaRPr lang="en-US"/>
-          </a:p>
-          <a:p>
-            <a:pPr marL="285750" indent="-285750">
-              <a:buFont typeface="Wingdings" panose="05000000000000000000" charset="0"/>
-              <a:buChar char="ü"/>
-            </a:pPr>
-            <a:r>
-              <a:rPr lang="en-US"/>
-              <a:t>Produce illustrated, narrative reports about your tests</a:t>
-            </a:r>
-            <a:endParaRPr lang="en-US"/>
-          </a:p>
-          <a:p>
-            <a:pPr marL="285750" indent="-285750">
-              <a:buFont typeface="Wingdings" panose="05000000000000000000" charset="0"/>
-              <a:buChar char="ü"/>
-            </a:pPr>
-            <a:r>
-              <a:rPr lang="en-US"/>
-              <a:t>Map your automated tests back to your requirements</a:t>
-            </a:r>
-            <a:endParaRPr lang="en-US"/>
-          </a:p>
-          <a:p>
-            <a:pPr marL="285750" indent="-285750">
-              <a:buFont typeface="Wingdings" panose="05000000000000000000" charset="0"/>
-              <a:buChar char="ü"/>
-            </a:pPr>
-            <a:r>
-              <a:rPr lang="en-US"/>
-              <a:t>See how much of your application is actually being tested.</a:t>
-            </a:r>
-            <a:endParaRPr lang="en-US"/>
-          </a:p>
-          <a:p>
-            <a:pPr marL="285750" indent="-285750">
-              <a:buFont typeface="Wingdings" panose="05000000000000000000" charset="0"/>
-              <a:buChar char="ü"/>
-            </a:pPr>
-            <a:r>
-              <a:rPr lang="en-US"/>
-              <a:t>And keep tabs on project progress</a:t>
-            </a:r>
-            <a:endParaRPr lang="en-US"/>
-          </a:p>
-        </p:txBody>
-      </p:sp>
-    </p:spTree>
-  </p:cSld>
-  <p:clrMapOvr>
-    <a:masterClrMapping/>
-  </p:clrMapOvr>
-</p:sld>
-</file>
-
-<file path=ppt/slides/slide4.xml><?xml version="1.0" encoding="utf-8"?>
-<p:sld xmlns:a="http://schemas.openxmlformats.org/drawingml/2006/main" xmlns:r="http://schemas.openxmlformats.org/officeDocument/2006/relationships" xmlns:p="http://schemas.openxmlformats.org/presentationml/2006/main">
-  <p:cSld>
-    <p:spTree>
-      <p:nvGrpSpPr>
-        <p:cNvPr id="1" name=""/>
-        <p:cNvGrpSpPr/>
-        <p:nvPr/>
-      </p:nvGrpSpPr>
-      <p:grpSpPr/>
-      <p:sp>
-        <p:nvSpPr>
-          <p:cNvPr id="8" name="Title 7"/>
-          <p:cNvSpPr>
-            <a:spLocks noGrp="1"/>
-          </p:cNvSpPr>
-          <p:nvPr>
-            <p:ph type="title"/>
-          </p:nvPr>
-        </p:nvSpPr>
-        <p:spPr/>
-        <p:txBody>
-          <a:bodyPr/>
-          <a:p>
-            <a:endParaRPr lang="en-US"/>
-          </a:p>
-        </p:txBody>
-      </p:sp>
-      <p:sp>
-        <p:nvSpPr>
-          <p:cNvPr id="10" name="Flowchart: Process 9"/>
-          <p:cNvSpPr/>
-          <p:nvPr/>
-        </p:nvSpPr>
-        <p:spPr>
-          <a:xfrm>
-            <a:off x="609600" y="190500"/>
-            <a:ext cx="10972800" cy="784860"/>
-          </a:xfrm>
-          <a:prstGeom prst="flowChartProcess">
-            <a:avLst/>
-          </a:prstGeom>
-          <a:gradFill rotWithShape="0">
-            <a:gsLst>
-              <a:gs pos="0">
-                <a:srgbClr val="012D86"/>
-              </a:gs>
-              <a:gs pos="100000">
-                <a:srgbClr val="0E2557"/>
-              </a:gs>
-            </a:gsLst>
-            <a:lin ang="5400000" scaled="0"/>
-          </a:gradFill>
-          <a:ln w="9525" cap="flat" cmpd="sng" algn="ctr">
-            <a:solidFill>
-              <a:schemeClr val="accent1"/>
-            </a:solidFill>
-            <a:prstDash val="solid"/>
-            <a:round/>
-            <a:headEnd type="none" w="med" len="med"/>
-            <a:tailEnd type="none" w="med" len="med"/>
-          </a:ln>
-          <a:effectLst>
-            <a:outerShdw blurRad="50800" dist="50800" dir="5400000" algn="ctr" rotWithShape="0">
-              <a:srgbClr val="002060">
-                <a:alpha val="38000"/>
-              </a:srgbClr>
-            </a:outerShdw>
-          </a:effectLst>
-        </p:spPr>
-        <p:txBody>
-          <a:bodyPr vert="horz" wrap="none" lIns="91440" tIns="45720" rIns="91440" bIns="45720" numCol="1" anchor="ctr" anchorCtr="0" compatLnSpc="1"/>
-          <a:p>
-            <a:pPr marL="0" marR="0" indent="0" algn="l" defTabSz="914400" rtl="0" eaLnBrk="1" fontAlgn="base" latinLnBrk="0" hangingPunct="1">
-              <a:lnSpc>
-                <a:spcPct val="100000"/>
-              </a:lnSpc>
-              <a:spcBef>
-                <a:spcPct val="0"/>
-              </a:spcBef>
-              <a:spcAft>
-                <a:spcPct val="0"/>
-              </a:spcAft>
-              <a:buClrTx/>
-              <a:buSzTx/>
-              <a:buFontTx/>
-              <a:buNone/>
-            </a:pPr>
-            <a:r>
-              <a:rPr kumimoji="0" lang="en-US" altLang="zh-CN" sz="3600" b="0" i="0" u="none" strike="noStrike" cap="none" normalizeH="0" baseline="0" smtClean="0">
-                <a:ln w="10160">
-                  <a:solidFill>
-                    <a:schemeClr val="accent5"/>
-                  </a:solidFill>
-                  <a:prstDash val="solid"/>
-                </a:ln>
-                <a:solidFill>
-                  <a:srgbClr val="FFFFFF"/>
-                </a:solidFill>
-                <a:effectLst>
-                  <a:outerShdw blurRad="38100" dist="22860" dir="5400000" algn="tl" rotWithShape="0">
-                    <a:srgbClr val="000000">
-                      <a:alpha val="30000"/>
-                    </a:srgbClr>
-                  </a:outerShdw>
-                </a:effectLst>
-                <a:latin typeface="Arial" panose="020B0604020202020204" pitchFamily="34" charset="0"/>
-                <a:ea typeface="SimSun" panose="02010600030101010101" pitchFamily="2" charset="-122"/>
-              </a:rPr>
-              <a:t>I. What is Serenity - BDD?</a:t>
-            </a:r>
-            <a:endParaRPr kumimoji="0" lang="en-US" altLang="zh-CN" sz="3600" b="0" i="0" u="none" strike="noStrike" cap="none" normalizeH="0" baseline="0" smtClean="0">
-              <a:ln w="10160">
-                <a:solidFill>
-                  <a:schemeClr val="accent5"/>
-                </a:solidFill>
-                <a:prstDash val="solid"/>
-              </a:ln>
-              <a:solidFill>
-                <a:srgbClr val="FFFFFF"/>
-              </a:solidFill>
-              <a:effectLst>
-                <a:outerShdw blurRad="38100" dist="22860" dir="5400000" algn="tl" rotWithShape="0">
-                  <a:srgbClr val="000000">
-                    <a:alpha val="30000"/>
-                  </a:srgbClr>
-                </a:outerShdw>
-              </a:effectLst>
-              <a:latin typeface="Arial" panose="020B0604020202020204" pitchFamily="34" charset="0"/>
-              <a:ea typeface="SimSun" panose="02010600030101010101" pitchFamily="2" charset="-122"/>
-            </a:endParaRPr>
-          </a:p>
-        </p:txBody>
-      </p:sp>
-      <p:sp>
-        <p:nvSpPr>
-          <p:cNvPr id="6" name="Text Box 5"/>
-          <p:cNvSpPr txBox="1"/>
-          <p:nvPr/>
-        </p:nvSpPr>
-        <p:spPr>
-          <a:xfrm>
-            <a:off x="565150" y="1342390"/>
-            <a:ext cx="4657090" cy="460375"/>
-          </a:xfrm>
-          <a:prstGeom prst="rect">
-            <a:avLst/>
-          </a:prstGeom>
-          <a:noFill/>
-        </p:spPr>
-        <p:txBody>
-          <a:bodyPr wrap="square" rtlCol="0">
-            <a:spAutoFit/>
-            <a:scene3d>
-              <a:camera prst="orthographicFront"/>
-              <a:lightRig rig="threePt" dir="t"/>
-            </a:scene3d>
-          </a:bodyPr>
-          <a:p>
-            <a:r>
-              <a:rPr lang="en-US" sz="2400">
-                <a:ln/>
-                <a:solidFill>
-                  <a:schemeClr val="accent1"/>
-                </a:solidFill>
-                <a:effectLst>
-                  <a:outerShdw blurRad="38100" dist="25400" dir="5400000" algn="ctr" rotWithShape="0">
-                    <a:srgbClr val="6E747A">
-                      <a:alpha val="43000"/>
-                    </a:srgbClr>
-                  </a:outerShdw>
-                </a:effectLst>
-              </a:rPr>
-              <a:t>TDD - Test-Driven Development</a:t>
-            </a:r>
-            <a:endParaRPr lang="en-US" sz="2400">
-              <a:ln/>
-              <a:solidFill>
-                <a:schemeClr val="accent1"/>
-              </a:solidFill>
-              <a:effectLst>
-                <a:outerShdw blurRad="38100" dist="25400" dir="5400000" algn="ctr" rotWithShape="0">
-                  <a:srgbClr val="6E747A">
-                    <a:alpha val="43000"/>
-                  </a:srgbClr>
-                </a:outerShdw>
-              </a:effectLst>
-            </a:endParaRPr>
-          </a:p>
-        </p:txBody>
-      </p:sp>
-      <p:pic>
-        <p:nvPicPr>
-          <p:cNvPr id="7" name="Content Placeholder 6" descr="tdd-la-gi-Test-Driven-Development"/>
-          <p:cNvPicPr>
-            <a:picLocks noChangeAspect="1"/>
-          </p:cNvPicPr>
-          <p:nvPr>
-            <p:ph idx="1"/>
-          </p:nvPr>
-        </p:nvPicPr>
-        <p:blipFill>
-          <a:blip r:embed="rId1"/>
-          <a:stretch>
-            <a:fillRect/>
-          </a:stretch>
-        </p:blipFill>
-        <p:spPr>
-          <a:xfrm>
-            <a:off x="1167765" y="1975485"/>
-            <a:ext cx="9144000" cy="4029075"/>
-          </a:xfrm>
-          <a:prstGeom prst="rect">
-            <a:avLst/>
-          </a:prstGeom>
-        </p:spPr>
-      </p:pic>
-    </p:spTree>
-  </p:cSld>
-  <p:clrMapOvr>
-    <a:masterClrMapping/>
-  </p:clrMapOvr>
-</p:sld>
-</file>
-
-<file path=ppt/slides/slide5.xml><?xml version="1.0" encoding="utf-8"?>
-<p:sld xmlns:a="http://schemas.openxmlformats.org/drawingml/2006/main" xmlns:r="http://schemas.openxmlformats.org/officeDocument/2006/relationships" xmlns:p="http://schemas.openxmlformats.org/presentationml/2006/main">
-  <p:cSld>
-    <p:spTree>
-      <p:nvGrpSpPr>
-        <p:cNvPr id="1" name=""/>
-        <p:cNvGrpSpPr/>
-        <p:nvPr/>
-      </p:nvGrpSpPr>
-      <p:grpSpPr/>
-      <p:sp>
-        <p:nvSpPr>
-          <p:cNvPr id="4" name="Title 3"/>
-          <p:cNvSpPr>
-            <a:spLocks noGrp="1"/>
-          </p:cNvSpPr>
-          <p:nvPr>
-            <p:ph type="title"/>
-          </p:nvPr>
-        </p:nvSpPr>
-        <p:spPr/>
-        <p:txBody>
-          <a:bodyPr/>
-          <a:p>
-            <a:endParaRPr lang="en-US"/>
-          </a:p>
-        </p:txBody>
-      </p:sp>
-      <p:sp>
-        <p:nvSpPr>
-          <p:cNvPr id="10" name="Flowchart: Process 9"/>
-          <p:cNvSpPr/>
-          <p:nvPr/>
-        </p:nvSpPr>
-        <p:spPr>
-          <a:xfrm>
-            <a:off x="609600" y="190500"/>
-            <a:ext cx="10972800" cy="784860"/>
-          </a:xfrm>
-          <a:prstGeom prst="flowChartProcess">
-            <a:avLst/>
-          </a:prstGeom>
-          <a:gradFill rotWithShape="0">
-            <a:gsLst>
-              <a:gs pos="0">
-                <a:srgbClr val="012D86"/>
-              </a:gs>
-              <a:gs pos="100000">
-                <a:srgbClr val="0E2557"/>
-              </a:gs>
-            </a:gsLst>
-            <a:lin ang="5400000" scaled="0"/>
-          </a:gradFill>
-          <a:ln w="9525" cap="flat" cmpd="sng" algn="ctr">
-            <a:solidFill>
-              <a:schemeClr val="accent1"/>
-            </a:solidFill>
-            <a:prstDash val="solid"/>
-            <a:round/>
-            <a:headEnd type="none" w="med" len="med"/>
-            <a:tailEnd type="none" w="med" len="med"/>
-          </a:ln>
-          <a:effectLst>
-            <a:outerShdw blurRad="50800" dist="50800" dir="5400000" algn="ctr" rotWithShape="0">
-              <a:srgbClr val="002060">
-                <a:alpha val="38000"/>
-              </a:srgbClr>
-            </a:outerShdw>
-          </a:effectLst>
-        </p:spPr>
-        <p:txBody>
-          <a:bodyPr vert="horz" wrap="none" lIns="91440" tIns="45720" rIns="91440" bIns="45720" numCol="1" anchor="ctr" anchorCtr="0" compatLnSpc="1"/>
-          <a:p>
-            <a:pPr marL="0" marR="0" indent="0" algn="l" defTabSz="914400" rtl="0" eaLnBrk="1" fontAlgn="base" latinLnBrk="0" hangingPunct="1">
-              <a:lnSpc>
-                <a:spcPct val="100000"/>
-              </a:lnSpc>
-              <a:spcBef>
-                <a:spcPct val="0"/>
-              </a:spcBef>
-              <a:spcAft>
-                <a:spcPct val="0"/>
-              </a:spcAft>
-              <a:buClrTx/>
-              <a:buSzTx/>
-              <a:buFontTx/>
-              <a:buNone/>
-            </a:pPr>
-            <a:r>
-              <a:rPr kumimoji="0" lang="en-US" altLang="zh-CN" sz="3600" b="0" i="0" u="none" strike="noStrike" cap="none" normalizeH="0" baseline="0" smtClean="0">
-                <a:ln w="10160">
-                  <a:solidFill>
-                    <a:schemeClr val="accent5"/>
-                  </a:solidFill>
-                  <a:prstDash val="solid"/>
-                </a:ln>
-                <a:solidFill>
-                  <a:srgbClr val="FFFFFF"/>
-                </a:solidFill>
-                <a:effectLst>
-                  <a:outerShdw blurRad="38100" dist="22860" dir="5400000" algn="tl" rotWithShape="0">
-                    <a:srgbClr val="000000">
-                      <a:alpha val="30000"/>
-                    </a:srgbClr>
-                  </a:outerShdw>
-                </a:effectLst>
-                <a:latin typeface="Arial" panose="020B0604020202020204" pitchFamily="34" charset="0"/>
-                <a:ea typeface="SimSun" panose="02010600030101010101" pitchFamily="2" charset="-122"/>
-              </a:rPr>
-              <a:t>I. What is Serenity - BDD?</a:t>
-            </a:r>
-            <a:endParaRPr kumimoji="0" lang="en-US" altLang="zh-CN" sz="3600" b="0" i="0" u="none" strike="noStrike" cap="none" normalizeH="0" baseline="0" smtClean="0">
-              <a:ln w="10160">
-                <a:solidFill>
-                  <a:schemeClr val="accent5"/>
-                </a:solidFill>
-                <a:prstDash val="solid"/>
-              </a:ln>
-              <a:solidFill>
-                <a:srgbClr val="FFFFFF"/>
-              </a:solidFill>
-              <a:effectLst>
-                <a:outerShdw blurRad="38100" dist="22860" dir="5400000" algn="tl" rotWithShape="0">
-                  <a:srgbClr val="000000">
-                    <a:alpha val="30000"/>
-                  </a:srgbClr>
-                </a:outerShdw>
-              </a:effectLst>
-              <a:latin typeface="Arial" panose="020B0604020202020204" pitchFamily="34" charset="0"/>
-              <a:ea typeface="SimSun" panose="02010600030101010101" pitchFamily="2" charset="-122"/>
-            </a:endParaRPr>
-          </a:p>
-        </p:txBody>
-      </p:sp>
-      <p:sp>
-        <p:nvSpPr>
-          <p:cNvPr id="6" name="Text Box 5"/>
-          <p:cNvSpPr txBox="1"/>
-          <p:nvPr/>
-        </p:nvSpPr>
-        <p:spPr>
-          <a:xfrm>
-            <a:off x="565150" y="1342390"/>
-            <a:ext cx="5610225" cy="460375"/>
-          </a:xfrm>
-          <a:prstGeom prst="rect">
-            <a:avLst/>
-          </a:prstGeom>
-          <a:noFill/>
-        </p:spPr>
-        <p:txBody>
-          <a:bodyPr wrap="square" rtlCol="0">
-            <a:spAutoFit/>
-            <a:scene3d>
-              <a:camera prst="orthographicFront"/>
-              <a:lightRig rig="threePt" dir="t"/>
-            </a:scene3d>
-          </a:bodyPr>
-          <a:p>
-            <a:r>
-              <a:rPr lang="en-US" sz="2400">
-                <a:solidFill>
-                  <a:schemeClr val="accent1"/>
-                </a:solidFill>
-                <a:effectLst>
-                  <a:outerShdw blurRad="38100" dist="25400" dir="5400000" algn="ctr" rotWithShape="0">
-                    <a:srgbClr val="6E747A">
-                      <a:alpha val="43000"/>
-                    </a:srgbClr>
-                  </a:outerShdw>
-                </a:effectLst>
-              </a:rPr>
-              <a:t>BDD - Behavior-Driven Development</a:t>
-            </a:r>
-            <a:endParaRPr lang="en-US" sz="2400">
-              <a:solidFill>
-                <a:schemeClr val="accent1"/>
-              </a:solidFill>
-              <a:effectLst>
-                <a:outerShdw blurRad="38100" dist="25400" dir="5400000" algn="ctr" rotWithShape="0">
-                  <a:srgbClr val="6E747A">
-                    <a:alpha val="43000"/>
-                  </a:srgbClr>
-                </a:outerShdw>
-              </a:effectLst>
-            </a:endParaRPr>
-          </a:p>
-        </p:txBody>
-      </p:sp>
-      <p:pic>
-        <p:nvPicPr>
-          <p:cNvPr id="3" name="Content Placeholder 2" descr="TDD-vs-BDD"/>
-          <p:cNvPicPr>
-            <a:picLocks noChangeAspect="1"/>
-          </p:cNvPicPr>
-          <p:nvPr>
-            <p:ph idx="1"/>
-          </p:nvPr>
-        </p:nvPicPr>
-        <p:blipFill>
-          <a:blip r:embed="rId1"/>
-          <a:stretch>
-            <a:fillRect/>
-          </a:stretch>
-        </p:blipFill>
-        <p:spPr>
-          <a:xfrm>
-            <a:off x="2959735" y="1802765"/>
-            <a:ext cx="6660515" cy="3952240"/>
-          </a:xfrm>
-          <a:prstGeom prst="rect">
-            <a:avLst/>
-          </a:prstGeom>
-        </p:spPr>
-      </p:pic>
-    </p:spTree>
-  </p:cSld>
-  <p:clrMapOvr>
-    <a:masterClrMapping/>
-  </p:clrMapOvr>
-</p:sld>
-</file>
-
-<file path=ppt/slides/slide6.xml><?xml version="1.0" encoding="utf-8"?>
-<p:sld xmlns:a="http://schemas.openxmlformats.org/drawingml/2006/main" xmlns:r="http://schemas.openxmlformats.org/officeDocument/2006/relationships" xmlns:p="http://schemas.openxmlformats.org/presentationml/2006/main">
-  <p:cSld>
-    <p:spTree>
-      <p:nvGrpSpPr>
-        <p:cNvPr id="1" name=""/>
-        <p:cNvGrpSpPr/>
-        <p:nvPr/>
-      </p:nvGrpSpPr>
-      <p:grpSpPr/>
-      <p:sp>
-        <p:nvSpPr>
-          <p:cNvPr id="7" name="Title 6"/>
-          <p:cNvSpPr>
-            <a:spLocks noGrp="1"/>
-          </p:cNvSpPr>
-          <p:nvPr>
-            <p:ph type="title"/>
-          </p:nvPr>
-        </p:nvSpPr>
-        <p:spPr/>
-        <p:txBody>
-          <a:bodyPr/>
-          <a:p>
-            <a:endParaRPr lang="en-US"/>
-          </a:p>
-        </p:txBody>
-      </p:sp>
-      <p:sp>
-        <p:nvSpPr>
-          <p:cNvPr id="10" name="Flowchart: Process 9"/>
-          <p:cNvSpPr/>
-          <p:nvPr/>
-        </p:nvSpPr>
-        <p:spPr>
-          <a:xfrm>
-            <a:off x="609600" y="190500"/>
-            <a:ext cx="10972800" cy="784860"/>
-          </a:xfrm>
-          <a:prstGeom prst="flowChartProcess">
-            <a:avLst/>
-          </a:prstGeom>
-          <a:gradFill rotWithShape="0">
-            <a:gsLst>
-              <a:gs pos="0">
-                <a:srgbClr val="012D86"/>
-              </a:gs>
-              <a:gs pos="100000">
-                <a:srgbClr val="0E2557"/>
-              </a:gs>
-            </a:gsLst>
-            <a:lin ang="5400000" scaled="0"/>
-          </a:gradFill>
-          <a:ln w="9525" cap="flat" cmpd="sng" algn="ctr">
-            <a:solidFill>
-              <a:schemeClr val="accent1"/>
-            </a:solidFill>
-            <a:prstDash val="solid"/>
-            <a:round/>
-            <a:headEnd type="none" w="med" len="med"/>
-            <a:tailEnd type="none" w="med" len="med"/>
-          </a:ln>
-          <a:effectLst>
-            <a:outerShdw blurRad="50800" dist="50800" dir="5400000" algn="ctr" rotWithShape="0">
-              <a:srgbClr val="002060">
-                <a:alpha val="38000"/>
-              </a:srgbClr>
-            </a:outerShdw>
-          </a:effectLst>
-        </p:spPr>
-        <p:txBody>
-          <a:bodyPr vert="horz" wrap="none" lIns="91440" tIns="45720" rIns="91440" bIns="45720" numCol="1" anchor="ctr" anchorCtr="0" compatLnSpc="1"/>
-          <a:p>
-            <a:pPr marL="0" marR="0" indent="0" algn="l" defTabSz="914400" rtl="0" eaLnBrk="1" fontAlgn="base" latinLnBrk="0" hangingPunct="1">
-              <a:lnSpc>
-                <a:spcPct val="100000"/>
-              </a:lnSpc>
-              <a:spcBef>
-                <a:spcPct val="0"/>
-              </a:spcBef>
-              <a:spcAft>
-                <a:spcPct val="0"/>
-              </a:spcAft>
-              <a:buClrTx/>
-              <a:buSzTx/>
-              <a:buFontTx/>
-              <a:buNone/>
-            </a:pPr>
-            <a:r>
-              <a:rPr kumimoji="0" lang="en-US" altLang="zh-CN" sz="3600" b="0" i="0" u="none" strike="noStrike" cap="none" normalizeH="0" baseline="0" smtClean="0">
-                <a:ln w="10160">
-                  <a:solidFill>
-                    <a:schemeClr val="accent5"/>
-                  </a:solidFill>
-                  <a:prstDash val="solid"/>
-                </a:ln>
-                <a:solidFill>
-                  <a:srgbClr val="FFFFFF"/>
-                </a:solidFill>
-                <a:effectLst>
-                  <a:outerShdw blurRad="38100" dist="22860" dir="5400000" algn="tl" rotWithShape="0">
-                    <a:srgbClr val="000000">
-                      <a:alpha val="30000"/>
-                    </a:srgbClr>
-                  </a:outerShdw>
-                </a:effectLst>
-                <a:latin typeface="Arial" panose="020B0604020202020204" pitchFamily="34" charset="0"/>
-                <a:ea typeface="SimSun" panose="02010600030101010101" pitchFamily="2" charset="-122"/>
-              </a:rPr>
-              <a:t>I. What is Serenity - BDD?</a:t>
-            </a:r>
-            <a:endParaRPr kumimoji="0" lang="en-US" altLang="zh-CN" sz="3600" b="0" i="0" u="none" strike="noStrike" cap="none" normalizeH="0" baseline="0" smtClean="0">
-              <a:ln w="10160">
-                <a:solidFill>
-                  <a:schemeClr val="accent5"/>
-                </a:solidFill>
-                <a:prstDash val="solid"/>
-              </a:ln>
-              <a:solidFill>
-                <a:srgbClr val="FFFFFF"/>
-              </a:solidFill>
-              <a:effectLst>
-                <a:outerShdw blurRad="38100" dist="22860" dir="5400000" algn="tl" rotWithShape="0">
-                  <a:srgbClr val="000000">
-                    <a:alpha val="30000"/>
-                  </a:srgbClr>
-                </a:outerShdw>
-              </a:effectLst>
-              <a:latin typeface="Arial" panose="020B0604020202020204" pitchFamily="34" charset="0"/>
-              <a:ea typeface="SimSun" panose="02010600030101010101" pitchFamily="2" charset="-122"/>
-            </a:endParaRPr>
-          </a:p>
-        </p:txBody>
-      </p:sp>
-      <p:sp>
-        <p:nvSpPr>
-          <p:cNvPr id="6" name="Text Box 5"/>
-          <p:cNvSpPr txBox="1"/>
-          <p:nvPr/>
-        </p:nvSpPr>
-        <p:spPr>
-          <a:xfrm>
-            <a:off x="565150" y="1342390"/>
-            <a:ext cx="5610225" cy="460375"/>
-          </a:xfrm>
-          <a:prstGeom prst="rect">
-            <a:avLst/>
-          </a:prstGeom>
-          <a:noFill/>
-        </p:spPr>
-        <p:txBody>
-          <a:bodyPr wrap="square" rtlCol="0">
-            <a:spAutoFit/>
-            <a:scene3d>
-              <a:camera prst="orthographicFront"/>
-              <a:lightRig rig="threePt" dir="t"/>
-            </a:scene3d>
-          </a:bodyPr>
-          <a:p>
-            <a:r>
-              <a:rPr lang="en-US" sz="2400">
-                <a:solidFill>
-                  <a:schemeClr val="accent1"/>
-                </a:solidFill>
-                <a:effectLst>
-                  <a:outerShdw blurRad="38100" dist="25400" dir="5400000" algn="ctr" rotWithShape="0">
-                    <a:srgbClr val="6E747A">
-                      <a:alpha val="43000"/>
-                    </a:srgbClr>
-                  </a:outerShdw>
-                </a:effectLst>
-              </a:rPr>
-              <a:t>Gherkin</a:t>
-            </a:r>
-            <a:endParaRPr lang="en-US" sz="2400">
-              <a:solidFill>
-                <a:schemeClr val="accent1"/>
-              </a:solidFill>
-              <a:effectLst>
-                <a:outerShdw blurRad="38100" dist="25400" dir="5400000" algn="ctr" rotWithShape="0">
-                  <a:srgbClr val="6E747A">
-                    <a:alpha val="43000"/>
-                  </a:srgbClr>
-                </a:outerShdw>
-              </a:effectLst>
-            </a:endParaRPr>
-          </a:p>
-        </p:txBody>
-      </p:sp>
-      <p:pic>
-        <p:nvPicPr>
-          <p:cNvPr id="5" name="Content Placeholder 4" descr="BBDTestStructure"/>
-          <p:cNvPicPr>
-            <a:picLocks noChangeAspect="1"/>
-          </p:cNvPicPr>
-          <p:nvPr>
-            <p:ph idx="1"/>
-          </p:nvPr>
-        </p:nvPicPr>
-        <p:blipFill>
-          <a:blip r:embed="rId1"/>
-          <a:stretch>
-            <a:fillRect/>
-          </a:stretch>
-        </p:blipFill>
-        <p:spPr>
-          <a:xfrm>
-            <a:off x="1755775" y="2118995"/>
-            <a:ext cx="8874760" cy="3434715"/>
-          </a:xfrm>
-          <a:prstGeom prst="rect">
-            <a:avLst/>
-          </a:prstGeom>
-        </p:spPr>
-      </p:pic>
-    </p:spTree>
-  </p:cSld>
-  <p:clrMapOvr>
-    <a:masterClrMapping/>
-  </p:clrMapOvr>
-</p:sld>
-</file>
-
-<file path=ppt/slides/slide7.xml><?xml version="1.0" encoding="utf-8"?>
-<p:sld xmlns:a="http://schemas.openxmlformats.org/drawingml/2006/main" xmlns:r="http://schemas.openxmlformats.org/officeDocument/2006/relationships" xmlns:p="http://schemas.openxmlformats.org/presentationml/2006/main">
-  <p:cSld>
-    <p:spTree>
-      <p:nvGrpSpPr>
-        <p:cNvPr id="1" name=""/>
-        <p:cNvGrpSpPr/>
-        <p:nvPr/>
-      </p:nvGrpSpPr>
-      <p:grpSpPr/>
-      <p:sp>
-        <p:nvSpPr>
-          <p:cNvPr id="4" name="Title 3"/>
-          <p:cNvSpPr>
-            <a:spLocks noGrp="1"/>
-          </p:cNvSpPr>
-          <p:nvPr>
-            <p:ph type="title"/>
-          </p:nvPr>
-        </p:nvSpPr>
-        <p:spPr/>
-        <p:txBody>
-          <a:bodyPr/>
-          <a:p>
-            <a:endParaRPr lang="en-US"/>
-          </a:p>
-        </p:txBody>
-      </p:sp>
-      <p:sp>
-        <p:nvSpPr>
-          <p:cNvPr id="10" name="Flowchart: Process 9"/>
-          <p:cNvSpPr/>
-          <p:nvPr/>
-        </p:nvSpPr>
-        <p:spPr>
-          <a:xfrm>
-            <a:off x="609600" y="190500"/>
-            <a:ext cx="10972800" cy="784860"/>
-          </a:xfrm>
-          <a:prstGeom prst="flowChartProcess">
-            <a:avLst/>
-          </a:prstGeom>
-          <a:gradFill rotWithShape="0">
-            <a:gsLst>
-              <a:gs pos="0">
-                <a:srgbClr val="012D86"/>
-              </a:gs>
-              <a:gs pos="100000">
-                <a:srgbClr val="0E2557"/>
-              </a:gs>
-            </a:gsLst>
-            <a:lin ang="5400000" scaled="0"/>
-          </a:gradFill>
-          <a:ln w="9525" cap="flat" cmpd="sng" algn="ctr">
-            <a:solidFill>
-              <a:schemeClr val="accent1"/>
-            </a:solidFill>
-            <a:prstDash val="solid"/>
-            <a:round/>
-            <a:headEnd type="none" w="med" len="med"/>
-            <a:tailEnd type="none" w="med" len="med"/>
-          </a:ln>
-          <a:effectLst>
-            <a:outerShdw blurRad="50800" dist="50800" dir="5400000" algn="ctr" rotWithShape="0">
-              <a:srgbClr val="002060">
-                <a:alpha val="38000"/>
-              </a:srgbClr>
-            </a:outerShdw>
-          </a:effectLst>
-        </p:spPr>
-        <p:txBody>
-          <a:bodyPr vert="horz" wrap="none" lIns="91440" tIns="45720" rIns="91440" bIns="45720" numCol="1" anchor="ctr" anchorCtr="0" compatLnSpc="1"/>
-          <a:p>
-            <a:pPr marL="0" marR="0" indent="0" algn="ctr" defTabSz="914400" rtl="0" eaLnBrk="1" fontAlgn="base" latinLnBrk="0" hangingPunct="1">
-              <a:lnSpc>
-                <a:spcPct val="100000"/>
-              </a:lnSpc>
-              <a:spcBef>
-                <a:spcPct val="0"/>
-              </a:spcBef>
-              <a:spcAft>
-                <a:spcPct val="0"/>
-              </a:spcAft>
-              <a:buClrTx/>
-              <a:buSzTx/>
-              <a:buFontTx/>
-              <a:buNone/>
-            </a:pPr>
-            <a:r>
-              <a:rPr kumimoji="0" lang="en-US" altLang="zh-CN" sz="3600" b="0" i="0" u="none" strike="noStrike" cap="none" normalizeH="0" baseline="0" smtClean="0">
-                <a:ln w="10160">
-                  <a:solidFill>
-                    <a:schemeClr val="accent5"/>
-                  </a:solidFill>
-                  <a:prstDash val="solid"/>
-                </a:ln>
-                <a:solidFill>
-                  <a:srgbClr val="FFFFFF"/>
-                </a:solidFill>
-                <a:effectLst>
-                  <a:outerShdw blurRad="38100" dist="22860" dir="5400000" algn="tl" rotWithShape="0">
-                    <a:srgbClr val="000000">
-                      <a:alpha val="30000"/>
-                    </a:srgbClr>
-                  </a:outerShdw>
-                </a:effectLst>
-                <a:latin typeface="Arial" panose="020B0604020202020204" pitchFamily="34" charset="0"/>
-                <a:ea typeface="SimSun" panose="02010600030101010101" pitchFamily="2" charset="-122"/>
-              </a:rPr>
-              <a:t>II. Creating a new Serenity - BDD Cucumber project</a:t>
-            </a:r>
-            <a:r>
-              <a:rPr kumimoji="0" lang="en-US" altLang="zh-CN" sz="4400" b="0" i="0" u="none" strike="noStrike" cap="none" normalizeH="0" baseline="0" smtClean="0">
-                <a:ln w="10160">
-                  <a:solidFill>
-                    <a:schemeClr val="accent5"/>
-                  </a:solidFill>
-                  <a:prstDash val="solid"/>
-                </a:ln>
-                <a:solidFill>
-                  <a:srgbClr val="FFFFFF"/>
-                </a:solidFill>
-                <a:effectLst>
-                  <a:outerShdw blurRad="38100" dist="22860" dir="5400000" algn="tl" rotWithShape="0">
-                    <a:srgbClr val="000000">
-                      <a:alpha val="30000"/>
-                    </a:srgbClr>
-                  </a:outerShdw>
-                </a:effectLst>
-                <a:latin typeface="Arial" panose="020B0604020202020204" pitchFamily="34" charset="0"/>
-                <a:ea typeface="SimSun" panose="02010600030101010101" pitchFamily="2" charset="-122"/>
-              </a:rPr>
-              <a:t> </a:t>
-            </a:r>
-            <a:endParaRPr kumimoji="0" lang="en-US" altLang="zh-CN" sz="4400" b="0" i="0" u="none" strike="noStrike" cap="none" normalizeH="0" baseline="0" smtClean="0">
-              <a:ln w="10160">
-                <a:solidFill>
-                  <a:schemeClr val="accent5"/>
-                </a:solidFill>
-                <a:prstDash val="solid"/>
-              </a:ln>
-              <a:solidFill>
-                <a:srgbClr val="FFFFFF"/>
-              </a:solidFill>
-              <a:effectLst>
-                <a:outerShdw blurRad="38100" dist="22860" dir="5400000" algn="tl" rotWithShape="0">
-                  <a:srgbClr val="000000">
-                    <a:alpha val="30000"/>
-                  </a:srgbClr>
-                </a:outerShdw>
-              </a:effectLst>
-              <a:latin typeface="Arial" panose="020B0604020202020204" pitchFamily="34" charset="0"/>
-              <a:ea typeface="SimSun" panose="02010600030101010101" pitchFamily="2" charset="-122"/>
-            </a:endParaRPr>
-          </a:p>
-        </p:txBody>
-      </p:sp>
-      <p:sp>
-        <p:nvSpPr>
-          <p:cNvPr id="11" name="Content Placeholder 10"/>
-          <p:cNvSpPr/>
-          <p:nvPr>
-            <p:ph sz="half" idx="1"/>
-          </p:nvPr>
-        </p:nvSpPr>
-        <p:spPr>
-          <a:xfrm>
-            <a:off x="609600" y="1174750"/>
-            <a:ext cx="4722495" cy="4953000"/>
-          </a:xfrm>
-        </p:spPr>
-        <p:txBody>
-          <a:bodyPr/>
-          <a:p>
-            <a:pPr marL="0" indent="0">
-              <a:buNone/>
-            </a:pPr>
-            <a:r>
-              <a:rPr lang="en-US" sz="2400">
-                <a:ln/>
-                <a:solidFill>
-                  <a:schemeClr val="accent1"/>
-                </a:solidFill>
-                <a:effectLst>
-                  <a:outerShdw blurRad="38100" dist="25400" dir="5400000" algn="ctr" rotWithShape="0">
-                    <a:srgbClr val="6E747A">
-                      <a:alpha val="43000"/>
-                    </a:srgbClr>
-                  </a:outerShdw>
-                </a:effectLst>
-              </a:rPr>
-              <a:t>1. Run</a:t>
-            </a:r>
-            <a:r>
-              <a:rPr lang="en-US" sz="2400"/>
-              <a:t>: </a:t>
-            </a:r>
-            <a:endParaRPr lang="en-US" sz="2400"/>
-          </a:p>
-          <a:p>
-            <a:pPr marL="0" indent="0">
-              <a:buNone/>
-            </a:pPr>
-            <a:r>
-              <a:rPr lang="en-US" sz="2400">
-                <a:solidFill>
-                  <a:schemeClr val="accent2">
-                    <a:lumMod val="75000"/>
-                  </a:schemeClr>
-                </a:solidFill>
-              </a:rPr>
-              <a:t>mvn archetype:generate -Dfilter=serenity-cucumber</a:t>
-            </a:r>
-            <a:endParaRPr lang="en-US" sz="2400">
-              <a:solidFill>
-                <a:schemeClr val="accent2">
-                  <a:lumMod val="75000"/>
-                </a:schemeClr>
-              </a:solidFill>
-            </a:endParaRPr>
-          </a:p>
-          <a:p>
-            <a:pPr marL="0" indent="0">
-              <a:buNone/>
-            </a:pPr>
-            <a:endParaRPr lang="en-US" sz="2400"/>
-          </a:p>
-        </p:txBody>
-      </p:sp>
-      <p:pic>
-        <p:nvPicPr>
-          <p:cNvPr id="3" name="Content Placeholder 2" descr="1. creating project command"/>
-          <p:cNvPicPr>
-            <a:picLocks noChangeAspect="1"/>
-          </p:cNvPicPr>
-          <p:nvPr>
-            <p:ph sz="half" idx="2"/>
-          </p:nvPr>
-        </p:nvPicPr>
-        <p:blipFill>
-          <a:blip r:embed="rId1"/>
-          <a:stretch>
-            <a:fillRect/>
-          </a:stretch>
-        </p:blipFill>
-        <p:spPr>
-          <a:xfrm>
-            <a:off x="4957445" y="1297940"/>
-            <a:ext cx="6624955" cy="3482975"/>
-          </a:xfrm>
-          <a:prstGeom prst="rect">
-            <a:avLst/>
-          </a:prstGeom>
-        </p:spPr>
-      </p:pic>
-    </p:spTree>
-  </p:cSld>
-  <p:clrMapOvr>
-    <a:masterClrMapping/>
-  </p:clrMapOvr>
-</p:sld>
-</file>
-
-<file path=ppt/slides/slide8.xml><?xml version="1.0" encoding="utf-8"?>
-<p:sld xmlns:a="http://schemas.openxmlformats.org/drawingml/2006/main" xmlns:r="http://schemas.openxmlformats.org/officeDocument/2006/relationships" xmlns:p="http://schemas.openxmlformats.org/presentationml/2006/main">
-  <p:cSld>
-    <p:spTree>
-      <p:nvGrpSpPr>
-        <p:cNvPr id="1" name=""/>
-        <p:cNvGrpSpPr/>
-        <p:nvPr/>
-      </p:nvGrpSpPr>
-      <p:grpSpPr/>
-      <p:sp>
-        <p:nvSpPr>
-          <p:cNvPr id="12" name="Title 11"/>
-          <p:cNvSpPr>
-            <a:spLocks noGrp="1"/>
-          </p:cNvSpPr>
-          <p:nvPr>
-            <p:ph type="title"/>
-          </p:nvPr>
-        </p:nvSpPr>
-        <p:spPr/>
-        <p:txBody>
-          <a:bodyPr/>
-          <a:p>
-            <a:endParaRPr lang="en-US"/>
-          </a:p>
-        </p:txBody>
-      </p:sp>
-      <p:sp>
-        <p:nvSpPr>
-          <p:cNvPr id="10" name="Flowchart: Process 9"/>
-          <p:cNvSpPr/>
-          <p:nvPr/>
-        </p:nvSpPr>
-        <p:spPr>
-          <a:xfrm>
-            <a:off x="609600" y="190500"/>
-            <a:ext cx="10972800" cy="784860"/>
-          </a:xfrm>
-          <a:prstGeom prst="flowChartProcess">
-            <a:avLst/>
-          </a:prstGeom>
-          <a:gradFill rotWithShape="0">
-            <a:gsLst>
-              <a:gs pos="0">
-                <a:srgbClr val="012D86"/>
-              </a:gs>
-              <a:gs pos="100000">
-                <a:srgbClr val="0E2557"/>
-              </a:gs>
-            </a:gsLst>
-            <a:lin ang="5400000" scaled="0"/>
-          </a:gradFill>
-          <a:ln w="9525" cap="flat" cmpd="sng" algn="ctr">
-            <a:solidFill>
-              <a:schemeClr val="accent1"/>
-            </a:solidFill>
-            <a:prstDash val="solid"/>
-            <a:round/>
-            <a:headEnd type="none" w="med" len="med"/>
-            <a:tailEnd type="none" w="med" len="med"/>
-          </a:ln>
-          <a:effectLst>
-            <a:outerShdw blurRad="50800" dist="50800" dir="5400000" algn="ctr" rotWithShape="0">
-              <a:srgbClr val="002060">
-                <a:alpha val="38000"/>
-              </a:srgbClr>
-            </a:outerShdw>
-          </a:effectLst>
-        </p:spPr>
-        <p:txBody>
-          <a:bodyPr vert="horz" wrap="none" lIns="91440" tIns="45720" rIns="91440" bIns="45720" numCol="1" anchor="ctr" anchorCtr="0" compatLnSpc="1"/>
-          <a:p>
-            <a:pPr marL="0" marR="0" indent="0" algn="ctr" defTabSz="914400" rtl="0" eaLnBrk="1" fontAlgn="base" latinLnBrk="0" hangingPunct="1">
-              <a:lnSpc>
-                <a:spcPct val="100000"/>
-              </a:lnSpc>
-              <a:spcBef>
-                <a:spcPct val="0"/>
-              </a:spcBef>
-              <a:spcAft>
-                <a:spcPct val="0"/>
-              </a:spcAft>
-              <a:buClrTx/>
-              <a:buSzTx/>
-              <a:buFontTx/>
-              <a:buNone/>
-            </a:pPr>
-            <a:r>
-              <a:rPr kumimoji="0" lang="en-US" altLang="zh-CN" sz="3600" b="0" i="0" u="none" strike="noStrike" cap="none" normalizeH="0" baseline="0" smtClean="0">
-                <a:ln w="10160">
-                  <a:solidFill>
-                    <a:schemeClr val="accent5"/>
-                  </a:solidFill>
-                  <a:prstDash val="solid"/>
-                </a:ln>
-                <a:solidFill>
-                  <a:srgbClr val="FFFFFF"/>
-                </a:solidFill>
-                <a:effectLst>
-                  <a:outerShdw blurRad="38100" dist="22860" dir="5400000" algn="tl" rotWithShape="0">
-                    <a:srgbClr val="000000">
-                      <a:alpha val="30000"/>
-                    </a:srgbClr>
-                  </a:outerShdw>
-                </a:effectLst>
-                <a:latin typeface="Arial" panose="020B0604020202020204" pitchFamily="34" charset="0"/>
-                <a:ea typeface="SimSun" panose="02010600030101010101" pitchFamily="2" charset="-122"/>
-              </a:rPr>
-              <a:t>II. Creating a new Serenity - BDD Cucumber project</a:t>
-            </a:r>
-            <a:r>
-              <a:rPr kumimoji="0" lang="en-US" altLang="zh-CN" sz="4400" b="0" i="0" u="none" strike="noStrike" cap="none" normalizeH="0" baseline="0" smtClean="0">
-                <a:ln w="10160">
-                  <a:solidFill>
-                    <a:schemeClr val="accent5"/>
-                  </a:solidFill>
-                  <a:prstDash val="solid"/>
-                </a:ln>
-                <a:solidFill>
-                  <a:srgbClr val="FFFFFF"/>
-                </a:solidFill>
-                <a:effectLst>
-                  <a:outerShdw blurRad="38100" dist="22860" dir="5400000" algn="tl" rotWithShape="0">
-                    <a:srgbClr val="000000">
-                      <a:alpha val="30000"/>
-                    </a:srgbClr>
-                  </a:outerShdw>
-                </a:effectLst>
-                <a:latin typeface="Arial" panose="020B0604020202020204" pitchFamily="34" charset="0"/>
-                <a:ea typeface="SimSun" panose="02010600030101010101" pitchFamily="2" charset="-122"/>
-              </a:rPr>
-              <a:t> </a:t>
-            </a:r>
-            <a:endParaRPr kumimoji="0" lang="en-US" altLang="zh-CN" sz="4400" b="0" i="0" u="none" strike="noStrike" cap="none" normalizeH="0" baseline="0" smtClean="0">
-              <a:ln w="10160">
-                <a:solidFill>
-                  <a:schemeClr val="accent5"/>
-                </a:solidFill>
-                <a:prstDash val="solid"/>
-              </a:ln>
-              <a:solidFill>
-                <a:srgbClr val="FFFFFF"/>
-              </a:solidFill>
-              <a:effectLst>
-                <a:outerShdw blurRad="38100" dist="22860" dir="5400000" algn="tl" rotWithShape="0">
-                  <a:srgbClr val="000000">
-                    <a:alpha val="30000"/>
-                  </a:srgbClr>
-                </a:outerShdw>
-              </a:effectLst>
-              <a:latin typeface="Arial" panose="020B0604020202020204" pitchFamily="34" charset="0"/>
-              <a:ea typeface="SimSun" panose="02010600030101010101" pitchFamily="2" charset="-122"/>
-            </a:endParaRPr>
-          </a:p>
-        </p:txBody>
-      </p:sp>
-      <p:sp>
-        <p:nvSpPr>
-          <p:cNvPr id="11" name="Content Placeholder 10"/>
-          <p:cNvSpPr/>
-          <p:nvPr>
-            <p:ph sz="half" idx="1"/>
-          </p:nvPr>
-        </p:nvSpPr>
-        <p:spPr/>
-        <p:txBody>
-          <a:bodyPr/>
-          <a:p>
-            <a:pPr marL="0" indent="0">
-              <a:buNone/>
-            </a:pPr>
-            <a:endParaRPr lang="en-US" sz="2400">
-              <a:solidFill>
-                <a:schemeClr val="accent2">
-                  <a:lumMod val="75000"/>
-                </a:schemeClr>
-              </a:solidFill>
-            </a:endParaRPr>
-          </a:p>
-          <a:p>
-            <a:pPr marL="0" indent="0">
-              <a:buNone/>
-            </a:pPr>
-            <a:endParaRPr lang="en-US" sz="2400"/>
-          </a:p>
-        </p:txBody>
-      </p:sp>
-      <p:sp>
-        <p:nvSpPr>
-          <p:cNvPr id="5" name="Content Placeholder 10"/>
-          <p:cNvSpPr/>
-          <p:nvPr/>
-        </p:nvSpPr>
-        <p:spPr>
-          <a:xfrm>
-            <a:off x="736600" y="1301750"/>
-            <a:ext cx="4722495" cy="4953000"/>
-          </a:xfrm>
-          <a:prstGeom prst="rect">
-            <a:avLst/>
-          </a:prstGeom>
-          <a:noFill/>
-          <a:ln w="9525">
-            <a:noFill/>
-          </a:ln>
-        </p:spPr>
-        <p:txBody>
-          <a:bodyPr/>
-          <a:lstStyle>
-            <a:lvl1pPr marL="342900" indent="-342900" algn="l" rtl="0" fontAlgn="base">
-              <a:spcBef>
-                <a:spcPct val="20000"/>
-              </a:spcBef>
-              <a:spcAft>
-                <a:spcPct val="0"/>
-              </a:spcAft>
-              <a:buChar char="•"/>
-              <a:defRPr sz="3200" kern="1200">
-                <a:solidFill>
-                  <a:schemeClr val="tx1"/>
-                </a:solidFill>
-                <a:latin typeface="+mn-lt"/>
-                <a:ea typeface="+mn-ea"/>
-                <a:cs typeface="+mn-cs"/>
-              </a:defRPr>
-            </a:lvl1pPr>
-            <a:lvl2pPr marL="742950" indent="-285750" algn="l" rtl="0" fontAlgn="base">
-              <a:spcBef>
-                <a:spcPct val="20000"/>
-              </a:spcBef>
-              <a:spcAft>
-                <a:spcPct val="0"/>
-              </a:spcAft>
-              <a:buChar char="–"/>
-              <a:defRPr sz="2800" kern="1200">
-                <a:solidFill>
-                  <a:schemeClr val="tx1"/>
-                </a:solidFill>
-                <a:latin typeface="+mn-lt"/>
-                <a:ea typeface="+mn-ea"/>
-                <a:cs typeface="+mn-cs"/>
-              </a:defRPr>
-            </a:lvl2pPr>
-            <a:lvl3pPr marL="1143000" indent="-228600" algn="l" rtl="0" fontAlgn="base">
-              <a:spcBef>
-                <a:spcPct val="20000"/>
-              </a:spcBef>
-              <a:spcAft>
-                <a:spcPct val="0"/>
-              </a:spcAft>
-              <a:buChar char="•"/>
-              <a:defRPr sz="2400" kern="1200">
-                <a:solidFill>
-                  <a:schemeClr val="tx1"/>
-                </a:solidFill>
-                <a:latin typeface="+mn-lt"/>
-                <a:ea typeface="+mn-ea"/>
-                <a:cs typeface="+mn-cs"/>
-              </a:defRPr>
-            </a:lvl3pPr>
-            <a:lvl4pPr marL="1600200" indent="-228600" algn="l" rtl="0" fontAlgn="base">
-              <a:spcBef>
-                <a:spcPct val="20000"/>
-              </a:spcBef>
-              <a:spcAft>
-                <a:spcPct val="0"/>
-              </a:spcAft>
-              <a:buChar char="–"/>
-              <a:defRPr sz="2000" kern="1200">
-                <a:solidFill>
-                  <a:schemeClr val="tx1"/>
-                </a:solidFill>
-                <a:latin typeface="+mn-lt"/>
-                <a:ea typeface="+mn-ea"/>
-                <a:cs typeface="+mn-cs"/>
-              </a:defRPr>
-            </a:lvl4pPr>
-            <a:lvl5pPr marL="2057400" indent="-228600" algn="l" rtl="0" fontAlgn="base">
-              <a:spcBef>
-                <a:spcPct val="20000"/>
-              </a:spcBef>
-              <a:spcAft>
-                <a:spcPct val="0"/>
-              </a:spcAft>
-              <a:buChar char="»"/>
-              <a:defRPr sz="2000" kern="1200">
-                <a:solidFill>
-                  <a:schemeClr val="tx1"/>
-                </a:solidFill>
-                <a:latin typeface="+mn-lt"/>
-                <a:ea typeface="+mn-ea"/>
-                <a:cs typeface="+mn-cs"/>
-              </a:defRPr>
-            </a:lvl5pPr>
-            <a:lvl6pPr marL="2514600" indent="-228600" algn="l" defTabSz="914400" rtl="0" eaLnBrk="1" latinLnBrk="0" hangingPunct="1">
-              <a:lnSpc>
-                <a:spcPct val="90000"/>
-              </a:lnSpc>
-              <a:spcBef>
-                <a:spcPts val="500"/>
-              </a:spcBef>
-              <a:buFont typeface="Arial" panose="020B0604020202020204" pitchFamily="34" charset="0"/>
-              <a:buChar char="•"/>
-              <a:defRPr sz="1800" kern="1200">
-                <a:solidFill>
-                  <a:schemeClr val="tx1"/>
-                </a:solidFill>
-                <a:latin typeface="+mn-lt"/>
-                <a:ea typeface="+mn-ea"/>
-                <a:cs typeface="+mn-cs"/>
-              </a:defRPr>
-            </a:lvl6pPr>
-            <a:lvl7pPr marL="2971800" indent="-228600" algn="l" defTabSz="914400" rtl="0" eaLnBrk="1" latinLnBrk="0" hangingPunct="1">
-              <a:lnSpc>
-                <a:spcPct val="90000"/>
-              </a:lnSpc>
-              <a:spcBef>
-                <a:spcPts val="500"/>
-              </a:spcBef>
-              <a:buFont typeface="Arial" panose="020B0604020202020204" pitchFamily="34" charset="0"/>
-              <a:buChar char="•"/>
-              <a:defRPr sz="1800" kern="1200">
-                <a:solidFill>
-                  <a:schemeClr val="tx1"/>
-                </a:solidFill>
-                <a:latin typeface="+mn-lt"/>
-                <a:ea typeface="+mn-ea"/>
-                <a:cs typeface="+mn-cs"/>
-              </a:defRPr>
-            </a:lvl7pPr>
-            <a:lvl8pPr marL="3429000" indent="-228600" algn="l" defTabSz="914400" rtl="0" eaLnBrk="1" latinLnBrk="0" hangingPunct="1">
-              <a:lnSpc>
-                <a:spcPct val="90000"/>
-              </a:lnSpc>
-              <a:spcBef>
-                <a:spcPts val="500"/>
-              </a:spcBef>
-              <a:buFont typeface="Arial" panose="020B0604020202020204" pitchFamily="34" charset="0"/>
-              <a:buChar char="•"/>
-              <a:defRPr sz="1800" kern="1200">
-                <a:solidFill>
-                  <a:schemeClr val="tx1"/>
-                </a:solidFill>
-                <a:latin typeface="+mn-lt"/>
-                <a:ea typeface="+mn-ea"/>
-                <a:cs typeface="+mn-cs"/>
-              </a:defRPr>
-            </a:lvl8pPr>
-            <a:lvl9pPr marL="3886200" indent="-228600" algn="l" defTabSz="914400" rtl="0" eaLnBrk="1" latinLnBrk="0" hangingPunct="1">
-              <a:lnSpc>
-                <a:spcPct val="90000"/>
-              </a:lnSpc>
-              <a:spcBef>
-                <a:spcPts val="500"/>
-              </a:spcBef>
-              <a:buFont typeface="Arial" panose="020B0604020202020204" pitchFamily="34" charset="0"/>
-              <a:buChar char="•"/>
-              <a:defRPr sz="1800" kern="1200">
-                <a:solidFill>
-                  <a:schemeClr val="tx1"/>
-                </a:solidFill>
-                <a:latin typeface="+mn-lt"/>
-                <a:ea typeface="+mn-ea"/>
-                <a:cs typeface="+mn-cs"/>
-              </a:defRPr>
-            </a:lvl9pPr>
-          </a:lstStyle>
-          <a:p>
-            <a:pPr marL="0" indent="0">
-              <a:buNone/>
-            </a:pPr>
-            <a:r>
-              <a:rPr lang="en-US" sz="2400">
-                <a:ln/>
-                <a:solidFill>
-                  <a:schemeClr val="accent1"/>
-                </a:solidFill>
-                <a:effectLst>
-                  <a:outerShdw blurRad="38100" dist="25400" dir="5400000" algn="ctr" rotWithShape="0">
-                    <a:srgbClr val="6E747A">
-                      <a:alpha val="43000"/>
-                    </a:srgbClr>
-                  </a:outerShdw>
-                </a:effectLst>
-              </a:rPr>
-              <a:t>2. Choosing version:</a:t>
-            </a:r>
-            <a:endParaRPr lang="en-US" sz="2400">
-              <a:ln/>
-              <a:solidFill>
-                <a:schemeClr val="accent1"/>
-              </a:solidFill>
-              <a:effectLst>
-                <a:outerShdw blurRad="38100" dist="25400" dir="5400000" algn="ctr" rotWithShape="0">
-                  <a:srgbClr val="6E747A">
-                    <a:alpha val="43000"/>
-                  </a:srgbClr>
-                </a:outerShdw>
-              </a:effectLst>
-            </a:endParaRPr>
-          </a:p>
-        </p:txBody>
-      </p:sp>
-      <p:pic>
-        <p:nvPicPr>
-          <p:cNvPr id="9" name="Content Placeholder 8" descr="1.2 create project name"/>
-          <p:cNvPicPr>
-            <a:picLocks noChangeAspect="1"/>
-          </p:cNvPicPr>
-          <p:nvPr>
-            <p:ph sz="half" idx="2"/>
-          </p:nvPr>
-        </p:nvPicPr>
-        <p:blipFill>
-          <a:blip r:embed="rId1"/>
-          <a:stretch>
-            <a:fillRect/>
-          </a:stretch>
-        </p:blipFill>
-        <p:spPr>
-          <a:xfrm>
-            <a:off x="1736090" y="2019300"/>
-            <a:ext cx="8218805" cy="3695700"/>
-          </a:xfrm>
-          <a:prstGeom prst="rect">
-            <a:avLst/>
-          </a:prstGeom>
-        </p:spPr>
-      </p:pic>
+        </p:txBody>
+      </p:sp>
     </p:spTree>
   </p:cSld>
   <p:clrMapOvr>
@@ -10223,568 +8063,31 @@
       <p:grpSpPr/>
       <p:sp>
         <p:nvSpPr>
-          <p:cNvPr id="6" name="Title 5"/>
-          <p:cNvSpPr>
-            <a:spLocks noGrp="1"/>
-          </p:cNvSpPr>
-          <p:nvPr>
-            <p:ph type="title"/>
-          </p:nvPr>
-        </p:nvSpPr>
-        <p:spPr/>
-        <p:txBody>
-          <a:bodyPr/>
-          <a:p>
-            <a:endParaRPr lang="en-US"/>
-          </a:p>
-        </p:txBody>
-      </p:sp>
-      <p:sp>
-        <p:nvSpPr>
-          <p:cNvPr id="10" name="Flowchart: Process 9"/>
+          <p:cNvPr id="3" name="Rectangle 2"/>
           <p:cNvSpPr/>
           <p:nvPr/>
         </p:nvSpPr>
         <p:spPr>
           <a:xfrm>
-            <a:off x="609600" y="190500"/>
-            <a:ext cx="10972800" cy="784860"/>
-          </a:xfrm>
-          <a:prstGeom prst="flowChartProcess">
-            <a:avLst/>
-          </a:prstGeom>
-          <a:gradFill rotWithShape="0">
-            <a:gsLst>
-              <a:gs pos="0">
-                <a:srgbClr val="012D86"/>
-              </a:gs>
-              <a:gs pos="100000">
-                <a:srgbClr val="0E2557"/>
-              </a:gs>
-            </a:gsLst>
-            <a:lin ang="5400000" scaled="0"/>
-          </a:gradFill>
-          <a:ln w="9525" cap="flat" cmpd="sng" algn="ctr">
-            <a:solidFill>
-              <a:schemeClr val="accent1"/>
-            </a:solidFill>
-            <a:prstDash val="solid"/>
-            <a:round/>
-            <a:headEnd type="none" w="med" len="med"/>
-            <a:tailEnd type="none" w="med" len="med"/>
-          </a:ln>
-          <a:effectLst>
-            <a:outerShdw blurRad="50800" dist="50800" dir="5400000" algn="ctr" rotWithShape="0">
-              <a:srgbClr val="002060">
-                <a:alpha val="38000"/>
-              </a:srgbClr>
-            </a:outerShdw>
-          </a:effectLst>
-        </p:spPr>
-        <p:txBody>
-          <a:bodyPr vert="horz" wrap="none" lIns="91440" tIns="45720" rIns="91440" bIns="45720" numCol="1" anchor="ctr" anchorCtr="0" compatLnSpc="1"/>
-          <a:p>
-            <a:pPr marL="0" marR="0" indent="0" algn="ctr" defTabSz="914400" rtl="0" eaLnBrk="1" fontAlgn="base" latinLnBrk="0" hangingPunct="1">
-              <a:lnSpc>
-                <a:spcPct val="100000"/>
-              </a:lnSpc>
-              <a:spcBef>
-                <a:spcPct val="0"/>
-              </a:spcBef>
-              <a:spcAft>
-                <a:spcPct val="0"/>
-              </a:spcAft>
-              <a:buClrTx/>
-              <a:buSzTx/>
-              <a:buFontTx/>
-              <a:buNone/>
-            </a:pPr>
-            <a:r>
-              <a:rPr kumimoji="0" lang="en-US" altLang="zh-CN" sz="3600" b="0" i="0" u="none" strike="noStrike" cap="none" normalizeH="0" baseline="0" smtClean="0">
-                <a:ln w="10160">
-                  <a:solidFill>
-                    <a:schemeClr val="accent5"/>
-                  </a:solidFill>
-                  <a:prstDash val="solid"/>
-                </a:ln>
-                <a:solidFill>
-                  <a:srgbClr val="FFFFFF"/>
-                </a:solidFill>
-                <a:effectLst>
-                  <a:outerShdw blurRad="38100" dist="22860" dir="5400000" algn="tl" rotWithShape="0">
-                    <a:srgbClr val="000000">
-                      <a:alpha val="30000"/>
-                    </a:srgbClr>
-                  </a:outerShdw>
-                </a:effectLst>
-                <a:latin typeface="Arial" panose="020B0604020202020204" pitchFamily="34" charset="0"/>
-                <a:ea typeface="SimSun" panose="02010600030101010101" pitchFamily="2" charset="-122"/>
-              </a:rPr>
-              <a:t>II. Creating a new Serenity - BDD Cucumber project</a:t>
-            </a:r>
-            <a:r>
-              <a:rPr kumimoji="0" lang="en-US" altLang="zh-CN" sz="4400" b="0" i="0" u="none" strike="noStrike" cap="none" normalizeH="0" baseline="0" smtClean="0">
-                <a:ln w="10160">
-                  <a:solidFill>
-                    <a:schemeClr val="accent5"/>
-                  </a:solidFill>
-                  <a:prstDash val="solid"/>
-                </a:ln>
-                <a:solidFill>
-                  <a:srgbClr val="FFFFFF"/>
-                </a:solidFill>
-                <a:effectLst>
-                  <a:outerShdw blurRad="38100" dist="22860" dir="5400000" algn="tl" rotWithShape="0">
-                    <a:srgbClr val="000000">
-                      <a:alpha val="30000"/>
-                    </a:srgbClr>
-                  </a:outerShdw>
-                </a:effectLst>
-                <a:latin typeface="Arial" panose="020B0604020202020204" pitchFamily="34" charset="0"/>
-                <a:ea typeface="SimSun" panose="02010600030101010101" pitchFamily="2" charset="-122"/>
-              </a:rPr>
-              <a:t> </a:t>
-            </a:r>
-            <a:endParaRPr kumimoji="0" lang="en-US" altLang="zh-CN" sz="4400" b="0" i="0" u="none" strike="noStrike" cap="none" normalizeH="0" baseline="0" smtClean="0">
-              <a:ln w="10160">
-                <a:solidFill>
-                  <a:schemeClr val="accent5"/>
-                </a:solidFill>
-                <a:prstDash val="solid"/>
-              </a:ln>
-              <a:solidFill>
-                <a:srgbClr val="FFFFFF"/>
-              </a:solidFill>
-              <a:effectLst>
-                <a:outerShdw blurRad="38100" dist="22860" dir="5400000" algn="tl" rotWithShape="0">
-                  <a:srgbClr val="000000">
-                    <a:alpha val="30000"/>
-                  </a:srgbClr>
-                </a:outerShdw>
-              </a:effectLst>
-              <a:latin typeface="Arial" panose="020B0604020202020204" pitchFamily="34" charset="0"/>
-              <a:ea typeface="SimSun" panose="02010600030101010101" pitchFamily="2" charset="-122"/>
-            </a:endParaRPr>
-          </a:p>
-        </p:txBody>
-      </p:sp>
-      <p:sp>
-        <p:nvSpPr>
-          <p:cNvPr id="11" name="Content Placeholder 10"/>
-          <p:cNvSpPr/>
-          <p:nvPr>
-            <p:ph sz="half" idx="1"/>
-          </p:nvPr>
-        </p:nvSpPr>
-        <p:spPr/>
-        <p:txBody>
-          <a:bodyPr/>
-          <a:p>
-            <a:pPr marL="0" indent="0">
-              <a:buNone/>
-            </a:pPr>
-            <a:endParaRPr lang="en-US" sz="2400">
-              <a:solidFill>
-                <a:schemeClr val="accent2">
-                  <a:lumMod val="75000"/>
-                </a:schemeClr>
-              </a:solidFill>
-            </a:endParaRPr>
-          </a:p>
-          <a:p>
-            <a:pPr marL="0" indent="0">
-              <a:buNone/>
-            </a:pPr>
-            <a:endParaRPr lang="en-US" sz="2400"/>
-          </a:p>
-        </p:txBody>
-      </p:sp>
-      <p:sp>
-        <p:nvSpPr>
-          <p:cNvPr id="2" name="Content Placeholder 10"/>
-          <p:cNvSpPr/>
-          <p:nvPr/>
-        </p:nvSpPr>
-        <p:spPr>
-          <a:xfrm>
-            <a:off x="609600" y="1174750"/>
-            <a:ext cx="5384800" cy="4953000"/>
+            <a:off x="4250690" y="2829560"/>
+            <a:ext cx="3689985" cy="1198880"/>
           </a:xfrm>
           <a:prstGeom prst="rect">
             <a:avLst/>
           </a:prstGeom>
           <a:noFill/>
-          <a:ln w="9525">
+          <a:ln>
             <a:noFill/>
           </a:ln>
         </p:spPr>
         <p:txBody>
-          <a:bodyPr/>
-          <a:lstStyle>
-            <a:lvl1pPr marL="342900" indent="-342900" algn="l" rtl="0" fontAlgn="base">
-              <a:spcBef>
-                <a:spcPct val="20000"/>
-              </a:spcBef>
-              <a:spcAft>
-                <a:spcPct val="0"/>
-              </a:spcAft>
-              <a:buChar char="•"/>
-              <a:defRPr sz="3200" kern="1200">
-                <a:solidFill>
-                  <a:schemeClr val="tx1"/>
-                </a:solidFill>
-                <a:latin typeface="+mn-lt"/>
-                <a:ea typeface="+mn-ea"/>
-                <a:cs typeface="+mn-cs"/>
-              </a:defRPr>
-            </a:lvl1pPr>
-            <a:lvl2pPr marL="742950" indent="-285750" algn="l" rtl="0" fontAlgn="base">
-              <a:spcBef>
-                <a:spcPct val="20000"/>
-              </a:spcBef>
-              <a:spcAft>
-                <a:spcPct val="0"/>
-              </a:spcAft>
-              <a:buChar char="–"/>
-              <a:defRPr sz="2800" kern="1200">
-                <a:solidFill>
-                  <a:schemeClr val="tx1"/>
-                </a:solidFill>
-                <a:latin typeface="+mn-lt"/>
-                <a:ea typeface="+mn-ea"/>
-                <a:cs typeface="+mn-cs"/>
-              </a:defRPr>
-            </a:lvl2pPr>
-            <a:lvl3pPr marL="1143000" indent="-228600" algn="l" rtl="0" fontAlgn="base">
-              <a:spcBef>
-                <a:spcPct val="20000"/>
-              </a:spcBef>
-              <a:spcAft>
-                <a:spcPct val="0"/>
-              </a:spcAft>
-              <a:buChar char="•"/>
-              <a:defRPr sz="2400" kern="1200">
-                <a:solidFill>
-                  <a:schemeClr val="tx1"/>
-                </a:solidFill>
-                <a:latin typeface="+mn-lt"/>
-                <a:ea typeface="+mn-ea"/>
-                <a:cs typeface="+mn-cs"/>
-              </a:defRPr>
-            </a:lvl3pPr>
-            <a:lvl4pPr marL="1600200" indent="-228600" algn="l" rtl="0" fontAlgn="base">
-              <a:spcBef>
-                <a:spcPct val="20000"/>
-              </a:spcBef>
-              <a:spcAft>
-                <a:spcPct val="0"/>
-              </a:spcAft>
-              <a:buChar char="–"/>
-              <a:defRPr sz="2000" kern="1200">
-                <a:solidFill>
-                  <a:schemeClr val="tx1"/>
-                </a:solidFill>
-                <a:latin typeface="+mn-lt"/>
-                <a:ea typeface="+mn-ea"/>
-                <a:cs typeface="+mn-cs"/>
-              </a:defRPr>
-            </a:lvl4pPr>
-            <a:lvl5pPr marL="2057400" indent="-228600" algn="l" rtl="0" fontAlgn="base">
-              <a:spcBef>
-                <a:spcPct val="20000"/>
-              </a:spcBef>
-              <a:spcAft>
-                <a:spcPct val="0"/>
-              </a:spcAft>
-              <a:buChar char="»"/>
-              <a:defRPr sz="2000" kern="1200">
-                <a:solidFill>
-                  <a:schemeClr val="tx1"/>
-                </a:solidFill>
-                <a:latin typeface="+mn-lt"/>
-                <a:ea typeface="+mn-ea"/>
-                <a:cs typeface="+mn-cs"/>
-              </a:defRPr>
-            </a:lvl5pPr>
-            <a:lvl6pPr marL="2514600" indent="-228600" algn="l" defTabSz="914400" rtl="0" eaLnBrk="1" latinLnBrk="0" hangingPunct="1">
-              <a:lnSpc>
-                <a:spcPct val="90000"/>
-              </a:lnSpc>
-              <a:spcBef>
-                <a:spcPts val="500"/>
-              </a:spcBef>
-              <a:buFont typeface="Arial" panose="020B0604020202020204" pitchFamily="34" charset="0"/>
-              <a:buChar char="•"/>
-              <a:defRPr sz="1800" kern="1200">
-                <a:solidFill>
-                  <a:schemeClr val="tx1"/>
-                </a:solidFill>
-                <a:latin typeface="+mn-lt"/>
-                <a:ea typeface="+mn-ea"/>
-                <a:cs typeface="+mn-cs"/>
-              </a:defRPr>
-            </a:lvl6pPr>
-            <a:lvl7pPr marL="2971800" indent="-228600" algn="l" defTabSz="914400" rtl="0" eaLnBrk="1" latinLnBrk="0" hangingPunct="1">
-              <a:lnSpc>
-                <a:spcPct val="90000"/>
-              </a:lnSpc>
-              <a:spcBef>
-                <a:spcPts val="500"/>
-              </a:spcBef>
-              <a:buFont typeface="Arial" panose="020B0604020202020204" pitchFamily="34" charset="0"/>
-              <a:buChar char="•"/>
-              <a:defRPr sz="1800" kern="1200">
-                <a:solidFill>
-                  <a:schemeClr val="tx1"/>
-                </a:solidFill>
-                <a:latin typeface="+mn-lt"/>
-                <a:ea typeface="+mn-ea"/>
-                <a:cs typeface="+mn-cs"/>
-              </a:defRPr>
-            </a:lvl7pPr>
-            <a:lvl8pPr marL="3429000" indent="-228600" algn="l" defTabSz="914400" rtl="0" eaLnBrk="1" latinLnBrk="0" hangingPunct="1">
-              <a:lnSpc>
-                <a:spcPct val="90000"/>
-              </a:lnSpc>
-              <a:spcBef>
-                <a:spcPts val="500"/>
-              </a:spcBef>
-              <a:buFont typeface="Arial" panose="020B0604020202020204" pitchFamily="34" charset="0"/>
-              <a:buChar char="•"/>
-              <a:defRPr sz="1800" kern="1200">
-                <a:solidFill>
-                  <a:schemeClr val="tx1"/>
-                </a:solidFill>
-                <a:latin typeface="+mn-lt"/>
-                <a:ea typeface="+mn-ea"/>
-                <a:cs typeface="+mn-cs"/>
-              </a:defRPr>
-            </a:lvl8pPr>
-            <a:lvl9pPr marL="3886200" indent="-228600" algn="l" defTabSz="914400" rtl="0" eaLnBrk="1" latinLnBrk="0" hangingPunct="1">
-              <a:lnSpc>
-                <a:spcPct val="90000"/>
-              </a:lnSpc>
-              <a:spcBef>
-                <a:spcPts val="500"/>
-              </a:spcBef>
-              <a:buFont typeface="Arial" panose="020B0604020202020204" pitchFamily="34" charset="0"/>
-              <a:buChar char="•"/>
-              <a:defRPr sz="1800" kern="1200">
-                <a:solidFill>
-                  <a:schemeClr val="tx1"/>
-                </a:solidFill>
-                <a:latin typeface="+mn-lt"/>
-                <a:ea typeface="+mn-ea"/>
-                <a:cs typeface="+mn-cs"/>
-              </a:defRPr>
-            </a:lvl9pPr>
-          </a:lstStyle>
-          <a:p>
-            <a:pPr marL="0" indent="0">
-              <a:buNone/>
-            </a:pPr>
-            <a:endParaRPr lang="en-US" sz="2400">
-              <a:solidFill>
-                <a:schemeClr val="accent2">
-                  <a:lumMod val="75000"/>
-                </a:schemeClr>
-              </a:solidFill>
-            </a:endParaRPr>
-          </a:p>
-          <a:p>
-            <a:pPr marL="0" indent="0">
-              <a:buNone/>
-            </a:pPr>
-            <a:endParaRPr lang="en-US" sz="2400"/>
-          </a:p>
-        </p:txBody>
-      </p:sp>
-      <p:sp>
-        <p:nvSpPr>
-          <p:cNvPr id="5" name="Content Placeholder 10"/>
-          <p:cNvSpPr/>
-          <p:nvPr/>
-        </p:nvSpPr>
-        <p:spPr>
-          <a:xfrm>
-            <a:off x="736600" y="1301750"/>
-            <a:ext cx="4722495" cy="4953000"/>
-          </a:xfrm>
-          <a:prstGeom prst="rect">
-            <a:avLst/>
-          </a:prstGeom>
-          <a:noFill/>
-          <a:ln w="9525">
-            <a:noFill/>
-          </a:ln>
-        </p:spPr>
-        <p:txBody>
-          <a:bodyPr/>
-          <a:lstStyle>
-            <a:lvl1pPr marL="342900" indent="-342900" algn="l" rtl="0" fontAlgn="base">
-              <a:spcBef>
-                <a:spcPct val="20000"/>
-              </a:spcBef>
-              <a:spcAft>
-                <a:spcPct val="0"/>
-              </a:spcAft>
-              <a:buChar char="•"/>
-              <a:defRPr sz="3200" kern="1200">
-                <a:solidFill>
-                  <a:schemeClr val="tx1"/>
-                </a:solidFill>
-                <a:latin typeface="+mn-lt"/>
-                <a:ea typeface="+mn-ea"/>
-                <a:cs typeface="+mn-cs"/>
-              </a:defRPr>
-            </a:lvl1pPr>
-            <a:lvl2pPr marL="742950" indent="-285750" algn="l" rtl="0" fontAlgn="base">
-              <a:spcBef>
-                <a:spcPct val="20000"/>
-              </a:spcBef>
-              <a:spcAft>
-                <a:spcPct val="0"/>
-              </a:spcAft>
-              <a:buChar char="–"/>
-              <a:defRPr sz="2800" kern="1200">
-                <a:solidFill>
-                  <a:schemeClr val="tx1"/>
-                </a:solidFill>
-                <a:latin typeface="+mn-lt"/>
-                <a:ea typeface="+mn-ea"/>
-                <a:cs typeface="+mn-cs"/>
-              </a:defRPr>
-            </a:lvl2pPr>
-            <a:lvl3pPr marL="1143000" indent="-228600" algn="l" rtl="0" fontAlgn="base">
-              <a:spcBef>
-                <a:spcPct val="20000"/>
-              </a:spcBef>
-              <a:spcAft>
-                <a:spcPct val="0"/>
-              </a:spcAft>
-              <a:buChar char="•"/>
-              <a:defRPr sz="2400" kern="1200">
-                <a:solidFill>
-                  <a:schemeClr val="tx1"/>
-                </a:solidFill>
-                <a:latin typeface="+mn-lt"/>
-                <a:ea typeface="+mn-ea"/>
-                <a:cs typeface="+mn-cs"/>
-              </a:defRPr>
-            </a:lvl3pPr>
-            <a:lvl4pPr marL="1600200" indent="-228600" algn="l" rtl="0" fontAlgn="base">
-              <a:spcBef>
-                <a:spcPct val="20000"/>
-              </a:spcBef>
-              <a:spcAft>
-                <a:spcPct val="0"/>
-              </a:spcAft>
-              <a:buChar char="–"/>
-              <a:defRPr sz="2000" kern="1200">
-                <a:solidFill>
-                  <a:schemeClr val="tx1"/>
-                </a:solidFill>
-                <a:latin typeface="+mn-lt"/>
-                <a:ea typeface="+mn-ea"/>
-                <a:cs typeface="+mn-cs"/>
-              </a:defRPr>
-            </a:lvl4pPr>
-            <a:lvl5pPr marL="2057400" indent="-228600" algn="l" rtl="0" fontAlgn="base">
-              <a:spcBef>
-                <a:spcPct val="20000"/>
-              </a:spcBef>
-              <a:spcAft>
-                <a:spcPct val="0"/>
-              </a:spcAft>
-              <a:buChar char="»"/>
-              <a:defRPr sz="2000" kern="1200">
-                <a:solidFill>
-                  <a:schemeClr val="tx1"/>
-                </a:solidFill>
-                <a:latin typeface="+mn-lt"/>
-                <a:ea typeface="+mn-ea"/>
-                <a:cs typeface="+mn-cs"/>
-              </a:defRPr>
-            </a:lvl5pPr>
-            <a:lvl6pPr marL="2514600" indent="-228600" algn="l" defTabSz="914400" rtl="0" eaLnBrk="1" latinLnBrk="0" hangingPunct="1">
-              <a:lnSpc>
-                <a:spcPct val="90000"/>
-              </a:lnSpc>
-              <a:spcBef>
-                <a:spcPts val="500"/>
-              </a:spcBef>
-              <a:buFont typeface="Arial" panose="020B0604020202020204" pitchFamily="34" charset="0"/>
-              <a:buChar char="•"/>
-              <a:defRPr sz="1800" kern="1200">
-                <a:solidFill>
-                  <a:schemeClr val="tx1"/>
-                </a:solidFill>
-                <a:latin typeface="+mn-lt"/>
-                <a:ea typeface="+mn-ea"/>
-                <a:cs typeface="+mn-cs"/>
-              </a:defRPr>
-            </a:lvl6pPr>
-            <a:lvl7pPr marL="2971800" indent="-228600" algn="l" defTabSz="914400" rtl="0" eaLnBrk="1" latinLnBrk="0" hangingPunct="1">
-              <a:lnSpc>
-                <a:spcPct val="90000"/>
-              </a:lnSpc>
-              <a:spcBef>
-                <a:spcPts val="500"/>
-              </a:spcBef>
-              <a:buFont typeface="Arial" panose="020B0604020202020204" pitchFamily="34" charset="0"/>
-              <a:buChar char="•"/>
-              <a:defRPr sz="1800" kern="1200">
-                <a:solidFill>
-                  <a:schemeClr val="tx1"/>
-                </a:solidFill>
-                <a:latin typeface="+mn-lt"/>
-                <a:ea typeface="+mn-ea"/>
-                <a:cs typeface="+mn-cs"/>
-              </a:defRPr>
-            </a:lvl7pPr>
-            <a:lvl8pPr marL="3429000" indent="-228600" algn="l" defTabSz="914400" rtl="0" eaLnBrk="1" latinLnBrk="0" hangingPunct="1">
-              <a:lnSpc>
-                <a:spcPct val="90000"/>
-              </a:lnSpc>
-              <a:spcBef>
-                <a:spcPts val="500"/>
-              </a:spcBef>
-              <a:buFont typeface="Arial" panose="020B0604020202020204" pitchFamily="34" charset="0"/>
-              <a:buChar char="•"/>
-              <a:defRPr sz="1800" kern="1200">
-                <a:solidFill>
-                  <a:schemeClr val="tx1"/>
-                </a:solidFill>
-                <a:latin typeface="+mn-lt"/>
-                <a:ea typeface="+mn-ea"/>
-                <a:cs typeface="+mn-cs"/>
-              </a:defRPr>
-            </a:lvl8pPr>
-            <a:lvl9pPr marL="3886200" indent="-228600" algn="l" defTabSz="914400" rtl="0" eaLnBrk="1" latinLnBrk="0" hangingPunct="1">
-              <a:lnSpc>
-                <a:spcPct val="90000"/>
-              </a:lnSpc>
-              <a:spcBef>
-                <a:spcPts val="500"/>
-              </a:spcBef>
-              <a:buFont typeface="Arial" panose="020B0604020202020204" pitchFamily="34" charset="0"/>
-              <a:buChar char="•"/>
-              <a:defRPr sz="1800" kern="1200">
-                <a:solidFill>
-                  <a:schemeClr val="tx1"/>
-                </a:solidFill>
-                <a:latin typeface="+mn-lt"/>
-                <a:ea typeface="+mn-ea"/>
-                <a:cs typeface="+mn-cs"/>
-              </a:defRPr>
-            </a:lvl9pPr>
-          </a:lstStyle>
-          <a:p>
-            <a:pPr marL="0" indent="0">
-              <a:buNone/>
-            </a:pPr>
-            <a:r>
-              <a:rPr lang="en-US" sz="2400">
+          <a:bodyPr wrap="none" rtlCol="0" anchor="t">
+            <a:spAutoFit/>
+          </a:bodyPr>
+          <a:p>
+            <a:pPr algn="ctr"/>
+            <a:r>
+              <a:rPr lang="en-US" altLang="zh-CN" sz="7200" b="1">
                 <a:solidFill>
                   <a:schemeClr val="accent1"/>
                 </a:solidFill>
@@ -10796,9 +8099,9 @@
                   </a:outerShdw>
                 </a:effectLst>
               </a:rPr>
-              <a:t>2. Creating successfully</a:t>
-            </a:r>
-            <a:endParaRPr lang="en-US" sz="2400">
+              <a:t>Thanks!</a:t>
+            </a:r>
+            <a:endParaRPr lang="en-US" altLang="zh-CN" sz="7200" b="1">
               <a:solidFill>
                 <a:schemeClr val="accent1"/>
               </a:solidFill>
@@ -10813,56 +8116,6 @@
           </a:p>
         </p:txBody>
       </p:sp>
-      <p:pic>
-        <p:nvPicPr>
-          <p:cNvPr id="3" name="Content Placeholder 2" descr="1.3 finish create project"/>
-          <p:cNvPicPr>
-            <a:picLocks noChangeAspect="1"/>
-          </p:cNvPicPr>
-          <p:nvPr>
-            <p:ph sz="half" idx="2"/>
-          </p:nvPr>
-        </p:nvPicPr>
-        <p:blipFill>
-          <a:blip r:embed="rId1"/>
-          <a:stretch>
-            <a:fillRect/>
-          </a:stretch>
-        </p:blipFill>
-        <p:spPr>
-          <a:xfrm>
-            <a:off x="609600" y="1840230"/>
-            <a:ext cx="8077200" cy="2103120"/>
-          </a:xfrm>
-          <a:prstGeom prst="rect">
-            <a:avLst/>
-          </a:prstGeom>
-        </p:spPr>
-      </p:pic>
-      <p:pic>
-        <p:nvPicPr>
-          <p:cNvPr id="7" name="Picture 6" descr="1.4 create project successfully"/>
-          <p:cNvPicPr>
-            <a:picLocks noChangeAspect="1"/>
-          </p:cNvPicPr>
-          <p:nvPr/>
-        </p:nvPicPr>
-        <p:blipFill>
-          <a:blip r:embed="rId2"/>
-          <a:stretch>
-            <a:fillRect/>
-          </a:stretch>
-        </p:blipFill>
-        <p:spPr>
-          <a:xfrm>
-            <a:off x="3667760" y="2923540"/>
-            <a:ext cx="7077075" cy="2541905"/>
-          </a:xfrm>
-          <a:prstGeom prst="rect">
-            <a:avLst/>
-          </a:prstGeom>
-        </p:spPr>
-      </p:pic>
     </p:spTree>
   </p:cSld>
   <p:clrMapOvr>

--- a/Sharing.pptx
+++ b/Sharing.pptx
@@ -8028,18 +8028,56 @@
             <p:ph idx="1"/>
           </p:nvPr>
         </p:nvSpPr>
-        <p:spPr/>
-        <p:txBody>
-          <a:bodyPr/>
+        <p:spPr>
+          <a:xfrm>
+            <a:off x="609600" y="1974850"/>
+            <a:ext cx="10972800" cy="4953000"/>
+          </a:xfrm>
+        </p:spPr>
+        <p:txBody>
+          <a:bodyPr>
+            <a:scene3d>
+              <a:camera prst="orthographicFront"/>
+              <a:lightRig rig="threePt" dir="t"/>
+            </a:scene3d>
+          </a:bodyPr>
           <a:p>
             <a:pPr marL="0" indent="0" algn="ctr">
               <a:buNone/>
             </a:pPr>
             <a:r>
               <a:rPr lang="en-US"/>
-              <a:t> Change User Profile - Background</a:t>
-            </a:r>
-            <a:endParaRPr lang="en-US"/>
+              <a:t> </a:t>
+            </a:r>
+            <a:r>
+              <a:rPr lang="en-US" sz="4800">
+                <a:ln/>
+                <a:solidFill>
+                  <a:schemeClr val="accent1"/>
+                </a:solidFill>
+                <a:effectLst>
+                  <a:outerShdw blurRad="38100" dist="25400" dir="5400000" algn="ctr" rotWithShape="0">
+                    <a:srgbClr val="6E747A">
+                      <a:alpha val="43000"/>
+                    </a:srgbClr>
+                  </a:outerShdw>
+                </a:effectLst>
+              </a:rPr>
+              <a:t>Scenario - Change User Profile</a:t>
+            </a:r>
+            <a:endParaRPr lang="en-US" sz="4800">
+              <a:ln/>
+              <a:solidFill>
+                <a:schemeClr val="accent1"/>
+              </a:solidFill>
+              <a:effectLst>
+                <a:outerShdw blurRad="38100" dist="25400" dir="5400000" algn="ctr" rotWithShape="0">
+                  <a:srgbClr val="6E747A">
+                    <a:alpha val="43000"/>
+                  </a:srgbClr>
+                </a:outerShdw>
+              </a:effectLst>
+            </a:endParaRPr>
           </a:p>
         </p:txBody>
       </p:sp>

--- a/Sharing.pptx
+++ b/Sharing.pptx
@@ -6054,9 +6054,9 @@
                 <a:ea typeface="SimSun" panose="02010600030101010101" pitchFamily="2" charset="-122"/>
                 <a:sym typeface="+mn-ea"/>
               </a:rPr>
-              <a:t> "truyen.kieu.02@yopmail.com" should be </a:t>
-            </a:r>
-            <a:endParaRPr kumimoji="0" lang="zh-CN" altLang="en-US" sz="1600" b="0" i="0" u="none" strike="noStrike" cap="none" normalizeH="0" baseline="0" smtClean="0">
+              <a:t> "truyen.kieu.02@yopmail.com" and User Name </a:t>
+            </a:r>
+            <a:endParaRPr lang="zh-CN" altLang="en-US" sz="1600" smtClean="0">
               <a:ln>
                 <a:noFill/>
               </a:ln>
@@ -6066,6 +6066,7 @@
               <a:effectLst/>
               <a:latin typeface="Arial" panose="020B0604020202020204" pitchFamily="34" charset="0"/>
               <a:ea typeface="SimSun" panose="02010600030101010101" pitchFamily="2" charset="-122"/>
+              <a:sym typeface="+mn-ea"/>
             </a:endParaRPr>
           </a:p>
           <a:p>
@@ -6097,9 +6098,9 @@
                 <a:ea typeface="SimSun" panose="02010600030101010101" pitchFamily="2" charset="-122"/>
                 <a:sym typeface="+mn-ea"/>
               </a:rPr>
-              <a:t>shown on screen.</a:t>
-            </a:r>
-            <a:endParaRPr kumimoji="0" lang="zh-CN" altLang="en-US" sz="1600" b="0" i="0" u="none" strike="noStrike" cap="none" normalizeH="0" baseline="0" smtClean="0">
+              <a:t>         is "Truyen Kieu" should be shown on screen.</a:t>
+            </a:r>
+            <a:endParaRPr lang="zh-CN" altLang="en-US" sz="1600" smtClean="0">
               <a:ln>
                 <a:noFill/>
               </a:ln>
@@ -6109,34 +6110,7 @@
               <a:effectLst/>
               <a:latin typeface="Arial" panose="020B0604020202020204" pitchFamily="34" charset="0"/>
               <a:ea typeface="SimSun" panose="02010600030101010101" pitchFamily="2" charset="-122"/>
-            </a:endParaRPr>
-          </a:p>
-          <a:p>
-            <a:pPr marL="0" marR="0" indent="0" algn="l" defTabSz="914400" rtl="0" eaLnBrk="1" fontAlgn="base" latinLnBrk="0" hangingPunct="1">
-              <a:lnSpc>
-                <a:spcPct val="100000"/>
-              </a:lnSpc>
-              <a:spcBef>
-                <a:spcPct val="0"/>
-              </a:spcBef>
-              <a:spcAft>
-                <a:spcPct val="0"/>
-              </a:spcAft>
-              <a:buClrTx/>
-              <a:buSzTx/>
-              <a:buFontTx/>
-              <a:buNone/>
-            </a:pPr>
-            <a:endParaRPr kumimoji="0" lang="zh-CN" altLang="en-US" sz="1600" b="0" i="0" u="none" strike="noStrike" cap="none" normalizeH="0" baseline="0" smtClean="0">
-              <a:ln>
-                <a:noFill/>
-              </a:ln>
-              <a:solidFill>
-                <a:schemeClr val="tx1"/>
-              </a:solidFill>
-              <a:effectLst/>
-              <a:latin typeface="Arial" panose="020B0604020202020204" pitchFamily="34" charset="0"/>
-              <a:ea typeface="SimSun" panose="02010600030101010101" pitchFamily="2" charset="-122"/>
+              <a:sym typeface="+mn-ea"/>
             </a:endParaRPr>
           </a:p>
         </p:txBody>
@@ -11311,35 +11285,21 @@
               <a:buFontTx/>
               <a:buNone/>
             </a:pPr>
-            <a:endParaRPr lang="zh-CN" altLang="en-US" smtClean="0">
-              <a:ln>
-                <a:noFill/>
-              </a:ln>
-              <a:solidFill>
-                <a:srgbClr val="00B0F0"/>
-              </a:solidFill>
-              <a:effectLst/>
-              <a:latin typeface="Arial" panose="020B0604020202020204" pitchFamily="34" charset="0"/>
-              <a:ea typeface="SimSun" panose="02010600030101010101" pitchFamily="2" charset="-122"/>
-              <a:sym typeface="+mn-ea"/>
-            </a:endParaRPr>
-          </a:p>
-          <a:p>
-            <a:pPr marL="0" marR="0" indent="0" algn="l" defTabSz="914400" rtl="0" eaLnBrk="1" fontAlgn="base" latinLnBrk="0" hangingPunct="1">
-              <a:lnSpc>
-                <a:spcPct val="100000"/>
-              </a:lnSpc>
-              <a:spcBef>
-                <a:spcPct val="0"/>
-              </a:spcBef>
-              <a:spcAft>
-                <a:spcPct val="0"/>
-              </a:spcAft>
-              <a:buClrTx/>
-              <a:buSzTx/>
-              <a:buFontTx/>
-              <a:buNone/>
-            </a:pPr>
+            <a:r>
+              <a:rPr lang="en-US" altLang="zh-CN" smtClean="0">
+                <a:ln>
+                  <a:noFill/>
+                </a:ln>
+                <a:solidFill>
+                  <a:srgbClr val="00B0F0"/>
+                </a:solidFill>
+                <a:effectLst/>
+                <a:latin typeface="Arial" panose="020B0604020202020204" pitchFamily="34" charset="0"/>
+                <a:ea typeface="SimSun" panose="02010600030101010101" pitchFamily="2" charset="-122"/>
+                <a:sym typeface="+mn-ea"/>
+              </a:rPr>
+              <a:t>A</a:t>
+            </a:r>
             <a:r>
               <a:rPr lang="zh-CN" altLang="en-US" smtClean="0">
                 <a:ln>
@@ -11353,7 +11313,7 @@
                 <a:ea typeface="SimSun" panose="02010600030101010101" pitchFamily="2" charset="-122"/>
                 <a:sym typeface="+mn-ea"/>
               </a:rPr>
-              <a:t>And</a:t>
+              <a:t>nd</a:t>
             </a:r>
             <a:r>
               <a:rPr lang="zh-CN" altLang="en-US" smtClean="0">
@@ -11368,36 +11328,8 @@
                 <a:ea typeface="SimSun" panose="02010600030101010101" pitchFamily="2" charset="-122"/>
                 <a:sym typeface="+mn-ea"/>
               </a:rPr>
-              <a:t> "truyen.kieu.02@yopmail.com" should be shown on screen.</a:t>
-            </a:r>
-            <a:endParaRPr kumimoji="0" lang="zh-CN" altLang="en-US" b="0" i="0" u="none" strike="noStrike" cap="none" normalizeH="0" baseline="0" smtClean="0">
-              <a:ln>
-                <a:noFill/>
-              </a:ln>
-              <a:solidFill>
-                <a:schemeClr val="tx1"/>
-              </a:solidFill>
-              <a:effectLst/>
-              <a:latin typeface="Arial" panose="020B0604020202020204" pitchFamily="34" charset="0"/>
-              <a:ea typeface="SimSun" panose="02010600030101010101" pitchFamily="2" charset="-122"/>
-            </a:endParaRPr>
-          </a:p>
-          <a:p>
-            <a:pPr marL="0" marR="0" indent="0" algn="l" defTabSz="914400" rtl="0" eaLnBrk="1" fontAlgn="base" latinLnBrk="0" hangingPunct="1">
-              <a:lnSpc>
-                <a:spcPct val="100000"/>
-              </a:lnSpc>
-              <a:spcBef>
-                <a:spcPct val="0"/>
-              </a:spcBef>
-              <a:spcAft>
-                <a:spcPct val="0"/>
-              </a:spcAft>
-              <a:buClrTx/>
-              <a:buSzTx/>
-              <a:buFontTx/>
-              <a:buNone/>
-            </a:pPr>
+              <a:t> "truyen.kieu.02@yopmail.com" and User Name is "Truyen Kieu" should be shown on screen.</a:t>
+            </a:r>
             <a:endParaRPr lang="zh-CN" altLang="en-US" smtClean="0">
               <a:ln>
                 <a:noFill/>
@@ -11483,20 +11415,6 @@
               <a:buFontTx/>
               <a:buNone/>
             </a:pPr>
-            <a:r>
-              <a:rPr kumimoji="0" lang="zh-CN" altLang="en-US" sz="1800" b="0" i="0" u="none" strike="noStrike" cap="none" normalizeH="0" baseline="0" smtClean="0">
-                <a:ln>
-                  <a:noFill/>
-                </a:ln>
-                <a:solidFill>
-                  <a:schemeClr val="tx1"/>
-                </a:solidFill>
-                <a:effectLst/>
-                <a:latin typeface="Arial" panose="020B0604020202020204" pitchFamily="34" charset="0"/>
-                <a:ea typeface="SimSun" panose="02010600030101010101" pitchFamily="2" charset="-122"/>
-              </a:rPr>
-              <a:t>@Then("^\"([^\"]*)\" should be shown on screen\\.$")</a:t>
-            </a:r>
             <a:endParaRPr kumimoji="0" lang="zh-CN" altLang="en-US" sz="1800" b="0" i="0" u="none" strike="noStrike" cap="none" normalizeH="0" baseline="0" smtClean="0">
               <a:ln>
                 <a:noFill/>
@@ -11537,7 +11455,7 @@
                 <a:latin typeface="Arial" panose="020B0604020202020204" pitchFamily="34" charset="0"/>
                 <a:ea typeface="SimSun" panose="02010600030101010101" pitchFamily="2" charset="-122"/>
               </a:rPr>
-              <a:t>public void should_be_shown_on_screen(String email) throws Exception {</a:t>
+              <a:t>@Then("^\"([^\"]*)\" and User Name is \"([^\"]*)\" should be shown on screen\\.$")</a:t>
             </a:r>
             <a:endParaRPr kumimoji="0" lang="zh-CN" altLang="en-US" sz="1800" b="0" i="0" u="none" strike="noStrike" cap="none" normalizeH="0" baseline="0" smtClean="0">
               <a:ln>
@@ -11568,20 +11486,6 @@
               <a:buNone/>
             </a:pPr>
             <a:r>
-              <a:rPr kumimoji="0" lang="en-US" altLang="zh-CN" sz="1800" b="0" i="0" u="none" strike="noStrike" cap="none" normalizeH="0" baseline="0" smtClean="0">
-                <a:ln>
-                  <a:noFill/>
-                </a:ln>
-                <a:solidFill>
-                  <a:schemeClr val="tx1"/>
-                </a:solidFill>
-                <a:effectLst/>
-                <a:latin typeface="Arial" panose="020B0604020202020204" pitchFamily="34" charset="0"/>
-                <a:ea typeface="SimSun" panose="02010600030101010101" pitchFamily="2" charset="-122"/>
-              </a:rPr>
-              <a:t>	Assert.assertEquals(userManageStep.get_Email(), email);</a:t>
-            </a:r>
-            <a:r>
               <a:rPr kumimoji="0" lang="zh-CN" altLang="en-US" sz="1800" b="0" i="0" u="none" strike="noStrike" cap="none" normalizeH="0" baseline="0" smtClean="0">
                 <a:ln>
                   <a:noFill/>
@@ -11593,7 +11497,7 @@
                 <a:latin typeface="Arial" panose="020B0604020202020204" pitchFamily="34" charset="0"/>
                 <a:ea typeface="SimSun" panose="02010600030101010101" pitchFamily="2" charset="-122"/>
               </a:rPr>
-              <a:t>	    </a:t>
+              <a:t>public void should_be_shown_on_screen(String email, String username) throws Exception {</a:t>
             </a:r>
             <a:endParaRPr kumimoji="0" lang="zh-CN" altLang="en-US" sz="1800" b="0" i="0" u="none" strike="noStrike" cap="none" normalizeH="0" baseline="0" smtClean="0">
               <a:ln>
@@ -11624,6 +11528,62 @@
               <a:buNone/>
             </a:pPr>
             <a:r>
+              <a:rPr kumimoji="0" lang="en-US" altLang="zh-CN" sz="1800" b="0" i="0" u="none" strike="noStrike" cap="none" normalizeH="0" baseline="0" smtClean="0">
+                <a:ln>
+                  <a:noFill/>
+                </a:ln>
+                <a:solidFill>
+                  <a:schemeClr val="tx1"/>
+                </a:solidFill>
+                <a:effectLst/>
+                <a:latin typeface="Arial" panose="020B0604020202020204" pitchFamily="34" charset="0"/>
+                <a:ea typeface="SimSun" panose="02010600030101010101" pitchFamily="2" charset="-122"/>
+              </a:rPr>
+              <a:t>	userManageStep.get_Email_Expected(email);</a:t>
+            </a:r>
+            <a:endParaRPr kumimoji="0" lang="en-US" altLang="zh-CN" sz="1800" b="0" i="0" u="none" strike="noStrike" cap="none" normalizeH="0" baseline="0" smtClean="0">
+              <a:ln>
+                <a:noFill/>
+              </a:ln>
+              <a:solidFill>
+                <a:schemeClr val="tx1"/>
+              </a:solidFill>
+              <a:effectLst/>
+              <a:latin typeface="Arial" panose="020B0604020202020204" pitchFamily="34" charset="0"/>
+              <a:ea typeface="SimSun" panose="02010600030101010101" pitchFamily="2" charset="-122"/>
+            </a:endParaRPr>
+          </a:p>
+          <a:p>
+            <a:pPr marL="0" marR="0" indent="0" algn="l" defTabSz="914400" rtl="0" eaLnBrk="1" fontAlgn="base" latinLnBrk="0" hangingPunct="1">
+              <a:lnSpc>
+                <a:spcPct val="100000"/>
+              </a:lnSpc>
+              <a:spcBef>
+                <a:spcPct val="0"/>
+              </a:spcBef>
+              <a:spcAft>
+                <a:spcPct val="0"/>
+              </a:spcAft>
+              <a:buClrTx/>
+              <a:buSzTx/>
+              <a:buFontTx/>
+              <a:buNone/>
+            </a:pPr>
+            <a:r>
+              <a:rPr kumimoji="0" lang="en-US" altLang="zh-CN" sz="1800" b="0" i="0" u="none" strike="noStrike" cap="none" normalizeH="0" baseline="0" smtClean="0">
+                <a:ln>
+                  <a:noFill/>
+                </a:ln>
+                <a:solidFill>
+                  <a:schemeClr val="tx1"/>
+                </a:solidFill>
+                <a:effectLst/>
+                <a:latin typeface="Arial" panose="020B0604020202020204" pitchFamily="34" charset="0"/>
+                <a:ea typeface="SimSun" panose="02010600030101010101" pitchFamily="2" charset="-122"/>
+              </a:rPr>
+              <a:t>	userManageStep.get_Username_Expected(username);</a:t>
+            </a:r>
+            <a:r>
               <a:rPr kumimoji="0" lang="zh-CN" altLang="en-US" sz="1800" b="0" i="0" u="none" strike="noStrike" cap="none" normalizeH="0" baseline="0" smtClean="0">
                 <a:ln>
                   <a:noFill/>
@@ -11635,7 +11595,7 @@
                 <a:latin typeface="Arial" panose="020B0604020202020204" pitchFamily="34" charset="0"/>
                 <a:ea typeface="SimSun" panose="02010600030101010101" pitchFamily="2" charset="-122"/>
               </a:rPr>
-              <a:t>}</a:t>
+              <a:t>	    </a:t>
             </a:r>
             <a:endParaRPr kumimoji="0" lang="zh-CN" altLang="en-US" sz="1800" b="0" i="0" u="none" strike="noStrike" cap="none" normalizeH="0" baseline="0" smtClean="0">
               <a:ln>
@@ -11649,6 +11609,48 @@
               <a:ea typeface="SimSun" panose="02010600030101010101" pitchFamily="2" charset="-122"/>
             </a:endParaRPr>
           </a:p>
+          <a:p>
+            <a:pPr marL="0" marR="0" indent="0" algn="l" defTabSz="914400" rtl="0" eaLnBrk="1" fontAlgn="base" latinLnBrk="0" hangingPunct="1">
+              <a:lnSpc>
+                <a:spcPct val="100000"/>
+              </a:lnSpc>
+              <a:spcBef>
+                <a:spcPct val="0"/>
+              </a:spcBef>
+              <a:spcAft>
+                <a:spcPct val="0"/>
+              </a:spcAft>
+              <a:buClrTx/>
+              <a:buSzTx/>
+              <a:buFontTx/>
+              <a:buNone/>
+            </a:pPr>
+            <a:r>
+              <a:rPr kumimoji="0" lang="zh-CN" altLang="en-US" sz="1800" b="0" i="0" u="none" strike="noStrike" cap="none" normalizeH="0" baseline="0" smtClean="0">
+                <a:ln>
+                  <a:noFill/>
+                </a:ln>
+                <a:solidFill>
+                  <a:schemeClr val="tx1"/>
+                </a:solidFill>
+                <a:effectLst/>
+                <a:latin typeface="Arial" panose="020B0604020202020204" pitchFamily="34" charset="0"/>
+                <a:ea typeface="SimSun" panose="02010600030101010101" pitchFamily="2" charset="-122"/>
+              </a:rPr>
+              <a:t>}</a:t>
+            </a:r>
+            <a:endParaRPr kumimoji="0" lang="zh-CN" altLang="en-US" sz="1800" b="0" i="0" u="none" strike="noStrike" cap="none" normalizeH="0" baseline="0" smtClean="0">
+              <a:ln>
+                <a:noFill/>
+              </a:ln>
+              <a:solidFill>
+                <a:schemeClr val="tx1"/>
+              </a:solidFill>
+              <a:effectLst/>
+              <a:latin typeface="Arial" panose="020B0604020202020204" pitchFamily="34" charset="0"/>
+              <a:ea typeface="SimSun" panose="02010600030101010101" pitchFamily="2" charset="-122"/>
+            </a:endParaRPr>
+          </a:p>
         </p:txBody>
       </p:sp>
       <p:sp>
@@ -11659,7 +11661,7 @@
         </p:nvSpPr>
         <p:spPr>
           <a:xfrm>
-            <a:off x="4375150" y="2737485"/>
+            <a:off x="4638675" y="2491105"/>
             <a:ext cx="907415" cy="689610"/>
           </a:xfrm>
           <a:prstGeom prst="downArrow">
@@ -15187,13 +15189,7 @@
               <a:rPr lang="en-US" dirty="0" smtClean="0">
                 <a:sym typeface="+mn-ea"/>
               </a:rPr>
-              <a:t> 	</a:t>
-            </a:r>
-            <a:r>
-              <a:rPr lang="en-US" dirty="0" smtClean="0">
-                <a:sym typeface="+mn-ea"/>
-              </a:rPr>
-              <a:t>Logged in successfully using </a:t>
+              <a:t> 	Logged in successfully using </a:t>
             </a:r>
             <a:r>
               <a:rPr lang="en-US" dirty="0" smtClean="0">

--- a/Sharing.pptx
+++ b/Sharing.pptx
@@ -22,9 +22,9 @@
     <p:sldId id="302" r:id="rId14"/>
     <p:sldId id="304" r:id="rId15"/>
     <p:sldId id="305" r:id="rId16"/>
-    <p:sldId id="306" r:id="rId17"/>
-    <p:sldId id="307" r:id="rId18"/>
-    <p:sldId id="308" r:id="rId19"/>
+    <p:sldId id="307" r:id="rId17"/>
+    <p:sldId id="308" r:id="rId18"/>
+    <p:sldId id="315" r:id="rId19"/>
     <p:sldId id="309" r:id="rId20"/>
     <p:sldId id="281" r:id="rId21"/>
     <p:sldId id="262" r:id="rId22"/>
@@ -4877,6 +4877,7 @@
         <p:spPr/>
         <p:txBody>
           <a:bodyPr/>
+          <a:lstStyle/>
           <a:p>
             <a:endParaRPr lang="en-US"/>
           </a:p>
@@ -5024,6 +5025,7 @@
         </p:style>
         <p:txBody>
           <a:bodyPr vert="horz" wrap="none" lIns="91440" tIns="45720" rIns="91440" bIns="45720" numCol="1" anchor="ctr" anchorCtr="0" compatLnSpc="1"/>
+          <a:lstStyle/>
           <a:p>
             <a:pPr marL="0" marR="0" indent="0" algn="l" defTabSz="914400" rtl="0" eaLnBrk="1" fontAlgn="base" latinLnBrk="0" hangingPunct="1">
               <a:lnSpc>
@@ -5077,7 +5079,7 @@
         <p:spPr>
           <a:xfrm>
             <a:off x="607695" y="1694815"/>
-            <a:ext cx="4485005" cy="3982085"/>
+            <a:ext cx="4485005" cy="4414520"/>
           </a:xfrm>
           <a:prstGeom prst="roundRect">
             <a:avLst/>
@@ -5103,6 +5105,7 @@
         </p:style>
         <p:txBody>
           <a:bodyPr vert="horz" wrap="none" lIns="91440" tIns="45720" rIns="91440" bIns="45720" numCol="1" anchor="ctr" anchorCtr="0" compatLnSpc="1"/>
+          <a:lstStyle/>
           <a:p>
             <a:pPr marL="0" indent="0" algn="l">
               <a:buNone/>
@@ -5154,17 +5157,84 @@
             <a:r>
               <a:rPr lang="en-US" sz="1600" dirty="0" smtClean="0">
                 <a:sym typeface="+mn-ea"/>
-                <a:hlinkClick r:id="rId1"/>
-              </a:rPr>
-              <a:t>admin@yopmail.com</a:t>
-            </a:r>
+              </a:rPr>
+              <a:t>truyen.kieu.12@yopmail.com account</a:t>
+            </a:r>
+            <a:endParaRPr lang="en-US" sz="1600" dirty="0" smtClean="0"/>
+          </a:p>
+          <a:p>
+            <a:pPr marL="0" indent="0" algn="l">
+              <a:buNone/>
+            </a:pPr>
+            <a:r>
+              <a:rPr lang="en-US" sz="1600" b="1" dirty="0" smtClean="0">
+                <a:sym typeface="+mn-ea"/>
+              </a:rPr>
+              <a:t>Steps</a:t>
+            </a:r>
+            <a:endParaRPr lang="en-US" sz="1600" b="1" dirty="0" smtClean="0">
+              <a:sym typeface="+mn-ea"/>
+            </a:endParaRPr>
+          </a:p>
+          <a:p>
+            <a:pPr marL="514350" indent="-514350" algn="l">
+              <a:buAutoNum type="arabicPeriod"/>
+            </a:pPr>
             <a:r>
               <a:rPr lang="en-US" sz="1600" dirty="0" smtClean="0">
                 <a:sym typeface="+mn-ea"/>
               </a:rPr>
-              <a:t> account</a:t>
+              <a:t>Click User menu</a:t>
+            </a:r>
+            <a:endParaRPr lang="en-US" sz="1600" dirty="0" smtClean="0">
+              <a:sym typeface="+mn-ea"/>
+            </a:endParaRPr>
+          </a:p>
+          <a:p>
+            <a:pPr marL="514350" indent="-514350" algn="l">
+              <a:buAutoNum type="arabicPeriod"/>
+            </a:pPr>
+            <a:r>
+              <a:rPr lang="en-US" sz="1600" dirty="0" smtClean="0">
+                <a:sym typeface="+mn-ea"/>
+              </a:rPr>
+              <a:t>Click User profile link</a:t>
+            </a:r>
+            <a:endParaRPr lang="en-US" sz="1600" dirty="0" smtClean="0">
+              <a:sym typeface="+mn-ea"/>
+            </a:endParaRPr>
+          </a:p>
+          <a:p>
+            <a:pPr marL="514350" indent="-514350" algn="l">
+              <a:buAutoNum type="arabicPeriod"/>
+            </a:pPr>
+            <a:r>
+              <a:rPr lang="en-US" sz="1600" dirty="0" smtClean="0">
+                <a:sym typeface="+mn-ea"/>
+              </a:rPr>
+              <a:t>Update First Name, Last Name.</a:t>
             </a:r>
             <a:endParaRPr lang="en-US" sz="1600" dirty="0" smtClean="0"/>
+          </a:p>
+          <a:p>
+            <a:pPr marL="514350" indent="-514350" algn="l">
+              <a:buAutoNum type="arabicPeriod"/>
+            </a:pPr>
+            <a:r>
+              <a:rPr lang="en-US" sz="1600" dirty="0" smtClean="0">
+                <a:sym typeface="+mn-ea"/>
+              </a:rPr>
+              <a:t>Click on Save button</a:t>
+            </a:r>
+            <a:endParaRPr lang="en-US" sz="1600" dirty="0" smtClean="0">
+              <a:sym typeface="+mn-ea"/>
+            </a:endParaRPr>
+          </a:p>
+          <a:p>
+            <a:pPr indent="0" algn="l">
+              <a:buNone/>
+            </a:pPr>
+            <a:endParaRPr lang="en-US" sz="1600" dirty="0"/>
           </a:p>
           <a:p>
             <a:pPr marL="0" indent="0" algn="l">
@@ -5174,139 +5244,71 @@
               <a:rPr lang="en-US" sz="1600" b="1" dirty="0" smtClean="0">
                 <a:sym typeface="+mn-ea"/>
               </a:rPr>
-              <a:t>Steps</a:t>
+              <a:t>Expected</a:t>
             </a:r>
             <a:endParaRPr lang="en-US" sz="1600" b="1" dirty="0" smtClean="0">
               <a:sym typeface="+mn-ea"/>
             </a:endParaRPr>
           </a:p>
           <a:p>
-            <a:pPr marL="514350" indent="-514350" algn="l">
-              <a:buAutoNum type="arabicPeriod"/>
+            <a:pPr marL="0" indent="0" algn="l">
+              <a:buNone/>
             </a:pPr>
             <a:r>
               <a:rPr lang="en-US" sz="1600" dirty="0" smtClean="0">
                 <a:sym typeface="+mn-ea"/>
               </a:rPr>
-              <a:t>Click on Manage menu</a:t>
-            </a:r>
-            <a:endParaRPr lang="en-US" sz="1600" dirty="0" smtClean="0"/>
-          </a:p>
-          <a:p>
-            <a:pPr marL="514350" indent="-514350" algn="l">
-              <a:buAutoNum type="arabicPeriod"/>
+              <a:t>5.1   System navigates to Manage </a:t>
+            </a:r>
+            <a:endParaRPr lang="en-US" sz="1600" dirty="0" smtClean="0">
+              <a:sym typeface="+mn-ea"/>
+            </a:endParaRPr>
+          </a:p>
+          <a:p>
+            <a:pPr marL="0" indent="0" algn="l">
+              <a:buNone/>
             </a:pPr>
             <a:r>
               <a:rPr lang="en-US" sz="1600" dirty="0" smtClean="0">
                 <a:sym typeface="+mn-ea"/>
               </a:rPr>
-              <a:t>Click on Manage Administrators menu</a:t>
-            </a:r>
-            <a:endParaRPr lang="en-US" sz="1600" dirty="0" smtClean="0"/>
-          </a:p>
-          <a:p>
-            <a:pPr marL="514350" indent="-514350" algn="l">
-              <a:buAutoNum type="arabicPeriod"/>
+              <a:t>System Administrators page.</a:t>
+            </a:r>
+            <a:endParaRPr lang="en-US" sz="1600" dirty="0" smtClean="0">
+              <a:sym typeface="+mn-ea"/>
+            </a:endParaRPr>
+          </a:p>
+          <a:p>
+            <a:pPr marL="0" indent="0" algn="l">
+              <a:buNone/>
             </a:pPr>
             <a:r>
               <a:rPr lang="en-US" sz="1600" dirty="0" smtClean="0">
                 <a:sym typeface="+mn-ea"/>
               </a:rPr>
-              <a:t>Click on Add User button</a:t>
-            </a:r>
-            <a:endParaRPr lang="en-US" sz="1600" dirty="0" smtClean="0"/>
-          </a:p>
-          <a:p>
-            <a:pPr marL="514350" indent="-514350" algn="l">
-              <a:buAutoNum type="arabicPeriod"/>
+              <a:t>5.2   Email is shown on screen.</a:t>
+            </a:r>
+            <a:endParaRPr lang="en-US" sz="1600" dirty="0" smtClean="0">
+              <a:sym typeface="+mn-ea"/>
+            </a:endParaRPr>
+          </a:p>
+          <a:p>
+            <a:pPr marL="0" indent="0" algn="l">
+              <a:buNone/>
             </a:pPr>
             <a:r>
               <a:rPr lang="en-US" sz="1600" dirty="0" smtClean="0">
                 <a:sym typeface="+mn-ea"/>
               </a:rPr>
-              <a:t>Input First Name, Last Name and Email.</a:t>
-            </a:r>
-            <a:endParaRPr lang="en-US" sz="1600" dirty="0" smtClean="0"/>
-          </a:p>
-          <a:p>
-            <a:pPr marL="514350" indent="-514350" algn="l">
-              <a:buAutoNum type="arabicPeriod"/>
-            </a:pPr>
-            <a:r>
-              <a:rPr lang="en-US" sz="1600" dirty="0" smtClean="0">
-                <a:sym typeface="+mn-ea"/>
-              </a:rPr>
-              <a:t>Click on Save button</a:t>
-            </a:r>
-            <a:endParaRPr lang="en-US" sz="1600" dirty="0" smtClean="0">
-              <a:sym typeface="+mn-ea"/>
-            </a:endParaRPr>
+              <a:t>5.3   Full Name is updated correctly.</a:t>
+            </a:r>
+            <a:endParaRPr lang="en-US" sz="1600" dirty="0"/>
           </a:p>
           <a:p>
             <a:pPr indent="0" algn="l">
               <a:buNone/>
             </a:pPr>
-            <a:endParaRPr lang="en-US" sz="1600"/>
-          </a:p>
-          <a:p>
-            <a:pPr marL="0" indent="0" algn="l">
-              <a:buNone/>
-            </a:pPr>
-            <a:r>
-              <a:rPr lang="en-US" sz="1600" b="1" dirty="0" smtClean="0">
-                <a:sym typeface="+mn-ea"/>
-              </a:rPr>
-              <a:t>Expected</a:t>
-            </a:r>
-            <a:endParaRPr lang="en-US" sz="1600" b="1" dirty="0" smtClean="0">
-              <a:sym typeface="+mn-ea"/>
-            </a:endParaRPr>
-          </a:p>
-          <a:p>
-            <a:pPr marL="0" indent="0" algn="l">
-              <a:buNone/>
-            </a:pPr>
-            <a:r>
-              <a:rPr lang="en-US" sz="1600" dirty="0" smtClean="0">
-                <a:sym typeface="+mn-ea"/>
-              </a:rPr>
-              <a:t>5.1   System navigates to Manage </a:t>
-            </a:r>
-            <a:endParaRPr lang="en-US" sz="1600" dirty="0" smtClean="0">
-              <a:sym typeface="+mn-ea"/>
-            </a:endParaRPr>
-          </a:p>
-          <a:p>
-            <a:pPr marL="0" indent="0" algn="l">
-              <a:buNone/>
-            </a:pPr>
-            <a:r>
-              <a:rPr lang="en-US" sz="1600" dirty="0" smtClean="0">
-                <a:sym typeface="+mn-ea"/>
-              </a:rPr>
-              <a:t>System Administrators screen.</a:t>
-            </a:r>
-            <a:endParaRPr lang="en-US" sz="1600" dirty="0" smtClean="0">
-              <a:sym typeface="+mn-ea"/>
-            </a:endParaRPr>
-          </a:p>
-          <a:p>
-            <a:pPr marL="0" indent="0" algn="l">
-              <a:buNone/>
-            </a:pPr>
-            <a:r>
-              <a:rPr lang="en-US" sz="1600" dirty="0" smtClean="0">
-                <a:sym typeface="+mn-ea"/>
-              </a:rPr>
-              <a:t>5.2   User is displayed on screen.</a:t>
-            </a:r>
-            <a:endParaRPr lang="en-US" sz="1600" dirty="0"/>
-          </a:p>
-          <a:p>
-            <a:pPr indent="0" algn="l">
-              <a:buNone/>
-            </a:pPr>
-            <a:endParaRPr lang="en-US"/>
+            <a:endParaRPr lang="en-US" dirty="0"/>
           </a:p>
           <a:p>
             <a:pPr marL="0" marR="0" indent="0" algn="l" defTabSz="914400" rtl="0" eaLnBrk="1" fontAlgn="base" latinLnBrk="0" hangingPunct="1">
@@ -5324,7 +5326,7 @@
               <a:buFontTx/>
               <a:buNone/>
             </a:pPr>
-            <a:endParaRPr kumimoji="0" lang="zh-CN" altLang="en-US" sz="1800" b="0" i="0" u="none" strike="noStrike" cap="none" normalizeH="0" baseline="0" smtClean="0">
+            <a:endParaRPr kumimoji="0" lang="zh-CN" altLang="en-US" sz="1800" b="0" i="0" u="none" strike="noStrike" cap="none" normalizeH="0" baseline="0" dirty="0" smtClean="0">
               <a:ln>
                 <a:noFill/>
               </a:ln>
@@ -5373,6 +5375,7 @@
         </p:style>
         <p:txBody>
           <a:bodyPr vert="horz" wrap="none" lIns="91440" tIns="45720" rIns="91440" bIns="45720" numCol="1" anchor="ctr" anchorCtr="0" compatLnSpc="1"/>
+          <a:lstStyle/>
           <a:p>
             <a:pPr marL="0" marR="0" indent="0" algn="l" defTabSz="914400" rtl="0" eaLnBrk="1" fontAlgn="base" latinLnBrk="0" hangingPunct="1">
               <a:lnSpc>
@@ -5390,7 +5393,7 @@
               <a:buNone/>
             </a:pPr>
             <a:r>
-              <a:rPr lang="zh-CN" altLang="en-US" sz="1600" smtClean="0">
+              <a:rPr lang="zh-CN" altLang="en-US" sz="1600" dirty="0" smtClean="0">
                 <a:ln>
                   <a:noFill/>
                 </a:ln>
@@ -5405,7 +5408,7 @@
               <a:t>Scenario</a:t>
             </a:r>
             <a:r>
-              <a:rPr lang="zh-CN" altLang="en-US" sz="1600" smtClean="0">
+              <a:rPr lang="zh-CN" altLang="en-US" sz="1600" dirty="0" smtClean="0">
                 <a:ln>
                   <a:noFill/>
                 </a:ln>
@@ -5420,7 +5423,7 @@
               <a:t>: </a:t>
             </a:r>
             <a:r>
-              <a:rPr lang="zh-CN" altLang="en-US" sz="1600" smtClean="0">
+              <a:rPr lang="en-US" altLang="zh-CN" sz="1600" dirty="0" smtClean="0">
                 <a:ln>
                   <a:noFill/>
                 </a:ln>
@@ -5432,9 +5435,9 @@
                 <a:ea typeface="SimSun" panose="02010600030101010101" pitchFamily="2" charset="-122"/>
                 <a:sym typeface="+mn-ea"/>
               </a:rPr>
-              <a:t>Create user normally</a:t>
-            </a:r>
-            <a:endParaRPr kumimoji="0" lang="zh-CN" altLang="en-US" sz="1600" b="0" i="0" u="none" strike="noStrike" cap="none" normalizeH="0" baseline="0" smtClean="0">
+              <a:t>Update User Profile</a:t>
+            </a:r>
+            <a:endParaRPr kumimoji="0" lang="zh-CN" altLang="en-US" sz="1600" b="0" i="0" u="none" strike="noStrike" cap="none" normalizeH="0" baseline="0" dirty="0" smtClean="0">
               <a:ln>
                 <a:noFill/>
               </a:ln>
@@ -5462,7 +5465,7 @@
               <a:buFontTx/>
               <a:buNone/>
             </a:pPr>
-            <a:endParaRPr kumimoji="0" lang="zh-CN" altLang="en-US" sz="1600" b="0" i="0" u="none" strike="noStrike" cap="none" normalizeH="0" baseline="0" smtClean="0">
+            <a:endParaRPr kumimoji="0" lang="zh-CN" altLang="en-US" sz="1600" b="0" i="0" u="none" strike="noStrike" cap="none" normalizeH="0" baseline="0" dirty="0" smtClean="0">
               <a:ln>
                 <a:noFill/>
               </a:ln>
@@ -5491,7 +5494,7 @@
               <a:buNone/>
             </a:pPr>
             <a:r>
-              <a:rPr lang="zh-CN" altLang="en-US" sz="1600" smtClean="0">
+              <a:rPr lang="zh-CN" altLang="en-US" sz="1600" dirty="0" smtClean="0">
                 <a:ln>
                   <a:noFill/>
                 </a:ln>
@@ -5506,7 +5509,7 @@
               <a:t>Given</a:t>
             </a:r>
             <a:r>
-              <a:rPr lang="zh-CN" altLang="en-US" sz="1600" smtClean="0">
+              <a:rPr lang="zh-CN" altLang="en-US" sz="1600" dirty="0" smtClean="0">
                 <a:ln>
                   <a:noFill/>
                 </a:ln>
@@ -5518,443 +5521,9 @@
                 <a:ea typeface="SimSun" panose="02010600030101010101" pitchFamily="2" charset="-122"/>
                 <a:sym typeface="+mn-ea"/>
               </a:rPr>
-              <a:t> The user login site by "admin@yopmail.com" </a:t>
-            </a:r>
-            <a:endParaRPr kumimoji="0" lang="zh-CN" altLang="en-US" sz="1600" b="0" i="0" u="none" strike="noStrike" cap="none" normalizeH="0" baseline="0" smtClean="0">
-              <a:ln>
-                <a:noFill/>
-              </a:ln>
-              <a:solidFill>
-                <a:schemeClr val="tx1"/>
-              </a:solidFill>
-              <a:effectLst/>
-              <a:latin typeface="Arial" panose="020B0604020202020204" pitchFamily="34" charset="0"/>
-              <a:ea typeface="SimSun" panose="02010600030101010101" pitchFamily="2" charset="-122"/>
-            </a:endParaRPr>
-          </a:p>
-          <a:p>
-            <a:pPr marL="0" marR="0" indent="0" algn="l" defTabSz="914400" rtl="0" eaLnBrk="1" fontAlgn="base" latinLnBrk="0" hangingPunct="1">
-              <a:lnSpc>
-                <a:spcPct val="100000"/>
-              </a:lnSpc>
-              <a:spcBef>
-                <a:spcPct val="0"/>
-              </a:spcBef>
-              <a:spcAft>
-                <a:spcPct val="0"/>
-              </a:spcAft>
-              <a:buClrTx/>
-              <a:buSzTx/>
-              <a:buFontTx/>
-              <a:buNone/>
-            </a:pPr>
-            <a:r>
-              <a:rPr lang="zh-CN" altLang="en-US" sz="1600" smtClean="0">
-                <a:ln>
-                  <a:noFill/>
-                </a:ln>
-                <a:solidFill>
-                  <a:schemeClr val="tx1"/>
-                </a:solidFill>
-                <a:effectLst/>
-                <a:latin typeface="Arial" panose="020B0604020202020204" pitchFamily="34" charset="0"/>
-                <a:ea typeface="SimSun" panose="02010600030101010101" pitchFamily="2" charset="-122"/>
-                <a:sym typeface="+mn-ea"/>
-              </a:rPr>
-              <a:t>         and "Voyen!1412" successfully</a:t>
-            </a:r>
-            <a:endParaRPr kumimoji="0" lang="zh-CN" altLang="en-US" sz="1600" b="0" i="0" u="none" strike="noStrike" cap="none" normalizeH="0" baseline="0" smtClean="0">
-              <a:ln>
-                <a:noFill/>
-              </a:ln>
-              <a:solidFill>
-                <a:schemeClr val="tx1"/>
-              </a:solidFill>
-              <a:effectLst/>
-              <a:latin typeface="Arial" panose="020B0604020202020204" pitchFamily="34" charset="0"/>
-              <a:ea typeface="SimSun" panose="02010600030101010101" pitchFamily="2" charset="-122"/>
-            </a:endParaRPr>
-          </a:p>
-          <a:p>
-            <a:pPr marL="0" marR="0" indent="0" algn="l" defTabSz="914400" rtl="0" eaLnBrk="1" fontAlgn="base" latinLnBrk="0" hangingPunct="1">
-              <a:lnSpc>
-                <a:spcPct val="100000"/>
-              </a:lnSpc>
-              <a:spcBef>
-                <a:spcPct val="0"/>
-              </a:spcBef>
-              <a:spcAft>
-                <a:spcPct val="0"/>
-              </a:spcAft>
-              <a:buClrTx/>
-              <a:buSzTx/>
-              <a:buFontTx/>
-              <a:buNone/>
-            </a:pPr>
-            <a:r>
-              <a:rPr lang="zh-CN" altLang="en-US" sz="1600" smtClean="0">
-                <a:ln>
-                  <a:noFill/>
-                </a:ln>
-                <a:solidFill>
-                  <a:srgbClr val="00B0F0"/>
-                </a:solidFill>
-                <a:effectLst/>
-                <a:latin typeface="Arial" panose="020B0604020202020204" pitchFamily="34" charset="0"/>
-                <a:ea typeface="SimSun" panose="02010600030101010101" pitchFamily="2" charset="-122"/>
-                <a:sym typeface="+mn-ea"/>
-              </a:rPr>
-              <a:t>When</a:t>
-            </a:r>
-            <a:r>
-              <a:rPr lang="zh-CN" altLang="en-US" sz="1600" smtClean="0">
-                <a:ln>
-                  <a:noFill/>
-                </a:ln>
-                <a:solidFill>
-                  <a:schemeClr val="tx1"/>
-                </a:solidFill>
-                <a:effectLst/>
-                <a:latin typeface="Arial" panose="020B0604020202020204" pitchFamily="34" charset="0"/>
-                <a:ea typeface="SimSun" panose="02010600030101010101" pitchFamily="2" charset="-122"/>
-                <a:sym typeface="+mn-ea"/>
-              </a:rPr>
-              <a:t> Click on Manage menu.</a:t>
-            </a:r>
-            <a:endParaRPr kumimoji="0" lang="zh-CN" altLang="en-US" sz="1600" b="0" i="0" u="none" strike="noStrike" cap="none" normalizeH="0" baseline="0" smtClean="0">
-              <a:ln>
-                <a:noFill/>
-              </a:ln>
-              <a:solidFill>
-                <a:schemeClr val="tx1"/>
-              </a:solidFill>
-              <a:effectLst/>
-              <a:latin typeface="Arial" panose="020B0604020202020204" pitchFamily="34" charset="0"/>
-              <a:ea typeface="SimSun" panose="02010600030101010101" pitchFamily="2" charset="-122"/>
-            </a:endParaRPr>
-          </a:p>
-          <a:p>
-            <a:pPr marL="0" marR="0" indent="0" algn="l" defTabSz="914400" rtl="0" eaLnBrk="1" fontAlgn="base" latinLnBrk="0" hangingPunct="1">
-              <a:lnSpc>
-                <a:spcPct val="100000"/>
-              </a:lnSpc>
-              <a:spcBef>
-                <a:spcPct val="0"/>
-              </a:spcBef>
-              <a:spcAft>
-                <a:spcPct val="0"/>
-              </a:spcAft>
-              <a:buClrTx/>
-              <a:buSzTx/>
-              <a:buFontTx/>
-              <a:buNone/>
-            </a:pPr>
-            <a:r>
-              <a:rPr lang="zh-CN" altLang="en-US" sz="1600" smtClean="0">
-                <a:ln>
-                  <a:noFill/>
-                </a:ln>
-                <a:solidFill>
-                  <a:srgbClr val="00B0F0"/>
-                </a:solidFill>
-                <a:effectLst/>
-                <a:latin typeface="Arial" panose="020B0604020202020204" pitchFamily="34" charset="0"/>
-                <a:ea typeface="SimSun" panose="02010600030101010101" pitchFamily="2" charset="-122"/>
-                <a:sym typeface="+mn-ea"/>
-              </a:rPr>
-              <a:t>And</a:t>
-            </a:r>
-            <a:r>
-              <a:rPr lang="zh-CN" altLang="en-US" sz="1600" smtClean="0">
-                <a:ln>
-                  <a:noFill/>
-                </a:ln>
-                <a:solidFill>
-                  <a:schemeClr val="tx1"/>
-                </a:solidFill>
-                <a:effectLst/>
-                <a:latin typeface="Arial" panose="020B0604020202020204" pitchFamily="34" charset="0"/>
-                <a:ea typeface="SimSun" panose="02010600030101010101" pitchFamily="2" charset="-122"/>
-                <a:sym typeface="+mn-ea"/>
-              </a:rPr>
-              <a:t> Click on Manage Administrators menu.</a:t>
-            </a:r>
-            <a:endParaRPr kumimoji="0" lang="zh-CN" altLang="en-US" sz="1600" b="0" i="0" u="none" strike="noStrike" cap="none" normalizeH="0" baseline="0" smtClean="0">
-              <a:ln>
-                <a:noFill/>
-              </a:ln>
-              <a:solidFill>
-                <a:schemeClr val="tx1"/>
-              </a:solidFill>
-              <a:effectLst/>
-              <a:latin typeface="Arial" panose="020B0604020202020204" pitchFamily="34" charset="0"/>
-              <a:ea typeface="SimSun" panose="02010600030101010101" pitchFamily="2" charset="-122"/>
-            </a:endParaRPr>
-          </a:p>
-          <a:p>
-            <a:pPr marL="0" marR="0" indent="0" algn="l" defTabSz="914400" rtl="0" eaLnBrk="1" fontAlgn="base" latinLnBrk="0" hangingPunct="1">
-              <a:lnSpc>
-                <a:spcPct val="100000"/>
-              </a:lnSpc>
-              <a:spcBef>
-                <a:spcPct val="0"/>
-              </a:spcBef>
-              <a:spcAft>
-                <a:spcPct val="0"/>
-              </a:spcAft>
-              <a:buClrTx/>
-              <a:buSzTx/>
-              <a:buFontTx/>
-              <a:buNone/>
-            </a:pPr>
-            <a:r>
-              <a:rPr lang="zh-CN" altLang="en-US" sz="1600" smtClean="0">
-                <a:ln>
-                  <a:noFill/>
-                </a:ln>
-                <a:solidFill>
-                  <a:srgbClr val="00B0F0"/>
-                </a:solidFill>
-                <a:effectLst/>
-                <a:latin typeface="Arial" panose="020B0604020202020204" pitchFamily="34" charset="0"/>
-                <a:ea typeface="SimSun" panose="02010600030101010101" pitchFamily="2" charset="-122"/>
-                <a:sym typeface="+mn-ea"/>
-              </a:rPr>
-              <a:t>And</a:t>
-            </a:r>
-            <a:r>
-              <a:rPr lang="zh-CN" altLang="en-US" sz="1600" smtClean="0">
-                <a:ln>
-                  <a:noFill/>
-                </a:ln>
-                <a:solidFill>
-                  <a:schemeClr val="tx1"/>
-                </a:solidFill>
-                <a:effectLst/>
-                <a:latin typeface="Arial" panose="020B0604020202020204" pitchFamily="34" charset="0"/>
-                <a:ea typeface="SimSun" panose="02010600030101010101" pitchFamily="2" charset="-122"/>
-                <a:sym typeface="+mn-ea"/>
-              </a:rPr>
-              <a:t> Click on Add User button.</a:t>
-            </a:r>
-            <a:endParaRPr kumimoji="0" lang="zh-CN" altLang="en-US" sz="1600" b="0" i="0" u="none" strike="noStrike" cap="none" normalizeH="0" baseline="0" smtClean="0">
-              <a:ln>
-                <a:noFill/>
-              </a:ln>
-              <a:solidFill>
-                <a:schemeClr val="tx1"/>
-              </a:solidFill>
-              <a:effectLst/>
-              <a:latin typeface="Arial" panose="020B0604020202020204" pitchFamily="34" charset="0"/>
-              <a:ea typeface="SimSun" panose="02010600030101010101" pitchFamily="2" charset="-122"/>
-            </a:endParaRPr>
-          </a:p>
-          <a:p>
-            <a:pPr marL="0" marR="0" indent="0" algn="l" defTabSz="914400" rtl="0" eaLnBrk="1" fontAlgn="base" latinLnBrk="0" hangingPunct="1">
-              <a:lnSpc>
-                <a:spcPct val="100000"/>
-              </a:lnSpc>
-              <a:spcBef>
-                <a:spcPct val="0"/>
-              </a:spcBef>
-              <a:spcAft>
-                <a:spcPct val="0"/>
-              </a:spcAft>
-              <a:buClrTx/>
-              <a:buSzTx/>
-              <a:buFontTx/>
-              <a:buNone/>
-            </a:pPr>
-            <a:r>
-              <a:rPr lang="zh-CN" altLang="en-US" sz="1600" smtClean="0">
-                <a:ln>
-                  <a:noFill/>
-                </a:ln>
-                <a:solidFill>
-                  <a:srgbClr val="00B0F0"/>
-                </a:solidFill>
-                <a:effectLst/>
-                <a:latin typeface="Arial" panose="020B0604020202020204" pitchFamily="34" charset="0"/>
-                <a:ea typeface="SimSun" panose="02010600030101010101" pitchFamily="2" charset="-122"/>
-                <a:sym typeface="+mn-ea"/>
-              </a:rPr>
-              <a:t>And</a:t>
-            </a:r>
-            <a:r>
-              <a:rPr lang="zh-CN" altLang="en-US" sz="1600" smtClean="0">
-                <a:ln>
-                  <a:noFill/>
-                </a:ln>
-                <a:solidFill>
-                  <a:schemeClr val="tx1"/>
-                </a:solidFill>
-                <a:effectLst/>
-                <a:latin typeface="Arial" panose="020B0604020202020204" pitchFamily="34" charset="0"/>
-                <a:ea typeface="SimSun" panose="02010600030101010101" pitchFamily="2" charset="-122"/>
-                <a:sym typeface="+mn-ea"/>
-              </a:rPr>
-              <a:t> Input First Name is "Truyen", Last Name is "Kieu" </a:t>
-            </a:r>
-            <a:endParaRPr kumimoji="0" lang="zh-CN" altLang="en-US" sz="1600" b="0" i="0" u="none" strike="noStrike" cap="none" normalizeH="0" baseline="0" smtClean="0">
-              <a:ln>
-                <a:noFill/>
-              </a:ln>
-              <a:solidFill>
-                <a:schemeClr val="tx1"/>
-              </a:solidFill>
-              <a:effectLst/>
-              <a:latin typeface="Arial" panose="020B0604020202020204" pitchFamily="34" charset="0"/>
-              <a:ea typeface="SimSun" panose="02010600030101010101" pitchFamily="2" charset="-122"/>
-            </a:endParaRPr>
-          </a:p>
-          <a:p>
-            <a:pPr marL="0" marR="0" indent="0" algn="l" defTabSz="914400" rtl="0" eaLnBrk="1" fontAlgn="base" latinLnBrk="0" hangingPunct="1">
-              <a:lnSpc>
-                <a:spcPct val="100000"/>
-              </a:lnSpc>
-              <a:spcBef>
-                <a:spcPct val="0"/>
-              </a:spcBef>
-              <a:spcAft>
-                <a:spcPct val="0"/>
-              </a:spcAft>
-              <a:buClrTx/>
-              <a:buSzTx/>
-              <a:buFontTx/>
-              <a:buNone/>
-            </a:pPr>
-            <a:r>
-              <a:rPr lang="zh-CN" altLang="en-US" sz="1600" smtClean="0">
-                <a:ln>
-                  <a:noFill/>
-                </a:ln>
-                <a:solidFill>
-                  <a:schemeClr val="tx1"/>
-                </a:solidFill>
-                <a:effectLst/>
-                <a:latin typeface="Arial" panose="020B0604020202020204" pitchFamily="34" charset="0"/>
-                <a:ea typeface="SimSun" panose="02010600030101010101" pitchFamily="2" charset="-122"/>
-                <a:sym typeface="+mn-ea"/>
-              </a:rPr>
-              <a:t>        and Email is "truyen.kieu.02@yopmail.com".</a:t>
-            </a:r>
-            <a:endParaRPr kumimoji="0" lang="zh-CN" altLang="en-US" sz="1600" b="0" i="0" u="none" strike="noStrike" cap="none" normalizeH="0" baseline="0" smtClean="0">
-              <a:ln>
-                <a:noFill/>
-              </a:ln>
-              <a:solidFill>
-                <a:schemeClr val="tx1"/>
-              </a:solidFill>
-              <a:effectLst/>
-              <a:latin typeface="Arial" panose="020B0604020202020204" pitchFamily="34" charset="0"/>
-              <a:ea typeface="SimSun" panose="02010600030101010101" pitchFamily="2" charset="-122"/>
-            </a:endParaRPr>
-          </a:p>
-          <a:p>
-            <a:pPr marL="0" marR="0" indent="0" algn="l" defTabSz="914400" rtl="0" eaLnBrk="1" fontAlgn="base" latinLnBrk="0" hangingPunct="1">
-              <a:lnSpc>
-                <a:spcPct val="100000"/>
-              </a:lnSpc>
-              <a:spcBef>
-                <a:spcPct val="0"/>
-              </a:spcBef>
-              <a:spcAft>
-                <a:spcPct val="0"/>
-              </a:spcAft>
-              <a:buClrTx/>
-              <a:buSzTx/>
-              <a:buFontTx/>
-              <a:buNone/>
-            </a:pPr>
-            <a:r>
-              <a:rPr lang="zh-CN" altLang="en-US" sz="1600" smtClean="0">
-                <a:ln>
-                  <a:noFill/>
-                </a:ln>
-                <a:solidFill>
-                  <a:srgbClr val="00B0F0"/>
-                </a:solidFill>
-                <a:effectLst/>
-                <a:latin typeface="Arial" panose="020B0604020202020204" pitchFamily="34" charset="0"/>
-                <a:ea typeface="SimSun" panose="02010600030101010101" pitchFamily="2" charset="-122"/>
-                <a:sym typeface="+mn-ea"/>
-              </a:rPr>
-              <a:t>And</a:t>
-            </a:r>
-            <a:r>
-              <a:rPr lang="zh-CN" altLang="en-US" sz="1600" smtClean="0">
-                <a:ln>
-                  <a:noFill/>
-                </a:ln>
-                <a:solidFill>
-                  <a:schemeClr val="tx1"/>
-                </a:solidFill>
-                <a:effectLst/>
-                <a:latin typeface="Arial" panose="020B0604020202020204" pitchFamily="34" charset="0"/>
-                <a:ea typeface="SimSun" panose="02010600030101010101" pitchFamily="2" charset="-122"/>
-                <a:sym typeface="+mn-ea"/>
-              </a:rPr>
-              <a:t> Click on Save button</a:t>
-            </a:r>
-            <a:endParaRPr kumimoji="0" lang="zh-CN" altLang="en-US" sz="1600" b="0" i="0" u="none" strike="noStrike" cap="none" normalizeH="0" baseline="0" smtClean="0">
-              <a:ln>
-                <a:noFill/>
-              </a:ln>
-              <a:solidFill>
-                <a:schemeClr val="tx1"/>
-              </a:solidFill>
-              <a:effectLst/>
-              <a:latin typeface="Arial" panose="020B0604020202020204" pitchFamily="34" charset="0"/>
-              <a:ea typeface="SimSun" panose="02010600030101010101" pitchFamily="2" charset="-122"/>
-            </a:endParaRPr>
-          </a:p>
-          <a:p>
-            <a:pPr marL="0" marR="0" indent="0" algn="l" defTabSz="914400" rtl="0" eaLnBrk="1" fontAlgn="base" latinLnBrk="0" hangingPunct="1">
-              <a:lnSpc>
-                <a:spcPct val="100000"/>
-              </a:lnSpc>
-              <a:spcBef>
-                <a:spcPct val="0"/>
-              </a:spcBef>
-              <a:spcAft>
-                <a:spcPct val="0"/>
-              </a:spcAft>
-              <a:buClrTx/>
-              <a:buSzTx/>
-              <a:buFontTx/>
-              <a:buNone/>
-            </a:pPr>
-            <a:r>
-              <a:rPr lang="zh-CN" altLang="en-US" sz="1600" smtClean="0">
-                <a:ln>
-                  <a:noFill/>
-                </a:ln>
-                <a:solidFill>
-                  <a:srgbClr val="00B0F0"/>
-                </a:solidFill>
-                <a:effectLst/>
-                <a:latin typeface="Arial" panose="020B0604020202020204" pitchFamily="34" charset="0"/>
-                <a:ea typeface="SimSun" panose="02010600030101010101" pitchFamily="2" charset="-122"/>
-                <a:sym typeface="+mn-ea"/>
-              </a:rPr>
-              <a:t>Then</a:t>
-            </a:r>
-            <a:r>
-              <a:rPr lang="zh-CN" altLang="en-US" sz="1600" smtClean="0">
-                <a:ln>
-                  <a:noFill/>
-                </a:ln>
-                <a:solidFill>
-                  <a:schemeClr val="tx1"/>
-                </a:solidFill>
-                <a:effectLst/>
-                <a:latin typeface="Arial" panose="020B0604020202020204" pitchFamily="34" charset="0"/>
-                <a:ea typeface="SimSun" panose="02010600030101010101" pitchFamily="2" charset="-122"/>
-                <a:sym typeface="+mn-ea"/>
-              </a:rPr>
-              <a:t> System should navigate to </a:t>
-            </a:r>
-            <a:endParaRPr lang="zh-CN" altLang="en-US" sz="1600" smtClean="0">
+              <a:t> The user login site by "truyen.kieu.12@yopmail.com" </a:t>
+            </a:r>
+            <a:endParaRPr lang="zh-CN" altLang="en-US" sz="1600" dirty="0" smtClean="0">
               <a:ln>
                 <a:noFill/>
               </a:ln>
@@ -5984,7 +5553,7 @@
               <a:buNone/>
             </a:pPr>
             <a:r>
-              <a:rPr lang="zh-CN" altLang="en-US" sz="1600" smtClean="0">
+              <a:rPr lang="zh-CN" altLang="en-US" sz="1600" dirty="0" smtClean="0">
                 <a:ln>
                   <a:noFill/>
                 </a:ln>
@@ -5996,67 +5565,9 @@
                 <a:ea typeface="SimSun" panose="02010600030101010101" pitchFamily="2" charset="-122"/>
                 <a:sym typeface="+mn-ea"/>
               </a:rPr>
-              <a:t>        "Manage System Administrators" screen.</a:t>
-            </a:r>
-            <a:endParaRPr kumimoji="0" lang="zh-CN" altLang="en-US" sz="1600" b="0" i="0" u="none" strike="noStrike" cap="none" normalizeH="0" baseline="0" smtClean="0">
-              <a:ln>
-                <a:noFill/>
-              </a:ln>
-              <a:solidFill>
-                <a:schemeClr val="tx1"/>
-              </a:solidFill>
-              <a:effectLst/>
-              <a:latin typeface="Arial" panose="020B0604020202020204" pitchFamily="34" charset="0"/>
-              <a:ea typeface="SimSun" panose="02010600030101010101" pitchFamily="2" charset="-122"/>
-            </a:endParaRPr>
-          </a:p>
-          <a:p>
-            <a:pPr marL="0" marR="0" indent="0" algn="l" defTabSz="914400" rtl="0" eaLnBrk="1" fontAlgn="base" latinLnBrk="0" hangingPunct="1">
-              <a:lnSpc>
-                <a:spcPct val="100000"/>
-              </a:lnSpc>
-              <a:spcBef>
-                <a:spcPct val="0"/>
-              </a:spcBef>
-              <a:spcAft>
-                <a:spcPct val="0"/>
-              </a:spcAft>
-              <a:buClrTx/>
-              <a:buSzTx/>
-              <a:buFontTx/>
-              <a:buNone/>
-            </a:pPr>
-            <a:r>
-              <a:rPr lang="zh-CN" altLang="en-US" sz="1600" smtClean="0">
-                <a:ln>
-                  <a:noFill/>
-                </a:ln>
-                <a:solidFill>
-                  <a:srgbClr val="00B0F0"/>
-                </a:solidFill>
-                <a:effectLst/>
-                <a:latin typeface="Arial" panose="020B0604020202020204" pitchFamily="34" charset="0"/>
-                <a:ea typeface="SimSun" panose="02010600030101010101" pitchFamily="2" charset="-122"/>
-                <a:sym typeface="+mn-ea"/>
-              </a:rPr>
-              <a:t>And</a:t>
-            </a:r>
-            <a:r>
-              <a:rPr lang="zh-CN" altLang="en-US" sz="1600" smtClean="0">
-                <a:ln>
-                  <a:noFill/>
-                </a:ln>
-                <a:solidFill>
-                  <a:schemeClr val="tx1"/>
-                </a:solidFill>
-                <a:effectLst/>
-                <a:latin typeface="Arial" panose="020B0604020202020204" pitchFamily="34" charset="0"/>
-                <a:ea typeface="SimSun" panose="02010600030101010101" pitchFamily="2" charset="-122"/>
-                <a:sym typeface="+mn-ea"/>
-              </a:rPr>
-              <a:t> "truyen.kieu.02@yopmail.com" and User Name </a:t>
-            </a:r>
-            <a:endParaRPr lang="zh-CN" altLang="en-US" sz="1600" smtClean="0">
+              <a:t>           and "Cdbently2408^" successfully</a:t>
+            </a:r>
+            <a:endParaRPr lang="zh-CN" altLang="en-US" sz="1600" dirty="0" smtClean="0">
               <a:ln>
                 <a:noFill/>
               </a:ln>
@@ -6086,21 +5597,549 @@
               <a:buNone/>
             </a:pPr>
             <a:r>
-              <a:rPr lang="zh-CN" altLang="en-US" sz="1600" smtClean="0">
+              <a:rPr lang="zh-CN" altLang="en-US" sz="1600" dirty="0" smtClean="0">
                 <a:ln>
                   <a:noFill/>
                 </a:ln>
                 <a:solidFill>
-                  <a:schemeClr val="tx1"/>
+                  <a:srgbClr val="00B0F0"/>
                 </a:solidFill>
                 <a:effectLst/>
                 <a:latin typeface="Arial" panose="020B0604020202020204" pitchFamily="34" charset="0"/>
                 <a:ea typeface="SimSun" panose="02010600030101010101" pitchFamily="2" charset="-122"/>
                 <a:sym typeface="+mn-ea"/>
               </a:rPr>
-              <a:t>         is "Truyen Kieu" should be shown on screen.</a:t>
-            </a:r>
-            <a:endParaRPr lang="zh-CN" altLang="en-US" sz="1600" smtClean="0">
+              <a:t>When</a:t>
+            </a:r>
+            <a:r>
+              <a:rPr lang="zh-CN" altLang="en-US" sz="1600" dirty="0" smtClean="0">
+                <a:ln>
+                  <a:noFill/>
+                </a:ln>
+                <a:solidFill>
+                  <a:schemeClr val="tx1"/>
+                </a:solidFill>
+                <a:effectLst/>
+                <a:latin typeface="Arial" panose="020B0604020202020204" pitchFamily="34" charset="0"/>
+                <a:ea typeface="SimSun" panose="02010600030101010101" pitchFamily="2" charset="-122"/>
+                <a:sym typeface="+mn-ea"/>
+              </a:rPr>
+              <a:t> Click User menu.</a:t>
+            </a:r>
+            <a:endParaRPr kumimoji="0" lang="zh-CN" altLang="en-US" sz="1600" b="0" i="0" u="none" strike="noStrike" cap="none" normalizeH="0" baseline="0" dirty="0" smtClean="0">
+              <a:ln>
+                <a:noFill/>
+              </a:ln>
+              <a:solidFill>
+                <a:schemeClr val="tx1"/>
+              </a:solidFill>
+              <a:effectLst/>
+              <a:latin typeface="Arial" panose="020B0604020202020204" pitchFamily="34" charset="0"/>
+              <a:ea typeface="SimSun" panose="02010600030101010101" pitchFamily="2" charset="-122"/>
+            </a:endParaRPr>
+          </a:p>
+          <a:p>
+            <a:pPr marL="0" marR="0" indent="0" algn="l" defTabSz="914400" rtl="0" eaLnBrk="1" fontAlgn="base" latinLnBrk="0" hangingPunct="1">
+              <a:lnSpc>
+                <a:spcPct val="100000"/>
+              </a:lnSpc>
+              <a:spcBef>
+                <a:spcPct val="0"/>
+              </a:spcBef>
+              <a:spcAft>
+                <a:spcPct val="0"/>
+              </a:spcAft>
+              <a:buClrTx/>
+              <a:buSzTx/>
+              <a:buFontTx/>
+              <a:buNone/>
+            </a:pPr>
+            <a:r>
+              <a:rPr lang="zh-CN" altLang="en-US" sz="1600" dirty="0" smtClean="0">
+                <a:ln>
+                  <a:noFill/>
+                </a:ln>
+                <a:solidFill>
+                  <a:srgbClr val="00B0F0"/>
+                </a:solidFill>
+                <a:effectLst/>
+                <a:latin typeface="Arial" panose="020B0604020202020204" pitchFamily="34" charset="0"/>
+                <a:ea typeface="SimSun" panose="02010600030101010101" pitchFamily="2" charset="-122"/>
+                <a:sym typeface="+mn-ea"/>
+              </a:rPr>
+              <a:t> And</a:t>
+            </a:r>
+            <a:r>
+              <a:rPr lang="zh-CN" altLang="en-US" sz="1600" dirty="0" smtClean="0">
+                <a:ln>
+                  <a:noFill/>
+                </a:ln>
+                <a:solidFill>
+                  <a:schemeClr val="tx1"/>
+                </a:solidFill>
+                <a:effectLst/>
+                <a:latin typeface="Arial" panose="020B0604020202020204" pitchFamily="34" charset="0"/>
+                <a:ea typeface="SimSun" panose="02010600030101010101" pitchFamily="2" charset="-122"/>
+                <a:sym typeface="+mn-ea"/>
+              </a:rPr>
+              <a:t> Click User profile link</a:t>
+            </a:r>
+            <a:endParaRPr lang="zh-CN" altLang="en-US" sz="1600" dirty="0" smtClean="0">
+              <a:ln>
+                <a:noFill/>
+              </a:ln>
+              <a:solidFill>
+                <a:schemeClr val="tx1"/>
+              </a:solidFill>
+              <a:effectLst/>
+              <a:latin typeface="Arial" panose="020B0604020202020204" pitchFamily="34" charset="0"/>
+              <a:ea typeface="SimSun" panose="02010600030101010101" pitchFamily="2" charset="-122"/>
+              <a:sym typeface="+mn-ea"/>
+            </a:endParaRPr>
+          </a:p>
+          <a:p>
+            <a:pPr marL="0" marR="0" indent="0" algn="l" defTabSz="914400" rtl="0" eaLnBrk="1" fontAlgn="base" latinLnBrk="0" hangingPunct="1">
+              <a:lnSpc>
+                <a:spcPct val="100000"/>
+              </a:lnSpc>
+              <a:spcBef>
+                <a:spcPct val="0"/>
+              </a:spcBef>
+              <a:spcAft>
+                <a:spcPct val="0"/>
+              </a:spcAft>
+              <a:buClrTx/>
+              <a:buSzTx/>
+              <a:buFontTx/>
+              <a:buNone/>
+            </a:pPr>
+            <a:r>
+              <a:rPr lang="zh-CN" altLang="en-US" sz="1600" dirty="0" smtClean="0">
+                <a:ln>
+                  <a:noFill/>
+                </a:ln>
+                <a:solidFill>
+                  <a:srgbClr val="00B0F0"/>
+                </a:solidFill>
+                <a:effectLst/>
+                <a:latin typeface="Arial" panose="020B0604020202020204" pitchFamily="34" charset="0"/>
+                <a:ea typeface="SimSun" panose="02010600030101010101" pitchFamily="2" charset="-122"/>
+                <a:sym typeface="+mn-ea"/>
+              </a:rPr>
+              <a:t> And</a:t>
+            </a:r>
+            <a:r>
+              <a:rPr lang="zh-CN" altLang="en-US" sz="1600" dirty="0" smtClean="0">
+                <a:ln>
+                  <a:noFill/>
+                </a:ln>
+                <a:solidFill>
+                  <a:schemeClr val="tx1"/>
+                </a:solidFill>
+                <a:effectLst/>
+                <a:latin typeface="Arial" panose="020B0604020202020204" pitchFamily="34" charset="0"/>
+                <a:ea typeface="SimSun" panose="02010600030101010101" pitchFamily="2" charset="-122"/>
+                <a:sym typeface="+mn-ea"/>
+              </a:rPr>
+              <a:t> Update First Name is "Truyen", Last Name is "Kieu"</a:t>
+            </a:r>
+            <a:endParaRPr kumimoji="0" lang="zh-CN" altLang="en-US" sz="1600" b="0" i="0" u="none" strike="noStrike" cap="none" normalizeH="0" baseline="0" dirty="0" smtClean="0">
+              <a:ln>
+                <a:noFill/>
+              </a:ln>
+              <a:solidFill>
+                <a:schemeClr val="tx1"/>
+              </a:solidFill>
+              <a:effectLst/>
+              <a:latin typeface="Arial" panose="020B0604020202020204" pitchFamily="34" charset="0"/>
+              <a:ea typeface="SimSun" panose="02010600030101010101" pitchFamily="2" charset="-122"/>
+            </a:endParaRPr>
+          </a:p>
+          <a:p>
+            <a:pPr marL="0" marR="0" indent="0" algn="l" defTabSz="914400" rtl="0" eaLnBrk="1" fontAlgn="base" latinLnBrk="0" hangingPunct="1">
+              <a:lnSpc>
+                <a:spcPct val="100000"/>
+              </a:lnSpc>
+              <a:spcBef>
+                <a:spcPct val="0"/>
+              </a:spcBef>
+              <a:spcAft>
+                <a:spcPct val="0"/>
+              </a:spcAft>
+              <a:buClrTx/>
+              <a:buSzTx/>
+              <a:buFontTx/>
+              <a:buNone/>
+            </a:pPr>
+            <a:r>
+              <a:rPr lang="zh-CN" altLang="en-US" sz="1600" dirty="0" smtClean="0">
+                <a:ln>
+                  <a:noFill/>
+                </a:ln>
+                <a:solidFill>
+                  <a:srgbClr val="00B0F0"/>
+                </a:solidFill>
+                <a:effectLst/>
+                <a:latin typeface="Arial" panose="020B0604020202020204" pitchFamily="34" charset="0"/>
+                <a:ea typeface="SimSun" panose="02010600030101010101" pitchFamily="2" charset="-122"/>
+                <a:sym typeface="+mn-ea"/>
+              </a:rPr>
+              <a:t> And</a:t>
+            </a:r>
+            <a:r>
+              <a:rPr lang="zh-CN" altLang="en-US" sz="1600" dirty="0" smtClean="0">
+                <a:ln>
+                  <a:noFill/>
+                </a:ln>
+                <a:solidFill>
+                  <a:schemeClr val="tx1"/>
+                </a:solidFill>
+                <a:effectLst/>
+                <a:latin typeface="Arial" panose="020B0604020202020204" pitchFamily="34" charset="0"/>
+                <a:ea typeface="SimSun" panose="02010600030101010101" pitchFamily="2" charset="-122"/>
+                <a:sym typeface="+mn-ea"/>
+              </a:rPr>
+              <a:t> Click on Save button</a:t>
+            </a:r>
+            <a:endParaRPr kumimoji="0" lang="zh-CN" altLang="en-US" sz="1600" b="0" i="0" u="none" strike="noStrike" cap="none" normalizeH="0" baseline="0" dirty="0" smtClean="0">
+              <a:ln>
+                <a:noFill/>
+              </a:ln>
+              <a:solidFill>
+                <a:schemeClr val="tx1"/>
+              </a:solidFill>
+              <a:effectLst/>
+              <a:latin typeface="Arial" panose="020B0604020202020204" pitchFamily="34" charset="0"/>
+              <a:ea typeface="SimSun" panose="02010600030101010101" pitchFamily="2" charset="-122"/>
+            </a:endParaRPr>
+          </a:p>
+          <a:p>
+            <a:pPr marL="0" marR="0" indent="0" algn="l" defTabSz="914400" rtl="0" eaLnBrk="1" fontAlgn="base" latinLnBrk="0" hangingPunct="1">
+              <a:lnSpc>
+                <a:spcPct val="100000"/>
+              </a:lnSpc>
+              <a:spcBef>
+                <a:spcPct val="0"/>
+              </a:spcBef>
+              <a:spcAft>
+                <a:spcPct val="0"/>
+              </a:spcAft>
+              <a:buClrTx/>
+              <a:buSzTx/>
+              <a:buFontTx/>
+              <a:buNone/>
+            </a:pPr>
+            <a:r>
+              <a:rPr lang="zh-CN" altLang="en-US" sz="1600" dirty="0" smtClean="0">
+                <a:ln>
+                  <a:noFill/>
+                </a:ln>
+                <a:solidFill>
+                  <a:srgbClr val="00B0F0"/>
+                </a:solidFill>
+                <a:effectLst/>
+                <a:latin typeface="Arial" panose="020B0604020202020204" pitchFamily="34" charset="0"/>
+                <a:ea typeface="SimSun" panose="02010600030101010101" pitchFamily="2" charset="-122"/>
+                <a:sym typeface="+mn-ea"/>
+              </a:rPr>
+              <a:t>Then</a:t>
+            </a:r>
+            <a:r>
+              <a:rPr lang="zh-CN" altLang="en-US" sz="1600" dirty="0" smtClean="0">
+                <a:ln>
+                  <a:noFill/>
+                </a:ln>
+                <a:solidFill>
+                  <a:schemeClr val="tx1"/>
+                </a:solidFill>
+                <a:effectLst/>
+                <a:latin typeface="Arial" panose="020B0604020202020204" pitchFamily="34" charset="0"/>
+                <a:ea typeface="SimSun" panose="02010600030101010101" pitchFamily="2" charset="-122"/>
+                <a:sym typeface="+mn-ea"/>
+              </a:rPr>
+              <a:t> System navigate</a:t>
+            </a:r>
+            <a:r>
+              <a:rPr lang="en-US" altLang="zh-CN" sz="1600" dirty="0" smtClean="0">
+                <a:ln>
+                  <a:noFill/>
+                </a:ln>
+                <a:solidFill>
+                  <a:schemeClr val="tx1"/>
+                </a:solidFill>
+                <a:effectLst/>
+                <a:latin typeface="Arial" panose="020B0604020202020204" pitchFamily="34" charset="0"/>
+                <a:ea typeface="SimSun" panose="02010600030101010101" pitchFamily="2" charset="-122"/>
+                <a:sym typeface="+mn-ea"/>
+              </a:rPr>
+              <a:t>s</a:t>
+            </a:r>
+            <a:r>
+              <a:rPr lang="zh-CN" altLang="en-US" sz="1600" dirty="0" smtClean="0">
+                <a:ln>
+                  <a:noFill/>
+                </a:ln>
+                <a:solidFill>
+                  <a:schemeClr val="tx1"/>
+                </a:solidFill>
+                <a:effectLst/>
+                <a:latin typeface="Arial" panose="020B0604020202020204" pitchFamily="34" charset="0"/>
+                <a:ea typeface="SimSun" panose="02010600030101010101" pitchFamily="2" charset="-122"/>
+                <a:sym typeface="+mn-ea"/>
+              </a:rPr>
+              <a:t> to "Manage System Administrators"</a:t>
+            </a:r>
+            <a:endParaRPr lang="zh-CN" altLang="en-US" sz="1600" dirty="0" smtClean="0">
+              <a:ln>
+                <a:noFill/>
+              </a:ln>
+              <a:solidFill>
+                <a:schemeClr val="tx1"/>
+              </a:solidFill>
+              <a:effectLst/>
+              <a:latin typeface="Arial" panose="020B0604020202020204" pitchFamily="34" charset="0"/>
+              <a:ea typeface="SimSun" panose="02010600030101010101" pitchFamily="2" charset="-122"/>
+              <a:sym typeface="+mn-ea"/>
+            </a:endParaRPr>
+          </a:p>
+          <a:p>
+            <a:pPr marL="0" marR="0" indent="0" algn="l" defTabSz="914400" rtl="0" eaLnBrk="1" fontAlgn="base" latinLnBrk="0" hangingPunct="1">
+              <a:lnSpc>
+                <a:spcPct val="100000"/>
+              </a:lnSpc>
+              <a:spcBef>
+                <a:spcPct val="0"/>
+              </a:spcBef>
+              <a:spcAft>
+                <a:spcPct val="0"/>
+              </a:spcAft>
+              <a:buClrTx/>
+              <a:buSzTx/>
+              <a:buFontTx/>
+              <a:buNone/>
+            </a:pPr>
+            <a:r>
+              <a:rPr lang="zh-CN" altLang="en-US" sz="1600" dirty="0" smtClean="0">
+                <a:ln>
+                  <a:noFill/>
+                </a:ln>
+                <a:solidFill>
+                  <a:schemeClr val="tx1"/>
+                </a:solidFill>
+                <a:effectLst/>
+                <a:latin typeface="Arial" panose="020B0604020202020204" pitchFamily="34" charset="0"/>
+                <a:ea typeface="SimSun" panose="02010600030101010101" pitchFamily="2" charset="-122"/>
+                <a:sym typeface="+mn-ea"/>
+              </a:rPr>
+              <a:t>          </a:t>
+            </a:r>
+            <a:r>
+              <a:rPr lang="en-US" altLang="zh-CN" sz="1600" dirty="0" smtClean="0">
+                <a:ln>
+                  <a:noFill/>
+                </a:ln>
+                <a:solidFill>
+                  <a:schemeClr val="tx1"/>
+                </a:solidFill>
+                <a:effectLst/>
+                <a:latin typeface="Arial" panose="020B0604020202020204" pitchFamily="34" charset="0"/>
+                <a:ea typeface="SimSun" panose="02010600030101010101" pitchFamily="2" charset="-122"/>
+                <a:sym typeface="+mn-ea"/>
+              </a:rPr>
+              <a:t>page</a:t>
+            </a:r>
+            <a:endParaRPr kumimoji="0" lang="zh-CN" altLang="en-US" sz="1600" b="0" i="0" u="none" strike="noStrike" cap="none" normalizeH="0" baseline="0" dirty="0" smtClean="0">
+              <a:ln>
+                <a:noFill/>
+              </a:ln>
+              <a:solidFill>
+                <a:schemeClr val="tx1"/>
+              </a:solidFill>
+              <a:effectLst/>
+              <a:latin typeface="Arial" panose="020B0604020202020204" pitchFamily="34" charset="0"/>
+              <a:ea typeface="SimSun" panose="02010600030101010101" pitchFamily="2" charset="-122"/>
+            </a:endParaRPr>
+          </a:p>
+          <a:p>
+            <a:pPr marL="0" marR="0" indent="0" algn="l" defTabSz="914400" rtl="0" eaLnBrk="1" fontAlgn="base" latinLnBrk="0" hangingPunct="1">
+              <a:lnSpc>
+                <a:spcPct val="100000"/>
+              </a:lnSpc>
+              <a:spcBef>
+                <a:spcPct val="0"/>
+              </a:spcBef>
+              <a:spcAft>
+                <a:spcPct val="0"/>
+              </a:spcAft>
+              <a:buClrTx/>
+              <a:buSzTx/>
+              <a:buFontTx/>
+              <a:buNone/>
+            </a:pPr>
+            <a:r>
+              <a:rPr lang="zh-CN" altLang="en-US" sz="1600" dirty="0" smtClean="0">
+                <a:ln>
+                  <a:noFill/>
+                </a:ln>
+                <a:solidFill>
+                  <a:srgbClr val="00B0F0"/>
+                </a:solidFill>
+                <a:effectLst/>
+                <a:latin typeface="Arial" panose="020B0604020202020204" pitchFamily="34" charset="0"/>
+                <a:ea typeface="SimSun" panose="02010600030101010101" pitchFamily="2" charset="-122"/>
+                <a:sym typeface="+mn-ea"/>
+              </a:rPr>
+              <a:t> </a:t>
+            </a:r>
+            <a:r>
+              <a:rPr lang="en-US" altLang="zh-CN" sz="1600" dirty="0" smtClean="0">
+                <a:ln>
+                  <a:noFill/>
+                </a:ln>
+                <a:solidFill>
+                  <a:srgbClr val="00B0F0"/>
+                </a:solidFill>
+                <a:effectLst/>
+                <a:latin typeface="Arial" panose="020B0604020202020204" pitchFamily="34" charset="0"/>
+                <a:ea typeface="SimSun" panose="02010600030101010101" pitchFamily="2" charset="-122"/>
+                <a:sym typeface="+mn-ea"/>
+              </a:rPr>
+              <a:t>And </a:t>
+            </a:r>
+            <a:r>
+              <a:rPr lang="en-US" altLang="zh-CN" sz="1600" dirty="0" smtClean="0">
+                <a:ln>
+                  <a:noFill/>
+                </a:ln>
+                <a:solidFill>
+                  <a:schemeClr val="tx1"/>
+                </a:solidFill>
+                <a:effectLst/>
+                <a:latin typeface="Arial" panose="020B0604020202020204" pitchFamily="34" charset="0"/>
+                <a:ea typeface="SimSun" panose="02010600030101010101" pitchFamily="2" charset="-122"/>
+                <a:sym typeface="+mn-ea"/>
+              </a:rPr>
+              <a:t>"truyen.kieu.12@yopmail.com" should be shown on</a:t>
+            </a:r>
+            <a:endParaRPr lang="en-US" altLang="zh-CN" sz="1600" dirty="0" smtClean="0">
+              <a:ln>
+                <a:noFill/>
+              </a:ln>
+              <a:solidFill>
+                <a:schemeClr val="tx1"/>
+              </a:solidFill>
+              <a:effectLst/>
+              <a:latin typeface="Arial" panose="020B0604020202020204" pitchFamily="34" charset="0"/>
+              <a:ea typeface="SimSun" panose="02010600030101010101" pitchFamily="2" charset="-122"/>
+              <a:sym typeface="+mn-ea"/>
+            </a:endParaRPr>
+          </a:p>
+          <a:p>
+            <a:pPr marL="0" marR="0" indent="0" algn="l" defTabSz="914400" rtl="0" eaLnBrk="1" fontAlgn="base" latinLnBrk="0" hangingPunct="1">
+              <a:lnSpc>
+                <a:spcPct val="100000"/>
+              </a:lnSpc>
+              <a:spcBef>
+                <a:spcPct val="0"/>
+              </a:spcBef>
+              <a:spcAft>
+                <a:spcPct val="0"/>
+              </a:spcAft>
+              <a:buClrTx/>
+              <a:buSzTx/>
+              <a:buFontTx/>
+              <a:buNone/>
+            </a:pPr>
+            <a:r>
+              <a:rPr lang="en-US" altLang="zh-CN" sz="1600" dirty="0" smtClean="0">
+                <a:ln>
+                  <a:noFill/>
+                </a:ln>
+                <a:solidFill>
+                  <a:schemeClr val="tx1"/>
+                </a:solidFill>
+                <a:effectLst/>
+                <a:latin typeface="Arial" panose="020B0604020202020204" pitchFamily="34" charset="0"/>
+                <a:ea typeface="SimSun" panose="02010600030101010101" pitchFamily="2" charset="-122"/>
+                <a:sym typeface="+mn-ea"/>
+              </a:rPr>
+              <a:t>         screen.</a:t>
+            </a:r>
+            <a:endParaRPr lang="en-US" altLang="zh-CN" sz="1600" dirty="0" smtClean="0">
+              <a:ln>
+                <a:noFill/>
+              </a:ln>
+              <a:solidFill>
+                <a:schemeClr val="tx1"/>
+              </a:solidFill>
+              <a:effectLst/>
+              <a:latin typeface="Arial" panose="020B0604020202020204" pitchFamily="34" charset="0"/>
+              <a:ea typeface="SimSun" panose="02010600030101010101" pitchFamily="2" charset="-122"/>
+              <a:sym typeface="+mn-ea"/>
+            </a:endParaRPr>
+          </a:p>
+          <a:p>
+            <a:pPr marL="0" marR="0" indent="0" algn="l" defTabSz="914400" rtl="0" eaLnBrk="1" fontAlgn="base" latinLnBrk="0" hangingPunct="1">
+              <a:lnSpc>
+                <a:spcPct val="100000"/>
+              </a:lnSpc>
+              <a:spcBef>
+                <a:spcPct val="0"/>
+              </a:spcBef>
+              <a:spcAft>
+                <a:spcPct val="0"/>
+              </a:spcAft>
+              <a:buClrTx/>
+              <a:buSzTx/>
+              <a:buFontTx/>
+              <a:buNone/>
+            </a:pPr>
+            <a:r>
+              <a:rPr lang="en-US" altLang="zh-CN" sz="1600" dirty="0" smtClean="0">
+                <a:ln>
+                  <a:noFill/>
+                </a:ln>
+                <a:solidFill>
+                  <a:schemeClr val="tx1"/>
+                </a:solidFill>
+                <a:effectLst/>
+                <a:latin typeface="Arial" panose="020B0604020202020204" pitchFamily="34" charset="0"/>
+                <a:ea typeface="SimSun" panose="02010600030101010101" pitchFamily="2" charset="-122"/>
+                <a:sym typeface="+mn-ea"/>
+              </a:rPr>
+              <a:t> </a:t>
+            </a:r>
+            <a:r>
+              <a:rPr lang="en-US" altLang="zh-CN" sz="1600" dirty="0" smtClean="0">
+                <a:ln>
+                  <a:noFill/>
+                </a:ln>
+                <a:solidFill>
+                  <a:srgbClr val="00B0F0"/>
+                </a:solidFill>
+                <a:effectLst/>
+                <a:latin typeface="Arial" panose="020B0604020202020204" pitchFamily="34" charset="0"/>
+                <a:ea typeface="SimSun" panose="02010600030101010101" pitchFamily="2" charset="-122"/>
+                <a:sym typeface="+mn-ea"/>
+              </a:rPr>
+              <a:t>And</a:t>
+            </a:r>
+            <a:r>
+              <a:rPr lang="en-US" altLang="zh-CN" sz="1600" dirty="0" smtClean="0">
+                <a:ln>
+                  <a:noFill/>
+                </a:ln>
+                <a:solidFill>
+                  <a:schemeClr val="tx1"/>
+                </a:solidFill>
+                <a:effectLst/>
+                <a:latin typeface="Arial" panose="020B0604020202020204" pitchFamily="34" charset="0"/>
+                <a:ea typeface="SimSun" panose="02010600030101010101" pitchFamily="2" charset="-122"/>
+                <a:sym typeface="+mn-ea"/>
+              </a:rPr>
+              <a:t> "Truyen Kieu" Shows correctly be shown on screen.</a:t>
+            </a:r>
+            <a:endParaRPr lang="en-US" altLang="zh-CN" sz="1600" dirty="0" smtClean="0">
               <a:ln>
                 <a:noFill/>
               </a:ln>
@@ -6152,6 +6191,7 @@
         </p:spPr>
         <p:txBody>
           <a:bodyPr vert="horz" wrap="none" lIns="91440" tIns="45720" rIns="91440" bIns="45720" numCol="1" anchor="ctr" anchorCtr="0" compatLnSpc="1"/>
+          <a:lstStyle/>
           <a:p>
             <a:pPr marL="0" marR="0" indent="0" algn="l" defTabSz="914400" rtl="0" eaLnBrk="1" fontAlgn="base" latinLnBrk="0" hangingPunct="1">
               <a:lnSpc>
@@ -6220,6 +6260,7 @@
         <p:spPr/>
         <p:txBody>
           <a:bodyPr/>
+          <a:lstStyle/>
           <a:p>
             <a:endParaRPr lang="en-US"/>
           </a:p>
@@ -6367,6 +6408,7 @@
         </p:style>
         <p:txBody>
           <a:bodyPr vert="horz" wrap="none" lIns="91440" tIns="45720" rIns="91440" bIns="45720" numCol="1" anchor="ctr" anchorCtr="0" compatLnSpc="1"/>
+          <a:lstStyle/>
           <a:p>
             <a:pPr marL="0" marR="0" indent="0" algn="l" defTabSz="914400" rtl="0" eaLnBrk="1" fontAlgn="base" latinLnBrk="0" hangingPunct="1">
               <a:lnSpc>
@@ -6446,6 +6488,7 @@
         </p:style>
         <p:txBody>
           <a:bodyPr vert="horz" wrap="none" lIns="91440" tIns="45720" rIns="91440" bIns="45720" numCol="1" anchor="ctr" anchorCtr="0" compatLnSpc="1"/>
+          <a:lstStyle/>
           <a:p>
             <a:pPr marL="0" marR="0" indent="0" algn="l" defTabSz="914400" rtl="0" eaLnBrk="1" fontAlgn="base" latinLnBrk="0" hangingPunct="1">
               <a:lnSpc>
@@ -6462,7 +6505,7 @@
               <a:buFontTx/>
               <a:buNone/>
             </a:pPr>
-            <a:endParaRPr lang="zh-CN" altLang="en-US" smtClean="0">
+            <a:endParaRPr lang="zh-CN" altLang="en-US" dirty="0" smtClean="0">
               <a:ln>
                 <a:noFill/>
               </a:ln>
@@ -6491,7 +6534,7 @@
               <a:buFontTx/>
               <a:buNone/>
             </a:pPr>
-            <a:endParaRPr lang="zh-CN" altLang="en-US" smtClean="0">
+            <a:endParaRPr lang="zh-CN" altLang="en-US" dirty="0" smtClean="0">
               <a:ln>
                 <a:noFill/>
               </a:ln>
@@ -6505,23 +6548,16 @@
             </a:endParaRPr>
           </a:p>
           <a:p>
-            <a:pPr marL="0" marR="0" indent="0" algn="l" defTabSz="914400" rtl="0" eaLnBrk="1" fontAlgn="base" latinLnBrk="0" hangingPunct="1">
-              <a:lnSpc>
-                <a:spcPct val="100000"/>
-              </a:lnSpc>
+            <a:pPr fontAlgn="base">
               <a:spcBef>
                 <a:spcPct val="0"/>
               </a:spcBef>
               <a:spcAft>
                 <a:spcPct val="0"/>
               </a:spcAft>
-              <a:buClrTx/>
-              <a:buSzTx/>
-              <a:buFontTx/>
-              <a:buNone/>
-            </a:pPr>
-            <a:r>
-              <a:rPr lang="zh-CN" altLang="en-US" smtClean="0">
+            </a:pPr>
+            <a:r>
+              <a:rPr lang="zh-CN" altLang="en-US" dirty="0" smtClean="0">
                 <a:ln>
                   <a:noFill/>
                 </a:ln>
@@ -6536,7 +6572,7 @@
               <a:t>Given</a:t>
             </a:r>
             <a:r>
-              <a:rPr lang="zh-CN" altLang="en-US" smtClean="0">
+              <a:rPr lang="zh-CN" altLang="en-US" dirty="0" smtClean="0">
                 <a:ln>
                   <a:noFill/>
                 </a:ln>
@@ -6545,9 +6581,31 @@
                 <a:ea typeface="SimSun" panose="02010600030101010101" pitchFamily="2" charset="-122"/>
                 <a:sym typeface="+mn-ea"/>
               </a:rPr>
-              <a:t> The user login site by "admin@yopmail.com"  and "Voyen!1412" successfully</a:t>
-            </a:r>
-            <a:endParaRPr lang="zh-CN" altLang="en-US" smtClean="0">
+              <a:t> </a:t>
+            </a:r>
+            <a:r>
+              <a:rPr lang="en-US" altLang="zh-CN" dirty="0">
+                <a:solidFill>
+                  <a:schemeClr val="tx1"/>
+                </a:solidFill>
+                <a:latin typeface="Arial" panose="020B0604020202020204" pitchFamily="34" charset="0"/>
+                <a:ea typeface="SimSun" panose="02010600030101010101" pitchFamily="2" charset="-122"/>
+                <a:sym typeface="+mn-ea"/>
+              </a:rPr>
+              <a:t>Login by using </a:t>
+            </a:r>
+            <a:r>
+              <a:rPr lang="zh-CN" altLang="en-US" dirty="0">
+                <a:solidFill>
+                  <a:schemeClr val="tx1"/>
+                </a:solidFill>
+                <a:latin typeface="Arial" panose="020B0604020202020204" pitchFamily="34" charset="0"/>
+                <a:ea typeface="SimSun" panose="02010600030101010101" pitchFamily="2" charset="-122"/>
+                <a:sym typeface="+mn-ea"/>
+              </a:rPr>
+              <a:t>"admin@yopmail.com" successfully</a:t>
+            </a:r>
+            <a:endParaRPr lang="zh-CN" altLang="en-US" dirty="0" smtClean="0">
               <a:ln>
                 <a:noFill/>
               </a:ln>
@@ -6573,7 +6631,7 @@
               <a:buFontTx/>
               <a:buNone/>
             </a:pPr>
-            <a:endParaRPr lang="zh-CN" altLang="en-US" smtClean="0">
+            <a:endParaRPr lang="zh-CN" altLang="en-US" dirty="0" smtClean="0">
               <a:ln>
                 <a:noFill/>
               </a:ln>
@@ -6599,7 +6657,7 @@
               <a:buFontTx/>
               <a:buNone/>
             </a:pPr>
-            <a:endParaRPr lang="zh-CN" altLang="en-US" smtClean="0">
+            <a:endParaRPr lang="zh-CN" altLang="en-US" dirty="0" smtClean="0">
               <a:ln>
                 <a:noFill/>
               </a:ln>
@@ -6610,6 +6668,52 @@
             </a:endParaRPr>
           </a:p>
           <a:p>
+            <a:pPr fontAlgn="base">
+              <a:spcBef>
+                <a:spcPct val="0"/>
+              </a:spcBef>
+              <a:spcAft>
+                <a:spcPct val="0"/>
+              </a:spcAft>
+            </a:pPr>
+            <a:r>
+              <a:rPr lang="en-US" dirty="0">
+                <a:sym typeface="+mn-ea"/>
+              </a:rPr>
+              <a:t>@Given</a:t>
+            </a:r>
+            <a:r>
+              <a:rPr lang="en-US" dirty="0" smtClean="0">
+                <a:sym typeface="+mn-ea"/>
+              </a:rPr>
+              <a:t>("^</a:t>
+            </a:r>
+            <a:r>
+              <a:rPr lang="en-US" altLang="zh-CN" dirty="0">
+                <a:solidFill>
+                  <a:schemeClr val="tx1"/>
+                </a:solidFill>
+                <a:latin typeface="Arial" panose="020B0604020202020204" pitchFamily="34" charset="0"/>
+                <a:ea typeface="SimSun" panose="02010600030101010101" pitchFamily="2" charset="-122"/>
+                <a:sym typeface="+mn-ea"/>
+              </a:rPr>
+              <a:t> Login by using </a:t>
+            </a:r>
+            <a:r>
+              <a:rPr lang="en-US" dirty="0" smtClean="0">
+                <a:sym typeface="+mn-ea"/>
+              </a:rPr>
+              <a:t>\"([^\"]*)\" successfully</a:t>
+            </a:r>
+            <a:r>
+              <a:rPr lang="en-US" dirty="0">
+                <a:sym typeface="+mn-ea"/>
+              </a:rPr>
+              <a:t>$")</a:t>
+            </a:r>
+            <a:endParaRPr lang="en-US" dirty="0"/>
+          </a:p>
+          <a:p>
             <a:pPr marL="0" marR="0" indent="0" algn="l" defTabSz="914400" rtl="0" eaLnBrk="1" fontAlgn="base" latinLnBrk="0" hangingPunct="1">
               <a:lnSpc>
                 <a:spcPct val="100000"/>
@@ -6626,12 +6730,24 @@
               <a:buNone/>
             </a:pPr>
             <a:r>
-              <a:rPr lang="en-US">
+              <a:rPr lang="en-US" dirty="0">
                 <a:sym typeface="+mn-ea"/>
               </a:rPr>
-              <a:t>@Given("^The user login site by \"([^\"]*)\" and \"([^\"]*)\" successfully$")</a:t>
-            </a:r>
-            <a:endParaRPr lang="en-US"/>
+              <a:t>public void </a:t>
+            </a:r>
+            <a:r>
+              <a:rPr lang="en-US" dirty="0" err="1">
+                <a:sym typeface="+mn-ea"/>
+              </a:rPr>
+              <a:t>the_user_login_site_by_and_successfully</a:t>
+            </a:r>
+            <a:r>
+              <a:rPr lang="en-US" dirty="0">
+                <a:sym typeface="+mn-ea"/>
+              </a:rPr>
+              <a:t>(String email, String password) throws Exception {</a:t>
+            </a:r>
+            <a:endParaRPr lang="en-US" dirty="0"/>
           </a:p>
           <a:p>
             <a:pPr marL="0" marR="0" indent="0" algn="l" defTabSz="914400" rtl="0" eaLnBrk="1" fontAlgn="base" latinLnBrk="0" hangingPunct="1">
@@ -6650,12 +6766,24 @@
               <a:buNone/>
             </a:pPr>
             <a:r>
-              <a:rPr lang="en-US">
+              <a:rPr lang="en-US" dirty="0">
                 <a:sym typeface="+mn-ea"/>
               </a:rPr>
-              <a:t>public void the_user_login_site_by_and_successfully(String email, String password) throws Exception {</a:t>
-            </a:r>
-            <a:endParaRPr lang="en-US"/>
+              <a:t>	</a:t>
+            </a:r>
+            <a:r>
+              <a:rPr lang="en-US" dirty="0" err="1">
+                <a:sym typeface="+mn-ea"/>
+              </a:rPr>
+              <a:t>loginStep.open_login_page</a:t>
+            </a:r>
+            <a:r>
+              <a:rPr lang="en-US" dirty="0">
+                <a:sym typeface="+mn-ea"/>
+              </a:rPr>
+              <a:t>();</a:t>
+            </a:r>
+            <a:endParaRPr lang="en-US" dirty="0"/>
           </a:p>
           <a:p>
             <a:pPr marL="0" marR="0" indent="0" algn="l" defTabSz="914400" rtl="0" eaLnBrk="1" fontAlgn="base" latinLnBrk="0" hangingPunct="1">
@@ -6674,12 +6802,24 @@
               <a:buNone/>
             </a:pPr>
             <a:r>
-              <a:rPr lang="en-US">
+              <a:rPr lang="en-US" dirty="0">
                 <a:sym typeface="+mn-ea"/>
               </a:rPr>
-              <a:t>	loginStep.open_login_page();</a:t>
-            </a:r>
-            <a:endParaRPr lang="en-US"/>
+              <a:t>	</a:t>
+            </a:r>
+            <a:r>
+              <a:rPr lang="en-US" dirty="0" err="1">
+                <a:sym typeface="+mn-ea"/>
+              </a:rPr>
+              <a:t>loginStep.input_email</a:t>
+            </a:r>
+            <a:r>
+              <a:rPr lang="en-US" dirty="0">
+                <a:sym typeface="+mn-ea"/>
+              </a:rPr>
+              <a:t>(email);</a:t>
+            </a:r>
+            <a:endParaRPr lang="en-US" dirty="0"/>
           </a:p>
           <a:p>
             <a:pPr marL="0" marR="0" indent="0" algn="l" defTabSz="914400" rtl="0" eaLnBrk="1" fontAlgn="base" latinLnBrk="0" hangingPunct="1">
@@ -6698,12 +6838,24 @@
               <a:buNone/>
             </a:pPr>
             <a:r>
-              <a:rPr lang="en-US">
+              <a:rPr lang="en-US" dirty="0">
                 <a:sym typeface="+mn-ea"/>
               </a:rPr>
-              <a:t>	loginStep.input_email(email);</a:t>
-            </a:r>
-            <a:endParaRPr lang="en-US"/>
+              <a:t>	</a:t>
+            </a:r>
+            <a:r>
+              <a:rPr lang="en-US" dirty="0" err="1">
+                <a:sym typeface="+mn-ea"/>
+              </a:rPr>
+              <a:t>loginStep.input_password</a:t>
+            </a:r>
+            <a:r>
+              <a:rPr lang="en-US" dirty="0">
+                <a:sym typeface="+mn-ea"/>
+              </a:rPr>
+              <a:t>(password);</a:t>
+            </a:r>
+            <a:endParaRPr lang="en-US" dirty="0"/>
           </a:p>
           <a:p>
             <a:pPr marL="0" marR="0" indent="0" algn="l" defTabSz="914400" rtl="0" eaLnBrk="1" fontAlgn="base" latinLnBrk="0" hangingPunct="1">
@@ -6722,12 +6874,24 @@
               <a:buNone/>
             </a:pPr>
             <a:r>
-              <a:rPr lang="en-US">
+              <a:rPr lang="en-US" dirty="0">
                 <a:sym typeface="+mn-ea"/>
               </a:rPr>
-              <a:t>	loginStep.input_password(password);</a:t>
-            </a:r>
-            <a:endParaRPr lang="en-US"/>
+              <a:t>	</a:t>
+            </a:r>
+            <a:r>
+              <a:rPr lang="en-US" dirty="0" err="1">
+                <a:sym typeface="+mn-ea"/>
+              </a:rPr>
+              <a:t>loginStep.click_Login_button</a:t>
+            </a:r>
+            <a:r>
+              <a:rPr lang="en-US" dirty="0">
+                <a:sym typeface="+mn-ea"/>
+              </a:rPr>
+              <a:t>();</a:t>
+            </a:r>
+            <a:endParaRPr lang="en-US" dirty="0"/>
           </a:p>
           <a:p>
             <a:pPr marL="0" marR="0" indent="0" algn="l" defTabSz="914400" rtl="0" eaLnBrk="1" fontAlgn="base" latinLnBrk="0" hangingPunct="1">
@@ -6746,12 +6910,12 @@
               <a:buNone/>
             </a:pPr>
             <a:r>
-              <a:rPr lang="en-US">
+              <a:rPr lang="en-US" dirty="0">
                 <a:sym typeface="+mn-ea"/>
               </a:rPr>
-              <a:t>	loginStep.click_Login_button();</a:t>
-            </a:r>
-            <a:endParaRPr lang="en-US"/>
+              <a:t>		</a:t>
+            </a:r>
+            <a:endParaRPr lang="en-US" dirty="0"/>
           </a:p>
           <a:p>
             <a:pPr marL="0" marR="0" indent="0" algn="l" defTabSz="914400" rtl="0" eaLnBrk="1" fontAlgn="base" latinLnBrk="0" hangingPunct="1">
@@ -6770,12 +6934,12 @@
               <a:buNone/>
             </a:pPr>
             <a:r>
-              <a:rPr lang="en-US">
+              <a:rPr lang="en-US" dirty="0">
                 <a:sym typeface="+mn-ea"/>
               </a:rPr>
-              <a:t>		</a:t>
-            </a:r>
-            <a:endParaRPr lang="en-US"/>
+              <a:t>}</a:t>
+            </a:r>
+            <a:endParaRPr lang="en-US" dirty="0"/>
           </a:p>
           <a:p>
             <a:pPr marL="0" marR="0" indent="0" algn="l" defTabSz="914400" rtl="0" eaLnBrk="1" fontAlgn="base" latinLnBrk="0" hangingPunct="1">
@@ -6793,13 +6957,7 @@
               <a:buFontTx/>
               <a:buNone/>
             </a:pPr>
-            <a:r>
-              <a:rPr lang="en-US">
-                <a:sym typeface="+mn-ea"/>
-              </a:rPr>
-              <a:t>}</a:t>
-            </a:r>
-            <a:endParaRPr lang="en-US"/>
+            <a:endParaRPr lang="en-US" dirty="0"/>
           </a:p>
           <a:p>
             <a:pPr marL="0" marR="0" indent="0" algn="l" defTabSz="914400" rtl="0" eaLnBrk="1" fontAlgn="base" latinLnBrk="0" hangingPunct="1">
@@ -6817,25 +6975,7 @@
               <a:buFontTx/>
               <a:buNone/>
             </a:pPr>
-            <a:endParaRPr lang="en-US"/>
-          </a:p>
-          <a:p>
-            <a:pPr marL="0" marR="0" indent="0" algn="l" defTabSz="914400" rtl="0" eaLnBrk="1" fontAlgn="base" latinLnBrk="0" hangingPunct="1">
-              <a:lnSpc>
-                <a:spcPct val="100000"/>
-              </a:lnSpc>
-              <a:spcBef>
-                <a:spcPct val="0"/>
-              </a:spcBef>
-              <a:spcAft>
-                <a:spcPct val="0"/>
-              </a:spcAft>
-              <a:buClrTx/>
-              <a:buSzTx/>
-              <a:buFontTx/>
-              <a:buNone/>
-            </a:pPr>
-            <a:endParaRPr kumimoji="0" lang="zh-CN" altLang="en-US" sz="1800" b="0" i="0" u="none" strike="noStrike" cap="none" normalizeH="0" baseline="0" smtClean="0">
+            <a:endParaRPr kumimoji="0" lang="zh-CN" altLang="en-US" sz="1800" b="0" i="0" u="none" strike="noStrike" cap="none" normalizeH="0" baseline="0" dirty="0" smtClean="0">
               <a:ln>
                 <a:noFill/>
               </a:ln>
@@ -6886,6 +7026,7 @@
         </p:spPr>
         <p:txBody>
           <a:bodyPr vert="horz" wrap="none" lIns="91440" tIns="45720" rIns="91440" bIns="45720" numCol="1" anchor="ctr" anchorCtr="0" compatLnSpc="1"/>
+          <a:lstStyle/>
           <a:p>
             <a:pPr marL="0" marR="0" indent="0" algn="l" defTabSz="914400" rtl="0" eaLnBrk="1" fontAlgn="base" latinLnBrk="0" hangingPunct="1">
               <a:lnSpc>
@@ -6954,6 +7095,7 @@
         <p:spPr/>
         <p:txBody>
           <a:bodyPr/>
+          <a:lstStyle/>
           <a:p>
             <a:endParaRPr lang="en-US"/>
           </a:p>
@@ -7101,6 +7243,7 @@
         </p:style>
         <p:txBody>
           <a:bodyPr vert="horz" wrap="none" lIns="91440" tIns="45720" rIns="91440" bIns="45720" numCol="1" anchor="ctr" anchorCtr="0" compatLnSpc="1"/>
+          <a:lstStyle/>
           <a:p>
             <a:pPr marL="0" marR="0" indent="0" algn="l" defTabSz="914400" rtl="0" eaLnBrk="1" fontAlgn="base" latinLnBrk="0" hangingPunct="1">
               <a:lnSpc>
@@ -7180,6 +7323,7 @@
         </p:style>
         <p:txBody>
           <a:bodyPr vert="horz" wrap="none" lIns="91440" tIns="45720" rIns="91440" bIns="45720" numCol="1" anchor="ctr" anchorCtr="0" compatLnSpc="1"/>
+          <a:lstStyle/>
           <a:p>
             <a:pPr marL="0" marR="0" indent="0" algn="l" defTabSz="914400" rtl="0" eaLnBrk="1" fontAlgn="base" latinLnBrk="0" hangingPunct="1">
               <a:lnSpc>
@@ -7250,7 +7394,55 @@
                 <a:ea typeface="SimSun" panose="02010600030101010101" pitchFamily="2" charset="-122"/>
                 <a:sym typeface="+mn-ea"/>
               </a:rPr>
-              <a:t> Click on Manage menu.</a:t>
+              <a:t> Clic</a:t>
+            </a:r>
+            <a:r>
+              <a:rPr lang="en-US" altLang="zh-CN" smtClean="0">
+                <a:ln>
+                  <a:noFill/>
+                </a:ln>
+                <a:effectLst/>
+                <a:latin typeface="Arial" panose="020B0604020202020204" pitchFamily="34" charset="0"/>
+                <a:ea typeface="SimSun" panose="02010600030101010101" pitchFamily="2" charset="-122"/>
+                <a:sym typeface="+mn-ea"/>
+              </a:rPr>
+              <a:t>k</a:t>
+            </a:r>
+            <a:r>
+              <a:rPr lang="zh-CN" altLang="en-US" smtClean="0">
+                <a:ln>
+                  <a:noFill/>
+                </a:ln>
+                <a:effectLst/>
+                <a:latin typeface="Arial" panose="020B0604020202020204" pitchFamily="34" charset="0"/>
+                <a:ea typeface="SimSun" panose="02010600030101010101" pitchFamily="2" charset="-122"/>
+                <a:sym typeface="+mn-ea"/>
+              </a:rPr>
+              <a:t> </a:t>
+            </a:r>
+            <a:r>
+              <a:rPr lang="en-US" altLang="zh-CN" smtClean="0">
+                <a:ln>
+                  <a:noFill/>
+                </a:ln>
+                <a:effectLst/>
+                <a:latin typeface="Arial" panose="020B0604020202020204" pitchFamily="34" charset="0"/>
+                <a:ea typeface="SimSun" panose="02010600030101010101" pitchFamily="2" charset="-122"/>
+                <a:sym typeface="+mn-ea"/>
+              </a:rPr>
+              <a:t>User</a:t>
+            </a:r>
+            <a:r>
+              <a:rPr lang="zh-CN" altLang="en-US" smtClean="0">
+                <a:ln>
+                  <a:noFill/>
+                </a:ln>
+                <a:effectLst/>
+                <a:latin typeface="Arial" panose="020B0604020202020204" pitchFamily="34" charset="0"/>
+                <a:ea typeface="SimSun" panose="02010600030101010101" pitchFamily="2" charset="-122"/>
+                <a:sym typeface="+mn-ea"/>
+              </a:rPr>
+              <a:t> menu.</a:t>
             </a:r>
             <a:endParaRPr lang="zh-CN" altLang="en-US" smtClean="0">
               <a:ln>
@@ -7366,7 +7558,7 @@
                 <a:ea typeface="SimSun" panose="02010600030101010101" pitchFamily="2" charset="-122"/>
                 <a:sym typeface="+mn-ea"/>
               </a:rPr>
-              <a:t>@When("^Click on Manage menu\\.$")</a:t>
+              <a:t>@When("^Click User menu$")</a:t>
             </a:r>
             <a:endParaRPr lang="zh-CN" altLang="en-US" smtClean="0">
               <a:ln>
@@ -7404,7 +7596,7 @@
                 <a:ea typeface="SimSun" panose="02010600030101010101" pitchFamily="2" charset="-122"/>
                 <a:sym typeface="+mn-ea"/>
               </a:rPr>
-              <a:t>public void click_on_Manage_menu() throws Exception {</a:t>
+              <a:t>public void click_User_menu() throws Exception {</a:t>
             </a:r>
             <a:endParaRPr lang="zh-CN" altLang="en-US" smtClean="0">
               <a:ln>
@@ -7433,6 +7625,18 @@
               <a:buNone/>
             </a:pPr>
             <a:r>
+              <a:rPr lang="en-US" altLang="zh-CN" smtClean="0">
+                <a:ln>
+                  <a:noFill/>
+                </a:ln>
+                <a:effectLst/>
+                <a:latin typeface="Arial" panose="020B0604020202020204" pitchFamily="34" charset="0"/>
+                <a:ea typeface="SimSun" panose="02010600030101010101" pitchFamily="2" charset="-122"/>
+                <a:sym typeface="+mn-ea"/>
+              </a:rPr>
+              <a:t>	</a:t>
+            </a:r>
+            <a:r>
               <a:rPr lang="zh-CN" altLang="en-US" smtClean="0">
                 <a:ln>
                   <a:noFill/>
@@ -7442,7 +7646,7 @@
                 <a:ea typeface="SimSun" panose="02010600030101010101" pitchFamily="2" charset="-122"/>
                 <a:sym typeface="+mn-ea"/>
               </a:rPr>
-              <a:t>	homeStep.open_Manage_page();</a:t>
+              <a:t>homeStep.click_on_user_menu();</a:t>
             </a:r>
             <a:endParaRPr lang="zh-CN" altLang="en-US" smtClean="0">
               <a:ln>
@@ -7559,6 +7763,7 @@
         </p:spPr>
         <p:txBody>
           <a:bodyPr vert="horz" wrap="none" lIns="91440" tIns="45720" rIns="91440" bIns="45720" numCol="1" anchor="ctr" anchorCtr="0" compatLnSpc="1"/>
+          <a:lstStyle/>
           <a:p>
             <a:pPr marL="0" marR="0" indent="0" algn="l" defTabSz="914400" rtl="0" eaLnBrk="1" fontAlgn="base" latinLnBrk="0" hangingPunct="1">
               <a:lnSpc>
@@ -7627,6 +7832,7 @@
         <p:spPr/>
         <p:txBody>
           <a:bodyPr/>
+          <a:lstStyle/>
           <a:p>
             <a:endParaRPr lang="en-US"/>
           </a:p>
@@ -7774,6 +7980,7 @@
         </p:style>
         <p:txBody>
           <a:bodyPr vert="horz" wrap="none" lIns="91440" tIns="45720" rIns="91440" bIns="45720" numCol="1" anchor="ctr" anchorCtr="0" compatLnSpc="1"/>
+          <a:lstStyle/>
           <a:p>
             <a:pPr marL="0" marR="0" indent="0" algn="l" defTabSz="914400" rtl="0" eaLnBrk="1" fontAlgn="base" latinLnBrk="0" hangingPunct="1">
               <a:lnSpc>
@@ -7853,6 +8060,7 @@
         </p:style>
         <p:txBody>
           <a:bodyPr vert="horz" wrap="none" lIns="91440" tIns="45720" rIns="91440" bIns="45720" numCol="1" anchor="ctr" anchorCtr="0" compatLnSpc="1"/>
+          <a:lstStyle/>
           <a:p>
             <a:pPr marL="0" marR="0" indent="0" algn="l" defTabSz="914400" rtl="0" eaLnBrk="1" fontAlgn="base" latinLnBrk="0" hangingPunct="1">
               <a:lnSpc>
@@ -7897,9 +8105,24 @@
                 <a:ea typeface="SimSun" panose="02010600030101010101" pitchFamily="2" charset="-122"/>
                 <a:sym typeface="+mn-ea"/>
               </a:rPr>
-              <a:t> Click on Manage Administrators menu.</a:t>
-            </a:r>
-            <a:endParaRPr lang="zh-CN" altLang="en-US" smtClean="0">
+              <a:t> Click </a:t>
+            </a:r>
+            <a:r>
+              <a:rPr lang="en-US" altLang="zh-CN" smtClean="0">
+                <a:ln>
+                  <a:noFill/>
+                </a:ln>
+                <a:solidFill>
+                  <a:schemeClr val="tx1"/>
+                </a:solidFill>
+                <a:effectLst/>
+                <a:latin typeface="Arial" panose="020B0604020202020204" pitchFamily="34" charset="0"/>
+                <a:ea typeface="SimSun" panose="02010600030101010101" pitchFamily="2" charset="-122"/>
+                <a:sym typeface="+mn-ea"/>
+              </a:rPr>
+              <a:t>User profile link</a:t>
+            </a:r>
+            <a:endParaRPr kumimoji="0" lang="en-US" altLang="zh-CN" sz="1800" b="0" i="0" u="none" strike="noStrike" cap="none" normalizeH="0" baseline="0" smtClean="0">
               <a:ln>
                 <a:noFill/>
               </a:ln>
@@ -7984,6 +8207,20 @@
               <a:buFontTx/>
               <a:buNone/>
             </a:pPr>
+            <a:r>
+              <a:rPr kumimoji="0" lang="zh-CN" altLang="en-US" sz="1800" b="0" i="0" u="none" strike="noStrike" cap="none" normalizeH="0" baseline="0" smtClean="0">
+                <a:ln>
+                  <a:noFill/>
+                </a:ln>
+                <a:solidFill>
+                  <a:schemeClr val="tx1"/>
+                </a:solidFill>
+                <a:effectLst/>
+                <a:latin typeface="Arial" panose="020B0604020202020204" pitchFamily="34" charset="0"/>
+                <a:ea typeface="SimSun" panose="02010600030101010101" pitchFamily="2" charset="-122"/>
+              </a:rPr>
+              <a:t>@When("^Click User profile link$")</a:t>
+            </a:r>
             <a:endParaRPr kumimoji="0" lang="zh-CN" altLang="en-US" sz="1800" b="0" i="0" u="none" strike="noStrike" cap="none" normalizeH="0" baseline="0" smtClean="0">
               <a:ln>
                 <a:noFill/>
@@ -8024,7 +8261,7 @@
                 <a:latin typeface="Arial" panose="020B0604020202020204" pitchFamily="34" charset="0"/>
                 <a:ea typeface="SimSun" panose="02010600030101010101" pitchFamily="2" charset="-122"/>
               </a:rPr>
-              <a:t>@When("^Click on Manage Administrators menu\\.$")</a:t>
+              <a:t>public void click_User_profile_link() throws Exception {</a:t>
             </a:r>
             <a:endParaRPr kumimoji="0" lang="zh-CN" altLang="en-US" sz="1800" b="0" i="0" u="none" strike="noStrike" cap="none" normalizeH="0" baseline="0" smtClean="0">
               <a:ln>
@@ -8055,6 +8292,20 @@
               <a:buNone/>
             </a:pPr>
             <a:r>
+              <a:rPr kumimoji="0" lang="en-US" altLang="zh-CN" sz="1800" b="0" i="0" u="none" strike="noStrike" cap="none" normalizeH="0" baseline="0" smtClean="0">
+                <a:ln>
+                  <a:noFill/>
+                </a:ln>
+                <a:solidFill>
+                  <a:schemeClr val="tx1"/>
+                </a:solidFill>
+                <a:effectLst/>
+                <a:latin typeface="Arial" panose="020B0604020202020204" pitchFamily="34" charset="0"/>
+                <a:ea typeface="SimSun" panose="02010600030101010101" pitchFamily="2" charset="-122"/>
+              </a:rPr>
+              <a:t>	</a:t>
+            </a:r>
+            <a:r>
               <a:rPr kumimoji="0" lang="zh-CN" altLang="en-US" sz="1800" b="0" i="0" u="none" strike="noStrike" cap="none" normalizeH="0" baseline="0" smtClean="0">
                 <a:ln>
                   <a:noFill/>
@@ -8066,49 +8317,7 @@
                 <a:latin typeface="Arial" panose="020B0604020202020204" pitchFamily="34" charset="0"/>
                 <a:ea typeface="SimSun" panose="02010600030101010101" pitchFamily="2" charset="-122"/>
               </a:rPr>
-              <a:t>public void click_on_Manage_Administrators_menu() throws Exception {</a:t>
-            </a:r>
-            <a:endParaRPr kumimoji="0" lang="zh-CN" altLang="en-US" sz="1800" b="0" i="0" u="none" strike="noStrike" cap="none" normalizeH="0" baseline="0" smtClean="0">
-              <a:ln>
-                <a:noFill/>
-              </a:ln>
-              <a:solidFill>
-                <a:schemeClr val="tx1"/>
-              </a:solidFill>
-              <a:effectLst/>
-              <a:latin typeface="Arial" panose="020B0604020202020204" pitchFamily="34" charset="0"/>
-              <a:ea typeface="SimSun" panose="02010600030101010101" pitchFamily="2" charset="-122"/>
-            </a:endParaRPr>
-          </a:p>
-          <a:p>
-            <a:pPr marL="0" marR="0" indent="0" algn="l" defTabSz="914400" rtl="0" eaLnBrk="1" fontAlgn="base" latinLnBrk="0" hangingPunct="1">
-              <a:lnSpc>
-                <a:spcPct val="100000"/>
-              </a:lnSpc>
-              <a:spcBef>
-                <a:spcPct val="0"/>
-              </a:spcBef>
-              <a:spcAft>
-                <a:spcPct val="0"/>
-              </a:spcAft>
-              <a:buClrTx/>
-              <a:buSzTx/>
-              <a:buFontTx/>
-              <a:buNone/>
-            </a:pPr>
-            <a:r>
-              <a:rPr kumimoji="0" lang="zh-CN" altLang="en-US" sz="1800" b="0" i="0" u="none" strike="noStrike" cap="none" normalizeH="0" baseline="0" smtClean="0">
-                <a:ln>
-                  <a:noFill/>
-                </a:ln>
-                <a:solidFill>
-                  <a:schemeClr val="tx1"/>
-                </a:solidFill>
-                <a:effectLst/>
-                <a:latin typeface="Arial" panose="020B0604020202020204" pitchFamily="34" charset="0"/>
-                <a:ea typeface="SimSun" panose="02010600030101010101" pitchFamily="2" charset="-122"/>
-              </a:rPr>
-              <a:t>	manageStep.open_User_Manage_page();</a:t>
+              <a:t>homeStep.click_on_user_profile_link();</a:t>
             </a:r>
             <a:endParaRPr kumimoji="0" lang="zh-CN" altLang="en-US" sz="1800" b="0" i="0" u="none" strike="noStrike" cap="none" normalizeH="0" baseline="0" smtClean="0">
               <a:ln>
@@ -8203,6 +8412,7 @@
         </p:spPr>
         <p:txBody>
           <a:bodyPr vert="horz" wrap="none" lIns="91440" tIns="45720" rIns="91440" bIns="45720" numCol="1" anchor="ctr" anchorCtr="0" compatLnSpc="1"/>
+          <a:lstStyle/>
           <a:p>
             <a:pPr marL="0" marR="0" indent="0" algn="l" defTabSz="914400" rtl="0" eaLnBrk="1" fontAlgn="base" latinLnBrk="0" hangingPunct="1">
               <a:lnSpc>
@@ -8271,6 +8481,7 @@
         <p:spPr/>
         <p:txBody>
           <a:bodyPr/>
+          <a:lstStyle/>
           <a:p>
             <a:endParaRPr lang="en-US"/>
           </a:p>
@@ -8418,6 +8629,7 @@
         </p:style>
         <p:txBody>
           <a:bodyPr vert="horz" wrap="none" lIns="91440" tIns="45720" rIns="91440" bIns="45720" numCol="1" anchor="ctr" anchorCtr="0" compatLnSpc="1"/>
+          <a:lstStyle/>
           <a:p>
             <a:pPr marL="0" marR="0" indent="0" algn="l" defTabSz="914400" rtl="0" eaLnBrk="1" fontAlgn="base" latinLnBrk="0" hangingPunct="1">
               <a:lnSpc>
@@ -8471,7 +8683,7 @@
         <p:spPr>
           <a:xfrm>
             <a:off x="622300" y="2073910"/>
-            <a:ext cx="10918825" cy="2600960"/>
+            <a:ext cx="10918825" cy="2932430"/>
           </a:xfrm>
           <a:prstGeom prst="roundRect">
             <a:avLst/>
@@ -8497,6 +8709,7 @@
         </p:style>
         <p:txBody>
           <a:bodyPr vert="horz" wrap="none" lIns="91440" tIns="45720" rIns="91440" bIns="45720" numCol="1" anchor="ctr" anchorCtr="0" compatLnSpc="1"/>
+          <a:lstStyle/>
           <a:p>
             <a:pPr marL="0" marR="0" indent="0" algn="l" defTabSz="914400" rtl="0" eaLnBrk="1" fontAlgn="base" latinLnBrk="0" hangingPunct="1">
               <a:lnSpc>
@@ -8541,7 +8754,22 @@
                 <a:ea typeface="SimSun" panose="02010600030101010101" pitchFamily="2" charset="-122"/>
                 <a:sym typeface="+mn-ea"/>
               </a:rPr>
-              <a:t> Click on Add User button.</a:t>
+              <a:t> </a:t>
+            </a:r>
+            <a:r>
+              <a:rPr lang="zh-CN" altLang="en-US" dirty="0" smtClean="0">
+                <a:ln>
+                  <a:noFill/>
+                </a:ln>
+                <a:solidFill>
+                  <a:schemeClr val="tx1"/>
+                </a:solidFill>
+                <a:effectLst/>
+                <a:latin typeface="Arial" panose="020B0604020202020204" pitchFamily="34" charset="0"/>
+                <a:ea typeface="SimSun" panose="02010600030101010101" pitchFamily="2" charset="-122"/>
+                <a:sym typeface="+mn-ea"/>
+              </a:rPr>
+              <a:t>Update First Name is "Truyen", Last Name is "Kieu"</a:t>
             </a:r>
             <a:endParaRPr lang="zh-CN" altLang="en-US" smtClean="0">
               <a:ln>
@@ -8668,7 +8896,7 @@
                 <a:latin typeface="Arial" panose="020B0604020202020204" pitchFamily="34" charset="0"/>
                 <a:ea typeface="SimSun" panose="02010600030101010101" pitchFamily="2" charset="-122"/>
               </a:rPr>
-              <a:t>@When("^Click on Add User button\\.$")</a:t>
+              <a:t>@When("^Update First Name is \"([^\"]*)\", Last Name is \"([^\"]*)\"$")</a:t>
             </a:r>
             <a:endParaRPr kumimoji="0" lang="zh-CN" altLang="en-US" sz="1800" b="0" i="0" u="none" strike="noStrike" cap="none" normalizeH="0" baseline="0" smtClean="0">
               <a:ln>
@@ -8710,7 +8938,7 @@
                 <a:latin typeface="Arial" panose="020B0604020202020204" pitchFamily="34" charset="0"/>
                 <a:ea typeface="SimSun" panose="02010600030101010101" pitchFamily="2" charset="-122"/>
               </a:rPr>
-              <a:t>public void click_on_Add_User_button() throws Exception {</a:t>
+              <a:t>public void update_First_Name_is_Last_Name_is(String firstName, String lastName) throws Exception {</a:t>
             </a:r>
             <a:endParaRPr kumimoji="0" lang="zh-CN" altLang="en-US" sz="1800" b="0" i="0" u="none" strike="noStrike" cap="none" normalizeH="0" baseline="0" smtClean="0">
               <a:ln>
@@ -8752,7 +8980,49 @@
                 <a:latin typeface="Arial" panose="020B0604020202020204" pitchFamily="34" charset="0"/>
                 <a:ea typeface="SimSun" panose="02010600030101010101" pitchFamily="2" charset="-122"/>
               </a:rPr>
-              <a:t>	userManageStep.click_On_Add_Button();</a:t>
+              <a:t>	manageUserProfileStep.input_FistName(firstName);</a:t>
+            </a:r>
+            <a:endParaRPr kumimoji="0" lang="zh-CN" altLang="en-US" sz="1800" b="0" i="0" u="none" strike="noStrike" cap="none" normalizeH="0" baseline="0" smtClean="0">
+              <a:ln>
+                <a:noFill/>
+              </a:ln>
+              <a:solidFill>
+                <a:schemeClr val="tx1"/>
+              </a:solidFill>
+              <a:effectLst/>
+              <a:latin typeface="Arial" panose="020B0604020202020204" pitchFamily="34" charset="0"/>
+              <a:ea typeface="SimSun" panose="02010600030101010101" pitchFamily="2" charset="-122"/>
+            </a:endParaRPr>
+          </a:p>
+          <a:p>
+            <a:pPr marL="0" marR="0" indent="0" algn="l" defTabSz="914400" rtl="0" eaLnBrk="1" fontAlgn="base" latinLnBrk="0" hangingPunct="1">
+              <a:lnSpc>
+                <a:spcPct val="100000"/>
+              </a:lnSpc>
+              <a:spcBef>
+                <a:spcPct val="0"/>
+              </a:spcBef>
+              <a:spcAft>
+                <a:spcPct val="0"/>
+              </a:spcAft>
+              <a:buClrTx/>
+              <a:buSzTx/>
+              <a:buFontTx/>
+              <a:buNone/>
+            </a:pPr>
+            <a:r>
+              <a:rPr kumimoji="0" lang="zh-CN" altLang="en-US" sz="1800" b="0" i="0" u="none" strike="noStrike" cap="none" normalizeH="0" baseline="0" smtClean="0">
+                <a:ln>
+                  <a:noFill/>
+                </a:ln>
+                <a:solidFill>
+                  <a:schemeClr val="tx1"/>
+                </a:solidFill>
+                <a:effectLst/>
+                <a:latin typeface="Arial" panose="020B0604020202020204" pitchFamily="34" charset="0"/>
+                <a:ea typeface="SimSun" panose="02010600030101010101" pitchFamily="2" charset="-122"/>
+              </a:rPr>
+              <a:t>	manageUserProfileStep.input_LastName(lastName);</a:t>
             </a:r>
             <a:endParaRPr kumimoji="0" lang="zh-CN" altLang="en-US" sz="1800" b="0" i="0" u="none" strike="noStrike" cap="none" normalizeH="0" baseline="0" smtClean="0">
               <a:ln>
@@ -8847,6 +9117,7 @@
         </p:spPr>
         <p:txBody>
           <a:bodyPr vert="horz" wrap="none" lIns="91440" tIns="45720" rIns="91440" bIns="45720" numCol="1" anchor="ctr" anchorCtr="0" compatLnSpc="1"/>
+          <a:lstStyle/>
           <a:p>
             <a:pPr marL="0" marR="0" indent="0" algn="l" defTabSz="914400" rtl="0" eaLnBrk="1" fontAlgn="base" latinLnBrk="0" hangingPunct="1">
               <a:lnSpc>
@@ -8915,6 +9186,7 @@
         <p:spPr/>
         <p:txBody>
           <a:bodyPr/>
+          <a:lstStyle/>
           <a:p>
             <a:endParaRPr lang="en-US"/>
           </a:p>
@@ -9062,6 +9334,7 @@
         </p:style>
         <p:txBody>
           <a:bodyPr vert="horz" wrap="none" lIns="91440" tIns="45720" rIns="91440" bIns="45720" numCol="1" anchor="ctr" anchorCtr="0" compatLnSpc="1"/>
+          <a:lstStyle/>
           <a:p>
             <a:pPr marL="0" marR="0" indent="0" algn="l" defTabSz="914400" rtl="0" eaLnBrk="1" fontAlgn="base" latinLnBrk="0" hangingPunct="1">
               <a:lnSpc>
@@ -9115,7 +9388,7 @@
         <p:spPr>
           <a:xfrm>
             <a:off x="622300" y="2073910"/>
-            <a:ext cx="10918825" cy="3400425"/>
+            <a:ext cx="10918825" cy="2886075"/>
           </a:xfrm>
           <a:prstGeom prst="roundRect">
             <a:avLst/>
@@ -9141,6 +9414,7 @@
         </p:style>
         <p:txBody>
           <a:bodyPr vert="horz" wrap="none" lIns="91440" tIns="45720" rIns="91440" bIns="45720" numCol="1" anchor="ctr" anchorCtr="0" compatLnSpc="1"/>
+          <a:lstStyle/>
           <a:p>
             <a:pPr marL="0" marR="0" indent="0" algn="l" defTabSz="914400" rtl="0" eaLnBrk="1" fontAlgn="base" latinLnBrk="0" hangingPunct="1">
               <a:lnSpc>
@@ -9185,9 +9459,9 @@
                 <a:ea typeface="SimSun" panose="02010600030101010101" pitchFamily="2" charset="-122"/>
                 <a:sym typeface="+mn-ea"/>
               </a:rPr>
-              <a:t> Input First Name is "Truyen", Last Name is "Kieu"  and Email is "truyen.kieu.02@yopmail.com".</a:t>
-            </a:r>
-            <a:endParaRPr lang="zh-CN" altLang="en-US" smtClean="0">
+              <a:t> Click on Save button</a:t>
+            </a:r>
+            <a:endParaRPr kumimoji="0" lang="zh-CN" altLang="en-US" b="0" i="0" u="none" strike="noStrike" cap="none" normalizeH="0" baseline="0" smtClean="0">
               <a:ln>
                 <a:noFill/>
               </a:ln>
@@ -9197,7 +9471,6 @@
               <a:effectLst/>
               <a:latin typeface="Arial" panose="020B0604020202020204" pitchFamily="34" charset="0"/>
               <a:ea typeface="SimSun" panose="02010600030101010101" pitchFamily="2" charset="-122"/>
-              <a:sym typeface="+mn-ea"/>
             </a:endParaRPr>
           </a:p>
           <a:p>
@@ -9312,7 +9585,7 @@
                 <a:latin typeface="Arial" panose="020B0604020202020204" pitchFamily="34" charset="0"/>
                 <a:ea typeface="SimSun" panose="02010600030101010101" pitchFamily="2" charset="-122"/>
               </a:rPr>
-              <a:t>@When("^Input First Name is \"([^\"]*)\", Last Name is \"([^\"]*)\" and Email is \"([^\"]*)\"\\.$")</a:t>
+              <a:t>@When("^Click on Save button$")</a:t>
             </a:r>
             <a:endParaRPr kumimoji="0" lang="zh-CN" altLang="en-US" sz="1800" b="0" i="0" u="none" strike="noStrike" cap="none" normalizeH="0" baseline="0" smtClean="0">
               <a:ln>
@@ -9354,7 +9627,7 @@
                 <a:latin typeface="Arial" panose="020B0604020202020204" pitchFamily="34" charset="0"/>
                 <a:ea typeface="SimSun" panose="02010600030101010101" pitchFamily="2" charset="-122"/>
               </a:rPr>
-              <a:t>public void input_First_Name_is_Last_Name_is_and_Email_is(String firstName, String lastName, </a:t>
+              <a:t>public void click_on_Save_button() throws Exception {</a:t>
             </a:r>
             <a:endParaRPr kumimoji="0" lang="zh-CN" altLang="en-US" sz="1800" b="0" i="0" u="none" strike="noStrike" cap="none" normalizeH="0" baseline="0" smtClean="0">
               <a:ln>
@@ -9396,7 +9669,7 @@
                 <a:latin typeface="Arial" panose="020B0604020202020204" pitchFamily="34" charset="0"/>
                 <a:ea typeface="SimSun" panose="02010600030101010101" pitchFamily="2" charset="-122"/>
               </a:rPr>
-              <a:t>String email) throws Exception {</a:t>
+              <a:t>	manageUserProfileStep.click_On_Save_Button();</a:t>
             </a:r>
             <a:endParaRPr kumimoji="0" lang="zh-CN" altLang="en-US" sz="1800" b="0" i="0" u="none" strike="noStrike" cap="none" normalizeH="0" baseline="0" smtClean="0">
               <a:ln>
@@ -9427,20 +9700,6 @@
               <a:buNone/>
             </a:pPr>
             <a:r>
-              <a:rPr kumimoji="0" lang="en-US" altLang="zh-CN" sz="1800" b="0" i="0" u="none" strike="noStrike" cap="none" normalizeH="0" baseline="0" smtClean="0">
-                <a:ln>
-                  <a:noFill/>
-                </a:ln>
-                <a:solidFill>
-                  <a:schemeClr val="tx1"/>
-                </a:solidFill>
-                <a:effectLst/>
-                <a:latin typeface="Arial" panose="020B0604020202020204" pitchFamily="34" charset="0"/>
-                <a:ea typeface="SimSun" panose="02010600030101010101" pitchFamily="2" charset="-122"/>
-              </a:rPr>
-              <a:t>	</a:t>
-            </a:r>
-            <a:r>
               <a:rPr kumimoji="0" lang="zh-CN" altLang="en-US" sz="1800" b="0" i="0" u="none" strike="noStrike" cap="none" normalizeH="0" baseline="0" smtClean="0">
                 <a:ln>
                   <a:noFill/>
@@ -9452,7 +9711,7 @@
                 <a:latin typeface="Arial" panose="020B0604020202020204" pitchFamily="34" charset="0"/>
                 <a:ea typeface="SimSun" panose="02010600030101010101" pitchFamily="2" charset="-122"/>
               </a:rPr>
-              <a:t>manageUserProfileStep.input_FistName(firstName);</a:t>
+              <a:t>}</a:t>
             </a:r>
             <a:endParaRPr kumimoji="0" lang="zh-CN" altLang="en-US" sz="1800" b="0" i="0" u="none" strike="noStrike" cap="none" normalizeH="0" baseline="0" smtClean="0">
               <a:ln>
@@ -9466,160 +9725,6 @@
               <a:ea typeface="SimSun" panose="02010600030101010101" pitchFamily="2" charset="-122"/>
             </a:endParaRPr>
           </a:p>
-          <a:p>
-            <a:pPr marL="0" marR="0" indent="0" algn="l" defTabSz="914400" rtl="0" eaLnBrk="1" fontAlgn="base" latinLnBrk="0" hangingPunct="1">
-              <a:lnSpc>
-                <a:spcPct val="100000"/>
-              </a:lnSpc>
-              <a:spcBef>
-                <a:spcPct val="0"/>
-              </a:spcBef>
-              <a:spcAft>
-                <a:spcPct val="0"/>
-              </a:spcAft>
-              <a:buClrTx/>
-              <a:buSzTx/>
-              <a:buFontTx/>
-              <a:buNone/>
-            </a:pPr>
-            <a:r>
-              <a:rPr kumimoji="0" lang="zh-CN" altLang="en-US" sz="1800" b="0" i="0" u="none" strike="noStrike" cap="none" normalizeH="0" baseline="0" smtClean="0">
-                <a:ln>
-                  <a:noFill/>
-                </a:ln>
-                <a:solidFill>
-                  <a:schemeClr val="tx1"/>
-                </a:solidFill>
-                <a:effectLst/>
-                <a:latin typeface="Arial" panose="020B0604020202020204" pitchFamily="34" charset="0"/>
-                <a:ea typeface="SimSun" panose="02010600030101010101" pitchFamily="2" charset="-122"/>
-              </a:rPr>
-              <a:t>    </a:t>
-            </a:r>
-            <a:r>
-              <a:rPr kumimoji="0" lang="en-US" altLang="zh-CN" sz="1800" b="0" i="0" u="none" strike="noStrike" cap="none" normalizeH="0" baseline="0" smtClean="0">
-                <a:ln>
-                  <a:noFill/>
-                </a:ln>
-                <a:solidFill>
-                  <a:schemeClr val="tx1"/>
-                </a:solidFill>
-                <a:effectLst/>
-                <a:latin typeface="Arial" panose="020B0604020202020204" pitchFamily="34" charset="0"/>
-                <a:ea typeface="SimSun" panose="02010600030101010101" pitchFamily="2" charset="-122"/>
-              </a:rPr>
-              <a:t>	</a:t>
-            </a:r>
-            <a:r>
-              <a:rPr kumimoji="0" lang="zh-CN" altLang="en-US" sz="1800" b="0" i="0" u="none" strike="noStrike" cap="none" normalizeH="0" baseline="0" smtClean="0">
-                <a:ln>
-                  <a:noFill/>
-                </a:ln>
-                <a:solidFill>
-                  <a:schemeClr val="tx1"/>
-                </a:solidFill>
-                <a:effectLst/>
-                <a:latin typeface="Arial" panose="020B0604020202020204" pitchFamily="34" charset="0"/>
-                <a:ea typeface="SimSun" panose="02010600030101010101" pitchFamily="2" charset="-122"/>
-              </a:rPr>
-              <a:t>manageUserProfileStep.input_LastName(lastName);</a:t>
-            </a:r>
-            <a:endParaRPr kumimoji="0" lang="zh-CN" altLang="en-US" sz="1800" b="0" i="0" u="none" strike="noStrike" cap="none" normalizeH="0" baseline="0" smtClean="0">
-              <a:ln>
-                <a:noFill/>
-              </a:ln>
-              <a:solidFill>
-                <a:schemeClr val="tx1"/>
-              </a:solidFill>
-              <a:effectLst/>
-              <a:latin typeface="Arial" panose="020B0604020202020204" pitchFamily="34" charset="0"/>
-              <a:ea typeface="SimSun" panose="02010600030101010101" pitchFamily="2" charset="-122"/>
-            </a:endParaRPr>
-          </a:p>
-          <a:p>
-            <a:pPr marL="0" marR="0" indent="0" algn="l" defTabSz="914400" rtl="0" eaLnBrk="1" fontAlgn="base" latinLnBrk="0" hangingPunct="1">
-              <a:lnSpc>
-                <a:spcPct val="100000"/>
-              </a:lnSpc>
-              <a:spcBef>
-                <a:spcPct val="0"/>
-              </a:spcBef>
-              <a:spcAft>
-                <a:spcPct val="0"/>
-              </a:spcAft>
-              <a:buClrTx/>
-              <a:buSzTx/>
-              <a:buFontTx/>
-              <a:buNone/>
-            </a:pPr>
-            <a:r>
-              <a:rPr kumimoji="0" lang="zh-CN" altLang="en-US" sz="1800" b="0" i="0" u="none" strike="noStrike" cap="none" normalizeH="0" baseline="0" smtClean="0">
-                <a:ln>
-                  <a:noFill/>
-                </a:ln>
-                <a:solidFill>
-                  <a:schemeClr val="tx1"/>
-                </a:solidFill>
-                <a:effectLst/>
-                <a:latin typeface="Arial" panose="020B0604020202020204" pitchFamily="34" charset="0"/>
-                <a:ea typeface="SimSun" panose="02010600030101010101" pitchFamily="2" charset="-122"/>
-              </a:rPr>
-              <a:t>	manageUserProfileStep.input_Email(email);</a:t>
-            </a:r>
-            <a:endParaRPr kumimoji="0" lang="zh-CN" altLang="en-US" sz="1800" b="0" i="0" u="none" strike="noStrike" cap="none" normalizeH="0" baseline="0" smtClean="0">
-              <a:ln>
-                <a:noFill/>
-              </a:ln>
-              <a:solidFill>
-                <a:schemeClr val="tx1"/>
-              </a:solidFill>
-              <a:effectLst/>
-              <a:latin typeface="Arial" panose="020B0604020202020204" pitchFamily="34" charset="0"/>
-              <a:ea typeface="SimSun" panose="02010600030101010101" pitchFamily="2" charset="-122"/>
-            </a:endParaRPr>
-          </a:p>
-          <a:p>
-            <a:pPr marL="0" marR="0" indent="0" algn="l" defTabSz="914400" rtl="0" eaLnBrk="1" fontAlgn="base" latinLnBrk="0" hangingPunct="1">
-              <a:lnSpc>
-                <a:spcPct val="100000"/>
-              </a:lnSpc>
-              <a:spcBef>
-                <a:spcPct val="0"/>
-              </a:spcBef>
-              <a:spcAft>
-                <a:spcPct val="0"/>
-              </a:spcAft>
-              <a:buClrTx/>
-              <a:buSzTx/>
-              <a:buFontTx/>
-              <a:buNone/>
-            </a:pPr>
-            <a:r>
-              <a:rPr kumimoji="0" lang="zh-CN" altLang="en-US" sz="1800" b="0" i="0" u="none" strike="noStrike" cap="none" normalizeH="0" baseline="0" smtClean="0">
-                <a:ln>
-                  <a:noFill/>
-                </a:ln>
-                <a:solidFill>
-                  <a:schemeClr val="tx1"/>
-                </a:solidFill>
-                <a:effectLst/>
-                <a:latin typeface="Arial" panose="020B0604020202020204" pitchFamily="34" charset="0"/>
-                <a:ea typeface="SimSun" panose="02010600030101010101" pitchFamily="2" charset="-122"/>
-              </a:rPr>
-              <a:t>}</a:t>
-            </a:r>
-            <a:endParaRPr kumimoji="0" lang="zh-CN" altLang="en-US" sz="1800" b="0" i="0" u="none" strike="noStrike" cap="none" normalizeH="0" baseline="0" smtClean="0">
-              <a:ln>
-                <a:noFill/>
-              </a:ln>
-              <a:solidFill>
-                <a:schemeClr val="tx1"/>
-              </a:solidFill>
-              <a:effectLst/>
-              <a:latin typeface="Arial" panose="020B0604020202020204" pitchFamily="34" charset="0"/>
-              <a:ea typeface="SimSun" panose="02010600030101010101" pitchFamily="2" charset="-122"/>
-            </a:endParaRPr>
-          </a:p>
         </p:txBody>
       </p:sp>
       <p:sp>
@@ -9630,7 +9735,7 @@
         </p:nvSpPr>
         <p:spPr>
           <a:xfrm>
-            <a:off x="3237230" y="2710815"/>
+            <a:off x="1936750" y="2806065"/>
             <a:ext cx="907415" cy="595630"/>
           </a:xfrm>
           <a:prstGeom prst="downArrow">
@@ -9659,6 +9764,7 @@
         </p:spPr>
         <p:txBody>
           <a:bodyPr vert="horz" wrap="none" lIns="91440" tIns="45720" rIns="91440" bIns="45720" numCol="1" anchor="ctr" anchorCtr="0" compatLnSpc="1"/>
+          <a:lstStyle/>
           <a:p>
             <a:pPr marL="0" marR="0" indent="0" algn="l" defTabSz="914400" rtl="0" eaLnBrk="1" fontAlgn="base" latinLnBrk="0" hangingPunct="1">
               <a:lnSpc>
@@ -9727,6 +9833,7 @@
         <p:spPr/>
         <p:txBody>
           <a:bodyPr/>
+          <a:lstStyle/>
           <a:p>
             <a:endParaRPr lang="en-US"/>
           </a:p>
@@ -9874,6 +9981,7 @@
         </p:style>
         <p:txBody>
           <a:bodyPr vert="horz" wrap="none" lIns="91440" tIns="45720" rIns="91440" bIns="45720" numCol="1" anchor="ctr" anchorCtr="0" compatLnSpc="1"/>
+          <a:lstStyle/>
           <a:p>
             <a:pPr marL="0" marR="0" indent="0" algn="l" defTabSz="914400" rtl="0" eaLnBrk="1" fontAlgn="base" latinLnBrk="0" hangingPunct="1">
               <a:lnSpc>
@@ -9927,7 +10035,7 @@
         <p:spPr>
           <a:xfrm>
             <a:off x="622300" y="2073910"/>
-            <a:ext cx="10918825" cy="2886075"/>
+            <a:ext cx="10918825" cy="2668905"/>
           </a:xfrm>
           <a:prstGeom prst="roundRect">
             <a:avLst/>
@@ -9953,6 +10061,7 @@
         </p:style>
         <p:txBody>
           <a:bodyPr vert="horz" wrap="none" lIns="91440" tIns="45720" rIns="91440" bIns="45720" numCol="1" anchor="ctr" anchorCtr="0" compatLnSpc="1"/>
+          <a:lstStyle/>
           <a:p>
             <a:pPr marL="0" marR="0" indent="0" algn="l" defTabSz="914400" rtl="0" eaLnBrk="1" fontAlgn="base" latinLnBrk="0" hangingPunct="1">
               <a:lnSpc>
@@ -9969,8 +10078,37 @@
               <a:buFontTx/>
               <a:buNone/>
             </a:pPr>
-            <a:r>
-              <a:rPr lang="zh-CN" altLang="en-US" smtClean="0">
+            <a:endParaRPr lang="zh-CN" altLang="en-US" dirty="0" smtClean="0">
+              <a:ln>
+                <a:noFill/>
+              </a:ln>
+              <a:solidFill>
+                <a:srgbClr val="00B0F0"/>
+              </a:solidFill>
+              <a:effectLst/>
+              <a:latin typeface="Arial" panose="020B0604020202020204" pitchFamily="34" charset="0"/>
+              <a:ea typeface="SimSun" panose="02010600030101010101" pitchFamily="2" charset="-122"/>
+              <a:sym typeface="+mn-ea"/>
+            </a:endParaRPr>
+          </a:p>
+          <a:p>
+            <a:pPr marL="0" marR="0" indent="0" algn="l" defTabSz="914400" rtl="0" eaLnBrk="1" fontAlgn="base" latinLnBrk="0" hangingPunct="1">
+              <a:lnSpc>
+                <a:spcPct val="100000"/>
+              </a:lnSpc>
+              <a:spcBef>
+                <a:spcPct val="0"/>
+              </a:spcBef>
+              <a:spcAft>
+                <a:spcPct val="0"/>
+              </a:spcAft>
+              <a:buClrTx/>
+              <a:buSzTx/>
+              <a:buFontTx/>
+              <a:buNone/>
+            </a:pPr>
+            <a:r>
+              <a:rPr lang="zh-CN" altLang="en-US" dirty="0" smtClean="0">
                 <a:ln>
                   <a:noFill/>
                 </a:ln>
@@ -9982,10 +10120,10 @@
                 <a:ea typeface="SimSun" panose="02010600030101010101" pitchFamily="2" charset="-122"/>
                 <a:sym typeface="+mn-ea"/>
               </a:rPr>
-              <a:t>And</a:t>
-            </a:r>
-            <a:r>
-              <a:rPr lang="zh-CN" altLang="en-US" smtClean="0">
+              <a:t>Then</a:t>
+            </a:r>
+            <a:r>
+              <a:rPr lang="zh-CN" altLang="en-US" dirty="0" smtClean="0">
                 <a:ln>
                   <a:noFill/>
                 </a:ln>
@@ -9997,9 +10135,69 @@
                 <a:ea typeface="SimSun" panose="02010600030101010101" pitchFamily="2" charset="-122"/>
                 <a:sym typeface="+mn-ea"/>
               </a:rPr>
-              <a:t> Click on Save button</a:t>
-            </a:r>
-            <a:endParaRPr kumimoji="0" lang="zh-CN" altLang="en-US" b="0" i="0" u="none" strike="noStrike" cap="none" normalizeH="0" baseline="0" smtClean="0">
+              <a:t> System navigate</a:t>
+            </a:r>
+            <a:r>
+              <a:rPr lang="en-US" altLang="zh-CN" dirty="0" smtClean="0">
+                <a:ln>
+                  <a:noFill/>
+                </a:ln>
+                <a:solidFill>
+                  <a:schemeClr val="tx1"/>
+                </a:solidFill>
+                <a:effectLst/>
+                <a:latin typeface="Arial" panose="020B0604020202020204" pitchFamily="34" charset="0"/>
+                <a:ea typeface="SimSun" panose="02010600030101010101" pitchFamily="2" charset="-122"/>
+                <a:sym typeface="+mn-ea"/>
+              </a:rPr>
+              <a:t>s</a:t>
+            </a:r>
+            <a:r>
+              <a:rPr lang="zh-CN" altLang="en-US" dirty="0" smtClean="0">
+                <a:ln>
+                  <a:noFill/>
+                </a:ln>
+                <a:solidFill>
+                  <a:schemeClr val="tx1"/>
+                </a:solidFill>
+                <a:effectLst/>
+                <a:latin typeface="Arial" panose="020B0604020202020204" pitchFamily="34" charset="0"/>
+                <a:ea typeface="SimSun" panose="02010600030101010101" pitchFamily="2" charset="-122"/>
+                <a:sym typeface="+mn-ea"/>
+              </a:rPr>
+              <a:t> to  "Manage System Administrators" </a:t>
+            </a:r>
+            <a:r>
+              <a:rPr lang="en-US" altLang="zh-CN" dirty="0" smtClean="0">
+                <a:ln>
+                  <a:noFill/>
+                </a:ln>
+                <a:solidFill>
+                  <a:schemeClr val="tx1"/>
+                </a:solidFill>
+                <a:effectLst/>
+                <a:latin typeface="Arial" panose="020B0604020202020204" pitchFamily="34" charset="0"/>
+                <a:ea typeface="SimSun" panose="02010600030101010101" pitchFamily="2" charset="-122"/>
+                <a:sym typeface="+mn-ea"/>
+              </a:rPr>
+              <a:t>page</a:t>
+            </a:r>
+            <a:r>
+              <a:rPr lang="zh-CN" altLang="en-US" dirty="0" smtClean="0">
+                <a:ln>
+                  <a:noFill/>
+                </a:ln>
+                <a:solidFill>
+                  <a:schemeClr val="tx1"/>
+                </a:solidFill>
+                <a:effectLst/>
+                <a:latin typeface="Arial" panose="020B0604020202020204" pitchFamily="34" charset="0"/>
+                <a:ea typeface="SimSun" panose="02010600030101010101" pitchFamily="2" charset="-122"/>
+                <a:sym typeface="+mn-ea"/>
+              </a:rPr>
+              <a:t>.</a:t>
+            </a:r>
+            <a:endParaRPr kumimoji="0" lang="zh-CN" altLang="en-US" b="0" i="0" u="none" strike="noStrike" cap="none" normalizeH="0" baseline="0" dirty="0" smtClean="0">
               <a:ln>
                 <a:noFill/>
               </a:ln>
@@ -10027,7 +10225,7 @@
               <a:buFontTx/>
               <a:buNone/>
             </a:pPr>
-            <a:endParaRPr kumimoji="0" lang="zh-CN" altLang="en-US" sz="1800" b="0" i="0" u="none" strike="noStrike" cap="none" normalizeH="0" baseline="0" smtClean="0">
+            <a:endParaRPr lang="zh-CN" altLang="en-US" dirty="0" smtClean="0">
               <a:ln>
                 <a:noFill/>
               </a:ln>
@@ -10037,6 +10235,7 @@
               <a:effectLst/>
               <a:latin typeface="Arial" panose="020B0604020202020204" pitchFamily="34" charset="0"/>
               <a:ea typeface="SimSun" panose="02010600030101010101" pitchFamily="2" charset="-122"/>
+              <a:sym typeface="+mn-ea"/>
             </a:endParaRPr>
           </a:p>
           <a:p>
@@ -10055,7 +10254,7 @@
               <a:buFontTx/>
               <a:buNone/>
             </a:pPr>
-            <a:endParaRPr kumimoji="0" lang="zh-CN" altLang="en-US" sz="1800" b="0" i="0" u="none" strike="noStrike" cap="none" normalizeH="0" baseline="0" smtClean="0">
+            <a:endParaRPr kumimoji="0" lang="zh-CN" altLang="en-US" sz="1800" b="0" i="0" u="none" strike="noStrike" cap="none" normalizeH="0" baseline="0" dirty="0" smtClean="0">
               <a:ln>
                 <a:noFill/>
               </a:ln>
@@ -10083,7 +10282,7 @@
               <a:buFontTx/>
               <a:buNone/>
             </a:pPr>
-            <a:endParaRPr kumimoji="0" lang="zh-CN" altLang="en-US" sz="1800" b="0" i="0" u="none" strike="noStrike" cap="none" normalizeH="0" baseline="0" smtClean="0">
+            <a:endParaRPr kumimoji="0" lang="zh-CN" altLang="en-US" sz="1800" b="0" i="0" u="none" strike="noStrike" cap="none" normalizeH="0" baseline="0" dirty="0" smtClean="0">
               <a:ln>
                 <a:noFill/>
               </a:ln>
@@ -10112,7 +10311,7 @@
               <a:buNone/>
             </a:pPr>
             <a:r>
-              <a:rPr kumimoji="0" lang="zh-CN" altLang="en-US" sz="1800" b="0" i="0" u="none" strike="noStrike" cap="none" normalizeH="0" baseline="0" smtClean="0">
+              <a:rPr kumimoji="0" lang="zh-CN" altLang="en-US" sz="1800" b="0" i="0" u="none" strike="noStrike" cap="none" normalizeH="0" baseline="0" dirty="0" smtClean="0">
                 <a:ln>
                   <a:noFill/>
                 </a:ln>
@@ -10123,9 +10322,9 @@
                 <a:latin typeface="Arial" panose="020B0604020202020204" pitchFamily="34" charset="0"/>
                 <a:ea typeface="SimSun" panose="02010600030101010101" pitchFamily="2" charset="-122"/>
               </a:rPr>
-              <a:t>@When("^Click on Save button$")</a:t>
-            </a:r>
-            <a:endParaRPr kumimoji="0" lang="zh-CN" altLang="en-US" sz="1800" b="0" i="0" u="none" strike="noStrike" cap="none" normalizeH="0" baseline="0" smtClean="0">
+              <a:t>@Then("^System should navigate to \"([^\"]*)\" screen\\.$")</a:t>
+            </a:r>
+            <a:endParaRPr kumimoji="0" lang="zh-CN" altLang="en-US" sz="1800" b="0" i="0" u="none" strike="noStrike" cap="none" normalizeH="0" baseline="0" dirty="0" smtClean="0">
               <a:ln>
                 <a:noFill/>
               </a:ln>
@@ -10154,7 +10353,7 @@
               <a:buNone/>
             </a:pPr>
             <a:r>
-              <a:rPr kumimoji="0" lang="zh-CN" altLang="en-US" sz="1800" b="0" i="0" u="none" strike="noStrike" cap="none" normalizeH="0" baseline="0" smtClean="0">
+              <a:rPr kumimoji="0" lang="zh-CN" altLang="en-US" sz="1800" b="0" i="0" u="none" strike="noStrike" cap="none" normalizeH="0" baseline="0" dirty="0" smtClean="0">
                 <a:ln>
                   <a:noFill/>
                 </a:ln>
@@ -10165,9 +10364,9 @@
                 <a:latin typeface="Arial" panose="020B0604020202020204" pitchFamily="34" charset="0"/>
                 <a:ea typeface="SimSun" panose="02010600030101010101" pitchFamily="2" charset="-122"/>
               </a:rPr>
-              <a:t>public void click_on_Save_button() throws Exception {</a:t>
-            </a:r>
-            <a:endParaRPr kumimoji="0" lang="zh-CN" altLang="en-US" sz="1800" b="0" i="0" u="none" strike="noStrike" cap="none" normalizeH="0" baseline="0" smtClean="0">
+              <a:t>public void system_should_navigate_to_screen(String systemAdminTitle) throws Exception {</a:t>
+            </a:r>
+            <a:endParaRPr kumimoji="0" lang="zh-CN" altLang="en-US" sz="1800" b="0" i="0" u="none" strike="noStrike" cap="none" normalizeH="0" baseline="0" dirty="0" smtClean="0">
               <a:ln>
                 <a:noFill/>
               </a:ln>
@@ -10196,7 +10395,7 @@
               <a:buNone/>
             </a:pPr>
             <a:r>
-              <a:rPr kumimoji="0" lang="zh-CN" altLang="en-US" sz="1800" b="0" i="0" u="none" strike="noStrike" cap="none" normalizeH="0" baseline="0" smtClean="0">
+              <a:rPr kumimoji="0" lang="zh-CN" altLang="en-US" sz="1800" b="0" i="0" u="none" strike="noStrike" cap="none" normalizeH="0" baseline="0" dirty="0" smtClean="0">
                 <a:ln>
                   <a:noFill/>
                 </a:ln>
@@ -10207,9 +10406,9 @@
                 <a:latin typeface="Arial" panose="020B0604020202020204" pitchFamily="34" charset="0"/>
                 <a:ea typeface="SimSun" panose="02010600030101010101" pitchFamily="2" charset="-122"/>
               </a:rPr>
-              <a:t>	manageUserProfileStep.click_On_Save_Button();</a:t>
-            </a:r>
-            <a:endParaRPr kumimoji="0" lang="zh-CN" altLang="en-US" sz="1800" b="0" i="0" u="none" strike="noStrike" cap="none" normalizeH="0" baseline="0" smtClean="0">
+              <a:t>	Assert.assertEquals(userManageStep.get_sysAdminTitle(), systemAdminTitle);</a:t>
+            </a:r>
+            <a:endParaRPr kumimoji="0" lang="zh-CN" altLang="en-US" sz="1800" b="0" i="0" u="none" strike="noStrike" cap="none" normalizeH="0" baseline="0" dirty="0" smtClean="0">
               <a:ln>
                 <a:noFill/>
               </a:ln>
@@ -10238,7 +10437,7 @@
               <a:buNone/>
             </a:pPr>
             <a:r>
-              <a:rPr kumimoji="0" lang="zh-CN" altLang="en-US" sz="1800" b="0" i="0" u="none" strike="noStrike" cap="none" normalizeH="0" baseline="0" smtClean="0">
+              <a:rPr kumimoji="0" lang="zh-CN" altLang="en-US" sz="1800" b="0" i="0" u="none" strike="noStrike" cap="none" normalizeH="0" baseline="0" dirty="0" smtClean="0">
                 <a:ln>
                   <a:noFill/>
                 </a:ln>
@@ -10251,7 +10450,7 @@
               </a:rPr>
               <a:t>}</a:t>
             </a:r>
-            <a:endParaRPr kumimoji="0" lang="zh-CN" altLang="en-US" sz="1800" b="0" i="0" u="none" strike="noStrike" cap="none" normalizeH="0" baseline="0" smtClean="0">
+            <a:endParaRPr kumimoji="0" lang="zh-CN" altLang="en-US" sz="1800" b="0" i="0" u="none" strike="noStrike" cap="none" normalizeH="0" baseline="0" dirty="0" smtClean="0">
               <a:ln>
                 <a:noFill/>
               </a:ln>
@@ -10273,8 +10472,8 @@
         </p:nvSpPr>
         <p:spPr>
           <a:xfrm>
-            <a:off x="1936750" y="2806065"/>
-            <a:ext cx="907415" cy="595630"/>
+            <a:off x="4375150" y="2737485"/>
+            <a:ext cx="907415" cy="689610"/>
           </a:xfrm>
           <a:prstGeom prst="downArrow">
             <a:avLst/>
@@ -10302,6 +10501,7 @@
         </p:spPr>
         <p:txBody>
           <a:bodyPr vert="horz" wrap="none" lIns="91440" tIns="45720" rIns="91440" bIns="45720" numCol="1" anchor="ctr" anchorCtr="0" compatLnSpc="1"/>
+          <a:lstStyle/>
           <a:p>
             <a:pPr marL="0" marR="0" indent="0" algn="l" defTabSz="914400" rtl="0" eaLnBrk="1" fontAlgn="base" latinLnBrk="0" hangingPunct="1">
               <a:lnSpc>
@@ -10370,6 +10570,7 @@
         <p:spPr/>
         <p:txBody>
           <a:bodyPr/>
+          <a:lstStyle/>
           <a:p>
             <a:endParaRPr lang="en-US"/>
           </a:p>
@@ -10517,6 +10718,7 @@
         </p:style>
         <p:txBody>
           <a:bodyPr vert="horz" wrap="none" lIns="91440" tIns="45720" rIns="91440" bIns="45720" numCol="1" anchor="ctr" anchorCtr="0" compatLnSpc="1"/>
+          <a:lstStyle/>
           <a:p>
             <a:pPr marL="0" marR="0" indent="0" algn="l" defTabSz="914400" rtl="0" eaLnBrk="1" fontAlgn="base" latinLnBrk="0" hangingPunct="1">
               <a:lnSpc>
@@ -10596,6 +10798,7 @@
         </p:style>
         <p:txBody>
           <a:bodyPr vert="horz" wrap="none" lIns="91440" tIns="45720" rIns="91440" bIns="45720" numCol="1" anchor="ctr" anchorCtr="0" compatLnSpc="1"/>
+          <a:lstStyle/>
           <a:p>
             <a:pPr marL="0" marR="0" indent="0" algn="l" defTabSz="914400" rtl="0" eaLnBrk="1" fontAlgn="base" latinLnBrk="0" hangingPunct="1">
               <a:lnSpc>
@@ -10612,7 +10815,7 @@
               <a:buFontTx/>
               <a:buNone/>
             </a:pPr>
-            <a:endParaRPr lang="zh-CN" altLang="en-US" smtClean="0">
+            <a:endParaRPr lang="zh-CN" altLang="en-US" dirty="0" smtClean="0">
               <a:ln>
                 <a:noFill/>
               </a:ln>
@@ -10642,7 +10845,7 @@
               <a:buNone/>
             </a:pPr>
             <a:r>
-              <a:rPr lang="zh-CN" altLang="en-US" smtClean="0">
+              <a:rPr lang="zh-CN" altLang="en-US" dirty="0" smtClean="0">
                 <a:ln>
                   <a:noFill/>
                 </a:ln>
@@ -10657,7 +10860,7 @@
               <a:t>Then</a:t>
             </a:r>
             <a:r>
-              <a:rPr lang="zh-CN" altLang="en-US" smtClean="0">
+              <a:rPr lang="zh-CN" altLang="en-US" dirty="0" smtClean="0">
                 <a:ln>
                   <a:noFill/>
                 </a:ln>
@@ -10669,37 +10872,24 @@
                 <a:ea typeface="SimSun" panose="02010600030101010101" pitchFamily="2" charset="-122"/>
                 <a:sym typeface="+mn-ea"/>
               </a:rPr>
-              <a:t> System should navigate to  "Manage System Administrators" screen.</a:t>
-            </a:r>
-            <a:endParaRPr kumimoji="0" lang="zh-CN" altLang="en-US" b="0" i="0" u="none" strike="noStrike" cap="none" normalizeH="0" baseline="0" smtClean="0">
-              <a:ln>
-                <a:noFill/>
-              </a:ln>
-              <a:solidFill>
-                <a:schemeClr val="tx1"/>
-              </a:solidFill>
-              <a:effectLst/>
-              <a:latin typeface="Arial" panose="020B0604020202020204" pitchFamily="34" charset="0"/>
-              <a:ea typeface="SimSun" panose="02010600030101010101" pitchFamily="2" charset="-122"/>
-            </a:endParaRPr>
-          </a:p>
-          <a:p>
-            <a:pPr marL="0" marR="0" indent="0" algn="l" defTabSz="914400" rtl="0" eaLnBrk="1" fontAlgn="base" latinLnBrk="0" hangingPunct="1">
-              <a:lnSpc>
-                <a:spcPct val="100000"/>
-              </a:lnSpc>
-              <a:spcBef>
-                <a:spcPct val="0"/>
-              </a:spcBef>
-              <a:spcAft>
-                <a:spcPct val="0"/>
-              </a:spcAft>
-              <a:buClrTx/>
-              <a:buSzTx/>
-              <a:buFontTx/>
-              <a:buNone/>
-            </a:pPr>
-            <a:endParaRPr lang="zh-CN" altLang="en-US" smtClean="0">
+              <a:t> </a:t>
+            </a:r>
+            <a:r>
+              <a:rPr lang="en-US" altLang="zh-CN" dirty="0" smtClean="0">
+                <a:ln>
+                  <a:noFill/>
+                </a:ln>
+                <a:solidFill>
+                  <a:schemeClr val="tx1"/>
+                </a:solidFill>
+                <a:effectLst/>
+                <a:latin typeface="Arial" panose="020B0604020202020204" pitchFamily="34" charset="0"/>
+                <a:ea typeface="SimSun" panose="02010600030101010101" pitchFamily="2" charset="-122"/>
+                <a:sym typeface="+mn-ea"/>
+              </a:rPr>
+              <a:t>"truyen.kieu.12@yopmail.com" should be shown on</a:t>
+            </a:r>
+            <a:endParaRPr lang="en-US" altLang="zh-CN" dirty="0" smtClean="0">
               <a:ln>
                 <a:noFill/>
               </a:ln>
@@ -10728,7 +10918,22 @@
               <a:buFontTx/>
               <a:buNone/>
             </a:pPr>
-            <a:endParaRPr kumimoji="0" lang="zh-CN" altLang="en-US" sz="1800" b="0" i="0" u="none" strike="noStrike" cap="none" normalizeH="0" baseline="0" smtClean="0">
+            <a:r>
+              <a:rPr lang="en-US" altLang="zh-CN" dirty="0" smtClean="0">
+                <a:ln>
+                  <a:noFill/>
+                </a:ln>
+                <a:solidFill>
+                  <a:schemeClr val="tx1"/>
+                </a:solidFill>
+                <a:effectLst/>
+                <a:latin typeface="Arial" panose="020B0604020202020204" pitchFamily="34" charset="0"/>
+                <a:ea typeface="SimSun" panose="02010600030101010101" pitchFamily="2" charset="-122"/>
+                <a:sym typeface="+mn-ea"/>
+              </a:rPr>
+              <a:t>         screen.</a:t>
+            </a:r>
+            <a:endParaRPr lang="zh-CN" altLang="en-US" dirty="0" smtClean="0">
               <a:ln>
                 <a:noFill/>
               </a:ln>
@@ -10738,6 +10943,7 @@
               <a:effectLst/>
               <a:latin typeface="Arial" panose="020B0604020202020204" pitchFamily="34" charset="0"/>
               <a:ea typeface="SimSun" panose="02010600030101010101" pitchFamily="2" charset="-122"/>
+              <a:sym typeface="+mn-ea"/>
             </a:endParaRPr>
           </a:p>
           <a:p>
@@ -10756,7 +10962,7 @@
               <a:buFontTx/>
               <a:buNone/>
             </a:pPr>
-            <a:endParaRPr kumimoji="0" lang="zh-CN" altLang="en-US" sz="1800" b="0" i="0" u="none" strike="noStrike" cap="none" normalizeH="0" baseline="0" smtClean="0">
+            <a:endParaRPr kumimoji="0" lang="zh-CN" altLang="en-US" sz="1800" b="0" i="0" u="none" strike="noStrike" cap="none" normalizeH="0" baseline="0" dirty="0" smtClean="0">
               <a:ln>
                 <a:noFill/>
               </a:ln>
@@ -10766,6 +10972,7 @@
               <a:effectLst/>
               <a:latin typeface="Arial" panose="020B0604020202020204" pitchFamily="34" charset="0"/>
               <a:ea typeface="SimSun" panose="02010600030101010101" pitchFamily="2" charset="-122"/>
+              <a:sym typeface="+mn-ea"/>
             </a:endParaRPr>
           </a:p>
           <a:p>
@@ -10784,21 +10991,7 @@
               <a:buFontTx/>
               <a:buNone/>
             </a:pPr>
-            <a:r>
-              <a:rPr kumimoji="0" lang="zh-CN" altLang="en-US" sz="1800" b="0" i="0" u="none" strike="noStrike" cap="none" normalizeH="0" baseline="0" smtClean="0">
-                <a:ln>
-                  <a:noFill/>
-                </a:ln>
-                <a:solidFill>
-                  <a:schemeClr val="tx1"/>
-                </a:solidFill>
-                <a:effectLst/>
-                <a:latin typeface="Arial" panose="020B0604020202020204" pitchFamily="34" charset="0"/>
-                <a:ea typeface="SimSun" panose="02010600030101010101" pitchFamily="2" charset="-122"/>
-              </a:rPr>
-              <a:t>@Then("^System should navigate to \"([^\"]*)\" screen\\.$")</a:t>
-            </a:r>
-            <a:endParaRPr kumimoji="0" lang="zh-CN" altLang="en-US" sz="1800" b="0" i="0" u="none" strike="noStrike" cap="none" normalizeH="0" baseline="0" smtClean="0">
+            <a:endParaRPr kumimoji="0" lang="zh-CN" altLang="en-US" sz="1800" b="0" i="0" u="none" strike="noStrike" cap="none" normalizeH="0" baseline="0" dirty="0" smtClean="0">
               <a:ln>
                 <a:noFill/>
               </a:ln>
@@ -10808,6 +11001,7 @@
               <a:effectLst/>
               <a:latin typeface="Arial" panose="020B0604020202020204" pitchFamily="34" charset="0"/>
               <a:ea typeface="SimSun" panose="02010600030101010101" pitchFamily="2" charset="-122"/>
+              <a:sym typeface="+mn-ea"/>
             </a:endParaRPr>
           </a:p>
           <a:p>
@@ -10827,7 +11021,7 @@
               <a:buNone/>
             </a:pPr>
             <a:r>
-              <a:rPr kumimoji="0" lang="zh-CN" altLang="en-US" sz="1800" b="0" i="0" u="none" strike="noStrike" cap="none" normalizeH="0" baseline="0" smtClean="0">
+              <a:rPr kumimoji="0" lang="zh-CN" altLang="en-US" sz="1800" b="0" i="0" u="none" strike="noStrike" cap="none" normalizeH="0" baseline="0" dirty="0" smtClean="0">
                 <a:ln>
                   <a:noFill/>
                 </a:ln>
@@ -10838,9 +11032,9 @@
                 <a:latin typeface="Arial" panose="020B0604020202020204" pitchFamily="34" charset="0"/>
                 <a:ea typeface="SimSun" panose="02010600030101010101" pitchFamily="2" charset="-122"/>
               </a:rPr>
-              <a:t>public void system_should_navigate_to_screen(String systemAdminTitle) throws Exception {</a:t>
-            </a:r>
-            <a:endParaRPr kumimoji="0" lang="zh-CN" altLang="en-US" sz="1800" b="0" i="0" u="none" strike="noStrike" cap="none" normalizeH="0" baseline="0" smtClean="0">
+              <a:t>@Then("^\"([^\"]*)\" should be shown on screen\\.$")</a:t>
+            </a:r>
+            <a:endParaRPr kumimoji="0" lang="zh-CN" altLang="en-US" sz="1800" b="0" i="0" u="none" strike="noStrike" cap="none" normalizeH="0" baseline="0" dirty="0" smtClean="0">
               <a:ln>
                 <a:noFill/>
               </a:ln>
@@ -10869,7 +11063,7 @@
               <a:buNone/>
             </a:pPr>
             <a:r>
-              <a:rPr kumimoji="0" lang="zh-CN" altLang="en-US" sz="1800" b="0" i="0" u="none" strike="noStrike" cap="none" normalizeH="0" baseline="0" smtClean="0">
+              <a:rPr kumimoji="0" lang="zh-CN" altLang="en-US" sz="1800" b="0" i="0" u="none" strike="noStrike" cap="none" normalizeH="0" baseline="0" dirty="0" smtClean="0">
                 <a:ln>
                   <a:noFill/>
                 </a:ln>
@@ -10880,9 +11074,9 @@
                 <a:latin typeface="Arial" panose="020B0604020202020204" pitchFamily="34" charset="0"/>
                 <a:ea typeface="SimSun" panose="02010600030101010101" pitchFamily="2" charset="-122"/>
               </a:rPr>
-              <a:t>	Assert.assertEquals(userManageStep.get_sysAdminTitle(), systemAdminTitle);</a:t>
-            </a:r>
-            <a:endParaRPr kumimoji="0" lang="zh-CN" altLang="en-US" sz="1800" b="0" i="0" u="none" strike="noStrike" cap="none" normalizeH="0" baseline="0" smtClean="0">
+              <a:t>public void email_should_be_shown_on_screen(String email) throws Exception {</a:t>
+            </a:r>
+            <a:endParaRPr kumimoji="0" lang="zh-CN" altLang="en-US" sz="1800" b="0" i="0" u="none" strike="noStrike" cap="none" normalizeH="0" baseline="0" dirty="0" smtClean="0">
               <a:ln>
                 <a:noFill/>
               </a:ln>
@@ -10911,7 +11105,7 @@
               <a:buNone/>
             </a:pPr>
             <a:r>
-              <a:rPr kumimoji="0" lang="zh-CN" altLang="en-US" sz="1800" b="0" i="0" u="none" strike="noStrike" cap="none" normalizeH="0" baseline="0" smtClean="0">
+              <a:rPr kumimoji="0" lang="en-US" altLang="zh-CN" sz="1800" b="0" i="0" u="none" strike="noStrike" cap="none" normalizeH="0" baseline="0" dirty="0" smtClean="0">
                 <a:ln>
                   <a:noFill/>
                 </a:ln>
@@ -10922,9 +11116,121 @@
                 <a:latin typeface="Arial" panose="020B0604020202020204" pitchFamily="34" charset="0"/>
                 <a:ea typeface="SimSun" panose="02010600030101010101" pitchFamily="2" charset="-122"/>
               </a:rPr>
+              <a:t>	</a:t>
+            </a:r>
+            <a:r>
+              <a:rPr kumimoji="0" lang="zh-CN" altLang="en-US" sz="1800" b="0" i="0" u="none" strike="noStrike" cap="none" normalizeH="0" baseline="0" dirty="0" smtClean="0">
+                <a:ln>
+                  <a:noFill/>
+                </a:ln>
+                <a:solidFill>
+                  <a:schemeClr val="tx1"/>
+                </a:solidFill>
+                <a:effectLst/>
+                <a:latin typeface="Arial" panose="020B0604020202020204" pitchFamily="34" charset="0"/>
+                <a:ea typeface="SimSun" panose="02010600030101010101" pitchFamily="2" charset="-122"/>
+              </a:rPr>
+              <a:t>Assert.assertEquals(userManageStep.get_Email_Is_Shown(email), true);</a:t>
+            </a:r>
+            <a:endParaRPr kumimoji="0" lang="zh-CN" altLang="en-US" sz="1800" b="0" i="0" u="none" strike="noStrike" cap="none" normalizeH="0" baseline="0" dirty="0" smtClean="0">
+              <a:ln>
+                <a:noFill/>
+              </a:ln>
+              <a:solidFill>
+                <a:schemeClr val="tx1"/>
+              </a:solidFill>
+              <a:effectLst/>
+              <a:latin typeface="Arial" panose="020B0604020202020204" pitchFamily="34" charset="0"/>
+              <a:ea typeface="SimSun" panose="02010600030101010101" pitchFamily="2" charset="-122"/>
+            </a:endParaRPr>
+          </a:p>
+          <a:p>
+            <a:pPr marL="0" marR="0" indent="0" algn="l" defTabSz="914400" rtl="0" eaLnBrk="1" fontAlgn="base" latinLnBrk="0" hangingPunct="1">
+              <a:lnSpc>
+                <a:spcPct val="100000"/>
+              </a:lnSpc>
+              <a:spcBef>
+                <a:spcPct val="0"/>
+              </a:spcBef>
+              <a:spcAft>
+                <a:spcPct val="0"/>
+              </a:spcAft>
+              <a:buClrTx/>
+              <a:buSzTx/>
+              <a:buFontTx/>
+              <a:buNone/>
+            </a:pPr>
+            <a:r>
+              <a:rPr kumimoji="0" lang="zh-CN" altLang="en-US" sz="1800" b="0" i="0" u="none" strike="noStrike" cap="none" normalizeH="0" baseline="0" dirty="0" smtClean="0">
+                <a:ln>
+                  <a:noFill/>
+                </a:ln>
+                <a:solidFill>
+                  <a:schemeClr val="tx1"/>
+                </a:solidFill>
+                <a:effectLst/>
+                <a:latin typeface="Arial" panose="020B0604020202020204" pitchFamily="34" charset="0"/>
+                <a:ea typeface="SimSun" panose="02010600030101010101" pitchFamily="2" charset="-122"/>
+              </a:rPr>
               <a:t>}</a:t>
             </a:r>
-            <a:endParaRPr kumimoji="0" lang="zh-CN" altLang="en-US" sz="1800" b="0" i="0" u="none" strike="noStrike" cap="none" normalizeH="0" baseline="0" smtClean="0">
+            <a:endParaRPr kumimoji="0" lang="zh-CN" altLang="en-US" sz="1800" b="0" i="0" u="none" strike="noStrike" cap="none" normalizeH="0" baseline="0" dirty="0" smtClean="0">
+              <a:ln>
+                <a:noFill/>
+              </a:ln>
+              <a:solidFill>
+                <a:schemeClr val="tx1"/>
+              </a:solidFill>
+              <a:effectLst/>
+              <a:latin typeface="Arial" panose="020B0604020202020204" pitchFamily="34" charset="0"/>
+              <a:ea typeface="SimSun" panose="02010600030101010101" pitchFamily="2" charset="-122"/>
+            </a:endParaRPr>
+          </a:p>
+          <a:p>
+            <a:pPr marL="0" marR="0" indent="0" algn="l" defTabSz="914400" rtl="0" eaLnBrk="1" fontAlgn="base" latinLnBrk="0" hangingPunct="1">
+              <a:lnSpc>
+                <a:spcPct val="100000"/>
+              </a:lnSpc>
+              <a:spcBef>
+                <a:spcPct val="0"/>
+              </a:spcBef>
+              <a:spcAft>
+                <a:spcPct val="0"/>
+              </a:spcAft>
+              <a:buClrTx/>
+              <a:buSzTx/>
+              <a:buFontTx/>
+              <a:buNone/>
+            </a:pPr>
+            <a:endParaRPr kumimoji="0" lang="zh-CN" altLang="en-US" sz="1800" b="0" i="0" u="none" strike="noStrike" cap="none" normalizeH="0" baseline="0" dirty="0" smtClean="0">
+              <a:ln>
+                <a:noFill/>
+              </a:ln>
+              <a:solidFill>
+                <a:schemeClr val="tx1"/>
+              </a:solidFill>
+              <a:effectLst/>
+              <a:latin typeface="Arial" panose="020B0604020202020204" pitchFamily="34" charset="0"/>
+              <a:ea typeface="SimSun" panose="02010600030101010101" pitchFamily="2" charset="-122"/>
+            </a:endParaRPr>
+          </a:p>
+          <a:p>
+            <a:pPr marL="0" marR="0" indent="0" algn="l" defTabSz="914400" rtl="0" eaLnBrk="1" fontAlgn="base" latinLnBrk="0" hangingPunct="1">
+              <a:lnSpc>
+                <a:spcPct val="100000"/>
+              </a:lnSpc>
+              <a:spcBef>
+                <a:spcPct val="0"/>
+              </a:spcBef>
+              <a:spcAft>
+                <a:spcPct val="0"/>
+              </a:spcAft>
+              <a:buClrTx/>
+              <a:buSzTx/>
+              <a:buFontTx/>
+              <a:buNone/>
+            </a:pPr>
+            <a:endParaRPr kumimoji="0" lang="zh-CN" altLang="en-US" sz="1800" b="0" i="0" u="none" strike="noStrike" cap="none" normalizeH="0" baseline="0" dirty="0" smtClean="0">
               <a:ln>
                 <a:noFill/>
               </a:ln>
@@ -10946,7 +11252,7 @@
         </p:nvSpPr>
         <p:spPr>
           <a:xfrm>
-            <a:off x="4375150" y="2737485"/>
+            <a:off x="4366895" y="2465705"/>
             <a:ext cx="907415" cy="689610"/>
           </a:xfrm>
           <a:prstGeom prst="downArrow">
@@ -10975,6 +11281,7 @@
         </p:spPr>
         <p:txBody>
           <a:bodyPr vert="horz" wrap="none" lIns="91440" tIns="45720" rIns="91440" bIns="45720" numCol="1" anchor="ctr" anchorCtr="0" compatLnSpc="1"/>
+          <a:lstStyle/>
           <a:p>
             <a:pPr marL="0" marR="0" indent="0" algn="l" defTabSz="914400" rtl="0" eaLnBrk="1" fontAlgn="base" latinLnBrk="0" hangingPunct="1">
               <a:lnSpc>
@@ -11043,6 +11350,7 @@
         <p:spPr/>
         <p:txBody>
           <a:bodyPr/>
+          <a:lstStyle/>
           <a:p>
             <a:endParaRPr lang="en-US"/>
           </a:p>
@@ -11190,6 +11498,7 @@
         </p:style>
         <p:txBody>
           <a:bodyPr vert="horz" wrap="none" lIns="91440" tIns="45720" rIns="91440" bIns="45720" numCol="1" anchor="ctr" anchorCtr="0" compatLnSpc="1"/>
+          <a:lstStyle/>
           <a:p>
             <a:pPr marL="0" marR="0" indent="0" algn="l" defTabSz="914400" rtl="0" eaLnBrk="1" fontAlgn="base" latinLnBrk="0" hangingPunct="1">
               <a:lnSpc>
@@ -11269,6 +11578,7 @@
         </p:style>
         <p:txBody>
           <a:bodyPr vert="horz" wrap="none" lIns="91440" tIns="45720" rIns="91440" bIns="45720" numCol="1" anchor="ctr" anchorCtr="0" compatLnSpc="1"/>
+          <a:lstStyle/>
           <a:p>
             <a:pPr marL="0" marR="0" indent="0" algn="l" defTabSz="914400" rtl="0" eaLnBrk="1" fontAlgn="base" latinLnBrk="0" hangingPunct="1">
               <a:lnSpc>
@@ -11286,7 +11596,7 @@
               <a:buNone/>
             </a:pPr>
             <a:r>
-              <a:rPr lang="en-US" altLang="zh-CN" smtClean="0">
+              <a:rPr lang="en-US" altLang="zh-CN" dirty="0" smtClean="0">
                 <a:ln>
                   <a:noFill/>
                 </a:ln>
@@ -11301,7 +11611,7 @@
               <a:t>A</a:t>
             </a:r>
             <a:r>
-              <a:rPr lang="zh-CN" altLang="en-US" smtClean="0">
+              <a:rPr lang="zh-CN" altLang="en-US" dirty="0" smtClean="0">
                 <a:ln>
                   <a:noFill/>
                 </a:ln>
@@ -11316,7 +11626,7 @@
               <a:t>nd</a:t>
             </a:r>
             <a:r>
-              <a:rPr lang="zh-CN" altLang="en-US" smtClean="0">
+              <a:rPr lang="zh-CN" altLang="en-US" dirty="0" smtClean="0">
                 <a:ln>
                   <a:noFill/>
                 </a:ln>
@@ -11328,9 +11638,24 @@
                 <a:ea typeface="SimSun" panose="02010600030101010101" pitchFamily="2" charset="-122"/>
                 <a:sym typeface="+mn-ea"/>
               </a:rPr>
-              <a:t> "truyen.kieu.02@yopmail.com" and User Name is "Truyen Kieu" should be shown on screen.</a:t>
-            </a:r>
-            <a:endParaRPr lang="zh-CN" altLang="en-US" smtClean="0">
+              <a:t> </a:t>
+            </a:r>
+            <a:r>
+              <a:rPr lang="en-US" altLang="zh-CN" dirty="0" smtClean="0">
+                <a:ln>
+                  <a:noFill/>
+                </a:ln>
+                <a:solidFill>
+                  <a:schemeClr val="tx1"/>
+                </a:solidFill>
+                <a:effectLst/>
+                <a:latin typeface="Arial" panose="020B0604020202020204" pitchFamily="34" charset="0"/>
+                <a:ea typeface="SimSun" panose="02010600030101010101" pitchFamily="2" charset="-122"/>
+                <a:sym typeface="+mn-ea"/>
+              </a:rPr>
+              <a:t>"Truyen Kieu" Shows correctly be shown on screen.</a:t>
+            </a:r>
+            <a:endParaRPr lang="zh-CN" altLang="en-US" dirty="0" smtClean="0">
               <a:ln>
                 <a:noFill/>
               </a:ln>
@@ -11359,7 +11684,7 @@
               <a:buFontTx/>
               <a:buNone/>
             </a:pPr>
-            <a:endParaRPr kumimoji="0" lang="zh-CN" altLang="en-US" sz="1800" b="0" i="0" u="none" strike="noStrike" cap="none" normalizeH="0" baseline="0" smtClean="0">
+            <a:endParaRPr kumimoji="0" lang="zh-CN" altLang="en-US" sz="1800" b="0" i="0" u="none" strike="noStrike" cap="none" normalizeH="0" baseline="0" dirty="0" smtClean="0">
               <a:ln>
                 <a:noFill/>
               </a:ln>
@@ -11387,7 +11712,7 @@
               <a:buFontTx/>
               <a:buNone/>
             </a:pPr>
-            <a:endParaRPr kumimoji="0" lang="zh-CN" altLang="en-US" sz="1800" b="0" i="0" u="none" strike="noStrike" cap="none" normalizeH="0" baseline="0" smtClean="0">
+            <a:endParaRPr kumimoji="0" lang="zh-CN" altLang="en-US" sz="1800" b="0" i="0" u="none" strike="noStrike" cap="none" normalizeH="0" baseline="0" dirty="0" smtClean="0">
               <a:ln>
                 <a:noFill/>
               </a:ln>
@@ -11415,7 +11740,7 @@
               <a:buFontTx/>
               <a:buNone/>
             </a:pPr>
-            <a:endParaRPr kumimoji="0" lang="zh-CN" altLang="en-US" sz="1800" b="0" i="0" u="none" strike="noStrike" cap="none" normalizeH="0" baseline="0" smtClean="0">
+            <a:endParaRPr kumimoji="0" lang="zh-CN" altLang="en-US" sz="1800" b="0" i="0" u="none" strike="noStrike" cap="none" normalizeH="0" baseline="0" dirty="0" smtClean="0">
               <a:ln>
                 <a:noFill/>
               </a:ln>
@@ -11444,7 +11769,7 @@
               <a:buNone/>
             </a:pPr>
             <a:r>
-              <a:rPr kumimoji="0" lang="zh-CN" altLang="en-US" sz="1800" b="0" i="0" u="none" strike="noStrike" cap="none" normalizeH="0" baseline="0" smtClean="0">
+              <a:rPr kumimoji="0" lang="zh-CN" altLang="en-US" sz="1800" b="0" i="0" u="none" strike="noStrike" cap="none" normalizeH="0" baseline="0" dirty="0" smtClean="0">
                 <a:ln>
                   <a:noFill/>
                 </a:ln>
@@ -11455,9 +11780,37 @@
                 <a:latin typeface="Arial" panose="020B0604020202020204" pitchFamily="34" charset="0"/>
                 <a:ea typeface="SimSun" panose="02010600030101010101" pitchFamily="2" charset="-122"/>
               </a:rPr>
-              <a:t>@Then("^\"([^\"]*)\" and User Name is \"([^\"]*)\" should be shown on screen\\.$")</a:t>
-            </a:r>
-            <a:endParaRPr kumimoji="0" lang="zh-CN" altLang="en-US" sz="1800" b="0" i="0" u="none" strike="noStrike" cap="none" normalizeH="0" baseline="0" smtClean="0">
+              <a:t>@Then(“</a:t>
+            </a:r>
+            <a:r>
+              <a:rPr kumimoji="0" lang="en-US" altLang="zh-CN" sz="1800" b="0" i="0" u="none" strike="noStrike" cap="none" normalizeH="0" baseline="0" dirty="0" smtClean="0">
+                <a:ln>
+                  <a:noFill/>
+                </a:ln>
+                <a:solidFill>
+                  <a:schemeClr val="tx1"/>
+                </a:solidFill>
+                <a:effectLst/>
+                <a:latin typeface="Arial" panose="020B0604020202020204" pitchFamily="34" charset="0"/>
+                <a:ea typeface="SimSun" panose="02010600030101010101" pitchFamily="2" charset="-122"/>
+              </a:rPr>
+              <a:t>Full Name is updated to </a:t>
+            </a:r>
+            <a:r>
+              <a:rPr kumimoji="0" lang="zh-CN" altLang="en-US" sz="1800" b="0" i="0" u="none" strike="noStrike" cap="none" normalizeH="0" baseline="0" dirty="0" smtClean="0">
+                <a:ln>
+                  <a:noFill/>
+                </a:ln>
+                <a:solidFill>
+                  <a:schemeClr val="tx1"/>
+                </a:solidFill>
+                <a:effectLst/>
+                <a:latin typeface="Arial" panose="020B0604020202020204" pitchFamily="34" charset="0"/>
+                <a:ea typeface="SimSun" panose="02010600030101010101" pitchFamily="2" charset="-122"/>
+              </a:rPr>
+              <a:t> ^\"([^\"]*)\" $")</a:t>
+            </a:r>
+            <a:endParaRPr kumimoji="0" lang="zh-CN" altLang="en-US" sz="1800" b="0" i="0" u="none" strike="noStrike" cap="none" normalizeH="0" baseline="0" dirty="0" smtClean="0">
               <a:ln>
                 <a:noFill/>
               </a:ln>
@@ -11486,7 +11839,7 @@
               <a:buNone/>
             </a:pPr>
             <a:r>
-              <a:rPr kumimoji="0" lang="zh-CN" altLang="en-US" sz="1800" b="0" i="0" u="none" strike="noStrike" cap="none" normalizeH="0" baseline="0" smtClean="0">
+              <a:rPr kumimoji="0" lang="zh-CN" altLang="en-US" sz="1800" b="0" i="0" u="none" strike="noStrike" cap="none" normalizeH="0" baseline="0" dirty="0" smtClean="0">
                 <a:ln>
                   <a:noFill/>
                 </a:ln>
@@ -11499,7 +11852,7 @@
               </a:rPr>
               <a:t>public void should_be_shown_on_screen(String email, String username) throws Exception {</a:t>
             </a:r>
-            <a:endParaRPr kumimoji="0" lang="zh-CN" altLang="en-US" sz="1800" b="0" i="0" u="none" strike="noStrike" cap="none" normalizeH="0" baseline="0" smtClean="0">
+            <a:endParaRPr kumimoji="0" lang="zh-CN" altLang="en-US" sz="1800" b="0" i="0" u="none" strike="noStrike" cap="none" normalizeH="0" baseline="0" dirty="0" smtClean="0">
               <a:ln>
                 <a:noFill/>
               </a:ln>
@@ -11528,7 +11881,7 @@
               <a:buNone/>
             </a:pPr>
             <a:r>
-              <a:rPr kumimoji="0" lang="en-US" altLang="zh-CN" sz="1800" b="0" i="0" u="none" strike="noStrike" cap="none" normalizeH="0" baseline="0" smtClean="0">
+              <a:rPr kumimoji="0" lang="en-US" altLang="zh-CN" sz="1800" b="0" i="0" u="none" strike="noStrike" cap="none" normalizeH="0" baseline="0" dirty="0" smtClean="0">
                 <a:ln>
                   <a:noFill/>
                 </a:ln>
@@ -11539,9 +11892,79 @@
                 <a:latin typeface="Arial" panose="020B0604020202020204" pitchFamily="34" charset="0"/>
                 <a:ea typeface="SimSun" panose="02010600030101010101" pitchFamily="2" charset="-122"/>
               </a:rPr>
-              <a:t>	userManageStep.get_Email_Expected(email);</a:t>
-            </a:r>
-            <a:endParaRPr kumimoji="0" lang="en-US" altLang="zh-CN" sz="1800" b="0" i="0" u="none" strike="noStrike" cap="none" normalizeH="0" baseline="0" smtClean="0">
+              <a:t>	</a:t>
+            </a:r>
+            <a:r>
+              <a:rPr kumimoji="0" lang="en-US" altLang="zh-CN" sz="1800" b="0" i="0" u="none" strike="noStrike" cap="none" normalizeH="0" baseline="0" dirty="0" err="1" smtClean="0">
+                <a:ln>
+                  <a:noFill/>
+                </a:ln>
+                <a:solidFill>
+                  <a:schemeClr val="tx1"/>
+                </a:solidFill>
+                <a:effectLst/>
+                <a:latin typeface="Arial" panose="020B0604020202020204" pitchFamily="34" charset="0"/>
+                <a:ea typeface="SimSun" panose="02010600030101010101" pitchFamily="2" charset="-122"/>
+              </a:rPr>
+              <a:t>userManageStep.get_fullName_Expected</a:t>
+            </a:r>
+            <a:r>
+              <a:rPr kumimoji="0" lang="en-US" altLang="zh-CN" sz="1800" b="0" i="0" u="none" strike="noStrike" cap="none" normalizeH="0" baseline="0" dirty="0" smtClean="0">
+                <a:ln>
+                  <a:noFill/>
+                </a:ln>
+                <a:solidFill>
+                  <a:schemeClr val="tx1"/>
+                </a:solidFill>
+                <a:effectLst/>
+                <a:latin typeface="Arial" panose="020B0604020202020204" pitchFamily="34" charset="0"/>
+                <a:ea typeface="SimSun" panose="02010600030101010101" pitchFamily="2" charset="-122"/>
+              </a:rPr>
+              <a:t>(</a:t>
+            </a:r>
+            <a:r>
+              <a:rPr kumimoji="0" lang="en-US" altLang="zh-CN" sz="1800" b="0" i="0" u="none" strike="noStrike" cap="none" normalizeH="0" baseline="0" dirty="0" err="1" smtClean="0">
+                <a:ln>
+                  <a:noFill/>
+                </a:ln>
+                <a:solidFill>
+                  <a:schemeClr val="tx1"/>
+                </a:solidFill>
+                <a:effectLst/>
+                <a:latin typeface="Arial" panose="020B0604020202020204" pitchFamily="34" charset="0"/>
+                <a:ea typeface="SimSun" panose="02010600030101010101" pitchFamily="2" charset="-122"/>
+              </a:rPr>
+              <a:t>fullName</a:t>
+            </a:r>
+            <a:r>
+              <a:rPr kumimoji="0" lang="en-US" altLang="zh-CN" sz="1800" b="0" i="0" u="none" strike="noStrike" cap="none" normalizeH="0" baseline="0" dirty="0" smtClean="0">
+                <a:ln>
+                  <a:noFill/>
+                </a:ln>
+                <a:solidFill>
+                  <a:schemeClr val="tx1"/>
+                </a:solidFill>
+                <a:effectLst/>
+                <a:latin typeface="Arial" panose="020B0604020202020204" pitchFamily="34" charset="0"/>
+                <a:ea typeface="SimSun" panose="02010600030101010101" pitchFamily="2" charset="-122"/>
+              </a:rPr>
+              <a:t>);</a:t>
+            </a:r>
+            <a:r>
+              <a:rPr kumimoji="0" lang="zh-CN" altLang="en-US" sz="1800" b="0" i="0" u="none" strike="noStrike" cap="none" normalizeH="0" baseline="0" dirty="0" smtClean="0">
+                <a:ln>
+                  <a:noFill/>
+                </a:ln>
+                <a:solidFill>
+                  <a:schemeClr val="tx1"/>
+                </a:solidFill>
+                <a:effectLst/>
+                <a:latin typeface="Arial" panose="020B0604020202020204" pitchFamily="34" charset="0"/>
+                <a:ea typeface="SimSun" panose="02010600030101010101" pitchFamily="2" charset="-122"/>
+              </a:rPr>
+              <a:t>	    </a:t>
+            </a:r>
+            <a:endParaRPr kumimoji="0" lang="zh-CN" altLang="en-US" sz="1800" b="0" i="0" u="none" strike="noStrike" cap="none" normalizeH="0" baseline="0" dirty="0" smtClean="0">
               <a:ln>
                 <a:noFill/>
               </a:ln>
@@ -11570,7 +11993,7 @@
               <a:buNone/>
             </a:pPr>
             <a:r>
-              <a:rPr kumimoji="0" lang="en-US" altLang="zh-CN" sz="1800" b="0" i="0" u="none" strike="noStrike" cap="none" normalizeH="0" baseline="0" smtClean="0">
+              <a:rPr kumimoji="0" lang="zh-CN" altLang="en-US" sz="1800" b="0" i="0" u="none" strike="noStrike" cap="none" normalizeH="0" baseline="0" dirty="0" smtClean="0">
                 <a:ln>
                   <a:noFill/>
                 </a:ln>
@@ -11581,65 +12004,9 @@
                 <a:latin typeface="Arial" panose="020B0604020202020204" pitchFamily="34" charset="0"/>
                 <a:ea typeface="SimSun" panose="02010600030101010101" pitchFamily="2" charset="-122"/>
               </a:rPr>
-              <a:t>	userManageStep.get_Username_Expected(username);</a:t>
-            </a:r>
-            <a:r>
-              <a:rPr kumimoji="0" lang="zh-CN" altLang="en-US" sz="1800" b="0" i="0" u="none" strike="noStrike" cap="none" normalizeH="0" baseline="0" smtClean="0">
-                <a:ln>
-                  <a:noFill/>
-                </a:ln>
-                <a:solidFill>
-                  <a:schemeClr val="tx1"/>
-                </a:solidFill>
-                <a:effectLst/>
-                <a:latin typeface="Arial" panose="020B0604020202020204" pitchFamily="34" charset="0"/>
-                <a:ea typeface="SimSun" panose="02010600030101010101" pitchFamily="2" charset="-122"/>
-              </a:rPr>
-              <a:t>	    </a:t>
-            </a:r>
-            <a:endParaRPr kumimoji="0" lang="zh-CN" altLang="en-US" sz="1800" b="0" i="0" u="none" strike="noStrike" cap="none" normalizeH="0" baseline="0" smtClean="0">
-              <a:ln>
-                <a:noFill/>
-              </a:ln>
-              <a:solidFill>
-                <a:schemeClr val="tx1"/>
-              </a:solidFill>
-              <a:effectLst/>
-              <a:latin typeface="Arial" panose="020B0604020202020204" pitchFamily="34" charset="0"/>
-              <a:ea typeface="SimSun" panose="02010600030101010101" pitchFamily="2" charset="-122"/>
-            </a:endParaRPr>
-          </a:p>
-          <a:p>
-            <a:pPr marL="0" marR="0" indent="0" algn="l" defTabSz="914400" rtl="0" eaLnBrk="1" fontAlgn="base" latinLnBrk="0" hangingPunct="1">
-              <a:lnSpc>
-                <a:spcPct val="100000"/>
-              </a:lnSpc>
-              <a:spcBef>
-                <a:spcPct val="0"/>
-              </a:spcBef>
-              <a:spcAft>
-                <a:spcPct val="0"/>
-              </a:spcAft>
-              <a:buClrTx/>
-              <a:buSzTx/>
-              <a:buFontTx/>
-              <a:buNone/>
-            </a:pPr>
-            <a:r>
-              <a:rPr kumimoji="0" lang="zh-CN" altLang="en-US" sz="1800" b="0" i="0" u="none" strike="noStrike" cap="none" normalizeH="0" baseline="0" smtClean="0">
-                <a:ln>
-                  <a:noFill/>
-                </a:ln>
-                <a:solidFill>
-                  <a:schemeClr val="tx1"/>
-                </a:solidFill>
-                <a:effectLst/>
-                <a:latin typeface="Arial" panose="020B0604020202020204" pitchFamily="34" charset="0"/>
-                <a:ea typeface="SimSun" panose="02010600030101010101" pitchFamily="2" charset="-122"/>
-              </a:rPr>
               <a:t>}</a:t>
             </a:r>
-            <a:endParaRPr kumimoji="0" lang="zh-CN" altLang="en-US" sz="1800" b="0" i="0" u="none" strike="noStrike" cap="none" normalizeH="0" baseline="0" smtClean="0">
+            <a:endParaRPr kumimoji="0" lang="zh-CN" altLang="en-US" sz="1800" b="0" i="0" u="none" strike="noStrike" cap="none" normalizeH="0" baseline="0" dirty="0" smtClean="0">
               <a:ln>
                 <a:noFill/>
               </a:ln>
@@ -11661,7 +12028,7 @@
         </p:nvSpPr>
         <p:spPr>
           <a:xfrm>
-            <a:off x="4638675" y="2491105"/>
+            <a:off x="4638675" y="2593340"/>
             <a:ext cx="907415" cy="689610"/>
           </a:xfrm>
           <a:prstGeom prst="downArrow">
@@ -11690,6 +12057,7 @@
         </p:spPr>
         <p:txBody>
           <a:bodyPr vert="horz" wrap="none" lIns="91440" tIns="45720" rIns="91440" bIns="45720" numCol="1" anchor="ctr" anchorCtr="0" compatLnSpc="1"/>
+          <a:lstStyle/>
           <a:p>
             <a:pPr marL="0" marR="0" indent="0" algn="l" defTabSz="914400" rtl="0" eaLnBrk="1" fontAlgn="base" latinLnBrk="0" hangingPunct="1">
               <a:lnSpc>
@@ -11747,7 +12115,7 @@
       </p:grpSpPr>
       <p:sp>
         <p:nvSpPr>
-          <p:cNvPr id="7" name="Title 6"/>
+          <p:cNvPr id="5" name="Title 4"/>
           <p:cNvSpPr>
             <a:spLocks noGrp="1"/>
           </p:cNvSpPr>
@@ -11903,7 +12271,7 @@
       </p:sp>
       <p:pic>
         <p:nvPicPr>
-          <p:cNvPr id="6" name="Content Placeholder 5" descr="final"/>
+          <p:cNvPr id="4" name="Content Placeholder 3" descr="update user"/>
           <p:cNvPicPr>
             <a:picLocks noChangeAspect="1"/>
           </p:cNvPicPr>
@@ -11919,8 +12287,8 @@
         </p:blipFill>
         <p:spPr>
           <a:xfrm>
-            <a:off x="575945" y="1606550"/>
-            <a:ext cx="6727190" cy="4953000"/>
+            <a:off x="2626995" y="1183005"/>
+            <a:ext cx="6938010" cy="4953000"/>
           </a:xfrm>
           <a:prstGeom prst="rect">
             <a:avLst/>
@@ -14322,6 +14690,7 @@
         <p:spPr/>
         <p:txBody>
           <a:bodyPr/>
+          <a:lstStyle/>
           <a:p>
             <a:endParaRPr lang="en-US"/>
           </a:p>
@@ -14440,7 +14809,7 @@
         <p:nvPicPr>
           <p:cNvPr id="11" name="Content Placeholder 10" descr="ghe"/>
           <p:cNvPicPr>
-            <a:picLocks noChangeAspect="1"/>
+            <a:picLocks noGrp="1" noChangeAspect="1"/>
           </p:cNvPicPr>
           <p:nvPr>
             <p:ph idx="1"/>
@@ -14828,6 +15197,7 @@
         <p:spPr/>
         <p:txBody>
           <a:bodyPr/>
+          <a:lstStyle/>
           <a:p>
             <a:endParaRPr lang="en-US"/>
           </a:p>
@@ -14963,22 +15333,24 @@
           <a:lstStyle/>
           <a:p>
             <a:r>
-              <a:rPr lang="en-US"/>
-              <a:t>Example: Create new User</a:t>
-            </a:r>
-            <a:endParaRPr lang="en-US"/>
+              <a:rPr lang="en-US" dirty="0"/>
+              <a:t>Example: </a:t>
+            </a:r>
+            <a:r>
+              <a:rPr lang="en-US" dirty="0" smtClean="0"/>
+              <a:t>Update User Profile</a:t>
+            </a:r>
+            <a:endParaRPr lang="en-US" dirty="0"/>
           </a:p>
         </p:txBody>
       </p:sp>
       <p:pic>
         <p:nvPicPr>
-          <p:cNvPr id="3" name="Content Placeholder 2" descr="create new"/>
+          <p:cNvPr id="5" name="Picture 4"/>
           <p:cNvPicPr>
             <a:picLocks noChangeAspect="1"/>
           </p:cNvPicPr>
-          <p:nvPr>
-            <p:ph idx="1"/>
-          </p:nvPr>
+          <p:nvPr/>
         </p:nvPicPr>
         <p:blipFill>
           <a:blip r:embed="rId1"/>
@@ -14989,7 +15361,7 @@
         <p:spPr>
           <a:xfrm>
             <a:off x="609600" y="1705610"/>
-            <a:ext cx="6348730" cy="4214495"/>
+            <a:ext cx="8262937" cy="3864363"/>
           </a:xfrm>
           <a:prstGeom prst="rect">
             <a:avLst/>
@@ -15156,7 +15528,7 @@
         <p:spPr>
           <a:xfrm>
             <a:off x="609600" y="1378585"/>
-            <a:ext cx="9816465" cy="3931920"/>
+            <a:ext cx="9816465" cy="4480560"/>
           </a:xfrm>
           <a:prstGeom prst="rect">
             <a:avLst/>
@@ -15167,6 +15539,7 @@
           <a:bodyPr wrap="square" rtlCol="0">
             <a:spAutoFit/>
           </a:bodyPr>
+          <a:lstStyle/>
           <a:p>
             <a:pPr marL="0" indent="0">
               <a:buNone/>
@@ -15189,14 +15562,14 @@
               <a:rPr lang="en-US" dirty="0" smtClean="0">
                 <a:sym typeface="+mn-ea"/>
               </a:rPr>
-              <a:t> 	Logged in successfully using </a:t>
+              <a:t> 	Logged in successfully using truyen.kieu.12</a:t>
             </a:r>
             <a:r>
               <a:rPr lang="en-US" dirty="0" smtClean="0">
                 <a:sym typeface="+mn-ea"/>
                 <a:hlinkClick r:id="rId1"/>
               </a:rPr>
-              <a:t>admin@yopmail.com</a:t>
+              <a:t>@yopmail.com</a:t>
             </a:r>
             <a:r>
               <a:rPr lang="en-US" dirty="0" smtClean="0">
@@ -15221,53 +15594,47 @@
             </a:endParaRPr>
           </a:p>
           <a:p>
-            <a:pPr marL="514350" indent="-514350">
+            <a:pPr marL="514350" indent="-514350" algn="l">
               <a:buAutoNum type="arabicPeriod"/>
             </a:pPr>
             <a:r>
               <a:rPr lang="en-US" dirty="0" smtClean="0">
                 <a:sym typeface="+mn-ea"/>
               </a:rPr>
-              <a:t>Click on Manage menu</a:t>
-            </a:r>
-            <a:endParaRPr lang="en-US" dirty="0" smtClean="0"/>
-          </a:p>
-          <a:p>
-            <a:pPr marL="514350" indent="-514350">
+              <a:t>Click User menu</a:t>
+            </a:r>
+            <a:endParaRPr lang="en-US" dirty="0" smtClean="0">
+              <a:sym typeface="+mn-ea"/>
+            </a:endParaRPr>
+          </a:p>
+          <a:p>
+            <a:pPr marL="514350" indent="-514350" algn="l">
               <a:buAutoNum type="arabicPeriod"/>
             </a:pPr>
             <a:r>
               <a:rPr lang="en-US" dirty="0" smtClean="0">
                 <a:sym typeface="+mn-ea"/>
               </a:rPr>
-              <a:t>Click on Manage Administrators menu</a:t>
-            </a:r>
-            <a:endParaRPr lang="en-US" dirty="0" smtClean="0"/>
-          </a:p>
-          <a:p>
-            <a:pPr marL="514350" indent="-514350">
-              <a:buAutoNum type="arabicPeriod"/>
-            </a:pPr>
-            <a:r>
-              <a:rPr lang="en-US" dirty="0" smtClean="0"/>
-              <a:t>Click on Add User button</a:t>
-            </a:r>
-            <a:endParaRPr lang="en-US" dirty="0" smtClean="0"/>
-          </a:p>
-          <a:p>
-            <a:pPr marL="514350" indent="-514350">
+              <a:t>Click User profile link</a:t>
+            </a:r>
+            <a:endParaRPr lang="en-US" dirty="0" smtClean="0">
+              <a:sym typeface="+mn-ea"/>
+            </a:endParaRPr>
+          </a:p>
+          <a:p>
+            <a:pPr marL="514350" indent="-514350" algn="l">
               <a:buAutoNum type="arabicPeriod"/>
             </a:pPr>
             <a:r>
               <a:rPr lang="en-US" dirty="0" smtClean="0">
                 <a:sym typeface="+mn-ea"/>
               </a:rPr>
-              <a:t>Input First Name, Last Name and Email.</a:t>
+              <a:t>Update First Name, Last Name.</a:t>
             </a:r>
             <a:endParaRPr lang="en-US" dirty="0" smtClean="0"/>
           </a:p>
           <a:p>
-            <a:pPr marL="514350" indent="-514350">
+            <a:pPr marL="514350" indent="-514350" algn="l">
               <a:buAutoNum type="arabicPeriod"/>
             </a:pPr>
             <a:r>
@@ -15281,13 +15648,13 @@
             </a:endParaRPr>
           </a:p>
           <a:p>
-            <a:pPr indent="0">
-              <a:buNone/>
-            </a:pPr>
-            <a:endParaRPr lang="en-US"/>
-          </a:p>
-          <a:p>
-            <a:pPr marL="0" indent="0">
+            <a:pPr indent="0" algn="l">
+              <a:buNone/>
+            </a:pPr>
+            <a:endParaRPr lang="en-US" dirty="0"/>
+          </a:p>
+          <a:p>
+            <a:pPr marL="0" indent="0" algn="l">
               <a:buNone/>
             </a:pPr>
             <a:r>
@@ -15301,30 +15668,66 @@
             </a:endParaRPr>
           </a:p>
           <a:p>
-            <a:pPr marL="0" indent="0">
+            <a:pPr marL="0" indent="0" algn="l">
               <a:buNone/>
             </a:pPr>
             <a:r>
               <a:rPr lang="en-US" dirty="0" smtClean="0">
                 <a:sym typeface="+mn-ea"/>
               </a:rPr>
-              <a:t>5.1   System navigates to Manage System Administrators screen.</a:t>
+              <a:t>5.1   System navigates to Manage </a:t>
             </a:r>
             <a:endParaRPr lang="en-US" dirty="0" smtClean="0">
               <a:sym typeface="+mn-ea"/>
             </a:endParaRPr>
           </a:p>
           <a:p>
-            <a:pPr marL="0" indent="0">
+            <a:pPr marL="0" indent="0" algn="l">
               <a:buNone/>
             </a:pPr>
             <a:r>
               <a:rPr lang="en-US" dirty="0" smtClean="0">
                 <a:sym typeface="+mn-ea"/>
               </a:rPr>
-              <a:t>5.2   User is displayed on screen.</a:t>
-            </a:r>
-            <a:endParaRPr lang="en-US" dirty="0"/>
+              <a:t>System Administrators page.</a:t>
+            </a:r>
+            <a:endParaRPr lang="en-US" dirty="0" smtClean="0">
+              <a:sym typeface="+mn-ea"/>
+            </a:endParaRPr>
+          </a:p>
+          <a:p>
+            <a:pPr marL="0" indent="0" algn="l">
+              <a:buNone/>
+            </a:pPr>
+            <a:r>
+              <a:rPr lang="en-US" dirty="0" smtClean="0">
+                <a:sym typeface="+mn-ea"/>
+              </a:rPr>
+              <a:t>5.2   Email is shown on screen.</a:t>
+            </a:r>
+            <a:endParaRPr lang="en-US" dirty="0" smtClean="0">
+              <a:sym typeface="+mn-ea"/>
+            </a:endParaRPr>
+          </a:p>
+          <a:p>
+            <a:pPr marL="0" indent="0" algn="l">
+              <a:buNone/>
+            </a:pPr>
+            <a:r>
+              <a:rPr lang="en-US" dirty="0" smtClean="0">
+                <a:sym typeface="+mn-ea"/>
+              </a:rPr>
+              <a:t>5.3   Full Name is updated correctly.</a:t>
+            </a:r>
+            <a:endParaRPr lang="en-US" dirty="0" smtClean="0">
+              <a:sym typeface="+mn-ea"/>
+            </a:endParaRPr>
+          </a:p>
+          <a:p>
+            <a:pPr indent="0">
+              <a:buNone/>
+            </a:pPr>
+            <a:endParaRPr lang="en-US"/>
           </a:p>
           <a:p>
             <a:pPr indent="0">
@@ -15378,6 +15781,7 @@
         <p:spPr/>
         <p:txBody>
           <a:bodyPr/>
+          <a:lstStyle/>
           <a:p>
             <a:endParaRPr lang="en-US"/>
           </a:p>
@@ -15525,6 +15929,7 @@
         </p:style>
         <p:txBody>
           <a:bodyPr vert="horz" wrap="none" lIns="91440" tIns="45720" rIns="91440" bIns="45720" numCol="1" anchor="ctr" anchorCtr="0" compatLnSpc="1"/>
+          <a:lstStyle/>
           <a:p>
             <a:pPr marL="0" marR="0" indent="0" algn="l" defTabSz="914400" rtl="0" eaLnBrk="1" fontAlgn="base" latinLnBrk="0" hangingPunct="1">
               <a:lnSpc>
@@ -15589,6 +15994,7 @@
           <a:bodyPr wrap="square" rtlCol="0">
             <a:spAutoFit/>
           </a:bodyPr>
+          <a:lstStyle/>
           <a:p>
             <a:r>
               <a:rPr lang="en-US" sz="2800"/>
@@ -15612,7 +16018,7 @@
         <p:nvPicPr>
           <p:cNvPr id="7" name="Content Placeholder 6" descr="download"/>
           <p:cNvPicPr>
-            <a:picLocks noChangeAspect="1"/>
+            <a:picLocks noGrp="1" noChangeAspect="1"/>
           </p:cNvPicPr>
           <p:nvPr>
             <p:ph idx="1"/>
@@ -15672,6 +16078,7 @@
         <p:spPr/>
         <p:txBody>
           <a:bodyPr/>
+          <a:lstStyle/>
           <a:p>
             <a:endParaRPr lang="en-US"/>
           </a:p>
@@ -15819,6 +16226,7 @@
         </p:style>
         <p:txBody>
           <a:bodyPr vert="horz" wrap="none" lIns="91440" tIns="45720" rIns="91440" bIns="45720" numCol="1" anchor="ctr" anchorCtr="0" compatLnSpc="1"/>
+          <a:lstStyle/>
           <a:p>
             <a:pPr marL="0" marR="0" indent="0" algn="l" defTabSz="914400" rtl="0" eaLnBrk="1" fontAlgn="base" latinLnBrk="0" hangingPunct="1">
               <a:lnSpc>
@@ -15883,6 +16291,7 @@
           <a:bodyPr wrap="square" rtlCol="0">
             <a:spAutoFit/>
           </a:bodyPr>
+          <a:lstStyle/>
           <a:p>
             <a:r>
               <a:rPr lang="en-US" sz="3200"/>
@@ -15944,6 +16353,7 @@
         <p:spPr/>
         <p:txBody>
           <a:bodyPr/>
+          <a:lstStyle/>
           <a:p>
             <a:endParaRPr lang="en-US"/>
           </a:p>
@@ -16091,6 +16501,7 @@
         </p:style>
         <p:txBody>
           <a:bodyPr vert="horz" wrap="none" lIns="91440" tIns="45720" rIns="91440" bIns="45720" numCol="1" anchor="ctr" anchorCtr="0" compatLnSpc="1"/>
+          <a:lstStyle/>
           <a:p>
             <a:pPr marL="0" marR="0" indent="0" algn="l" defTabSz="914400" rtl="0" eaLnBrk="1" fontAlgn="base" latinLnBrk="0" hangingPunct="1">
               <a:lnSpc>
@@ -16155,9 +16566,10 @@
           <a:bodyPr wrap="square" rtlCol="0">
             <a:spAutoFit/>
           </a:bodyPr>
-          <a:p>
-            <a:r>
-              <a:rPr lang="en-US" sz="2400">
+          <a:lstStyle/>
+          <a:p>
+            <a:r>
+              <a:rPr lang="en-US" sz="2400" dirty="0">
                 <a:solidFill>
                   <a:srgbClr val="92D050"/>
                 </a:solidFill>
@@ -16165,17 +16577,17 @@
               <a:t>Feature:</a:t>
             </a:r>
             <a:r>
-              <a:rPr lang="en-US" sz="2400"/>
+              <a:rPr lang="en-US" sz="2400" dirty="0"/>
               <a:t> Some terse yet descriptive text of what is desired starts the feature and gives it a title</a:t>
             </a:r>
-            <a:endParaRPr lang="en-US" sz="2400"/>
-          </a:p>
-          <a:p>
-            <a:endParaRPr lang="en-US" sz="2400"/>
-          </a:p>
-          <a:p>
-            <a:r>
-              <a:rPr lang="en-US" sz="2400">
+            <a:endParaRPr lang="en-US" sz="2400" dirty="0"/>
+          </a:p>
+          <a:p>
+            <a:endParaRPr lang="en-US" sz="2400" dirty="0"/>
+          </a:p>
+          <a:p>
+            <a:r>
+              <a:rPr lang="en-US" sz="2400" dirty="0">
                 <a:solidFill>
                   <a:srgbClr val="92D050"/>
                 </a:solidFill>
@@ -16183,17 +16595,17 @@
               <a:t>Scenario:</a:t>
             </a:r>
             <a:r>
-              <a:rPr lang="en-US" sz="2400"/>
+              <a:rPr lang="en-US" sz="2400" dirty="0"/>
               <a:t> Some determinable business situation starts the scenario, and contains a description of the scenario</a:t>
             </a:r>
-            <a:endParaRPr lang="en-US" sz="2400"/>
-          </a:p>
-          <a:p>
-            <a:endParaRPr lang="en-US" sz="2400"/>
-          </a:p>
-          <a:p>
-            <a:r>
-              <a:rPr lang="en-US" sz="2400">
+            <a:endParaRPr lang="en-US" sz="2400" dirty="0"/>
+          </a:p>
+          <a:p>
+            <a:endParaRPr lang="en-US" sz="2400" dirty="0"/>
+          </a:p>
+          <a:p>
+            <a:r>
+              <a:rPr lang="en-US" sz="2400" dirty="0">
                 <a:solidFill>
                   <a:srgbClr val="00B0F0"/>
                 </a:solidFill>
@@ -16201,20 +16613,16 @@
               <a:t>Given</a:t>
             </a:r>
             <a:r>
-              <a:rPr lang="en-US" sz="2400"/>
+              <a:rPr lang="en-US" sz="2400" dirty="0"/>
               <a:t> steps is to put the system in a known state before the user (or external system) starts interacting with the system</a:t>
             </a:r>
-            <a:endParaRPr lang="en-US" sz="2400"/>
-          </a:p>
-          <a:p>
-            <a:endParaRPr lang="en-US" sz="2400"/>
-          </a:p>
-          <a:p>
-            <a:r>
-              <a:rPr lang="en-US" sz="2400"/>
-              <a:t>When</a:t>
-            </a:r>
-            <a:endParaRPr lang="en-US" sz="2400"/>
+            <a:endParaRPr lang="en-US" sz="2400" dirty="0"/>
+          </a:p>
+          <a:p>
+            <a:endParaRPr lang="en-US" sz="2400" dirty="0"/>
+          </a:p>
+          <a:p>
+            <a:endParaRPr lang="en-US" sz="2400" dirty="0"/>
           </a:p>
         </p:txBody>
       </p:sp>
@@ -16256,6 +16664,7 @@
         <p:spPr/>
         <p:txBody>
           <a:bodyPr/>
+          <a:lstStyle/>
           <a:p>
             <a:endParaRPr lang="en-US"/>
           </a:p>
@@ -16403,6 +16812,7 @@
         </p:style>
         <p:txBody>
           <a:bodyPr vert="horz" wrap="none" lIns="91440" tIns="45720" rIns="91440" bIns="45720" numCol="1" anchor="ctr" anchorCtr="0" compatLnSpc="1"/>
+          <a:lstStyle/>
           <a:p>
             <a:pPr marL="0" marR="0" indent="0" algn="l" defTabSz="914400" rtl="0" eaLnBrk="1" fontAlgn="base" latinLnBrk="0" hangingPunct="1">
               <a:lnSpc>
@@ -16467,6 +16877,7 @@
           <a:bodyPr wrap="square" rtlCol="0">
             <a:spAutoFit/>
           </a:bodyPr>
+          <a:lstStyle/>
           <a:p>
             <a:r>
               <a:rPr lang="en-US" sz="2400">
@@ -16590,6 +17001,7 @@
         <p:spPr/>
         <p:txBody>
           <a:bodyPr/>
+          <a:lstStyle/>
           <a:p>
             <a:endParaRPr lang="en-US"/>
           </a:p>
@@ -16737,6 +17149,7 @@
         </p:style>
         <p:txBody>
           <a:bodyPr vert="horz" wrap="none" lIns="91440" tIns="45720" rIns="91440" bIns="45720" numCol="1" anchor="ctr" anchorCtr="0" compatLnSpc="1"/>
+          <a:lstStyle/>
           <a:p>
             <a:pPr marL="0" marR="0" indent="0" algn="l" defTabSz="914400" rtl="0" eaLnBrk="1" fontAlgn="base" latinLnBrk="0" hangingPunct="1">
               <a:lnSpc>
@@ -16801,6 +17214,7 @@
           <a:bodyPr wrap="square" rtlCol="0">
             <a:spAutoFit/>
           </a:bodyPr>
+          <a:lstStyle/>
           <a:p>
             <a:r>
               <a:rPr lang="en-US" sz="2400">

--- a/Sharing.pptx
+++ b/Sharing.pptx
@@ -5,18 +5,22 @@
     <p:sldMasterId id="2147483648" r:id="rId1"/>
   </p:sldMasterIdLst>
   <p:notesMasterIdLst>
-    <p:notesMasterId r:id="rId12"/>
+    <p:notesMasterId r:id="rId16"/>
   </p:notesMasterIdLst>
   <p:sldIdLst>
     <p:sldId id="256" r:id="rId3"/>
     <p:sldId id="257" r:id="rId4"/>
-    <p:sldId id="264" r:id="rId5"/>
+    <p:sldId id="328" r:id="rId5"/>
     <p:sldId id="322" r:id="rId6"/>
-    <p:sldId id="323" r:id="rId7"/>
-    <p:sldId id="324" r:id="rId8"/>
-    <p:sldId id="325" r:id="rId9"/>
-    <p:sldId id="326" r:id="rId10"/>
-    <p:sldId id="277" r:id="rId11"/>
+    <p:sldId id="335" r:id="rId7"/>
+    <p:sldId id="323" r:id="rId8"/>
+    <p:sldId id="336" r:id="rId9"/>
+    <p:sldId id="324" r:id="rId10"/>
+    <p:sldId id="325" r:id="rId11"/>
+    <p:sldId id="326" r:id="rId12"/>
+    <p:sldId id="343" r:id="rId13"/>
+    <p:sldId id="342" r:id="rId14"/>
+    <p:sldId id="277" r:id="rId15"/>
   </p:sldIdLst>
   <p:sldSz cx="12192000" cy="6858000"/>
   <p:notesSz cx="7103745" cy="10234295"/>
@@ -4833,6 +4837,898 @@
 </p:sld>
 </file>
 
+<file path=ppt/slides/slide10.xml><?xml version="1.0" encoding="utf-8"?>
+<p:sld xmlns:a="http://schemas.openxmlformats.org/drawingml/2006/main" xmlns:r="http://schemas.openxmlformats.org/officeDocument/2006/relationships" xmlns:p="http://schemas.openxmlformats.org/presentationml/2006/main">
+  <p:cSld>
+    <p:spTree>
+      <p:nvGrpSpPr>
+        <p:cNvPr id="1" name=""/>
+        <p:cNvGrpSpPr/>
+        <p:nvPr/>
+      </p:nvGrpSpPr>
+      <p:grpSpPr>
+        <a:xfrm>
+          <a:off x="0" y="0"/>
+          <a:ext cx="0" cy="0"/>
+          <a:chOff x="0" y="0"/>
+          <a:chExt cx="0" cy="0"/>
+        </a:xfrm>
+      </p:grpSpPr>
+      <p:sp>
+        <p:nvSpPr>
+          <p:cNvPr id="2" name="Title 1"/>
+          <p:cNvSpPr>
+            <a:spLocks noGrp="1"/>
+          </p:cNvSpPr>
+          <p:nvPr>
+            <p:ph type="title"/>
+          </p:nvPr>
+        </p:nvSpPr>
+        <p:spPr/>
+        <p:txBody>
+          <a:bodyPr/>
+          <a:lstStyle/>
+          <a:p>
+            <a:endParaRPr lang="en-US">
+              <a:solidFill>
+                <a:schemeClr val="accent1"/>
+              </a:solidFill>
+              <a:effectLst>
+                <a:outerShdw blurRad="38100" dist="25400" dir="5400000" algn="ctr" rotWithShape="0">
+                  <a:srgbClr val="6E747A">
+                    <a:alpha val="43000"/>
+                  </a:srgbClr>
+                </a:outerShdw>
+              </a:effectLst>
+            </a:endParaRPr>
+          </a:p>
+        </p:txBody>
+      </p:sp>
+      <p:sp>
+        <p:nvSpPr>
+          <p:cNvPr id="10" name="Flowchart: Process 9"/>
+          <p:cNvSpPr/>
+          <p:nvPr/>
+        </p:nvSpPr>
+        <p:spPr>
+          <a:xfrm>
+            <a:off x="609600" y="190500"/>
+            <a:ext cx="10972800" cy="784860"/>
+          </a:xfrm>
+          <a:prstGeom prst="flowChartProcess">
+            <a:avLst/>
+          </a:prstGeom>
+          <a:gradFill rotWithShape="0">
+            <a:gsLst>
+              <a:gs pos="0">
+                <a:srgbClr val="012D86"/>
+              </a:gs>
+              <a:gs pos="100000">
+                <a:srgbClr val="0E2557"/>
+              </a:gs>
+            </a:gsLst>
+            <a:lin ang="5400000" scaled="0"/>
+          </a:gradFill>
+          <a:ln w="9525" cap="flat" cmpd="sng" algn="ctr">
+            <a:solidFill>
+              <a:schemeClr val="accent1"/>
+            </a:solidFill>
+            <a:prstDash val="solid"/>
+            <a:round/>
+            <a:headEnd type="none" w="med" len="med"/>
+            <a:tailEnd type="none" w="med" len="med"/>
+          </a:ln>
+          <a:effectLst>
+            <a:outerShdw blurRad="50800" dist="50800" dir="5400000" algn="ctr" rotWithShape="0">
+              <a:srgbClr val="002060">
+                <a:alpha val="38000"/>
+              </a:srgbClr>
+            </a:outerShdw>
+          </a:effectLst>
+        </p:spPr>
+        <p:txBody>
+          <a:bodyPr vert="horz" wrap="none" lIns="91440" tIns="45720" rIns="91440" bIns="45720" numCol="1" anchor="ctr" anchorCtr="0" compatLnSpc="1"/>
+          <a:lstStyle/>
+          <a:p>
+            <a:pPr marL="0" marR="0" indent="0" algn="l" defTabSz="914400" rtl="0" eaLnBrk="1" fontAlgn="base" latinLnBrk="0" hangingPunct="1">
+              <a:lnSpc>
+                <a:spcPct val="100000"/>
+              </a:lnSpc>
+              <a:spcBef>
+                <a:spcPct val="0"/>
+              </a:spcBef>
+              <a:spcAft>
+                <a:spcPct val="0"/>
+              </a:spcAft>
+              <a:buClrTx/>
+              <a:buSzTx/>
+              <a:buFontTx/>
+              <a:buNone/>
+            </a:pPr>
+            <a:r>
+              <a:rPr lang="en-US" altLang="zh-CN" sz="3600" smtClean="0">
+                <a:ln w="10160">
+                  <a:solidFill>
+                    <a:schemeClr val="accent5"/>
+                  </a:solidFill>
+                  <a:prstDash val="solid"/>
+                </a:ln>
+                <a:solidFill>
+                  <a:srgbClr val="FFFFFF"/>
+                </a:solidFill>
+                <a:effectLst>
+                  <a:outerShdw blurRad="38100" dist="22860" dir="5400000" algn="tl" rotWithShape="0">
+                    <a:srgbClr val="000000">
+                      <a:alpha val="30000"/>
+                    </a:srgbClr>
+                  </a:outerShdw>
+                </a:effectLst>
+                <a:latin typeface="Arial" panose="020B0604020202020204" pitchFamily="34" charset="0"/>
+                <a:ea typeface="SimSun" panose="02010600030101010101" pitchFamily="2" charset="-122"/>
+                <a:sym typeface="+mn-ea"/>
+              </a:rPr>
+              <a:t>III. Issues</a:t>
+            </a:r>
+            <a:endParaRPr kumimoji="0" lang="en-US" altLang="zh-CN" sz="3600" b="0" i="0" u="none" strike="noStrike" cap="none" normalizeH="0" baseline="0" smtClean="0">
+              <a:ln w="10160">
+                <a:solidFill>
+                  <a:schemeClr val="accent5"/>
+                </a:solidFill>
+                <a:prstDash val="solid"/>
+              </a:ln>
+              <a:solidFill>
+                <a:srgbClr val="FFFFFF"/>
+              </a:solidFill>
+              <a:effectLst>
+                <a:outerShdw blurRad="38100" dist="22860" dir="5400000" algn="tl" rotWithShape="0">
+                  <a:srgbClr val="000000">
+                    <a:alpha val="30000"/>
+                  </a:srgbClr>
+                </a:outerShdw>
+              </a:effectLst>
+              <a:latin typeface="Arial" panose="020B0604020202020204" pitchFamily="34" charset="0"/>
+              <a:ea typeface="SimSun" panose="02010600030101010101" pitchFamily="2" charset="-122"/>
+              <a:sym typeface="+mn-ea"/>
+            </a:endParaRPr>
+          </a:p>
+        </p:txBody>
+      </p:sp>
+      <p:sp>
+        <p:nvSpPr>
+          <p:cNvPr id="4" name="Content Placeholder 3"/>
+          <p:cNvSpPr/>
+          <p:nvPr>
+            <p:ph idx="1"/>
+          </p:nvPr>
+        </p:nvSpPr>
+        <p:spPr>
+          <a:xfrm>
+            <a:off x="609600" y="1391920"/>
+            <a:ext cx="10972800" cy="4873625"/>
+          </a:xfrm>
+        </p:spPr>
+        <p:txBody>
+          <a:bodyPr/>
+          <a:p>
+            <a:pPr marL="0" indent="0" algn="ctr">
+              <a:lnSpc>
+                <a:spcPct val="360000"/>
+              </a:lnSpc>
+              <a:buNone/>
+            </a:pPr>
+            <a:endParaRPr lang="en-US" sz="4400">
+              <a:solidFill>
+                <a:schemeClr val="accent1"/>
+              </a:solidFill>
+              <a:effectLst>
+                <a:outerShdw blurRad="38100" dist="25400" dir="5400000" algn="ctr" rotWithShape="0">
+                  <a:srgbClr val="6E747A">
+                    <a:alpha val="43000"/>
+                  </a:srgbClr>
+                </a:outerShdw>
+              </a:effectLst>
+            </a:endParaRPr>
+          </a:p>
+        </p:txBody>
+      </p:sp>
+      <p:sp>
+        <p:nvSpPr>
+          <p:cNvPr id="5" name="Rounded Rectangle 4"/>
+          <p:cNvSpPr/>
+          <p:nvPr/>
+        </p:nvSpPr>
+        <p:spPr>
+          <a:xfrm>
+            <a:off x="609600" y="1029335"/>
+            <a:ext cx="4919980" cy="362585"/>
+          </a:xfrm>
+          <a:prstGeom prst="roundRect">
+            <a:avLst/>
+          </a:prstGeom>
+          <a:gradFill rotWithShape="0">
+            <a:gsLst>
+              <a:gs pos="0">
+                <a:schemeClr val="accent1"/>
+              </a:gs>
+              <a:gs pos="100000">
+                <a:schemeClr val="accent2"/>
+              </a:gs>
+            </a:gsLst>
+            <a:lin ang="5400000" scaled="1"/>
+          </a:gradFill>
+          <a:ln w="9525" cap="flat" cmpd="sng" algn="ctr">
+            <a:solidFill>
+              <a:schemeClr val="accent1"/>
+            </a:solidFill>
+            <a:prstDash val="solid"/>
+            <a:round/>
+            <a:headEnd type="none" w="med" len="med"/>
+            <a:tailEnd type="none" w="med" len="med"/>
+          </a:ln>
+        </p:spPr>
+        <p:txBody>
+          <a:bodyPr vert="horz" wrap="none" lIns="91440" tIns="45720" rIns="91440" bIns="45720" numCol="1" anchor="ctr" anchorCtr="0" compatLnSpc="1"/>
+          <a:p>
+            <a:pPr marL="0" marR="0" indent="0" algn="l" defTabSz="914400" rtl="0" eaLnBrk="1" fontAlgn="base" latinLnBrk="0" hangingPunct="1">
+              <a:lnSpc>
+                <a:spcPct val="100000"/>
+              </a:lnSpc>
+              <a:spcBef>
+                <a:spcPct val="0"/>
+              </a:spcBef>
+              <a:spcAft>
+                <a:spcPct val="0"/>
+              </a:spcAft>
+              <a:buClrTx/>
+              <a:buSzTx/>
+              <a:buFontTx/>
+              <a:buNone/>
+            </a:pPr>
+            <a:r>
+              <a:rPr kumimoji="0" lang="en-US" altLang="zh-CN" sz="1800" b="1" i="0" u="none" strike="noStrike" cap="none" normalizeH="0" baseline="0" smtClean="0">
+                <a:ln>
+                  <a:noFill/>
+                </a:ln>
+                <a:solidFill>
+                  <a:schemeClr val="bg1"/>
+                </a:solidFill>
+                <a:effectLst/>
+                <a:latin typeface="Arial" panose="020B0604020202020204" pitchFamily="34" charset="0"/>
+                <a:ea typeface="SimSun" panose="02010600030101010101" pitchFamily="2" charset="-122"/>
+              </a:rPr>
+              <a:t>I. Some time click button isn't success </a:t>
+            </a:r>
+            <a:endParaRPr kumimoji="0" lang="en-US" altLang="zh-CN" sz="1800" b="1" i="0" u="none" strike="noStrike" cap="none" normalizeH="0" baseline="0" smtClean="0">
+              <a:ln>
+                <a:noFill/>
+              </a:ln>
+              <a:solidFill>
+                <a:schemeClr val="bg1"/>
+              </a:solidFill>
+              <a:effectLst/>
+              <a:latin typeface="Arial" panose="020B0604020202020204" pitchFamily="34" charset="0"/>
+              <a:ea typeface="SimSun" panose="02010600030101010101" pitchFamily="2" charset="-122"/>
+            </a:endParaRPr>
+          </a:p>
+        </p:txBody>
+      </p:sp>
+    </p:spTree>
+  </p:cSld>
+  <p:clrMapOvr>
+    <a:masterClrMapping/>
+  </p:clrMapOvr>
+  <p:timing>
+    <p:tnLst>
+      <p:par>
+        <p:cTn id="1" dur="indefinite" restart="never" nodeType="tmRoot"/>
+      </p:par>
+    </p:tnLst>
+  </p:timing>
+</p:sld>
+</file>
+
+<file path=ppt/slides/slide11.xml><?xml version="1.0" encoding="utf-8"?>
+<p:sld xmlns:a="http://schemas.openxmlformats.org/drawingml/2006/main" xmlns:r="http://schemas.openxmlformats.org/officeDocument/2006/relationships" xmlns:p="http://schemas.openxmlformats.org/presentationml/2006/main">
+  <p:cSld>
+    <p:spTree>
+      <p:nvGrpSpPr>
+        <p:cNvPr id="1" name=""/>
+        <p:cNvGrpSpPr/>
+        <p:nvPr/>
+      </p:nvGrpSpPr>
+      <p:grpSpPr>
+        <a:xfrm>
+          <a:off x="0" y="0"/>
+          <a:ext cx="0" cy="0"/>
+          <a:chOff x="0" y="0"/>
+          <a:chExt cx="0" cy="0"/>
+        </a:xfrm>
+      </p:grpSpPr>
+      <p:sp>
+        <p:nvSpPr>
+          <p:cNvPr id="2" name="Title 1"/>
+          <p:cNvSpPr>
+            <a:spLocks noGrp="1"/>
+          </p:cNvSpPr>
+          <p:nvPr>
+            <p:ph type="title"/>
+          </p:nvPr>
+        </p:nvSpPr>
+        <p:spPr/>
+        <p:txBody>
+          <a:bodyPr/>
+          <a:lstStyle/>
+          <a:p>
+            <a:endParaRPr lang="en-US">
+              <a:solidFill>
+                <a:schemeClr val="accent1"/>
+              </a:solidFill>
+              <a:effectLst>
+                <a:outerShdw blurRad="38100" dist="25400" dir="5400000" algn="ctr" rotWithShape="0">
+                  <a:srgbClr val="6E747A">
+                    <a:alpha val="43000"/>
+                  </a:srgbClr>
+                </a:outerShdw>
+              </a:effectLst>
+            </a:endParaRPr>
+          </a:p>
+        </p:txBody>
+      </p:sp>
+      <p:sp>
+        <p:nvSpPr>
+          <p:cNvPr id="10" name="Flowchart: Process 9"/>
+          <p:cNvSpPr/>
+          <p:nvPr/>
+        </p:nvSpPr>
+        <p:spPr>
+          <a:xfrm>
+            <a:off x="609600" y="190500"/>
+            <a:ext cx="10972800" cy="784860"/>
+          </a:xfrm>
+          <a:prstGeom prst="flowChartProcess">
+            <a:avLst/>
+          </a:prstGeom>
+          <a:gradFill rotWithShape="0">
+            <a:gsLst>
+              <a:gs pos="0">
+                <a:srgbClr val="012D86"/>
+              </a:gs>
+              <a:gs pos="100000">
+                <a:srgbClr val="0E2557"/>
+              </a:gs>
+            </a:gsLst>
+            <a:lin ang="5400000" scaled="0"/>
+          </a:gradFill>
+          <a:ln w="9525" cap="flat" cmpd="sng" algn="ctr">
+            <a:solidFill>
+              <a:schemeClr val="accent1"/>
+            </a:solidFill>
+            <a:prstDash val="solid"/>
+            <a:round/>
+            <a:headEnd type="none" w="med" len="med"/>
+            <a:tailEnd type="none" w="med" len="med"/>
+          </a:ln>
+          <a:effectLst>
+            <a:outerShdw blurRad="50800" dist="50800" dir="5400000" algn="ctr" rotWithShape="0">
+              <a:srgbClr val="002060">
+                <a:alpha val="38000"/>
+              </a:srgbClr>
+            </a:outerShdw>
+          </a:effectLst>
+        </p:spPr>
+        <p:txBody>
+          <a:bodyPr vert="horz" wrap="none" lIns="91440" tIns="45720" rIns="91440" bIns="45720" numCol="1" anchor="ctr" anchorCtr="0" compatLnSpc="1"/>
+          <a:lstStyle/>
+          <a:p>
+            <a:pPr marL="0" marR="0" indent="0" algn="l" defTabSz="914400" rtl="0" eaLnBrk="1" fontAlgn="base" latinLnBrk="0" hangingPunct="1">
+              <a:lnSpc>
+                <a:spcPct val="100000"/>
+              </a:lnSpc>
+              <a:spcBef>
+                <a:spcPct val="0"/>
+              </a:spcBef>
+              <a:spcAft>
+                <a:spcPct val="0"/>
+              </a:spcAft>
+              <a:buClrTx/>
+              <a:buSzTx/>
+              <a:buFontTx/>
+              <a:buNone/>
+            </a:pPr>
+            <a:r>
+              <a:rPr lang="en-US" altLang="zh-CN" sz="3600" smtClean="0">
+                <a:ln w="10160">
+                  <a:solidFill>
+                    <a:schemeClr val="accent5"/>
+                  </a:solidFill>
+                  <a:prstDash val="solid"/>
+                </a:ln>
+                <a:solidFill>
+                  <a:srgbClr val="FFFFFF"/>
+                </a:solidFill>
+                <a:effectLst>
+                  <a:outerShdw blurRad="38100" dist="22860" dir="5400000" algn="tl" rotWithShape="0">
+                    <a:srgbClr val="000000">
+                      <a:alpha val="30000"/>
+                    </a:srgbClr>
+                  </a:outerShdw>
+                </a:effectLst>
+                <a:latin typeface="Arial" panose="020B0604020202020204" pitchFamily="34" charset="0"/>
+                <a:ea typeface="SimSun" panose="02010600030101010101" pitchFamily="2" charset="-122"/>
+                <a:sym typeface="+mn-ea"/>
+              </a:rPr>
+              <a:t>III. Issues</a:t>
+            </a:r>
+            <a:endParaRPr kumimoji="0" lang="en-US" altLang="zh-CN" sz="3600" b="0" i="0" u="none" strike="noStrike" cap="none" normalizeH="0" baseline="0" smtClean="0">
+              <a:ln w="10160">
+                <a:solidFill>
+                  <a:schemeClr val="accent5"/>
+                </a:solidFill>
+                <a:prstDash val="solid"/>
+              </a:ln>
+              <a:solidFill>
+                <a:srgbClr val="FFFFFF"/>
+              </a:solidFill>
+              <a:effectLst>
+                <a:outerShdw blurRad="38100" dist="22860" dir="5400000" algn="tl" rotWithShape="0">
+                  <a:srgbClr val="000000">
+                    <a:alpha val="30000"/>
+                  </a:srgbClr>
+                </a:outerShdw>
+              </a:effectLst>
+              <a:latin typeface="Arial" panose="020B0604020202020204" pitchFamily="34" charset="0"/>
+              <a:ea typeface="SimSun" panose="02010600030101010101" pitchFamily="2" charset="-122"/>
+              <a:sym typeface="+mn-ea"/>
+            </a:endParaRPr>
+          </a:p>
+        </p:txBody>
+      </p:sp>
+      <p:sp>
+        <p:nvSpPr>
+          <p:cNvPr id="4" name="Content Placeholder 3"/>
+          <p:cNvSpPr/>
+          <p:nvPr>
+            <p:ph idx="1"/>
+          </p:nvPr>
+        </p:nvSpPr>
+        <p:spPr>
+          <a:xfrm>
+            <a:off x="609600" y="1391920"/>
+            <a:ext cx="10972800" cy="4873625"/>
+          </a:xfrm>
+        </p:spPr>
+        <p:txBody>
+          <a:bodyPr/>
+          <a:p>
+            <a:pPr marL="0" indent="0" algn="ctr">
+              <a:lnSpc>
+                <a:spcPct val="360000"/>
+              </a:lnSpc>
+              <a:buNone/>
+            </a:pPr>
+            <a:endParaRPr lang="en-US" sz="4400">
+              <a:solidFill>
+                <a:schemeClr val="accent1"/>
+              </a:solidFill>
+              <a:effectLst>
+                <a:outerShdw blurRad="38100" dist="25400" dir="5400000" algn="ctr" rotWithShape="0">
+                  <a:srgbClr val="6E747A">
+                    <a:alpha val="43000"/>
+                  </a:srgbClr>
+                </a:outerShdw>
+              </a:effectLst>
+            </a:endParaRPr>
+          </a:p>
+        </p:txBody>
+      </p:sp>
+      <p:sp>
+        <p:nvSpPr>
+          <p:cNvPr id="5" name="Rounded Rectangle 4"/>
+          <p:cNvSpPr/>
+          <p:nvPr/>
+        </p:nvSpPr>
+        <p:spPr>
+          <a:xfrm>
+            <a:off x="609600" y="1029335"/>
+            <a:ext cx="4919980" cy="362585"/>
+          </a:xfrm>
+          <a:prstGeom prst="roundRect">
+            <a:avLst/>
+          </a:prstGeom>
+          <a:gradFill rotWithShape="0">
+            <a:gsLst>
+              <a:gs pos="0">
+                <a:schemeClr val="accent1"/>
+              </a:gs>
+              <a:gs pos="100000">
+                <a:schemeClr val="accent2"/>
+              </a:gs>
+            </a:gsLst>
+            <a:lin ang="5400000" scaled="1"/>
+          </a:gradFill>
+          <a:ln w="9525" cap="flat" cmpd="sng" algn="ctr">
+            <a:solidFill>
+              <a:schemeClr val="accent1"/>
+            </a:solidFill>
+            <a:prstDash val="solid"/>
+            <a:round/>
+            <a:headEnd type="none" w="med" len="med"/>
+            <a:tailEnd type="none" w="med" len="med"/>
+          </a:ln>
+        </p:spPr>
+        <p:txBody>
+          <a:bodyPr vert="horz" wrap="none" lIns="91440" tIns="45720" rIns="91440" bIns="45720" numCol="1" anchor="ctr" anchorCtr="0" compatLnSpc="1"/>
+          <a:p>
+            <a:pPr marL="0" marR="0" indent="0" algn="l" defTabSz="914400" rtl="0" eaLnBrk="1" fontAlgn="base" latinLnBrk="0" hangingPunct="1">
+              <a:lnSpc>
+                <a:spcPct val="100000"/>
+              </a:lnSpc>
+              <a:spcBef>
+                <a:spcPct val="0"/>
+              </a:spcBef>
+              <a:spcAft>
+                <a:spcPct val="0"/>
+              </a:spcAft>
+              <a:buClrTx/>
+              <a:buSzTx/>
+              <a:buFontTx/>
+              <a:buNone/>
+            </a:pPr>
+            <a:r>
+              <a:rPr kumimoji="0" lang="en-US" altLang="zh-CN" sz="1800" b="1" i="0" u="none" strike="noStrike" cap="none" normalizeH="0" baseline="0" smtClean="0">
+                <a:ln>
+                  <a:noFill/>
+                </a:ln>
+                <a:solidFill>
+                  <a:schemeClr val="bg1"/>
+                </a:solidFill>
+                <a:effectLst/>
+                <a:latin typeface="Arial" panose="020B0604020202020204" pitchFamily="34" charset="0"/>
+                <a:ea typeface="SimSun" panose="02010600030101010101" pitchFamily="2" charset="-122"/>
+              </a:rPr>
+              <a:t>II. Get locator very hard </a:t>
+            </a:r>
+            <a:endParaRPr kumimoji="0" lang="en-US" altLang="zh-CN" sz="1800" b="1" i="0" u="none" strike="noStrike" cap="none" normalizeH="0" baseline="0" smtClean="0">
+              <a:ln>
+                <a:noFill/>
+              </a:ln>
+              <a:solidFill>
+                <a:schemeClr val="bg1"/>
+              </a:solidFill>
+              <a:effectLst/>
+              <a:latin typeface="Arial" panose="020B0604020202020204" pitchFamily="34" charset="0"/>
+              <a:ea typeface="SimSun" panose="02010600030101010101" pitchFamily="2" charset="-122"/>
+            </a:endParaRPr>
+          </a:p>
+        </p:txBody>
+      </p:sp>
+    </p:spTree>
+  </p:cSld>
+  <p:clrMapOvr>
+    <a:masterClrMapping/>
+  </p:clrMapOvr>
+  <p:timing>
+    <p:tnLst>
+      <p:par>
+        <p:cTn id="1" dur="indefinite" restart="never" nodeType="tmRoot"/>
+      </p:par>
+    </p:tnLst>
+  </p:timing>
+</p:sld>
+</file>
+
+<file path=ppt/slides/slide12.xml><?xml version="1.0" encoding="utf-8"?>
+<p:sld xmlns:a="http://schemas.openxmlformats.org/drawingml/2006/main" xmlns:r="http://schemas.openxmlformats.org/officeDocument/2006/relationships" xmlns:p="http://schemas.openxmlformats.org/presentationml/2006/main">
+  <p:cSld>
+    <p:spTree>
+      <p:nvGrpSpPr>
+        <p:cNvPr id="1" name=""/>
+        <p:cNvGrpSpPr/>
+        <p:nvPr/>
+      </p:nvGrpSpPr>
+      <p:grpSpPr>
+        <a:xfrm>
+          <a:off x="0" y="0"/>
+          <a:ext cx="0" cy="0"/>
+          <a:chOff x="0" y="0"/>
+          <a:chExt cx="0" cy="0"/>
+        </a:xfrm>
+      </p:grpSpPr>
+      <p:sp>
+        <p:nvSpPr>
+          <p:cNvPr id="2" name="Title 1"/>
+          <p:cNvSpPr>
+            <a:spLocks noGrp="1"/>
+          </p:cNvSpPr>
+          <p:nvPr>
+            <p:ph type="title"/>
+          </p:nvPr>
+        </p:nvSpPr>
+        <p:spPr/>
+        <p:txBody>
+          <a:bodyPr/>
+          <a:lstStyle/>
+          <a:p>
+            <a:endParaRPr lang="en-US">
+              <a:solidFill>
+                <a:schemeClr val="accent1"/>
+              </a:solidFill>
+              <a:effectLst>
+                <a:outerShdw blurRad="38100" dist="25400" dir="5400000" algn="ctr" rotWithShape="0">
+                  <a:srgbClr val="6E747A">
+                    <a:alpha val="43000"/>
+                  </a:srgbClr>
+                </a:outerShdw>
+              </a:effectLst>
+            </a:endParaRPr>
+          </a:p>
+        </p:txBody>
+      </p:sp>
+      <p:sp>
+        <p:nvSpPr>
+          <p:cNvPr id="10" name="Flowchart: Process 9"/>
+          <p:cNvSpPr/>
+          <p:nvPr/>
+        </p:nvSpPr>
+        <p:spPr>
+          <a:xfrm>
+            <a:off x="609600" y="190500"/>
+            <a:ext cx="10972800" cy="784860"/>
+          </a:xfrm>
+          <a:prstGeom prst="flowChartProcess">
+            <a:avLst/>
+          </a:prstGeom>
+          <a:gradFill rotWithShape="0">
+            <a:gsLst>
+              <a:gs pos="0">
+                <a:srgbClr val="012D86"/>
+              </a:gs>
+              <a:gs pos="100000">
+                <a:srgbClr val="0E2557"/>
+              </a:gs>
+            </a:gsLst>
+            <a:lin ang="5400000" scaled="0"/>
+          </a:gradFill>
+          <a:ln w="9525" cap="flat" cmpd="sng" algn="ctr">
+            <a:solidFill>
+              <a:schemeClr val="accent1"/>
+            </a:solidFill>
+            <a:prstDash val="solid"/>
+            <a:round/>
+            <a:headEnd type="none" w="med" len="med"/>
+            <a:tailEnd type="none" w="med" len="med"/>
+          </a:ln>
+          <a:effectLst>
+            <a:outerShdw blurRad="50800" dist="50800" dir="5400000" algn="ctr" rotWithShape="0">
+              <a:srgbClr val="002060">
+                <a:alpha val="38000"/>
+              </a:srgbClr>
+            </a:outerShdw>
+          </a:effectLst>
+        </p:spPr>
+        <p:txBody>
+          <a:bodyPr vert="horz" wrap="none" lIns="91440" tIns="45720" rIns="91440" bIns="45720" numCol="1" anchor="ctr" anchorCtr="0" compatLnSpc="1"/>
+          <a:lstStyle/>
+          <a:p>
+            <a:pPr marL="0" marR="0" indent="0" algn="l" defTabSz="914400" rtl="0" eaLnBrk="1" fontAlgn="base" latinLnBrk="0" hangingPunct="1">
+              <a:lnSpc>
+                <a:spcPct val="100000"/>
+              </a:lnSpc>
+              <a:spcBef>
+                <a:spcPct val="0"/>
+              </a:spcBef>
+              <a:spcAft>
+                <a:spcPct val="0"/>
+              </a:spcAft>
+              <a:buClrTx/>
+              <a:buSzTx/>
+              <a:buFontTx/>
+              <a:buNone/>
+            </a:pPr>
+            <a:r>
+              <a:rPr lang="en-US" altLang="zh-CN" sz="3600" smtClean="0">
+                <a:ln w="10160">
+                  <a:solidFill>
+                    <a:schemeClr val="accent5"/>
+                  </a:solidFill>
+                  <a:prstDash val="solid"/>
+                </a:ln>
+                <a:solidFill>
+                  <a:srgbClr val="FFFFFF"/>
+                </a:solidFill>
+                <a:effectLst>
+                  <a:outerShdw blurRad="38100" dist="22860" dir="5400000" algn="tl" rotWithShape="0">
+                    <a:srgbClr val="000000">
+                      <a:alpha val="30000"/>
+                    </a:srgbClr>
+                  </a:outerShdw>
+                </a:effectLst>
+                <a:latin typeface="Arial" panose="020B0604020202020204" pitchFamily="34" charset="0"/>
+                <a:ea typeface="SimSun" panose="02010600030101010101" pitchFamily="2" charset="-122"/>
+                <a:sym typeface="+mn-ea"/>
+              </a:rPr>
+              <a:t>IV. Demo.</a:t>
+            </a:r>
+            <a:endParaRPr kumimoji="0" lang="en-US" altLang="zh-CN" sz="3600" b="0" i="0" u="none" strike="noStrike" cap="none" normalizeH="0" baseline="0" smtClean="0">
+              <a:ln w="10160">
+                <a:solidFill>
+                  <a:schemeClr val="accent5"/>
+                </a:solidFill>
+                <a:prstDash val="solid"/>
+              </a:ln>
+              <a:solidFill>
+                <a:srgbClr val="FFFFFF"/>
+              </a:solidFill>
+              <a:effectLst>
+                <a:outerShdw blurRad="38100" dist="22860" dir="5400000" algn="tl" rotWithShape="0">
+                  <a:srgbClr val="000000">
+                    <a:alpha val="30000"/>
+                  </a:srgbClr>
+                </a:outerShdw>
+              </a:effectLst>
+              <a:latin typeface="Arial" panose="020B0604020202020204" pitchFamily="34" charset="0"/>
+              <a:ea typeface="SimSun" panose="02010600030101010101" pitchFamily="2" charset="-122"/>
+              <a:sym typeface="+mn-ea"/>
+            </a:endParaRPr>
+          </a:p>
+        </p:txBody>
+      </p:sp>
+      <p:sp>
+        <p:nvSpPr>
+          <p:cNvPr id="4" name="Content Placeholder 3"/>
+          <p:cNvSpPr/>
+          <p:nvPr>
+            <p:ph idx="1"/>
+          </p:nvPr>
+        </p:nvSpPr>
+        <p:spPr>
+          <a:xfrm>
+            <a:off x="609600" y="1391920"/>
+            <a:ext cx="10972800" cy="4873625"/>
+          </a:xfrm>
+        </p:spPr>
+        <p:txBody>
+          <a:bodyPr/>
+          <a:p>
+            <a:pPr marL="0" indent="0" algn="ctr">
+              <a:lnSpc>
+                <a:spcPct val="360000"/>
+              </a:lnSpc>
+              <a:buNone/>
+            </a:pPr>
+            <a:r>
+              <a:rPr lang="en-US" sz="4400">
+                <a:solidFill>
+                  <a:schemeClr val="accent1"/>
+                </a:solidFill>
+                <a:effectLst>
+                  <a:outerShdw blurRad="38100" dist="25400" dir="5400000" algn="ctr" rotWithShape="0">
+                    <a:srgbClr val="6E747A">
+                      <a:alpha val="43000"/>
+                    </a:srgbClr>
+                  </a:outerShdw>
+                </a:effectLst>
+              </a:rPr>
+              <a:t>Run Demo</a:t>
+            </a:r>
+            <a:endParaRPr lang="en-US" sz="4400">
+              <a:solidFill>
+                <a:schemeClr val="accent1"/>
+              </a:solidFill>
+              <a:effectLst>
+                <a:outerShdw blurRad="38100" dist="25400" dir="5400000" algn="ctr" rotWithShape="0">
+                  <a:srgbClr val="6E747A">
+                    <a:alpha val="43000"/>
+                  </a:srgbClr>
+                </a:outerShdw>
+              </a:effectLst>
+            </a:endParaRPr>
+          </a:p>
+        </p:txBody>
+      </p:sp>
+    </p:spTree>
+  </p:cSld>
+  <p:clrMapOvr>
+    <a:masterClrMapping/>
+  </p:clrMapOvr>
+  <p:timing>
+    <p:tnLst>
+      <p:par>
+        <p:cTn id="1" dur="indefinite" restart="never" nodeType="tmRoot"/>
+      </p:par>
+    </p:tnLst>
+  </p:timing>
+</p:sld>
+</file>
+
+<file path=ppt/slides/slide13.xml><?xml version="1.0" encoding="utf-8"?>
+<p:sld xmlns:a="http://schemas.openxmlformats.org/drawingml/2006/main" xmlns:r="http://schemas.openxmlformats.org/officeDocument/2006/relationships" xmlns:p="http://schemas.openxmlformats.org/presentationml/2006/main">
+  <p:cSld>
+    <p:spTree>
+      <p:nvGrpSpPr>
+        <p:cNvPr id="1" name=""/>
+        <p:cNvGrpSpPr/>
+        <p:nvPr/>
+      </p:nvGrpSpPr>
+      <p:grpSpPr>
+        <a:xfrm>
+          <a:off x="0" y="0"/>
+          <a:ext cx="0" cy="0"/>
+          <a:chOff x="0" y="0"/>
+          <a:chExt cx="0" cy="0"/>
+        </a:xfrm>
+      </p:grpSpPr>
+      <p:sp>
+        <p:nvSpPr>
+          <p:cNvPr id="3" name="Rectangle 2"/>
+          <p:cNvSpPr/>
+          <p:nvPr/>
+        </p:nvSpPr>
+        <p:spPr>
+          <a:xfrm>
+            <a:off x="4250690" y="2829560"/>
+            <a:ext cx="3689985" cy="1198880"/>
+          </a:xfrm>
+          <a:prstGeom prst="rect">
+            <a:avLst/>
+          </a:prstGeom>
+          <a:noFill/>
+          <a:ln>
+            <a:noFill/>
+          </a:ln>
+        </p:spPr>
+        <p:txBody>
+          <a:bodyPr wrap="none" rtlCol="0" anchor="t">
+            <a:spAutoFit/>
+          </a:bodyPr>
+          <a:lstStyle/>
+          <a:p>
+            <a:pPr algn="ctr"/>
+            <a:r>
+              <a:rPr lang="en-US" altLang="zh-CN" sz="7200" b="1">
+                <a:solidFill>
+                  <a:schemeClr val="accent1"/>
+                </a:solidFill>
+                <a:effectLst>
+                  <a:outerShdw blurRad="38100" dist="25400" dir="5400000" algn="ctr" rotWithShape="0">
+                    <a:srgbClr val="6E747A">
+                      <a:alpha val="43000"/>
+                    </a:srgbClr>
+                  </a:outerShdw>
+                </a:effectLst>
+              </a:rPr>
+              <a:t>Thanks!</a:t>
+            </a:r>
+            <a:endParaRPr lang="en-US" altLang="zh-CN" sz="7200" b="1">
+              <a:solidFill>
+                <a:schemeClr val="accent1"/>
+              </a:solidFill>
+              <a:effectLst>
+                <a:outerShdw blurRad="38100" dist="25400" dir="5400000" algn="ctr" rotWithShape="0">
+                  <a:srgbClr val="6E747A">
+                    <a:alpha val="43000"/>
+                  </a:srgbClr>
+                </a:outerShdw>
+              </a:effectLst>
+            </a:endParaRPr>
+          </a:p>
+        </p:txBody>
+      </p:sp>
+    </p:spTree>
+  </p:cSld>
+  <p:clrMapOvr>
+    <a:masterClrMapping/>
+  </p:clrMapOvr>
+  <p:timing>
+    <p:tnLst>
+      <p:par>
+        <p:cTn id="1" dur="indefinite" restart="never" nodeType="tmRoot"/>
+      </p:par>
+    </p:tnLst>
+  </p:timing>
+</p:sld>
+</file>
+
 <file path=ppt/slides/slide2.xml><?xml version="1.0" encoding="utf-8"?>
 <p:sld xmlns:a="http://schemas.openxmlformats.org/drawingml/2006/main" xmlns:r="http://schemas.openxmlformats.org/officeDocument/2006/relationships" xmlns:p="http://schemas.openxmlformats.org/presentationml/2006/main">
   <p:cSld>
@@ -5073,7 +5969,7 @@
       </p:grpSpPr>
       <p:sp>
         <p:nvSpPr>
-          <p:cNvPr id="2" name="Title 1"/>
+          <p:cNvPr id="6" name="Title 5"/>
           <p:cNvSpPr>
             <a:spLocks noGrp="1"/>
           </p:cNvSpPr>
@@ -5084,20 +5980,8 @@
         <p:spPr/>
         <p:txBody>
           <a:bodyPr/>
-          <a:lstStyle/>
-          <a:p>
-            <a:endParaRPr lang="en-US">
-              <a:solidFill>
-                <a:schemeClr val="accent1"/>
-              </a:solidFill>
-              <a:effectLst>
-                <a:outerShdw blurRad="38100" dist="25400" dir="5400000" algn="ctr" rotWithShape="0">
-                  <a:srgbClr val="6E747A">
-                    <a:alpha val="43000"/>
-                  </a:srgbClr>
-                </a:outerShdw>
-              </a:effectLst>
-            </a:endParaRPr>
+          <a:p>
+            <a:endParaRPr lang="en-US"/>
           </a:p>
         </p:txBody>
       </p:sp>
@@ -5215,17 +6099,22 @@
           <p:cNvPr id="4" name="Content Placeholder 3"/>
           <p:cNvSpPr/>
           <p:nvPr>
-            <p:ph idx="1"/>
+            <p:ph sz="half" idx="1"/>
           </p:nvPr>
         </p:nvSpPr>
-        <p:spPr>
-          <a:xfrm>
-            <a:off x="609600" y="1391920"/>
-            <a:ext cx="10972800" cy="4873625"/>
-          </a:xfrm>
-        </p:spPr>
+        <p:spPr/>
         <p:txBody>
           <a:bodyPr/>
+          <a:p>
+            <a:pPr marL="0" indent="0">
+              <a:buNone/>
+            </a:pPr>
+            <a:endParaRPr lang="en-US" sz="1200">
+              <a:solidFill>
+                <a:srgbClr val="92D050"/>
+              </a:solidFill>
+            </a:endParaRPr>
+          </a:p>
           <a:p>
             <a:pPr marL="0" indent="0">
               <a:buNone/>
@@ -5483,216 +6372,6 @@
             <a:r>
               <a:rPr lang="en-US" sz="1200"/>
               <a:t>  </a:t>
-            </a:r>
-            <a:r>
-              <a:rPr lang="en-US" sz="1200">
-                <a:solidFill>
-                  <a:srgbClr val="92D050"/>
-                </a:solidFill>
-              </a:rPr>
-              <a:t>Scenario</a:t>
-            </a:r>
-            <a:r>
-              <a:rPr lang="en-US" sz="1200"/>
-              <a:t>: Create Admin-Archived account</a:t>
-            </a:r>
-            <a:endParaRPr lang="en-US" sz="1200"/>
-          </a:p>
-          <a:p>
-            <a:pPr marL="0" indent="0">
-              <a:buNone/>
-            </a:pPr>
-            <a:r>
-              <a:rPr lang="en-US" sz="1200"/>
-              <a:t>    </a:t>
-            </a:r>
-            <a:r>
-              <a:rPr lang="en-US" sz="1200">
-                <a:solidFill>
-                  <a:srgbClr val="00B0F0"/>
-                </a:solidFill>
-              </a:rPr>
-              <a:t>When </a:t>
-            </a:r>
-            <a:r>
-              <a:rPr lang="en-US" sz="1200"/>
-              <a:t>Click on Manage menu.</a:t>
-            </a:r>
-            <a:endParaRPr lang="en-US" sz="1200"/>
-          </a:p>
-          <a:p>
-            <a:pPr marL="0" indent="0">
-              <a:buNone/>
-            </a:pPr>
-            <a:r>
-              <a:rPr lang="en-US" sz="1200"/>
-              <a:t>    </a:t>
-            </a:r>
-            <a:r>
-              <a:rPr lang="en-US" sz="1200">
-                <a:solidFill>
-                  <a:srgbClr val="00B0F0"/>
-                </a:solidFill>
-              </a:rPr>
-              <a:t>And </a:t>
-            </a:r>
-            <a:r>
-              <a:rPr lang="en-US" sz="1200"/>
-              <a:t>Click on Manage Administrators menu.</a:t>
-            </a:r>
-            <a:endParaRPr lang="en-US" sz="1200"/>
-          </a:p>
-          <a:p>
-            <a:pPr marL="0" indent="0">
-              <a:buNone/>
-            </a:pPr>
-            <a:r>
-              <a:rPr lang="en-US" sz="1200"/>
-              <a:t>    </a:t>
-            </a:r>
-            <a:r>
-              <a:rPr lang="en-US" sz="1200">
-                <a:solidFill>
-                  <a:srgbClr val="00B0F0"/>
-                </a:solidFill>
-              </a:rPr>
-              <a:t>And </a:t>
-            </a:r>
-            <a:r>
-              <a:rPr lang="en-US" sz="1200"/>
-              <a:t>Click on Add User button.</a:t>
-            </a:r>
-            <a:endParaRPr lang="en-US" sz="1200"/>
-          </a:p>
-          <a:p>
-            <a:pPr marL="0" indent="0">
-              <a:buNone/>
-            </a:pPr>
-            <a:r>
-              <a:rPr lang="en-US" sz="1200"/>
-              <a:t>    </a:t>
-            </a:r>
-            <a:r>
-              <a:rPr lang="en-US" sz="1200">
-                <a:solidFill>
-                  <a:srgbClr val="00B0F0"/>
-                </a:solidFill>
-              </a:rPr>
-              <a:t>And </a:t>
-            </a:r>
-            <a:r>
-              <a:rPr lang="en-US" sz="1200"/>
-              <a:t>Input First Name is "Truyen", Last Name is "Kieu" and Email is "cd.001@yopmail.com"</a:t>
-            </a:r>
-            <a:endParaRPr lang="en-US" sz="1200"/>
-          </a:p>
-          <a:p>
-            <a:pPr marL="0" indent="0">
-              <a:buNone/>
-            </a:pPr>
-            <a:r>
-              <a:rPr lang="en-US" sz="1200"/>
-              <a:t>    </a:t>
-            </a:r>
-            <a:r>
-              <a:rPr lang="en-US" sz="1200">
-                <a:solidFill>
-                  <a:srgbClr val="00B0F0"/>
-                </a:solidFill>
-              </a:rPr>
-              <a:t>And </a:t>
-            </a:r>
-            <a:r>
-              <a:rPr lang="en-US" sz="1200"/>
-              <a:t>Click on Save button on Manage User Profile screen</a:t>
-            </a:r>
-            <a:endParaRPr lang="en-US" sz="1200"/>
-          </a:p>
-          <a:p>
-            <a:pPr marL="0" indent="0">
-              <a:buNone/>
-            </a:pPr>
-            <a:r>
-              <a:rPr lang="en-US" sz="1200"/>
-              <a:t>    </a:t>
-            </a:r>
-            <a:r>
-              <a:rPr lang="en-US" sz="1200">
-                <a:solidFill>
-                  <a:srgbClr val="00B0F0"/>
-                </a:solidFill>
-              </a:rPr>
-              <a:t>Then </a:t>
-            </a:r>
-            <a:r>
-              <a:rPr lang="en-US" sz="1200"/>
-              <a:t>Click on Enable button on Confirmation popup</a:t>
-            </a:r>
-            <a:endParaRPr lang="en-US" sz="1200"/>
-          </a:p>
-          <a:p>
-            <a:pPr marL="0" indent="0">
-              <a:buNone/>
-            </a:pPr>
-            <a:r>
-              <a:rPr lang="en-US" sz="1200"/>
-              <a:t>    </a:t>
-            </a:r>
-            <a:r>
-              <a:rPr lang="en-US" sz="1200">
-                <a:solidFill>
-                  <a:srgbClr val="00B0F0"/>
-                </a:solidFill>
-              </a:rPr>
-              <a:t>And </a:t>
-            </a:r>
-            <a:r>
-              <a:rPr lang="en-US" sz="1200"/>
-              <a:t>System should navigate to "Manage System Administrators" screen.</a:t>
-            </a:r>
-            <a:endParaRPr lang="en-US" sz="1200"/>
-          </a:p>
-          <a:p>
-            <a:pPr marL="0" indent="0">
-              <a:buNone/>
-            </a:pPr>
-            <a:r>
-              <a:rPr lang="en-US" sz="1200"/>
-              <a:t>    </a:t>
-            </a:r>
-            <a:r>
-              <a:rPr lang="en-US" sz="1200">
-                <a:solidFill>
-                  <a:srgbClr val="00B0F0"/>
-                </a:solidFill>
-              </a:rPr>
-              <a:t>And </a:t>
-            </a:r>
-            <a:r>
-              <a:rPr lang="en-US" sz="1200"/>
-              <a:t>"cd.001@yopmail.com" should be shown on screen.</a:t>
-            </a:r>
-            <a:endParaRPr lang="en-US" sz="1200"/>
-          </a:p>
-          <a:p>
-            <a:pPr marL="0" indent="0">
-              <a:buNone/>
-            </a:pPr>
-            <a:r>
-              <a:rPr lang="en-US" sz="1200"/>
-              <a:t>    </a:t>
-            </a:r>
-            <a:r>
-              <a:rPr lang="en-US" sz="1200">
-                <a:solidFill>
-                  <a:srgbClr val="00B0F0"/>
-                </a:solidFill>
-              </a:rPr>
-              <a:t>And </a:t>
-            </a:r>
-            <a:r>
-              <a:rPr lang="en-US" sz="1200"/>
-              <a:t>"Truyen Kieu" Shows correctly be shown on screen.</a:t>
             </a:r>
             <a:endParaRPr lang="en-US" sz="1200"/>
           </a:p>
@@ -5779,6 +6458,32 @@
           </a:p>
         </p:txBody>
       </p:sp>
+      <p:pic>
+        <p:nvPicPr>
+          <p:cNvPr id="3" name="Content Placeholder 2" descr="newuser"/>
+          <p:cNvPicPr>
+            <a:picLocks noChangeAspect="1"/>
+          </p:cNvPicPr>
+          <p:nvPr>
+            <p:ph sz="half" idx="2"/>
+          </p:nvPr>
+        </p:nvPicPr>
+        <p:blipFill>
+          <a:blip r:embed="rId1"/>
+          <a:stretch>
+            <a:fillRect/>
+          </a:stretch>
+        </p:blipFill>
+        <p:spPr>
+          <a:xfrm>
+            <a:off x="5899785" y="1872615"/>
+            <a:ext cx="4381500" cy="1815465"/>
+          </a:xfrm>
+          <a:prstGeom prst="rect">
+            <a:avLst/>
+          </a:prstGeom>
+        </p:spPr>
+      </p:pic>
     </p:spTree>
   </p:cSld>
   <p:clrMapOvr>
@@ -5813,7 +6518,7 @@
       </p:grpSpPr>
       <p:sp>
         <p:nvSpPr>
-          <p:cNvPr id="2" name="Title 1"/>
+          <p:cNvPr id="6" name="Title 5"/>
           <p:cNvSpPr>
             <a:spLocks noGrp="1"/>
           </p:cNvSpPr>
@@ -5824,20 +6529,8 @@
         <p:spPr/>
         <p:txBody>
           <a:bodyPr/>
-          <a:lstStyle/>
-          <a:p>
-            <a:endParaRPr lang="en-US">
-              <a:solidFill>
-                <a:schemeClr val="accent1"/>
-              </a:solidFill>
-              <a:effectLst>
-                <a:outerShdw blurRad="38100" dist="25400" dir="5400000" algn="ctr" rotWithShape="0">
-                  <a:srgbClr val="6E747A">
-                    <a:alpha val="43000"/>
-                  </a:srgbClr>
-                </a:outerShdw>
-              </a:effectLst>
-            </a:endParaRPr>
+          <a:p>
+            <a:endParaRPr lang="en-US"/>
           </a:p>
         </p:txBody>
       </p:sp>
@@ -5955,13 +6648,13 @@
           <p:cNvPr id="4" name="Content Placeholder 3"/>
           <p:cNvSpPr/>
           <p:nvPr>
-            <p:ph idx="1"/>
+            <p:ph sz="half" idx="1"/>
           </p:nvPr>
         </p:nvSpPr>
         <p:spPr>
           <a:xfrm>
-            <a:off x="609600" y="1391920"/>
-            <a:ext cx="10972800" cy="4873625"/>
+            <a:off x="609600" y="1174750"/>
+            <a:ext cx="10763250" cy="4953000"/>
           </a:xfrm>
         </p:spPr>
         <p:txBody>
@@ -6018,7 +6711,7 @@
             </a:pPr>
             <a:r>
               <a:rPr lang="en-US" sz="1200"/>
-              <a:t>  </a:t>
+              <a:t>   </a:t>
             </a:r>
             <a:r>
               <a:rPr lang="en-US" sz="1200">
@@ -6030,7 +6723,7 @@
             </a:r>
             <a:r>
               <a:rPr lang="en-US" sz="1200"/>
-              <a:t>: Create Admin-Archived account</a:t>
+              <a:t>: Create Admin-Duplicate account</a:t>
             </a:r>
             <a:endParaRPr lang="en-US" sz="1200"/>
           </a:p>
@@ -6118,7 +6811,7 @@
             </a:r>
             <a:r>
               <a:rPr lang="en-US" sz="1200"/>
-              <a:t>Input First Name is "Truyen", Last Name is "Kieu" and Email is "cd.001@yopmail.com"</a:t>
+              <a:t>Input First Name is "Truyen", Last Name is "Kieu" and Email is "cd.0022@yopmail.com"</a:t>
             </a:r>
             <a:endParaRPr lang="en-US" sz="1200"/>
           </a:p>
@@ -6162,7 +6855,7 @@
             </a:r>
             <a:r>
               <a:rPr lang="en-US" sz="1200"/>
-              <a:t>Click on Enable button on Confirmation popup</a:t>
+              <a:t>The "Email cd.0022@yopmail.com is already in use" was shown on screen.</a:t>
             </a:r>
             <a:endParaRPr lang="en-US" sz="1200"/>
           </a:p>
@@ -6170,226 +6863,24 @@
             <a:pPr marL="0" indent="0">
               <a:buNone/>
             </a:pPr>
-            <a:r>
-              <a:rPr lang="en-US" sz="1200"/>
-              <a:t>    </a:t>
-            </a:r>
-            <a:r>
-              <a:rPr lang="en-US" sz="1200">
-                <a:solidFill>
-                  <a:srgbClr val="00B0F0"/>
-                </a:solidFill>
-              </a:rPr>
-              <a:t>And </a:t>
-            </a:r>
-            <a:r>
-              <a:rPr lang="en-US" sz="1200"/>
-              <a:t>System should navigate to "Manage System Administrators" screen.</a:t>
-            </a:r>
             <a:endParaRPr lang="en-US" sz="1200"/>
           </a:p>
           <a:p>
             <a:pPr marL="0" indent="0">
               <a:buNone/>
             </a:pPr>
-            <a:r>
-              <a:rPr lang="en-US" sz="1200"/>
-              <a:t>    </a:t>
-            </a:r>
-            <a:r>
-              <a:rPr lang="en-US" sz="1200">
-                <a:solidFill>
-                  <a:srgbClr val="00B0F0"/>
-                </a:solidFill>
-              </a:rPr>
-              <a:t>And </a:t>
-            </a:r>
-            <a:r>
-              <a:rPr lang="en-US" sz="1200"/>
-              <a:t>"cd.001@yopmail.com" should be shown on screen.</a:t>
-            </a:r>
             <a:endParaRPr lang="en-US" sz="1200"/>
           </a:p>
           <a:p>
             <a:pPr marL="0" indent="0">
               <a:buNone/>
             </a:pPr>
-            <a:r>
-              <a:rPr lang="en-US" sz="1200"/>
-              <a:t>    </a:t>
-            </a:r>
-            <a:r>
-              <a:rPr lang="en-US" sz="1200">
-                <a:solidFill>
-                  <a:srgbClr val="00B0F0"/>
-                </a:solidFill>
-              </a:rPr>
-              <a:t>And </a:t>
-            </a:r>
-            <a:r>
-              <a:rPr lang="en-US" sz="1200"/>
-              <a:t>"Truyen Kieu" Shows correctly be shown on screen.</a:t>
-            </a:r>
             <a:endParaRPr lang="en-US" sz="1200"/>
           </a:p>
           <a:p>
             <a:pPr marL="0" indent="0">
               <a:buNone/>
             </a:pPr>
-            <a:endParaRPr lang="en-US" sz="1200"/>
-          </a:p>
-          <a:p>
-            <a:pPr marL="0" indent="0">
-              <a:buNone/>
-            </a:pPr>
-            <a:r>
-              <a:rPr lang="en-US" sz="1200"/>
-              <a:t>  </a:t>
-            </a:r>
-            <a:r>
-              <a:rPr lang="en-US" sz="1200">
-                <a:solidFill>
-                  <a:srgbClr val="92D050"/>
-                </a:solidFill>
-              </a:rPr>
-              <a:t>Scenario</a:t>
-            </a:r>
-            <a:r>
-              <a:rPr lang="en-US" sz="1200"/>
-              <a:t>: Create Admin-Duplicate account</a:t>
-            </a:r>
-            <a:endParaRPr lang="en-US" sz="1200"/>
-          </a:p>
-          <a:p>
-            <a:pPr marL="0" indent="0">
-              <a:buNone/>
-            </a:pPr>
-            <a:r>
-              <a:rPr lang="en-US" sz="1200"/>
-              <a:t>    </a:t>
-            </a:r>
-            <a:r>
-              <a:rPr lang="en-US" sz="1200">
-                <a:solidFill>
-                  <a:srgbClr val="00B0F0"/>
-                </a:solidFill>
-              </a:rPr>
-              <a:t>When </a:t>
-            </a:r>
-            <a:r>
-              <a:rPr lang="en-US" sz="1200"/>
-              <a:t>Click on Manage menu.</a:t>
-            </a:r>
-            <a:endParaRPr lang="en-US" sz="1200"/>
-          </a:p>
-          <a:p>
-            <a:pPr marL="0" indent="0">
-              <a:buNone/>
-            </a:pPr>
-            <a:r>
-              <a:rPr lang="en-US" sz="1200"/>
-              <a:t>    </a:t>
-            </a:r>
-            <a:r>
-              <a:rPr lang="en-US" sz="1200">
-                <a:solidFill>
-                  <a:srgbClr val="00B0F0"/>
-                </a:solidFill>
-              </a:rPr>
-              <a:t>And </a:t>
-            </a:r>
-            <a:r>
-              <a:rPr lang="en-US" sz="1200"/>
-              <a:t>Click on Manage Administrators menu.</a:t>
-            </a:r>
-            <a:endParaRPr lang="en-US" sz="1200"/>
-          </a:p>
-          <a:p>
-            <a:pPr marL="0" indent="0">
-              <a:buNone/>
-            </a:pPr>
-            <a:r>
-              <a:rPr lang="en-US" sz="1200"/>
-              <a:t>    </a:t>
-            </a:r>
-            <a:r>
-              <a:rPr lang="en-US" sz="1200">
-                <a:solidFill>
-                  <a:srgbClr val="00B0F0"/>
-                </a:solidFill>
-              </a:rPr>
-              <a:t>And </a:t>
-            </a:r>
-            <a:r>
-              <a:rPr lang="en-US" sz="1200"/>
-              <a:t>Click on Add User button.</a:t>
-            </a:r>
-            <a:endParaRPr lang="en-US" sz="1200"/>
-          </a:p>
-          <a:p>
-            <a:pPr marL="0" indent="0">
-              <a:buNone/>
-            </a:pPr>
-            <a:r>
-              <a:rPr lang="en-US" sz="1200"/>
-              <a:t>    </a:t>
-            </a:r>
-            <a:r>
-              <a:rPr lang="en-US" sz="1200">
-                <a:solidFill>
-                  <a:srgbClr val="00B0F0"/>
-                </a:solidFill>
-              </a:rPr>
-              <a:t>And </a:t>
-            </a:r>
-            <a:r>
-              <a:rPr lang="en-US" sz="1200"/>
-              <a:t>Input First Name is "Truyen", Last Name is "Kieu" and Email is "cd.0022@yopmail.com"</a:t>
-            </a:r>
-            <a:endParaRPr lang="en-US" sz="1200"/>
-          </a:p>
-          <a:p>
-            <a:pPr marL="0" indent="0">
-              <a:buNone/>
-            </a:pPr>
-            <a:r>
-              <a:rPr lang="en-US" sz="1200"/>
-              <a:t>    </a:t>
-            </a:r>
-            <a:r>
-              <a:rPr lang="en-US" sz="1200">
-                <a:solidFill>
-                  <a:srgbClr val="00B0F0"/>
-                </a:solidFill>
-              </a:rPr>
-              <a:t>And </a:t>
-            </a:r>
-            <a:r>
-              <a:rPr lang="en-US" sz="1200"/>
-              <a:t>Click on Save button on Manage User Profile screen</a:t>
-            </a:r>
-            <a:endParaRPr lang="en-US" sz="1200"/>
-          </a:p>
-          <a:p>
-            <a:pPr marL="0" indent="0">
-              <a:buNone/>
-            </a:pPr>
-            <a:r>
-              <a:rPr lang="en-US" sz="1200"/>
-              <a:t>    </a:t>
-            </a:r>
-            <a:r>
-              <a:rPr lang="en-US" sz="1200">
-                <a:solidFill>
-                  <a:srgbClr val="00B0F0"/>
-                </a:solidFill>
-              </a:rPr>
-              <a:t>Then </a:t>
-            </a:r>
-            <a:r>
-              <a:rPr lang="en-US" sz="1200"/>
-              <a:t>The "Email cd.0022@yopmail.com is already in use" was shown on screen.</a:t>
-            </a:r>
             <a:endParaRPr lang="en-US" sz="1200"/>
           </a:p>
         </p:txBody>
@@ -6475,6 +6966,32 @@
           </a:p>
         </p:txBody>
       </p:sp>
+      <p:pic>
+        <p:nvPicPr>
+          <p:cNvPr id="3" name="Content Placeholder 2" descr="duplicate"/>
+          <p:cNvPicPr>
+            <a:picLocks noChangeAspect="1"/>
+          </p:cNvPicPr>
+          <p:nvPr>
+            <p:ph sz="half" idx="2"/>
+          </p:nvPr>
+        </p:nvPicPr>
+        <p:blipFill>
+          <a:blip r:embed="rId1"/>
+          <a:stretch>
+            <a:fillRect/>
+          </a:stretch>
+        </p:blipFill>
+        <p:spPr>
+          <a:xfrm>
+            <a:off x="2130425" y="3601085"/>
+            <a:ext cx="5076825" cy="2076450"/>
+          </a:xfrm>
+          <a:prstGeom prst="rect">
+            <a:avLst/>
+          </a:prstGeom>
+        </p:spPr>
+      </p:pic>
     </p:spTree>
   </p:cSld>
   <p:clrMapOvr>
@@ -6509,7 +7026,7 @@
       </p:grpSpPr>
       <p:sp>
         <p:nvSpPr>
-          <p:cNvPr id="2" name="Title 1"/>
+          <p:cNvPr id="8" name="Title 7"/>
           <p:cNvSpPr>
             <a:spLocks noGrp="1"/>
           </p:cNvSpPr>
@@ -6520,20 +7037,8 @@
         <p:spPr/>
         <p:txBody>
           <a:bodyPr/>
-          <a:lstStyle/>
-          <a:p>
-            <a:endParaRPr lang="en-US">
-              <a:solidFill>
-                <a:schemeClr val="accent1"/>
-              </a:solidFill>
-              <a:effectLst>
-                <a:outerShdw blurRad="38100" dist="25400" dir="5400000" algn="ctr" rotWithShape="0">
-                  <a:srgbClr val="6E747A">
-                    <a:alpha val="43000"/>
-                  </a:srgbClr>
-                </a:outerShdw>
-              </a:effectLst>
-            </a:endParaRPr>
+          <a:p>
+            <a:endParaRPr lang="en-US"/>
           </a:p>
         </p:txBody>
       </p:sp>
@@ -6651,15 +7156,10 @@
           <p:cNvPr id="4" name="Content Placeholder 3"/>
           <p:cNvSpPr/>
           <p:nvPr>
-            <p:ph idx="1"/>
+            <p:ph sz="half" idx="1"/>
           </p:nvPr>
         </p:nvSpPr>
-        <p:spPr>
-          <a:xfrm>
-            <a:off x="609600" y="1391920"/>
-            <a:ext cx="10972800" cy="4873625"/>
-          </a:xfrm>
-        </p:spPr>
+        <p:spPr/>
         <p:txBody>
           <a:bodyPr/>
           <a:p>
@@ -6713,6 +7213,10 @@
               <a:buNone/>
             </a:pPr>
             <a:r>
+              <a:rPr lang="en-US" sz="1200"/>
+              <a:t>  </a:t>
+            </a:r>
+            <a:r>
               <a:rPr lang="en-US" sz="1200">
                 <a:solidFill>
                   <a:srgbClr val="92D050"/>
@@ -6722,7 +7226,7 @@
             </a:r>
             <a:r>
               <a:rPr lang="en-US" sz="1200"/>
-              <a:t>: Update User Profile</a:t>
+              <a:t>: Create Admin-Archived account</a:t>
             </a:r>
             <a:endParaRPr lang="en-US" sz="1200"/>
           </a:p>
@@ -6744,7 +7248,7 @@
             </a:r>
             <a:r>
               <a:rPr lang="en-US" sz="1200"/>
-              <a:t>Click User menu</a:t>
+              <a:t>Click on Manage menu.</a:t>
             </a:r>
             <a:endParaRPr lang="en-US" sz="1200"/>
           </a:p>
@@ -6766,7 +7270,7 @@
             </a:r>
             <a:r>
               <a:rPr lang="en-US" sz="1200"/>
-              <a:t>Click User profile link</a:t>
+              <a:t>Click on Manage Administrators menu.</a:t>
             </a:r>
             <a:endParaRPr lang="en-US" sz="1200"/>
           </a:p>
@@ -6788,7 +7292,7 @@
             </a:r>
             <a:r>
               <a:rPr lang="en-US" sz="1200"/>
-              <a:t>Update First Name is "Truyen", Last Name is "Kieu"</a:t>
+              <a:t>Click on Add User button.</a:t>
             </a:r>
             <a:endParaRPr lang="en-US" sz="1200"/>
           </a:p>
@@ -6810,6 +7314,28 @@
             </a:r>
             <a:r>
               <a:rPr lang="en-US" sz="1200"/>
+              <a:t>Input First Name is "Truyen", Last Name is "Kieu" and Email is "cd.001@yopmail.com"</a:t>
+            </a:r>
+            <a:endParaRPr lang="en-US" sz="1200"/>
+          </a:p>
+          <a:p>
+            <a:pPr marL="0" indent="0">
+              <a:buNone/>
+            </a:pPr>
+            <a:r>
+              <a:rPr lang="en-US" sz="1200"/>
+              <a:t>    </a:t>
+            </a:r>
+            <a:r>
+              <a:rPr lang="en-US" sz="1200">
+                <a:solidFill>
+                  <a:srgbClr val="00B0F0"/>
+                </a:solidFill>
+              </a:rPr>
+              <a:t>And </a:t>
+            </a:r>
+            <a:r>
+              <a:rPr lang="en-US" sz="1200"/>
               <a:t>Click on Save button on Manage User Profile screen</a:t>
             </a:r>
             <a:endParaRPr lang="en-US" sz="1200"/>
@@ -6832,7 +7358,7 @@
             </a:r>
             <a:r>
               <a:rPr lang="en-US" sz="1200"/>
-              <a:t>System should navigate to "Manage System Administrators" screen.</a:t>
+              <a:t>Click on Enable button on Confirmation popup</a:t>
             </a:r>
             <a:endParaRPr lang="en-US" sz="1200"/>
           </a:p>
@@ -6854,7 +7380,7 @@
             </a:r>
             <a:r>
               <a:rPr lang="en-US" sz="1200"/>
-              <a:t>"hl.01@yopmail.com" should be shown on screen.</a:t>
+              <a:t>System should navigate to "Manage System Administrators" screen.</a:t>
             </a:r>
             <a:endParaRPr lang="en-US" sz="1200"/>
           </a:p>
@@ -6876,7 +7402,7 @@
             </a:r>
             <a:r>
               <a:rPr lang="en-US" sz="1200"/>
-              <a:t>"Truyen Kieu" Shows correctly be shown on screen.</a:t>
+              <a:t>"cd.001@yopmail.com" should be shown on screen.</a:t>
             </a:r>
             <a:endParaRPr lang="en-US" sz="1200"/>
           </a:p>
@@ -6884,72 +7410,21 @@
             <a:pPr marL="0" indent="0">
               <a:buNone/>
             </a:pPr>
-            <a:endParaRPr lang="en-US" sz="1200"/>
-          </a:p>
-          <a:p>
-            <a:pPr marL="0" indent="0">
-              <a:buNone/>
-            </a:pPr>
-            <a:r>
-              <a:rPr lang="en-US" sz="1200"/>
-              <a:t>  </a:t>
+            <a:r>
+              <a:rPr lang="en-US" sz="1200"/>
+              <a:t>    </a:t>
             </a:r>
             <a:r>
               <a:rPr lang="en-US" sz="1200">
                 <a:solidFill>
-                  <a:srgbClr val="92D050"/>
-                </a:solidFill>
-              </a:rPr>
-              <a:t>Scenario</a:t>
-            </a:r>
-            <a:r>
-              <a:rPr lang="en-US" sz="1200"/>
-              <a:t>: Create Company account</a:t>
-            </a:r>
-            <a:endParaRPr lang="en-US" sz="1200"/>
-          </a:p>
-          <a:p>
-            <a:pPr marL="0" indent="0">
-              <a:buNone/>
-            </a:pPr>
-            <a:r>
-              <a:rPr lang="en-US" sz="1200"/>
-              <a:t>    </a:t>
-            </a:r>
-            <a:r>
-              <a:rPr lang="en-US" sz="1200">
-                <a:solidFill>
                   <a:srgbClr val="00B0F0"/>
                 </a:solidFill>
-              </a:rPr>
-              <a:t>When </a:t>
-            </a:r>
-            <a:r>
-              <a:rPr lang="en-US" sz="1200"/>
-              <a:t>Click on Manage menu.</a:t>
-            </a:r>
-            <a:endParaRPr lang="en-US" sz="1200"/>
-          </a:p>
-          <a:p>
-            <a:pPr marL="0" indent="0">
-              <a:buNone/>
-            </a:pPr>
-            <a:r>
-              <a:rPr lang="en-US" sz="1200"/>
-              <a:t>    </a:t>
-            </a:r>
-            <a:r>
-              <a:rPr lang="en-US" sz="1200">
-                <a:solidFill>
-                  <a:srgbClr val="00B0F0"/>
-                </a:solidFill>
-                <a:effectLst/>
               </a:rPr>
               <a:t>And </a:t>
             </a:r>
             <a:r>
               <a:rPr lang="en-US" sz="1200"/>
-              <a:t>Click on Add Company button on Manage Companies menu.</a:t>
+              <a:t>"Truyen Kieu" Shows correctly be shown on screen.</a:t>
             </a:r>
             <a:endParaRPr lang="en-US" sz="1200"/>
           </a:p>
@@ -6957,164 +7432,18 @@
             <a:pPr marL="0" indent="0">
               <a:buNone/>
             </a:pPr>
-            <a:r>
-              <a:rPr lang="en-US" sz="1200"/>
-              <a:t>    </a:t>
-            </a:r>
-            <a:r>
-              <a:rPr lang="en-US" sz="1200">
-                <a:solidFill>
-                  <a:srgbClr val="00B0F0"/>
-                </a:solidFill>
-              </a:rPr>
-              <a:t>And </a:t>
-            </a:r>
-            <a:r>
-              <a:rPr lang="en-US" sz="1200"/>
-              <a:t>Input required field are Company Name: "Cdbently 021", Company Identifier: "11-1111111" and select required drop down box.</a:t>
-            </a:r>
             <a:endParaRPr lang="en-US" sz="1200"/>
           </a:p>
           <a:p>
             <a:pPr marL="0" indent="0">
               <a:buNone/>
             </a:pPr>
-            <a:r>
-              <a:rPr lang="en-US" sz="1200"/>
-              <a:t>    </a:t>
-            </a:r>
-            <a:r>
-              <a:rPr lang="en-US" sz="1200">
-                <a:solidFill>
-                  <a:srgbClr val="00B0F0"/>
-                </a:solidFill>
-              </a:rPr>
-              <a:t>And </a:t>
-            </a:r>
-            <a:r>
-              <a:rPr lang="en-US" sz="1200"/>
-              <a:t>Input Street Address is "123 new orl land", City is "newyork", State is "US", Zip is "11111".</a:t>
-            </a:r>
             <a:endParaRPr lang="en-US" sz="1200"/>
           </a:p>
           <a:p>
             <a:pPr marL="0" indent="0">
               <a:buNone/>
             </a:pPr>
-            <a:r>
-              <a:rPr lang="en-US" sz="1200"/>
-              <a:t>    </a:t>
-            </a:r>
-            <a:r>
-              <a:rPr lang="en-US" sz="1200">
-                <a:solidFill>
-                  <a:srgbClr val="00B0F0"/>
-                </a:solidFill>
-              </a:rPr>
-              <a:t>And </a:t>
-            </a:r>
-            <a:r>
-              <a:rPr lang="en-US" sz="1200"/>
-              <a:t>Click on Save button on Manage Company screen.</a:t>
-            </a:r>
-            <a:endParaRPr lang="en-US" sz="1200"/>
-          </a:p>
-          <a:p>
-            <a:pPr marL="0" indent="0">
-              <a:buNone/>
-            </a:pPr>
-            <a:r>
-              <a:rPr lang="en-US" sz="1200"/>
-              <a:t>    </a:t>
-            </a:r>
-            <a:r>
-              <a:rPr lang="en-US" sz="1200">
-                <a:solidFill>
-                  <a:srgbClr val="00B0F0"/>
-                </a:solidFill>
-              </a:rPr>
-              <a:t>And </a:t>
-            </a:r>
-            <a:r>
-              <a:rPr lang="en-US" sz="1200"/>
-              <a:t>Add user with Fist Name is "user2 fName", Last Name is "user2 lName", and Email is "cd.0021@yopmail.com"</a:t>
-            </a:r>
-            <a:endParaRPr lang="en-US" sz="1200"/>
-          </a:p>
-          <a:p>
-            <a:pPr marL="0" indent="0">
-              <a:buNone/>
-            </a:pPr>
-            <a:r>
-              <a:rPr lang="en-US" sz="1200"/>
-              <a:t>    </a:t>
-            </a:r>
-            <a:r>
-              <a:rPr lang="en-US" sz="1200">
-                <a:solidFill>
-                  <a:srgbClr val="00B0F0"/>
-                </a:solidFill>
-              </a:rPr>
-              <a:t>And </a:t>
-            </a:r>
-            <a:r>
-              <a:rPr lang="en-US" sz="1200"/>
-              <a:t>Click on Save button on Manage Company screen.</a:t>
-            </a:r>
-            <a:endParaRPr lang="en-US" sz="1200"/>
-          </a:p>
-          <a:p>
-            <a:pPr marL="0" indent="0">
-              <a:buNone/>
-            </a:pPr>
-            <a:r>
-              <a:rPr lang="en-US" sz="1200"/>
-              <a:t>    </a:t>
-            </a:r>
-            <a:r>
-              <a:rPr lang="en-US" sz="1200">
-                <a:solidFill>
-                  <a:srgbClr val="00B0F0"/>
-                </a:solidFill>
-              </a:rPr>
-              <a:t>Then </a:t>
-            </a:r>
-            <a:r>
-              <a:rPr lang="en-US" sz="1200"/>
-              <a:t>System should navigate to Manage Companies screen and "Manage Companies" should shown.</a:t>
-            </a:r>
-            <a:endParaRPr lang="en-US" sz="1200"/>
-          </a:p>
-          <a:p>
-            <a:pPr marL="0" indent="0">
-              <a:buNone/>
-            </a:pPr>
-            <a:r>
-              <a:rPr lang="en-US" sz="1200"/>
-              <a:t>    </a:t>
-            </a:r>
-            <a:r>
-              <a:rPr lang="en-US" sz="1200">
-                <a:solidFill>
-                  <a:srgbClr val="00B0F0"/>
-                </a:solidFill>
-              </a:rPr>
-              <a:t>And </a:t>
-            </a:r>
-            <a:r>
-              <a:rPr lang="en-US" sz="1200"/>
-              <a:t>"Cdbently 021" Shows correctly be shown on Manage Companies screen.</a:t>
-            </a:r>
-            <a:endParaRPr lang="en-US" sz="1200"/>
-          </a:p>
-          <a:p>
-            <a:pPr marL="0" indent="0">
-              <a:buNone/>
-            </a:pPr>
-            <a:r>
-              <a:rPr lang="en-US" sz="1200"/>
-              <a:t>  </a:t>
-            </a:r>
             <a:endParaRPr lang="en-US" sz="1200"/>
           </a:p>
         </p:txBody>
@@ -7200,6 +7529,32 @@
           </a:p>
         </p:txBody>
       </p:sp>
+      <p:pic>
+        <p:nvPicPr>
+          <p:cNvPr id="7" name="Content Placeholder 6" descr="archived"/>
+          <p:cNvPicPr>
+            <a:picLocks noChangeAspect="1"/>
+          </p:cNvPicPr>
+          <p:nvPr>
+            <p:ph sz="half" idx="2"/>
+          </p:nvPr>
+        </p:nvPicPr>
+        <p:blipFill>
+          <a:blip r:embed="rId1"/>
+          <a:stretch>
+            <a:fillRect/>
+          </a:stretch>
+        </p:blipFill>
+        <p:spPr>
+          <a:xfrm>
+            <a:off x="5529580" y="1737995"/>
+            <a:ext cx="5384800" cy="1713230"/>
+          </a:xfrm>
+          <a:prstGeom prst="rect">
+            <a:avLst/>
+          </a:prstGeom>
+        </p:spPr>
+      </p:pic>
     </p:spTree>
   </p:cSld>
   <p:clrMapOvr>
@@ -7234,7 +7589,7 @@
       </p:grpSpPr>
       <p:sp>
         <p:nvSpPr>
-          <p:cNvPr id="2" name="Title 1"/>
+          <p:cNvPr id="6" name="Title 5"/>
           <p:cNvSpPr>
             <a:spLocks noGrp="1"/>
           </p:cNvSpPr>
@@ -7245,20 +7600,8 @@
         <p:spPr/>
         <p:txBody>
           <a:bodyPr/>
-          <a:lstStyle/>
-          <a:p>
-            <a:endParaRPr lang="en-US">
-              <a:solidFill>
-                <a:schemeClr val="accent1"/>
-              </a:solidFill>
-              <a:effectLst>
-                <a:outerShdw blurRad="38100" dist="25400" dir="5400000" algn="ctr" rotWithShape="0">
-                  <a:srgbClr val="6E747A">
-                    <a:alpha val="43000"/>
-                  </a:srgbClr>
-                </a:outerShdw>
-              </a:effectLst>
-            </a:endParaRPr>
+          <a:p>
+            <a:endParaRPr lang="en-US"/>
           </a:p>
         </p:txBody>
       </p:sp>
@@ -7376,42 +7719,49 @@
           <p:cNvPr id="4" name="Content Placeholder 3"/>
           <p:cNvSpPr/>
           <p:nvPr>
-            <p:ph idx="1"/>
+            <p:ph sz="half" idx="1"/>
           </p:nvPr>
         </p:nvSpPr>
-        <p:spPr>
-          <a:xfrm>
-            <a:off x="609600" y="1391920"/>
-            <a:ext cx="10972800" cy="4873625"/>
-          </a:xfrm>
-        </p:spPr>
+        <p:spPr/>
         <p:txBody>
           <a:bodyPr/>
           <a:p>
             <a:pPr marL="0" indent="0">
               <a:buNone/>
             </a:pPr>
-            <a:endParaRPr lang="en-US" sz="1200">
-              <a:solidFill>
-                <a:srgbClr val="92D050"/>
-              </a:solidFill>
-            </a:endParaRPr>
+            <a:r>
+              <a:rPr lang="en-US" sz="1200">
+                <a:solidFill>
+                  <a:srgbClr val="92D050"/>
+                </a:solidFill>
+              </a:rPr>
+              <a:t>Background:</a:t>
+            </a:r>
+            <a:r>
+              <a:rPr lang="en-US" sz="1200"/>
+              <a:t> </a:t>
+            </a:r>
+            <a:endParaRPr lang="en-US" sz="1200"/>
           </a:p>
           <a:p>
             <a:pPr marL="0" indent="0">
               <a:buNone/>
             </a:pPr>
             <a:r>
+              <a:rPr lang="en-US" sz="1200"/>
+              <a:t>    </a:t>
+            </a:r>
+            <a:r>
               <a:rPr lang="en-US" sz="1200">
                 <a:solidFill>
-                  <a:srgbClr val="92D050"/>
+                  <a:srgbClr val="00B0F0"/>
                 </a:solidFill>
               </a:rPr>
-              <a:t>Feature</a:t>
-            </a:r>
-            <a:r>
-              <a:rPr lang="en-US" sz="1200"/>
-              <a:t>: Company Manage account checks login on first time.</a:t>
+              <a:t>Given </a:t>
+            </a:r>
+            <a:r>
+              <a:rPr lang="en-US" sz="1200"/>
+              <a:t>The user login "http://goodjobs-dev.dynagility.us/login" by "hl.01@yopmail.com" and "Cdbently2408!" successfully</a:t>
             </a:r>
             <a:endParaRPr lang="en-US" sz="1200"/>
           </a:p>
@@ -7425,10 +7775,6 @@
             <a:pPr marL="0" indent="0">
               <a:buNone/>
             </a:pPr>
-            <a:r>
-              <a:rPr lang="en-US" sz="1200"/>
-              <a:t>  </a:t>
-            </a:r>
             <a:r>
               <a:rPr lang="en-US" sz="1200">
                 <a:solidFill>
@@ -7439,7 +7785,7 @@
             </a:r>
             <a:r>
               <a:rPr lang="en-US" sz="1200"/>
-              <a:t>: Admin authorise and add user successfully</a:t>
+              <a:t>: Update User Profile</a:t>
             </a:r>
             <a:endParaRPr lang="en-US" sz="1200"/>
           </a:p>
@@ -7461,7 +7807,7 @@
             </a:r>
             <a:r>
               <a:rPr lang="en-US" sz="1200"/>
-              <a:t>Join Working Metrics screen via link is "http://goodjobs-dev.dynagility.us/onboarding?email=hl.tr.23@yopmail.com&amp;token=NWRsb3RkMnJiZGo%3D"</a:t>
+              <a:t>Click User menu</a:t>
             </a:r>
             <a:endParaRPr lang="en-US" sz="1200"/>
           </a:p>
@@ -7483,7 +7829,7 @@
             </a:r>
             <a:r>
               <a:rPr lang="en-US" sz="1200"/>
-              <a:t>Click on Create an account on Working Metrics screen.</a:t>
+              <a:t>Click User profile link</a:t>
             </a:r>
             <a:endParaRPr lang="en-US" sz="1200"/>
           </a:p>
@@ -7505,7 +7851,7 @@
             </a:r>
             <a:r>
               <a:rPr lang="en-US" sz="1200"/>
-              <a:t>Create password is "12345678xx@X".</a:t>
+              <a:t>Update First Name is "Truyen", Last Name is "Kieu"</a:t>
             </a:r>
             <a:endParaRPr lang="en-US" sz="1200"/>
           </a:p>
@@ -7527,7 +7873,29 @@
             </a:r>
             <a:r>
               <a:rPr lang="en-US" sz="1200"/>
-              <a:t>Authorized company, update many drop down list value.</a:t>
+              <a:t>Click on Save button on Manage User Profile screen</a:t>
+            </a:r>
+            <a:endParaRPr lang="en-US" sz="1200"/>
+          </a:p>
+          <a:p>
+            <a:pPr marL="0" indent="0">
+              <a:buNone/>
+            </a:pPr>
+            <a:r>
+              <a:rPr lang="en-US" sz="1200"/>
+              <a:t>    </a:t>
+            </a:r>
+            <a:r>
+              <a:rPr lang="en-US" sz="1200">
+                <a:solidFill>
+                  <a:srgbClr val="00B0F0"/>
+                </a:solidFill>
+              </a:rPr>
+              <a:t>Then </a:t>
+            </a:r>
+            <a:r>
+              <a:rPr lang="en-US" sz="1200"/>
+              <a:t>System should navigate to "Manage System Administrators" screen.</a:t>
             </a:r>
             <a:endParaRPr lang="en-US" sz="1200"/>
           </a:p>
@@ -7549,7 +7917,7 @@
             </a:r>
             <a:r>
               <a:rPr lang="en-US" sz="1200"/>
-              <a:t>Add a new User account with First Name is "truyen", Last Name is "kieu", email is "truyen.linh.3@yopmail.com", role is user.</a:t>
+              <a:t>"hl.01@yopmail.com" should be shown on screen.</a:t>
             </a:r>
             <a:endParaRPr lang="en-US" sz="1200"/>
           </a:p>
@@ -7571,7 +7939,7 @@
             </a:r>
             <a:r>
               <a:rPr lang="en-US" sz="1200"/>
-              <a:t>Next to Location screens.</a:t>
+              <a:t>"Truyen Kieu" Shows correctly be shown on screen.</a:t>
             </a:r>
             <a:endParaRPr lang="en-US" sz="1200"/>
           </a:p>
@@ -7579,22 +7947,6 @@
             <a:pPr marL="0" indent="0">
               <a:buNone/>
             </a:pPr>
-            <a:r>
-              <a:rPr lang="en-US" sz="1200"/>
-              <a:t>    </a:t>
-            </a:r>
-            <a:r>
-              <a:rPr lang="en-US" sz="1200">
-                <a:solidFill>
-                  <a:srgbClr val="00B0F0"/>
-                </a:solidFill>
-              </a:rPr>
-              <a:t>And </a:t>
-            </a:r>
-            <a:r>
-              <a:rPr lang="en-US" sz="1200"/>
-              <a:t>Next to Report screen.</a:t>
-            </a:r>
             <a:endParaRPr lang="en-US" sz="1200"/>
           </a:p>
           <a:p>
@@ -7603,19 +7955,7 @@
             </a:pPr>
             <a:r>
               <a:rPr lang="en-US" sz="1200"/>
-              <a:t>    </a:t>
-            </a:r>
-            <a:r>
-              <a:rPr lang="en-US" sz="1200">
-                <a:solidFill>
-                  <a:srgbClr val="00B0F0"/>
-                </a:solidFill>
-              </a:rPr>
-              <a:t>Then </a:t>
-            </a:r>
-            <a:r>
-              <a:rPr lang="en-US" sz="1200"/>
-              <a:t>The title is "Complete these steps to provide employee data" should show on Upload Employee Data screens.</a:t>
+              <a:t>  </a:t>
             </a:r>
             <a:endParaRPr lang="en-US" sz="1200"/>
           </a:p>
@@ -7686,7 +8026,7 @@
                 <a:latin typeface="Arial" panose="020B0604020202020204" pitchFamily="34" charset="0"/>
                 <a:ea typeface="SimSun" panose="02010600030101010101" pitchFamily="2" charset="-122"/>
               </a:rPr>
-              <a:t>II. Company Manager </a:t>
+              <a:t>I. Administrator</a:t>
             </a:r>
             <a:endParaRPr kumimoji="0" lang="en-US" altLang="zh-CN" sz="1800" b="1" i="0" u="none" strike="noStrike" cap="none" normalizeH="0" baseline="0" smtClean="0">
               <a:ln>
@@ -7702,6 +8042,32 @@
           </a:p>
         </p:txBody>
       </p:sp>
+      <p:pic>
+        <p:nvPicPr>
+          <p:cNvPr id="3" name="Content Placeholder 2" descr="update user profile"/>
+          <p:cNvPicPr>
+            <a:picLocks noChangeAspect="1"/>
+          </p:cNvPicPr>
+          <p:nvPr>
+            <p:ph sz="half" idx="2"/>
+          </p:nvPr>
+        </p:nvPicPr>
+        <p:blipFill>
+          <a:blip r:embed="rId1"/>
+          <a:stretch>
+            <a:fillRect/>
+          </a:stretch>
+        </p:blipFill>
+        <p:spPr>
+          <a:xfrm>
+            <a:off x="6083300" y="1632585"/>
+            <a:ext cx="4095750" cy="1762125"/>
+          </a:xfrm>
+          <a:prstGeom prst="rect">
+            <a:avLst/>
+          </a:prstGeom>
+        </p:spPr>
+      </p:pic>
     </p:spTree>
   </p:cSld>
   <p:clrMapOvr>
@@ -7736,7 +8102,7 @@
       </p:grpSpPr>
       <p:sp>
         <p:nvSpPr>
-          <p:cNvPr id="2" name="Title 1"/>
+          <p:cNvPr id="6" name="Title 5"/>
           <p:cNvSpPr>
             <a:spLocks noGrp="1"/>
           </p:cNvSpPr>
@@ -7747,20 +8113,8 @@
         <p:spPr/>
         <p:txBody>
           <a:bodyPr/>
-          <a:lstStyle/>
-          <a:p>
-            <a:endParaRPr lang="en-US">
-              <a:solidFill>
-                <a:schemeClr val="accent1"/>
-              </a:solidFill>
-              <a:effectLst>
-                <a:outerShdw blurRad="38100" dist="25400" dir="5400000" algn="ctr" rotWithShape="0">
-                  <a:srgbClr val="6E747A">
-                    <a:alpha val="43000"/>
-                  </a:srgbClr>
-                </a:outerShdw>
-              </a:effectLst>
-            </a:endParaRPr>
+          <a:p>
+            <a:endParaRPr lang="en-US"/>
           </a:p>
         </p:txBody>
       </p:sp>
@@ -7878,13 +8232,13 @@
           <p:cNvPr id="4" name="Content Placeholder 3"/>
           <p:cNvSpPr/>
           <p:nvPr>
-            <p:ph idx="1"/>
+            <p:ph sz="half" idx="1"/>
           </p:nvPr>
         </p:nvSpPr>
         <p:spPr>
           <a:xfrm>
-            <a:off x="609600" y="1391920"/>
-            <a:ext cx="10972800" cy="4873625"/>
+            <a:off x="609600" y="1174750"/>
+            <a:ext cx="10829925" cy="4953000"/>
           </a:xfrm>
         </p:spPr>
         <p:txBody>
@@ -7893,27 +8247,39 @@
             <a:pPr marL="0" indent="0">
               <a:buNone/>
             </a:pPr>
-            <a:endParaRPr lang="en-US" sz="1200">
-              <a:solidFill>
-                <a:srgbClr val="92D050"/>
-              </a:solidFill>
-            </a:endParaRPr>
+            <a:r>
+              <a:rPr lang="en-US" sz="1200">
+                <a:solidFill>
+                  <a:srgbClr val="92D050"/>
+                </a:solidFill>
+              </a:rPr>
+              <a:t>Background:</a:t>
+            </a:r>
+            <a:r>
+              <a:rPr lang="en-US" sz="1200"/>
+              <a:t> </a:t>
+            </a:r>
+            <a:endParaRPr lang="en-US" sz="1200"/>
           </a:p>
           <a:p>
             <a:pPr marL="0" indent="0">
               <a:buNone/>
             </a:pPr>
             <a:r>
+              <a:rPr lang="en-US" sz="1200"/>
+              <a:t>    </a:t>
+            </a:r>
+            <a:r>
               <a:rPr lang="en-US" sz="1200">
                 <a:solidFill>
-                  <a:srgbClr val="92D050"/>
+                  <a:srgbClr val="00B0F0"/>
                 </a:solidFill>
               </a:rPr>
-              <a:t>Feature</a:t>
-            </a:r>
-            <a:r>
-              <a:rPr lang="en-US" sz="1200"/>
-              <a:t>: Company User account checks login on first time.</a:t>
+              <a:t>Given </a:t>
+            </a:r>
+            <a:r>
+              <a:rPr lang="en-US" sz="1200"/>
+              <a:t>The user login "http://goodjobs-dev.dynagility.us/login" by "hl.01@yopmail.com" and "Cdbently2408!" successfully</a:t>
             </a:r>
             <a:endParaRPr lang="en-US" sz="1200"/>
           </a:p>
@@ -7941,7 +8307,7 @@
             </a:r>
             <a:r>
               <a:rPr lang="en-US" sz="1200"/>
-              <a:t>: User login in first time</a:t>
+              <a:t>: Create Company account</a:t>
             </a:r>
             <a:endParaRPr lang="en-US" sz="1200"/>
           </a:p>
@@ -7963,7 +8329,7 @@
             </a:r>
             <a:r>
               <a:rPr lang="en-US" sz="1200"/>
-              <a:t>Join Working Metrics screen via link is "http://goodjobs-dev.dynagility.us/onboarding?email=truyen.linh.3@yopmail.com&amp;token=M2ZuNjlhbDllamlu"</a:t>
+              <a:t>Click on Manage menu.</a:t>
             </a:r>
             <a:endParaRPr lang="en-US" sz="1200"/>
           </a:p>
@@ -7980,12 +8346,13 @@
                 <a:solidFill>
                   <a:srgbClr val="00B0F0"/>
                 </a:solidFill>
+                <a:effectLst/>
               </a:rPr>
               <a:t>And </a:t>
             </a:r>
             <a:r>
               <a:rPr lang="en-US" sz="1200"/>
-              <a:t>Click on Create an account on Working Metrics screen.</a:t>
+              <a:t>Click on Add Company button on Manage Companies menu.</a:t>
             </a:r>
             <a:endParaRPr lang="en-US" sz="1200"/>
           </a:p>
@@ -8007,7 +8374,149 @@
             </a:r>
             <a:r>
               <a:rPr lang="en-US" sz="1200"/>
-              <a:t>Create password is "12345678xx@X".</a:t>
+              <a:t>Input required field are Company Name: "Cdbently 021", Company Identifier: "11-1111111" and select required drop down box.</a:t>
+            </a:r>
+            <a:endParaRPr lang="en-US" sz="1200"/>
+          </a:p>
+          <a:p>
+            <a:pPr marL="0" indent="0">
+              <a:buNone/>
+            </a:pPr>
+            <a:r>
+              <a:rPr lang="en-US" sz="1200"/>
+              <a:t>    </a:t>
+            </a:r>
+            <a:r>
+              <a:rPr lang="en-US" sz="1200">
+                <a:solidFill>
+                  <a:srgbClr val="00B0F0"/>
+                </a:solidFill>
+              </a:rPr>
+              <a:t>And </a:t>
+            </a:r>
+            <a:r>
+              <a:rPr lang="en-US" sz="1200"/>
+              <a:t>Input Street Address is "123 new orl land", City is "newyork", State is "US", Zip is "11111".</a:t>
+            </a:r>
+            <a:endParaRPr lang="en-US" sz="1200"/>
+          </a:p>
+          <a:p>
+            <a:pPr marL="0" indent="0">
+              <a:buNone/>
+            </a:pPr>
+            <a:r>
+              <a:rPr lang="en-US" sz="1200"/>
+              <a:t>    </a:t>
+            </a:r>
+            <a:r>
+              <a:rPr lang="en-US" sz="1200">
+                <a:solidFill>
+                  <a:srgbClr val="00B0F0"/>
+                </a:solidFill>
+              </a:rPr>
+              <a:t>And </a:t>
+            </a:r>
+            <a:r>
+              <a:rPr lang="en-US" sz="1200"/>
+              <a:t>Click on Save button on Manage Company screen.</a:t>
+            </a:r>
+            <a:endParaRPr lang="en-US" sz="1200"/>
+          </a:p>
+          <a:p>
+            <a:pPr marL="0" indent="0">
+              <a:buNone/>
+            </a:pPr>
+            <a:r>
+              <a:rPr lang="en-US" sz="1200"/>
+              <a:t>    </a:t>
+            </a:r>
+            <a:r>
+              <a:rPr lang="en-US" sz="1200">
+                <a:solidFill>
+                  <a:srgbClr val="00B0F0"/>
+                </a:solidFill>
+              </a:rPr>
+              <a:t>And </a:t>
+            </a:r>
+            <a:r>
+              <a:rPr lang="en-US" sz="1200"/>
+              <a:t>Add user with Fist Name is "user2 fName", Last Name is "user2 lName", and Email is "cd.0021@yopmail.com"</a:t>
+            </a:r>
+            <a:endParaRPr lang="en-US" sz="1200"/>
+          </a:p>
+          <a:p>
+            <a:pPr marL="0" indent="0">
+              <a:buNone/>
+            </a:pPr>
+            <a:r>
+              <a:rPr lang="en-US" sz="1200"/>
+              <a:t>    </a:t>
+            </a:r>
+            <a:r>
+              <a:rPr lang="en-US" sz="1200">
+                <a:solidFill>
+                  <a:srgbClr val="00B0F0"/>
+                </a:solidFill>
+              </a:rPr>
+              <a:t>And </a:t>
+            </a:r>
+            <a:r>
+              <a:rPr lang="en-US" sz="1200"/>
+              <a:t>Click on Save button on Manage Company screen.</a:t>
+            </a:r>
+            <a:endParaRPr lang="en-US" sz="1200"/>
+          </a:p>
+          <a:p>
+            <a:pPr marL="0" indent="0">
+              <a:buNone/>
+            </a:pPr>
+            <a:r>
+              <a:rPr lang="en-US" sz="1200"/>
+              <a:t>    </a:t>
+            </a:r>
+            <a:r>
+              <a:rPr lang="en-US" sz="1200">
+                <a:solidFill>
+                  <a:srgbClr val="00B0F0"/>
+                </a:solidFill>
+              </a:rPr>
+              <a:t>Then </a:t>
+            </a:r>
+            <a:r>
+              <a:rPr lang="en-US" sz="1200"/>
+              <a:t>System should navigate to Manage Companies screen and "Manage Companies" should shown.</a:t>
+            </a:r>
+            <a:endParaRPr lang="en-US" sz="1200"/>
+          </a:p>
+          <a:p>
+            <a:pPr marL="0" indent="0">
+              <a:buNone/>
+            </a:pPr>
+            <a:r>
+              <a:rPr lang="en-US" sz="1200"/>
+              <a:t>    </a:t>
+            </a:r>
+            <a:r>
+              <a:rPr lang="en-US" sz="1200">
+                <a:solidFill>
+                  <a:srgbClr val="00B0F0"/>
+                </a:solidFill>
+              </a:rPr>
+              <a:t>And </a:t>
+            </a:r>
+            <a:r>
+              <a:rPr lang="en-US" sz="1200"/>
+              <a:t>"Cdbently 021" Shows correctly be shown on Manage Companies screen.</a:t>
+            </a:r>
+            <a:endParaRPr lang="en-US" sz="1200"/>
+          </a:p>
+          <a:p>
+            <a:pPr marL="0" indent="0">
+              <a:buNone/>
+            </a:pPr>
+            <a:r>
+              <a:rPr lang="en-US" sz="1200"/>
+              <a:t>  </a:t>
             </a:r>
             <a:endParaRPr lang="en-US" sz="1200"/>
           </a:p>
@@ -8078,7 +8587,7 @@
                 <a:latin typeface="Arial" panose="020B0604020202020204" pitchFamily="34" charset="0"/>
                 <a:ea typeface="SimSun" panose="02010600030101010101" pitchFamily="2" charset="-122"/>
               </a:rPr>
-              <a:t>III. Company User </a:t>
+              <a:t>I. Administrator</a:t>
             </a:r>
             <a:endParaRPr kumimoji="0" lang="en-US" altLang="zh-CN" sz="1800" b="1" i="0" u="none" strike="noStrike" cap="none" normalizeH="0" baseline="0" smtClean="0">
               <a:ln>
@@ -8094,6 +8603,32 @@
           </a:p>
         </p:txBody>
       </p:sp>
+      <p:pic>
+        <p:nvPicPr>
+          <p:cNvPr id="3" name="Content Placeholder 2" descr="createcompany"/>
+          <p:cNvPicPr>
+            <a:picLocks noChangeAspect="1"/>
+          </p:cNvPicPr>
+          <p:nvPr>
+            <p:ph sz="half" idx="2"/>
+          </p:nvPr>
+        </p:nvPicPr>
+        <p:blipFill>
+          <a:blip r:embed="rId1"/>
+          <a:stretch>
+            <a:fillRect/>
+          </a:stretch>
+        </p:blipFill>
+        <p:spPr>
+          <a:xfrm>
+            <a:off x="1862455" y="4259580"/>
+            <a:ext cx="5384800" cy="1628775"/>
+          </a:xfrm>
+          <a:prstGeom prst="rect">
+            <a:avLst/>
+          </a:prstGeom>
+        </p:spPr>
+      </p:pic>
     </p:spTree>
   </p:cSld>
   <p:clrMapOvr>
@@ -8128,7 +8663,7 @@
       </p:grpSpPr>
       <p:sp>
         <p:nvSpPr>
-          <p:cNvPr id="2" name="Title 1"/>
+          <p:cNvPr id="6" name="Title 5"/>
           <p:cNvSpPr>
             <a:spLocks noGrp="1"/>
           </p:cNvSpPr>
@@ -8139,20 +8674,8 @@
         <p:spPr/>
         <p:txBody>
           <a:bodyPr/>
-          <a:lstStyle/>
-          <a:p>
-            <a:endParaRPr lang="en-US">
-              <a:solidFill>
-                <a:schemeClr val="accent1"/>
-              </a:solidFill>
-              <a:effectLst>
-                <a:outerShdw blurRad="38100" dist="25400" dir="5400000" algn="ctr" rotWithShape="0">
-                  <a:srgbClr val="6E747A">
-                    <a:alpha val="43000"/>
-                  </a:srgbClr>
-                </a:outerShdw>
-              </a:effectLst>
-            </a:endParaRPr>
+          <a:p>
+            <a:endParaRPr lang="en-US"/>
           </a:p>
         </p:txBody>
       </p:sp>
@@ -8239,7 +8762,7 @@
                 <a:ea typeface="SimSun" panose="02010600030101010101" pitchFamily="2" charset="-122"/>
                 <a:sym typeface="+mn-ea"/>
               </a:rPr>
-              <a:t>III. Demo.</a:t>
+              <a:t>II. Design Scenario in feature file.</a:t>
             </a:r>
             <a:endParaRPr kumimoji="0" lang="en-US" altLang="zh-CN" sz="3600" b="0" i="0" u="none" strike="noStrike" cap="none" normalizeH="0" baseline="0" smtClean="0">
               <a:ln w="10160">
@@ -8270,13 +8793,13 @@
           <p:cNvPr id="4" name="Content Placeholder 3"/>
           <p:cNvSpPr/>
           <p:nvPr>
-            <p:ph idx="1"/>
+            <p:ph sz="half" idx="1"/>
           </p:nvPr>
         </p:nvSpPr>
         <p:spPr>
           <a:xfrm>
-            <a:off x="609600" y="1391920"/>
-            <a:ext cx="10972800" cy="4873625"/>
+            <a:off x="609600" y="1174750"/>
+            <a:ext cx="10789285" cy="4953000"/>
           </a:xfrm>
         </p:spPr>
         <p:txBody>
@@ -8285,10 +8808,349 @@
             <a:pPr marL="0" indent="0">
               <a:buNone/>
             </a:pPr>
+            <a:endParaRPr lang="en-US" sz="1200">
+              <a:solidFill>
+                <a:srgbClr val="92D050"/>
+              </a:solidFill>
+            </a:endParaRPr>
+          </a:p>
+          <a:p>
+            <a:pPr marL="0" indent="0">
+              <a:buNone/>
+            </a:pPr>
+            <a:r>
+              <a:rPr lang="en-US" sz="1200">
+                <a:solidFill>
+                  <a:srgbClr val="92D050"/>
+                </a:solidFill>
+              </a:rPr>
+              <a:t>Feature</a:t>
+            </a:r>
+            <a:r>
+              <a:rPr lang="en-US" sz="1200"/>
+              <a:t>: Company Manage account checks login on first time.</a:t>
+            </a:r>
             <a:endParaRPr lang="en-US" sz="1200"/>
           </a:p>
-        </p:txBody>
-      </p:sp>
+          <a:p>
+            <a:pPr marL="0" indent="0">
+              <a:buNone/>
+            </a:pPr>
+            <a:endParaRPr lang="en-US" sz="1200"/>
+          </a:p>
+          <a:p>
+            <a:pPr marL="0" indent="0">
+              <a:buNone/>
+            </a:pPr>
+            <a:r>
+              <a:rPr lang="en-US" sz="1200"/>
+              <a:t>  </a:t>
+            </a:r>
+            <a:r>
+              <a:rPr lang="en-US" sz="1200">
+                <a:solidFill>
+                  <a:srgbClr val="92D050"/>
+                </a:solidFill>
+              </a:rPr>
+              <a:t>Scenario</a:t>
+            </a:r>
+            <a:r>
+              <a:rPr lang="en-US" sz="1200"/>
+              <a:t>: Admin authorise and add user successfully</a:t>
+            </a:r>
+            <a:endParaRPr lang="en-US" sz="1200"/>
+          </a:p>
+          <a:p>
+            <a:pPr marL="0" indent="0">
+              <a:buNone/>
+            </a:pPr>
+            <a:r>
+              <a:rPr lang="en-US" sz="1200"/>
+              <a:t>    </a:t>
+            </a:r>
+            <a:r>
+              <a:rPr lang="en-US" sz="1200">
+                <a:solidFill>
+                  <a:srgbClr val="00B0F0"/>
+                </a:solidFill>
+              </a:rPr>
+              <a:t>When </a:t>
+            </a:r>
+            <a:r>
+              <a:rPr lang="en-US" sz="1200"/>
+              <a:t>Join Working Metrics screen via link is "http://goodjobs-dev.dynagility.us/onboarding?email=hl.tr.23@yopmail.com&amp;token=NWRsb3RkMnJiZGo%3D"</a:t>
+            </a:r>
+            <a:endParaRPr lang="en-US" sz="1200"/>
+          </a:p>
+          <a:p>
+            <a:pPr marL="0" indent="0">
+              <a:buNone/>
+            </a:pPr>
+            <a:r>
+              <a:rPr lang="en-US" sz="1200"/>
+              <a:t>    </a:t>
+            </a:r>
+            <a:r>
+              <a:rPr lang="en-US" sz="1200">
+                <a:solidFill>
+                  <a:srgbClr val="00B0F0"/>
+                </a:solidFill>
+              </a:rPr>
+              <a:t>And </a:t>
+            </a:r>
+            <a:r>
+              <a:rPr lang="en-US" sz="1200"/>
+              <a:t>Click on Create an account on Working Metrics screen.</a:t>
+            </a:r>
+            <a:endParaRPr lang="en-US" sz="1200"/>
+          </a:p>
+          <a:p>
+            <a:pPr marL="0" indent="0">
+              <a:buNone/>
+            </a:pPr>
+            <a:r>
+              <a:rPr lang="en-US" sz="1200"/>
+              <a:t>    </a:t>
+            </a:r>
+            <a:r>
+              <a:rPr lang="en-US" sz="1200">
+                <a:solidFill>
+                  <a:srgbClr val="00B0F0"/>
+                </a:solidFill>
+              </a:rPr>
+              <a:t>And </a:t>
+            </a:r>
+            <a:r>
+              <a:rPr lang="en-US" sz="1200"/>
+              <a:t>Create password is "12345678xx@X".</a:t>
+            </a:r>
+            <a:endParaRPr lang="en-US" sz="1200"/>
+          </a:p>
+          <a:p>
+            <a:pPr marL="0" indent="0">
+              <a:buNone/>
+            </a:pPr>
+            <a:r>
+              <a:rPr lang="en-US" sz="1200"/>
+              <a:t>    </a:t>
+            </a:r>
+            <a:r>
+              <a:rPr lang="en-US" sz="1200">
+                <a:solidFill>
+                  <a:srgbClr val="00B0F0"/>
+                </a:solidFill>
+              </a:rPr>
+              <a:t>And </a:t>
+            </a:r>
+            <a:r>
+              <a:rPr lang="en-US" sz="1200"/>
+              <a:t>Authorized company, update many drop down list value.</a:t>
+            </a:r>
+            <a:endParaRPr lang="en-US" sz="1200"/>
+          </a:p>
+          <a:p>
+            <a:pPr marL="0" indent="0">
+              <a:buNone/>
+            </a:pPr>
+            <a:r>
+              <a:rPr lang="en-US" sz="1200"/>
+              <a:t>    </a:t>
+            </a:r>
+            <a:r>
+              <a:rPr lang="en-US" sz="1200">
+                <a:solidFill>
+                  <a:srgbClr val="00B0F0"/>
+                </a:solidFill>
+              </a:rPr>
+              <a:t>And </a:t>
+            </a:r>
+            <a:r>
+              <a:rPr lang="en-US" sz="1200"/>
+              <a:t>Add a new User account with First Name is "truyen", Last Name is "kieu", email is "truyen.linh.3@yopmail.com", role is user.</a:t>
+            </a:r>
+            <a:endParaRPr lang="en-US" sz="1200"/>
+          </a:p>
+          <a:p>
+            <a:pPr marL="0" indent="0">
+              <a:buNone/>
+            </a:pPr>
+            <a:r>
+              <a:rPr lang="en-US" sz="1200"/>
+              <a:t>    </a:t>
+            </a:r>
+            <a:r>
+              <a:rPr lang="en-US" sz="1200">
+                <a:solidFill>
+                  <a:srgbClr val="00B0F0"/>
+                </a:solidFill>
+              </a:rPr>
+              <a:t>And </a:t>
+            </a:r>
+            <a:r>
+              <a:rPr lang="en-US" sz="1200"/>
+              <a:t>Next to Location screens.</a:t>
+            </a:r>
+            <a:endParaRPr lang="en-US" sz="1200"/>
+          </a:p>
+          <a:p>
+            <a:pPr marL="0" indent="0">
+              <a:buNone/>
+            </a:pPr>
+            <a:r>
+              <a:rPr lang="en-US" sz="1200"/>
+              <a:t>    </a:t>
+            </a:r>
+            <a:r>
+              <a:rPr lang="en-US" sz="1200">
+                <a:solidFill>
+                  <a:srgbClr val="00B0F0"/>
+                </a:solidFill>
+              </a:rPr>
+              <a:t>And </a:t>
+            </a:r>
+            <a:r>
+              <a:rPr lang="en-US" sz="1200"/>
+              <a:t>Next to Report screen.</a:t>
+            </a:r>
+            <a:endParaRPr lang="en-US" sz="1200"/>
+          </a:p>
+          <a:p>
+            <a:pPr marL="0" indent="0">
+              <a:buNone/>
+            </a:pPr>
+            <a:r>
+              <a:rPr lang="en-US" sz="1200"/>
+              <a:t>    </a:t>
+            </a:r>
+            <a:r>
+              <a:rPr lang="en-US" sz="1200">
+                <a:solidFill>
+                  <a:srgbClr val="00B0F0"/>
+                </a:solidFill>
+              </a:rPr>
+              <a:t>Then </a:t>
+            </a:r>
+            <a:r>
+              <a:rPr lang="en-US" sz="1200"/>
+              <a:t>The title is "Complete these steps to provide employee data" should show on Upload Employee Data screens.</a:t>
+            </a:r>
+            <a:endParaRPr lang="en-US" sz="1200"/>
+          </a:p>
+          <a:p>
+            <a:pPr marL="0" indent="0">
+              <a:buNone/>
+            </a:pPr>
+            <a:endParaRPr lang="en-US" sz="1200"/>
+          </a:p>
+        </p:txBody>
+      </p:sp>
+      <p:sp>
+        <p:nvSpPr>
+          <p:cNvPr id="5" name="Rounded Rectangle 4"/>
+          <p:cNvSpPr/>
+          <p:nvPr/>
+        </p:nvSpPr>
+        <p:spPr>
+          <a:xfrm>
+            <a:off x="609600" y="1029335"/>
+            <a:ext cx="4919980" cy="362585"/>
+          </a:xfrm>
+          <a:prstGeom prst="roundRect">
+            <a:avLst/>
+          </a:prstGeom>
+          <a:gradFill rotWithShape="0">
+            <a:gsLst>
+              <a:gs pos="0">
+                <a:schemeClr val="accent1"/>
+              </a:gs>
+              <a:gs pos="100000">
+                <a:schemeClr val="accent2"/>
+              </a:gs>
+            </a:gsLst>
+            <a:lin ang="5400000" scaled="1"/>
+          </a:gradFill>
+          <a:ln w="9525" cap="flat" cmpd="sng" algn="ctr">
+            <a:solidFill>
+              <a:schemeClr val="accent1"/>
+            </a:solidFill>
+            <a:prstDash val="solid"/>
+            <a:round/>
+            <a:headEnd type="none" w="med" len="med"/>
+            <a:tailEnd type="none" w="med" len="med"/>
+          </a:ln>
+        </p:spPr>
+        <p:txBody>
+          <a:bodyPr vert="horz" wrap="none" lIns="91440" tIns="45720" rIns="91440" bIns="45720" numCol="1" anchor="ctr" anchorCtr="0" compatLnSpc="1"/>
+          <a:p>
+            <a:pPr marL="0" marR="0" indent="0" algn="l" defTabSz="914400" rtl="0" eaLnBrk="1" fontAlgn="base" latinLnBrk="0" hangingPunct="1">
+              <a:lnSpc>
+                <a:spcPct val="100000"/>
+              </a:lnSpc>
+              <a:spcBef>
+                <a:spcPct val="0"/>
+              </a:spcBef>
+              <a:spcAft>
+                <a:spcPct val="0"/>
+              </a:spcAft>
+              <a:buClrTx/>
+              <a:buSzTx/>
+              <a:buFontTx/>
+              <a:buNone/>
+            </a:pPr>
+            <a:r>
+              <a:rPr kumimoji="0" lang="en-US" altLang="zh-CN" sz="1800" b="1" i="0" u="none" strike="noStrike" cap="none" normalizeH="0" baseline="0" smtClean="0">
+                <a:ln>
+                  <a:noFill/>
+                </a:ln>
+                <a:solidFill>
+                  <a:schemeClr val="bg1"/>
+                </a:solidFill>
+                <a:effectLst/>
+                <a:latin typeface="Arial" panose="020B0604020202020204" pitchFamily="34" charset="0"/>
+                <a:ea typeface="SimSun" panose="02010600030101010101" pitchFamily="2" charset="-122"/>
+              </a:rPr>
+              <a:t>II. Company Manager </a:t>
+            </a:r>
+            <a:endParaRPr kumimoji="0" lang="en-US" altLang="zh-CN" sz="1800" b="1" i="0" u="none" strike="noStrike" cap="none" normalizeH="0" baseline="0" smtClean="0">
+              <a:ln>
+                <a:noFill/>
+              </a:ln>
+              <a:solidFill>
+                <a:schemeClr val="bg1"/>
+              </a:solidFill>
+              <a:effectLst/>
+              <a:latin typeface="Arial" panose="020B0604020202020204" pitchFamily="34" charset="0"/>
+              <a:ea typeface="SimSun" panose="02010600030101010101" pitchFamily="2" charset="-122"/>
+            </a:endParaRPr>
+          </a:p>
+        </p:txBody>
+      </p:sp>
+      <p:pic>
+        <p:nvPicPr>
+          <p:cNvPr id="3" name="Content Placeholder 2" descr="cpn1st"/>
+          <p:cNvPicPr>
+            <a:picLocks noChangeAspect="1"/>
+          </p:cNvPicPr>
+          <p:nvPr>
+            <p:ph sz="half" idx="2"/>
+          </p:nvPr>
+        </p:nvPicPr>
+        <p:blipFill>
+          <a:blip r:embed="rId1"/>
+          <a:stretch>
+            <a:fillRect/>
+          </a:stretch>
+        </p:blipFill>
+        <p:spPr>
+          <a:xfrm>
+            <a:off x="2214880" y="4046855"/>
+            <a:ext cx="5384800" cy="1226185"/>
+          </a:xfrm>
+          <a:prstGeom prst="rect">
+            <a:avLst/>
+          </a:prstGeom>
+        </p:spPr>
+      </p:pic>
     </p:spTree>
   </p:cSld>
   <p:clrMapOvr>
@@ -8323,60 +9185,384 @@
       </p:grpSpPr>
       <p:sp>
         <p:nvSpPr>
-          <p:cNvPr id="3" name="Rectangle 2"/>
+          <p:cNvPr id="6" name="Title 5"/>
+          <p:cNvSpPr>
+            <a:spLocks noGrp="1"/>
+          </p:cNvSpPr>
+          <p:nvPr>
+            <p:ph type="title"/>
+          </p:nvPr>
+        </p:nvSpPr>
+        <p:spPr/>
+        <p:txBody>
+          <a:bodyPr/>
+          <a:p>
+            <a:endParaRPr lang="en-US"/>
+          </a:p>
+        </p:txBody>
+      </p:sp>
+      <p:sp>
+        <p:nvSpPr>
+          <p:cNvPr id="10" name="Flowchart: Process 9"/>
           <p:cNvSpPr/>
           <p:nvPr/>
         </p:nvSpPr>
         <p:spPr>
           <a:xfrm>
-            <a:off x="4250690" y="2829560"/>
-            <a:ext cx="3689985" cy="1198880"/>
+            <a:off x="609600" y="190500"/>
+            <a:ext cx="10972800" cy="784860"/>
+          </a:xfrm>
+          <a:prstGeom prst="flowChartProcess">
+            <a:avLst/>
+          </a:prstGeom>
+          <a:gradFill rotWithShape="0">
+            <a:gsLst>
+              <a:gs pos="0">
+                <a:srgbClr val="012D86"/>
+              </a:gs>
+              <a:gs pos="100000">
+                <a:srgbClr val="0E2557"/>
+              </a:gs>
+            </a:gsLst>
+            <a:lin ang="5400000" scaled="0"/>
+          </a:gradFill>
+          <a:ln w="9525" cap="flat" cmpd="sng" algn="ctr">
+            <a:solidFill>
+              <a:schemeClr val="accent1"/>
+            </a:solidFill>
+            <a:prstDash val="solid"/>
+            <a:round/>
+            <a:headEnd type="none" w="med" len="med"/>
+            <a:tailEnd type="none" w="med" len="med"/>
+          </a:ln>
+          <a:effectLst>
+            <a:outerShdw blurRad="50800" dist="50800" dir="5400000" algn="ctr" rotWithShape="0">
+              <a:srgbClr val="002060">
+                <a:alpha val="38000"/>
+              </a:srgbClr>
+            </a:outerShdw>
+          </a:effectLst>
+        </p:spPr>
+        <p:txBody>
+          <a:bodyPr vert="horz" wrap="none" lIns="91440" tIns="45720" rIns="91440" bIns="45720" numCol="1" anchor="ctr" anchorCtr="0" compatLnSpc="1"/>
+          <a:lstStyle/>
+          <a:p>
+            <a:pPr marL="0" marR="0" indent="0" algn="l" defTabSz="914400" rtl="0" eaLnBrk="1" fontAlgn="base" latinLnBrk="0" hangingPunct="1">
+              <a:lnSpc>
+                <a:spcPct val="100000"/>
+              </a:lnSpc>
+              <a:spcBef>
+                <a:spcPct val="0"/>
+              </a:spcBef>
+              <a:spcAft>
+                <a:spcPct val="0"/>
+              </a:spcAft>
+              <a:buClrTx/>
+              <a:buSzTx/>
+              <a:buFontTx/>
+              <a:buNone/>
+            </a:pPr>
+            <a:r>
+              <a:rPr lang="en-US" altLang="zh-CN" sz="3600" smtClean="0">
+                <a:ln w="10160">
+                  <a:solidFill>
+                    <a:schemeClr val="accent5"/>
+                  </a:solidFill>
+                  <a:prstDash val="solid"/>
+                </a:ln>
+                <a:solidFill>
+                  <a:srgbClr val="FFFFFF"/>
+                </a:solidFill>
+                <a:effectLst>
+                  <a:outerShdw blurRad="38100" dist="22860" dir="5400000" algn="tl" rotWithShape="0">
+                    <a:srgbClr val="000000">
+                      <a:alpha val="30000"/>
+                    </a:srgbClr>
+                  </a:outerShdw>
+                </a:effectLst>
+                <a:latin typeface="Arial" panose="020B0604020202020204" pitchFamily="34" charset="0"/>
+                <a:ea typeface="SimSun" panose="02010600030101010101" pitchFamily="2" charset="-122"/>
+                <a:sym typeface="+mn-ea"/>
+              </a:rPr>
+              <a:t>II. Design Scenario in feature file.</a:t>
+            </a:r>
+            <a:endParaRPr kumimoji="0" lang="en-US" altLang="zh-CN" sz="3600" b="0" i="0" u="none" strike="noStrike" cap="none" normalizeH="0" baseline="0" smtClean="0">
+              <a:ln w="10160">
+                <a:solidFill>
+                  <a:schemeClr val="accent5"/>
+                </a:solidFill>
+                <a:prstDash val="solid"/>
+              </a:ln>
+              <a:solidFill>
+                <a:srgbClr val="FFFFFF"/>
+              </a:solidFill>
+              <a:effectLst>
+                <a:outerShdw blurRad="38100" dist="22860" dir="5400000" algn="tl" rotWithShape="0">
+                  <a:srgbClr val="000000">
+                    <a:alpha val="30000"/>
+                  </a:srgbClr>
+                </a:outerShdw>
+              </a:effectLst>
+              <a:latin typeface="Arial" panose="020B0604020202020204" pitchFamily="34" charset="0"/>
+              <a:ea typeface="SimSun" panose="02010600030101010101" pitchFamily="2" charset="-122"/>
+              <a:sym typeface="+mn-ea"/>
+            </a:endParaRPr>
+          </a:p>
+        </p:txBody>
+      </p:sp>
+      <p:sp>
+        <p:nvSpPr>
+          <p:cNvPr id="4" name="Content Placeholder 3"/>
+          <p:cNvSpPr/>
+          <p:nvPr>
+            <p:ph sz="half" idx="1"/>
+          </p:nvPr>
+        </p:nvSpPr>
+        <p:spPr>
+          <a:xfrm>
+            <a:off x="609600" y="1174750"/>
+            <a:ext cx="10972800" cy="4953000"/>
+          </a:xfrm>
+        </p:spPr>
+        <p:txBody>
+          <a:bodyPr/>
+          <a:p>
+            <a:pPr marL="0" indent="0">
+              <a:buNone/>
+            </a:pPr>
+            <a:endParaRPr lang="en-US" sz="1200">
+              <a:solidFill>
+                <a:srgbClr val="92D050"/>
+              </a:solidFill>
+            </a:endParaRPr>
+          </a:p>
+          <a:p>
+            <a:pPr marL="0" indent="0">
+              <a:buNone/>
+            </a:pPr>
+            <a:r>
+              <a:rPr lang="en-US" sz="1200">
+                <a:solidFill>
+                  <a:srgbClr val="92D050"/>
+                </a:solidFill>
+              </a:rPr>
+              <a:t>Feature</a:t>
+            </a:r>
+            <a:r>
+              <a:rPr lang="en-US" sz="1200"/>
+              <a:t>: Company User account checks login on first time.</a:t>
+            </a:r>
+            <a:endParaRPr lang="en-US" sz="1200"/>
+          </a:p>
+          <a:p>
+            <a:pPr marL="0" indent="0">
+              <a:buNone/>
+            </a:pPr>
+            <a:endParaRPr lang="en-US" sz="1200"/>
+          </a:p>
+          <a:p>
+            <a:pPr marL="0" indent="0">
+              <a:buNone/>
+            </a:pPr>
+            <a:r>
+              <a:rPr lang="en-US" sz="1200"/>
+              <a:t>  </a:t>
+            </a:r>
+            <a:r>
+              <a:rPr lang="en-US" sz="1200">
+                <a:solidFill>
+                  <a:srgbClr val="92D050"/>
+                </a:solidFill>
+              </a:rPr>
+              <a:t>Scenario</a:t>
+            </a:r>
+            <a:r>
+              <a:rPr lang="en-US" sz="1200"/>
+              <a:t>: User login in first time</a:t>
+            </a:r>
+            <a:endParaRPr lang="en-US" sz="1200"/>
+          </a:p>
+          <a:p>
+            <a:pPr marL="0" indent="0">
+              <a:buNone/>
+            </a:pPr>
+            <a:r>
+              <a:rPr lang="en-US" sz="1200"/>
+              <a:t>    </a:t>
+            </a:r>
+            <a:r>
+              <a:rPr lang="en-US" sz="1200">
+                <a:solidFill>
+                  <a:srgbClr val="00B0F0"/>
+                </a:solidFill>
+              </a:rPr>
+              <a:t>When </a:t>
+            </a:r>
+            <a:r>
+              <a:rPr lang="en-US" sz="1200"/>
+              <a:t>Join Working Metrics screen via link is "http://goodjobs-dev.dynagility.us/onboarding?email=truyen.linh.3@yopmail.com&amp;token=M2ZuNjlhbDllamlu"</a:t>
+            </a:r>
+            <a:endParaRPr lang="en-US" sz="1200"/>
+          </a:p>
+          <a:p>
+            <a:pPr marL="0" indent="0">
+              <a:buNone/>
+            </a:pPr>
+            <a:r>
+              <a:rPr lang="en-US" sz="1200"/>
+              <a:t>    </a:t>
+            </a:r>
+            <a:r>
+              <a:rPr lang="en-US" sz="1200">
+                <a:solidFill>
+                  <a:srgbClr val="00B0F0"/>
+                </a:solidFill>
+              </a:rPr>
+              <a:t>And </a:t>
+            </a:r>
+            <a:r>
+              <a:rPr lang="en-US" sz="1200"/>
+              <a:t>Click on Create an account on Working Metrics screen.</a:t>
+            </a:r>
+            <a:endParaRPr lang="en-US" sz="1200"/>
+          </a:p>
+          <a:p>
+            <a:pPr marL="0" indent="0">
+              <a:buNone/>
+            </a:pPr>
+            <a:r>
+              <a:rPr lang="en-US" sz="1200"/>
+              <a:t>    </a:t>
+            </a:r>
+            <a:r>
+              <a:rPr lang="en-US" sz="1200">
+                <a:solidFill>
+                  <a:srgbClr val="00B0F0"/>
+                </a:solidFill>
+              </a:rPr>
+              <a:t>And </a:t>
+            </a:r>
+            <a:r>
+              <a:rPr lang="en-US" sz="1200"/>
+              <a:t>Create password is "12345678xx@X".</a:t>
+            </a:r>
+            <a:endParaRPr lang="en-US" sz="1200"/>
+          </a:p>
+          <a:p>
+            <a:pPr marL="0" indent="0">
+              <a:buNone/>
+            </a:pPr>
+            <a:endParaRPr lang="en-US" sz="1200"/>
+          </a:p>
+        </p:txBody>
+      </p:sp>
+      <p:sp>
+        <p:nvSpPr>
+          <p:cNvPr id="5" name="Rounded Rectangle 4"/>
+          <p:cNvSpPr/>
+          <p:nvPr/>
+        </p:nvSpPr>
+        <p:spPr>
+          <a:xfrm>
+            <a:off x="609600" y="1029335"/>
+            <a:ext cx="4919980" cy="362585"/>
+          </a:xfrm>
+          <a:prstGeom prst="roundRect">
+            <a:avLst/>
+          </a:prstGeom>
+          <a:gradFill rotWithShape="0">
+            <a:gsLst>
+              <a:gs pos="0">
+                <a:schemeClr val="accent1"/>
+              </a:gs>
+              <a:gs pos="100000">
+                <a:schemeClr val="accent2"/>
+              </a:gs>
+            </a:gsLst>
+            <a:lin ang="5400000" scaled="1"/>
+          </a:gradFill>
+          <a:ln w="9525" cap="flat" cmpd="sng" algn="ctr">
+            <a:solidFill>
+              <a:schemeClr val="accent1"/>
+            </a:solidFill>
+            <a:prstDash val="solid"/>
+            <a:round/>
+            <a:headEnd type="none" w="med" len="med"/>
+            <a:tailEnd type="none" w="med" len="med"/>
+          </a:ln>
+        </p:spPr>
+        <p:txBody>
+          <a:bodyPr vert="horz" wrap="none" lIns="91440" tIns="45720" rIns="91440" bIns="45720" numCol="1" anchor="ctr" anchorCtr="0" compatLnSpc="1"/>
+          <a:p>
+            <a:pPr marL="0" marR="0" indent="0" algn="l" defTabSz="914400" rtl="0" eaLnBrk="1" fontAlgn="base" latinLnBrk="0" hangingPunct="1">
+              <a:lnSpc>
+                <a:spcPct val="100000"/>
+              </a:lnSpc>
+              <a:spcBef>
+                <a:spcPct val="0"/>
+              </a:spcBef>
+              <a:spcAft>
+                <a:spcPct val="0"/>
+              </a:spcAft>
+              <a:buClrTx/>
+              <a:buSzTx/>
+              <a:buFontTx/>
+              <a:buNone/>
+            </a:pPr>
+            <a:r>
+              <a:rPr kumimoji="0" lang="en-US" altLang="zh-CN" sz="1800" b="1" i="0" u="none" strike="noStrike" cap="none" normalizeH="0" baseline="0" smtClean="0">
+                <a:ln>
+                  <a:noFill/>
+                </a:ln>
+                <a:solidFill>
+                  <a:schemeClr val="bg1"/>
+                </a:solidFill>
+                <a:effectLst/>
+                <a:latin typeface="Arial" panose="020B0604020202020204" pitchFamily="34" charset="0"/>
+                <a:ea typeface="SimSun" panose="02010600030101010101" pitchFamily="2" charset="-122"/>
+              </a:rPr>
+              <a:t>III. Company User </a:t>
+            </a:r>
+            <a:endParaRPr kumimoji="0" lang="en-US" altLang="zh-CN" sz="1800" b="1" i="0" u="none" strike="noStrike" cap="none" normalizeH="0" baseline="0" smtClean="0">
+              <a:ln>
+                <a:noFill/>
+              </a:ln>
+              <a:solidFill>
+                <a:schemeClr val="bg1"/>
+              </a:solidFill>
+              <a:effectLst/>
+              <a:latin typeface="Arial" panose="020B0604020202020204" pitchFamily="34" charset="0"/>
+              <a:ea typeface="SimSun" panose="02010600030101010101" pitchFamily="2" charset="-122"/>
+            </a:endParaRPr>
+          </a:p>
+        </p:txBody>
+      </p:sp>
+      <p:pic>
+        <p:nvPicPr>
+          <p:cNvPr id="3" name="Content Placeholder 2" descr="user1st"/>
+          <p:cNvPicPr>
+            <a:picLocks noChangeAspect="1"/>
+          </p:cNvPicPr>
+          <p:nvPr>
+            <p:ph sz="half" idx="2"/>
+          </p:nvPr>
+        </p:nvPicPr>
+        <p:blipFill>
+          <a:blip r:embed="rId1"/>
+          <a:stretch>
+            <a:fillRect/>
+          </a:stretch>
+        </p:blipFill>
+        <p:spPr>
+          <a:xfrm>
+            <a:off x="3599180" y="3169285"/>
+            <a:ext cx="3971925" cy="2047875"/>
           </a:xfrm>
           <a:prstGeom prst="rect">
             <a:avLst/>
           </a:prstGeom>
-          <a:noFill/>
-          <a:ln>
-            <a:noFill/>
-          </a:ln>
         </p:spPr>
-        <p:txBody>
-          <a:bodyPr wrap="none" rtlCol="0" anchor="t">
-            <a:spAutoFit/>
-          </a:bodyPr>
-          <a:lstStyle/>
-          <a:p>
-            <a:pPr algn="ctr"/>
-            <a:r>
-              <a:rPr lang="en-US" altLang="zh-CN" sz="7200" b="1">
-                <a:solidFill>
-                  <a:schemeClr val="accent1"/>
-                </a:solidFill>
-                <a:effectLst>
-                  <a:outerShdw blurRad="38100" dist="25400" dir="5400000" algn="ctr" rotWithShape="0">
-                    <a:srgbClr val="6E747A">
-                      <a:alpha val="43000"/>
-                    </a:srgbClr>
-                  </a:outerShdw>
-                </a:effectLst>
-              </a:rPr>
-              <a:t>Thanks!</a:t>
-            </a:r>
-            <a:endParaRPr lang="en-US" altLang="zh-CN" sz="7200" b="1">
-              <a:solidFill>
-                <a:schemeClr val="accent1"/>
-              </a:solidFill>
-              <a:effectLst>
-                <a:outerShdw blurRad="38100" dist="25400" dir="5400000" algn="ctr" rotWithShape="0">
-                  <a:srgbClr val="6E747A">
-                    <a:alpha val="43000"/>
-                  </a:srgbClr>
-                </a:outerShdw>
-              </a:effectLst>
-            </a:endParaRPr>
-          </a:p>
-        </p:txBody>
-      </p:sp>
+      </p:pic>
     </p:spTree>
   </p:cSld>
   <p:clrMapOvr>

--- a/Sharing.pptx
+++ b/Sharing.pptx
@@ -5,7 +5,7 @@
     <p:sldMasterId id="2147483648" r:id="rId1"/>
   </p:sldMasterIdLst>
   <p:notesMasterIdLst>
-    <p:notesMasterId r:id="rId16"/>
+    <p:notesMasterId r:id="rId18"/>
   </p:notesMasterIdLst>
   <p:sldIdLst>
     <p:sldId id="256" r:id="rId3"/>
@@ -18,9 +18,11 @@
     <p:sldId id="324" r:id="rId10"/>
     <p:sldId id="325" r:id="rId11"/>
     <p:sldId id="326" r:id="rId12"/>
-    <p:sldId id="343" r:id="rId13"/>
-    <p:sldId id="342" r:id="rId14"/>
-    <p:sldId id="277" r:id="rId15"/>
+    <p:sldId id="347" r:id="rId13"/>
+    <p:sldId id="343" r:id="rId14"/>
+    <p:sldId id="348" r:id="rId15"/>
+    <p:sldId id="342" r:id="rId16"/>
+    <p:sldId id="277" r:id="rId17"/>
   </p:sldIdLst>
   <p:sldSz cx="12192000" cy="6858000"/>
   <p:notesSz cx="7103745" cy="10234295"/>
@@ -4995,44 +4997,6 @@
       </p:sp>
       <p:sp>
         <p:nvSpPr>
-          <p:cNvPr id="4" name="Content Placeholder 3"/>
-          <p:cNvSpPr/>
-          <p:nvPr>
-            <p:ph idx="1"/>
-          </p:nvPr>
-        </p:nvSpPr>
-        <p:spPr>
-          <a:xfrm>
-            <a:off x="609600" y="1391920"/>
-            <a:ext cx="10972800" cy="4873625"/>
-          </a:xfrm>
-        </p:spPr>
-        <p:txBody>
-          <a:bodyPr/>
-          <a:p>
-            <a:pPr marL="0" indent="0" algn="ctr">
-              <a:lnSpc>
-                <a:spcPct val="360000"/>
-              </a:lnSpc>
-              <a:buNone/>
-            </a:pPr>
-            <a:endParaRPr lang="en-US" sz="4400">
-              <a:solidFill>
-                <a:schemeClr val="accent1"/>
-              </a:solidFill>
-              <a:effectLst>
-                <a:outerShdw blurRad="38100" dist="25400" dir="5400000" algn="ctr" rotWithShape="0">
-                  <a:srgbClr val="6E747A">
-                    <a:alpha val="43000"/>
-                  </a:srgbClr>
-                </a:outerShdw>
-              </a:effectLst>
-            </a:endParaRPr>
-          </a:p>
-        </p:txBody>
-      </p:sp>
-      <p:sp>
-        <p:nvSpPr>
           <p:cNvPr id="5" name="Rounded Rectangle 4"/>
           <p:cNvSpPr/>
           <p:nvPr/>
@@ -5096,7 +5060,7 @@
                 <a:latin typeface="Arial" panose="020B0604020202020204" pitchFamily="34" charset="0"/>
                 <a:ea typeface="SimSun" panose="02010600030101010101" pitchFamily="2" charset="-122"/>
               </a:rPr>
-              <a:t>I. Some time click button isn't success </a:t>
+              <a:t>I. Some time can't click on element </a:t>
             </a:r>
             <a:endParaRPr kumimoji="0" lang="en-US" altLang="zh-CN" sz="1800" b="1" i="0" u="none" strike="noStrike" cap="none" normalizeH="0" baseline="0" smtClean="0">
               <a:ln>
@@ -5108,6 +5072,273 @@
               <a:effectLst/>
               <a:latin typeface="Arial" panose="020B0604020202020204" pitchFamily="34" charset="0"/>
               <a:ea typeface="SimSun" panose="02010600030101010101" pitchFamily="2" charset="-122"/>
+            </a:endParaRPr>
+          </a:p>
+        </p:txBody>
+      </p:sp>
+      <p:sp>
+        <p:nvSpPr>
+          <p:cNvPr id="3" name="Rounded Rectangle 2"/>
+          <p:cNvSpPr/>
+          <p:nvPr/>
+        </p:nvSpPr>
+        <p:spPr>
+          <a:xfrm>
+            <a:off x="609600" y="1525905"/>
+            <a:ext cx="4920615" cy="420370"/>
+          </a:xfrm>
+          <a:prstGeom prst="roundRect">
+            <a:avLst/>
+          </a:prstGeom>
+          <a:ln>
+            <a:headEnd type="none" w="med" len="med"/>
+            <a:tailEnd type="none" w="med" len="med"/>
+          </a:ln>
+        </p:spPr>
+        <p:style>
+          <a:lnRef idx="2">
+            <a:schemeClr val="accent5"/>
+          </a:lnRef>
+          <a:fillRef idx="1">
+            <a:schemeClr val="lt1"/>
+          </a:fillRef>
+          <a:effectRef idx="0">
+            <a:schemeClr val="accent5"/>
+          </a:effectRef>
+          <a:fontRef idx="minor">
+            <a:schemeClr val="dk1"/>
+          </a:fontRef>
+        </p:style>
+        <p:txBody>
+          <a:bodyPr vert="horz" wrap="none" lIns="91440" tIns="45720" rIns="91440" bIns="45720" numCol="1" anchor="ctr" anchorCtr="0" compatLnSpc="1"/>
+          <a:p>
+            <a:pPr marL="0" marR="0" indent="0" algn="l" defTabSz="914400" rtl="0" eaLnBrk="1" fontAlgn="base" latinLnBrk="0" hangingPunct="1">
+              <a:lnSpc>
+                <a:spcPct val="100000"/>
+              </a:lnSpc>
+              <a:spcBef>
+                <a:spcPct val="0"/>
+              </a:spcBef>
+              <a:spcAft>
+                <a:spcPct val="0"/>
+              </a:spcAft>
+              <a:buClrTx/>
+              <a:buSzTx/>
+              <a:buFontTx/>
+              <a:buNone/>
+            </a:pPr>
+            <a:r>
+              <a:rPr kumimoji="0" lang="en-US" altLang="zh-CN" sz="1800" b="0" i="0" u="none" strike="noStrike" cap="none" normalizeH="0" baseline="0" smtClean="0">
+                <a:ln>
+                  <a:noFill/>
+                </a:ln>
+                <a:solidFill>
+                  <a:schemeClr val="accent2">
+                    <a:lumMod val="75000"/>
+                  </a:schemeClr>
+                </a:solidFill>
+                <a:effectLst/>
+                <a:latin typeface="Arial" panose="020B0604020202020204" pitchFamily="34" charset="0"/>
+                <a:ea typeface="SimSun" panose="02010600030101010101" pitchFamily="2" charset="-122"/>
+              </a:rPr>
+              <a:t>a. Some time can't click on element</a:t>
+            </a:r>
+            <a:endParaRPr kumimoji="0" lang="en-US" altLang="zh-CN" sz="1800" b="0" i="0" u="none" strike="noStrike" cap="none" normalizeH="0" baseline="0" smtClean="0">
+              <a:ln>
+                <a:noFill/>
+              </a:ln>
+              <a:solidFill>
+                <a:schemeClr val="accent2">
+                  <a:lumMod val="75000"/>
+                </a:schemeClr>
+              </a:solidFill>
+              <a:effectLst/>
+              <a:latin typeface="Arial" panose="020B0604020202020204" pitchFamily="34" charset="0"/>
+              <a:ea typeface="SimSun" panose="02010600030101010101" pitchFamily="2" charset="-122"/>
+            </a:endParaRPr>
+          </a:p>
+        </p:txBody>
+      </p:sp>
+      <p:sp>
+        <p:nvSpPr>
+          <p:cNvPr id="6" name="Text Box 5"/>
+          <p:cNvSpPr txBox="1"/>
+          <p:nvPr/>
+        </p:nvSpPr>
+        <p:spPr>
+          <a:xfrm>
+            <a:off x="775335" y="2053590"/>
+            <a:ext cx="5853430" cy="368300"/>
+          </a:xfrm>
+          <a:prstGeom prst="rect">
+            <a:avLst/>
+          </a:prstGeom>
+          <a:noFill/>
+        </p:spPr>
+        <p:txBody>
+          <a:bodyPr wrap="square" rtlCol="0">
+            <a:spAutoFit/>
+          </a:bodyPr>
+          <a:p>
+            <a:r>
+              <a:rPr lang="en-US" b="1">
+                <a:solidFill>
+                  <a:schemeClr val="accent2">
+                    <a:lumMod val="50000"/>
+                  </a:schemeClr>
+                </a:solidFill>
+              </a:rPr>
+              <a:t>Reason: </a:t>
+            </a:r>
+            <a:r>
+              <a:rPr lang="en-US">
+                <a:solidFill>
+                  <a:schemeClr val="accent2">
+                    <a:lumMod val="50000"/>
+                  </a:schemeClr>
+                </a:solidFill>
+              </a:rPr>
+              <a:t>Do click before element is presented</a:t>
+            </a:r>
+            <a:endParaRPr lang="en-US">
+              <a:solidFill>
+                <a:schemeClr val="accent2">
+                  <a:lumMod val="50000"/>
+                </a:schemeClr>
+              </a:solidFill>
+            </a:endParaRPr>
+          </a:p>
+        </p:txBody>
+      </p:sp>
+      <p:sp>
+        <p:nvSpPr>
+          <p:cNvPr id="8" name="Text Box 7"/>
+          <p:cNvSpPr txBox="1"/>
+          <p:nvPr/>
+        </p:nvSpPr>
+        <p:spPr>
+          <a:xfrm>
+            <a:off x="775335" y="2855595"/>
+            <a:ext cx="4180840" cy="645160"/>
+          </a:xfrm>
+          <a:prstGeom prst="rect">
+            <a:avLst/>
+          </a:prstGeom>
+          <a:noFill/>
+        </p:spPr>
+        <p:txBody>
+          <a:bodyPr wrap="square" rtlCol="0">
+            <a:spAutoFit/>
+          </a:bodyPr>
+          <a:p>
+            <a:r>
+              <a:rPr lang="en-US" b="1">
+                <a:solidFill>
+                  <a:schemeClr val="accent2">
+                    <a:lumMod val="50000"/>
+                  </a:schemeClr>
+                </a:solidFill>
+              </a:rPr>
+              <a:t>Solution</a:t>
+            </a:r>
+            <a:r>
+              <a:rPr lang="en-US">
+                <a:solidFill>
+                  <a:schemeClr val="accent2">
+                    <a:lumMod val="50000"/>
+                  </a:schemeClr>
+                </a:solidFill>
+              </a:rPr>
+              <a:t>: Wait element is presented and click</a:t>
+            </a:r>
+            <a:endParaRPr lang="en-US">
+              <a:solidFill>
+                <a:schemeClr val="accent2">
+                  <a:lumMod val="50000"/>
+                </a:schemeClr>
+              </a:solidFill>
+            </a:endParaRPr>
+          </a:p>
+        </p:txBody>
+      </p:sp>
+      <p:sp>
+        <p:nvSpPr>
+          <p:cNvPr id="9" name="Text Box 8"/>
+          <p:cNvSpPr txBox="1"/>
+          <p:nvPr/>
+        </p:nvSpPr>
+        <p:spPr>
+          <a:xfrm>
+            <a:off x="775335" y="3747135"/>
+            <a:ext cx="10125710" cy="1198880"/>
+          </a:xfrm>
+          <a:prstGeom prst="rect">
+            <a:avLst/>
+          </a:prstGeom>
+          <a:noFill/>
+        </p:spPr>
+        <p:txBody>
+          <a:bodyPr wrap="square" rtlCol="0">
+            <a:spAutoFit/>
+          </a:bodyPr>
+          <a:p>
+            <a:r>
+              <a:rPr lang="en-US">
+                <a:solidFill>
+                  <a:srgbClr val="0070C0"/>
+                </a:solidFill>
+              </a:rPr>
+              <a:t>public void click_on_next_button() {</a:t>
+            </a:r>
+            <a:endParaRPr lang="en-US">
+              <a:solidFill>
+                <a:srgbClr val="0070C0"/>
+              </a:solidFill>
+            </a:endParaRPr>
+          </a:p>
+          <a:p>
+            <a:r>
+              <a:rPr lang="en-US">
+                <a:solidFill>
+                  <a:srgbClr val="0070C0"/>
+                </a:solidFill>
+              </a:rPr>
+              <a:t>	//waitABit(2000);</a:t>
+            </a:r>
+            <a:endParaRPr lang="en-US">
+              <a:solidFill>
+                <a:srgbClr val="0070C0"/>
+              </a:solidFill>
+            </a:endParaRPr>
+          </a:p>
+          <a:p>
+            <a:r>
+              <a:rPr lang="en-US">
+                <a:solidFill>
+                  <a:srgbClr val="0070C0"/>
+                </a:solidFill>
+              </a:rPr>
+              <a:t>	nextBtn.waitUntilPresent().click();</a:t>
+            </a:r>
+            <a:endParaRPr lang="en-US">
+              <a:solidFill>
+                <a:srgbClr val="0070C0"/>
+              </a:solidFill>
+            </a:endParaRPr>
+          </a:p>
+          <a:p>
+            <a:r>
+              <a:rPr lang="en-US">
+                <a:solidFill>
+                  <a:srgbClr val="0070C0"/>
+                </a:solidFill>
+              </a:rPr>
+              <a:t>}</a:t>
+            </a:r>
+            <a:endParaRPr lang="en-US">
+              <a:solidFill>
+                <a:srgbClr val="0070C0"/>
+              </a:solidFill>
             </a:endParaRPr>
           </a:p>
         </p:txBody>
@@ -5285,44 +5516,6 @@
       </p:sp>
       <p:sp>
         <p:nvSpPr>
-          <p:cNvPr id="4" name="Content Placeholder 3"/>
-          <p:cNvSpPr/>
-          <p:nvPr>
-            <p:ph idx="1"/>
-          </p:nvPr>
-        </p:nvSpPr>
-        <p:spPr>
-          <a:xfrm>
-            <a:off x="609600" y="1391920"/>
-            <a:ext cx="10972800" cy="4873625"/>
-          </a:xfrm>
-        </p:spPr>
-        <p:txBody>
-          <a:bodyPr/>
-          <a:p>
-            <a:pPr marL="0" indent="0" algn="ctr">
-              <a:lnSpc>
-                <a:spcPct val="360000"/>
-              </a:lnSpc>
-              <a:buNone/>
-            </a:pPr>
-            <a:endParaRPr lang="en-US" sz="4400">
-              <a:solidFill>
-                <a:schemeClr val="accent1"/>
-              </a:solidFill>
-              <a:effectLst>
-                <a:outerShdw blurRad="38100" dist="25400" dir="5400000" algn="ctr" rotWithShape="0">
-                  <a:srgbClr val="6E747A">
-                    <a:alpha val="43000"/>
-                  </a:srgbClr>
-                </a:outerShdw>
-              </a:effectLst>
-            </a:endParaRPr>
-          </a:p>
-        </p:txBody>
-      </p:sp>
-      <p:sp>
-        <p:nvSpPr>
           <p:cNvPr id="5" name="Rounded Rectangle 4"/>
           <p:cNvSpPr/>
           <p:nvPr/>
@@ -5386,7 +5579,7 @@
                 <a:latin typeface="Arial" panose="020B0604020202020204" pitchFamily="34" charset="0"/>
                 <a:ea typeface="SimSun" panose="02010600030101010101" pitchFamily="2" charset="-122"/>
               </a:rPr>
-              <a:t>II. Get locator very hard </a:t>
+              <a:t>I. Some time can't click on element </a:t>
             </a:r>
             <a:endParaRPr kumimoji="0" lang="en-US" altLang="zh-CN" sz="1800" b="1" i="0" u="none" strike="noStrike" cap="none" normalizeH="0" baseline="0" smtClean="0">
               <a:ln>
@@ -5394,6 +5587,382 @@
               </a:ln>
               <a:solidFill>
                 <a:schemeClr val="bg1"/>
+              </a:solidFill>
+              <a:effectLst/>
+              <a:latin typeface="Arial" panose="020B0604020202020204" pitchFamily="34" charset="0"/>
+              <a:ea typeface="SimSun" panose="02010600030101010101" pitchFamily="2" charset="-122"/>
+            </a:endParaRPr>
+          </a:p>
+        </p:txBody>
+      </p:sp>
+      <p:sp>
+        <p:nvSpPr>
+          <p:cNvPr id="3" name="Rounded Rectangle 2"/>
+          <p:cNvSpPr/>
+          <p:nvPr/>
+        </p:nvSpPr>
+        <p:spPr>
+          <a:xfrm>
+            <a:off x="609600" y="1525905"/>
+            <a:ext cx="4920615" cy="420370"/>
+          </a:xfrm>
+          <a:prstGeom prst="roundRect">
+            <a:avLst/>
+          </a:prstGeom>
+          <a:ln>
+            <a:headEnd type="none" w="med" len="med"/>
+            <a:tailEnd type="none" w="med" len="med"/>
+          </a:ln>
+        </p:spPr>
+        <p:style>
+          <a:lnRef idx="2">
+            <a:schemeClr val="accent5"/>
+          </a:lnRef>
+          <a:fillRef idx="1">
+            <a:schemeClr val="lt1"/>
+          </a:fillRef>
+          <a:effectRef idx="0">
+            <a:schemeClr val="accent5"/>
+          </a:effectRef>
+          <a:fontRef idx="minor">
+            <a:schemeClr val="dk1"/>
+          </a:fontRef>
+        </p:style>
+        <p:txBody>
+          <a:bodyPr vert="horz" wrap="none" lIns="91440" tIns="45720" rIns="91440" bIns="45720" numCol="1" anchor="ctr" anchorCtr="0" compatLnSpc="1"/>
+          <a:p>
+            <a:pPr marL="0" marR="0" indent="0" algn="l" defTabSz="914400" rtl="0" eaLnBrk="1" fontAlgn="base" latinLnBrk="0" hangingPunct="1">
+              <a:lnSpc>
+                <a:spcPct val="100000"/>
+              </a:lnSpc>
+              <a:spcBef>
+                <a:spcPct val="0"/>
+              </a:spcBef>
+              <a:spcAft>
+                <a:spcPct val="0"/>
+              </a:spcAft>
+              <a:buClrTx/>
+              <a:buSzTx/>
+              <a:buFontTx/>
+              <a:buNone/>
+            </a:pPr>
+            <a:r>
+              <a:rPr kumimoji="0" lang="en-US" altLang="zh-CN" sz="1800" b="0" i="0" u="none" strike="noStrike" cap="none" normalizeH="0" baseline="0" smtClean="0">
+                <a:ln>
+                  <a:noFill/>
+                </a:ln>
+                <a:solidFill>
+                  <a:schemeClr val="accent2">
+                    <a:lumMod val="75000"/>
+                  </a:schemeClr>
+                </a:solidFill>
+                <a:effectLst/>
+                <a:latin typeface="Arial" panose="020B0604020202020204" pitchFamily="34" charset="0"/>
+                <a:ea typeface="SimSun" panose="02010600030101010101" pitchFamily="2" charset="-122"/>
+              </a:rPr>
+              <a:t>b. Some time click on button isn't success</a:t>
+            </a:r>
+            <a:endParaRPr kumimoji="0" lang="en-US" altLang="zh-CN" sz="1800" b="0" i="0" u="none" strike="noStrike" cap="none" normalizeH="0" baseline="0" smtClean="0">
+              <a:ln>
+                <a:noFill/>
+              </a:ln>
+              <a:solidFill>
+                <a:schemeClr val="accent2">
+                  <a:lumMod val="75000"/>
+                </a:schemeClr>
+              </a:solidFill>
+              <a:effectLst/>
+              <a:latin typeface="Arial" panose="020B0604020202020204" pitchFamily="34" charset="0"/>
+              <a:ea typeface="SimSun" panose="02010600030101010101" pitchFamily="2" charset="-122"/>
+            </a:endParaRPr>
+          </a:p>
+        </p:txBody>
+      </p:sp>
+      <p:sp>
+        <p:nvSpPr>
+          <p:cNvPr id="6" name="Text Box 5"/>
+          <p:cNvSpPr txBox="1"/>
+          <p:nvPr/>
+        </p:nvSpPr>
+        <p:spPr>
+          <a:xfrm>
+            <a:off x="775335" y="2053590"/>
+            <a:ext cx="5853430" cy="368300"/>
+          </a:xfrm>
+          <a:prstGeom prst="rect">
+            <a:avLst/>
+          </a:prstGeom>
+          <a:noFill/>
+        </p:spPr>
+        <p:txBody>
+          <a:bodyPr wrap="square" rtlCol="0">
+            <a:spAutoFit/>
+          </a:bodyPr>
+          <a:p>
+            <a:r>
+              <a:rPr lang="en-US" b="1">
+                <a:solidFill>
+                  <a:schemeClr val="accent2">
+                    <a:lumMod val="50000"/>
+                  </a:schemeClr>
+                </a:solidFill>
+              </a:rPr>
+              <a:t>Reason: </a:t>
+            </a:r>
+            <a:r>
+              <a:rPr lang="en-US">
+                <a:solidFill>
+                  <a:schemeClr val="accent2">
+                    <a:lumMod val="50000"/>
+                  </a:schemeClr>
+                </a:solidFill>
+              </a:rPr>
+              <a:t>Unknown, maybe Selenium isn't stable</a:t>
+            </a:r>
+            <a:endParaRPr lang="en-US">
+              <a:solidFill>
+                <a:schemeClr val="accent2">
+                  <a:lumMod val="50000"/>
+                </a:schemeClr>
+              </a:solidFill>
+            </a:endParaRPr>
+          </a:p>
+        </p:txBody>
+      </p:sp>
+      <p:pic>
+        <p:nvPicPr>
+          <p:cNvPr id="7" name="Content Placeholder 6" descr="manage"/>
+          <p:cNvPicPr>
+            <a:picLocks noChangeAspect="1"/>
+          </p:cNvPicPr>
+          <p:nvPr>
+            <p:ph idx="1"/>
+          </p:nvPr>
+        </p:nvPicPr>
+        <p:blipFill>
+          <a:blip r:embed="rId1"/>
+          <a:stretch>
+            <a:fillRect/>
+          </a:stretch>
+        </p:blipFill>
+        <p:spPr>
+          <a:xfrm>
+            <a:off x="5885815" y="1029335"/>
+            <a:ext cx="5015230" cy="2757170"/>
+          </a:xfrm>
+          <a:prstGeom prst="rect">
+            <a:avLst/>
+          </a:prstGeom>
+        </p:spPr>
+      </p:pic>
+      <p:sp>
+        <p:nvSpPr>
+          <p:cNvPr id="8" name="Text Box 7"/>
+          <p:cNvSpPr txBox="1"/>
+          <p:nvPr/>
+        </p:nvSpPr>
+        <p:spPr>
+          <a:xfrm>
+            <a:off x="775335" y="4053840"/>
+            <a:ext cx="4180840" cy="645160"/>
+          </a:xfrm>
+          <a:prstGeom prst="rect">
+            <a:avLst/>
+          </a:prstGeom>
+          <a:noFill/>
+        </p:spPr>
+        <p:txBody>
+          <a:bodyPr wrap="square" rtlCol="0">
+            <a:spAutoFit/>
+          </a:bodyPr>
+          <a:p>
+            <a:r>
+              <a:rPr lang="en-US" b="1">
+                <a:solidFill>
+                  <a:schemeClr val="accent2">
+                    <a:lumMod val="50000"/>
+                  </a:schemeClr>
+                </a:solidFill>
+              </a:rPr>
+              <a:t>Solution</a:t>
+            </a:r>
+            <a:r>
+              <a:rPr lang="en-US">
+                <a:solidFill>
+                  <a:schemeClr val="accent2">
+                    <a:lumMod val="50000"/>
+                  </a:schemeClr>
+                </a:solidFill>
+              </a:rPr>
+              <a:t>: Using Javascript to click on element</a:t>
+            </a:r>
+            <a:endParaRPr lang="en-US">
+              <a:solidFill>
+                <a:schemeClr val="accent2">
+                  <a:lumMod val="50000"/>
+                </a:schemeClr>
+              </a:solidFill>
+            </a:endParaRPr>
+          </a:p>
+        </p:txBody>
+      </p:sp>
+      <p:sp>
+        <p:nvSpPr>
+          <p:cNvPr id="9" name="Text Box 8"/>
+          <p:cNvSpPr txBox="1"/>
+          <p:nvPr/>
+        </p:nvSpPr>
+        <p:spPr>
+          <a:xfrm>
+            <a:off x="775335" y="4817745"/>
+            <a:ext cx="10125710" cy="1198880"/>
+          </a:xfrm>
+          <a:prstGeom prst="rect">
+            <a:avLst/>
+          </a:prstGeom>
+          <a:noFill/>
+        </p:spPr>
+        <p:txBody>
+          <a:bodyPr wrap="square" rtlCol="0">
+            <a:spAutoFit/>
+          </a:bodyPr>
+          <a:p>
+            <a:r>
+              <a:rPr lang="en-US">
+                <a:solidFill>
+                  <a:srgbClr val="0070C0"/>
+                </a:solidFill>
+              </a:rPr>
+              <a:t>public void click_Manage_button() {</a:t>
+            </a:r>
+            <a:endParaRPr lang="en-US">
+              <a:solidFill>
+                <a:srgbClr val="0070C0"/>
+              </a:solidFill>
+            </a:endParaRPr>
+          </a:p>
+          <a:p>
+            <a:r>
+              <a:rPr lang="en-US">
+                <a:solidFill>
+                  <a:srgbClr val="0070C0"/>
+                </a:solidFill>
+              </a:rPr>
+              <a:t>	JavascriptExecutor excutor = (JavascriptExecutor)getDriver();</a:t>
+            </a:r>
+            <a:endParaRPr lang="en-US">
+              <a:solidFill>
+                <a:srgbClr val="0070C0"/>
+              </a:solidFill>
+            </a:endParaRPr>
+          </a:p>
+          <a:p>
+            <a:r>
+              <a:rPr lang="en-US">
+                <a:solidFill>
+                  <a:srgbClr val="0070C0"/>
+                </a:solidFill>
+              </a:rPr>
+              <a:t>	excutor.executeScript("arguments[0].click();", manageBtn);</a:t>
+            </a:r>
+            <a:endParaRPr lang="en-US">
+              <a:solidFill>
+                <a:srgbClr val="0070C0"/>
+              </a:solidFill>
+            </a:endParaRPr>
+          </a:p>
+          <a:p>
+            <a:r>
+              <a:rPr lang="en-US">
+                <a:solidFill>
+                  <a:srgbClr val="0070C0"/>
+                </a:solidFill>
+              </a:rPr>
+              <a:t>}</a:t>
+            </a:r>
+            <a:endParaRPr lang="en-US">
+              <a:solidFill>
+                <a:srgbClr val="0070C0"/>
+              </a:solidFill>
+            </a:endParaRPr>
+          </a:p>
+        </p:txBody>
+      </p:sp>
+      <p:sp>
+        <p:nvSpPr>
+          <p:cNvPr id="4" name="Rounded Rectangle 3"/>
+          <p:cNvSpPr/>
+          <p:nvPr/>
+        </p:nvSpPr>
+        <p:spPr>
+          <a:xfrm>
+            <a:off x="609600" y="1512570"/>
+            <a:ext cx="4920615" cy="420370"/>
+          </a:xfrm>
+          <a:prstGeom prst="roundRect">
+            <a:avLst/>
+          </a:prstGeom>
+          <a:ln>
+            <a:headEnd type="none" w="med" len="med"/>
+            <a:tailEnd type="none" w="med" len="med"/>
+          </a:ln>
+        </p:spPr>
+        <p:style>
+          <a:lnRef idx="2">
+            <a:schemeClr val="accent5"/>
+          </a:lnRef>
+          <a:fillRef idx="1">
+            <a:schemeClr val="lt1"/>
+          </a:fillRef>
+          <a:effectRef idx="0">
+            <a:schemeClr val="accent5"/>
+          </a:effectRef>
+          <a:fontRef idx="minor">
+            <a:schemeClr val="dk1"/>
+          </a:fontRef>
+        </p:style>
+        <p:txBody>
+          <a:bodyPr vert="horz" wrap="none" lIns="91440" tIns="45720" rIns="91440" bIns="45720" numCol="1" anchor="ctr" anchorCtr="0" compatLnSpc="1"/>
+          <a:p>
+            <a:pPr marL="0" marR="0" indent="0" algn="l" defTabSz="914400" rtl="0" eaLnBrk="1" fontAlgn="base" latinLnBrk="0" hangingPunct="1">
+              <a:lnSpc>
+                <a:spcPct val="100000"/>
+              </a:lnSpc>
+              <a:spcBef>
+                <a:spcPct val="0"/>
+              </a:spcBef>
+              <a:spcAft>
+                <a:spcPct val="0"/>
+              </a:spcAft>
+              <a:buClrTx/>
+              <a:buSzTx/>
+              <a:buFontTx/>
+              <a:buNone/>
+            </a:pPr>
+            <a:r>
+              <a:rPr kumimoji="0" lang="en-US" altLang="zh-CN" sz="1800" b="0" i="0" u="none" strike="noStrike" cap="none" normalizeH="0" baseline="0" smtClean="0">
+                <a:ln>
+                  <a:noFill/>
+                </a:ln>
+                <a:solidFill>
+                  <a:schemeClr val="accent2">
+                    <a:lumMod val="75000"/>
+                  </a:schemeClr>
+                </a:solidFill>
+                <a:effectLst/>
+                <a:latin typeface="Arial" panose="020B0604020202020204" pitchFamily="34" charset="0"/>
+                <a:ea typeface="SimSun" panose="02010600030101010101" pitchFamily="2" charset="-122"/>
+              </a:rPr>
+              <a:t>b. Some time click on button isn't success</a:t>
+            </a:r>
+            <a:endParaRPr kumimoji="0" lang="en-US" altLang="zh-CN" sz="1800" b="0" i="0" u="none" strike="noStrike" cap="none" normalizeH="0" baseline="0" smtClean="0">
+              <a:ln>
+                <a:noFill/>
+              </a:ln>
+              <a:solidFill>
+                <a:schemeClr val="accent2">
+                  <a:lumMod val="75000"/>
+                </a:schemeClr>
               </a:solidFill>
               <a:effectLst/>
               <a:latin typeface="Arial" panose="020B0604020202020204" pitchFamily="34" charset="0"/>
@@ -5547,7 +6116,7 @@
                 <a:ea typeface="SimSun" panose="02010600030101010101" pitchFamily="2" charset="-122"/>
                 <a:sym typeface="+mn-ea"/>
               </a:rPr>
-              <a:t>IV. Demo.</a:t>
+              <a:t>III. Issues</a:t>
             </a:r>
             <a:endParaRPr kumimoji="0" lang="en-US" altLang="zh-CN" sz="3600" b="0" i="0" u="none" strike="noStrike" cap="none" normalizeH="0" baseline="0" smtClean="0">
               <a:ln w="10160">
@@ -5575,53 +6144,261 @@
       </p:sp>
       <p:sp>
         <p:nvSpPr>
-          <p:cNvPr id="4" name="Content Placeholder 3"/>
+          <p:cNvPr id="5" name="Rounded Rectangle 4"/>
           <p:cNvSpPr/>
+          <p:nvPr/>
+        </p:nvSpPr>
+        <p:spPr>
+          <a:xfrm>
+            <a:off x="609600" y="1029335"/>
+            <a:ext cx="4919980" cy="362585"/>
+          </a:xfrm>
+          <a:prstGeom prst="roundRect">
+            <a:avLst/>
+          </a:prstGeom>
+          <a:gradFill rotWithShape="0">
+            <a:gsLst>
+              <a:gs pos="0">
+                <a:schemeClr val="accent1"/>
+              </a:gs>
+              <a:gs pos="100000">
+                <a:schemeClr val="accent2"/>
+              </a:gs>
+            </a:gsLst>
+            <a:lin ang="5400000" scaled="1"/>
+          </a:gradFill>
+          <a:ln w="9525" cap="flat" cmpd="sng" algn="ctr">
+            <a:solidFill>
+              <a:schemeClr val="accent1"/>
+            </a:solidFill>
+            <a:prstDash val="solid"/>
+            <a:round/>
+            <a:headEnd type="none" w="med" len="med"/>
+            <a:tailEnd type="none" w="med" len="med"/>
+          </a:ln>
+        </p:spPr>
+        <p:txBody>
+          <a:bodyPr vert="horz" wrap="none" lIns="91440" tIns="45720" rIns="91440" bIns="45720" numCol="1" anchor="ctr" anchorCtr="0" compatLnSpc="1"/>
+          <a:p>
+            <a:pPr marL="0" marR="0" indent="0" algn="l" defTabSz="914400" rtl="0" eaLnBrk="1" fontAlgn="base" latinLnBrk="0" hangingPunct="1">
+              <a:lnSpc>
+                <a:spcPct val="100000"/>
+              </a:lnSpc>
+              <a:spcBef>
+                <a:spcPct val="0"/>
+              </a:spcBef>
+              <a:spcAft>
+                <a:spcPct val="0"/>
+              </a:spcAft>
+              <a:buClrTx/>
+              <a:buSzTx/>
+              <a:buFontTx/>
+              <a:buNone/>
+            </a:pPr>
+            <a:r>
+              <a:rPr kumimoji="0" lang="en-US" altLang="zh-CN" sz="1800" b="1" i="0" u="none" strike="noStrike" cap="none" normalizeH="0" baseline="0" smtClean="0">
+                <a:ln>
+                  <a:noFill/>
+                </a:ln>
+                <a:solidFill>
+                  <a:schemeClr val="bg1"/>
+                </a:solidFill>
+                <a:effectLst/>
+                <a:latin typeface="Arial" panose="020B0604020202020204" pitchFamily="34" charset="0"/>
+                <a:ea typeface="SimSun" panose="02010600030101010101" pitchFamily="2" charset="-122"/>
+              </a:rPr>
+              <a:t>II. Get locator very hard </a:t>
+            </a:r>
+            <a:endParaRPr kumimoji="0" lang="en-US" altLang="zh-CN" sz="1800" b="1" i="0" u="none" strike="noStrike" cap="none" normalizeH="0" baseline="0" smtClean="0">
+              <a:ln>
+                <a:noFill/>
+              </a:ln>
+              <a:solidFill>
+                <a:schemeClr val="bg1"/>
+              </a:solidFill>
+              <a:effectLst/>
+              <a:latin typeface="Arial" panose="020B0604020202020204" pitchFamily="34" charset="0"/>
+              <a:ea typeface="SimSun" panose="02010600030101010101" pitchFamily="2" charset="-122"/>
+            </a:endParaRPr>
+          </a:p>
+        </p:txBody>
+      </p:sp>
+      <p:pic>
+        <p:nvPicPr>
+          <p:cNvPr id="3" name="Content Placeholder 2" descr="last"/>
+          <p:cNvPicPr>
+            <a:picLocks noChangeAspect="1"/>
+          </p:cNvPicPr>
           <p:nvPr>
             <p:ph idx="1"/>
           </p:nvPr>
-        </p:nvSpPr>
+        </p:nvPicPr>
+        <p:blipFill>
+          <a:blip r:embed="rId1"/>
+          <a:stretch>
+            <a:fillRect/>
+          </a:stretch>
+        </p:blipFill>
         <p:spPr>
           <a:xfrm>
-            <a:off x="609600" y="1391920"/>
-            <a:ext cx="10972800" cy="4873625"/>
+            <a:off x="5193030" y="1570990"/>
+            <a:ext cx="6389370" cy="2808605"/>
           </a:xfrm>
+          <a:prstGeom prst="rect">
+            <a:avLst/>
+          </a:prstGeom>
         </p:spPr>
-        <p:txBody>
-          <a:bodyPr/>
-          <a:p>
-            <a:pPr marL="0" indent="0" algn="ctr">
-              <a:lnSpc>
-                <a:spcPct val="360000"/>
-              </a:lnSpc>
-              <a:buNone/>
-            </a:pPr>
-            <a:r>
-              <a:rPr lang="en-US" sz="4400">
-                <a:solidFill>
-                  <a:schemeClr val="accent1"/>
-                </a:solidFill>
-                <a:effectLst>
-                  <a:outerShdw blurRad="38100" dist="25400" dir="5400000" algn="ctr" rotWithShape="0">
-                    <a:srgbClr val="6E747A">
-                      <a:alpha val="43000"/>
-                    </a:srgbClr>
-                  </a:outerShdw>
-                </a:effectLst>
-              </a:rPr>
-              <a:t>Run Demo</a:t>
-            </a:r>
-            <a:endParaRPr lang="en-US" sz="4400">
+      </p:pic>
+      <p:sp>
+        <p:nvSpPr>
+          <p:cNvPr id="6" name="Text Box 5"/>
+          <p:cNvSpPr txBox="1"/>
+          <p:nvPr/>
+        </p:nvSpPr>
+        <p:spPr>
+          <a:xfrm>
+            <a:off x="609600" y="1570990"/>
+            <a:ext cx="4311650" cy="645160"/>
+          </a:xfrm>
+          <a:prstGeom prst="rect">
+            <a:avLst/>
+          </a:prstGeom>
+          <a:noFill/>
+        </p:spPr>
+        <p:txBody>
+          <a:bodyPr wrap="square" rtlCol="0">
+            <a:spAutoFit/>
+          </a:bodyPr>
+          <a:p>
+            <a:r>
+              <a:rPr lang="en-US" b="1">
+                <a:solidFill>
+                  <a:schemeClr val="accent2">
+                    <a:lumMod val="50000"/>
+                  </a:schemeClr>
+                </a:solidFill>
+              </a:rPr>
+              <a:t>Reason: </a:t>
+            </a:r>
+            <a:r>
+              <a:rPr lang="en-US">
+                <a:solidFill>
+                  <a:schemeClr val="accent2">
+                    <a:lumMod val="50000"/>
+                  </a:schemeClr>
+                </a:solidFill>
+              </a:rPr>
+              <a:t>Number of row is changed after add an user success.</a:t>
+            </a:r>
+            <a:endParaRPr lang="en-US">
               <a:solidFill>
-                <a:schemeClr val="accent1"/>
+                <a:schemeClr val="accent2">
+                  <a:lumMod val="50000"/>
+                </a:schemeClr>
               </a:solidFill>
-              <a:effectLst>
-                <a:outerShdw blurRad="38100" dist="25400" dir="5400000" algn="ctr" rotWithShape="0">
-                  <a:srgbClr val="6E747A">
-                    <a:alpha val="43000"/>
-                  </a:srgbClr>
-                </a:outerShdw>
-              </a:effectLst>
+            </a:endParaRPr>
+          </a:p>
+        </p:txBody>
+      </p:sp>
+      <p:sp>
+        <p:nvSpPr>
+          <p:cNvPr id="8" name="Text Box 7"/>
+          <p:cNvSpPr txBox="1"/>
+          <p:nvPr/>
+        </p:nvSpPr>
+        <p:spPr>
+          <a:xfrm>
+            <a:off x="609600" y="4864735"/>
+            <a:ext cx="4180840" cy="368300"/>
+          </a:xfrm>
+          <a:prstGeom prst="rect">
+            <a:avLst/>
+          </a:prstGeom>
+          <a:noFill/>
+        </p:spPr>
+        <p:txBody>
+          <a:bodyPr wrap="square" rtlCol="0">
+            <a:spAutoFit/>
+          </a:bodyPr>
+          <a:p>
+            <a:r>
+              <a:rPr lang="en-US" b="1">
+                <a:solidFill>
+                  <a:schemeClr val="accent2">
+                    <a:lumMod val="50000"/>
+                  </a:schemeClr>
+                </a:solidFill>
+              </a:rPr>
+              <a:t>Solution</a:t>
+            </a:r>
+            <a:r>
+              <a:rPr lang="en-US">
+                <a:solidFill>
+                  <a:schemeClr val="accent2">
+                    <a:lumMod val="50000"/>
+                  </a:schemeClr>
+                </a:solidFill>
+              </a:rPr>
+              <a:t>: Get last row.</a:t>
+            </a:r>
+            <a:endParaRPr lang="en-US">
+              <a:solidFill>
+                <a:schemeClr val="accent2">
+                  <a:lumMod val="50000"/>
+                </a:schemeClr>
+              </a:solidFill>
+            </a:endParaRPr>
+          </a:p>
+        </p:txBody>
+      </p:sp>
+      <p:sp>
+        <p:nvSpPr>
+          <p:cNvPr id="7" name="Text Box 6"/>
+          <p:cNvSpPr txBox="1"/>
+          <p:nvPr/>
+        </p:nvSpPr>
+        <p:spPr>
+          <a:xfrm>
+            <a:off x="609600" y="5424805"/>
+            <a:ext cx="7625715" cy="645160"/>
+          </a:xfrm>
+          <a:prstGeom prst="rect">
+            <a:avLst/>
+          </a:prstGeom>
+          <a:noFill/>
+        </p:spPr>
+        <p:txBody>
+          <a:bodyPr wrap="square" rtlCol="0" anchor="t">
+            <a:spAutoFit/>
+          </a:bodyPr>
+          <a:p>
+            <a:r>
+              <a:rPr lang="en-US">
+                <a:solidFill>
+                  <a:srgbClr val="0070C0"/>
+                </a:solidFill>
+              </a:rPr>
+              <a:t>@FindBy(xpath="//*[@class='rt-tr-group'][last()]/div/div[1]/input")</a:t>
+            </a:r>
+            <a:endParaRPr lang="en-US">
+              <a:solidFill>
+                <a:srgbClr val="0070C0"/>
+              </a:solidFill>
+            </a:endParaRPr>
+          </a:p>
+          <a:p>
+            <a:r>
+              <a:rPr lang="en-US">
+                <a:solidFill>
+                  <a:srgbClr val="0070C0"/>
+                </a:solidFill>
+              </a:rPr>
+              <a:t>private WebElementFacade firstnameField;</a:t>
+            </a:r>
+            <a:endParaRPr lang="en-US">
+              <a:solidFill>
+                <a:srgbClr val="0070C0"/>
+              </a:solidFill>
             </a:endParaRPr>
           </a:p>
         </p:txBody>
@@ -5642,6 +6419,815 @@
 </file>
 
 <file path=ppt/slides/slide13.xml><?xml version="1.0" encoding="utf-8"?>
+<p:sld xmlns:a="http://schemas.openxmlformats.org/drawingml/2006/main" xmlns:r="http://schemas.openxmlformats.org/officeDocument/2006/relationships" xmlns:p="http://schemas.openxmlformats.org/presentationml/2006/main">
+  <p:cSld>
+    <p:spTree>
+      <p:nvGrpSpPr>
+        <p:cNvPr id="1" name=""/>
+        <p:cNvGrpSpPr/>
+        <p:nvPr/>
+      </p:nvGrpSpPr>
+      <p:grpSpPr>
+        <a:xfrm>
+          <a:off x="0" y="0"/>
+          <a:ext cx="0" cy="0"/>
+          <a:chOff x="0" y="0"/>
+          <a:chExt cx="0" cy="0"/>
+        </a:xfrm>
+      </p:grpSpPr>
+      <p:sp>
+        <p:nvSpPr>
+          <p:cNvPr id="11" name="Title 10"/>
+          <p:cNvSpPr>
+            <a:spLocks noGrp="1"/>
+          </p:cNvSpPr>
+          <p:nvPr>
+            <p:ph type="title"/>
+          </p:nvPr>
+        </p:nvSpPr>
+        <p:spPr/>
+        <p:txBody>
+          <a:bodyPr/>
+          <a:p>
+            <a:endParaRPr lang="en-US"/>
+          </a:p>
+        </p:txBody>
+      </p:sp>
+      <p:sp>
+        <p:nvSpPr>
+          <p:cNvPr id="10" name="Flowchart: Process 9"/>
+          <p:cNvSpPr/>
+          <p:nvPr/>
+        </p:nvSpPr>
+        <p:spPr>
+          <a:xfrm>
+            <a:off x="609600" y="190500"/>
+            <a:ext cx="10972800" cy="784860"/>
+          </a:xfrm>
+          <a:prstGeom prst="flowChartProcess">
+            <a:avLst/>
+          </a:prstGeom>
+          <a:gradFill rotWithShape="0">
+            <a:gsLst>
+              <a:gs pos="0">
+                <a:srgbClr val="012D86"/>
+              </a:gs>
+              <a:gs pos="100000">
+                <a:srgbClr val="0E2557"/>
+              </a:gs>
+            </a:gsLst>
+            <a:lin ang="5400000" scaled="0"/>
+          </a:gradFill>
+          <a:ln w="9525" cap="flat" cmpd="sng" algn="ctr">
+            <a:solidFill>
+              <a:schemeClr val="accent1"/>
+            </a:solidFill>
+            <a:prstDash val="solid"/>
+            <a:round/>
+            <a:headEnd type="none" w="med" len="med"/>
+            <a:tailEnd type="none" w="med" len="med"/>
+          </a:ln>
+          <a:effectLst>
+            <a:outerShdw blurRad="50800" dist="50800" dir="5400000" algn="ctr" rotWithShape="0">
+              <a:srgbClr val="002060">
+                <a:alpha val="38000"/>
+              </a:srgbClr>
+            </a:outerShdw>
+          </a:effectLst>
+        </p:spPr>
+        <p:txBody>
+          <a:bodyPr vert="horz" wrap="none" lIns="91440" tIns="45720" rIns="91440" bIns="45720" numCol="1" anchor="ctr" anchorCtr="0" compatLnSpc="1"/>
+          <a:lstStyle/>
+          <a:p>
+            <a:pPr marL="0" marR="0" indent="0" algn="l" defTabSz="914400" rtl="0" eaLnBrk="1" fontAlgn="base" latinLnBrk="0" hangingPunct="1">
+              <a:lnSpc>
+                <a:spcPct val="100000"/>
+              </a:lnSpc>
+              <a:spcBef>
+                <a:spcPct val="0"/>
+              </a:spcBef>
+              <a:spcAft>
+                <a:spcPct val="0"/>
+              </a:spcAft>
+              <a:buClrTx/>
+              <a:buSzTx/>
+              <a:buFontTx/>
+              <a:buNone/>
+            </a:pPr>
+            <a:r>
+              <a:rPr lang="en-US" altLang="zh-CN" sz="3600" smtClean="0">
+                <a:ln w="10160">
+                  <a:solidFill>
+                    <a:schemeClr val="accent5"/>
+                  </a:solidFill>
+                  <a:prstDash val="solid"/>
+                </a:ln>
+                <a:solidFill>
+                  <a:srgbClr val="FFFFFF"/>
+                </a:solidFill>
+                <a:effectLst>
+                  <a:outerShdw blurRad="38100" dist="22860" dir="5400000" algn="tl" rotWithShape="0">
+                    <a:srgbClr val="000000">
+                      <a:alpha val="30000"/>
+                    </a:srgbClr>
+                  </a:outerShdw>
+                </a:effectLst>
+                <a:latin typeface="Arial" panose="020B0604020202020204" pitchFamily="34" charset="0"/>
+                <a:ea typeface="SimSun" panose="02010600030101010101" pitchFamily="2" charset="-122"/>
+                <a:sym typeface="+mn-ea"/>
+              </a:rPr>
+              <a:t>III. Issues</a:t>
+            </a:r>
+            <a:endParaRPr kumimoji="0" lang="en-US" altLang="zh-CN" sz="3600" b="0" i="0" u="none" strike="noStrike" cap="none" normalizeH="0" baseline="0" smtClean="0">
+              <a:ln w="10160">
+                <a:solidFill>
+                  <a:schemeClr val="accent5"/>
+                </a:solidFill>
+                <a:prstDash val="solid"/>
+              </a:ln>
+              <a:solidFill>
+                <a:srgbClr val="FFFFFF"/>
+              </a:solidFill>
+              <a:effectLst>
+                <a:outerShdw blurRad="38100" dist="22860" dir="5400000" algn="tl" rotWithShape="0">
+                  <a:srgbClr val="000000">
+                    <a:alpha val="30000"/>
+                  </a:srgbClr>
+                </a:outerShdw>
+              </a:effectLst>
+              <a:latin typeface="Arial" panose="020B0604020202020204" pitchFamily="34" charset="0"/>
+              <a:ea typeface="SimSun" panose="02010600030101010101" pitchFamily="2" charset="-122"/>
+              <a:sym typeface="+mn-ea"/>
+            </a:endParaRPr>
+          </a:p>
+        </p:txBody>
+      </p:sp>
+      <p:sp>
+        <p:nvSpPr>
+          <p:cNvPr id="5" name="Rounded Rectangle 4"/>
+          <p:cNvSpPr/>
+          <p:nvPr/>
+        </p:nvSpPr>
+        <p:spPr>
+          <a:xfrm>
+            <a:off x="609600" y="1029335"/>
+            <a:ext cx="4919980" cy="362585"/>
+          </a:xfrm>
+          <a:prstGeom prst="roundRect">
+            <a:avLst/>
+          </a:prstGeom>
+          <a:gradFill rotWithShape="0">
+            <a:gsLst>
+              <a:gs pos="0">
+                <a:schemeClr val="accent1"/>
+              </a:gs>
+              <a:gs pos="100000">
+                <a:schemeClr val="accent2"/>
+              </a:gs>
+            </a:gsLst>
+            <a:lin ang="5400000" scaled="1"/>
+          </a:gradFill>
+          <a:ln w="9525" cap="flat" cmpd="sng" algn="ctr">
+            <a:solidFill>
+              <a:schemeClr val="accent1"/>
+            </a:solidFill>
+            <a:prstDash val="solid"/>
+            <a:round/>
+            <a:headEnd type="none" w="med" len="med"/>
+            <a:tailEnd type="none" w="med" len="med"/>
+          </a:ln>
+        </p:spPr>
+        <p:txBody>
+          <a:bodyPr vert="horz" wrap="none" lIns="91440" tIns="45720" rIns="91440" bIns="45720" numCol="1" anchor="ctr" anchorCtr="0" compatLnSpc="1"/>
+          <a:p>
+            <a:pPr marL="0" marR="0" indent="0" algn="l" defTabSz="914400" rtl="0" eaLnBrk="1" fontAlgn="base" latinLnBrk="0" hangingPunct="1">
+              <a:lnSpc>
+                <a:spcPct val="100000"/>
+              </a:lnSpc>
+              <a:spcBef>
+                <a:spcPct val="0"/>
+              </a:spcBef>
+              <a:spcAft>
+                <a:spcPct val="0"/>
+              </a:spcAft>
+              <a:buClrTx/>
+              <a:buSzTx/>
+              <a:buFontTx/>
+              <a:buNone/>
+            </a:pPr>
+            <a:r>
+              <a:rPr kumimoji="0" lang="en-US" altLang="zh-CN" sz="1800" b="1" i="0" u="none" strike="noStrike" cap="none" normalizeH="0" baseline="0" smtClean="0">
+                <a:ln>
+                  <a:noFill/>
+                </a:ln>
+                <a:solidFill>
+                  <a:schemeClr val="bg1"/>
+                </a:solidFill>
+                <a:effectLst/>
+                <a:latin typeface="Arial" panose="020B0604020202020204" pitchFamily="34" charset="0"/>
+                <a:ea typeface="SimSun" panose="02010600030101010101" pitchFamily="2" charset="-122"/>
+              </a:rPr>
+              <a:t>III. Can't focus on element. </a:t>
+            </a:r>
+            <a:endParaRPr kumimoji="0" lang="en-US" altLang="zh-CN" sz="1800" b="1" i="0" u="none" strike="noStrike" cap="none" normalizeH="0" baseline="0" smtClean="0">
+              <a:ln>
+                <a:noFill/>
+              </a:ln>
+              <a:solidFill>
+                <a:schemeClr val="bg1"/>
+              </a:solidFill>
+              <a:effectLst/>
+              <a:latin typeface="Arial" panose="020B0604020202020204" pitchFamily="34" charset="0"/>
+              <a:ea typeface="SimSun" panose="02010600030101010101" pitchFamily="2" charset="-122"/>
+            </a:endParaRPr>
+          </a:p>
+        </p:txBody>
+      </p:sp>
+      <p:sp>
+        <p:nvSpPr>
+          <p:cNvPr id="6" name="Text Box 5"/>
+          <p:cNvSpPr txBox="1"/>
+          <p:nvPr/>
+        </p:nvSpPr>
+        <p:spPr>
+          <a:xfrm>
+            <a:off x="609600" y="1570990"/>
+            <a:ext cx="4311650" cy="368300"/>
+          </a:xfrm>
+          <a:prstGeom prst="rect">
+            <a:avLst/>
+          </a:prstGeom>
+          <a:noFill/>
+        </p:spPr>
+        <p:txBody>
+          <a:bodyPr wrap="square" rtlCol="0">
+            <a:spAutoFit/>
+          </a:bodyPr>
+          <a:p>
+            <a:r>
+              <a:rPr lang="en-US" b="1">
+                <a:solidFill>
+                  <a:schemeClr val="accent2">
+                    <a:lumMod val="50000"/>
+                  </a:schemeClr>
+                </a:solidFill>
+              </a:rPr>
+              <a:t>Reason: </a:t>
+            </a:r>
+            <a:r>
+              <a:rPr lang="en-US">
+                <a:solidFill>
+                  <a:schemeClr val="accent2">
+                    <a:lumMod val="50000"/>
+                  </a:schemeClr>
+                </a:solidFill>
+              </a:rPr>
+              <a:t>Element drop down list</a:t>
+            </a:r>
+            <a:endParaRPr lang="en-US">
+              <a:solidFill>
+                <a:schemeClr val="accent2">
+                  <a:lumMod val="50000"/>
+                </a:schemeClr>
+              </a:solidFill>
+            </a:endParaRPr>
+          </a:p>
+        </p:txBody>
+      </p:sp>
+      <p:sp>
+        <p:nvSpPr>
+          <p:cNvPr id="8" name="Text Box 7"/>
+          <p:cNvSpPr txBox="1"/>
+          <p:nvPr/>
+        </p:nvSpPr>
+        <p:spPr>
+          <a:xfrm>
+            <a:off x="609600" y="2277745"/>
+            <a:ext cx="4180840" cy="368300"/>
+          </a:xfrm>
+          <a:prstGeom prst="rect">
+            <a:avLst/>
+          </a:prstGeom>
+          <a:noFill/>
+        </p:spPr>
+        <p:txBody>
+          <a:bodyPr wrap="square" rtlCol="0">
+            <a:spAutoFit/>
+          </a:bodyPr>
+          <a:p>
+            <a:r>
+              <a:rPr lang="en-US" b="1">
+                <a:solidFill>
+                  <a:schemeClr val="accent2">
+                    <a:lumMod val="50000"/>
+                  </a:schemeClr>
+                </a:solidFill>
+              </a:rPr>
+              <a:t>Solution</a:t>
+            </a:r>
+            <a:r>
+              <a:rPr lang="en-US">
+                <a:solidFill>
+                  <a:schemeClr val="accent2">
+                    <a:lumMod val="50000"/>
+                  </a:schemeClr>
+                </a:solidFill>
+              </a:rPr>
+              <a:t>: Using Robot class. </a:t>
+            </a:r>
+            <a:endParaRPr lang="en-US">
+              <a:solidFill>
+                <a:schemeClr val="accent2">
+                  <a:lumMod val="50000"/>
+                </a:schemeClr>
+              </a:solidFill>
+            </a:endParaRPr>
+          </a:p>
+        </p:txBody>
+      </p:sp>
+      <p:pic>
+        <p:nvPicPr>
+          <p:cNvPr id="9" name="Content Placeholder 8" descr="drop"/>
+          <p:cNvPicPr>
+            <a:picLocks noChangeAspect="1"/>
+          </p:cNvPicPr>
+          <p:nvPr>
+            <p:ph idx="1"/>
+          </p:nvPr>
+        </p:nvPicPr>
+        <p:blipFill>
+          <a:blip r:embed="rId1"/>
+          <a:stretch>
+            <a:fillRect/>
+          </a:stretch>
+        </p:blipFill>
+        <p:spPr>
+          <a:xfrm>
+            <a:off x="4458335" y="1939290"/>
+            <a:ext cx="7124065" cy="2974340"/>
+          </a:xfrm>
+          <a:prstGeom prst="rect">
+            <a:avLst/>
+          </a:prstGeom>
+        </p:spPr>
+      </p:pic>
+      <p:sp>
+        <p:nvSpPr>
+          <p:cNvPr id="13" name="Text Box 12"/>
+          <p:cNvSpPr txBox="1"/>
+          <p:nvPr/>
+        </p:nvSpPr>
+        <p:spPr>
+          <a:xfrm>
+            <a:off x="609600" y="2850515"/>
+            <a:ext cx="4006850" cy="3291840"/>
+          </a:xfrm>
+          <a:prstGeom prst="rect">
+            <a:avLst/>
+          </a:prstGeom>
+          <a:noFill/>
+        </p:spPr>
+        <p:txBody>
+          <a:bodyPr wrap="square" rtlCol="0" anchor="t">
+            <a:spAutoFit/>
+          </a:bodyPr>
+          <a:p>
+            <a:r>
+              <a:rPr lang="en-US" sz="1600">
+                <a:solidFill>
+                  <a:srgbClr val="0070C0"/>
+                </a:solidFill>
+              </a:rPr>
+              <a:t>Robot r;</a:t>
+            </a:r>
+            <a:endParaRPr lang="en-US" sz="1600">
+              <a:solidFill>
+                <a:srgbClr val="0070C0"/>
+              </a:solidFill>
+            </a:endParaRPr>
+          </a:p>
+          <a:p>
+            <a:r>
+              <a:rPr lang="en-US" sz="1600">
+                <a:solidFill>
+                  <a:srgbClr val="0070C0"/>
+                </a:solidFill>
+              </a:rPr>
+              <a:t>try {</a:t>
+            </a:r>
+            <a:endParaRPr lang="en-US" sz="1600">
+              <a:solidFill>
+                <a:srgbClr val="0070C0"/>
+              </a:solidFill>
+            </a:endParaRPr>
+          </a:p>
+          <a:p>
+            <a:r>
+              <a:rPr lang="en-US" sz="1600">
+                <a:solidFill>
+                  <a:srgbClr val="0070C0"/>
+                </a:solidFill>
+              </a:rPr>
+              <a:t>     r = new Robot();</a:t>
+            </a:r>
+            <a:endParaRPr lang="en-US" sz="1600">
+              <a:solidFill>
+                <a:srgbClr val="0070C0"/>
+              </a:solidFill>
+            </a:endParaRPr>
+          </a:p>
+          <a:p>
+            <a:r>
+              <a:rPr lang="en-US" sz="1600">
+                <a:solidFill>
+                  <a:srgbClr val="0070C0"/>
+                </a:solidFill>
+              </a:rPr>
+              <a:t>     roleOption.click();</a:t>
+            </a:r>
+            <a:endParaRPr lang="en-US" sz="1600">
+              <a:solidFill>
+                <a:srgbClr val="0070C0"/>
+              </a:solidFill>
+            </a:endParaRPr>
+          </a:p>
+          <a:p>
+            <a:r>
+              <a:rPr lang="en-US" sz="1600">
+                <a:solidFill>
+                  <a:srgbClr val="0070C0"/>
+                </a:solidFill>
+              </a:rPr>
+              <a:t>     waitABit(3000);</a:t>
+            </a:r>
+            <a:endParaRPr lang="en-US" sz="1600">
+              <a:solidFill>
+                <a:srgbClr val="0070C0"/>
+              </a:solidFill>
+            </a:endParaRPr>
+          </a:p>
+          <a:p>
+            <a:r>
+              <a:rPr lang="en-US" sz="1600">
+                <a:solidFill>
+                  <a:srgbClr val="0070C0"/>
+                </a:solidFill>
+              </a:rPr>
+              <a:t>     r.keyPress(KeyEvent.VK_DOWN);</a:t>
+            </a:r>
+            <a:endParaRPr lang="en-US" sz="1600">
+              <a:solidFill>
+                <a:srgbClr val="0070C0"/>
+              </a:solidFill>
+            </a:endParaRPr>
+          </a:p>
+          <a:p>
+            <a:r>
+              <a:rPr lang="en-US" sz="1600">
+                <a:solidFill>
+                  <a:srgbClr val="0070C0"/>
+                </a:solidFill>
+              </a:rPr>
+              <a:t>     r.keyRelease(KeyEvent.VK_DOWN);</a:t>
+            </a:r>
+            <a:endParaRPr lang="en-US" sz="1600">
+              <a:solidFill>
+                <a:srgbClr val="0070C0"/>
+              </a:solidFill>
+            </a:endParaRPr>
+          </a:p>
+          <a:p>
+            <a:r>
+              <a:rPr lang="en-US" sz="1600">
+                <a:solidFill>
+                  <a:srgbClr val="0070C0"/>
+                </a:solidFill>
+              </a:rPr>
+              <a:t>     waitABit(3000);</a:t>
+            </a:r>
+            <a:endParaRPr lang="en-US" sz="1600">
+              <a:solidFill>
+                <a:srgbClr val="0070C0"/>
+              </a:solidFill>
+            </a:endParaRPr>
+          </a:p>
+          <a:p>
+            <a:r>
+              <a:rPr lang="en-US" sz="1600">
+                <a:solidFill>
+                  <a:srgbClr val="0070C0"/>
+                </a:solidFill>
+              </a:rPr>
+              <a:t>     r.keyPress(KeyEvent.VK_ENTER);</a:t>
+            </a:r>
+            <a:endParaRPr lang="en-US" sz="1600">
+              <a:solidFill>
+                <a:srgbClr val="0070C0"/>
+              </a:solidFill>
+            </a:endParaRPr>
+          </a:p>
+          <a:p>
+            <a:r>
+              <a:rPr lang="en-US" sz="1600">
+                <a:solidFill>
+                  <a:srgbClr val="0070C0"/>
+                </a:solidFill>
+              </a:rPr>
+              <a:t>     r.keyRelease(KeyEvent.VK_ENTER);</a:t>
+            </a:r>
+            <a:endParaRPr lang="en-US" sz="1600">
+              <a:solidFill>
+                <a:srgbClr val="0070C0"/>
+              </a:solidFill>
+            </a:endParaRPr>
+          </a:p>
+          <a:p>
+            <a:r>
+              <a:rPr lang="en-US" sz="1600">
+                <a:solidFill>
+                  <a:srgbClr val="0070C0"/>
+                </a:solidFill>
+              </a:rPr>
+              <a:t>} catch (AWTException e) {</a:t>
+            </a:r>
+            <a:endParaRPr lang="en-US" sz="1600">
+              <a:solidFill>
+                <a:srgbClr val="0070C0"/>
+              </a:solidFill>
+            </a:endParaRPr>
+          </a:p>
+          <a:p>
+            <a:r>
+              <a:rPr lang="en-US" sz="1600">
+                <a:solidFill>
+                  <a:srgbClr val="0070C0"/>
+                </a:solidFill>
+              </a:rPr>
+              <a:t>   e.printStackTrace();</a:t>
+            </a:r>
+            <a:endParaRPr lang="en-US" sz="1600">
+              <a:solidFill>
+                <a:srgbClr val="0070C0"/>
+              </a:solidFill>
+            </a:endParaRPr>
+          </a:p>
+          <a:p>
+            <a:r>
+              <a:rPr lang="en-US" sz="1600">
+                <a:solidFill>
+                  <a:srgbClr val="0070C0"/>
+                </a:solidFill>
+              </a:rPr>
+              <a:t>}</a:t>
+            </a:r>
+            <a:endParaRPr lang="en-US" sz="1600">
+              <a:solidFill>
+                <a:srgbClr val="0070C0"/>
+              </a:solidFill>
+            </a:endParaRPr>
+          </a:p>
+        </p:txBody>
+      </p:sp>
+    </p:spTree>
+  </p:cSld>
+  <p:clrMapOvr>
+    <a:masterClrMapping/>
+  </p:clrMapOvr>
+  <p:timing>
+    <p:tnLst>
+      <p:par>
+        <p:cTn id="1" dur="indefinite" restart="never" nodeType="tmRoot"/>
+      </p:par>
+    </p:tnLst>
+  </p:timing>
+</p:sld>
+</file>
+
+<file path=ppt/slides/slide14.xml><?xml version="1.0" encoding="utf-8"?>
+<p:sld xmlns:a="http://schemas.openxmlformats.org/drawingml/2006/main" xmlns:r="http://schemas.openxmlformats.org/officeDocument/2006/relationships" xmlns:p="http://schemas.openxmlformats.org/presentationml/2006/main">
+  <p:cSld>
+    <p:spTree>
+      <p:nvGrpSpPr>
+        <p:cNvPr id="1" name=""/>
+        <p:cNvGrpSpPr/>
+        <p:nvPr/>
+      </p:nvGrpSpPr>
+      <p:grpSpPr>
+        <a:xfrm>
+          <a:off x="0" y="0"/>
+          <a:ext cx="0" cy="0"/>
+          <a:chOff x="0" y="0"/>
+          <a:chExt cx="0" cy="0"/>
+        </a:xfrm>
+      </p:grpSpPr>
+      <p:sp>
+        <p:nvSpPr>
+          <p:cNvPr id="2" name="Title 1"/>
+          <p:cNvSpPr>
+            <a:spLocks noGrp="1"/>
+          </p:cNvSpPr>
+          <p:nvPr>
+            <p:ph type="title"/>
+          </p:nvPr>
+        </p:nvSpPr>
+        <p:spPr/>
+        <p:txBody>
+          <a:bodyPr/>
+          <a:lstStyle/>
+          <a:p>
+            <a:endParaRPr lang="en-US">
+              <a:solidFill>
+                <a:schemeClr val="accent1"/>
+              </a:solidFill>
+              <a:effectLst>
+                <a:outerShdw blurRad="38100" dist="25400" dir="5400000" algn="ctr" rotWithShape="0">
+                  <a:srgbClr val="6E747A">
+                    <a:alpha val="43000"/>
+                  </a:srgbClr>
+                </a:outerShdw>
+              </a:effectLst>
+            </a:endParaRPr>
+          </a:p>
+        </p:txBody>
+      </p:sp>
+      <p:sp>
+        <p:nvSpPr>
+          <p:cNvPr id="10" name="Flowchart: Process 9"/>
+          <p:cNvSpPr/>
+          <p:nvPr/>
+        </p:nvSpPr>
+        <p:spPr>
+          <a:xfrm>
+            <a:off x="609600" y="190500"/>
+            <a:ext cx="10972800" cy="784860"/>
+          </a:xfrm>
+          <a:prstGeom prst="flowChartProcess">
+            <a:avLst/>
+          </a:prstGeom>
+          <a:gradFill rotWithShape="0">
+            <a:gsLst>
+              <a:gs pos="0">
+                <a:srgbClr val="012D86"/>
+              </a:gs>
+              <a:gs pos="100000">
+                <a:srgbClr val="0E2557"/>
+              </a:gs>
+            </a:gsLst>
+            <a:lin ang="5400000" scaled="0"/>
+          </a:gradFill>
+          <a:ln w="9525" cap="flat" cmpd="sng" algn="ctr">
+            <a:solidFill>
+              <a:schemeClr val="accent1"/>
+            </a:solidFill>
+            <a:prstDash val="solid"/>
+            <a:round/>
+            <a:headEnd type="none" w="med" len="med"/>
+            <a:tailEnd type="none" w="med" len="med"/>
+          </a:ln>
+          <a:effectLst>
+            <a:outerShdw blurRad="50800" dist="50800" dir="5400000" algn="ctr" rotWithShape="0">
+              <a:srgbClr val="002060">
+                <a:alpha val="38000"/>
+              </a:srgbClr>
+            </a:outerShdw>
+          </a:effectLst>
+        </p:spPr>
+        <p:txBody>
+          <a:bodyPr vert="horz" wrap="none" lIns="91440" tIns="45720" rIns="91440" bIns="45720" numCol="1" anchor="ctr" anchorCtr="0" compatLnSpc="1"/>
+          <a:lstStyle/>
+          <a:p>
+            <a:pPr marL="0" marR="0" indent="0" algn="l" defTabSz="914400" rtl="0" eaLnBrk="1" fontAlgn="base" latinLnBrk="0" hangingPunct="1">
+              <a:lnSpc>
+                <a:spcPct val="100000"/>
+              </a:lnSpc>
+              <a:spcBef>
+                <a:spcPct val="0"/>
+              </a:spcBef>
+              <a:spcAft>
+                <a:spcPct val="0"/>
+              </a:spcAft>
+              <a:buClrTx/>
+              <a:buSzTx/>
+              <a:buFontTx/>
+              <a:buNone/>
+            </a:pPr>
+            <a:r>
+              <a:rPr lang="en-US" altLang="zh-CN" sz="3600" smtClean="0">
+                <a:ln w="10160">
+                  <a:solidFill>
+                    <a:schemeClr val="accent5"/>
+                  </a:solidFill>
+                  <a:prstDash val="solid"/>
+                </a:ln>
+                <a:solidFill>
+                  <a:srgbClr val="FFFFFF"/>
+                </a:solidFill>
+                <a:effectLst>
+                  <a:outerShdw blurRad="38100" dist="22860" dir="5400000" algn="tl" rotWithShape="0">
+                    <a:srgbClr val="000000">
+                      <a:alpha val="30000"/>
+                    </a:srgbClr>
+                  </a:outerShdw>
+                </a:effectLst>
+                <a:latin typeface="Arial" panose="020B0604020202020204" pitchFamily="34" charset="0"/>
+                <a:ea typeface="SimSun" panose="02010600030101010101" pitchFamily="2" charset="-122"/>
+                <a:sym typeface="+mn-ea"/>
+              </a:rPr>
+              <a:t>IV. Demo.</a:t>
+            </a:r>
+            <a:endParaRPr kumimoji="0" lang="en-US" altLang="zh-CN" sz="3600" b="0" i="0" u="none" strike="noStrike" cap="none" normalizeH="0" baseline="0" smtClean="0">
+              <a:ln w="10160">
+                <a:solidFill>
+                  <a:schemeClr val="accent5"/>
+                </a:solidFill>
+                <a:prstDash val="solid"/>
+              </a:ln>
+              <a:solidFill>
+                <a:srgbClr val="FFFFFF"/>
+              </a:solidFill>
+              <a:effectLst>
+                <a:outerShdw blurRad="38100" dist="22860" dir="5400000" algn="tl" rotWithShape="0">
+                  <a:srgbClr val="000000">
+                    <a:alpha val="30000"/>
+                  </a:srgbClr>
+                </a:outerShdw>
+              </a:effectLst>
+              <a:latin typeface="Arial" panose="020B0604020202020204" pitchFamily="34" charset="0"/>
+              <a:ea typeface="SimSun" panose="02010600030101010101" pitchFamily="2" charset="-122"/>
+              <a:sym typeface="+mn-ea"/>
+            </a:endParaRPr>
+          </a:p>
+        </p:txBody>
+      </p:sp>
+      <p:sp>
+        <p:nvSpPr>
+          <p:cNvPr id="4" name="Content Placeholder 3"/>
+          <p:cNvSpPr/>
+          <p:nvPr>
+            <p:ph idx="1"/>
+          </p:nvPr>
+        </p:nvSpPr>
+        <p:spPr>
+          <a:xfrm>
+            <a:off x="609600" y="1391920"/>
+            <a:ext cx="10972800" cy="4873625"/>
+          </a:xfrm>
+        </p:spPr>
+        <p:txBody>
+          <a:bodyPr/>
+          <a:p>
+            <a:pPr marL="0" indent="0" algn="ctr">
+              <a:lnSpc>
+                <a:spcPct val="360000"/>
+              </a:lnSpc>
+              <a:buNone/>
+            </a:pPr>
+            <a:r>
+              <a:rPr lang="en-US" sz="4400">
+                <a:solidFill>
+                  <a:schemeClr val="accent1"/>
+                </a:solidFill>
+                <a:effectLst>
+                  <a:outerShdw blurRad="38100" dist="25400" dir="5400000" algn="ctr" rotWithShape="0">
+                    <a:srgbClr val="6E747A">
+                      <a:alpha val="43000"/>
+                    </a:srgbClr>
+                  </a:outerShdw>
+                </a:effectLst>
+              </a:rPr>
+              <a:t>Run Demo</a:t>
+            </a:r>
+            <a:endParaRPr lang="en-US" sz="4400">
+              <a:solidFill>
+                <a:schemeClr val="accent1"/>
+              </a:solidFill>
+              <a:effectLst>
+                <a:outerShdw blurRad="38100" dist="25400" dir="5400000" algn="ctr" rotWithShape="0">
+                  <a:srgbClr val="6E747A">
+                    <a:alpha val="43000"/>
+                  </a:srgbClr>
+                </a:outerShdw>
+              </a:effectLst>
+            </a:endParaRPr>
+          </a:p>
+        </p:txBody>
+      </p:sp>
+    </p:spTree>
+  </p:cSld>
+  <p:clrMapOvr>
+    <a:masterClrMapping/>
+  </p:clrMapOvr>
+  <p:timing>
+    <p:tnLst>
+      <p:par>
+        <p:cTn id="1" dur="indefinite" restart="never" nodeType="tmRoot"/>
+      </p:par>
+    </p:tnLst>
+  </p:timing>
+</p:sld>
+</file>
+
+<file path=ppt/slides/slide15.xml><?xml version="1.0" encoding="utf-8"?>
 <p:sld xmlns:a="http://schemas.openxmlformats.org/drawingml/2006/main" xmlns:r="http://schemas.openxmlformats.org/officeDocument/2006/relationships" xmlns:p="http://schemas.openxmlformats.org/presentationml/2006/main">
   <p:cSld>
     <p:spTree>

--- a/Sharing.pptx
+++ b/Sharing.pptx
@@ -5,7 +5,7 @@
     <p:sldMasterId id="2147483648" r:id="rId1"/>
   </p:sldMasterIdLst>
   <p:notesMasterIdLst>
-    <p:notesMasterId r:id="rId16"/>
+    <p:notesMasterId r:id="rId18"/>
   </p:notesMasterIdLst>
   <p:sldIdLst>
     <p:sldId id="256" r:id="rId3"/>
@@ -18,9 +18,11 @@
     <p:sldId id="324" r:id="rId10"/>
     <p:sldId id="325" r:id="rId11"/>
     <p:sldId id="326" r:id="rId12"/>
-    <p:sldId id="343" r:id="rId13"/>
-    <p:sldId id="342" r:id="rId14"/>
-    <p:sldId id="277" r:id="rId15"/>
+    <p:sldId id="347" r:id="rId13"/>
+    <p:sldId id="343" r:id="rId14"/>
+    <p:sldId id="348" r:id="rId15"/>
+    <p:sldId id="342" r:id="rId16"/>
+    <p:sldId id="277" r:id="rId17"/>
   </p:sldIdLst>
   <p:sldSz cx="12192000" cy="6858000"/>
   <p:notesSz cx="7103745" cy="10234295"/>
@@ -4995,44 +4997,6 @@
       </p:sp>
       <p:sp>
         <p:nvSpPr>
-          <p:cNvPr id="4" name="Content Placeholder 3"/>
-          <p:cNvSpPr/>
-          <p:nvPr>
-            <p:ph idx="1"/>
-          </p:nvPr>
-        </p:nvSpPr>
-        <p:spPr>
-          <a:xfrm>
-            <a:off x="609600" y="1391920"/>
-            <a:ext cx="10972800" cy="4873625"/>
-          </a:xfrm>
-        </p:spPr>
-        <p:txBody>
-          <a:bodyPr/>
-          <a:p>
-            <a:pPr marL="0" indent="0" algn="ctr">
-              <a:lnSpc>
-                <a:spcPct val="360000"/>
-              </a:lnSpc>
-              <a:buNone/>
-            </a:pPr>
-            <a:endParaRPr lang="en-US" sz="4400">
-              <a:solidFill>
-                <a:schemeClr val="accent1"/>
-              </a:solidFill>
-              <a:effectLst>
-                <a:outerShdw blurRad="38100" dist="25400" dir="5400000" algn="ctr" rotWithShape="0">
-                  <a:srgbClr val="6E747A">
-                    <a:alpha val="43000"/>
-                  </a:srgbClr>
-                </a:outerShdw>
-              </a:effectLst>
-            </a:endParaRPr>
-          </a:p>
-        </p:txBody>
-      </p:sp>
-      <p:sp>
-        <p:nvSpPr>
           <p:cNvPr id="5" name="Rounded Rectangle 4"/>
           <p:cNvSpPr/>
           <p:nvPr/>
@@ -5096,7 +5060,7 @@
                 <a:latin typeface="Arial" panose="020B0604020202020204" pitchFamily="34" charset="0"/>
                 <a:ea typeface="SimSun" panose="02010600030101010101" pitchFamily="2" charset="-122"/>
               </a:rPr>
-              <a:t>I. Some time click button isn't success </a:t>
+              <a:t>I. Click on element </a:t>
             </a:r>
             <a:endParaRPr kumimoji="0" lang="en-US" altLang="zh-CN" sz="1800" b="1" i="0" u="none" strike="noStrike" cap="none" normalizeH="0" baseline="0" smtClean="0">
               <a:ln>
@@ -5108,6 +5072,273 @@
               <a:effectLst/>
               <a:latin typeface="Arial" panose="020B0604020202020204" pitchFamily="34" charset="0"/>
               <a:ea typeface="SimSun" panose="02010600030101010101" pitchFamily="2" charset="-122"/>
+            </a:endParaRPr>
+          </a:p>
+        </p:txBody>
+      </p:sp>
+      <p:sp>
+        <p:nvSpPr>
+          <p:cNvPr id="3" name="Rounded Rectangle 2"/>
+          <p:cNvSpPr/>
+          <p:nvPr/>
+        </p:nvSpPr>
+        <p:spPr>
+          <a:xfrm>
+            <a:off x="609600" y="1525905"/>
+            <a:ext cx="4920615" cy="420370"/>
+          </a:xfrm>
+          <a:prstGeom prst="roundRect">
+            <a:avLst/>
+          </a:prstGeom>
+          <a:ln>
+            <a:headEnd type="none" w="med" len="med"/>
+            <a:tailEnd type="none" w="med" len="med"/>
+          </a:ln>
+        </p:spPr>
+        <p:style>
+          <a:lnRef idx="2">
+            <a:schemeClr val="accent5"/>
+          </a:lnRef>
+          <a:fillRef idx="1">
+            <a:schemeClr val="lt1"/>
+          </a:fillRef>
+          <a:effectRef idx="0">
+            <a:schemeClr val="accent5"/>
+          </a:effectRef>
+          <a:fontRef idx="minor">
+            <a:schemeClr val="dk1"/>
+          </a:fontRef>
+        </p:style>
+        <p:txBody>
+          <a:bodyPr vert="horz" wrap="none" lIns="91440" tIns="45720" rIns="91440" bIns="45720" numCol="1" anchor="ctr" anchorCtr="0" compatLnSpc="1"/>
+          <a:p>
+            <a:pPr marL="0" marR="0" indent="0" algn="l" defTabSz="914400" rtl="0" eaLnBrk="1" fontAlgn="base" latinLnBrk="0" hangingPunct="1">
+              <a:lnSpc>
+                <a:spcPct val="100000"/>
+              </a:lnSpc>
+              <a:spcBef>
+                <a:spcPct val="0"/>
+              </a:spcBef>
+              <a:spcAft>
+                <a:spcPct val="0"/>
+              </a:spcAft>
+              <a:buClrTx/>
+              <a:buSzTx/>
+              <a:buFontTx/>
+              <a:buNone/>
+            </a:pPr>
+            <a:r>
+              <a:rPr kumimoji="0" lang="en-US" altLang="zh-CN" sz="1800" b="0" i="0" u="none" strike="noStrike" cap="none" normalizeH="0" baseline="0" smtClean="0">
+                <a:ln>
+                  <a:noFill/>
+                </a:ln>
+                <a:solidFill>
+                  <a:schemeClr val="accent2">
+                    <a:lumMod val="75000"/>
+                  </a:schemeClr>
+                </a:solidFill>
+                <a:effectLst/>
+                <a:latin typeface="Arial" panose="020B0604020202020204" pitchFamily="34" charset="0"/>
+                <a:ea typeface="SimSun" panose="02010600030101010101" pitchFamily="2" charset="-122"/>
+              </a:rPr>
+              <a:t>a. Some time can't click on element</a:t>
+            </a:r>
+            <a:endParaRPr kumimoji="0" lang="en-US" altLang="zh-CN" sz="1800" b="0" i="0" u="none" strike="noStrike" cap="none" normalizeH="0" baseline="0" smtClean="0">
+              <a:ln>
+                <a:noFill/>
+              </a:ln>
+              <a:solidFill>
+                <a:schemeClr val="accent2">
+                  <a:lumMod val="75000"/>
+                </a:schemeClr>
+              </a:solidFill>
+              <a:effectLst/>
+              <a:latin typeface="Arial" panose="020B0604020202020204" pitchFamily="34" charset="0"/>
+              <a:ea typeface="SimSun" panose="02010600030101010101" pitchFamily="2" charset="-122"/>
+            </a:endParaRPr>
+          </a:p>
+        </p:txBody>
+      </p:sp>
+      <p:sp>
+        <p:nvSpPr>
+          <p:cNvPr id="6" name="Text Box 5"/>
+          <p:cNvSpPr txBox="1"/>
+          <p:nvPr/>
+        </p:nvSpPr>
+        <p:spPr>
+          <a:xfrm>
+            <a:off x="775335" y="2053590"/>
+            <a:ext cx="5853430" cy="368300"/>
+          </a:xfrm>
+          <a:prstGeom prst="rect">
+            <a:avLst/>
+          </a:prstGeom>
+          <a:noFill/>
+        </p:spPr>
+        <p:txBody>
+          <a:bodyPr wrap="square" rtlCol="0">
+            <a:spAutoFit/>
+          </a:bodyPr>
+          <a:p>
+            <a:r>
+              <a:rPr lang="en-US" b="1">
+                <a:solidFill>
+                  <a:schemeClr val="accent2">
+                    <a:lumMod val="50000"/>
+                  </a:schemeClr>
+                </a:solidFill>
+              </a:rPr>
+              <a:t>Reason: </a:t>
+            </a:r>
+            <a:r>
+              <a:rPr lang="en-US">
+                <a:solidFill>
+                  <a:schemeClr val="accent2">
+                    <a:lumMod val="50000"/>
+                  </a:schemeClr>
+                </a:solidFill>
+              </a:rPr>
+              <a:t>Do click before element is presented</a:t>
+            </a:r>
+            <a:endParaRPr lang="en-US">
+              <a:solidFill>
+                <a:schemeClr val="accent2">
+                  <a:lumMod val="50000"/>
+                </a:schemeClr>
+              </a:solidFill>
+            </a:endParaRPr>
+          </a:p>
+        </p:txBody>
+      </p:sp>
+      <p:sp>
+        <p:nvSpPr>
+          <p:cNvPr id="8" name="Text Box 7"/>
+          <p:cNvSpPr txBox="1"/>
+          <p:nvPr/>
+        </p:nvSpPr>
+        <p:spPr>
+          <a:xfrm>
+            <a:off x="775335" y="2855595"/>
+            <a:ext cx="4180840" cy="645160"/>
+          </a:xfrm>
+          <a:prstGeom prst="rect">
+            <a:avLst/>
+          </a:prstGeom>
+          <a:noFill/>
+        </p:spPr>
+        <p:txBody>
+          <a:bodyPr wrap="square" rtlCol="0">
+            <a:spAutoFit/>
+          </a:bodyPr>
+          <a:p>
+            <a:r>
+              <a:rPr lang="en-US" b="1">
+                <a:solidFill>
+                  <a:schemeClr val="accent2">
+                    <a:lumMod val="50000"/>
+                  </a:schemeClr>
+                </a:solidFill>
+              </a:rPr>
+              <a:t>Solution</a:t>
+            </a:r>
+            <a:r>
+              <a:rPr lang="en-US">
+                <a:solidFill>
+                  <a:schemeClr val="accent2">
+                    <a:lumMod val="50000"/>
+                  </a:schemeClr>
+                </a:solidFill>
+              </a:rPr>
+              <a:t>: Wait element is presented and click</a:t>
+            </a:r>
+            <a:endParaRPr lang="en-US">
+              <a:solidFill>
+                <a:schemeClr val="accent2">
+                  <a:lumMod val="50000"/>
+                </a:schemeClr>
+              </a:solidFill>
+            </a:endParaRPr>
+          </a:p>
+        </p:txBody>
+      </p:sp>
+      <p:sp>
+        <p:nvSpPr>
+          <p:cNvPr id="9" name="Text Box 8"/>
+          <p:cNvSpPr txBox="1"/>
+          <p:nvPr/>
+        </p:nvSpPr>
+        <p:spPr>
+          <a:xfrm>
+            <a:off x="775335" y="3747135"/>
+            <a:ext cx="10125710" cy="1198880"/>
+          </a:xfrm>
+          <a:prstGeom prst="rect">
+            <a:avLst/>
+          </a:prstGeom>
+          <a:noFill/>
+        </p:spPr>
+        <p:txBody>
+          <a:bodyPr wrap="square" rtlCol="0">
+            <a:spAutoFit/>
+          </a:bodyPr>
+          <a:p>
+            <a:r>
+              <a:rPr lang="en-US">
+                <a:solidFill>
+                  <a:srgbClr val="0070C0"/>
+                </a:solidFill>
+              </a:rPr>
+              <a:t>public void click_on_next_button() {</a:t>
+            </a:r>
+            <a:endParaRPr lang="en-US">
+              <a:solidFill>
+                <a:srgbClr val="0070C0"/>
+              </a:solidFill>
+            </a:endParaRPr>
+          </a:p>
+          <a:p>
+            <a:r>
+              <a:rPr lang="en-US">
+                <a:solidFill>
+                  <a:srgbClr val="0070C0"/>
+                </a:solidFill>
+              </a:rPr>
+              <a:t>	//waitABit(2000);</a:t>
+            </a:r>
+            <a:endParaRPr lang="en-US">
+              <a:solidFill>
+                <a:srgbClr val="0070C0"/>
+              </a:solidFill>
+            </a:endParaRPr>
+          </a:p>
+          <a:p>
+            <a:r>
+              <a:rPr lang="en-US">
+                <a:solidFill>
+                  <a:srgbClr val="0070C0"/>
+                </a:solidFill>
+              </a:rPr>
+              <a:t>	nextBtn.waitUntilPresent().click();</a:t>
+            </a:r>
+            <a:endParaRPr lang="en-US">
+              <a:solidFill>
+                <a:srgbClr val="0070C0"/>
+              </a:solidFill>
+            </a:endParaRPr>
+          </a:p>
+          <a:p>
+            <a:r>
+              <a:rPr lang="en-US">
+                <a:solidFill>
+                  <a:srgbClr val="0070C0"/>
+                </a:solidFill>
+              </a:rPr>
+              <a:t>}</a:t>
+            </a:r>
+            <a:endParaRPr lang="en-US">
+              <a:solidFill>
+                <a:srgbClr val="0070C0"/>
+              </a:solidFill>
             </a:endParaRPr>
           </a:p>
         </p:txBody>
@@ -5285,44 +5516,6 @@
       </p:sp>
       <p:sp>
         <p:nvSpPr>
-          <p:cNvPr id="4" name="Content Placeholder 3"/>
-          <p:cNvSpPr/>
-          <p:nvPr>
-            <p:ph idx="1"/>
-          </p:nvPr>
-        </p:nvSpPr>
-        <p:spPr>
-          <a:xfrm>
-            <a:off x="609600" y="1391920"/>
-            <a:ext cx="10972800" cy="4873625"/>
-          </a:xfrm>
-        </p:spPr>
-        <p:txBody>
-          <a:bodyPr/>
-          <a:p>
-            <a:pPr marL="0" indent="0" algn="ctr">
-              <a:lnSpc>
-                <a:spcPct val="360000"/>
-              </a:lnSpc>
-              <a:buNone/>
-            </a:pPr>
-            <a:endParaRPr lang="en-US" sz="4400">
-              <a:solidFill>
-                <a:schemeClr val="accent1"/>
-              </a:solidFill>
-              <a:effectLst>
-                <a:outerShdw blurRad="38100" dist="25400" dir="5400000" algn="ctr" rotWithShape="0">
-                  <a:srgbClr val="6E747A">
-                    <a:alpha val="43000"/>
-                  </a:srgbClr>
-                </a:outerShdw>
-              </a:effectLst>
-            </a:endParaRPr>
-          </a:p>
-        </p:txBody>
-      </p:sp>
-      <p:sp>
-        <p:nvSpPr>
           <p:cNvPr id="5" name="Rounded Rectangle 4"/>
           <p:cNvSpPr/>
           <p:nvPr/>
@@ -5386,7 +5579,7 @@
                 <a:latin typeface="Arial" panose="020B0604020202020204" pitchFamily="34" charset="0"/>
                 <a:ea typeface="SimSun" panose="02010600030101010101" pitchFamily="2" charset="-122"/>
               </a:rPr>
-              <a:t>II. Get locator very hard </a:t>
+              <a:t>I. Click on element </a:t>
             </a:r>
             <a:endParaRPr kumimoji="0" lang="en-US" altLang="zh-CN" sz="1800" b="1" i="0" u="none" strike="noStrike" cap="none" normalizeH="0" baseline="0" smtClean="0">
               <a:ln>
@@ -5394,6 +5587,382 @@
               </a:ln>
               <a:solidFill>
                 <a:schemeClr val="bg1"/>
+              </a:solidFill>
+              <a:effectLst/>
+              <a:latin typeface="Arial" panose="020B0604020202020204" pitchFamily="34" charset="0"/>
+              <a:ea typeface="SimSun" panose="02010600030101010101" pitchFamily="2" charset="-122"/>
+            </a:endParaRPr>
+          </a:p>
+        </p:txBody>
+      </p:sp>
+      <p:sp>
+        <p:nvSpPr>
+          <p:cNvPr id="3" name="Rounded Rectangle 2"/>
+          <p:cNvSpPr/>
+          <p:nvPr/>
+        </p:nvSpPr>
+        <p:spPr>
+          <a:xfrm>
+            <a:off x="609600" y="1525905"/>
+            <a:ext cx="4920615" cy="420370"/>
+          </a:xfrm>
+          <a:prstGeom prst="roundRect">
+            <a:avLst/>
+          </a:prstGeom>
+          <a:ln>
+            <a:headEnd type="none" w="med" len="med"/>
+            <a:tailEnd type="none" w="med" len="med"/>
+          </a:ln>
+        </p:spPr>
+        <p:style>
+          <a:lnRef idx="2">
+            <a:schemeClr val="accent5"/>
+          </a:lnRef>
+          <a:fillRef idx="1">
+            <a:schemeClr val="lt1"/>
+          </a:fillRef>
+          <a:effectRef idx="0">
+            <a:schemeClr val="accent5"/>
+          </a:effectRef>
+          <a:fontRef idx="minor">
+            <a:schemeClr val="dk1"/>
+          </a:fontRef>
+        </p:style>
+        <p:txBody>
+          <a:bodyPr vert="horz" wrap="none" lIns="91440" tIns="45720" rIns="91440" bIns="45720" numCol="1" anchor="ctr" anchorCtr="0" compatLnSpc="1"/>
+          <a:p>
+            <a:pPr marL="0" marR="0" indent="0" algn="l" defTabSz="914400" rtl="0" eaLnBrk="1" fontAlgn="base" latinLnBrk="0" hangingPunct="1">
+              <a:lnSpc>
+                <a:spcPct val="100000"/>
+              </a:lnSpc>
+              <a:spcBef>
+                <a:spcPct val="0"/>
+              </a:spcBef>
+              <a:spcAft>
+                <a:spcPct val="0"/>
+              </a:spcAft>
+              <a:buClrTx/>
+              <a:buSzTx/>
+              <a:buFontTx/>
+              <a:buNone/>
+            </a:pPr>
+            <a:r>
+              <a:rPr kumimoji="0" lang="en-US" altLang="zh-CN" sz="1800" b="0" i="0" u="none" strike="noStrike" cap="none" normalizeH="0" baseline="0" smtClean="0">
+                <a:ln>
+                  <a:noFill/>
+                </a:ln>
+                <a:solidFill>
+                  <a:schemeClr val="accent2">
+                    <a:lumMod val="75000"/>
+                  </a:schemeClr>
+                </a:solidFill>
+                <a:effectLst/>
+                <a:latin typeface="Arial" panose="020B0604020202020204" pitchFamily="34" charset="0"/>
+                <a:ea typeface="SimSun" panose="02010600030101010101" pitchFamily="2" charset="-122"/>
+              </a:rPr>
+              <a:t>b. Some time click on button isn't success</a:t>
+            </a:r>
+            <a:endParaRPr kumimoji="0" lang="en-US" altLang="zh-CN" sz="1800" b="0" i="0" u="none" strike="noStrike" cap="none" normalizeH="0" baseline="0" smtClean="0">
+              <a:ln>
+                <a:noFill/>
+              </a:ln>
+              <a:solidFill>
+                <a:schemeClr val="accent2">
+                  <a:lumMod val="75000"/>
+                </a:schemeClr>
+              </a:solidFill>
+              <a:effectLst/>
+              <a:latin typeface="Arial" panose="020B0604020202020204" pitchFamily="34" charset="0"/>
+              <a:ea typeface="SimSun" panose="02010600030101010101" pitchFamily="2" charset="-122"/>
+            </a:endParaRPr>
+          </a:p>
+        </p:txBody>
+      </p:sp>
+      <p:sp>
+        <p:nvSpPr>
+          <p:cNvPr id="6" name="Text Box 5"/>
+          <p:cNvSpPr txBox="1"/>
+          <p:nvPr/>
+        </p:nvSpPr>
+        <p:spPr>
+          <a:xfrm>
+            <a:off x="775335" y="2053590"/>
+            <a:ext cx="5853430" cy="368300"/>
+          </a:xfrm>
+          <a:prstGeom prst="rect">
+            <a:avLst/>
+          </a:prstGeom>
+          <a:noFill/>
+        </p:spPr>
+        <p:txBody>
+          <a:bodyPr wrap="square" rtlCol="0">
+            <a:spAutoFit/>
+          </a:bodyPr>
+          <a:p>
+            <a:r>
+              <a:rPr lang="en-US" b="1">
+                <a:solidFill>
+                  <a:schemeClr val="accent2">
+                    <a:lumMod val="50000"/>
+                  </a:schemeClr>
+                </a:solidFill>
+              </a:rPr>
+              <a:t>Reason: </a:t>
+            </a:r>
+            <a:r>
+              <a:rPr lang="en-US">
+                <a:solidFill>
+                  <a:schemeClr val="accent2">
+                    <a:lumMod val="50000"/>
+                  </a:schemeClr>
+                </a:solidFill>
+              </a:rPr>
+              <a:t>Unknown, maybe Selenium isn't stable</a:t>
+            </a:r>
+            <a:endParaRPr lang="en-US">
+              <a:solidFill>
+                <a:schemeClr val="accent2">
+                  <a:lumMod val="50000"/>
+                </a:schemeClr>
+              </a:solidFill>
+            </a:endParaRPr>
+          </a:p>
+        </p:txBody>
+      </p:sp>
+      <p:pic>
+        <p:nvPicPr>
+          <p:cNvPr id="7" name="Content Placeholder 6" descr="manage"/>
+          <p:cNvPicPr>
+            <a:picLocks noChangeAspect="1"/>
+          </p:cNvPicPr>
+          <p:nvPr>
+            <p:ph idx="1"/>
+          </p:nvPr>
+        </p:nvPicPr>
+        <p:blipFill>
+          <a:blip r:embed="rId1"/>
+          <a:stretch>
+            <a:fillRect/>
+          </a:stretch>
+        </p:blipFill>
+        <p:spPr>
+          <a:xfrm>
+            <a:off x="5885815" y="1029335"/>
+            <a:ext cx="5015230" cy="2757170"/>
+          </a:xfrm>
+          <a:prstGeom prst="rect">
+            <a:avLst/>
+          </a:prstGeom>
+        </p:spPr>
+      </p:pic>
+      <p:sp>
+        <p:nvSpPr>
+          <p:cNvPr id="8" name="Text Box 7"/>
+          <p:cNvSpPr txBox="1"/>
+          <p:nvPr/>
+        </p:nvSpPr>
+        <p:spPr>
+          <a:xfrm>
+            <a:off x="775335" y="4053840"/>
+            <a:ext cx="4180840" cy="645160"/>
+          </a:xfrm>
+          <a:prstGeom prst="rect">
+            <a:avLst/>
+          </a:prstGeom>
+          <a:noFill/>
+        </p:spPr>
+        <p:txBody>
+          <a:bodyPr wrap="square" rtlCol="0">
+            <a:spAutoFit/>
+          </a:bodyPr>
+          <a:p>
+            <a:r>
+              <a:rPr lang="en-US" b="1">
+                <a:solidFill>
+                  <a:schemeClr val="accent2">
+                    <a:lumMod val="50000"/>
+                  </a:schemeClr>
+                </a:solidFill>
+              </a:rPr>
+              <a:t>Solution</a:t>
+            </a:r>
+            <a:r>
+              <a:rPr lang="en-US">
+                <a:solidFill>
+                  <a:schemeClr val="accent2">
+                    <a:lumMod val="50000"/>
+                  </a:schemeClr>
+                </a:solidFill>
+              </a:rPr>
+              <a:t>: Using Javascript to click on element</a:t>
+            </a:r>
+            <a:endParaRPr lang="en-US">
+              <a:solidFill>
+                <a:schemeClr val="accent2">
+                  <a:lumMod val="50000"/>
+                </a:schemeClr>
+              </a:solidFill>
+            </a:endParaRPr>
+          </a:p>
+        </p:txBody>
+      </p:sp>
+      <p:sp>
+        <p:nvSpPr>
+          <p:cNvPr id="9" name="Text Box 8"/>
+          <p:cNvSpPr txBox="1"/>
+          <p:nvPr/>
+        </p:nvSpPr>
+        <p:spPr>
+          <a:xfrm>
+            <a:off x="775335" y="4817745"/>
+            <a:ext cx="10125710" cy="1198880"/>
+          </a:xfrm>
+          <a:prstGeom prst="rect">
+            <a:avLst/>
+          </a:prstGeom>
+          <a:noFill/>
+        </p:spPr>
+        <p:txBody>
+          <a:bodyPr wrap="square" rtlCol="0">
+            <a:spAutoFit/>
+          </a:bodyPr>
+          <a:p>
+            <a:r>
+              <a:rPr lang="en-US">
+                <a:solidFill>
+                  <a:srgbClr val="0070C0"/>
+                </a:solidFill>
+              </a:rPr>
+              <a:t>public void click_Manage_button() {</a:t>
+            </a:r>
+            <a:endParaRPr lang="en-US">
+              <a:solidFill>
+                <a:srgbClr val="0070C0"/>
+              </a:solidFill>
+            </a:endParaRPr>
+          </a:p>
+          <a:p>
+            <a:r>
+              <a:rPr lang="en-US">
+                <a:solidFill>
+                  <a:srgbClr val="0070C0"/>
+                </a:solidFill>
+              </a:rPr>
+              <a:t>	JavascriptExecutor excutor = (JavascriptExecutor)getDriver();</a:t>
+            </a:r>
+            <a:endParaRPr lang="en-US">
+              <a:solidFill>
+                <a:srgbClr val="0070C0"/>
+              </a:solidFill>
+            </a:endParaRPr>
+          </a:p>
+          <a:p>
+            <a:r>
+              <a:rPr lang="en-US">
+                <a:solidFill>
+                  <a:srgbClr val="0070C0"/>
+                </a:solidFill>
+              </a:rPr>
+              <a:t>	excutor.executeScript("arguments[0].click();", manageBtn);</a:t>
+            </a:r>
+            <a:endParaRPr lang="en-US">
+              <a:solidFill>
+                <a:srgbClr val="0070C0"/>
+              </a:solidFill>
+            </a:endParaRPr>
+          </a:p>
+          <a:p>
+            <a:r>
+              <a:rPr lang="en-US">
+                <a:solidFill>
+                  <a:srgbClr val="0070C0"/>
+                </a:solidFill>
+              </a:rPr>
+              <a:t>}</a:t>
+            </a:r>
+            <a:endParaRPr lang="en-US">
+              <a:solidFill>
+                <a:srgbClr val="0070C0"/>
+              </a:solidFill>
+            </a:endParaRPr>
+          </a:p>
+        </p:txBody>
+      </p:sp>
+      <p:sp>
+        <p:nvSpPr>
+          <p:cNvPr id="4" name="Rounded Rectangle 3"/>
+          <p:cNvSpPr/>
+          <p:nvPr/>
+        </p:nvSpPr>
+        <p:spPr>
+          <a:xfrm>
+            <a:off x="609600" y="1512570"/>
+            <a:ext cx="4920615" cy="420370"/>
+          </a:xfrm>
+          <a:prstGeom prst="roundRect">
+            <a:avLst/>
+          </a:prstGeom>
+          <a:ln>
+            <a:headEnd type="none" w="med" len="med"/>
+            <a:tailEnd type="none" w="med" len="med"/>
+          </a:ln>
+        </p:spPr>
+        <p:style>
+          <a:lnRef idx="2">
+            <a:schemeClr val="accent5"/>
+          </a:lnRef>
+          <a:fillRef idx="1">
+            <a:schemeClr val="lt1"/>
+          </a:fillRef>
+          <a:effectRef idx="0">
+            <a:schemeClr val="accent5"/>
+          </a:effectRef>
+          <a:fontRef idx="minor">
+            <a:schemeClr val="dk1"/>
+          </a:fontRef>
+        </p:style>
+        <p:txBody>
+          <a:bodyPr vert="horz" wrap="none" lIns="91440" tIns="45720" rIns="91440" bIns="45720" numCol="1" anchor="ctr" anchorCtr="0" compatLnSpc="1"/>
+          <a:p>
+            <a:pPr marL="0" marR="0" indent="0" algn="l" defTabSz="914400" rtl="0" eaLnBrk="1" fontAlgn="base" latinLnBrk="0" hangingPunct="1">
+              <a:lnSpc>
+                <a:spcPct val="100000"/>
+              </a:lnSpc>
+              <a:spcBef>
+                <a:spcPct val="0"/>
+              </a:spcBef>
+              <a:spcAft>
+                <a:spcPct val="0"/>
+              </a:spcAft>
+              <a:buClrTx/>
+              <a:buSzTx/>
+              <a:buFontTx/>
+              <a:buNone/>
+            </a:pPr>
+            <a:r>
+              <a:rPr kumimoji="0" lang="en-US" altLang="zh-CN" sz="1800" b="0" i="0" u="none" strike="noStrike" cap="none" normalizeH="0" baseline="0" smtClean="0">
+                <a:ln>
+                  <a:noFill/>
+                </a:ln>
+                <a:solidFill>
+                  <a:schemeClr val="accent2">
+                    <a:lumMod val="75000"/>
+                  </a:schemeClr>
+                </a:solidFill>
+                <a:effectLst/>
+                <a:latin typeface="Arial" panose="020B0604020202020204" pitchFamily="34" charset="0"/>
+                <a:ea typeface="SimSun" panose="02010600030101010101" pitchFamily="2" charset="-122"/>
+              </a:rPr>
+              <a:t>b. Some time click on button isn't success</a:t>
+            </a:r>
+            <a:endParaRPr kumimoji="0" lang="en-US" altLang="zh-CN" sz="1800" b="0" i="0" u="none" strike="noStrike" cap="none" normalizeH="0" baseline="0" smtClean="0">
+              <a:ln>
+                <a:noFill/>
+              </a:ln>
+              <a:solidFill>
+                <a:schemeClr val="accent2">
+                  <a:lumMod val="75000"/>
+                </a:schemeClr>
               </a:solidFill>
               <a:effectLst/>
               <a:latin typeface="Arial" panose="020B0604020202020204" pitchFamily="34" charset="0"/>
@@ -5547,7 +6116,7 @@
                 <a:ea typeface="SimSun" panose="02010600030101010101" pitchFamily="2" charset="-122"/>
                 <a:sym typeface="+mn-ea"/>
               </a:rPr>
-              <a:t>IV. Demo.</a:t>
+              <a:t>III. Issues</a:t>
             </a:r>
             <a:endParaRPr kumimoji="0" lang="en-US" altLang="zh-CN" sz="3600" b="0" i="0" u="none" strike="noStrike" cap="none" normalizeH="0" baseline="0" smtClean="0">
               <a:ln w="10160">
@@ -5575,53 +6144,261 @@
       </p:sp>
       <p:sp>
         <p:nvSpPr>
-          <p:cNvPr id="4" name="Content Placeholder 3"/>
+          <p:cNvPr id="5" name="Rounded Rectangle 4"/>
           <p:cNvSpPr/>
+          <p:nvPr/>
+        </p:nvSpPr>
+        <p:spPr>
+          <a:xfrm>
+            <a:off x="609600" y="1029335"/>
+            <a:ext cx="4919980" cy="362585"/>
+          </a:xfrm>
+          <a:prstGeom prst="roundRect">
+            <a:avLst/>
+          </a:prstGeom>
+          <a:gradFill rotWithShape="0">
+            <a:gsLst>
+              <a:gs pos="0">
+                <a:schemeClr val="accent1"/>
+              </a:gs>
+              <a:gs pos="100000">
+                <a:schemeClr val="accent2"/>
+              </a:gs>
+            </a:gsLst>
+            <a:lin ang="5400000" scaled="1"/>
+          </a:gradFill>
+          <a:ln w="9525" cap="flat" cmpd="sng" algn="ctr">
+            <a:solidFill>
+              <a:schemeClr val="accent1"/>
+            </a:solidFill>
+            <a:prstDash val="solid"/>
+            <a:round/>
+            <a:headEnd type="none" w="med" len="med"/>
+            <a:tailEnd type="none" w="med" len="med"/>
+          </a:ln>
+        </p:spPr>
+        <p:txBody>
+          <a:bodyPr vert="horz" wrap="none" lIns="91440" tIns="45720" rIns="91440" bIns="45720" numCol="1" anchor="ctr" anchorCtr="0" compatLnSpc="1"/>
+          <a:p>
+            <a:pPr marL="0" marR="0" indent="0" algn="l" defTabSz="914400" rtl="0" eaLnBrk="1" fontAlgn="base" latinLnBrk="0" hangingPunct="1">
+              <a:lnSpc>
+                <a:spcPct val="100000"/>
+              </a:lnSpc>
+              <a:spcBef>
+                <a:spcPct val="0"/>
+              </a:spcBef>
+              <a:spcAft>
+                <a:spcPct val="0"/>
+              </a:spcAft>
+              <a:buClrTx/>
+              <a:buSzTx/>
+              <a:buFontTx/>
+              <a:buNone/>
+            </a:pPr>
+            <a:r>
+              <a:rPr kumimoji="0" lang="en-US" altLang="zh-CN" sz="1800" b="1" i="0" u="none" strike="noStrike" cap="none" normalizeH="0" baseline="0" smtClean="0">
+                <a:ln>
+                  <a:noFill/>
+                </a:ln>
+                <a:solidFill>
+                  <a:schemeClr val="bg1"/>
+                </a:solidFill>
+                <a:effectLst/>
+                <a:latin typeface="Arial" panose="020B0604020202020204" pitchFamily="34" charset="0"/>
+                <a:ea typeface="SimSun" panose="02010600030101010101" pitchFamily="2" charset="-122"/>
+              </a:rPr>
+              <a:t>II. Get locator very hard </a:t>
+            </a:r>
+            <a:endParaRPr kumimoji="0" lang="en-US" altLang="zh-CN" sz="1800" b="1" i="0" u="none" strike="noStrike" cap="none" normalizeH="0" baseline="0" smtClean="0">
+              <a:ln>
+                <a:noFill/>
+              </a:ln>
+              <a:solidFill>
+                <a:schemeClr val="bg1"/>
+              </a:solidFill>
+              <a:effectLst/>
+              <a:latin typeface="Arial" panose="020B0604020202020204" pitchFamily="34" charset="0"/>
+              <a:ea typeface="SimSun" panose="02010600030101010101" pitchFamily="2" charset="-122"/>
+            </a:endParaRPr>
+          </a:p>
+        </p:txBody>
+      </p:sp>
+      <p:pic>
+        <p:nvPicPr>
+          <p:cNvPr id="3" name="Content Placeholder 2" descr="last"/>
+          <p:cNvPicPr>
+            <a:picLocks noChangeAspect="1"/>
+          </p:cNvPicPr>
           <p:nvPr>
             <p:ph idx="1"/>
           </p:nvPr>
-        </p:nvSpPr>
+        </p:nvPicPr>
+        <p:blipFill>
+          <a:blip r:embed="rId1"/>
+          <a:stretch>
+            <a:fillRect/>
+          </a:stretch>
+        </p:blipFill>
         <p:spPr>
           <a:xfrm>
-            <a:off x="609600" y="1391920"/>
-            <a:ext cx="10972800" cy="4873625"/>
+            <a:off x="5193030" y="1570990"/>
+            <a:ext cx="6389370" cy="2808605"/>
           </a:xfrm>
+          <a:prstGeom prst="rect">
+            <a:avLst/>
+          </a:prstGeom>
         </p:spPr>
-        <p:txBody>
-          <a:bodyPr/>
-          <a:p>
-            <a:pPr marL="0" indent="0" algn="ctr">
-              <a:lnSpc>
-                <a:spcPct val="360000"/>
-              </a:lnSpc>
-              <a:buNone/>
-            </a:pPr>
-            <a:r>
-              <a:rPr lang="en-US" sz="4400">
-                <a:solidFill>
-                  <a:schemeClr val="accent1"/>
-                </a:solidFill>
-                <a:effectLst>
-                  <a:outerShdw blurRad="38100" dist="25400" dir="5400000" algn="ctr" rotWithShape="0">
-                    <a:srgbClr val="6E747A">
-                      <a:alpha val="43000"/>
-                    </a:srgbClr>
-                  </a:outerShdw>
-                </a:effectLst>
-              </a:rPr>
-              <a:t>Run Demo</a:t>
-            </a:r>
-            <a:endParaRPr lang="en-US" sz="4400">
+      </p:pic>
+      <p:sp>
+        <p:nvSpPr>
+          <p:cNvPr id="6" name="Text Box 5"/>
+          <p:cNvSpPr txBox="1"/>
+          <p:nvPr/>
+        </p:nvSpPr>
+        <p:spPr>
+          <a:xfrm>
+            <a:off x="609600" y="1570990"/>
+            <a:ext cx="4311650" cy="645160"/>
+          </a:xfrm>
+          <a:prstGeom prst="rect">
+            <a:avLst/>
+          </a:prstGeom>
+          <a:noFill/>
+        </p:spPr>
+        <p:txBody>
+          <a:bodyPr wrap="square" rtlCol="0">
+            <a:spAutoFit/>
+          </a:bodyPr>
+          <a:p>
+            <a:r>
+              <a:rPr lang="en-US" b="1">
+                <a:solidFill>
+                  <a:schemeClr val="accent2">
+                    <a:lumMod val="50000"/>
+                  </a:schemeClr>
+                </a:solidFill>
+              </a:rPr>
+              <a:t>Reason: </a:t>
+            </a:r>
+            <a:r>
+              <a:rPr lang="en-US">
+                <a:solidFill>
+                  <a:schemeClr val="accent2">
+                    <a:lumMod val="50000"/>
+                  </a:schemeClr>
+                </a:solidFill>
+              </a:rPr>
+              <a:t>Number of row is changed after add an user success.</a:t>
+            </a:r>
+            <a:endParaRPr lang="en-US">
               <a:solidFill>
-                <a:schemeClr val="accent1"/>
+                <a:schemeClr val="accent2">
+                  <a:lumMod val="50000"/>
+                </a:schemeClr>
               </a:solidFill>
-              <a:effectLst>
-                <a:outerShdw blurRad="38100" dist="25400" dir="5400000" algn="ctr" rotWithShape="0">
-                  <a:srgbClr val="6E747A">
-                    <a:alpha val="43000"/>
-                  </a:srgbClr>
-                </a:outerShdw>
-              </a:effectLst>
+            </a:endParaRPr>
+          </a:p>
+        </p:txBody>
+      </p:sp>
+      <p:sp>
+        <p:nvSpPr>
+          <p:cNvPr id="8" name="Text Box 7"/>
+          <p:cNvSpPr txBox="1"/>
+          <p:nvPr/>
+        </p:nvSpPr>
+        <p:spPr>
+          <a:xfrm>
+            <a:off x="609600" y="4864735"/>
+            <a:ext cx="4180840" cy="368300"/>
+          </a:xfrm>
+          <a:prstGeom prst="rect">
+            <a:avLst/>
+          </a:prstGeom>
+          <a:noFill/>
+        </p:spPr>
+        <p:txBody>
+          <a:bodyPr wrap="square" rtlCol="0">
+            <a:spAutoFit/>
+          </a:bodyPr>
+          <a:p>
+            <a:r>
+              <a:rPr lang="en-US" b="1">
+                <a:solidFill>
+                  <a:schemeClr val="accent2">
+                    <a:lumMod val="50000"/>
+                  </a:schemeClr>
+                </a:solidFill>
+              </a:rPr>
+              <a:t>Solution</a:t>
+            </a:r>
+            <a:r>
+              <a:rPr lang="en-US">
+                <a:solidFill>
+                  <a:schemeClr val="accent2">
+                    <a:lumMod val="50000"/>
+                  </a:schemeClr>
+                </a:solidFill>
+              </a:rPr>
+              <a:t>: Get last row.</a:t>
+            </a:r>
+            <a:endParaRPr lang="en-US">
+              <a:solidFill>
+                <a:schemeClr val="accent2">
+                  <a:lumMod val="50000"/>
+                </a:schemeClr>
+              </a:solidFill>
+            </a:endParaRPr>
+          </a:p>
+        </p:txBody>
+      </p:sp>
+      <p:sp>
+        <p:nvSpPr>
+          <p:cNvPr id="7" name="Text Box 6"/>
+          <p:cNvSpPr txBox="1"/>
+          <p:nvPr/>
+        </p:nvSpPr>
+        <p:spPr>
+          <a:xfrm>
+            <a:off x="609600" y="5424805"/>
+            <a:ext cx="7625715" cy="645160"/>
+          </a:xfrm>
+          <a:prstGeom prst="rect">
+            <a:avLst/>
+          </a:prstGeom>
+          <a:noFill/>
+        </p:spPr>
+        <p:txBody>
+          <a:bodyPr wrap="square" rtlCol="0" anchor="t">
+            <a:spAutoFit/>
+          </a:bodyPr>
+          <a:p>
+            <a:r>
+              <a:rPr lang="en-US">
+                <a:solidFill>
+                  <a:srgbClr val="0070C0"/>
+                </a:solidFill>
+              </a:rPr>
+              <a:t>@FindBy(xpath="//*[@class='rt-tr-group'][last()]/div/div[1]/input")</a:t>
+            </a:r>
+            <a:endParaRPr lang="en-US">
+              <a:solidFill>
+                <a:srgbClr val="0070C0"/>
+              </a:solidFill>
+            </a:endParaRPr>
+          </a:p>
+          <a:p>
+            <a:r>
+              <a:rPr lang="en-US">
+                <a:solidFill>
+                  <a:srgbClr val="0070C0"/>
+                </a:solidFill>
+              </a:rPr>
+              <a:t>private WebElementFacade firstnameField;</a:t>
+            </a:r>
+            <a:endParaRPr lang="en-US">
+              <a:solidFill>
+                <a:srgbClr val="0070C0"/>
+              </a:solidFill>
             </a:endParaRPr>
           </a:p>
         </p:txBody>
@@ -5642,6 +6419,815 @@
 </file>
 
 <file path=ppt/slides/slide13.xml><?xml version="1.0" encoding="utf-8"?>
+<p:sld xmlns:a="http://schemas.openxmlformats.org/drawingml/2006/main" xmlns:r="http://schemas.openxmlformats.org/officeDocument/2006/relationships" xmlns:p="http://schemas.openxmlformats.org/presentationml/2006/main">
+  <p:cSld>
+    <p:spTree>
+      <p:nvGrpSpPr>
+        <p:cNvPr id="1" name=""/>
+        <p:cNvGrpSpPr/>
+        <p:nvPr/>
+      </p:nvGrpSpPr>
+      <p:grpSpPr>
+        <a:xfrm>
+          <a:off x="0" y="0"/>
+          <a:ext cx="0" cy="0"/>
+          <a:chOff x="0" y="0"/>
+          <a:chExt cx="0" cy="0"/>
+        </a:xfrm>
+      </p:grpSpPr>
+      <p:sp>
+        <p:nvSpPr>
+          <p:cNvPr id="11" name="Title 10"/>
+          <p:cNvSpPr>
+            <a:spLocks noGrp="1"/>
+          </p:cNvSpPr>
+          <p:nvPr>
+            <p:ph type="title"/>
+          </p:nvPr>
+        </p:nvSpPr>
+        <p:spPr/>
+        <p:txBody>
+          <a:bodyPr/>
+          <a:p>
+            <a:endParaRPr lang="en-US"/>
+          </a:p>
+        </p:txBody>
+      </p:sp>
+      <p:sp>
+        <p:nvSpPr>
+          <p:cNvPr id="10" name="Flowchart: Process 9"/>
+          <p:cNvSpPr/>
+          <p:nvPr/>
+        </p:nvSpPr>
+        <p:spPr>
+          <a:xfrm>
+            <a:off x="609600" y="190500"/>
+            <a:ext cx="10972800" cy="784860"/>
+          </a:xfrm>
+          <a:prstGeom prst="flowChartProcess">
+            <a:avLst/>
+          </a:prstGeom>
+          <a:gradFill rotWithShape="0">
+            <a:gsLst>
+              <a:gs pos="0">
+                <a:srgbClr val="012D86"/>
+              </a:gs>
+              <a:gs pos="100000">
+                <a:srgbClr val="0E2557"/>
+              </a:gs>
+            </a:gsLst>
+            <a:lin ang="5400000" scaled="0"/>
+          </a:gradFill>
+          <a:ln w="9525" cap="flat" cmpd="sng" algn="ctr">
+            <a:solidFill>
+              <a:schemeClr val="accent1"/>
+            </a:solidFill>
+            <a:prstDash val="solid"/>
+            <a:round/>
+            <a:headEnd type="none" w="med" len="med"/>
+            <a:tailEnd type="none" w="med" len="med"/>
+          </a:ln>
+          <a:effectLst>
+            <a:outerShdw blurRad="50800" dist="50800" dir="5400000" algn="ctr" rotWithShape="0">
+              <a:srgbClr val="002060">
+                <a:alpha val="38000"/>
+              </a:srgbClr>
+            </a:outerShdw>
+          </a:effectLst>
+        </p:spPr>
+        <p:txBody>
+          <a:bodyPr vert="horz" wrap="none" lIns="91440" tIns="45720" rIns="91440" bIns="45720" numCol="1" anchor="ctr" anchorCtr="0" compatLnSpc="1"/>
+          <a:lstStyle/>
+          <a:p>
+            <a:pPr marL="0" marR="0" indent="0" algn="l" defTabSz="914400" rtl="0" eaLnBrk="1" fontAlgn="base" latinLnBrk="0" hangingPunct="1">
+              <a:lnSpc>
+                <a:spcPct val="100000"/>
+              </a:lnSpc>
+              <a:spcBef>
+                <a:spcPct val="0"/>
+              </a:spcBef>
+              <a:spcAft>
+                <a:spcPct val="0"/>
+              </a:spcAft>
+              <a:buClrTx/>
+              <a:buSzTx/>
+              <a:buFontTx/>
+              <a:buNone/>
+            </a:pPr>
+            <a:r>
+              <a:rPr lang="en-US" altLang="zh-CN" sz="3600" smtClean="0">
+                <a:ln w="10160">
+                  <a:solidFill>
+                    <a:schemeClr val="accent5"/>
+                  </a:solidFill>
+                  <a:prstDash val="solid"/>
+                </a:ln>
+                <a:solidFill>
+                  <a:srgbClr val="FFFFFF"/>
+                </a:solidFill>
+                <a:effectLst>
+                  <a:outerShdw blurRad="38100" dist="22860" dir="5400000" algn="tl" rotWithShape="0">
+                    <a:srgbClr val="000000">
+                      <a:alpha val="30000"/>
+                    </a:srgbClr>
+                  </a:outerShdw>
+                </a:effectLst>
+                <a:latin typeface="Arial" panose="020B0604020202020204" pitchFamily="34" charset="0"/>
+                <a:ea typeface="SimSun" panose="02010600030101010101" pitchFamily="2" charset="-122"/>
+                <a:sym typeface="+mn-ea"/>
+              </a:rPr>
+              <a:t>III. Issues</a:t>
+            </a:r>
+            <a:endParaRPr kumimoji="0" lang="en-US" altLang="zh-CN" sz="3600" b="0" i="0" u="none" strike="noStrike" cap="none" normalizeH="0" baseline="0" smtClean="0">
+              <a:ln w="10160">
+                <a:solidFill>
+                  <a:schemeClr val="accent5"/>
+                </a:solidFill>
+                <a:prstDash val="solid"/>
+              </a:ln>
+              <a:solidFill>
+                <a:srgbClr val="FFFFFF"/>
+              </a:solidFill>
+              <a:effectLst>
+                <a:outerShdw blurRad="38100" dist="22860" dir="5400000" algn="tl" rotWithShape="0">
+                  <a:srgbClr val="000000">
+                    <a:alpha val="30000"/>
+                  </a:srgbClr>
+                </a:outerShdw>
+              </a:effectLst>
+              <a:latin typeface="Arial" panose="020B0604020202020204" pitchFamily="34" charset="0"/>
+              <a:ea typeface="SimSun" panose="02010600030101010101" pitchFamily="2" charset="-122"/>
+              <a:sym typeface="+mn-ea"/>
+            </a:endParaRPr>
+          </a:p>
+        </p:txBody>
+      </p:sp>
+      <p:sp>
+        <p:nvSpPr>
+          <p:cNvPr id="5" name="Rounded Rectangle 4"/>
+          <p:cNvSpPr/>
+          <p:nvPr/>
+        </p:nvSpPr>
+        <p:spPr>
+          <a:xfrm>
+            <a:off x="609600" y="1029335"/>
+            <a:ext cx="4919980" cy="362585"/>
+          </a:xfrm>
+          <a:prstGeom prst="roundRect">
+            <a:avLst/>
+          </a:prstGeom>
+          <a:gradFill rotWithShape="0">
+            <a:gsLst>
+              <a:gs pos="0">
+                <a:schemeClr val="accent1"/>
+              </a:gs>
+              <a:gs pos="100000">
+                <a:schemeClr val="accent2"/>
+              </a:gs>
+            </a:gsLst>
+            <a:lin ang="5400000" scaled="1"/>
+          </a:gradFill>
+          <a:ln w="9525" cap="flat" cmpd="sng" algn="ctr">
+            <a:solidFill>
+              <a:schemeClr val="accent1"/>
+            </a:solidFill>
+            <a:prstDash val="solid"/>
+            <a:round/>
+            <a:headEnd type="none" w="med" len="med"/>
+            <a:tailEnd type="none" w="med" len="med"/>
+          </a:ln>
+        </p:spPr>
+        <p:txBody>
+          <a:bodyPr vert="horz" wrap="none" lIns="91440" tIns="45720" rIns="91440" bIns="45720" numCol="1" anchor="ctr" anchorCtr="0" compatLnSpc="1"/>
+          <a:p>
+            <a:pPr marL="0" marR="0" indent="0" algn="l" defTabSz="914400" rtl="0" eaLnBrk="1" fontAlgn="base" latinLnBrk="0" hangingPunct="1">
+              <a:lnSpc>
+                <a:spcPct val="100000"/>
+              </a:lnSpc>
+              <a:spcBef>
+                <a:spcPct val="0"/>
+              </a:spcBef>
+              <a:spcAft>
+                <a:spcPct val="0"/>
+              </a:spcAft>
+              <a:buClrTx/>
+              <a:buSzTx/>
+              <a:buFontTx/>
+              <a:buNone/>
+            </a:pPr>
+            <a:r>
+              <a:rPr kumimoji="0" lang="en-US" altLang="zh-CN" sz="1800" b="1" i="0" u="none" strike="noStrike" cap="none" normalizeH="0" baseline="0" smtClean="0">
+                <a:ln>
+                  <a:noFill/>
+                </a:ln>
+                <a:solidFill>
+                  <a:schemeClr val="bg1"/>
+                </a:solidFill>
+                <a:effectLst/>
+                <a:latin typeface="Arial" panose="020B0604020202020204" pitchFamily="34" charset="0"/>
+                <a:ea typeface="SimSun" panose="02010600030101010101" pitchFamily="2" charset="-122"/>
+              </a:rPr>
+              <a:t>III. Can't focus on element. </a:t>
+            </a:r>
+            <a:endParaRPr kumimoji="0" lang="en-US" altLang="zh-CN" sz="1800" b="1" i="0" u="none" strike="noStrike" cap="none" normalizeH="0" baseline="0" smtClean="0">
+              <a:ln>
+                <a:noFill/>
+              </a:ln>
+              <a:solidFill>
+                <a:schemeClr val="bg1"/>
+              </a:solidFill>
+              <a:effectLst/>
+              <a:latin typeface="Arial" panose="020B0604020202020204" pitchFamily="34" charset="0"/>
+              <a:ea typeface="SimSun" panose="02010600030101010101" pitchFamily="2" charset="-122"/>
+            </a:endParaRPr>
+          </a:p>
+        </p:txBody>
+      </p:sp>
+      <p:sp>
+        <p:nvSpPr>
+          <p:cNvPr id="6" name="Text Box 5"/>
+          <p:cNvSpPr txBox="1"/>
+          <p:nvPr/>
+        </p:nvSpPr>
+        <p:spPr>
+          <a:xfrm>
+            <a:off x="609600" y="1570990"/>
+            <a:ext cx="4311650" cy="368300"/>
+          </a:xfrm>
+          <a:prstGeom prst="rect">
+            <a:avLst/>
+          </a:prstGeom>
+          <a:noFill/>
+        </p:spPr>
+        <p:txBody>
+          <a:bodyPr wrap="square" rtlCol="0">
+            <a:spAutoFit/>
+          </a:bodyPr>
+          <a:p>
+            <a:r>
+              <a:rPr lang="en-US" b="1">
+                <a:solidFill>
+                  <a:schemeClr val="accent2">
+                    <a:lumMod val="50000"/>
+                  </a:schemeClr>
+                </a:solidFill>
+              </a:rPr>
+              <a:t>Reason: </a:t>
+            </a:r>
+            <a:r>
+              <a:rPr lang="en-US">
+                <a:solidFill>
+                  <a:schemeClr val="accent2">
+                    <a:lumMod val="50000"/>
+                  </a:schemeClr>
+                </a:solidFill>
+              </a:rPr>
+              <a:t>Element drop down list</a:t>
+            </a:r>
+            <a:endParaRPr lang="en-US">
+              <a:solidFill>
+                <a:schemeClr val="accent2">
+                  <a:lumMod val="50000"/>
+                </a:schemeClr>
+              </a:solidFill>
+            </a:endParaRPr>
+          </a:p>
+        </p:txBody>
+      </p:sp>
+      <p:sp>
+        <p:nvSpPr>
+          <p:cNvPr id="8" name="Text Box 7"/>
+          <p:cNvSpPr txBox="1"/>
+          <p:nvPr/>
+        </p:nvSpPr>
+        <p:spPr>
+          <a:xfrm>
+            <a:off x="609600" y="2277745"/>
+            <a:ext cx="4180840" cy="368300"/>
+          </a:xfrm>
+          <a:prstGeom prst="rect">
+            <a:avLst/>
+          </a:prstGeom>
+          <a:noFill/>
+        </p:spPr>
+        <p:txBody>
+          <a:bodyPr wrap="square" rtlCol="0">
+            <a:spAutoFit/>
+          </a:bodyPr>
+          <a:p>
+            <a:r>
+              <a:rPr lang="en-US" b="1">
+                <a:solidFill>
+                  <a:schemeClr val="accent2">
+                    <a:lumMod val="50000"/>
+                  </a:schemeClr>
+                </a:solidFill>
+              </a:rPr>
+              <a:t>Solution</a:t>
+            </a:r>
+            <a:r>
+              <a:rPr lang="en-US">
+                <a:solidFill>
+                  <a:schemeClr val="accent2">
+                    <a:lumMod val="50000"/>
+                  </a:schemeClr>
+                </a:solidFill>
+              </a:rPr>
+              <a:t>: Using Robot class. </a:t>
+            </a:r>
+            <a:endParaRPr lang="en-US">
+              <a:solidFill>
+                <a:schemeClr val="accent2">
+                  <a:lumMod val="50000"/>
+                </a:schemeClr>
+              </a:solidFill>
+            </a:endParaRPr>
+          </a:p>
+        </p:txBody>
+      </p:sp>
+      <p:pic>
+        <p:nvPicPr>
+          <p:cNvPr id="9" name="Content Placeholder 8" descr="drop"/>
+          <p:cNvPicPr>
+            <a:picLocks noChangeAspect="1"/>
+          </p:cNvPicPr>
+          <p:nvPr>
+            <p:ph idx="1"/>
+          </p:nvPr>
+        </p:nvPicPr>
+        <p:blipFill>
+          <a:blip r:embed="rId1"/>
+          <a:stretch>
+            <a:fillRect/>
+          </a:stretch>
+        </p:blipFill>
+        <p:spPr>
+          <a:xfrm>
+            <a:off x="4458335" y="1939290"/>
+            <a:ext cx="7124065" cy="2974340"/>
+          </a:xfrm>
+          <a:prstGeom prst="rect">
+            <a:avLst/>
+          </a:prstGeom>
+        </p:spPr>
+      </p:pic>
+      <p:sp>
+        <p:nvSpPr>
+          <p:cNvPr id="13" name="Text Box 12"/>
+          <p:cNvSpPr txBox="1"/>
+          <p:nvPr/>
+        </p:nvSpPr>
+        <p:spPr>
+          <a:xfrm>
+            <a:off x="609600" y="2850515"/>
+            <a:ext cx="4006850" cy="3291840"/>
+          </a:xfrm>
+          <a:prstGeom prst="rect">
+            <a:avLst/>
+          </a:prstGeom>
+          <a:noFill/>
+        </p:spPr>
+        <p:txBody>
+          <a:bodyPr wrap="square" rtlCol="0" anchor="t">
+            <a:spAutoFit/>
+          </a:bodyPr>
+          <a:p>
+            <a:r>
+              <a:rPr lang="en-US" sz="1600">
+                <a:solidFill>
+                  <a:srgbClr val="0070C0"/>
+                </a:solidFill>
+              </a:rPr>
+              <a:t>Robot r;</a:t>
+            </a:r>
+            <a:endParaRPr lang="en-US" sz="1600">
+              <a:solidFill>
+                <a:srgbClr val="0070C0"/>
+              </a:solidFill>
+            </a:endParaRPr>
+          </a:p>
+          <a:p>
+            <a:r>
+              <a:rPr lang="en-US" sz="1600">
+                <a:solidFill>
+                  <a:srgbClr val="0070C0"/>
+                </a:solidFill>
+              </a:rPr>
+              <a:t>try {</a:t>
+            </a:r>
+            <a:endParaRPr lang="en-US" sz="1600">
+              <a:solidFill>
+                <a:srgbClr val="0070C0"/>
+              </a:solidFill>
+            </a:endParaRPr>
+          </a:p>
+          <a:p>
+            <a:r>
+              <a:rPr lang="en-US" sz="1600">
+                <a:solidFill>
+                  <a:srgbClr val="0070C0"/>
+                </a:solidFill>
+              </a:rPr>
+              <a:t>     r = new Robot();</a:t>
+            </a:r>
+            <a:endParaRPr lang="en-US" sz="1600">
+              <a:solidFill>
+                <a:srgbClr val="0070C0"/>
+              </a:solidFill>
+            </a:endParaRPr>
+          </a:p>
+          <a:p>
+            <a:r>
+              <a:rPr lang="en-US" sz="1600">
+                <a:solidFill>
+                  <a:srgbClr val="0070C0"/>
+                </a:solidFill>
+              </a:rPr>
+              <a:t>     roleOption.click();</a:t>
+            </a:r>
+            <a:endParaRPr lang="en-US" sz="1600">
+              <a:solidFill>
+                <a:srgbClr val="0070C0"/>
+              </a:solidFill>
+            </a:endParaRPr>
+          </a:p>
+          <a:p>
+            <a:r>
+              <a:rPr lang="en-US" sz="1600">
+                <a:solidFill>
+                  <a:srgbClr val="0070C0"/>
+                </a:solidFill>
+              </a:rPr>
+              <a:t>     waitABit(3000);</a:t>
+            </a:r>
+            <a:endParaRPr lang="en-US" sz="1600">
+              <a:solidFill>
+                <a:srgbClr val="0070C0"/>
+              </a:solidFill>
+            </a:endParaRPr>
+          </a:p>
+          <a:p>
+            <a:r>
+              <a:rPr lang="en-US" sz="1600">
+                <a:solidFill>
+                  <a:srgbClr val="0070C0"/>
+                </a:solidFill>
+              </a:rPr>
+              <a:t>     r.keyPress(KeyEvent.VK_DOWN);</a:t>
+            </a:r>
+            <a:endParaRPr lang="en-US" sz="1600">
+              <a:solidFill>
+                <a:srgbClr val="0070C0"/>
+              </a:solidFill>
+            </a:endParaRPr>
+          </a:p>
+          <a:p>
+            <a:r>
+              <a:rPr lang="en-US" sz="1600">
+                <a:solidFill>
+                  <a:srgbClr val="0070C0"/>
+                </a:solidFill>
+              </a:rPr>
+              <a:t>     r.keyRelease(KeyEvent.VK_DOWN);</a:t>
+            </a:r>
+            <a:endParaRPr lang="en-US" sz="1600">
+              <a:solidFill>
+                <a:srgbClr val="0070C0"/>
+              </a:solidFill>
+            </a:endParaRPr>
+          </a:p>
+          <a:p>
+            <a:r>
+              <a:rPr lang="en-US" sz="1600">
+                <a:solidFill>
+                  <a:srgbClr val="0070C0"/>
+                </a:solidFill>
+              </a:rPr>
+              <a:t>     waitABit(3000);</a:t>
+            </a:r>
+            <a:endParaRPr lang="en-US" sz="1600">
+              <a:solidFill>
+                <a:srgbClr val="0070C0"/>
+              </a:solidFill>
+            </a:endParaRPr>
+          </a:p>
+          <a:p>
+            <a:r>
+              <a:rPr lang="en-US" sz="1600">
+                <a:solidFill>
+                  <a:srgbClr val="0070C0"/>
+                </a:solidFill>
+              </a:rPr>
+              <a:t>     r.keyPress(KeyEvent.VK_ENTER);</a:t>
+            </a:r>
+            <a:endParaRPr lang="en-US" sz="1600">
+              <a:solidFill>
+                <a:srgbClr val="0070C0"/>
+              </a:solidFill>
+            </a:endParaRPr>
+          </a:p>
+          <a:p>
+            <a:r>
+              <a:rPr lang="en-US" sz="1600">
+                <a:solidFill>
+                  <a:srgbClr val="0070C0"/>
+                </a:solidFill>
+              </a:rPr>
+              <a:t>     r.keyRelease(KeyEvent.VK_ENTER);</a:t>
+            </a:r>
+            <a:endParaRPr lang="en-US" sz="1600">
+              <a:solidFill>
+                <a:srgbClr val="0070C0"/>
+              </a:solidFill>
+            </a:endParaRPr>
+          </a:p>
+          <a:p>
+            <a:r>
+              <a:rPr lang="en-US" sz="1600">
+                <a:solidFill>
+                  <a:srgbClr val="0070C0"/>
+                </a:solidFill>
+              </a:rPr>
+              <a:t>} catch (AWTException e) {</a:t>
+            </a:r>
+            <a:endParaRPr lang="en-US" sz="1600">
+              <a:solidFill>
+                <a:srgbClr val="0070C0"/>
+              </a:solidFill>
+            </a:endParaRPr>
+          </a:p>
+          <a:p>
+            <a:r>
+              <a:rPr lang="en-US" sz="1600">
+                <a:solidFill>
+                  <a:srgbClr val="0070C0"/>
+                </a:solidFill>
+              </a:rPr>
+              <a:t>   e.printStackTrace();</a:t>
+            </a:r>
+            <a:endParaRPr lang="en-US" sz="1600">
+              <a:solidFill>
+                <a:srgbClr val="0070C0"/>
+              </a:solidFill>
+            </a:endParaRPr>
+          </a:p>
+          <a:p>
+            <a:r>
+              <a:rPr lang="en-US" sz="1600">
+                <a:solidFill>
+                  <a:srgbClr val="0070C0"/>
+                </a:solidFill>
+              </a:rPr>
+              <a:t>}</a:t>
+            </a:r>
+            <a:endParaRPr lang="en-US" sz="1600">
+              <a:solidFill>
+                <a:srgbClr val="0070C0"/>
+              </a:solidFill>
+            </a:endParaRPr>
+          </a:p>
+        </p:txBody>
+      </p:sp>
+    </p:spTree>
+  </p:cSld>
+  <p:clrMapOvr>
+    <a:masterClrMapping/>
+  </p:clrMapOvr>
+  <p:timing>
+    <p:tnLst>
+      <p:par>
+        <p:cTn id="1" dur="indefinite" restart="never" nodeType="tmRoot"/>
+      </p:par>
+    </p:tnLst>
+  </p:timing>
+</p:sld>
+</file>
+
+<file path=ppt/slides/slide14.xml><?xml version="1.0" encoding="utf-8"?>
+<p:sld xmlns:a="http://schemas.openxmlformats.org/drawingml/2006/main" xmlns:r="http://schemas.openxmlformats.org/officeDocument/2006/relationships" xmlns:p="http://schemas.openxmlformats.org/presentationml/2006/main">
+  <p:cSld>
+    <p:spTree>
+      <p:nvGrpSpPr>
+        <p:cNvPr id="1" name=""/>
+        <p:cNvGrpSpPr/>
+        <p:nvPr/>
+      </p:nvGrpSpPr>
+      <p:grpSpPr>
+        <a:xfrm>
+          <a:off x="0" y="0"/>
+          <a:ext cx="0" cy="0"/>
+          <a:chOff x="0" y="0"/>
+          <a:chExt cx="0" cy="0"/>
+        </a:xfrm>
+      </p:grpSpPr>
+      <p:sp>
+        <p:nvSpPr>
+          <p:cNvPr id="2" name="Title 1"/>
+          <p:cNvSpPr>
+            <a:spLocks noGrp="1"/>
+          </p:cNvSpPr>
+          <p:nvPr>
+            <p:ph type="title"/>
+          </p:nvPr>
+        </p:nvSpPr>
+        <p:spPr/>
+        <p:txBody>
+          <a:bodyPr/>
+          <a:lstStyle/>
+          <a:p>
+            <a:endParaRPr lang="en-US">
+              <a:solidFill>
+                <a:schemeClr val="accent1"/>
+              </a:solidFill>
+              <a:effectLst>
+                <a:outerShdw blurRad="38100" dist="25400" dir="5400000" algn="ctr" rotWithShape="0">
+                  <a:srgbClr val="6E747A">
+                    <a:alpha val="43000"/>
+                  </a:srgbClr>
+                </a:outerShdw>
+              </a:effectLst>
+            </a:endParaRPr>
+          </a:p>
+        </p:txBody>
+      </p:sp>
+      <p:sp>
+        <p:nvSpPr>
+          <p:cNvPr id="10" name="Flowchart: Process 9"/>
+          <p:cNvSpPr/>
+          <p:nvPr/>
+        </p:nvSpPr>
+        <p:spPr>
+          <a:xfrm>
+            <a:off x="609600" y="190500"/>
+            <a:ext cx="10972800" cy="784860"/>
+          </a:xfrm>
+          <a:prstGeom prst="flowChartProcess">
+            <a:avLst/>
+          </a:prstGeom>
+          <a:gradFill rotWithShape="0">
+            <a:gsLst>
+              <a:gs pos="0">
+                <a:srgbClr val="012D86"/>
+              </a:gs>
+              <a:gs pos="100000">
+                <a:srgbClr val="0E2557"/>
+              </a:gs>
+            </a:gsLst>
+            <a:lin ang="5400000" scaled="0"/>
+          </a:gradFill>
+          <a:ln w="9525" cap="flat" cmpd="sng" algn="ctr">
+            <a:solidFill>
+              <a:schemeClr val="accent1"/>
+            </a:solidFill>
+            <a:prstDash val="solid"/>
+            <a:round/>
+            <a:headEnd type="none" w="med" len="med"/>
+            <a:tailEnd type="none" w="med" len="med"/>
+          </a:ln>
+          <a:effectLst>
+            <a:outerShdw blurRad="50800" dist="50800" dir="5400000" algn="ctr" rotWithShape="0">
+              <a:srgbClr val="002060">
+                <a:alpha val="38000"/>
+              </a:srgbClr>
+            </a:outerShdw>
+          </a:effectLst>
+        </p:spPr>
+        <p:txBody>
+          <a:bodyPr vert="horz" wrap="none" lIns="91440" tIns="45720" rIns="91440" bIns="45720" numCol="1" anchor="ctr" anchorCtr="0" compatLnSpc="1"/>
+          <a:lstStyle/>
+          <a:p>
+            <a:pPr marL="0" marR="0" indent="0" algn="l" defTabSz="914400" rtl="0" eaLnBrk="1" fontAlgn="base" latinLnBrk="0" hangingPunct="1">
+              <a:lnSpc>
+                <a:spcPct val="100000"/>
+              </a:lnSpc>
+              <a:spcBef>
+                <a:spcPct val="0"/>
+              </a:spcBef>
+              <a:spcAft>
+                <a:spcPct val="0"/>
+              </a:spcAft>
+              <a:buClrTx/>
+              <a:buSzTx/>
+              <a:buFontTx/>
+              <a:buNone/>
+            </a:pPr>
+            <a:r>
+              <a:rPr lang="en-US" altLang="zh-CN" sz="3600" smtClean="0">
+                <a:ln w="10160">
+                  <a:solidFill>
+                    <a:schemeClr val="accent5"/>
+                  </a:solidFill>
+                  <a:prstDash val="solid"/>
+                </a:ln>
+                <a:solidFill>
+                  <a:srgbClr val="FFFFFF"/>
+                </a:solidFill>
+                <a:effectLst>
+                  <a:outerShdw blurRad="38100" dist="22860" dir="5400000" algn="tl" rotWithShape="0">
+                    <a:srgbClr val="000000">
+                      <a:alpha val="30000"/>
+                    </a:srgbClr>
+                  </a:outerShdw>
+                </a:effectLst>
+                <a:latin typeface="Arial" panose="020B0604020202020204" pitchFamily="34" charset="0"/>
+                <a:ea typeface="SimSun" panose="02010600030101010101" pitchFamily="2" charset="-122"/>
+                <a:sym typeface="+mn-ea"/>
+              </a:rPr>
+              <a:t>IV. Demo.</a:t>
+            </a:r>
+            <a:endParaRPr kumimoji="0" lang="en-US" altLang="zh-CN" sz="3600" b="0" i="0" u="none" strike="noStrike" cap="none" normalizeH="0" baseline="0" smtClean="0">
+              <a:ln w="10160">
+                <a:solidFill>
+                  <a:schemeClr val="accent5"/>
+                </a:solidFill>
+                <a:prstDash val="solid"/>
+              </a:ln>
+              <a:solidFill>
+                <a:srgbClr val="FFFFFF"/>
+              </a:solidFill>
+              <a:effectLst>
+                <a:outerShdw blurRad="38100" dist="22860" dir="5400000" algn="tl" rotWithShape="0">
+                  <a:srgbClr val="000000">
+                    <a:alpha val="30000"/>
+                  </a:srgbClr>
+                </a:outerShdw>
+              </a:effectLst>
+              <a:latin typeface="Arial" panose="020B0604020202020204" pitchFamily="34" charset="0"/>
+              <a:ea typeface="SimSun" panose="02010600030101010101" pitchFamily="2" charset="-122"/>
+              <a:sym typeface="+mn-ea"/>
+            </a:endParaRPr>
+          </a:p>
+        </p:txBody>
+      </p:sp>
+      <p:sp>
+        <p:nvSpPr>
+          <p:cNvPr id="4" name="Content Placeholder 3"/>
+          <p:cNvSpPr/>
+          <p:nvPr>
+            <p:ph idx="1"/>
+          </p:nvPr>
+        </p:nvSpPr>
+        <p:spPr>
+          <a:xfrm>
+            <a:off x="609600" y="1391920"/>
+            <a:ext cx="10972800" cy="4873625"/>
+          </a:xfrm>
+        </p:spPr>
+        <p:txBody>
+          <a:bodyPr/>
+          <a:p>
+            <a:pPr marL="0" indent="0" algn="ctr">
+              <a:lnSpc>
+                <a:spcPct val="360000"/>
+              </a:lnSpc>
+              <a:buNone/>
+            </a:pPr>
+            <a:r>
+              <a:rPr lang="en-US" sz="4400">
+                <a:solidFill>
+                  <a:schemeClr val="accent1"/>
+                </a:solidFill>
+                <a:effectLst>
+                  <a:outerShdw blurRad="38100" dist="25400" dir="5400000" algn="ctr" rotWithShape="0">
+                    <a:srgbClr val="6E747A">
+                      <a:alpha val="43000"/>
+                    </a:srgbClr>
+                  </a:outerShdw>
+                </a:effectLst>
+              </a:rPr>
+              <a:t>Run Demo</a:t>
+            </a:r>
+            <a:endParaRPr lang="en-US" sz="4400">
+              <a:solidFill>
+                <a:schemeClr val="accent1"/>
+              </a:solidFill>
+              <a:effectLst>
+                <a:outerShdw blurRad="38100" dist="25400" dir="5400000" algn="ctr" rotWithShape="0">
+                  <a:srgbClr val="6E747A">
+                    <a:alpha val="43000"/>
+                  </a:srgbClr>
+                </a:outerShdw>
+              </a:effectLst>
+            </a:endParaRPr>
+          </a:p>
+        </p:txBody>
+      </p:sp>
+    </p:spTree>
+  </p:cSld>
+  <p:clrMapOvr>
+    <a:masterClrMapping/>
+  </p:clrMapOvr>
+  <p:timing>
+    <p:tnLst>
+      <p:par>
+        <p:cTn id="1" dur="indefinite" restart="never" nodeType="tmRoot"/>
+      </p:par>
+    </p:tnLst>
+  </p:timing>
+</p:sld>
+</file>
+
+<file path=ppt/slides/slide15.xml><?xml version="1.0" encoding="utf-8"?>
 <p:sld xmlns:a="http://schemas.openxmlformats.org/drawingml/2006/main" xmlns:r="http://schemas.openxmlformats.org/officeDocument/2006/relationships" xmlns:p="http://schemas.openxmlformats.org/presentationml/2006/main">
   <p:cSld>
     <p:spTree>

--- a/Sharing.pptx
+++ b/Sharing.pptx
@@ -5,7 +5,7 @@
     <p:sldMasterId id="2147483648" r:id="rId1"/>
   </p:sldMasterIdLst>
   <p:notesMasterIdLst>
-    <p:notesMasterId r:id="rId28"/>
+    <p:notesMasterId r:id="rId26"/>
   </p:notesMasterIdLst>
   <p:sldIdLst>
     <p:sldId id="256" r:id="rId3"/>
@@ -25,14 +25,12 @@
     <p:sldId id="336" r:id="rId17"/>
     <p:sldId id="360" r:id="rId18"/>
     <p:sldId id="361" r:id="rId19"/>
-    <p:sldId id="324" r:id="rId20"/>
-    <p:sldId id="325" r:id="rId21"/>
-    <p:sldId id="326" r:id="rId22"/>
-    <p:sldId id="347" r:id="rId23"/>
-    <p:sldId id="343" r:id="rId24"/>
-    <p:sldId id="348" r:id="rId25"/>
-    <p:sldId id="342" r:id="rId26"/>
-    <p:sldId id="277" r:id="rId27"/>
+    <p:sldId id="326" r:id="rId20"/>
+    <p:sldId id="347" r:id="rId21"/>
+    <p:sldId id="343" r:id="rId22"/>
+    <p:sldId id="348" r:id="rId23"/>
+    <p:sldId id="342" r:id="rId24"/>
+    <p:sldId id="277" r:id="rId25"/>
   </p:sldIdLst>
   <p:sldSz cx="12192000" cy="6858000"/>
   <p:notesSz cx="7103745" cy="10234295"/>
@@ -8687,8 +8685,8 @@
         </p:blipFill>
         <p:spPr>
           <a:xfrm>
-            <a:off x="6284595" y="1482090"/>
-            <a:ext cx="5154930" cy="2431415"/>
+            <a:off x="6464300" y="1186815"/>
+            <a:ext cx="4975225" cy="2431415"/>
           </a:xfrm>
           <a:prstGeom prst="rect">
             <a:avLst/>
@@ -8703,8 +8701,8 @@
         </p:nvSpPr>
         <p:spPr>
           <a:xfrm>
-            <a:off x="569595" y="1576705"/>
-            <a:ext cx="5094605" cy="4133215"/>
+            <a:off x="179705" y="1548130"/>
+            <a:ext cx="6104890" cy="4252595"/>
           </a:xfrm>
           <a:prstGeom prst="roundRect">
             <a:avLst/>
@@ -8744,6 +8742,888 @@
               <a:buNone/>
             </a:pPr>
             <a:r>
+              <a:rPr kumimoji="0" lang="zh-CN" altLang="en-US" sz="1200" b="0" i="0" u="none" strike="noStrike" cap="none" normalizeH="0" baseline="0" smtClean="0">
+                <a:ln>
+                  <a:noFill/>
+                </a:ln>
+                <a:solidFill>
+                  <a:schemeClr val="tx1"/>
+                </a:solidFill>
+                <a:effectLst/>
+                <a:latin typeface="Arial" panose="020B0604020202020204" pitchFamily="34" charset="0"/>
+                <a:ea typeface="SimSun" panose="02010600030101010101" pitchFamily="2" charset="-122"/>
+              </a:rPr>
+              <a:t>public void input_required_fields(String companyName, String companyIdentifier) {</a:t>
+            </a:r>
+            <a:endParaRPr kumimoji="0" lang="zh-CN" altLang="en-US" sz="1200" b="0" i="0" u="none" strike="noStrike" cap="none" normalizeH="0" baseline="0" smtClean="0">
+              <a:ln>
+                <a:noFill/>
+              </a:ln>
+              <a:solidFill>
+                <a:schemeClr val="tx1"/>
+              </a:solidFill>
+              <a:effectLst/>
+              <a:latin typeface="Arial" panose="020B0604020202020204" pitchFamily="34" charset="0"/>
+              <a:ea typeface="SimSun" panose="02010600030101010101" pitchFamily="2" charset="-122"/>
+            </a:endParaRPr>
+          </a:p>
+          <a:p>
+            <a:pPr marL="0" marR="0" indent="0" algn="l" defTabSz="914400" rtl="0" eaLnBrk="1" fontAlgn="base" latinLnBrk="0" hangingPunct="1">
+              <a:lnSpc>
+                <a:spcPct val="100000"/>
+              </a:lnSpc>
+              <a:spcBef>
+                <a:spcPct val="0"/>
+              </a:spcBef>
+              <a:spcAft>
+                <a:spcPct val="0"/>
+              </a:spcAft>
+              <a:buClrTx/>
+              <a:buSzTx/>
+              <a:buFontTx/>
+              <a:buNone/>
+            </a:pPr>
+            <a:r>
+              <a:rPr kumimoji="0" lang="en-US" altLang="zh-CN" sz="1200" b="0" i="0" u="none" strike="noStrike" cap="none" normalizeH="0" baseline="0" smtClean="0">
+                <a:ln>
+                  <a:noFill/>
+                </a:ln>
+                <a:solidFill>
+                  <a:schemeClr val="tx1"/>
+                </a:solidFill>
+                <a:effectLst/>
+                <a:latin typeface="Arial" panose="020B0604020202020204" pitchFamily="34" charset="0"/>
+                <a:ea typeface="SimSun" panose="02010600030101010101" pitchFamily="2" charset="-122"/>
+              </a:rPr>
+              <a:t>	</a:t>
+            </a:r>
+            <a:r>
+              <a:rPr kumimoji="0" lang="zh-CN" altLang="en-US" sz="1200" b="0" i="0" u="none" strike="noStrike" cap="none" normalizeH="0" baseline="0" smtClean="0">
+                <a:ln>
+                  <a:noFill/>
+                </a:ln>
+                <a:solidFill>
+                  <a:schemeClr val="tx1"/>
+                </a:solidFill>
+                <a:effectLst/>
+                <a:latin typeface="Arial" panose="020B0604020202020204" pitchFamily="34" charset="0"/>
+                <a:ea typeface="SimSun" panose="02010600030101010101" pitchFamily="2" charset="-122"/>
+              </a:rPr>
+              <a:t>companyNameInput.waitUntilPresent().type(companyName);</a:t>
+            </a:r>
+            <a:endParaRPr kumimoji="0" lang="zh-CN" altLang="en-US" sz="1200" b="0" i="0" u="none" strike="noStrike" cap="none" normalizeH="0" baseline="0" smtClean="0">
+              <a:ln>
+                <a:noFill/>
+              </a:ln>
+              <a:solidFill>
+                <a:schemeClr val="tx1"/>
+              </a:solidFill>
+              <a:effectLst/>
+              <a:latin typeface="Arial" panose="020B0604020202020204" pitchFamily="34" charset="0"/>
+              <a:ea typeface="SimSun" panose="02010600030101010101" pitchFamily="2" charset="-122"/>
+            </a:endParaRPr>
+          </a:p>
+          <a:p>
+            <a:pPr marL="0" marR="0" indent="0" algn="l" defTabSz="914400" rtl="0" eaLnBrk="1" fontAlgn="base" latinLnBrk="0" hangingPunct="1">
+              <a:lnSpc>
+                <a:spcPct val="100000"/>
+              </a:lnSpc>
+              <a:spcBef>
+                <a:spcPct val="0"/>
+              </a:spcBef>
+              <a:spcAft>
+                <a:spcPct val="0"/>
+              </a:spcAft>
+              <a:buClrTx/>
+              <a:buSzTx/>
+              <a:buFontTx/>
+              <a:buNone/>
+            </a:pPr>
+            <a:r>
+              <a:rPr kumimoji="0" lang="zh-CN" altLang="en-US" sz="1200" b="0" i="0" u="none" strike="noStrike" cap="none" normalizeH="0" baseline="0" smtClean="0">
+                <a:ln>
+                  <a:noFill/>
+                </a:ln>
+                <a:solidFill>
+                  <a:schemeClr val="tx1"/>
+                </a:solidFill>
+                <a:effectLst/>
+                <a:latin typeface="Arial" panose="020B0604020202020204" pitchFamily="34" charset="0"/>
+                <a:ea typeface="SimSun" panose="02010600030101010101" pitchFamily="2" charset="-122"/>
+              </a:rPr>
+              <a:t>	einInput.waitUntilPresent().type(companyIdentifier);</a:t>
+            </a:r>
+            <a:endParaRPr kumimoji="0" lang="zh-CN" altLang="en-US" sz="1200" b="0" i="0" u="none" strike="noStrike" cap="none" normalizeH="0" baseline="0" smtClean="0">
+              <a:ln>
+                <a:noFill/>
+              </a:ln>
+              <a:solidFill>
+                <a:schemeClr val="tx1"/>
+              </a:solidFill>
+              <a:effectLst/>
+              <a:latin typeface="Arial" panose="020B0604020202020204" pitchFamily="34" charset="0"/>
+              <a:ea typeface="SimSun" panose="02010600030101010101" pitchFamily="2" charset="-122"/>
+            </a:endParaRPr>
+          </a:p>
+          <a:p>
+            <a:pPr marL="0" marR="0" indent="0" algn="l" defTabSz="914400" rtl="0" eaLnBrk="1" fontAlgn="base" latinLnBrk="0" hangingPunct="1">
+              <a:lnSpc>
+                <a:spcPct val="100000"/>
+              </a:lnSpc>
+              <a:spcBef>
+                <a:spcPct val="0"/>
+              </a:spcBef>
+              <a:spcAft>
+                <a:spcPct val="0"/>
+              </a:spcAft>
+              <a:buClrTx/>
+              <a:buSzTx/>
+              <a:buFontTx/>
+              <a:buNone/>
+            </a:pPr>
+            <a:r>
+              <a:rPr kumimoji="0" lang="zh-CN" altLang="en-US" sz="1200" b="0" i="0" u="none" strike="noStrike" cap="none" normalizeH="0" baseline="0" smtClean="0">
+                <a:ln>
+                  <a:noFill/>
+                </a:ln>
+                <a:solidFill>
+                  <a:schemeClr val="tx1"/>
+                </a:solidFill>
+                <a:effectLst/>
+                <a:latin typeface="Arial" panose="020B0604020202020204" pitchFamily="34" charset="0"/>
+                <a:ea typeface="SimSun" panose="02010600030101010101" pitchFamily="2" charset="-122"/>
+              </a:rPr>
+              <a:t>	try {</a:t>
+            </a:r>
+            <a:endParaRPr kumimoji="0" lang="zh-CN" altLang="en-US" sz="1200" b="0" i="0" u="none" strike="noStrike" cap="none" normalizeH="0" baseline="0" smtClean="0">
+              <a:ln>
+                <a:noFill/>
+              </a:ln>
+              <a:solidFill>
+                <a:schemeClr val="tx1"/>
+              </a:solidFill>
+              <a:effectLst/>
+              <a:latin typeface="Arial" panose="020B0604020202020204" pitchFamily="34" charset="0"/>
+              <a:ea typeface="SimSun" panose="02010600030101010101" pitchFamily="2" charset="-122"/>
+            </a:endParaRPr>
+          </a:p>
+          <a:p>
+            <a:pPr marL="0" marR="0" indent="0" algn="l" defTabSz="914400" rtl="0" eaLnBrk="1" fontAlgn="base" latinLnBrk="0" hangingPunct="1">
+              <a:lnSpc>
+                <a:spcPct val="100000"/>
+              </a:lnSpc>
+              <a:spcBef>
+                <a:spcPct val="0"/>
+              </a:spcBef>
+              <a:spcAft>
+                <a:spcPct val="0"/>
+              </a:spcAft>
+              <a:buClrTx/>
+              <a:buSzTx/>
+              <a:buFontTx/>
+              <a:buNone/>
+            </a:pPr>
+            <a:r>
+              <a:rPr kumimoji="0" lang="zh-CN" altLang="en-US" sz="1200" b="0" i="0" u="none" strike="noStrike" cap="none" normalizeH="0" baseline="0" smtClean="0">
+                <a:ln>
+                  <a:noFill/>
+                </a:ln>
+                <a:solidFill>
+                  <a:schemeClr val="tx1"/>
+                </a:solidFill>
+                <a:effectLst/>
+                <a:latin typeface="Arial" panose="020B0604020202020204" pitchFamily="34" charset="0"/>
+                <a:ea typeface="SimSun" panose="02010600030101010101" pitchFamily="2" charset="-122"/>
+              </a:rPr>
+              <a:t>	</a:t>
+            </a:r>
+            <a:r>
+              <a:rPr kumimoji="0" lang="en-US" altLang="zh-CN" sz="1200" b="0" i="0" u="none" strike="noStrike" cap="none" normalizeH="0" baseline="0" smtClean="0">
+                <a:ln>
+                  <a:noFill/>
+                </a:ln>
+                <a:solidFill>
+                  <a:schemeClr val="tx1"/>
+                </a:solidFill>
+                <a:effectLst/>
+                <a:latin typeface="Arial" panose="020B0604020202020204" pitchFamily="34" charset="0"/>
+                <a:ea typeface="SimSun" panose="02010600030101010101" pitchFamily="2" charset="-122"/>
+              </a:rPr>
+              <a:t>	</a:t>
+            </a:r>
+            <a:r>
+              <a:rPr kumimoji="0" lang="zh-CN" altLang="en-US" sz="1200" b="0" i="0" u="none" strike="noStrike" cap="none" normalizeH="0" baseline="0" smtClean="0">
+                <a:ln>
+                  <a:noFill/>
+                </a:ln>
+                <a:solidFill>
+                  <a:schemeClr val="tx1"/>
+                </a:solidFill>
+                <a:effectLst/>
+                <a:latin typeface="Arial" panose="020B0604020202020204" pitchFamily="34" charset="0"/>
+                <a:ea typeface="SimSun" panose="02010600030101010101" pitchFamily="2" charset="-122"/>
+              </a:rPr>
+              <a:t>Robot r = new Robot();</a:t>
+            </a:r>
+            <a:endParaRPr kumimoji="0" lang="zh-CN" altLang="en-US" sz="1200" b="0" i="0" u="none" strike="noStrike" cap="none" normalizeH="0" baseline="0" smtClean="0">
+              <a:ln>
+                <a:noFill/>
+              </a:ln>
+              <a:solidFill>
+                <a:schemeClr val="tx1"/>
+              </a:solidFill>
+              <a:effectLst/>
+              <a:latin typeface="Arial" panose="020B0604020202020204" pitchFamily="34" charset="0"/>
+              <a:ea typeface="SimSun" panose="02010600030101010101" pitchFamily="2" charset="-122"/>
+            </a:endParaRPr>
+          </a:p>
+          <a:p>
+            <a:pPr marL="0" marR="0" indent="0" algn="l" defTabSz="914400" rtl="0" eaLnBrk="1" fontAlgn="base" latinLnBrk="0" hangingPunct="1">
+              <a:lnSpc>
+                <a:spcPct val="100000"/>
+              </a:lnSpc>
+              <a:spcBef>
+                <a:spcPct val="0"/>
+              </a:spcBef>
+              <a:spcAft>
+                <a:spcPct val="0"/>
+              </a:spcAft>
+              <a:buClrTx/>
+              <a:buSzTx/>
+              <a:buFontTx/>
+              <a:buNone/>
+            </a:pPr>
+            <a:r>
+              <a:rPr kumimoji="0" lang="zh-CN" altLang="en-US" sz="1200" b="0" i="0" u="none" strike="noStrike" cap="none" normalizeH="0" baseline="0" smtClean="0">
+                <a:ln>
+                  <a:noFill/>
+                </a:ln>
+                <a:solidFill>
+                  <a:schemeClr val="tx1"/>
+                </a:solidFill>
+                <a:effectLst/>
+                <a:latin typeface="Arial" panose="020B0604020202020204" pitchFamily="34" charset="0"/>
+                <a:ea typeface="SimSun" panose="02010600030101010101" pitchFamily="2" charset="-122"/>
+              </a:rPr>
+              <a:t>		einInput.click();</a:t>
+            </a:r>
+            <a:endParaRPr kumimoji="0" lang="zh-CN" altLang="en-US" sz="1200" b="0" i="0" u="none" strike="noStrike" cap="none" normalizeH="0" baseline="0" smtClean="0">
+              <a:ln>
+                <a:noFill/>
+              </a:ln>
+              <a:solidFill>
+                <a:schemeClr val="tx1"/>
+              </a:solidFill>
+              <a:effectLst/>
+              <a:latin typeface="Arial" panose="020B0604020202020204" pitchFamily="34" charset="0"/>
+              <a:ea typeface="SimSun" panose="02010600030101010101" pitchFamily="2" charset="-122"/>
+            </a:endParaRPr>
+          </a:p>
+          <a:p>
+            <a:pPr marL="0" marR="0" indent="0" algn="l" defTabSz="914400" rtl="0" eaLnBrk="1" fontAlgn="base" latinLnBrk="0" hangingPunct="1">
+              <a:lnSpc>
+                <a:spcPct val="100000"/>
+              </a:lnSpc>
+              <a:spcBef>
+                <a:spcPct val="0"/>
+              </a:spcBef>
+              <a:spcAft>
+                <a:spcPct val="0"/>
+              </a:spcAft>
+              <a:buClrTx/>
+              <a:buSzTx/>
+              <a:buFontTx/>
+              <a:buNone/>
+            </a:pPr>
+            <a:r>
+              <a:rPr kumimoji="0" lang="zh-CN" altLang="en-US" sz="1200" b="0" i="0" u="none" strike="noStrike" cap="none" normalizeH="0" baseline="0" smtClean="0">
+                <a:ln>
+                  <a:noFill/>
+                </a:ln>
+                <a:solidFill>
+                  <a:schemeClr val="tx1"/>
+                </a:solidFill>
+                <a:effectLst/>
+                <a:latin typeface="Arial" panose="020B0604020202020204" pitchFamily="34" charset="0"/>
+                <a:ea typeface="SimSun" panose="02010600030101010101" pitchFamily="2" charset="-122"/>
+              </a:rPr>
+              <a:t>		r.keyPress(KeyEvent.VK_TAB);</a:t>
+            </a:r>
+            <a:endParaRPr kumimoji="0" lang="zh-CN" altLang="en-US" sz="1200" b="0" i="0" u="none" strike="noStrike" cap="none" normalizeH="0" baseline="0" smtClean="0">
+              <a:ln>
+                <a:noFill/>
+              </a:ln>
+              <a:solidFill>
+                <a:schemeClr val="tx1"/>
+              </a:solidFill>
+              <a:effectLst/>
+              <a:latin typeface="Arial" panose="020B0604020202020204" pitchFamily="34" charset="0"/>
+              <a:ea typeface="SimSun" panose="02010600030101010101" pitchFamily="2" charset="-122"/>
+            </a:endParaRPr>
+          </a:p>
+          <a:p>
+            <a:pPr marL="0" marR="0" indent="0" algn="l" defTabSz="914400" rtl="0" eaLnBrk="1" fontAlgn="base" latinLnBrk="0" hangingPunct="1">
+              <a:lnSpc>
+                <a:spcPct val="100000"/>
+              </a:lnSpc>
+              <a:spcBef>
+                <a:spcPct val="0"/>
+              </a:spcBef>
+              <a:spcAft>
+                <a:spcPct val="0"/>
+              </a:spcAft>
+              <a:buClrTx/>
+              <a:buSzTx/>
+              <a:buFontTx/>
+              <a:buNone/>
+            </a:pPr>
+            <a:r>
+              <a:rPr kumimoji="0" lang="zh-CN" altLang="en-US" sz="1200" b="0" i="0" u="none" strike="noStrike" cap="none" normalizeH="0" baseline="0" smtClean="0">
+                <a:ln>
+                  <a:noFill/>
+                </a:ln>
+                <a:solidFill>
+                  <a:schemeClr val="tx1"/>
+                </a:solidFill>
+                <a:effectLst/>
+                <a:latin typeface="Arial" panose="020B0604020202020204" pitchFamily="34" charset="0"/>
+                <a:ea typeface="SimSun" panose="02010600030101010101" pitchFamily="2" charset="-122"/>
+              </a:rPr>
+              <a:t>		r.keyRelease(KeyEvent.VK_TAB);</a:t>
+            </a:r>
+            <a:endParaRPr kumimoji="0" lang="zh-CN" altLang="en-US" sz="1200" b="0" i="0" u="none" strike="noStrike" cap="none" normalizeH="0" baseline="0" smtClean="0">
+              <a:ln>
+                <a:noFill/>
+              </a:ln>
+              <a:solidFill>
+                <a:schemeClr val="tx1"/>
+              </a:solidFill>
+              <a:effectLst/>
+              <a:latin typeface="Arial" panose="020B0604020202020204" pitchFamily="34" charset="0"/>
+              <a:ea typeface="SimSun" panose="02010600030101010101" pitchFamily="2" charset="-122"/>
+            </a:endParaRPr>
+          </a:p>
+          <a:p>
+            <a:pPr marL="0" marR="0" indent="0" algn="l" defTabSz="914400" rtl="0" eaLnBrk="1" fontAlgn="base" latinLnBrk="0" hangingPunct="1">
+              <a:lnSpc>
+                <a:spcPct val="100000"/>
+              </a:lnSpc>
+              <a:spcBef>
+                <a:spcPct val="0"/>
+              </a:spcBef>
+              <a:spcAft>
+                <a:spcPct val="0"/>
+              </a:spcAft>
+              <a:buClrTx/>
+              <a:buSzTx/>
+              <a:buFontTx/>
+              <a:buNone/>
+            </a:pPr>
+            <a:r>
+              <a:rPr kumimoji="0" lang="zh-CN" altLang="en-US" sz="1200" b="0" i="0" u="none" strike="noStrike" cap="none" normalizeH="0" baseline="0" smtClean="0">
+                <a:ln>
+                  <a:noFill/>
+                </a:ln>
+                <a:solidFill>
+                  <a:schemeClr val="tx1"/>
+                </a:solidFill>
+                <a:effectLst/>
+                <a:latin typeface="Arial" panose="020B0604020202020204" pitchFamily="34" charset="0"/>
+                <a:ea typeface="SimSun" panose="02010600030101010101" pitchFamily="2" charset="-122"/>
+              </a:rPr>
+              <a:t>		waitABit(2000);</a:t>
+            </a:r>
+            <a:endParaRPr kumimoji="0" lang="zh-CN" altLang="en-US" sz="1200" b="0" i="0" u="none" strike="noStrike" cap="none" normalizeH="0" baseline="0" smtClean="0">
+              <a:ln>
+                <a:noFill/>
+              </a:ln>
+              <a:solidFill>
+                <a:schemeClr val="tx1"/>
+              </a:solidFill>
+              <a:effectLst/>
+              <a:latin typeface="Arial" panose="020B0604020202020204" pitchFamily="34" charset="0"/>
+              <a:ea typeface="SimSun" panose="02010600030101010101" pitchFamily="2" charset="-122"/>
+            </a:endParaRPr>
+          </a:p>
+          <a:p>
+            <a:pPr marL="0" marR="0" indent="0" algn="l" defTabSz="914400" rtl="0" eaLnBrk="1" fontAlgn="base" latinLnBrk="0" hangingPunct="1">
+              <a:lnSpc>
+                <a:spcPct val="100000"/>
+              </a:lnSpc>
+              <a:spcBef>
+                <a:spcPct val="0"/>
+              </a:spcBef>
+              <a:spcAft>
+                <a:spcPct val="0"/>
+              </a:spcAft>
+              <a:buClrTx/>
+              <a:buSzTx/>
+              <a:buFontTx/>
+              <a:buNone/>
+            </a:pPr>
+            <a:r>
+              <a:rPr kumimoji="0" lang="zh-CN" altLang="en-US" sz="1200" b="0" i="0" u="none" strike="noStrike" cap="none" normalizeH="0" baseline="0" smtClean="0">
+                <a:ln>
+                  <a:noFill/>
+                </a:ln>
+                <a:solidFill>
+                  <a:schemeClr val="tx1"/>
+                </a:solidFill>
+                <a:effectLst/>
+                <a:latin typeface="Arial" panose="020B0604020202020204" pitchFamily="34" charset="0"/>
+                <a:ea typeface="SimSun" panose="02010600030101010101" pitchFamily="2" charset="-122"/>
+              </a:rPr>
+              <a:t>		r.keyPress(KeyEvent.VK_DOWN);</a:t>
+            </a:r>
+            <a:endParaRPr kumimoji="0" lang="zh-CN" altLang="en-US" sz="1200" b="0" i="0" u="none" strike="noStrike" cap="none" normalizeH="0" baseline="0" smtClean="0">
+              <a:ln>
+                <a:noFill/>
+              </a:ln>
+              <a:solidFill>
+                <a:schemeClr val="tx1"/>
+              </a:solidFill>
+              <a:effectLst/>
+              <a:latin typeface="Arial" panose="020B0604020202020204" pitchFamily="34" charset="0"/>
+              <a:ea typeface="SimSun" panose="02010600030101010101" pitchFamily="2" charset="-122"/>
+            </a:endParaRPr>
+          </a:p>
+          <a:p>
+            <a:pPr marL="0" marR="0" indent="0" algn="l" defTabSz="914400" rtl="0" eaLnBrk="1" fontAlgn="base" latinLnBrk="0" hangingPunct="1">
+              <a:lnSpc>
+                <a:spcPct val="100000"/>
+              </a:lnSpc>
+              <a:spcBef>
+                <a:spcPct val="0"/>
+              </a:spcBef>
+              <a:spcAft>
+                <a:spcPct val="0"/>
+              </a:spcAft>
+              <a:buClrTx/>
+              <a:buSzTx/>
+              <a:buFontTx/>
+              <a:buNone/>
+            </a:pPr>
+            <a:r>
+              <a:rPr kumimoji="0" lang="zh-CN" altLang="en-US" sz="1200" b="0" i="0" u="none" strike="noStrike" cap="none" normalizeH="0" baseline="0" smtClean="0">
+                <a:ln>
+                  <a:noFill/>
+                </a:ln>
+                <a:solidFill>
+                  <a:schemeClr val="tx1"/>
+                </a:solidFill>
+                <a:effectLst/>
+                <a:latin typeface="Arial" panose="020B0604020202020204" pitchFamily="34" charset="0"/>
+                <a:ea typeface="SimSun" panose="02010600030101010101" pitchFamily="2" charset="-122"/>
+              </a:rPr>
+              <a:t>		waitABit(2000);</a:t>
+            </a:r>
+            <a:endParaRPr kumimoji="0" lang="zh-CN" altLang="en-US" sz="1200" b="0" i="0" u="none" strike="noStrike" cap="none" normalizeH="0" baseline="0" smtClean="0">
+              <a:ln>
+                <a:noFill/>
+              </a:ln>
+              <a:solidFill>
+                <a:schemeClr val="tx1"/>
+              </a:solidFill>
+              <a:effectLst/>
+              <a:latin typeface="Arial" panose="020B0604020202020204" pitchFamily="34" charset="0"/>
+              <a:ea typeface="SimSun" panose="02010600030101010101" pitchFamily="2" charset="-122"/>
+            </a:endParaRPr>
+          </a:p>
+          <a:p>
+            <a:pPr marL="0" marR="0" indent="0" algn="l" defTabSz="914400" rtl="0" eaLnBrk="1" fontAlgn="base" latinLnBrk="0" hangingPunct="1">
+              <a:lnSpc>
+                <a:spcPct val="100000"/>
+              </a:lnSpc>
+              <a:spcBef>
+                <a:spcPct val="0"/>
+              </a:spcBef>
+              <a:spcAft>
+                <a:spcPct val="0"/>
+              </a:spcAft>
+              <a:buClrTx/>
+              <a:buSzTx/>
+              <a:buFontTx/>
+              <a:buNone/>
+            </a:pPr>
+            <a:r>
+              <a:rPr kumimoji="0" lang="zh-CN" altLang="en-US" sz="1200" b="0" i="0" u="none" strike="noStrike" cap="none" normalizeH="0" baseline="0" smtClean="0">
+                <a:ln>
+                  <a:noFill/>
+                </a:ln>
+                <a:solidFill>
+                  <a:schemeClr val="tx1"/>
+                </a:solidFill>
+                <a:effectLst/>
+                <a:latin typeface="Arial" panose="020B0604020202020204" pitchFamily="34" charset="0"/>
+                <a:ea typeface="SimSun" panose="02010600030101010101" pitchFamily="2" charset="-122"/>
+              </a:rPr>
+              <a:t>		r.keyPress(KeyEvent.VK_DOWN);</a:t>
+            </a:r>
+            <a:endParaRPr kumimoji="0" lang="zh-CN" altLang="en-US" sz="1200" b="0" i="0" u="none" strike="noStrike" cap="none" normalizeH="0" baseline="0" smtClean="0">
+              <a:ln>
+                <a:noFill/>
+              </a:ln>
+              <a:solidFill>
+                <a:schemeClr val="tx1"/>
+              </a:solidFill>
+              <a:effectLst/>
+              <a:latin typeface="Arial" panose="020B0604020202020204" pitchFamily="34" charset="0"/>
+              <a:ea typeface="SimSun" panose="02010600030101010101" pitchFamily="2" charset="-122"/>
+            </a:endParaRPr>
+          </a:p>
+          <a:p>
+            <a:pPr marL="0" marR="0" indent="0" algn="l" defTabSz="914400" rtl="0" eaLnBrk="1" fontAlgn="base" latinLnBrk="0" hangingPunct="1">
+              <a:lnSpc>
+                <a:spcPct val="100000"/>
+              </a:lnSpc>
+              <a:spcBef>
+                <a:spcPct val="0"/>
+              </a:spcBef>
+              <a:spcAft>
+                <a:spcPct val="0"/>
+              </a:spcAft>
+              <a:buClrTx/>
+              <a:buSzTx/>
+              <a:buFontTx/>
+              <a:buNone/>
+            </a:pPr>
+            <a:r>
+              <a:rPr kumimoji="0" lang="zh-CN" altLang="en-US" sz="1200" b="0" i="0" u="none" strike="noStrike" cap="none" normalizeH="0" baseline="0" smtClean="0">
+                <a:ln>
+                  <a:noFill/>
+                </a:ln>
+                <a:solidFill>
+                  <a:schemeClr val="tx1"/>
+                </a:solidFill>
+                <a:effectLst/>
+                <a:latin typeface="Arial" panose="020B0604020202020204" pitchFamily="34" charset="0"/>
+                <a:ea typeface="SimSun" panose="02010600030101010101" pitchFamily="2" charset="-122"/>
+              </a:rPr>
+              <a:t>		waitABit(2000);</a:t>
+            </a:r>
+            <a:endParaRPr kumimoji="0" lang="zh-CN" altLang="en-US" sz="1200" b="0" i="0" u="none" strike="noStrike" cap="none" normalizeH="0" baseline="0" smtClean="0">
+              <a:ln>
+                <a:noFill/>
+              </a:ln>
+              <a:solidFill>
+                <a:schemeClr val="tx1"/>
+              </a:solidFill>
+              <a:effectLst/>
+              <a:latin typeface="Arial" panose="020B0604020202020204" pitchFamily="34" charset="0"/>
+              <a:ea typeface="SimSun" panose="02010600030101010101" pitchFamily="2" charset="-122"/>
+            </a:endParaRPr>
+          </a:p>
+          <a:p>
+            <a:pPr marL="0" marR="0" indent="0" algn="l" defTabSz="914400" rtl="0" eaLnBrk="1" fontAlgn="base" latinLnBrk="0" hangingPunct="1">
+              <a:lnSpc>
+                <a:spcPct val="100000"/>
+              </a:lnSpc>
+              <a:spcBef>
+                <a:spcPct val="0"/>
+              </a:spcBef>
+              <a:spcAft>
+                <a:spcPct val="0"/>
+              </a:spcAft>
+              <a:buClrTx/>
+              <a:buSzTx/>
+              <a:buFontTx/>
+              <a:buNone/>
+            </a:pPr>
+            <a:r>
+              <a:rPr kumimoji="0" lang="zh-CN" altLang="en-US" sz="1200" b="0" i="0" u="none" strike="noStrike" cap="none" normalizeH="0" baseline="0" smtClean="0">
+                <a:ln>
+                  <a:noFill/>
+                </a:ln>
+                <a:solidFill>
+                  <a:schemeClr val="tx1"/>
+                </a:solidFill>
+                <a:effectLst/>
+                <a:latin typeface="Arial" panose="020B0604020202020204" pitchFamily="34" charset="0"/>
+                <a:ea typeface="SimSun" panose="02010600030101010101" pitchFamily="2" charset="-122"/>
+              </a:rPr>
+              <a:t>		r.keyRelease(KeyEvent.VK_DOWN);</a:t>
+            </a:r>
+            <a:endParaRPr kumimoji="0" lang="zh-CN" altLang="en-US" sz="1200" b="0" i="0" u="none" strike="noStrike" cap="none" normalizeH="0" baseline="0" smtClean="0">
+              <a:ln>
+                <a:noFill/>
+              </a:ln>
+              <a:solidFill>
+                <a:schemeClr val="tx1"/>
+              </a:solidFill>
+              <a:effectLst/>
+              <a:latin typeface="Arial" panose="020B0604020202020204" pitchFamily="34" charset="0"/>
+              <a:ea typeface="SimSun" panose="02010600030101010101" pitchFamily="2" charset="-122"/>
+            </a:endParaRPr>
+          </a:p>
+          <a:p>
+            <a:pPr marL="0" marR="0" indent="0" algn="l" defTabSz="914400" rtl="0" eaLnBrk="1" fontAlgn="base" latinLnBrk="0" hangingPunct="1">
+              <a:lnSpc>
+                <a:spcPct val="100000"/>
+              </a:lnSpc>
+              <a:spcBef>
+                <a:spcPct val="0"/>
+              </a:spcBef>
+              <a:spcAft>
+                <a:spcPct val="0"/>
+              </a:spcAft>
+              <a:buClrTx/>
+              <a:buSzTx/>
+              <a:buFontTx/>
+              <a:buNone/>
+            </a:pPr>
+            <a:r>
+              <a:rPr kumimoji="0" lang="zh-CN" altLang="en-US" sz="1200" b="0" i="0" u="none" strike="noStrike" cap="none" normalizeH="0" baseline="0" smtClean="0">
+                <a:ln>
+                  <a:noFill/>
+                </a:ln>
+                <a:solidFill>
+                  <a:schemeClr val="tx1"/>
+                </a:solidFill>
+                <a:effectLst/>
+                <a:latin typeface="Arial" panose="020B0604020202020204" pitchFamily="34" charset="0"/>
+                <a:ea typeface="SimSun" panose="02010600030101010101" pitchFamily="2" charset="-122"/>
+              </a:rPr>
+              <a:t>		r.keyPress(KeyEvent.VK_ENTER);</a:t>
+            </a:r>
+            <a:endParaRPr kumimoji="0" lang="zh-CN" altLang="en-US" sz="1200" b="0" i="0" u="none" strike="noStrike" cap="none" normalizeH="0" baseline="0" smtClean="0">
+              <a:ln>
+                <a:noFill/>
+              </a:ln>
+              <a:solidFill>
+                <a:schemeClr val="tx1"/>
+              </a:solidFill>
+              <a:effectLst/>
+              <a:latin typeface="Arial" panose="020B0604020202020204" pitchFamily="34" charset="0"/>
+              <a:ea typeface="SimSun" panose="02010600030101010101" pitchFamily="2" charset="-122"/>
+            </a:endParaRPr>
+          </a:p>
+          <a:p>
+            <a:pPr marL="0" marR="0" indent="0" algn="l" defTabSz="914400" rtl="0" eaLnBrk="1" fontAlgn="base" latinLnBrk="0" hangingPunct="1">
+              <a:lnSpc>
+                <a:spcPct val="100000"/>
+              </a:lnSpc>
+              <a:spcBef>
+                <a:spcPct val="0"/>
+              </a:spcBef>
+              <a:spcAft>
+                <a:spcPct val="0"/>
+              </a:spcAft>
+              <a:buClrTx/>
+              <a:buSzTx/>
+              <a:buFontTx/>
+              <a:buNone/>
+            </a:pPr>
+            <a:r>
+              <a:rPr kumimoji="0" lang="zh-CN" altLang="en-US" sz="1200" b="0" i="0" u="none" strike="noStrike" cap="none" normalizeH="0" baseline="0" smtClean="0">
+                <a:ln>
+                  <a:noFill/>
+                </a:ln>
+                <a:solidFill>
+                  <a:schemeClr val="tx1"/>
+                </a:solidFill>
+                <a:effectLst/>
+                <a:latin typeface="Arial" panose="020B0604020202020204" pitchFamily="34" charset="0"/>
+                <a:ea typeface="SimSun" panose="02010600030101010101" pitchFamily="2" charset="-122"/>
+              </a:rPr>
+              <a:t>		r.keyRelease(KeyEvent.VK_ENTER);</a:t>
+            </a:r>
+            <a:endParaRPr kumimoji="0" lang="zh-CN" altLang="en-US" sz="1200" b="0" i="0" u="none" strike="noStrike" cap="none" normalizeH="0" baseline="0" smtClean="0">
+              <a:ln>
+                <a:noFill/>
+              </a:ln>
+              <a:solidFill>
+                <a:schemeClr val="tx1"/>
+              </a:solidFill>
+              <a:effectLst/>
+              <a:latin typeface="Arial" panose="020B0604020202020204" pitchFamily="34" charset="0"/>
+              <a:ea typeface="SimSun" panose="02010600030101010101" pitchFamily="2" charset="-122"/>
+            </a:endParaRPr>
+          </a:p>
+          <a:p>
+            <a:pPr marL="0" marR="0" indent="0" algn="l" defTabSz="914400" rtl="0" eaLnBrk="1" fontAlgn="base" latinLnBrk="0" hangingPunct="1">
+              <a:lnSpc>
+                <a:spcPct val="100000"/>
+              </a:lnSpc>
+              <a:spcBef>
+                <a:spcPct val="0"/>
+              </a:spcBef>
+              <a:spcAft>
+                <a:spcPct val="0"/>
+              </a:spcAft>
+              <a:buClrTx/>
+              <a:buSzTx/>
+              <a:buFontTx/>
+              <a:buNone/>
+            </a:pPr>
+            <a:r>
+              <a:rPr kumimoji="0" lang="zh-CN" altLang="en-US" sz="1200" b="0" i="0" u="none" strike="noStrike" cap="none" normalizeH="0" baseline="0" smtClean="0">
+                <a:ln>
+                  <a:noFill/>
+                </a:ln>
+                <a:solidFill>
+                  <a:schemeClr val="tx1"/>
+                </a:solidFill>
+                <a:effectLst/>
+                <a:latin typeface="Arial" panose="020B0604020202020204" pitchFamily="34" charset="0"/>
+                <a:ea typeface="SimSun" panose="02010600030101010101" pitchFamily="2" charset="-122"/>
+              </a:rPr>
+              <a:t>		waitABit(3000);</a:t>
+            </a:r>
+            <a:endParaRPr kumimoji="0" lang="zh-CN" altLang="en-US" sz="1200" b="0" i="0" u="none" strike="noStrike" cap="none" normalizeH="0" baseline="0" smtClean="0">
+              <a:ln>
+                <a:noFill/>
+              </a:ln>
+              <a:solidFill>
+                <a:schemeClr val="tx1"/>
+              </a:solidFill>
+              <a:effectLst/>
+              <a:latin typeface="Arial" panose="020B0604020202020204" pitchFamily="34" charset="0"/>
+              <a:ea typeface="SimSun" panose="02010600030101010101" pitchFamily="2" charset="-122"/>
+            </a:endParaRPr>
+          </a:p>
+          <a:p>
+            <a:pPr marL="0" marR="0" indent="0" algn="l" defTabSz="914400" rtl="0" eaLnBrk="1" fontAlgn="base" latinLnBrk="0" hangingPunct="1">
+              <a:lnSpc>
+                <a:spcPct val="100000"/>
+              </a:lnSpc>
+              <a:spcBef>
+                <a:spcPct val="0"/>
+              </a:spcBef>
+              <a:spcAft>
+                <a:spcPct val="0"/>
+              </a:spcAft>
+              <a:buClrTx/>
+              <a:buSzTx/>
+              <a:buFontTx/>
+              <a:buNone/>
+            </a:pPr>
+            <a:r>
+              <a:rPr kumimoji="0" lang="zh-CN" altLang="en-US" sz="1200" b="0" i="0" u="none" strike="noStrike" cap="none" normalizeH="0" baseline="0" smtClean="0">
+                <a:ln>
+                  <a:noFill/>
+                </a:ln>
+                <a:solidFill>
+                  <a:schemeClr val="tx1"/>
+                </a:solidFill>
+                <a:effectLst/>
+                <a:latin typeface="Arial" panose="020B0604020202020204" pitchFamily="34" charset="0"/>
+                <a:ea typeface="SimSun" panose="02010600030101010101" pitchFamily="2" charset="-122"/>
+              </a:rPr>
+              <a:t>		r.keyPress(KeyEvent.VK_TAB);</a:t>
+            </a:r>
+            <a:endParaRPr kumimoji="0" lang="zh-CN" altLang="en-US" sz="1200" b="0" i="0" u="none" strike="noStrike" cap="none" normalizeH="0" baseline="0" smtClean="0">
+              <a:ln>
+                <a:noFill/>
+              </a:ln>
+              <a:solidFill>
+                <a:schemeClr val="tx1"/>
+              </a:solidFill>
+              <a:effectLst/>
+              <a:latin typeface="Arial" panose="020B0604020202020204" pitchFamily="34" charset="0"/>
+              <a:ea typeface="SimSun" panose="02010600030101010101" pitchFamily="2" charset="-122"/>
+            </a:endParaRPr>
+          </a:p>
+          <a:p>
+            <a:pPr marL="0" marR="0" indent="0" algn="l" defTabSz="914400" rtl="0" eaLnBrk="1" fontAlgn="base" latinLnBrk="0" hangingPunct="1">
+              <a:lnSpc>
+                <a:spcPct val="100000"/>
+              </a:lnSpc>
+              <a:spcBef>
+                <a:spcPct val="0"/>
+              </a:spcBef>
+              <a:spcAft>
+                <a:spcPct val="0"/>
+              </a:spcAft>
+              <a:buClrTx/>
+              <a:buSzTx/>
+              <a:buFontTx/>
+              <a:buNone/>
+            </a:pPr>
+            <a:r>
+              <a:rPr kumimoji="0" lang="zh-CN" altLang="en-US" sz="1200" b="0" i="0" u="none" strike="noStrike" cap="none" normalizeH="0" baseline="0" smtClean="0">
+                <a:ln>
+                  <a:noFill/>
+                </a:ln>
+                <a:solidFill>
+                  <a:schemeClr val="tx1"/>
+                </a:solidFill>
+                <a:effectLst/>
+                <a:latin typeface="Arial" panose="020B0604020202020204" pitchFamily="34" charset="0"/>
+                <a:ea typeface="SimSun" panose="02010600030101010101" pitchFamily="2" charset="-122"/>
+              </a:rPr>
+              <a:t>		r.keyRelease(KeyEvent.VK_TAB);</a:t>
+            </a:r>
+            <a:endParaRPr kumimoji="0" lang="zh-CN" altLang="en-US" sz="1200" b="0" i="0" u="none" strike="noStrike" cap="none" normalizeH="0" baseline="0" smtClean="0">
+              <a:ln>
+                <a:noFill/>
+              </a:ln>
+              <a:solidFill>
+                <a:schemeClr val="tx1"/>
+              </a:solidFill>
+              <a:effectLst/>
+              <a:latin typeface="Arial" panose="020B0604020202020204" pitchFamily="34" charset="0"/>
+              <a:ea typeface="SimSun" panose="02010600030101010101" pitchFamily="2" charset="-122"/>
+            </a:endParaRPr>
+          </a:p>
+          <a:p>
+            <a:pPr marL="0" marR="0" indent="0" algn="l" defTabSz="914400" rtl="0" eaLnBrk="1" fontAlgn="base" latinLnBrk="0" hangingPunct="1">
+              <a:lnSpc>
+                <a:spcPct val="100000"/>
+              </a:lnSpc>
+              <a:spcBef>
+                <a:spcPct val="0"/>
+              </a:spcBef>
+              <a:spcAft>
+                <a:spcPct val="0"/>
+              </a:spcAft>
+              <a:buClrTx/>
+              <a:buSzTx/>
+              <a:buFontTx/>
+              <a:buNone/>
+            </a:pPr>
+            <a:r>
+              <a:rPr kumimoji="0" lang="zh-CN" altLang="en-US" sz="1200" b="0" i="0" u="none" strike="noStrike" cap="none" normalizeH="0" baseline="0" smtClean="0">
+                <a:ln>
+                  <a:noFill/>
+                </a:ln>
+                <a:solidFill>
+                  <a:schemeClr val="tx1"/>
+                </a:solidFill>
+                <a:effectLst/>
+                <a:latin typeface="Arial" panose="020B0604020202020204" pitchFamily="34" charset="0"/>
+                <a:ea typeface="SimSun" panose="02010600030101010101" pitchFamily="2" charset="-122"/>
+              </a:rPr>
+              <a:t>		r.keyPress(KeyEvent.VK_DOWN);</a:t>
+            </a:r>
+            <a:endParaRPr kumimoji="0" lang="zh-CN" altLang="en-US" sz="1200" b="0" i="0" u="none" strike="noStrike" cap="none" normalizeH="0" baseline="0" smtClean="0">
+              <a:ln>
+                <a:noFill/>
+              </a:ln>
+              <a:solidFill>
+                <a:schemeClr val="tx1"/>
+              </a:solidFill>
+              <a:effectLst/>
+              <a:latin typeface="Arial" panose="020B0604020202020204" pitchFamily="34" charset="0"/>
+              <a:ea typeface="SimSun" panose="02010600030101010101" pitchFamily="2" charset="-122"/>
+            </a:endParaRPr>
+          </a:p>
+          <a:p>
+            <a:pPr marL="0" marR="0" indent="0" algn="l" defTabSz="914400" rtl="0" eaLnBrk="1" fontAlgn="base" latinLnBrk="0" hangingPunct="1">
+              <a:lnSpc>
+                <a:spcPct val="100000"/>
+              </a:lnSpc>
+              <a:spcBef>
+                <a:spcPct val="0"/>
+              </a:spcBef>
+              <a:spcAft>
+                <a:spcPct val="0"/>
+              </a:spcAft>
+              <a:buClrTx/>
+              <a:buSzTx/>
+              <a:buFontTx/>
+              <a:buNone/>
+            </a:pPr>
+            <a:r>
               <a:rPr kumimoji="0" lang="zh-CN" altLang="en-US" sz="1000" b="0" i="0" u="none" strike="noStrike" cap="none" normalizeH="0" baseline="0" smtClean="0">
                 <a:ln>
                   <a:noFill/>
@@ -8755,7 +9635,7 @@
                 <a:latin typeface="Arial" panose="020B0604020202020204" pitchFamily="34" charset="0"/>
                 <a:ea typeface="SimSun" panose="02010600030101010101" pitchFamily="2" charset="-122"/>
               </a:rPr>
-              <a:t>public void input_required_fields(String companyName, String companyIdentifier) {</a:t>
+              <a:t>						</a:t>
             </a:r>
             <a:endParaRPr kumimoji="0" lang="zh-CN" altLang="en-US" sz="1000" b="0" i="0" u="none" strike="noStrike" cap="none" normalizeH="0" baseline="0" smtClean="0">
               <a:ln>
@@ -8786,20 +9666,6 @@
               <a:buNone/>
             </a:pPr>
             <a:r>
-              <a:rPr kumimoji="0" lang="en-US" altLang="zh-CN" sz="1000" b="0" i="0" u="none" strike="noStrike" cap="none" normalizeH="0" baseline="0" smtClean="0">
-                <a:ln>
-                  <a:noFill/>
-                </a:ln>
-                <a:solidFill>
-                  <a:schemeClr val="tx1"/>
-                </a:solidFill>
-                <a:effectLst/>
-                <a:latin typeface="Arial" panose="020B0604020202020204" pitchFamily="34" charset="0"/>
-                <a:ea typeface="SimSun" panose="02010600030101010101" pitchFamily="2" charset="-122"/>
-              </a:rPr>
-              <a:t>	</a:t>
-            </a:r>
-            <a:r>
               <a:rPr kumimoji="0" lang="zh-CN" altLang="en-US" sz="1000" b="0" i="0" u="none" strike="noStrike" cap="none" normalizeH="0" baseline="0" smtClean="0">
                 <a:ln>
                   <a:noFill/>
@@ -8811,7 +9677,7 @@
                 <a:latin typeface="Arial" panose="020B0604020202020204" pitchFamily="34" charset="0"/>
                 <a:ea typeface="SimSun" panose="02010600030101010101" pitchFamily="2" charset="-122"/>
               </a:rPr>
-              <a:t>companyNameInput.waitUntilPresent().type(companyName);</a:t>
+              <a:t>		</a:t>
             </a:r>
             <a:endParaRPr kumimoji="0" lang="zh-CN" altLang="en-US" sz="1000" b="0" i="0" u="none" strike="noStrike" cap="none" normalizeH="0" baseline="0" smtClean="0">
               <a:ln>
@@ -8825,876 +9691,152 @@
               <a:ea typeface="SimSun" panose="02010600030101010101" pitchFamily="2" charset="-122"/>
             </a:endParaRPr>
           </a:p>
-          <a:p>
-            <a:pPr marL="0" marR="0" indent="0" algn="l" defTabSz="914400" rtl="0" eaLnBrk="1" fontAlgn="base" latinLnBrk="0" hangingPunct="1">
-              <a:lnSpc>
-                <a:spcPct val="100000"/>
-              </a:lnSpc>
-              <a:spcBef>
-                <a:spcPct val="0"/>
-              </a:spcBef>
-              <a:spcAft>
-                <a:spcPct val="0"/>
-              </a:spcAft>
-              <a:buClrTx/>
-              <a:buSzTx/>
-              <a:buFontTx/>
-              <a:buNone/>
-            </a:pPr>
-            <a:r>
-              <a:rPr kumimoji="0" lang="zh-CN" altLang="en-US" sz="1000" b="0" i="0" u="none" strike="noStrike" cap="none" normalizeH="0" baseline="0" smtClean="0">
-                <a:ln>
-                  <a:noFill/>
-                </a:ln>
-                <a:solidFill>
-                  <a:schemeClr val="tx1"/>
-                </a:solidFill>
-                <a:effectLst/>
-                <a:latin typeface="Arial" panose="020B0604020202020204" pitchFamily="34" charset="0"/>
-                <a:ea typeface="SimSun" panose="02010600030101010101" pitchFamily="2" charset="-122"/>
-              </a:rPr>
-              <a:t>	einInput.waitUntilPresent().type(companyIdentifier);</a:t>
-            </a:r>
-            <a:endParaRPr kumimoji="0" lang="zh-CN" altLang="en-US" sz="1000" b="0" i="0" u="none" strike="noStrike" cap="none" normalizeH="0" baseline="0" smtClean="0">
-              <a:ln>
-                <a:noFill/>
-              </a:ln>
-              <a:solidFill>
-                <a:schemeClr val="tx1"/>
-              </a:solidFill>
-              <a:effectLst/>
-              <a:latin typeface="Arial" panose="020B0604020202020204" pitchFamily="34" charset="0"/>
-              <a:ea typeface="SimSun" panose="02010600030101010101" pitchFamily="2" charset="-122"/>
-            </a:endParaRPr>
-          </a:p>
-          <a:p>
-            <a:pPr marL="0" marR="0" indent="0" algn="l" defTabSz="914400" rtl="0" eaLnBrk="1" fontAlgn="base" latinLnBrk="0" hangingPunct="1">
-              <a:lnSpc>
-                <a:spcPct val="100000"/>
-              </a:lnSpc>
-              <a:spcBef>
-                <a:spcPct val="0"/>
-              </a:spcBef>
-              <a:spcAft>
-                <a:spcPct val="0"/>
-              </a:spcAft>
-              <a:buClrTx/>
-              <a:buSzTx/>
-              <a:buFontTx/>
-              <a:buNone/>
-            </a:pPr>
-            <a:r>
-              <a:rPr kumimoji="0" lang="zh-CN" altLang="en-US" sz="1000" b="0" i="0" u="none" strike="noStrike" cap="none" normalizeH="0" baseline="0" smtClean="0">
-                <a:ln>
-                  <a:noFill/>
-                </a:ln>
-                <a:solidFill>
-                  <a:schemeClr val="tx1"/>
-                </a:solidFill>
-                <a:effectLst/>
-                <a:latin typeface="Arial" panose="020B0604020202020204" pitchFamily="34" charset="0"/>
-                <a:ea typeface="SimSun" panose="02010600030101010101" pitchFamily="2" charset="-122"/>
-              </a:rPr>
-              <a:t>	try {</a:t>
-            </a:r>
-            <a:endParaRPr kumimoji="0" lang="zh-CN" altLang="en-US" sz="1000" b="0" i="0" u="none" strike="noStrike" cap="none" normalizeH="0" baseline="0" smtClean="0">
-              <a:ln>
-                <a:noFill/>
-              </a:ln>
-              <a:solidFill>
-                <a:schemeClr val="tx1"/>
-              </a:solidFill>
-              <a:effectLst/>
-              <a:latin typeface="Arial" panose="020B0604020202020204" pitchFamily="34" charset="0"/>
-              <a:ea typeface="SimSun" panose="02010600030101010101" pitchFamily="2" charset="-122"/>
-            </a:endParaRPr>
-          </a:p>
-          <a:p>
-            <a:pPr marL="0" marR="0" indent="0" algn="l" defTabSz="914400" rtl="0" eaLnBrk="1" fontAlgn="base" latinLnBrk="0" hangingPunct="1">
-              <a:lnSpc>
-                <a:spcPct val="100000"/>
-              </a:lnSpc>
-              <a:spcBef>
-                <a:spcPct val="0"/>
-              </a:spcBef>
-              <a:spcAft>
-                <a:spcPct val="0"/>
-              </a:spcAft>
-              <a:buClrTx/>
-              <a:buSzTx/>
-              <a:buFontTx/>
-              <a:buNone/>
-            </a:pPr>
-            <a:r>
-              <a:rPr kumimoji="0" lang="zh-CN" altLang="en-US" sz="1000" b="0" i="0" u="none" strike="noStrike" cap="none" normalizeH="0" baseline="0" smtClean="0">
-                <a:ln>
-                  <a:noFill/>
-                </a:ln>
-                <a:solidFill>
-                  <a:schemeClr val="tx1"/>
-                </a:solidFill>
-                <a:effectLst/>
-                <a:latin typeface="Arial" panose="020B0604020202020204" pitchFamily="34" charset="0"/>
-                <a:ea typeface="SimSun" panose="02010600030101010101" pitchFamily="2" charset="-122"/>
-              </a:rPr>
-              <a:t>	</a:t>
-            </a:r>
-            <a:r>
-              <a:rPr kumimoji="0" lang="en-US" altLang="zh-CN" sz="1000" b="0" i="0" u="none" strike="noStrike" cap="none" normalizeH="0" baseline="0" smtClean="0">
-                <a:ln>
-                  <a:noFill/>
-                </a:ln>
-                <a:solidFill>
-                  <a:schemeClr val="tx1"/>
-                </a:solidFill>
-                <a:effectLst/>
-                <a:latin typeface="Arial" panose="020B0604020202020204" pitchFamily="34" charset="0"/>
-                <a:ea typeface="SimSun" panose="02010600030101010101" pitchFamily="2" charset="-122"/>
-              </a:rPr>
-              <a:t>	</a:t>
-            </a:r>
-            <a:r>
-              <a:rPr kumimoji="0" lang="zh-CN" altLang="en-US" sz="1000" b="0" i="0" u="none" strike="noStrike" cap="none" normalizeH="0" baseline="0" smtClean="0">
-                <a:ln>
-                  <a:noFill/>
-                </a:ln>
-                <a:solidFill>
-                  <a:schemeClr val="tx1"/>
-                </a:solidFill>
-                <a:effectLst/>
-                <a:latin typeface="Arial" panose="020B0604020202020204" pitchFamily="34" charset="0"/>
-                <a:ea typeface="SimSun" panose="02010600030101010101" pitchFamily="2" charset="-122"/>
-              </a:rPr>
-              <a:t>Robot r = new Robot();</a:t>
-            </a:r>
-            <a:endParaRPr kumimoji="0" lang="zh-CN" altLang="en-US" sz="1000" b="0" i="0" u="none" strike="noStrike" cap="none" normalizeH="0" baseline="0" smtClean="0">
-              <a:ln>
-                <a:noFill/>
-              </a:ln>
-              <a:solidFill>
-                <a:schemeClr val="tx1"/>
-              </a:solidFill>
-              <a:effectLst/>
-              <a:latin typeface="Arial" panose="020B0604020202020204" pitchFamily="34" charset="0"/>
-              <a:ea typeface="SimSun" panose="02010600030101010101" pitchFamily="2" charset="-122"/>
-            </a:endParaRPr>
-          </a:p>
-          <a:p>
-            <a:pPr marL="0" marR="0" indent="0" algn="l" defTabSz="914400" rtl="0" eaLnBrk="1" fontAlgn="base" latinLnBrk="0" hangingPunct="1">
-              <a:lnSpc>
-                <a:spcPct val="100000"/>
-              </a:lnSpc>
-              <a:spcBef>
-                <a:spcPct val="0"/>
-              </a:spcBef>
-              <a:spcAft>
-                <a:spcPct val="0"/>
-              </a:spcAft>
-              <a:buClrTx/>
-              <a:buSzTx/>
-              <a:buFontTx/>
-              <a:buNone/>
-            </a:pPr>
-            <a:r>
-              <a:rPr kumimoji="0" lang="zh-CN" altLang="en-US" sz="1000" b="0" i="0" u="none" strike="noStrike" cap="none" normalizeH="0" baseline="0" smtClean="0">
-                <a:ln>
-                  <a:noFill/>
-                </a:ln>
-                <a:solidFill>
-                  <a:schemeClr val="tx1"/>
-                </a:solidFill>
-                <a:effectLst/>
-                <a:latin typeface="Arial" panose="020B0604020202020204" pitchFamily="34" charset="0"/>
-                <a:ea typeface="SimSun" panose="02010600030101010101" pitchFamily="2" charset="-122"/>
-              </a:rPr>
-              <a:t>		einInput.click();</a:t>
-            </a:r>
-            <a:endParaRPr kumimoji="0" lang="zh-CN" altLang="en-US" sz="1000" b="0" i="0" u="none" strike="noStrike" cap="none" normalizeH="0" baseline="0" smtClean="0">
-              <a:ln>
-                <a:noFill/>
-              </a:ln>
-              <a:solidFill>
-                <a:schemeClr val="tx1"/>
-              </a:solidFill>
-              <a:effectLst/>
-              <a:latin typeface="Arial" panose="020B0604020202020204" pitchFamily="34" charset="0"/>
-              <a:ea typeface="SimSun" panose="02010600030101010101" pitchFamily="2" charset="-122"/>
-            </a:endParaRPr>
-          </a:p>
-          <a:p>
-            <a:pPr marL="0" marR="0" indent="0" algn="l" defTabSz="914400" rtl="0" eaLnBrk="1" fontAlgn="base" latinLnBrk="0" hangingPunct="1">
-              <a:lnSpc>
-                <a:spcPct val="100000"/>
-              </a:lnSpc>
-              <a:spcBef>
-                <a:spcPct val="0"/>
-              </a:spcBef>
-              <a:spcAft>
-                <a:spcPct val="0"/>
-              </a:spcAft>
-              <a:buClrTx/>
-              <a:buSzTx/>
-              <a:buFontTx/>
-              <a:buNone/>
-            </a:pPr>
-            <a:r>
-              <a:rPr kumimoji="0" lang="zh-CN" altLang="en-US" sz="1000" b="0" i="0" u="none" strike="noStrike" cap="none" normalizeH="0" baseline="0" smtClean="0">
-                <a:ln>
-                  <a:noFill/>
-                </a:ln>
-                <a:solidFill>
-                  <a:schemeClr val="tx1"/>
-                </a:solidFill>
-                <a:effectLst/>
-                <a:latin typeface="Arial" panose="020B0604020202020204" pitchFamily="34" charset="0"/>
-                <a:ea typeface="SimSun" panose="02010600030101010101" pitchFamily="2" charset="-122"/>
-              </a:rPr>
-              <a:t>		r.keyPress(KeyEvent.VK_TAB);</a:t>
-            </a:r>
-            <a:endParaRPr kumimoji="0" lang="zh-CN" altLang="en-US" sz="1000" b="0" i="0" u="none" strike="noStrike" cap="none" normalizeH="0" baseline="0" smtClean="0">
-              <a:ln>
-                <a:noFill/>
-              </a:ln>
-              <a:solidFill>
-                <a:schemeClr val="tx1"/>
-              </a:solidFill>
-              <a:effectLst/>
-              <a:latin typeface="Arial" panose="020B0604020202020204" pitchFamily="34" charset="0"/>
-              <a:ea typeface="SimSun" panose="02010600030101010101" pitchFamily="2" charset="-122"/>
-            </a:endParaRPr>
-          </a:p>
-          <a:p>
-            <a:pPr marL="0" marR="0" indent="0" algn="l" defTabSz="914400" rtl="0" eaLnBrk="1" fontAlgn="base" latinLnBrk="0" hangingPunct="1">
-              <a:lnSpc>
-                <a:spcPct val="100000"/>
-              </a:lnSpc>
-              <a:spcBef>
-                <a:spcPct val="0"/>
-              </a:spcBef>
-              <a:spcAft>
-                <a:spcPct val="0"/>
-              </a:spcAft>
-              <a:buClrTx/>
-              <a:buSzTx/>
-              <a:buFontTx/>
-              <a:buNone/>
-            </a:pPr>
-            <a:r>
-              <a:rPr kumimoji="0" lang="zh-CN" altLang="en-US" sz="1000" b="0" i="0" u="none" strike="noStrike" cap="none" normalizeH="0" baseline="0" smtClean="0">
-                <a:ln>
-                  <a:noFill/>
-                </a:ln>
-                <a:solidFill>
-                  <a:schemeClr val="tx1"/>
-                </a:solidFill>
-                <a:effectLst/>
-                <a:latin typeface="Arial" panose="020B0604020202020204" pitchFamily="34" charset="0"/>
-                <a:ea typeface="SimSun" panose="02010600030101010101" pitchFamily="2" charset="-122"/>
-              </a:rPr>
-              <a:t>		r.keyRelease(KeyEvent.VK_TAB);</a:t>
-            </a:r>
-            <a:endParaRPr kumimoji="0" lang="zh-CN" altLang="en-US" sz="1000" b="0" i="0" u="none" strike="noStrike" cap="none" normalizeH="0" baseline="0" smtClean="0">
-              <a:ln>
-                <a:noFill/>
-              </a:ln>
-              <a:solidFill>
-                <a:schemeClr val="tx1"/>
-              </a:solidFill>
-              <a:effectLst/>
-              <a:latin typeface="Arial" panose="020B0604020202020204" pitchFamily="34" charset="0"/>
-              <a:ea typeface="SimSun" panose="02010600030101010101" pitchFamily="2" charset="-122"/>
-            </a:endParaRPr>
-          </a:p>
-          <a:p>
-            <a:pPr marL="0" marR="0" indent="0" algn="l" defTabSz="914400" rtl="0" eaLnBrk="1" fontAlgn="base" latinLnBrk="0" hangingPunct="1">
-              <a:lnSpc>
-                <a:spcPct val="100000"/>
-              </a:lnSpc>
-              <a:spcBef>
-                <a:spcPct val="0"/>
-              </a:spcBef>
-              <a:spcAft>
-                <a:spcPct val="0"/>
-              </a:spcAft>
-              <a:buClrTx/>
-              <a:buSzTx/>
-              <a:buFontTx/>
-              <a:buNone/>
-            </a:pPr>
-            <a:r>
-              <a:rPr kumimoji="0" lang="zh-CN" altLang="en-US" sz="1000" b="0" i="0" u="none" strike="noStrike" cap="none" normalizeH="0" baseline="0" smtClean="0">
-                <a:ln>
-                  <a:noFill/>
-                </a:ln>
-                <a:solidFill>
-                  <a:schemeClr val="tx1"/>
-                </a:solidFill>
-                <a:effectLst/>
-                <a:latin typeface="Arial" panose="020B0604020202020204" pitchFamily="34" charset="0"/>
-                <a:ea typeface="SimSun" panose="02010600030101010101" pitchFamily="2" charset="-122"/>
-              </a:rPr>
-              <a:t>		waitABit(2000);</a:t>
-            </a:r>
-            <a:endParaRPr kumimoji="0" lang="zh-CN" altLang="en-US" sz="1000" b="0" i="0" u="none" strike="noStrike" cap="none" normalizeH="0" baseline="0" smtClean="0">
-              <a:ln>
-                <a:noFill/>
-              </a:ln>
-              <a:solidFill>
-                <a:schemeClr val="tx1"/>
-              </a:solidFill>
-              <a:effectLst/>
-              <a:latin typeface="Arial" panose="020B0604020202020204" pitchFamily="34" charset="0"/>
-              <a:ea typeface="SimSun" panose="02010600030101010101" pitchFamily="2" charset="-122"/>
-            </a:endParaRPr>
-          </a:p>
-          <a:p>
-            <a:pPr marL="0" marR="0" indent="0" algn="l" defTabSz="914400" rtl="0" eaLnBrk="1" fontAlgn="base" latinLnBrk="0" hangingPunct="1">
-              <a:lnSpc>
-                <a:spcPct val="100000"/>
-              </a:lnSpc>
-              <a:spcBef>
-                <a:spcPct val="0"/>
-              </a:spcBef>
-              <a:spcAft>
-                <a:spcPct val="0"/>
-              </a:spcAft>
-              <a:buClrTx/>
-              <a:buSzTx/>
-              <a:buFontTx/>
-              <a:buNone/>
-            </a:pPr>
-            <a:r>
-              <a:rPr kumimoji="0" lang="zh-CN" altLang="en-US" sz="1000" b="0" i="0" u="none" strike="noStrike" cap="none" normalizeH="0" baseline="0" smtClean="0">
-                <a:ln>
-                  <a:noFill/>
-                </a:ln>
-                <a:solidFill>
-                  <a:schemeClr val="tx1"/>
-                </a:solidFill>
-                <a:effectLst/>
-                <a:latin typeface="Arial" panose="020B0604020202020204" pitchFamily="34" charset="0"/>
-                <a:ea typeface="SimSun" panose="02010600030101010101" pitchFamily="2" charset="-122"/>
-              </a:rPr>
-              <a:t>		r.keyPress(KeyEvent.VK_DOWN);</a:t>
-            </a:r>
-            <a:endParaRPr kumimoji="0" lang="zh-CN" altLang="en-US" sz="1000" b="0" i="0" u="none" strike="noStrike" cap="none" normalizeH="0" baseline="0" smtClean="0">
-              <a:ln>
-                <a:noFill/>
-              </a:ln>
-              <a:solidFill>
-                <a:schemeClr val="tx1"/>
-              </a:solidFill>
-              <a:effectLst/>
-              <a:latin typeface="Arial" panose="020B0604020202020204" pitchFamily="34" charset="0"/>
-              <a:ea typeface="SimSun" panose="02010600030101010101" pitchFamily="2" charset="-122"/>
-            </a:endParaRPr>
-          </a:p>
-          <a:p>
-            <a:pPr marL="0" marR="0" indent="0" algn="l" defTabSz="914400" rtl="0" eaLnBrk="1" fontAlgn="base" latinLnBrk="0" hangingPunct="1">
-              <a:lnSpc>
-                <a:spcPct val="100000"/>
-              </a:lnSpc>
-              <a:spcBef>
-                <a:spcPct val="0"/>
-              </a:spcBef>
-              <a:spcAft>
-                <a:spcPct val="0"/>
-              </a:spcAft>
-              <a:buClrTx/>
-              <a:buSzTx/>
-              <a:buFontTx/>
-              <a:buNone/>
-            </a:pPr>
-            <a:r>
-              <a:rPr kumimoji="0" lang="zh-CN" altLang="en-US" sz="1000" b="0" i="0" u="none" strike="noStrike" cap="none" normalizeH="0" baseline="0" smtClean="0">
-                <a:ln>
-                  <a:noFill/>
-                </a:ln>
-                <a:solidFill>
-                  <a:schemeClr val="tx1"/>
-                </a:solidFill>
-                <a:effectLst/>
-                <a:latin typeface="Arial" panose="020B0604020202020204" pitchFamily="34" charset="0"/>
-                <a:ea typeface="SimSun" panose="02010600030101010101" pitchFamily="2" charset="-122"/>
-              </a:rPr>
-              <a:t>		waitABit(2000);</a:t>
-            </a:r>
-            <a:endParaRPr kumimoji="0" lang="zh-CN" altLang="en-US" sz="1000" b="0" i="0" u="none" strike="noStrike" cap="none" normalizeH="0" baseline="0" smtClean="0">
-              <a:ln>
-                <a:noFill/>
-              </a:ln>
-              <a:solidFill>
-                <a:schemeClr val="tx1"/>
-              </a:solidFill>
-              <a:effectLst/>
-              <a:latin typeface="Arial" panose="020B0604020202020204" pitchFamily="34" charset="0"/>
-              <a:ea typeface="SimSun" panose="02010600030101010101" pitchFamily="2" charset="-122"/>
-            </a:endParaRPr>
-          </a:p>
-          <a:p>
-            <a:pPr marL="0" marR="0" indent="0" algn="l" defTabSz="914400" rtl="0" eaLnBrk="1" fontAlgn="base" latinLnBrk="0" hangingPunct="1">
-              <a:lnSpc>
-                <a:spcPct val="100000"/>
-              </a:lnSpc>
-              <a:spcBef>
-                <a:spcPct val="0"/>
-              </a:spcBef>
-              <a:spcAft>
-                <a:spcPct val="0"/>
-              </a:spcAft>
-              <a:buClrTx/>
-              <a:buSzTx/>
-              <a:buFontTx/>
-              <a:buNone/>
-            </a:pPr>
-            <a:r>
-              <a:rPr kumimoji="0" lang="zh-CN" altLang="en-US" sz="1000" b="0" i="0" u="none" strike="noStrike" cap="none" normalizeH="0" baseline="0" smtClean="0">
-                <a:ln>
-                  <a:noFill/>
-                </a:ln>
-                <a:solidFill>
-                  <a:schemeClr val="tx1"/>
-                </a:solidFill>
-                <a:effectLst/>
-                <a:latin typeface="Arial" panose="020B0604020202020204" pitchFamily="34" charset="0"/>
-                <a:ea typeface="SimSun" panose="02010600030101010101" pitchFamily="2" charset="-122"/>
-              </a:rPr>
-              <a:t>		r.keyPress(KeyEvent.VK_DOWN);</a:t>
-            </a:r>
-            <a:endParaRPr kumimoji="0" lang="zh-CN" altLang="en-US" sz="1000" b="0" i="0" u="none" strike="noStrike" cap="none" normalizeH="0" baseline="0" smtClean="0">
-              <a:ln>
-                <a:noFill/>
-              </a:ln>
-              <a:solidFill>
-                <a:schemeClr val="tx1"/>
-              </a:solidFill>
-              <a:effectLst/>
-              <a:latin typeface="Arial" panose="020B0604020202020204" pitchFamily="34" charset="0"/>
-              <a:ea typeface="SimSun" panose="02010600030101010101" pitchFamily="2" charset="-122"/>
-            </a:endParaRPr>
-          </a:p>
-          <a:p>
-            <a:pPr marL="0" marR="0" indent="0" algn="l" defTabSz="914400" rtl="0" eaLnBrk="1" fontAlgn="base" latinLnBrk="0" hangingPunct="1">
-              <a:lnSpc>
-                <a:spcPct val="100000"/>
-              </a:lnSpc>
-              <a:spcBef>
-                <a:spcPct val="0"/>
-              </a:spcBef>
-              <a:spcAft>
-                <a:spcPct val="0"/>
-              </a:spcAft>
-              <a:buClrTx/>
-              <a:buSzTx/>
-              <a:buFontTx/>
-              <a:buNone/>
-            </a:pPr>
-            <a:r>
-              <a:rPr kumimoji="0" lang="zh-CN" altLang="en-US" sz="1000" b="0" i="0" u="none" strike="noStrike" cap="none" normalizeH="0" baseline="0" smtClean="0">
-                <a:ln>
-                  <a:noFill/>
-                </a:ln>
-                <a:solidFill>
-                  <a:schemeClr val="tx1"/>
-                </a:solidFill>
-                <a:effectLst/>
-                <a:latin typeface="Arial" panose="020B0604020202020204" pitchFamily="34" charset="0"/>
-                <a:ea typeface="SimSun" panose="02010600030101010101" pitchFamily="2" charset="-122"/>
-              </a:rPr>
-              <a:t>		waitABit(2000);</a:t>
-            </a:r>
-            <a:endParaRPr kumimoji="0" lang="zh-CN" altLang="en-US" sz="1000" b="0" i="0" u="none" strike="noStrike" cap="none" normalizeH="0" baseline="0" smtClean="0">
-              <a:ln>
-                <a:noFill/>
-              </a:ln>
-              <a:solidFill>
-                <a:schemeClr val="tx1"/>
-              </a:solidFill>
-              <a:effectLst/>
-              <a:latin typeface="Arial" panose="020B0604020202020204" pitchFamily="34" charset="0"/>
-              <a:ea typeface="SimSun" panose="02010600030101010101" pitchFamily="2" charset="-122"/>
-            </a:endParaRPr>
-          </a:p>
-          <a:p>
-            <a:pPr marL="0" marR="0" indent="0" algn="l" defTabSz="914400" rtl="0" eaLnBrk="1" fontAlgn="base" latinLnBrk="0" hangingPunct="1">
-              <a:lnSpc>
-                <a:spcPct val="100000"/>
-              </a:lnSpc>
-              <a:spcBef>
-                <a:spcPct val="0"/>
-              </a:spcBef>
-              <a:spcAft>
-                <a:spcPct val="0"/>
-              </a:spcAft>
-              <a:buClrTx/>
-              <a:buSzTx/>
-              <a:buFontTx/>
-              <a:buNone/>
-            </a:pPr>
-            <a:r>
-              <a:rPr kumimoji="0" lang="zh-CN" altLang="en-US" sz="1000" b="0" i="0" u="none" strike="noStrike" cap="none" normalizeH="0" baseline="0" smtClean="0">
-                <a:ln>
-                  <a:noFill/>
-                </a:ln>
-                <a:solidFill>
-                  <a:schemeClr val="tx1"/>
-                </a:solidFill>
-                <a:effectLst/>
-                <a:latin typeface="Arial" panose="020B0604020202020204" pitchFamily="34" charset="0"/>
-                <a:ea typeface="SimSun" panose="02010600030101010101" pitchFamily="2" charset="-122"/>
-              </a:rPr>
-              <a:t>		r.keyRelease(KeyEvent.VK_DOWN);</a:t>
-            </a:r>
-            <a:endParaRPr kumimoji="0" lang="zh-CN" altLang="en-US" sz="1000" b="0" i="0" u="none" strike="noStrike" cap="none" normalizeH="0" baseline="0" smtClean="0">
-              <a:ln>
-                <a:noFill/>
-              </a:ln>
-              <a:solidFill>
-                <a:schemeClr val="tx1"/>
-              </a:solidFill>
-              <a:effectLst/>
-              <a:latin typeface="Arial" panose="020B0604020202020204" pitchFamily="34" charset="0"/>
-              <a:ea typeface="SimSun" panose="02010600030101010101" pitchFamily="2" charset="-122"/>
-            </a:endParaRPr>
-          </a:p>
-          <a:p>
-            <a:pPr marL="0" marR="0" indent="0" algn="l" defTabSz="914400" rtl="0" eaLnBrk="1" fontAlgn="base" latinLnBrk="0" hangingPunct="1">
-              <a:lnSpc>
-                <a:spcPct val="100000"/>
-              </a:lnSpc>
-              <a:spcBef>
-                <a:spcPct val="0"/>
-              </a:spcBef>
-              <a:spcAft>
-                <a:spcPct val="0"/>
-              </a:spcAft>
-              <a:buClrTx/>
-              <a:buSzTx/>
-              <a:buFontTx/>
-              <a:buNone/>
-            </a:pPr>
-            <a:r>
-              <a:rPr kumimoji="0" lang="zh-CN" altLang="en-US" sz="1000" b="0" i="0" u="none" strike="noStrike" cap="none" normalizeH="0" baseline="0" smtClean="0">
-                <a:ln>
-                  <a:noFill/>
-                </a:ln>
-                <a:solidFill>
-                  <a:schemeClr val="tx1"/>
-                </a:solidFill>
-                <a:effectLst/>
-                <a:latin typeface="Arial" panose="020B0604020202020204" pitchFamily="34" charset="0"/>
-                <a:ea typeface="SimSun" panose="02010600030101010101" pitchFamily="2" charset="-122"/>
-              </a:rPr>
-              <a:t>		r.keyPress(KeyEvent.VK_ENTER);</a:t>
-            </a:r>
-            <a:endParaRPr kumimoji="0" lang="zh-CN" altLang="en-US" sz="1000" b="0" i="0" u="none" strike="noStrike" cap="none" normalizeH="0" baseline="0" smtClean="0">
-              <a:ln>
-                <a:noFill/>
-              </a:ln>
-              <a:solidFill>
-                <a:schemeClr val="tx1"/>
-              </a:solidFill>
-              <a:effectLst/>
-              <a:latin typeface="Arial" panose="020B0604020202020204" pitchFamily="34" charset="0"/>
-              <a:ea typeface="SimSun" panose="02010600030101010101" pitchFamily="2" charset="-122"/>
-            </a:endParaRPr>
-          </a:p>
-          <a:p>
-            <a:pPr marL="0" marR="0" indent="0" algn="l" defTabSz="914400" rtl="0" eaLnBrk="1" fontAlgn="base" latinLnBrk="0" hangingPunct="1">
-              <a:lnSpc>
-                <a:spcPct val="100000"/>
-              </a:lnSpc>
-              <a:spcBef>
-                <a:spcPct val="0"/>
-              </a:spcBef>
-              <a:spcAft>
-                <a:spcPct val="0"/>
-              </a:spcAft>
-              <a:buClrTx/>
-              <a:buSzTx/>
-              <a:buFontTx/>
-              <a:buNone/>
-            </a:pPr>
-            <a:r>
-              <a:rPr kumimoji="0" lang="zh-CN" altLang="en-US" sz="1000" b="0" i="0" u="none" strike="noStrike" cap="none" normalizeH="0" baseline="0" smtClean="0">
-                <a:ln>
-                  <a:noFill/>
-                </a:ln>
-                <a:solidFill>
-                  <a:schemeClr val="tx1"/>
-                </a:solidFill>
-                <a:effectLst/>
-                <a:latin typeface="Arial" panose="020B0604020202020204" pitchFamily="34" charset="0"/>
-                <a:ea typeface="SimSun" panose="02010600030101010101" pitchFamily="2" charset="-122"/>
-              </a:rPr>
-              <a:t>		r.keyRelease(KeyEvent.VK_ENTER);</a:t>
-            </a:r>
-            <a:endParaRPr kumimoji="0" lang="zh-CN" altLang="en-US" sz="1000" b="0" i="0" u="none" strike="noStrike" cap="none" normalizeH="0" baseline="0" smtClean="0">
-              <a:ln>
-                <a:noFill/>
-              </a:ln>
-              <a:solidFill>
-                <a:schemeClr val="tx1"/>
-              </a:solidFill>
-              <a:effectLst/>
-              <a:latin typeface="Arial" panose="020B0604020202020204" pitchFamily="34" charset="0"/>
-              <a:ea typeface="SimSun" panose="02010600030101010101" pitchFamily="2" charset="-122"/>
-            </a:endParaRPr>
-          </a:p>
-          <a:p>
-            <a:pPr marL="0" marR="0" indent="0" algn="l" defTabSz="914400" rtl="0" eaLnBrk="1" fontAlgn="base" latinLnBrk="0" hangingPunct="1">
-              <a:lnSpc>
-                <a:spcPct val="100000"/>
-              </a:lnSpc>
-              <a:spcBef>
-                <a:spcPct val="0"/>
-              </a:spcBef>
-              <a:spcAft>
-                <a:spcPct val="0"/>
-              </a:spcAft>
-              <a:buClrTx/>
-              <a:buSzTx/>
-              <a:buFontTx/>
-              <a:buNone/>
-            </a:pPr>
-            <a:r>
-              <a:rPr kumimoji="0" lang="zh-CN" altLang="en-US" sz="1000" b="0" i="0" u="none" strike="noStrike" cap="none" normalizeH="0" baseline="0" smtClean="0">
-                <a:ln>
-                  <a:noFill/>
-                </a:ln>
-                <a:solidFill>
-                  <a:schemeClr val="tx1"/>
-                </a:solidFill>
-                <a:effectLst/>
-                <a:latin typeface="Arial" panose="020B0604020202020204" pitchFamily="34" charset="0"/>
-                <a:ea typeface="SimSun" panose="02010600030101010101" pitchFamily="2" charset="-122"/>
-              </a:rPr>
-              <a:t>		waitABit(3000);</a:t>
-            </a:r>
-            <a:endParaRPr kumimoji="0" lang="zh-CN" altLang="en-US" sz="1000" b="0" i="0" u="none" strike="noStrike" cap="none" normalizeH="0" baseline="0" smtClean="0">
-              <a:ln>
-                <a:noFill/>
-              </a:ln>
-              <a:solidFill>
-                <a:schemeClr val="tx1"/>
-              </a:solidFill>
-              <a:effectLst/>
-              <a:latin typeface="Arial" panose="020B0604020202020204" pitchFamily="34" charset="0"/>
-              <a:ea typeface="SimSun" panose="02010600030101010101" pitchFamily="2" charset="-122"/>
-            </a:endParaRPr>
-          </a:p>
-          <a:p>
-            <a:pPr marL="0" marR="0" indent="0" algn="l" defTabSz="914400" rtl="0" eaLnBrk="1" fontAlgn="base" latinLnBrk="0" hangingPunct="1">
-              <a:lnSpc>
-                <a:spcPct val="100000"/>
-              </a:lnSpc>
-              <a:spcBef>
-                <a:spcPct val="0"/>
-              </a:spcBef>
-              <a:spcAft>
-                <a:spcPct val="0"/>
-              </a:spcAft>
-              <a:buClrTx/>
-              <a:buSzTx/>
-              <a:buFontTx/>
-              <a:buNone/>
-            </a:pPr>
-            <a:r>
-              <a:rPr kumimoji="0" lang="zh-CN" altLang="en-US" sz="1000" b="0" i="0" u="none" strike="noStrike" cap="none" normalizeH="0" baseline="0" smtClean="0">
-                <a:ln>
-                  <a:noFill/>
-                </a:ln>
-                <a:solidFill>
-                  <a:schemeClr val="tx1"/>
-                </a:solidFill>
-                <a:effectLst/>
-                <a:latin typeface="Arial" panose="020B0604020202020204" pitchFamily="34" charset="0"/>
-                <a:ea typeface="SimSun" panose="02010600030101010101" pitchFamily="2" charset="-122"/>
-              </a:rPr>
-              <a:t>		r.keyPress(KeyEvent.VK_TAB);</a:t>
-            </a:r>
-            <a:endParaRPr kumimoji="0" lang="zh-CN" altLang="en-US" sz="1000" b="0" i="0" u="none" strike="noStrike" cap="none" normalizeH="0" baseline="0" smtClean="0">
-              <a:ln>
-                <a:noFill/>
-              </a:ln>
-              <a:solidFill>
-                <a:schemeClr val="tx1"/>
-              </a:solidFill>
-              <a:effectLst/>
-              <a:latin typeface="Arial" panose="020B0604020202020204" pitchFamily="34" charset="0"/>
-              <a:ea typeface="SimSun" panose="02010600030101010101" pitchFamily="2" charset="-122"/>
-            </a:endParaRPr>
-          </a:p>
-          <a:p>
-            <a:pPr marL="0" marR="0" indent="0" algn="l" defTabSz="914400" rtl="0" eaLnBrk="1" fontAlgn="base" latinLnBrk="0" hangingPunct="1">
-              <a:lnSpc>
-                <a:spcPct val="100000"/>
-              </a:lnSpc>
-              <a:spcBef>
-                <a:spcPct val="0"/>
-              </a:spcBef>
-              <a:spcAft>
-                <a:spcPct val="0"/>
-              </a:spcAft>
-              <a:buClrTx/>
-              <a:buSzTx/>
-              <a:buFontTx/>
-              <a:buNone/>
-            </a:pPr>
-            <a:r>
-              <a:rPr kumimoji="0" lang="zh-CN" altLang="en-US" sz="1000" b="0" i="0" u="none" strike="noStrike" cap="none" normalizeH="0" baseline="0" smtClean="0">
-                <a:ln>
-                  <a:noFill/>
-                </a:ln>
-                <a:solidFill>
-                  <a:schemeClr val="tx1"/>
-                </a:solidFill>
-                <a:effectLst/>
-                <a:latin typeface="Arial" panose="020B0604020202020204" pitchFamily="34" charset="0"/>
-                <a:ea typeface="SimSun" panose="02010600030101010101" pitchFamily="2" charset="-122"/>
-              </a:rPr>
-              <a:t>		r.keyRelease(KeyEvent.VK_TAB);</a:t>
-            </a:r>
-            <a:endParaRPr kumimoji="0" lang="zh-CN" altLang="en-US" sz="1000" b="0" i="0" u="none" strike="noStrike" cap="none" normalizeH="0" baseline="0" smtClean="0">
-              <a:ln>
-                <a:noFill/>
-              </a:ln>
-              <a:solidFill>
-                <a:schemeClr val="tx1"/>
-              </a:solidFill>
-              <a:effectLst/>
-              <a:latin typeface="Arial" panose="020B0604020202020204" pitchFamily="34" charset="0"/>
-              <a:ea typeface="SimSun" panose="02010600030101010101" pitchFamily="2" charset="-122"/>
-            </a:endParaRPr>
-          </a:p>
-          <a:p>
-            <a:pPr marL="0" marR="0" indent="0" algn="l" defTabSz="914400" rtl="0" eaLnBrk="1" fontAlgn="base" latinLnBrk="0" hangingPunct="1">
-              <a:lnSpc>
-                <a:spcPct val="100000"/>
-              </a:lnSpc>
-              <a:spcBef>
-                <a:spcPct val="0"/>
-              </a:spcBef>
-              <a:spcAft>
-                <a:spcPct val="0"/>
-              </a:spcAft>
-              <a:buClrTx/>
-              <a:buSzTx/>
-              <a:buFontTx/>
-              <a:buNone/>
-            </a:pPr>
-            <a:r>
-              <a:rPr kumimoji="0" lang="zh-CN" altLang="en-US" sz="1000" b="0" i="0" u="none" strike="noStrike" cap="none" normalizeH="0" baseline="0" smtClean="0">
-                <a:ln>
-                  <a:noFill/>
-                </a:ln>
-                <a:solidFill>
-                  <a:schemeClr val="tx1"/>
-                </a:solidFill>
-                <a:effectLst/>
-                <a:latin typeface="Arial" panose="020B0604020202020204" pitchFamily="34" charset="0"/>
-                <a:ea typeface="SimSun" panose="02010600030101010101" pitchFamily="2" charset="-122"/>
-              </a:rPr>
-              <a:t>		r.keyPress(KeyEvent.VK_DOWN);</a:t>
-            </a:r>
-            <a:endParaRPr kumimoji="0" lang="zh-CN" altLang="en-US" sz="1000" b="0" i="0" u="none" strike="noStrike" cap="none" normalizeH="0" baseline="0" smtClean="0">
-              <a:ln>
-                <a:noFill/>
-              </a:ln>
-              <a:solidFill>
-                <a:schemeClr val="tx1"/>
-              </a:solidFill>
-              <a:effectLst/>
-              <a:latin typeface="Arial" panose="020B0604020202020204" pitchFamily="34" charset="0"/>
-              <a:ea typeface="SimSun" panose="02010600030101010101" pitchFamily="2" charset="-122"/>
-            </a:endParaRPr>
-          </a:p>
-          <a:p>
-            <a:pPr marL="0" marR="0" indent="0" algn="l" defTabSz="914400" rtl="0" eaLnBrk="1" fontAlgn="base" latinLnBrk="0" hangingPunct="1">
-              <a:lnSpc>
-                <a:spcPct val="100000"/>
-              </a:lnSpc>
-              <a:spcBef>
-                <a:spcPct val="0"/>
-              </a:spcBef>
-              <a:spcAft>
-                <a:spcPct val="0"/>
-              </a:spcAft>
-              <a:buClrTx/>
-              <a:buSzTx/>
-              <a:buFontTx/>
-              <a:buNone/>
-            </a:pPr>
-            <a:r>
-              <a:rPr kumimoji="0" lang="zh-CN" altLang="en-US" sz="1000" b="0" i="0" u="none" strike="noStrike" cap="none" normalizeH="0" baseline="0" smtClean="0">
-                <a:ln>
-                  <a:noFill/>
-                </a:ln>
-                <a:solidFill>
-                  <a:schemeClr val="tx1"/>
-                </a:solidFill>
-                <a:effectLst/>
-                <a:latin typeface="Arial" panose="020B0604020202020204" pitchFamily="34" charset="0"/>
-                <a:ea typeface="SimSun" panose="02010600030101010101" pitchFamily="2" charset="-122"/>
-              </a:rPr>
-              <a:t>						</a:t>
-            </a:r>
-            <a:endParaRPr kumimoji="0" lang="zh-CN" altLang="en-US" sz="1000" b="0" i="0" u="none" strike="noStrike" cap="none" normalizeH="0" baseline="0" smtClean="0">
-              <a:ln>
-                <a:noFill/>
-              </a:ln>
-              <a:solidFill>
-                <a:schemeClr val="tx1"/>
-              </a:solidFill>
-              <a:effectLst/>
-              <a:latin typeface="Arial" panose="020B0604020202020204" pitchFamily="34" charset="0"/>
-              <a:ea typeface="SimSun" panose="02010600030101010101" pitchFamily="2" charset="-122"/>
-            </a:endParaRPr>
-          </a:p>
-          <a:p>
-            <a:pPr marL="0" marR="0" indent="0" algn="l" defTabSz="914400" rtl="0" eaLnBrk="1" fontAlgn="base" latinLnBrk="0" hangingPunct="1">
-              <a:lnSpc>
-                <a:spcPct val="100000"/>
-              </a:lnSpc>
-              <a:spcBef>
-                <a:spcPct val="0"/>
-              </a:spcBef>
-              <a:spcAft>
-                <a:spcPct val="0"/>
-              </a:spcAft>
-              <a:buClrTx/>
-              <a:buSzTx/>
-              <a:buFontTx/>
-              <a:buNone/>
-            </a:pPr>
-            <a:r>
-              <a:rPr kumimoji="0" lang="zh-CN" altLang="en-US" sz="1000" b="0" i="0" u="none" strike="noStrike" cap="none" normalizeH="0" baseline="0" smtClean="0">
-                <a:ln>
-                  <a:noFill/>
-                </a:ln>
-                <a:solidFill>
-                  <a:schemeClr val="tx1"/>
-                </a:solidFill>
-                <a:effectLst/>
-                <a:latin typeface="Arial" panose="020B0604020202020204" pitchFamily="34" charset="0"/>
-                <a:ea typeface="SimSun" panose="02010600030101010101" pitchFamily="2" charset="-122"/>
-              </a:rPr>
-              <a:t>		</a:t>
-            </a:r>
-            <a:endParaRPr kumimoji="0" lang="zh-CN" altLang="en-US" sz="1000" b="0" i="0" u="none" strike="noStrike" cap="none" normalizeH="0" baseline="0" smtClean="0">
-              <a:ln>
-                <a:noFill/>
-              </a:ln>
-              <a:solidFill>
-                <a:schemeClr val="tx1"/>
-              </a:solidFill>
-              <a:effectLst/>
-              <a:latin typeface="Arial" panose="020B0604020202020204" pitchFamily="34" charset="0"/>
-              <a:ea typeface="SimSun" panose="02010600030101010101" pitchFamily="2" charset="-122"/>
-            </a:endParaRPr>
-          </a:p>
         </p:txBody>
       </p:sp>
+      <p:cxnSp>
+        <p:nvCxnSpPr>
+          <p:cNvPr id="9" name="Straight Arrow Connector 8"/>
+          <p:cNvCxnSpPr/>
+          <p:nvPr/>
+        </p:nvCxnSpPr>
+        <p:spPr>
+          <a:xfrm flipV="1">
+            <a:off x="4493895" y="2457450"/>
+            <a:ext cx="2251710" cy="430530"/>
+          </a:xfrm>
+          <a:prstGeom prst="straightConnector1">
+            <a:avLst/>
+          </a:prstGeom>
+          <a:gradFill rotWithShape="0">
+            <a:gsLst>
+              <a:gs pos="0">
+                <a:schemeClr val="accent1"/>
+              </a:gs>
+              <a:gs pos="100000">
+                <a:schemeClr val="accent2"/>
+              </a:gs>
+            </a:gsLst>
+            <a:lin ang="5400000" scaled="1"/>
+          </a:gradFill>
+          <a:ln w="9525" cap="flat" cmpd="sng" algn="ctr">
+            <a:solidFill>
+              <a:schemeClr val="accent1"/>
+            </a:solidFill>
+            <a:prstDash val="solid"/>
+            <a:round/>
+            <a:headEnd type="none" w="med" len="med"/>
+            <a:tailEnd type="arrow" w="med" len="med"/>
+          </a:ln>
+        </p:spPr>
+      </p:cxnSp>
+      <p:cxnSp>
+        <p:nvCxnSpPr>
+          <p:cNvPr id="11" name="Straight Arrow Connector 10"/>
+          <p:cNvCxnSpPr/>
+          <p:nvPr/>
+        </p:nvCxnSpPr>
+        <p:spPr>
+          <a:xfrm flipV="1">
+            <a:off x="4653915" y="2847975"/>
+            <a:ext cx="3543300" cy="550545"/>
+          </a:xfrm>
+          <a:prstGeom prst="straightConnector1">
+            <a:avLst/>
+          </a:prstGeom>
+          <a:gradFill rotWithShape="0">
+            <a:gsLst>
+              <a:gs pos="0">
+                <a:schemeClr val="accent1"/>
+              </a:gs>
+              <a:gs pos="100000">
+                <a:schemeClr val="accent2"/>
+              </a:gs>
+            </a:gsLst>
+            <a:lin ang="5400000" scaled="1"/>
+          </a:gradFill>
+          <a:ln w="9525" cap="flat" cmpd="sng" algn="ctr">
+            <a:solidFill>
+              <a:schemeClr val="accent1"/>
+            </a:solidFill>
+            <a:prstDash val="solid"/>
+            <a:round/>
+            <a:headEnd type="none" w="med" len="med"/>
+            <a:tailEnd type="arrow" w="med" len="med"/>
+          </a:ln>
+        </p:spPr>
+      </p:cxnSp>
+      <p:cxnSp>
+        <p:nvCxnSpPr>
+          <p:cNvPr id="12" name="Straight Arrow Connector 11"/>
+          <p:cNvCxnSpPr/>
+          <p:nvPr/>
+        </p:nvCxnSpPr>
+        <p:spPr>
+          <a:xfrm flipV="1">
+            <a:off x="4664075" y="2867660"/>
+            <a:ext cx="3503295" cy="1461770"/>
+          </a:xfrm>
+          <a:prstGeom prst="straightConnector1">
+            <a:avLst/>
+          </a:prstGeom>
+          <a:gradFill rotWithShape="0">
+            <a:gsLst>
+              <a:gs pos="0">
+                <a:schemeClr val="accent1"/>
+              </a:gs>
+              <a:gs pos="100000">
+                <a:schemeClr val="accent2"/>
+              </a:gs>
+            </a:gsLst>
+            <a:lin ang="5400000" scaled="1"/>
+          </a:gradFill>
+          <a:ln w="9525" cap="flat" cmpd="sng" algn="ctr">
+            <a:solidFill>
+              <a:schemeClr val="accent1"/>
+            </a:solidFill>
+            <a:prstDash val="solid"/>
+            <a:round/>
+            <a:headEnd type="none" w="med" len="med"/>
+            <a:tailEnd type="arrow" w="med" len="med"/>
+          </a:ln>
+        </p:spPr>
+      </p:cxnSp>
+      <p:cxnSp>
+        <p:nvCxnSpPr>
+          <p:cNvPr id="13" name="Straight Arrow Connector 12"/>
+          <p:cNvCxnSpPr/>
+          <p:nvPr/>
+        </p:nvCxnSpPr>
+        <p:spPr>
+          <a:xfrm flipV="1">
+            <a:off x="3382645" y="2447290"/>
+            <a:ext cx="3133090" cy="240665"/>
+          </a:xfrm>
+          <a:prstGeom prst="straightConnector1">
+            <a:avLst/>
+          </a:prstGeom>
+          <a:gradFill rotWithShape="0">
+            <a:gsLst>
+              <a:gs pos="0">
+                <a:schemeClr val="accent1"/>
+              </a:gs>
+              <a:gs pos="100000">
+                <a:schemeClr val="accent2"/>
+              </a:gs>
+            </a:gsLst>
+            <a:lin ang="5400000" scaled="1"/>
+          </a:gradFill>
+          <a:ln w="9525" cap="flat" cmpd="sng" algn="ctr">
+            <a:solidFill>
+              <a:schemeClr val="accent1"/>
+            </a:solidFill>
+            <a:prstDash val="solid"/>
+            <a:round/>
+            <a:headEnd type="none" w="med" len="med"/>
+            <a:tailEnd type="arrow" w="med" len="med"/>
+          </a:ln>
+        </p:spPr>
+      </p:cxnSp>
     </p:spTree>
   </p:cSld>
   <p:clrMapOvr>
@@ -11083,7 +11225,7 @@
       </p:grpSpPr>
       <p:sp>
         <p:nvSpPr>
-          <p:cNvPr id="6" name="Title 5"/>
+          <p:cNvPr id="2" name="Title 1"/>
           <p:cNvSpPr>
             <a:spLocks noGrp="1"/>
           </p:cNvSpPr>
@@ -11094,8 +11236,20 @@
         <p:spPr/>
         <p:txBody>
           <a:bodyPr/>
-          <a:p>
-            <a:endParaRPr lang="en-US"/>
+          <a:lstStyle/>
+          <a:p>
+            <a:endParaRPr lang="en-US">
+              <a:solidFill>
+                <a:schemeClr val="accent1"/>
+              </a:solidFill>
+              <a:effectLst>
+                <a:outerShdw blurRad="38100" dist="25400" dir="5400000" algn="ctr" rotWithShape="0">
+                  <a:srgbClr val="6E747A">
+                    <a:alpha val="43000"/>
+                  </a:srgbClr>
+                </a:outerShdw>
+              </a:effectLst>
+            </a:endParaRPr>
           </a:p>
         </p:txBody>
       </p:sp>
@@ -11182,7 +11336,7 @@
                 <a:ea typeface="SimSun" panose="02010600030101010101" pitchFamily="2" charset="-122"/>
                 <a:sym typeface="+mn-ea"/>
               </a:rPr>
-              <a:t>II. Design Scenario in feature file.</a:t>
+              <a:t>III. Issues</a:t>
             </a:r>
             <a:endParaRPr kumimoji="0" lang="en-US" altLang="zh-CN" sz="3600" b="0" i="0" u="none" strike="noStrike" cap="none" normalizeH="0" baseline="0" smtClean="0">
               <a:ln w="10160">
@@ -11205,262 +11359,6 @@
               <a:ea typeface="SimSun" panose="02010600030101010101" pitchFamily="2" charset="-122"/>
               <a:sym typeface="+mn-ea"/>
             </a:endParaRPr>
-          </a:p>
-        </p:txBody>
-      </p:sp>
-      <p:sp>
-        <p:nvSpPr>
-          <p:cNvPr id="4" name="Content Placeholder 3"/>
-          <p:cNvSpPr/>
-          <p:nvPr>
-            <p:ph sz="half" idx="1"/>
-          </p:nvPr>
-        </p:nvSpPr>
-        <p:spPr>
-          <a:xfrm>
-            <a:off x="609600" y="1174750"/>
-            <a:ext cx="10789285" cy="4953000"/>
-          </a:xfrm>
-        </p:spPr>
-        <p:txBody>
-          <a:bodyPr/>
-          <a:p>
-            <a:pPr marL="0" indent="0">
-              <a:buNone/>
-            </a:pPr>
-            <a:endParaRPr lang="en-US" sz="1200">
-              <a:solidFill>
-                <a:srgbClr val="92D050"/>
-              </a:solidFill>
-            </a:endParaRPr>
-          </a:p>
-          <a:p>
-            <a:pPr marL="0" indent="0">
-              <a:buNone/>
-            </a:pPr>
-            <a:r>
-              <a:rPr lang="en-US" sz="1200">
-                <a:solidFill>
-                  <a:srgbClr val="92D050"/>
-                </a:solidFill>
-              </a:rPr>
-              <a:t>Feature</a:t>
-            </a:r>
-            <a:r>
-              <a:rPr lang="en-US" sz="1200"/>
-              <a:t>: Company Manage account checks login on first time.</a:t>
-            </a:r>
-            <a:endParaRPr lang="en-US" sz="1200"/>
-          </a:p>
-          <a:p>
-            <a:pPr marL="0" indent="0">
-              <a:buNone/>
-            </a:pPr>
-            <a:endParaRPr lang="en-US" sz="1200"/>
-          </a:p>
-          <a:p>
-            <a:pPr marL="0" indent="0">
-              <a:buNone/>
-            </a:pPr>
-            <a:r>
-              <a:rPr lang="en-US" sz="1200"/>
-              <a:t>  </a:t>
-            </a:r>
-            <a:r>
-              <a:rPr lang="en-US" sz="1200">
-                <a:solidFill>
-                  <a:srgbClr val="92D050"/>
-                </a:solidFill>
-              </a:rPr>
-              <a:t>Scenario</a:t>
-            </a:r>
-            <a:r>
-              <a:rPr lang="en-US" sz="1200"/>
-              <a:t>: Admin authorise and add user successfully</a:t>
-            </a:r>
-            <a:endParaRPr lang="en-US" sz="1200"/>
-          </a:p>
-          <a:p>
-            <a:pPr marL="0" indent="0">
-              <a:buNone/>
-            </a:pPr>
-            <a:r>
-              <a:rPr lang="en-US" sz="1200"/>
-              <a:t>    </a:t>
-            </a:r>
-            <a:r>
-              <a:rPr lang="en-US" sz="1200">
-                <a:solidFill>
-                  <a:srgbClr val="00B0F0"/>
-                </a:solidFill>
-              </a:rPr>
-              <a:t>When </a:t>
-            </a:r>
-            <a:r>
-              <a:rPr lang="en-US" sz="1200"/>
-              <a:t>Join Working Metrics screen via link is "http://goodjobs-dev.dynagility.us/onboarding?email=hl.tr.23@yopmail.com&amp;token=NWRsb3RkMnJiZGo%3D"</a:t>
-            </a:r>
-            <a:endParaRPr lang="en-US" sz="1200"/>
-          </a:p>
-          <a:p>
-            <a:pPr marL="0" indent="0">
-              <a:buNone/>
-            </a:pPr>
-            <a:r>
-              <a:rPr lang="en-US" sz="1200"/>
-              <a:t>    </a:t>
-            </a:r>
-            <a:r>
-              <a:rPr lang="en-US" sz="1200">
-                <a:solidFill>
-                  <a:srgbClr val="00B0F0"/>
-                </a:solidFill>
-              </a:rPr>
-              <a:t>And </a:t>
-            </a:r>
-            <a:r>
-              <a:rPr lang="en-US" sz="1200"/>
-              <a:t>Click on Create an account on Working Metrics screen.</a:t>
-            </a:r>
-            <a:endParaRPr lang="en-US" sz="1200"/>
-          </a:p>
-          <a:p>
-            <a:pPr marL="0" indent="0">
-              <a:buNone/>
-            </a:pPr>
-            <a:r>
-              <a:rPr lang="en-US" sz="1200"/>
-              <a:t>    </a:t>
-            </a:r>
-            <a:r>
-              <a:rPr lang="en-US" sz="1200">
-                <a:solidFill>
-                  <a:srgbClr val="00B0F0"/>
-                </a:solidFill>
-              </a:rPr>
-              <a:t>And </a:t>
-            </a:r>
-            <a:r>
-              <a:rPr lang="en-US" sz="1200"/>
-              <a:t>Create password is "12345678xx@X".</a:t>
-            </a:r>
-            <a:endParaRPr lang="en-US" sz="1200"/>
-          </a:p>
-          <a:p>
-            <a:pPr marL="0" indent="0">
-              <a:buNone/>
-            </a:pPr>
-            <a:r>
-              <a:rPr lang="en-US" sz="1200"/>
-              <a:t>    </a:t>
-            </a:r>
-            <a:r>
-              <a:rPr lang="en-US" sz="1200">
-                <a:solidFill>
-                  <a:srgbClr val="00B0F0"/>
-                </a:solidFill>
-              </a:rPr>
-              <a:t>And </a:t>
-            </a:r>
-            <a:r>
-              <a:rPr lang="en-US" sz="1200"/>
-              <a:t>Authorized company, update many drop down list value.</a:t>
-            </a:r>
-            <a:endParaRPr lang="en-US" sz="1200"/>
-          </a:p>
-          <a:p>
-            <a:pPr marL="0" indent="0">
-              <a:buNone/>
-            </a:pPr>
-            <a:r>
-              <a:rPr lang="en-US" sz="1200"/>
-              <a:t>    </a:t>
-            </a:r>
-            <a:r>
-              <a:rPr lang="en-US" sz="1200">
-                <a:solidFill>
-                  <a:srgbClr val="00B0F0"/>
-                </a:solidFill>
-              </a:rPr>
-              <a:t>And </a:t>
-            </a:r>
-            <a:r>
-              <a:rPr lang="en-US" sz="1200"/>
-              <a:t>Add a new User account with First Name is "truyen", Last Name is "kieu", email is "truyen.linh.3@yopmail.com", role is user.</a:t>
-            </a:r>
-            <a:endParaRPr lang="en-US" sz="1200"/>
-          </a:p>
-          <a:p>
-            <a:pPr marL="0" indent="0">
-              <a:buNone/>
-            </a:pPr>
-            <a:r>
-              <a:rPr lang="en-US" sz="1200"/>
-              <a:t>    </a:t>
-            </a:r>
-            <a:r>
-              <a:rPr lang="en-US" sz="1200">
-                <a:solidFill>
-                  <a:srgbClr val="00B0F0"/>
-                </a:solidFill>
-              </a:rPr>
-              <a:t>And </a:t>
-            </a:r>
-            <a:r>
-              <a:rPr lang="en-US" sz="1200"/>
-              <a:t>Next to Location screens.</a:t>
-            </a:r>
-            <a:endParaRPr lang="en-US" sz="1200"/>
-          </a:p>
-          <a:p>
-            <a:pPr marL="0" indent="0">
-              <a:buNone/>
-            </a:pPr>
-            <a:r>
-              <a:rPr lang="en-US" sz="1200"/>
-              <a:t>    </a:t>
-            </a:r>
-            <a:r>
-              <a:rPr lang="en-US" sz="1200">
-                <a:solidFill>
-                  <a:srgbClr val="00B0F0"/>
-                </a:solidFill>
-              </a:rPr>
-              <a:t>And </a:t>
-            </a:r>
-            <a:r>
-              <a:rPr lang="en-US" sz="1200"/>
-              <a:t>Next to Report screen.</a:t>
-            </a:r>
-            <a:endParaRPr lang="en-US" sz="1200"/>
-          </a:p>
-          <a:p>
-            <a:pPr marL="0" indent="0">
-              <a:buNone/>
-            </a:pPr>
-            <a:r>
-              <a:rPr lang="en-US" sz="1200"/>
-              <a:t>    </a:t>
-            </a:r>
-            <a:r>
-              <a:rPr lang="en-US" sz="1200">
-                <a:solidFill>
-                  <a:srgbClr val="00B0F0"/>
-                </a:solidFill>
-              </a:rPr>
-              <a:t>Then </a:t>
-            </a:r>
-            <a:r>
-              <a:rPr lang="en-US" sz="1200"/>
-              <a:t>The title is "Complete these steps to provide employee data" should show on Upload Employee Data screens.</a:t>
-            </a:r>
-            <a:endParaRPr lang="en-US" sz="1200"/>
-          </a:p>
-          <a:p>
-            <a:pPr marL="0" indent="0">
-              <a:buNone/>
-            </a:pPr>
-            <a:endParaRPr lang="en-US" sz="1200"/>
           </a:p>
         </p:txBody>
       </p:sp>
@@ -11529,7 +11427,7 @@
                 <a:latin typeface="Arial" panose="020B0604020202020204" pitchFamily="34" charset="0"/>
                 <a:ea typeface="SimSun" panose="02010600030101010101" pitchFamily="2" charset="-122"/>
               </a:rPr>
-              <a:t>II. Company Manager </a:t>
+              <a:t>I. Click on element </a:t>
             </a:r>
             <a:endParaRPr kumimoji="0" lang="en-US" altLang="zh-CN" sz="1800" b="1" i="0" u="none" strike="noStrike" cap="none" normalizeH="0" baseline="0" smtClean="0">
               <a:ln>
@@ -11545,32 +11443,273 @@
           </a:p>
         </p:txBody>
       </p:sp>
-      <p:pic>
-        <p:nvPicPr>
-          <p:cNvPr id="3" name="Content Placeholder 2" descr="cpn1st"/>
-          <p:cNvPicPr>
-            <a:picLocks noChangeAspect="1"/>
-          </p:cNvPicPr>
-          <p:nvPr>
-            <p:ph sz="half" idx="2"/>
-          </p:nvPr>
-        </p:nvPicPr>
-        <p:blipFill>
-          <a:blip r:embed="rId1"/>
-          <a:stretch>
-            <a:fillRect/>
-          </a:stretch>
-        </p:blipFill>
+      <p:sp>
+        <p:nvSpPr>
+          <p:cNvPr id="3" name="Rounded Rectangle 2"/>
+          <p:cNvSpPr/>
+          <p:nvPr/>
+        </p:nvSpPr>
         <p:spPr>
           <a:xfrm>
-            <a:off x="2214880" y="4046855"/>
-            <a:ext cx="5384800" cy="1226185"/>
+            <a:off x="609600" y="1525905"/>
+            <a:ext cx="4920615" cy="420370"/>
+          </a:xfrm>
+          <a:prstGeom prst="roundRect">
+            <a:avLst/>
+          </a:prstGeom>
+          <a:ln>
+            <a:headEnd type="none" w="med" len="med"/>
+            <a:tailEnd type="none" w="med" len="med"/>
+          </a:ln>
+        </p:spPr>
+        <p:style>
+          <a:lnRef idx="2">
+            <a:schemeClr val="accent5"/>
+          </a:lnRef>
+          <a:fillRef idx="1">
+            <a:schemeClr val="lt1"/>
+          </a:fillRef>
+          <a:effectRef idx="0">
+            <a:schemeClr val="accent5"/>
+          </a:effectRef>
+          <a:fontRef idx="minor">
+            <a:schemeClr val="dk1"/>
+          </a:fontRef>
+        </p:style>
+        <p:txBody>
+          <a:bodyPr vert="horz" wrap="none" lIns="91440" tIns="45720" rIns="91440" bIns="45720" numCol="1" anchor="ctr" anchorCtr="0" compatLnSpc="1"/>
+          <a:p>
+            <a:pPr marL="0" marR="0" indent="0" algn="l" defTabSz="914400" rtl="0" eaLnBrk="1" fontAlgn="base" latinLnBrk="0" hangingPunct="1">
+              <a:lnSpc>
+                <a:spcPct val="100000"/>
+              </a:lnSpc>
+              <a:spcBef>
+                <a:spcPct val="0"/>
+              </a:spcBef>
+              <a:spcAft>
+                <a:spcPct val="0"/>
+              </a:spcAft>
+              <a:buClrTx/>
+              <a:buSzTx/>
+              <a:buFontTx/>
+              <a:buNone/>
+            </a:pPr>
+            <a:r>
+              <a:rPr kumimoji="0" lang="en-US" altLang="zh-CN" sz="1800" b="0" i="0" u="none" strike="noStrike" cap="none" normalizeH="0" baseline="0" smtClean="0">
+                <a:ln>
+                  <a:noFill/>
+                </a:ln>
+                <a:solidFill>
+                  <a:schemeClr val="accent2">
+                    <a:lumMod val="75000"/>
+                  </a:schemeClr>
+                </a:solidFill>
+                <a:effectLst/>
+                <a:latin typeface="Arial" panose="020B0604020202020204" pitchFamily="34" charset="0"/>
+                <a:ea typeface="SimSun" panose="02010600030101010101" pitchFamily="2" charset="-122"/>
+              </a:rPr>
+              <a:t>a. Some time can't click on element</a:t>
+            </a:r>
+            <a:endParaRPr kumimoji="0" lang="en-US" altLang="zh-CN" sz="1800" b="0" i="0" u="none" strike="noStrike" cap="none" normalizeH="0" baseline="0" smtClean="0">
+              <a:ln>
+                <a:noFill/>
+              </a:ln>
+              <a:solidFill>
+                <a:schemeClr val="accent2">
+                  <a:lumMod val="75000"/>
+                </a:schemeClr>
+              </a:solidFill>
+              <a:effectLst/>
+              <a:latin typeface="Arial" panose="020B0604020202020204" pitchFamily="34" charset="0"/>
+              <a:ea typeface="SimSun" panose="02010600030101010101" pitchFamily="2" charset="-122"/>
+            </a:endParaRPr>
+          </a:p>
+        </p:txBody>
+      </p:sp>
+      <p:sp>
+        <p:nvSpPr>
+          <p:cNvPr id="6" name="Text Box 5"/>
+          <p:cNvSpPr txBox="1"/>
+          <p:nvPr/>
+        </p:nvSpPr>
+        <p:spPr>
+          <a:xfrm>
+            <a:off x="775335" y="2053590"/>
+            <a:ext cx="5853430" cy="368300"/>
           </a:xfrm>
           <a:prstGeom prst="rect">
             <a:avLst/>
           </a:prstGeom>
+          <a:noFill/>
         </p:spPr>
-      </p:pic>
+        <p:txBody>
+          <a:bodyPr wrap="square" rtlCol="0">
+            <a:spAutoFit/>
+          </a:bodyPr>
+          <a:p>
+            <a:r>
+              <a:rPr lang="en-US" b="1">
+                <a:solidFill>
+                  <a:schemeClr val="accent2">
+                    <a:lumMod val="50000"/>
+                  </a:schemeClr>
+                </a:solidFill>
+              </a:rPr>
+              <a:t>Reason: </a:t>
+            </a:r>
+            <a:r>
+              <a:rPr lang="en-US">
+                <a:solidFill>
+                  <a:schemeClr val="accent2">
+                    <a:lumMod val="50000"/>
+                  </a:schemeClr>
+                </a:solidFill>
+              </a:rPr>
+              <a:t>Do click before element is presented</a:t>
+            </a:r>
+            <a:endParaRPr lang="en-US">
+              <a:solidFill>
+                <a:schemeClr val="accent2">
+                  <a:lumMod val="50000"/>
+                </a:schemeClr>
+              </a:solidFill>
+            </a:endParaRPr>
+          </a:p>
+        </p:txBody>
+      </p:sp>
+      <p:sp>
+        <p:nvSpPr>
+          <p:cNvPr id="8" name="Text Box 7"/>
+          <p:cNvSpPr txBox="1"/>
+          <p:nvPr/>
+        </p:nvSpPr>
+        <p:spPr>
+          <a:xfrm>
+            <a:off x="775335" y="2855595"/>
+            <a:ext cx="4180840" cy="645160"/>
+          </a:xfrm>
+          <a:prstGeom prst="rect">
+            <a:avLst/>
+          </a:prstGeom>
+          <a:noFill/>
+        </p:spPr>
+        <p:txBody>
+          <a:bodyPr wrap="square" rtlCol="0">
+            <a:spAutoFit/>
+          </a:bodyPr>
+          <a:p>
+            <a:r>
+              <a:rPr lang="en-US" b="1">
+                <a:solidFill>
+                  <a:schemeClr val="accent2">
+                    <a:lumMod val="50000"/>
+                  </a:schemeClr>
+                </a:solidFill>
+              </a:rPr>
+              <a:t>Solution</a:t>
+            </a:r>
+            <a:r>
+              <a:rPr lang="en-US">
+                <a:solidFill>
+                  <a:schemeClr val="accent2">
+                    <a:lumMod val="50000"/>
+                  </a:schemeClr>
+                </a:solidFill>
+              </a:rPr>
+              <a:t>: Wait element is presented and click</a:t>
+            </a:r>
+            <a:endParaRPr lang="en-US">
+              <a:solidFill>
+                <a:schemeClr val="accent2">
+                  <a:lumMod val="50000"/>
+                </a:schemeClr>
+              </a:solidFill>
+            </a:endParaRPr>
+          </a:p>
+        </p:txBody>
+      </p:sp>
+      <p:sp>
+        <p:nvSpPr>
+          <p:cNvPr id="9" name="Text Box 8"/>
+          <p:cNvSpPr txBox="1"/>
+          <p:nvPr/>
+        </p:nvSpPr>
+        <p:spPr>
+          <a:xfrm>
+            <a:off x="775335" y="3747135"/>
+            <a:ext cx="10125710" cy="1198880"/>
+          </a:xfrm>
+          <a:prstGeom prst="rect">
+            <a:avLst/>
+          </a:prstGeom>
+          <a:noFill/>
+        </p:spPr>
+        <p:txBody>
+          <a:bodyPr wrap="square" rtlCol="0">
+            <a:spAutoFit/>
+          </a:bodyPr>
+          <a:p>
+            <a:r>
+              <a:rPr lang="en-US">
+                <a:solidFill>
+                  <a:srgbClr val="0070C0"/>
+                </a:solidFill>
+              </a:rPr>
+              <a:t>public void click_on_next_button() {</a:t>
+            </a:r>
+            <a:endParaRPr lang="en-US">
+              <a:solidFill>
+                <a:srgbClr val="0070C0"/>
+              </a:solidFill>
+            </a:endParaRPr>
+          </a:p>
+          <a:p>
+            <a:r>
+              <a:rPr lang="en-US">
+                <a:solidFill>
+                  <a:srgbClr val="0070C0"/>
+                </a:solidFill>
+              </a:rPr>
+              <a:t>	//waitABit(2000);</a:t>
+            </a:r>
+            <a:endParaRPr lang="en-US">
+              <a:solidFill>
+                <a:srgbClr val="0070C0"/>
+              </a:solidFill>
+            </a:endParaRPr>
+          </a:p>
+          <a:p>
+            <a:r>
+              <a:rPr lang="en-US">
+                <a:solidFill>
+                  <a:srgbClr val="0070C0"/>
+                </a:solidFill>
+              </a:rPr>
+              <a:t>	nextBtn.waitUntilPresent().click();</a:t>
+            </a:r>
+            <a:endParaRPr lang="en-US">
+              <a:solidFill>
+                <a:srgbClr val="0070C0"/>
+              </a:solidFill>
+            </a:endParaRPr>
+          </a:p>
+          <a:p>
+            <a:r>
+              <a:rPr lang="en-US">
+                <a:solidFill>
+                  <a:srgbClr val="0070C0"/>
+                </a:solidFill>
+              </a:rPr>
+              <a:t>}</a:t>
+            </a:r>
+            <a:endParaRPr lang="en-US">
+              <a:solidFill>
+                <a:srgbClr val="0070C0"/>
+              </a:solidFill>
+            </a:endParaRPr>
+          </a:p>
+        </p:txBody>
+      </p:sp>
     </p:spTree>
   </p:cSld>
   <p:clrMapOvr>
@@ -11605,7 +11744,7 @@
       </p:grpSpPr>
       <p:sp>
         <p:nvSpPr>
-          <p:cNvPr id="6" name="Title 5"/>
+          <p:cNvPr id="2" name="Title 1"/>
           <p:cNvSpPr>
             <a:spLocks noGrp="1"/>
           </p:cNvSpPr>
@@ -11616,8 +11755,20 @@
         <p:spPr/>
         <p:txBody>
           <a:bodyPr/>
-          <a:p>
-            <a:endParaRPr lang="en-US"/>
+          <a:lstStyle/>
+          <a:p>
+            <a:endParaRPr lang="en-US">
+              <a:solidFill>
+                <a:schemeClr val="accent1"/>
+              </a:solidFill>
+              <a:effectLst>
+                <a:outerShdw blurRad="38100" dist="25400" dir="5400000" algn="ctr" rotWithShape="0">
+                  <a:srgbClr val="6E747A">
+                    <a:alpha val="43000"/>
+                  </a:srgbClr>
+                </a:outerShdw>
+              </a:effectLst>
+            </a:endParaRPr>
           </a:p>
         </p:txBody>
       </p:sp>
@@ -11704,7 +11855,7 @@
                 <a:ea typeface="SimSun" panose="02010600030101010101" pitchFamily="2" charset="-122"/>
                 <a:sym typeface="+mn-ea"/>
               </a:rPr>
-              <a:t>II. Design Scenario in feature file.</a:t>
+              <a:t>III. Issues</a:t>
             </a:r>
             <a:endParaRPr kumimoji="0" lang="en-US" altLang="zh-CN" sz="3600" b="0" i="0" u="none" strike="noStrike" cap="none" normalizeH="0" baseline="0" smtClean="0">
               <a:ln w="10160">
@@ -11727,152 +11878,6 @@
               <a:ea typeface="SimSun" panose="02010600030101010101" pitchFamily="2" charset="-122"/>
               <a:sym typeface="+mn-ea"/>
             </a:endParaRPr>
-          </a:p>
-        </p:txBody>
-      </p:sp>
-      <p:sp>
-        <p:nvSpPr>
-          <p:cNvPr id="4" name="Content Placeholder 3"/>
-          <p:cNvSpPr/>
-          <p:nvPr>
-            <p:ph sz="half" idx="1"/>
-          </p:nvPr>
-        </p:nvSpPr>
-        <p:spPr>
-          <a:xfrm>
-            <a:off x="609600" y="1174750"/>
-            <a:ext cx="10972800" cy="4953000"/>
-          </a:xfrm>
-        </p:spPr>
-        <p:txBody>
-          <a:bodyPr/>
-          <a:p>
-            <a:pPr marL="0" indent="0">
-              <a:buNone/>
-            </a:pPr>
-            <a:endParaRPr lang="en-US" sz="1200">
-              <a:solidFill>
-                <a:srgbClr val="92D050"/>
-              </a:solidFill>
-            </a:endParaRPr>
-          </a:p>
-          <a:p>
-            <a:pPr marL="0" indent="0">
-              <a:buNone/>
-            </a:pPr>
-            <a:r>
-              <a:rPr lang="en-US" sz="1200">
-                <a:solidFill>
-                  <a:srgbClr val="92D050"/>
-                </a:solidFill>
-              </a:rPr>
-              <a:t>Feature</a:t>
-            </a:r>
-            <a:r>
-              <a:rPr lang="en-US" sz="1200"/>
-              <a:t>: Company User account checks login on first time.</a:t>
-            </a:r>
-            <a:endParaRPr lang="en-US" sz="1200"/>
-          </a:p>
-          <a:p>
-            <a:pPr marL="0" indent="0">
-              <a:buNone/>
-            </a:pPr>
-            <a:endParaRPr lang="en-US" sz="1200"/>
-          </a:p>
-          <a:p>
-            <a:pPr marL="0" indent="0">
-              <a:buNone/>
-            </a:pPr>
-            <a:r>
-              <a:rPr lang="en-US" sz="1200"/>
-              <a:t>  </a:t>
-            </a:r>
-            <a:r>
-              <a:rPr lang="en-US" sz="1200">
-                <a:solidFill>
-                  <a:srgbClr val="92D050"/>
-                </a:solidFill>
-              </a:rPr>
-              <a:t>Scenario</a:t>
-            </a:r>
-            <a:r>
-              <a:rPr lang="en-US" sz="1200"/>
-              <a:t>: User login in first time</a:t>
-            </a:r>
-            <a:endParaRPr lang="en-US" sz="1200"/>
-          </a:p>
-          <a:p>
-            <a:pPr marL="0" indent="0">
-              <a:buNone/>
-            </a:pPr>
-            <a:r>
-              <a:rPr lang="en-US" sz="1200"/>
-              <a:t>    </a:t>
-            </a:r>
-            <a:r>
-              <a:rPr lang="en-US" sz="1200">
-                <a:solidFill>
-                  <a:srgbClr val="00B0F0"/>
-                </a:solidFill>
-              </a:rPr>
-              <a:t>When </a:t>
-            </a:r>
-            <a:r>
-              <a:rPr lang="en-US" sz="1200"/>
-              <a:t>Join Working Metrics screen via link is "http://goodjobs-dev.dynagility.us/onboarding?email=truyen.linh.3@yopmail.com&amp;token=M2ZuNjlhbDllamlu"</a:t>
-            </a:r>
-            <a:endParaRPr lang="en-US" sz="1200"/>
-          </a:p>
-          <a:p>
-            <a:pPr marL="0" indent="0">
-              <a:buNone/>
-            </a:pPr>
-            <a:r>
-              <a:rPr lang="en-US" sz="1200"/>
-              <a:t>    </a:t>
-            </a:r>
-            <a:r>
-              <a:rPr lang="en-US" sz="1200">
-                <a:solidFill>
-                  <a:srgbClr val="00B0F0"/>
-                </a:solidFill>
-              </a:rPr>
-              <a:t>And </a:t>
-            </a:r>
-            <a:r>
-              <a:rPr lang="en-US" sz="1200"/>
-              <a:t>Click on Create an account on Working Metrics screen.</a:t>
-            </a:r>
-            <a:endParaRPr lang="en-US" sz="1200"/>
-          </a:p>
-          <a:p>
-            <a:pPr marL="0" indent="0">
-              <a:buNone/>
-            </a:pPr>
-            <a:r>
-              <a:rPr lang="en-US" sz="1200"/>
-              <a:t>    </a:t>
-            </a:r>
-            <a:r>
-              <a:rPr lang="en-US" sz="1200">
-                <a:solidFill>
-                  <a:srgbClr val="00B0F0"/>
-                </a:solidFill>
-              </a:rPr>
-              <a:t>And </a:t>
-            </a:r>
-            <a:r>
-              <a:rPr lang="en-US" sz="1200"/>
-              <a:t>Create password is "12345678xx@X".</a:t>
-            </a:r>
-            <a:endParaRPr lang="en-US" sz="1200"/>
-          </a:p>
-          <a:p>
-            <a:pPr marL="0" indent="0">
-              <a:buNone/>
-            </a:pPr>
-            <a:endParaRPr lang="en-US" sz="1200"/>
           </a:p>
         </p:txBody>
       </p:sp>
@@ -11941,7 +11946,7 @@
                 <a:latin typeface="Arial" panose="020B0604020202020204" pitchFamily="34" charset="0"/>
                 <a:ea typeface="SimSun" panose="02010600030101010101" pitchFamily="2" charset="-122"/>
               </a:rPr>
-              <a:t>III. Company User </a:t>
+              <a:t>I. Click on element </a:t>
             </a:r>
             <a:endParaRPr kumimoji="0" lang="en-US" altLang="zh-CN" sz="1800" b="1" i="0" u="none" strike="noStrike" cap="none" normalizeH="0" baseline="0" smtClean="0">
               <a:ln>
@@ -11957,14 +11962,148 @@
           </a:p>
         </p:txBody>
       </p:sp>
+      <p:sp>
+        <p:nvSpPr>
+          <p:cNvPr id="3" name="Rounded Rectangle 2"/>
+          <p:cNvSpPr/>
+          <p:nvPr/>
+        </p:nvSpPr>
+        <p:spPr>
+          <a:xfrm>
+            <a:off x="609600" y="1525905"/>
+            <a:ext cx="4920615" cy="420370"/>
+          </a:xfrm>
+          <a:prstGeom prst="roundRect">
+            <a:avLst/>
+          </a:prstGeom>
+          <a:ln>
+            <a:headEnd type="none" w="med" len="med"/>
+            <a:tailEnd type="none" w="med" len="med"/>
+          </a:ln>
+        </p:spPr>
+        <p:style>
+          <a:lnRef idx="2">
+            <a:schemeClr val="accent5"/>
+          </a:lnRef>
+          <a:fillRef idx="1">
+            <a:schemeClr val="lt1"/>
+          </a:fillRef>
+          <a:effectRef idx="0">
+            <a:schemeClr val="accent5"/>
+          </a:effectRef>
+          <a:fontRef idx="minor">
+            <a:schemeClr val="dk1"/>
+          </a:fontRef>
+        </p:style>
+        <p:txBody>
+          <a:bodyPr vert="horz" wrap="none" lIns="91440" tIns="45720" rIns="91440" bIns="45720" numCol="1" anchor="ctr" anchorCtr="0" compatLnSpc="1"/>
+          <a:p>
+            <a:pPr marL="0" marR="0" indent="0" algn="l" defTabSz="914400" rtl="0" eaLnBrk="1" fontAlgn="base" latinLnBrk="0" hangingPunct="1">
+              <a:lnSpc>
+                <a:spcPct val="100000"/>
+              </a:lnSpc>
+              <a:spcBef>
+                <a:spcPct val="0"/>
+              </a:spcBef>
+              <a:spcAft>
+                <a:spcPct val="0"/>
+              </a:spcAft>
+              <a:buClrTx/>
+              <a:buSzTx/>
+              <a:buFontTx/>
+              <a:buNone/>
+            </a:pPr>
+            <a:r>
+              <a:rPr kumimoji="0" lang="en-US" altLang="zh-CN" sz="1800" b="0" i="0" u="none" strike="noStrike" cap="none" normalizeH="0" baseline="0" smtClean="0">
+                <a:ln>
+                  <a:noFill/>
+                </a:ln>
+                <a:solidFill>
+                  <a:schemeClr val="accent2">
+                    <a:lumMod val="75000"/>
+                  </a:schemeClr>
+                </a:solidFill>
+                <a:effectLst/>
+                <a:latin typeface="Arial" panose="020B0604020202020204" pitchFamily="34" charset="0"/>
+                <a:ea typeface="SimSun" panose="02010600030101010101" pitchFamily="2" charset="-122"/>
+              </a:rPr>
+              <a:t>b. Some time click on button isn't success</a:t>
+            </a:r>
+            <a:endParaRPr kumimoji="0" lang="en-US" altLang="zh-CN" sz="1800" b="0" i="0" u="none" strike="noStrike" cap="none" normalizeH="0" baseline="0" smtClean="0">
+              <a:ln>
+                <a:noFill/>
+              </a:ln>
+              <a:solidFill>
+                <a:schemeClr val="accent2">
+                  <a:lumMod val="75000"/>
+                </a:schemeClr>
+              </a:solidFill>
+              <a:effectLst/>
+              <a:latin typeface="Arial" panose="020B0604020202020204" pitchFamily="34" charset="0"/>
+              <a:ea typeface="SimSun" panose="02010600030101010101" pitchFamily="2" charset="-122"/>
+            </a:endParaRPr>
+          </a:p>
+        </p:txBody>
+      </p:sp>
+      <p:sp>
+        <p:nvSpPr>
+          <p:cNvPr id="6" name="Text Box 5"/>
+          <p:cNvSpPr txBox="1"/>
+          <p:nvPr/>
+        </p:nvSpPr>
+        <p:spPr>
+          <a:xfrm>
+            <a:off x="775335" y="2053590"/>
+            <a:ext cx="5853430" cy="368300"/>
+          </a:xfrm>
+          <a:prstGeom prst="rect">
+            <a:avLst/>
+          </a:prstGeom>
+          <a:noFill/>
+        </p:spPr>
+        <p:txBody>
+          <a:bodyPr wrap="square" rtlCol="0">
+            <a:spAutoFit/>
+          </a:bodyPr>
+          <a:p>
+            <a:r>
+              <a:rPr lang="en-US" b="1">
+                <a:solidFill>
+                  <a:schemeClr val="accent2">
+                    <a:lumMod val="50000"/>
+                  </a:schemeClr>
+                </a:solidFill>
+              </a:rPr>
+              <a:t>Reason: </a:t>
+            </a:r>
+            <a:r>
+              <a:rPr lang="en-US">
+                <a:solidFill>
+                  <a:schemeClr val="accent2">
+                    <a:lumMod val="50000"/>
+                  </a:schemeClr>
+                </a:solidFill>
+              </a:rPr>
+              <a:t>Unknown, maybe Selenium isn't stable</a:t>
+            </a:r>
+            <a:endParaRPr lang="en-US">
+              <a:solidFill>
+                <a:schemeClr val="accent2">
+                  <a:lumMod val="50000"/>
+                </a:schemeClr>
+              </a:solidFill>
+            </a:endParaRPr>
+          </a:p>
+        </p:txBody>
+      </p:sp>
       <p:pic>
         <p:nvPicPr>
-          <p:cNvPr id="3" name="Content Placeholder 2" descr="user1st"/>
+          <p:cNvPr id="7" name="Content Placeholder 6" descr="manage"/>
           <p:cNvPicPr>
             <a:picLocks noChangeAspect="1"/>
           </p:cNvPicPr>
           <p:nvPr>
-            <p:ph sz="half" idx="2"/>
+            <p:ph idx="1"/>
           </p:nvPr>
         </p:nvPicPr>
         <p:blipFill>
@@ -11975,14 +12114,230 @@
         </p:blipFill>
         <p:spPr>
           <a:xfrm>
-            <a:off x="3599180" y="3169285"/>
-            <a:ext cx="3971925" cy="2047875"/>
+            <a:off x="5885815" y="1029335"/>
+            <a:ext cx="5015230" cy="2757170"/>
           </a:xfrm>
           <a:prstGeom prst="rect">
             <a:avLst/>
           </a:prstGeom>
         </p:spPr>
       </p:pic>
+      <p:sp>
+        <p:nvSpPr>
+          <p:cNvPr id="8" name="Text Box 7"/>
+          <p:cNvSpPr txBox="1"/>
+          <p:nvPr/>
+        </p:nvSpPr>
+        <p:spPr>
+          <a:xfrm>
+            <a:off x="775335" y="4053840"/>
+            <a:ext cx="4180840" cy="645160"/>
+          </a:xfrm>
+          <a:prstGeom prst="rect">
+            <a:avLst/>
+          </a:prstGeom>
+          <a:noFill/>
+        </p:spPr>
+        <p:txBody>
+          <a:bodyPr wrap="square" rtlCol="0">
+            <a:spAutoFit/>
+          </a:bodyPr>
+          <a:p>
+            <a:r>
+              <a:rPr lang="en-US" b="1">
+                <a:solidFill>
+                  <a:schemeClr val="accent2">
+                    <a:lumMod val="50000"/>
+                  </a:schemeClr>
+                </a:solidFill>
+              </a:rPr>
+              <a:t>Solution</a:t>
+            </a:r>
+            <a:r>
+              <a:rPr lang="en-US">
+                <a:solidFill>
+                  <a:schemeClr val="accent2">
+                    <a:lumMod val="50000"/>
+                  </a:schemeClr>
+                </a:solidFill>
+              </a:rPr>
+              <a:t>: Using Javascript to click on element</a:t>
+            </a:r>
+            <a:endParaRPr lang="en-US">
+              <a:solidFill>
+                <a:schemeClr val="accent2">
+                  <a:lumMod val="50000"/>
+                </a:schemeClr>
+              </a:solidFill>
+            </a:endParaRPr>
+          </a:p>
+        </p:txBody>
+      </p:sp>
+      <p:sp>
+        <p:nvSpPr>
+          <p:cNvPr id="9" name="Text Box 8"/>
+          <p:cNvSpPr txBox="1"/>
+          <p:nvPr/>
+        </p:nvSpPr>
+        <p:spPr>
+          <a:xfrm>
+            <a:off x="775335" y="4817745"/>
+            <a:ext cx="10125710" cy="1198880"/>
+          </a:xfrm>
+          <a:prstGeom prst="rect">
+            <a:avLst/>
+          </a:prstGeom>
+          <a:noFill/>
+        </p:spPr>
+        <p:txBody>
+          <a:bodyPr wrap="square" rtlCol="0">
+            <a:spAutoFit/>
+          </a:bodyPr>
+          <a:p>
+            <a:r>
+              <a:rPr lang="en-US">
+                <a:solidFill>
+                  <a:srgbClr val="0070C0"/>
+                </a:solidFill>
+              </a:rPr>
+              <a:t>public void click_Manage_button() {</a:t>
+            </a:r>
+            <a:endParaRPr lang="en-US">
+              <a:solidFill>
+                <a:srgbClr val="0070C0"/>
+              </a:solidFill>
+            </a:endParaRPr>
+          </a:p>
+          <a:p>
+            <a:r>
+              <a:rPr lang="en-US">
+                <a:solidFill>
+                  <a:srgbClr val="0070C0"/>
+                </a:solidFill>
+              </a:rPr>
+              <a:t>	JavascriptExecutor excutor = (JavascriptExecutor)getDriver();</a:t>
+            </a:r>
+            <a:endParaRPr lang="en-US">
+              <a:solidFill>
+                <a:srgbClr val="0070C0"/>
+              </a:solidFill>
+            </a:endParaRPr>
+          </a:p>
+          <a:p>
+            <a:r>
+              <a:rPr lang="en-US">
+                <a:solidFill>
+                  <a:srgbClr val="0070C0"/>
+                </a:solidFill>
+              </a:rPr>
+              <a:t>	excutor.executeScript("arguments[0].click();", manageBtn);</a:t>
+            </a:r>
+            <a:endParaRPr lang="en-US">
+              <a:solidFill>
+                <a:srgbClr val="0070C0"/>
+              </a:solidFill>
+            </a:endParaRPr>
+          </a:p>
+          <a:p>
+            <a:r>
+              <a:rPr lang="en-US">
+                <a:solidFill>
+                  <a:srgbClr val="0070C0"/>
+                </a:solidFill>
+              </a:rPr>
+              <a:t>}</a:t>
+            </a:r>
+            <a:endParaRPr lang="en-US">
+              <a:solidFill>
+                <a:srgbClr val="0070C0"/>
+              </a:solidFill>
+            </a:endParaRPr>
+          </a:p>
+        </p:txBody>
+      </p:sp>
+      <p:sp>
+        <p:nvSpPr>
+          <p:cNvPr id="4" name="Rounded Rectangle 3"/>
+          <p:cNvSpPr/>
+          <p:nvPr/>
+        </p:nvSpPr>
+        <p:spPr>
+          <a:xfrm>
+            <a:off x="609600" y="1512570"/>
+            <a:ext cx="4920615" cy="420370"/>
+          </a:xfrm>
+          <a:prstGeom prst="roundRect">
+            <a:avLst/>
+          </a:prstGeom>
+          <a:ln>
+            <a:headEnd type="none" w="med" len="med"/>
+            <a:tailEnd type="none" w="med" len="med"/>
+          </a:ln>
+        </p:spPr>
+        <p:style>
+          <a:lnRef idx="2">
+            <a:schemeClr val="accent5"/>
+          </a:lnRef>
+          <a:fillRef idx="1">
+            <a:schemeClr val="lt1"/>
+          </a:fillRef>
+          <a:effectRef idx="0">
+            <a:schemeClr val="accent5"/>
+          </a:effectRef>
+          <a:fontRef idx="minor">
+            <a:schemeClr val="dk1"/>
+          </a:fontRef>
+        </p:style>
+        <p:txBody>
+          <a:bodyPr vert="horz" wrap="none" lIns="91440" tIns="45720" rIns="91440" bIns="45720" numCol="1" anchor="ctr" anchorCtr="0" compatLnSpc="1"/>
+          <a:p>
+            <a:pPr marL="0" marR="0" indent="0" algn="l" defTabSz="914400" rtl="0" eaLnBrk="1" fontAlgn="base" latinLnBrk="0" hangingPunct="1">
+              <a:lnSpc>
+                <a:spcPct val="100000"/>
+              </a:lnSpc>
+              <a:spcBef>
+                <a:spcPct val="0"/>
+              </a:spcBef>
+              <a:spcAft>
+                <a:spcPct val="0"/>
+              </a:spcAft>
+              <a:buClrTx/>
+              <a:buSzTx/>
+              <a:buFontTx/>
+              <a:buNone/>
+            </a:pPr>
+            <a:r>
+              <a:rPr kumimoji="0" lang="en-US" altLang="zh-CN" sz="1800" b="0" i="0" u="none" strike="noStrike" cap="none" normalizeH="0" baseline="0" smtClean="0">
+                <a:ln>
+                  <a:noFill/>
+                </a:ln>
+                <a:solidFill>
+                  <a:schemeClr val="accent2">
+                    <a:lumMod val="75000"/>
+                  </a:schemeClr>
+                </a:solidFill>
+                <a:effectLst/>
+                <a:latin typeface="Arial" panose="020B0604020202020204" pitchFamily="34" charset="0"/>
+                <a:ea typeface="SimSun" panose="02010600030101010101" pitchFamily="2" charset="-122"/>
+              </a:rPr>
+              <a:t>b. Some time click on button isn't success</a:t>
+            </a:r>
+            <a:endParaRPr kumimoji="0" lang="en-US" altLang="zh-CN" sz="1800" b="0" i="0" u="none" strike="noStrike" cap="none" normalizeH="0" baseline="0" smtClean="0">
+              <a:ln>
+                <a:noFill/>
+              </a:ln>
+              <a:solidFill>
+                <a:schemeClr val="accent2">
+                  <a:lumMod val="75000"/>
+                </a:schemeClr>
+              </a:solidFill>
+              <a:effectLst/>
+              <a:latin typeface="Arial" panose="020B0604020202020204" pitchFamily="34" charset="0"/>
+              <a:ea typeface="SimSun" panose="02010600030101010101" pitchFamily="2" charset="-122"/>
+            </a:endParaRPr>
+          </a:p>
+        </p:txBody>
+      </p:sp>
     </p:spTree>
   </p:cSld>
   <p:clrMapOvr>
@@ -12440,7 +12795,7 @@
                 <a:latin typeface="Arial" panose="020B0604020202020204" pitchFamily="34" charset="0"/>
                 <a:ea typeface="SimSun" panose="02010600030101010101" pitchFamily="2" charset="-122"/>
               </a:rPr>
-              <a:t>I. Click on element </a:t>
+              <a:t>II. Get locator very hard </a:t>
             </a:r>
             <a:endParaRPr kumimoji="0" lang="en-US" altLang="zh-CN" sz="1800" b="1" i="0" u="none" strike="noStrike" cap="none" normalizeH="0" baseline="0" smtClean="0">
               <a:ln>
@@ -12456,89 +12811,32 @@
           </a:p>
         </p:txBody>
       </p:sp>
-      <p:sp>
-        <p:nvSpPr>
-          <p:cNvPr id="3" name="Rounded Rectangle 2"/>
-          <p:cNvSpPr/>
-          <p:nvPr/>
-        </p:nvSpPr>
+      <p:pic>
+        <p:nvPicPr>
+          <p:cNvPr id="3" name="Content Placeholder 2" descr="last"/>
+          <p:cNvPicPr>
+            <a:picLocks noChangeAspect="1"/>
+          </p:cNvPicPr>
+          <p:nvPr>
+            <p:ph idx="1"/>
+          </p:nvPr>
+        </p:nvPicPr>
+        <p:blipFill>
+          <a:blip r:embed="rId1"/>
+          <a:stretch>
+            <a:fillRect/>
+          </a:stretch>
+        </p:blipFill>
         <p:spPr>
           <a:xfrm>
-            <a:off x="609600" y="1525905"/>
-            <a:ext cx="4920615" cy="420370"/>
+            <a:off x="5193030" y="1570990"/>
+            <a:ext cx="6389370" cy="2808605"/>
           </a:xfrm>
-          <a:prstGeom prst="roundRect">
+          <a:prstGeom prst="rect">
             <a:avLst/>
           </a:prstGeom>
-          <a:ln>
-            <a:headEnd type="none" w="med" len="med"/>
-            <a:tailEnd type="none" w="med" len="med"/>
-          </a:ln>
         </p:spPr>
-        <p:style>
-          <a:lnRef idx="2">
-            <a:schemeClr val="accent5"/>
-          </a:lnRef>
-          <a:fillRef idx="1">
-            <a:schemeClr val="lt1"/>
-          </a:fillRef>
-          <a:effectRef idx="0">
-            <a:schemeClr val="accent5"/>
-          </a:effectRef>
-          <a:fontRef idx="minor">
-            <a:schemeClr val="dk1"/>
-          </a:fontRef>
-        </p:style>
-        <p:txBody>
-          <a:bodyPr vert="horz" wrap="none" lIns="91440" tIns="45720" rIns="91440" bIns="45720" numCol="1" anchor="ctr" anchorCtr="0" compatLnSpc="1"/>
-          <a:p>
-            <a:pPr marL="0" marR="0" indent="0" algn="l" defTabSz="914400" rtl="0" eaLnBrk="1" fontAlgn="base" latinLnBrk="0" hangingPunct="1">
-              <a:lnSpc>
-                <a:spcPct val="100000"/>
-              </a:lnSpc>
-              <a:spcBef>
-                <a:spcPct val="0"/>
-              </a:spcBef>
-              <a:spcAft>
-                <a:spcPct val="0"/>
-              </a:spcAft>
-              <a:buClrTx/>
-              <a:buSzTx/>
-              <a:buFontTx/>
-              <a:buNone/>
-            </a:pPr>
-            <a:r>
-              <a:rPr kumimoji="0" lang="en-US" altLang="zh-CN" sz="1800" b="0" i="0" u="none" strike="noStrike" cap="none" normalizeH="0" baseline="0" smtClean="0">
-                <a:ln>
-                  <a:noFill/>
-                </a:ln>
-                <a:solidFill>
-                  <a:schemeClr val="accent2">
-                    <a:lumMod val="75000"/>
-                  </a:schemeClr>
-                </a:solidFill>
-                <a:effectLst/>
-                <a:latin typeface="Arial" panose="020B0604020202020204" pitchFamily="34" charset="0"/>
-                <a:ea typeface="SimSun" panose="02010600030101010101" pitchFamily="2" charset="-122"/>
-              </a:rPr>
-              <a:t>a. Some time can't click on element</a:t>
-            </a:r>
-            <a:endParaRPr kumimoji="0" lang="en-US" altLang="zh-CN" sz="1800" b="0" i="0" u="none" strike="noStrike" cap="none" normalizeH="0" baseline="0" smtClean="0">
-              <a:ln>
-                <a:noFill/>
-              </a:ln>
-              <a:solidFill>
-                <a:schemeClr val="accent2">
-                  <a:lumMod val="75000"/>
-                </a:schemeClr>
-              </a:solidFill>
-              <a:effectLst/>
-              <a:latin typeface="Arial" panose="020B0604020202020204" pitchFamily="34" charset="0"/>
-              <a:ea typeface="SimSun" panose="02010600030101010101" pitchFamily="2" charset="-122"/>
-            </a:endParaRPr>
-          </a:p>
-        </p:txBody>
-      </p:sp>
+      </p:pic>
       <p:sp>
         <p:nvSpPr>
           <p:cNvPr id="6" name="Text Box 5"/>
@@ -12547,8 +12845,8 @@
         </p:nvSpPr>
         <p:spPr>
           <a:xfrm>
-            <a:off x="775335" y="2053590"/>
-            <a:ext cx="5853430" cy="368300"/>
+            <a:off x="609600" y="1570990"/>
+            <a:ext cx="4311650" cy="645160"/>
           </a:xfrm>
           <a:prstGeom prst="rect">
             <a:avLst/>
@@ -12578,7 +12876,7 @@
                   </a:schemeClr>
                 </a:solidFill>
               </a:rPr>
-              <a:t>Do click before element is presented</a:t>
+              <a:t>Number of row is changed after add an user success.</a:t>
             </a:r>
             <a:endParaRPr lang="en-US">
               <a:solidFill>
@@ -12598,8 +12896,8 @@
         </p:nvSpPr>
         <p:spPr>
           <a:xfrm>
-            <a:off x="775335" y="2855595"/>
-            <a:ext cx="4180840" cy="645160"/>
+            <a:off x="609600" y="4864735"/>
+            <a:ext cx="4180840" cy="368300"/>
           </a:xfrm>
           <a:prstGeom prst="rect">
             <a:avLst/>
@@ -12629,7 +12927,7 @@
                   </a:schemeClr>
                 </a:solidFill>
               </a:rPr>
-              <a:t>: Wait element is presented and click</a:t>
+              <a:t>: Get last row.</a:t>
             </a:r>
             <a:endParaRPr lang="en-US">
               <a:solidFill>
@@ -12643,14 +12941,14 @@
       </p:sp>
       <p:sp>
         <p:nvSpPr>
-          <p:cNvPr id="9" name="Text Box 8"/>
+          <p:cNvPr id="7" name="Text Box 6"/>
           <p:cNvSpPr txBox="1"/>
           <p:nvPr/>
         </p:nvSpPr>
         <p:spPr>
           <a:xfrm>
-            <a:off x="775335" y="3747135"/>
-            <a:ext cx="10125710" cy="1198880"/>
+            <a:off x="609600" y="5424805"/>
+            <a:ext cx="7625715" cy="645160"/>
           </a:xfrm>
           <a:prstGeom prst="rect">
             <a:avLst/>
@@ -12658,7 +12956,7 @@
           <a:noFill/>
         </p:spPr>
         <p:txBody>
-          <a:bodyPr wrap="square" rtlCol="0">
+          <a:bodyPr wrap="square" rtlCol="0" anchor="t">
             <a:spAutoFit/>
           </a:bodyPr>
           <a:p>
@@ -12668,7 +12966,7 @@
                   <a:srgbClr val="0070C0"/>
                 </a:solidFill>
               </a:rPr>
-              <a:t>public void click_on_next_button() {</a:t>
+              <a:t>@FindBy(xpath="//*[@class='rt-tr-group'][last()]/div/div[1]/input")</a:t>
             </a:r>
             <a:endParaRPr lang="en-US">
               <a:solidFill>
@@ -12683,37 +12981,7 @@
                   <a:srgbClr val="0070C0"/>
                 </a:solidFill>
               </a:rPr>
-              <a:t>	//waitABit(2000);</a:t>
-            </a:r>
-            <a:endParaRPr lang="en-US">
-              <a:solidFill>
-                <a:srgbClr val="0070C0"/>
-              </a:solidFill>
-            </a:endParaRPr>
-          </a:p>
-          <a:p>
-            <a:r>
-              <a:rPr lang="en-US">
-                <a:solidFill>
-                  <a:srgbClr val="0070C0"/>
-                </a:solidFill>
-              </a:rPr>
-              <a:t>	nextBtn.waitUntilPresent().click();</a:t>
-            </a:r>
-            <a:endParaRPr lang="en-US">
-              <a:solidFill>
-                <a:srgbClr val="0070C0"/>
-              </a:solidFill>
-            </a:endParaRPr>
-          </a:p>
-          <a:p>
-            <a:r>
-              <a:rPr lang="en-US">
-                <a:solidFill>
-                  <a:srgbClr val="0070C0"/>
-                </a:solidFill>
-              </a:rPr>
-              <a:t>}</a:t>
+              <a:t>private WebElementFacade firstnameField;</a:t>
             </a:r>
             <a:endParaRPr lang="en-US">
               <a:solidFill>
@@ -12757,7 +13025,7 @@
       </p:grpSpPr>
       <p:sp>
         <p:nvSpPr>
-          <p:cNvPr id="2" name="Title 1"/>
+          <p:cNvPr id="11" name="Title 10"/>
           <p:cNvSpPr>
             <a:spLocks noGrp="1"/>
           </p:cNvSpPr>
@@ -12768,20 +13036,8 @@
         <p:spPr/>
         <p:txBody>
           <a:bodyPr/>
-          <a:lstStyle/>
-          <a:p>
-            <a:endParaRPr lang="en-US">
-              <a:solidFill>
-                <a:schemeClr val="accent1"/>
-              </a:solidFill>
-              <a:effectLst>
-                <a:outerShdw blurRad="38100" dist="25400" dir="5400000" algn="ctr" rotWithShape="0">
-                  <a:srgbClr val="6E747A">
-                    <a:alpha val="43000"/>
-                  </a:srgbClr>
-                </a:outerShdw>
-              </a:effectLst>
-            </a:endParaRPr>
+          <a:p>
+            <a:endParaRPr lang="en-US"/>
           </a:p>
         </p:txBody>
       </p:sp>
@@ -12959,7 +13215,7 @@
                 <a:latin typeface="Arial" panose="020B0604020202020204" pitchFamily="34" charset="0"/>
                 <a:ea typeface="SimSun" panose="02010600030101010101" pitchFamily="2" charset="-122"/>
               </a:rPr>
-              <a:t>I. Click on element </a:t>
+              <a:t>III. Can't focus on element. </a:t>
             </a:r>
             <a:endParaRPr kumimoji="0" lang="en-US" altLang="zh-CN" sz="1800" b="1" i="0" u="none" strike="noStrike" cap="none" normalizeH="0" baseline="0" smtClean="0">
               <a:ln>
@@ -12977,97 +13233,14 @@
       </p:sp>
       <p:sp>
         <p:nvSpPr>
-          <p:cNvPr id="3" name="Rounded Rectangle 2"/>
-          <p:cNvSpPr/>
-          <p:nvPr/>
-        </p:nvSpPr>
-        <p:spPr>
-          <a:xfrm>
-            <a:off x="609600" y="1525905"/>
-            <a:ext cx="4920615" cy="420370"/>
-          </a:xfrm>
-          <a:prstGeom prst="roundRect">
-            <a:avLst/>
-          </a:prstGeom>
-          <a:ln>
-            <a:headEnd type="none" w="med" len="med"/>
-            <a:tailEnd type="none" w="med" len="med"/>
-          </a:ln>
-        </p:spPr>
-        <p:style>
-          <a:lnRef idx="2">
-            <a:schemeClr val="accent5"/>
-          </a:lnRef>
-          <a:fillRef idx="1">
-            <a:schemeClr val="lt1"/>
-          </a:fillRef>
-          <a:effectRef idx="0">
-            <a:schemeClr val="accent5"/>
-          </a:effectRef>
-          <a:fontRef idx="minor">
-            <a:schemeClr val="dk1"/>
-          </a:fontRef>
-        </p:style>
-        <p:txBody>
-          <a:bodyPr vert="horz" wrap="none" lIns="91440" tIns="45720" rIns="91440" bIns="45720" numCol="1" anchor="ctr" anchorCtr="0" compatLnSpc="1"/>
-          <a:p>
-            <a:pPr marL="0" marR="0" indent="0" algn="l" defTabSz="914400" rtl="0" eaLnBrk="1" fontAlgn="base" latinLnBrk="0" hangingPunct="1">
-              <a:lnSpc>
-                <a:spcPct val="100000"/>
-              </a:lnSpc>
-              <a:spcBef>
-                <a:spcPct val="0"/>
-              </a:spcBef>
-              <a:spcAft>
-                <a:spcPct val="0"/>
-              </a:spcAft>
-              <a:buClrTx/>
-              <a:buSzTx/>
-              <a:buFontTx/>
-              <a:buNone/>
-            </a:pPr>
-            <a:r>
-              <a:rPr kumimoji="0" lang="en-US" altLang="zh-CN" sz="1800" b="0" i="0" u="none" strike="noStrike" cap="none" normalizeH="0" baseline="0" smtClean="0">
-                <a:ln>
-                  <a:noFill/>
-                </a:ln>
-                <a:solidFill>
-                  <a:schemeClr val="accent2">
-                    <a:lumMod val="75000"/>
-                  </a:schemeClr>
-                </a:solidFill>
-                <a:effectLst/>
-                <a:latin typeface="Arial" panose="020B0604020202020204" pitchFamily="34" charset="0"/>
-                <a:ea typeface="SimSun" panose="02010600030101010101" pitchFamily="2" charset="-122"/>
-              </a:rPr>
-              <a:t>b. Some time click on button isn't success</a:t>
-            </a:r>
-            <a:endParaRPr kumimoji="0" lang="en-US" altLang="zh-CN" sz="1800" b="0" i="0" u="none" strike="noStrike" cap="none" normalizeH="0" baseline="0" smtClean="0">
-              <a:ln>
-                <a:noFill/>
-              </a:ln>
-              <a:solidFill>
-                <a:schemeClr val="accent2">
-                  <a:lumMod val="75000"/>
-                </a:schemeClr>
-              </a:solidFill>
-              <a:effectLst/>
-              <a:latin typeface="Arial" panose="020B0604020202020204" pitchFamily="34" charset="0"/>
-              <a:ea typeface="SimSun" panose="02010600030101010101" pitchFamily="2" charset="-122"/>
-            </a:endParaRPr>
-          </a:p>
-        </p:txBody>
-      </p:sp>
-      <p:sp>
-        <p:nvSpPr>
           <p:cNvPr id="6" name="Text Box 5"/>
           <p:cNvSpPr txBox="1"/>
           <p:nvPr/>
         </p:nvSpPr>
         <p:spPr>
           <a:xfrm>
-            <a:off x="775335" y="2053590"/>
-            <a:ext cx="5853430" cy="368300"/>
+            <a:off x="609600" y="1570990"/>
+            <a:ext cx="4311650" cy="368300"/>
           </a:xfrm>
           <a:prstGeom prst="rect">
             <a:avLst/>
@@ -13097,7 +13270,7 @@
                   </a:schemeClr>
                 </a:solidFill>
               </a:rPr>
-              <a:t>Unknown, maybe Selenium isn't stable</a:t>
+              <a:t>Element drop down list</a:t>
             </a:r>
             <a:endParaRPr lang="en-US">
               <a:solidFill>
@@ -13109,9 +13282,60 @@
           </a:p>
         </p:txBody>
       </p:sp>
+      <p:sp>
+        <p:nvSpPr>
+          <p:cNvPr id="8" name="Text Box 7"/>
+          <p:cNvSpPr txBox="1"/>
+          <p:nvPr/>
+        </p:nvSpPr>
+        <p:spPr>
+          <a:xfrm>
+            <a:off x="609600" y="2277745"/>
+            <a:ext cx="4180840" cy="368300"/>
+          </a:xfrm>
+          <a:prstGeom prst="rect">
+            <a:avLst/>
+          </a:prstGeom>
+          <a:noFill/>
+        </p:spPr>
+        <p:txBody>
+          <a:bodyPr wrap="square" rtlCol="0">
+            <a:spAutoFit/>
+          </a:bodyPr>
+          <a:p>
+            <a:r>
+              <a:rPr lang="en-US" b="1">
+                <a:solidFill>
+                  <a:schemeClr val="accent2">
+                    <a:lumMod val="50000"/>
+                  </a:schemeClr>
+                </a:solidFill>
+              </a:rPr>
+              <a:t>Solution</a:t>
+            </a:r>
+            <a:r>
+              <a:rPr lang="en-US">
+                <a:solidFill>
+                  <a:schemeClr val="accent2">
+                    <a:lumMod val="50000"/>
+                  </a:schemeClr>
+                </a:solidFill>
+              </a:rPr>
+              <a:t>: Using Robot class. </a:t>
+            </a:r>
+            <a:endParaRPr lang="en-US">
+              <a:solidFill>
+                <a:schemeClr val="accent2">
+                  <a:lumMod val="50000"/>
+                </a:schemeClr>
+              </a:solidFill>
+            </a:endParaRPr>
+          </a:p>
+        </p:txBody>
+      </p:sp>
       <p:pic>
         <p:nvPicPr>
-          <p:cNvPr id="7" name="Content Placeholder 6" descr="manage"/>
+          <p:cNvPr id="9" name="Content Placeholder 8" descr="drop"/>
           <p:cNvPicPr>
             <a:picLocks noChangeAspect="1"/>
           </p:cNvPicPr>
@@ -13127,8 +13351,8 @@
         </p:blipFill>
         <p:spPr>
           <a:xfrm>
-            <a:off x="5885815" y="1029335"/>
-            <a:ext cx="5015230" cy="2757170"/>
+            <a:off x="4458335" y="1939290"/>
+            <a:ext cx="7124065" cy="2974340"/>
           </a:xfrm>
           <a:prstGeom prst="rect">
             <a:avLst/>
@@ -13137,14 +13361,14 @@
       </p:pic>
       <p:sp>
         <p:nvSpPr>
-          <p:cNvPr id="8" name="Text Box 7"/>
+          <p:cNvPr id="13" name="Text Box 12"/>
           <p:cNvSpPr txBox="1"/>
           <p:nvPr/>
         </p:nvSpPr>
         <p:spPr>
           <a:xfrm>
-            <a:off x="775335" y="4053840"/>
-            <a:ext cx="4180840" cy="645160"/>
+            <a:off x="609600" y="2850515"/>
+            <a:ext cx="4006850" cy="3291840"/>
           </a:xfrm>
           <a:prstGeom prst="rect">
             <a:avLst/>
@@ -13152,70 +13376,19 @@
           <a:noFill/>
         </p:spPr>
         <p:txBody>
-          <a:bodyPr wrap="square" rtlCol="0">
+          <a:bodyPr wrap="square" rtlCol="0" anchor="t">
             <a:spAutoFit/>
           </a:bodyPr>
           <a:p>
             <a:r>
-              <a:rPr lang="en-US" b="1">
-                <a:solidFill>
-                  <a:schemeClr val="accent2">
-                    <a:lumMod val="50000"/>
-                  </a:schemeClr>
-                </a:solidFill>
-              </a:rPr>
-              <a:t>Solution</a:t>
-            </a:r>
-            <a:r>
-              <a:rPr lang="en-US">
-                <a:solidFill>
-                  <a:schemeClr val="accent2">
-                    <a:lumMod val="50000"/>
-                  </a:schemeClr>
-                </a:solidFill>
-              </a:rPr>
-              <a:t>: Using Javascript to click on element</a:t>
-            </a:r>
-            <a:endParaRPr lang="en-US">
-              <a:solidFill>
-                <a:schemeClr val="accent2">
-                  <a:lumMod val="50000"/>
-                </a:schemeClr>
-              </a:solidFill>
-            </a:endParaRPr>
-          </a:p>
-        </p:txBody>
-      </p:sp>
-      <p:sp>
-        <p:nvSpPr>
-          <p:cNvPr id="9" name="Text Box 8"/>
-          <p:cNvSpPr txBox="1"/>
-          <p:nvPr/>
-        </p:nvSpPr>
-        <p:spPr>
-          <a:xfrm>
-            <a:off x="775335" y="4817745"/>
-            <a:ext cx="10125710" cy="1198880"/>
-          </a:xfrm>
-          <a:prstGeom prst="rect">
-            <a:avLst/>
-          </a:prstGeom>
-          <a:noFill/>
-        </p:spPr>
-        <p:txBody>
-          <a:bodyPr wrap="square" rtlCol="0">
-            <a:spAutoFit/>
-          </a:bodyPr>
-          <a:p>
-            <a:r>
-              <a:rPr lang="en-US">
+              <a:rPr lang="en-US" sz="1600">
                 <a:solidFill>
                   <a:srgbClr val="0070C0"/>
                 </a:solidFill>
               </a:rPr>
-              <a:t>public void click_Manage_button() {</a:t>
-            </a:r>
-            <a:endParaRPr lang="en-US">
+              <a:t>Robot r;</a:t>
+            </a:r>
+            <a:endParaRPr lang="en-US" sz="1600">
               <a:solidFill>
                 <a:srgbClr val="0070C0"/>
               </a:solidFill>
@@ -13223,14 +13396,14 @@
           </a:p>
           <a:p>
             <a:r>
-              <a:rPr lang="en-US">
+              <a:rPr lang="en-US" sz="1600">
                 <a:solidFill>
                   <a:srgbClr val="0070C0"/>
                 </a:solidFill>
               </a:rPr>
-              <a:t>	JavascriptExecutor excutor = (JavascriptExecutor)getDriver();</a:t>
-            </a:r>
-            <a:endParaRPr lang="en-US">
+              <a:t>try {</a:t>
+            </a:r>
+            <a:endParaRPr lang="en-US" sz="1600">
               <a:solidFill>
                 <a:srgbClr val="0070C0"/>
               </a:solidFill>
@@ -13238,14 +13411,14 @@
           </a:p>
           <a:p>
             <a:r>
-              <a:rPr lang="en-US">
+              <a:rPr lang="en-US" sz="1600">
                 <a:solidFill>
                   <a:srgbClr val="0070C0"/>
                 </a:solidFill>
               </a:rPr>
-              <a:t>	excutor.executeScript("arguments[0].click();", manageBtn);</a:t>
-            </a:r>
-            <a:endParaRPr lang="en-US">
+              <a:t>     r = new Robot();</a:t>
+            </a:r>
+            <a:endParaRPr lang="en-US" sz="1600">
               <a:solidFill>
                 <a:srgbClr val="0070C0"/>
               </a:solidFill>
@@ -13253,100 +13426,152 @@
           </a:p>
           <a:p>
             <a:r>
-              <a:rPr lang="en-US">
+              <a:rPr lang="en-US" sz="1600">
                 <a:solidFill>
                   <a:srgbClr val="0070C0"/>
                 </a:solidFill>
               </a:rPr>
-              <a:t>}</a:t>
-            </a:r>
-            <a:endParaRPr lang="en-US">
+              <a:t>     roleOption.click();</a:t>
+            </a:r>
+            <a:endParaRPr lang="en-US" sz="1600">
               <a:solidFill>
                 <a:srgbClr val="0070C0"/>
               </a:solidFill>
             </a:endParaRPr>
           </a:p>
-        </p:txBody>
-      </p:sp>
-      <p:sp>
-        <p:nvSpPr>
-          <p:cNvPr id="4" name="Rounded Rectangle 3"/>
-          <p:cNvSpPr/>
-          <p:nvPr/>
-        </p:nvSpPr>
-        <p:spPr>
-          <a:xfrm>
-            <a:off x="609600" y="1512570"/>
-            <a:ext cx="4920615" cy="420370"/>
-          </a:xfrm>
-          <a:prstGeom prst="roundRect">
-            <a:avLst/>
-          </a:prstGeom>
-          <a:ln>
-            <a:headEnd type="none" w="med" len="med"/>
-            <a:tailEnd type="none" w="med" len="med"/>
-          </a:ln>
-        </p:spPr>
-        <p:style>
-          <a:lnRef idx="2">
-            <a:schemeClr val="accent5"/>
-          </a:lnRef>
-          <a:fillRef idx="1">
-            <a:schemeClr val="lt1"/>
-          </a:fillRef>
-          <a:effectRef idx="0">
-            <a:schemeClr val="accent5"/>
-          </a:effectRef>
-          <a:fontRef idx="minor">
-            <a:schemeClr val="dk1"/>
-          </a:fontRef>
-        </p:style>
-        <p:txBody>
-          <a:bodyPr vert="horz" wrap="none" lIns="91440" tIns="45720" rIns="91440" bIns="45720" numCol="1" anchor="ctr" anchorCtr="0" compatLnSpc="1"/>
-          <a:p>
-            <a:pPr marL="0" marR="0" indent="0" algn="l" defTabSz="914400" rtl="0" eaLnBrk="1" fontAlgn="base" latinLnBrk="0" hangingPunct="1">
-              <a:lnSpc>
-                <a:spcPct val="100000"/>
-              </a:lnSpc>
-              <a:spcBef>
-                <a:spcPct val="0"/>
-              </a:spcBef>
-              <a:spcAft>
-                <a:spcPct val="0"/>
-              </a:spcAft>
-              <a:buClrTx/>
-              <a:buSzTx/>
-              <a:buFontTx/>
-              <a:buNone/>
-            </a:pPr>
-            <a:r>
-              <a:rPr kumimoji="0" lang="en-US" altLang="zh-CN" sz="1800" b="0" i="0" u="none" strike="noStrike" cap="none" normalizeH="0" baseline="0" smtClean="0">
-                <a:ln>
-                  <a:noFill/>
-                </a:ln>
-                <a:solidFill>
-                  <a:schemeClr val="accent2">
-                    <a:lumMod val="75000"/>
-                  </a:schemeClr>
-                </a:solidFill>
-                <a:effectLst/>
-                <a:latin typeface="Arial" panose="020B0604020202020204" pitchFamily="34" charset="0"/>
-                <a:ea typeface="SimSun" panose="02010600030101010101" pitchFamily="2" charset="-122"/>
-              </a:rPr>
-              <a:t>b. Some time click on button isn't success</a:t>
-            </a:r>
-            <a:endParaRPr kumimoji="0" lang="en-US" altLang="zh-CN" sz="1800" b="0" i="0" u="none" strike="noStrike" cap="none" normalizeH="0" baseline="0" smtClean="0">
-              <a:ln>
-                <a:noFill/>
-              </a:ln>
+          <a:p>
+            <a:r>
+              <a:rPr lang="en-US" sz="1600">
+                <a:solidFill>
+                  <a:srgbClr val="0070C0"/>
+                </a:solidFill>
+              </a:rPr>
+              <a:t>     waitABit(3000);</a:t>
+            </a:r>
+            <a:endParaRPr lang="en-US" sz="1600">
               <a:solidFill>
-                <a:schemeClr val="accent2">
-                  <a:lumMod val="75000"/>
-                </a:schemeClr>
+                <a:srgbClr val="0070C0"/>
               </a:solidFill>
-              <a:effectLst/>
-              <a:latin typeface="Arial" panose="020B0604020202020204" pitchFamily="34" charset="0"/>
-              <a:ea typeface="SimSun" panose="02010600030101010101" pitchFamily="2" charset="-122"/>
+            </a:endParaRPr>
+          </a:p>
+          <a:p>
+            <a:r>
+              <a:rPr lang="en-US" sz="1600">
+                <a:solidFill>
+                  <a:srgbClr val="0070C0"/>
+                </a:solidFill>
+              </a:rPr>
+              <a:t>     r.keyPress(KeyEvent.VK_DOWN);</a:t>
+            </a:r>
+            <a:endParaRPr lang="en-US" sz="1600">
+              <a:solidFill>
+                <a:srgbClr val="0070C0"/>
+              </a:solidFill>
+            </a:endParaRPr>
+          </a:p>
+          <a:p>
+            <a:r>
+              <a:rPr lang="en-US" sz="1600">
+                <a:solidFill>
+                  <a:srgbClr val="0070C0"/>
+                </a:solidFill>
+              </a:rPr>
+              <a:t>     r.keyRelease(KeyEvent.VK_DOWN);</a:t>
+            </a:r>
+            <a:endParaRPr lang="en-US" sz="1600">
+              <a:solidFill>
+                <a:srgbClr val="0070C0"/>
+              </a:solidFill>
+            </a:endParaRPr>
+          </a:p>
+          <a:p>
+            <a:r>
+              <a:rPr lang="en-US" sz="1600">
+                <a:solidFill>
+                  <a:srgbClr val="0070C0"/>
+                </a:solidFill>
+              </a:rPr>
+              <a:t>     waitABit(3000);</a:t>
+            </a:r>
+            <a:endParaRPr lang="en-US" sz="1600">
+              <a:solidFill>
+                <a:srgbClr val="0070C0"/>
+              </a:solidFill>
+            </a:endParaRPr>
+          </a:p>
+          <a:p>
+            <a:r>
+              <a:rPr lang="en-US" sz="1600">
+                <a:solidFill>
+                  <a:srgbClr val="0070C0"/>
+                </a:solidFill>
+              </a:rPr>
+              <a:t>     r.keyPress(KeyEvent.VK_ENTER);</a:t>
+            </a:r>
+            <a:endParaRPr lang="en-US" sz="1600">
+              <a:solidFill>
+                <a:srgbClr val="0070C0"/>
+              </a:solidFill>
+            </a:endParaRPr>
+          </a:p>
+          <a:p>
+            <a:r>
+              <a:rPr lang="en-US" sz="1600">
+                <a:solidFill>
+                  <a:srgbClr val="0070C0"/>
+                </a:solidFill>
+              </a:rPr>
+              <a:t>     r.keyRelease(KeyEvent.VK_ENTER);</a:t>
+            </a:r>
+            <a:endParaRPr lang="en-US" sz="1600">
+              <a:solidFill>
+                <a:srgbClr val="0070C0"/>
+              </a:solidFill>
+            </a:endParaRPr>
+          </a:p>
+          <a:p>
+            <a:r>
+              <a:rPr lang="en-US" sz="1600">
+                <a:solidFill>
+                  <a:srgbClr val="0070C0"/>
+                </a:solidFill>
+              </a:rPr>
+              <a:t>} catch (AWTException e) {</a:t>
+            </a:r>
+            <a:endParaRPr lang="en-US" sz="1600">
+              <a:solidFill>
+                <a:srgbClr val="0070C0"/>
+              </a:solidFill>
+            </a:endParaRPr>
+          </a:p>
+          <a:p>
+            <a:r>
+              <a:rPr lang="en-US" sz="1600">
+                <a:solidFill>
+                  <a:srgbClr val="0070C0"/>
+                </a:solidFill>
+              </a:rPr>
+              <a:t>   e.printStackTrace();</a:t>
+            </a:r>
+            <a:endParaRPr lang="en-US" sz="1600">
+              <a:solidFill>
+                <a:srgbClr val="0070C0"/>
+              </a:solidFill>
+            </a:endParaRPr>
+          </a:p>
+          <a:p>
+            <a:r>
+              <a:rPr lang="en-US" sz="1600">
+                <a:solidFill>
+                  <a:srgbClr val="0070C0"/>
+                </a:solidFill>
+              </a:rPr>
+              <a:t>}</a:t>
+            </a:r>
+            <a:endParaRPr lang="en-US" sz="1600">
+              <a:solidFill>
+                <a:srgbClr val="0070C0"/>
+              </a:solidFill>
             </a:endParaRPr>
           </a:p>
         </p:txBody>
@@ -13496,7 +13721,7 @@
                 <a:ea typeface="SimSun" panose="02010600030101010101" pitchFamily="2" charset="-122"/>
                 <a:sym typeface="+mn-ea"/>
               </a:rPr>
-              <a:t>III. Issues</a:t>
+              <a:t>IV. Demo.</a:t>
             </a:r>
             <a:endParaRPr kumimoji="0" lang="en-US" altLang="zh-CN" sz="3600" b="0" i="0" u="none" strike="noStrike" cap="none" normalizeH="0" baseline="0" smtClean="0">
               <a:ln w="10160">
@@ -13524,261 +13749,53 @@
       </p:sp>
       <p:sp>
         <p:nvSpPr>
-          <p:cNvPr id="5" name="Rounded Rectangle 4"/>
+          <p:cNvPr id="4" name="Content Placeholder 3"/>
           <p:cNvSpPr/>
-          <p:nvPr/>
+          <p:nvPr>
+            <p:ph idx="1"/>
+          </p:nvPr>
         </p:nvSpPr>
         <p:spPr>
           <a:xfrm>
-            <a:off x="609600" y="1029335"/>
-            <a:ext cx="4919980" cy="362585"/>
+            <a:off x="609600" y="1391920"/>
+            <a:ext cx="10972800" cy="4873625"/>
           </a:xfrm>
-          <a:prstGeom prst="roundRect">
-            <a:avLst/>
-          </a:prstGeom>
-          <a:gradFill rotWithShape="0">
-            <a:gsLst>
-              <a:gs pos="0">
-                <a:schemeClr val="accent1"/>
-              </a:gs>
-              <a:gs pos="100000">
-                <a:schemeClr val="accent2"/>
-              </a:gs>
-            </a:gsLst>
-            <a:lin ang="5400000" scaled="1"/>
-          </a:gradFill>
-          <a:ln w="9525" cap="flat" cmpd="sng" algn="ctr">
-            <a:solidFill>
-              <a:schemeClr val="accent1"/>
-            </a:solidFill>
-            <a:prstDash val="solid"/>
-            <a:round/>
-            <a:headEnd type="none" w="med" len="med"/>
-            <a:tailEnd type="none" w="med" len="med"/>
-          </a:ln>
         </p:spPr>
         <p:txBody>
-          <a:bodyPr vert="horz" wrap="none" lIns="91440" tIns="45720" rIns="91440" bIns="45720" numCol="1" anchor="ctr" anchorCtr="0" compatLnSpc="1"/>
-          <a:p>
-            <a:pPr marL="0" marR="0" indent="0" algn="l" defTabSz="914400" rtl="0" eaLnBrk="1" fontAlgn="base" latinLnBrk="0" hangingPunct="1">
+          <a:bodyPr/>
+          <a:p>
+            <a:pPr marL="0" indent="0" algn="ctr">
               <a:lnSpc>
-                <a:spcPct val="100000"/>
+                <a:spcPct val="360000"/>
               </a:lnSpc>
-              <a:spcBef>
-                <a:spcPct val="0"/>
-              </a:spcBef>
-              <a:spcAft>
-                <a:spcPct val="0"/>
-              </a:spcAft>
-              <a:buClrTx/>
-              <a:buSzTx/>
-              <a:buFontTx/>
-              <a:buNone/>
-            </a:pPr>
-            <a:r>
-              <a:rPr kumimoji="0" lang="en-US" altLang="zh-CN" sz="1800" b="1" i="0" u="none" strike="noStrike" cap="none" normalizeH="0" baseline="0" smtClean="0">
-                <a:ln>
-                  <a:noFill/>
-                </a:ln>
-                <a:solidFill>
-                  <a:schemeClr val="bg1"/>
-                </a:solidFill>
-                <a:effectLst/>
-                <a:latin typeface="Arial" panose="020B0604020202020204" pitchFamily="34" charset="0"/>
-                <a:ea typeface="SimSun" panose="02010600030101010101" pitchFamily="2" charset="-122"/>
-              </a:rPr>
-              <a:t>II. Get locator very hard </a:t>
-            </a:r>
-            <a:endParaRPr kumimoji="0" lang="en-US" altLang="zh-CN" sz="1800" b="1" i="0" u="none" strike="noStrike" cap="none" normalizeH="0" baseline="0" smtClean="0">
-              <a:ln>
-                <a:noFill/>
-              </a:ln>
+              <a:buNone/>
+            </a:pPr>
+            <a:r>
+              <a:rPr lang="en-US" sz="4400">
+                <a:solidFill>
+                  <a:schemeClr val="accent1"/>
+                </a:solidFill>
+                <a:effectLst>
+                  <a:outerShdw blurRad="38100" dist="25400" dir="5400000" algn="ctr" rotWithShape="0">
+                    <a:srgbClr val="6E747A">
+                      <a:alpha val="43000"/>
+                    </a:srgbClr>
+                  </a:outerShdw>
+                </a:effectLst>
+              </a:rPr>
+              <a:t>Run Demo</a:t>
+            </a:r>
+            <a:endParaRPr lang="en-US" sz="4400">
               <a:solidFill>
-                <a:schemeClr val="bg1"/>
+                <a:schemeClr val="accent1"/>
               </a:solidFill>
-              <a:effectLst/>
-              <a:latin typeface="Arial" panose="020B0604020202020204" pitchFamily="34" charset="0"/>
-              <a:ea typeface="SimSun" panose="02010600030101010101" pitchFamily="2" charset="-122"/>
-            </a:endParaRPr>
-          </a:p>
-        </p:txBody>
-      </p:sp>
-      <p:pic>
-        <p:nvPicPr>
-          <p:cNvPr id="3" name="Content Placeholder 2" descr="last"/>
-          <p:cNvPicPr>
-            <a:picLocks noChangeAspect="1"/>
-          </p:cNvPicPr>
-          <p:nvPr>
-            <p:ph idx="1"/>
-          </p:nvPr>
-        </p:nvPicPr>
-        <p:blipFill>
-          <a:blip r:embed="rId1"/>
-          <a:stretch>
-            <a:fillRect/>
-          </a:stretch>
-        </p:blipFill>
-        <p:spPr>
-          <a:xfrm>
-            <a:off x="5193030" y="1570990"/>
-            <a:ext cx="6389370" cy="2808605"/>
-          </a:xfrm>
-          <a:prstGeom prst="rect">
-            <a:avLst/>
-          </a:prstGeom>
-        </p:spPr>
-      </p:pic>
-      <p:sp>
-        <p:nvSpPr>
-          <p:cNvPr id="6" name="Text Box 5"/>
-          <p:cNvSpPr txBox="1"/>
-          <p:nvPr/>
-        </p:nvSpPr>
-        <p:spPr>
-          <a:xfrm>
-            <a:off x="609600" y="1570990"/>
-            <a:ext cx="4311650" cy="645160"/>
-          </a:xfrm>
-          <a:prstGeom prst="rect">
-            <a:avLst/>
-          </a:prstGeom>
-          <a:noFill/>
-        </p:spPr>
-        <p:txBody>
-          <a:bodyPr wrap="square" rtlCol="0">
-            <a:spAutoFit/>
-          </a:bodyPr>
-          <a:p>
-            <a:r>
-              <a:rPr lang="en-US" b="1">
-                <a:solidFill>
-                  <a:schemeClr val="accent2">
-                    <a:lumMod val="50000"/>
-                  </a:schemeClr>
-                </a:solidFill>
-              </a:rPr>
-              <a:t>Reason: </a:t>
-            </a:r>
-            <a:r>
-              <a:rPr lang="en-US">
-                <a:solidFill>
-                  <a:schemeClr val="accent2">
-                    <a:lumMod val="50000"/>
-                  </a:schemeClr>
-                </a:solidFill>
-              </a:rPr>
-              <a:t>Number of row is changed after add an user success.</a:t>
-            </a:r>
-            <a:endParaRPr lang="en-US">
-              <a:solidFill>
-                <a:schemeClr val="accent2">
-                  <a:lumMod val="50000"/>
-                </a:schemeClr>
-              </a:solidFill>
-            </a:endParaRPr>
-          </a:p>
-        </p:txBody>
-      </p:sp>
-      <p:sp>
-        <p:nvSpPr>
-          <p:cNvPr id="8" name="Text Box 7"/>
-          <p:cNvSpPr txBox="1"/>
-          <p:nvPr/>
-        </p:nvSpPr>
-        <p:spPr>
-          <a:xfrm>
-            <a:off x="609600" y="4864735"/>
-            <a:ext cx="4180840" cy="368300"/>
-          </a:xfrm>
-          <a:prstGeom prst="rect">
-            <a:avLst/>
-          </a:prstGeom>
-          <a:noFill/>
-        </p:spPr>
-        <p:txBody>
-          <a:bodyPr wrap="square" rtlCol="0">
-            <a:spAutoFit/>
-          </a:bodyPr>
-          <a:p>
-            <a:r>
-              <a:rPr lang="en-US" b="1">
-                <a:solidFill>
-                  <a:schemeClr val="accent2">
-                    <a:lumMod val="50000"/>
-                  </a:schemeClr>
-                </a:solidFill>
-              </a:rPr>
-              <a:t>Solution</a:t>
-            </a:r>
-            <a:r>
-              <a:rPr lang="en-US">
-                <a:solidFill>
-                  <a:schemeClr val="accent2">
-                    <a:lumMod val="50000"/>
-                  </a:schemeClr>
-                </a:solidFill>
-              </a:rPr>
-              <a:t>: Get last row.</a:t>
-            </a:r>
-            <a:endParaRPr lang="en-US">
-              <a:solidFill>
-                <a:schemeClr val="accent2">
-                  <a:lumMod val="50000"/>
-                </a:schemeClr>
-              </a:solidFill>
-            </a:endParaRPr>
-          </a:p>
-        </p:txBody>
-      </p:sp>
-      <p:sp>
-        <p:nvSpPr>
-          <p:cNvPr id="7" name="Text Box 6"/>
-          <p:cNvSpPr txBox="1"/>
-          <p:nvPr/>
-        </p:nvSpPr>
-        <p:spPr>
-          <a:xfrm>
-            <a:off x="609600" y="5424805"/>
-            <a:ext cx="7625715" cy="645160"/>
-          </a:xfrm>
-          <a:prstGeom prst="rect">
-            <a:avLst/>
-          </a:prstGeom>
-          <a:noFill/>
-        </p:spPr>
-        <p:txBody>
-          <a:bodyPr wrap="square" rtlCol="0" anchor="t">
-            <a:spAutoFit/>
-          </a:bodyPr>
-          <a:p>
-            <a:r>
-              <a:rPr lang="en-US">
-                <a:solidFill>
-                  <a:srgbClr val="0070C0"/>
-                </a:solidFill>
-              </a:rPr>
-              <a:t>@FindBy(xpath="//*[@class='rt-tr-group'][last()]/div/div[1]/input")</a:t>
-            </a:r>
-            <a:endParaRPr lang="en-US">
-              <a:solidFill>
-                <a:srgbClr val="0070C0"/>
-              </a:solidFill>
-            </a:endParaRPr>
-          </a:p>
-          <a:p>
-            <a:r>
-              <a:rPr lang="en-US">
-                <a:solidFill>
-                  <a:srgbClr val="0070C0"/>
-                </a:solidFill>
-              </a:rPr>
-              <a:t>private WebElementFacade firstnameField;</a:t>
-            </a:r>
-            <a:endParaRPr lang="en-US">
-              <a:solidFill>
-                <a:srgbClr val="0070C0"/>
-              </a:solidFill>
+              <a:effectLst>
+                <a:outerShdw blurRad="38100" dist="25400" dir="5400000" algn="ctr" rotWithShape="0">
+                  <a:srgbClr val="6E747A">
+                    <a:alpha val="43000"/>
+                  </a:srgbClr>
+                </a:outerShdw>
+              </a:effectLst>
             </a:endParaRPr>
           </a:p>
         </p:txBody>
@@ -13799,815 +13816,6 @@
 </file>
 
 <file path=ppt/slides/slide23.xml><?xml version="1.0" encoding="utf-8"?>
-<p:sld xmlns:a="http://schemas.openxmlformats.org/drawingml/2006/main" xmlns:r="http://schemas.openxmlformats.org/officeDocument/2006/relationships" xmlns:p="http://schemas.openxmlformats.org/presentationml/2006/main">
-  <p:cSld>
-    <p:spTree>
-      <p:nvGrpSpPr>
-        <p:cNvPr id="1" name=""/>
-        <p:cNvGrpSpPr/>
-        <p:nvPr/>
-      </p:nvGrpSpPr>
-      <p:grpSpPr>
-        <a:xfrm>
-          <a:off x="0" y="0"/>
-          <a:ext cx="0" cy="0"/>
-          <a:chOff x="0" y="0"/>
-          <a:chExt cx="0" cy="0"/>
-        </a:xfrm>
-      </p:grpSpPr>
-      <p:sp>
-        <p:nvSpPr>
-          <p:cNvPr id="11" name="Title 10"/>
-          <p:cNvSpPr>
-            <a:spLocks noGrp="1"/>
-          </p:cNvSpPr>
-          <p:nvPr>
-            <p:ph type="title"/>
-          </p:nvPr>
-        </p:nvSpPr>
-        <p:spPr/>
-        <p:txBody>
-          <a:bodyPr/>
-          <a:p>
-            <a:endParaRPr lang="en-US"/>
-          </a:p>
-        </p:txBody>
-      </p:sp>
-      <p:sp>
-        <p:nvSpPr>
-          <p:cNvPr id="10" name="Flowchart: Process 9"/>
-          <p:cNvSpPr/>
-          <p:nvPr/>
-        </p:nvSpPr>
-        <p:spPr>
-          <a:xfrm>
-            <a:off x="609600" y="190500"/>
-            <a:ext cx="10972800" cy="784860"/>
-          </a:xfrm>
-          <a:prstGeom prst="flowChartProcess">
-            <a:avLst/>
-          </a:prstGeom>
-          <a:gradFill rotWithShape="0">
-            <a:gsLst>
-              <a:gs pos="0">
-                <a:srgbClr val="012D86"/>
-              </a:gs>
-              <a:gs pos="100000">
-                <a:srgbClr val="0E2557"/>
-              </a:gs>
-            </a:gsLst>
-            <a:lin ang="5400000" scaled="0"/>
-          </a:gradFill>
-          <a:ln w="9525" cap="flat" cmpd="sng" algn="ctr">
-            <a:solidFill>
-              <a:schemeClr val="accent1"/>
-            </a:solidFill>
-            <a:prstDash val="solid"/>
-            <a:round/>
-            <a:headEnd type="none" w="med" len="med"/>
-            <a:tailEnd type="none" w="med" len="med"/>
-          </a:ln>
-          <a:effectLst>
-            <a:outerShdw blurRad="50800" dist="50800" dir="5400000" algn="ctr" rotWithShape="0">
-              <a:srgbClr val="002060">
-                <a:alpha val="38000"/>
-              </a:srgbClr>
-            </a:outerShdw>
-          </a:effectLst>
-        </p:spPr>
-        <p:txBody>
-          <a:bodyPr vert="horz" wrap="none" lIns="91440" tIns="45720" rIns="91440" bIns="45720" numCol="1" anchor="ctr" anchorCtr="0" compatLnSpc="1"/>
-          <a:lstStyle/>
-          <a:p>
-            <a:pPr marL="0" marR="0" indent="0" algn="l" defTabSz="914400" rtl="0" eaLnBrk="1" fontAlgn="base" latinLnBrk="0" hangingPunct="1">
-              <a:lnSpc>
-                <a:spcPct val="100000"/>
-              </a:lnSpc>
-              <a:spcBef>
-                <a:spcPct val="0"/>
-              </a:spcBef>
-              <a:spcAft>
-                <a:spcPct val="0"/>
-              </a:spcAft>
-              <a:buClrTx/>
-              <a:buSzTx/>
-              <a:buFontTx/>
-              <a:buNone/>
-            </a:pPr>
-            <a:r>
-              <a:rPr lang="en-US" altLang="zh-CN" sz="3600" smtClean="0">
-                <a:ln w="10160">
-                  <a:solidFill>
-                    <a:schemeClr val="accent5"/>
-                  </a:solidFill>
-                  <a:prstDash val="solid"/>
-                </a:ln>
-                <a:solidFill>
-                  <a:srgbClr val="FFFFFF"/>
-                </a:solidFill>
-                <a:effectLst>
-                  <a:outerShdw blurRad="38100" dist="22860" dir="5400000" algn="tl" rotWithShape="0">
-                    <a:srgbClr val="000000">
-                      <a:alpha val="30000"/>
-                    </a:srgbClr>
-                  </a:outerShdw>
-                </a:effectLst>
-                <a:latin typeface="Arial" panose="020B0604020202020204" pitchFamily="34" charset="0"/>
-                <a:ea typeface="SimSun" panose="02010600030101010101" pitchFamily="2" charset="-122"/>
-                <a:sym typeface="+mn-ea"/>
-              </a:rPr>
-              <a:t>III. Issues</a:t>
-            </a:r>
-            <a:endParaRPr kumimoji="0" lang="en-US" altLang="zh-CN" sz="3600" b="0" i="0" u="none" strike="noStrike" cap="none" normalizeH="0" baseline="0" smtClean="0">
-              <a:ln w="10160">
-                <a:solidFill>
-                  <a:schemeClr val="accent5"/>
-                </a:solidFill>
-                <a:prstDash val="solid"/>
-              </a:ln>
-              <a:solidFill>
-                <a:srgbClr val="FFFFFF"/>
-              </a:solidFill>
-              <a:effectLst>
-                <a:outerShdw blurRad="38100" dist="22860" dir="5400000" algn="tl" rotWithShape="0">
-                  <a:srgbClr val="000000">
-                    <a:alpha val="30000"/>
-                  </a:srgbClr>
-                </a:outerShdw>
-              </a:effectLst>
-              <a:latin typeface="Arial" panose="020B0604020202020204" pitchFamily="34" charset="0"/>
-              <a:ea typeface="SimSun" panose="02010600030101010101" pitchFamily="2" charset="-122"/>
-              <a:sym typeface="+mn-ea"/>
-            </a:endParaRPr>
-          </a:p>
-        </p:txBody>
-      </p:sp>
-      <p:sp>
-        <p:nvSpPr>
-          <p:cNvPr id="5" name="Rounded Rectangle 4"/>
-          <p:cNvSpPr/>
-          <p:nvPr/>
-        </p:nvSpPr>
-        <p:spPr>
-          <a:xfrm>
-            <a:off x="609600" y="1029335"/>
-            <a:ext cx="4919980" cy="362585"/>
-          </a:xfrm>
-          <a:prstGeom prst="roundRect">
-            <a:avLst/>
-          </a:prstGeom>
-          <a:gradFill rotWithShape="0">
-            <a:gsLst>
-              <a:gs pos="0">
-                <a:schemeClr val="accent1"/>
-              </a:gs>
-              <a:gs pos="100000">
-                <a:schemeClr val="accent2"/>
-              </a:gs>
-            </a:gsLst>
-            <a:lin ang="5400000" scaled="1"/>
-          </a:gradFill>
-          <a:ln w="9525" cap="flat" cmpd="sng" algn="ctr">
-            <a:solidFill>
-              <a:schemeClr val="accent1"/>
-            </a:solidFill>
-            <a:prstDash val="solid"/>
-            <a:round/>
-            <a:headEnd type="none" w="med" len="med"/>
-            <a:tailEnd type="none" w="med" len="med"/>
-          </a:ln>
-        </p:spPr>
-        <p:txBody>
-          <a:bodyPr vert="horz" wrap="none" lIns="91440" tIns="45720" rIns="91440" bIns="45720" numCol="1" anchor="ctr" anchorCtr="0" compatLnSpc="1"/>
-          <a:p>
-            <a:pPr marL="0" marR="0" indent="0" algn="l" defTabSz="914400" rtl="0" eaLnBrk="1" fontAlgn="base" latinLnBrk="0" hangingPunct="1">
-              <a:lnSpc>
-                <a:spcPct val="100000"/>
-              </a:lnSpc>
-              <a:spcBef>
-                <a:spcPct val="0"/>
-              </a:spcBef>
-              <a:spcAft>
-                <a:spcPct val="0"/>
-              </a:spcAft>
-              <a:buClrTx/>
-              <a:buSzTx/>
-              <a:buFontTx/>
-              <a:buNone/>
-            </a:pPr>
-            <a:r>
-              <a:rPr kumimoji="0" lang="en-US" altLang="zh-CN" sz="1800" b="1" i="0" u="none" strike="noStrike" cap="none" normalizeH="0" baseline="0" smtClean="0">
-                <a:ln>
-                  <a:noFill/>
-                </a:ln>
-                <a:solidFill>
-                  <a:schemeClr val="bg1"/>
-                </a:solidFill>
-                <a:effectLst/>
-                <a:latin typeface="Arial" panose="020B0604020202020204" pitchFamily="34" charset="0"/>
-                <a:ea typeface="SimSun" panose="02010600030101010101" pitchFamily="2" charset="-122"/>
-              </a:rPr>
-              <a:t>III. Can't focus on element. </a:t>
-            </a:r>
-            <a:endParaRPr kumimoji="0" lang="en-US" altLang="zh-CN" sz="1800" b="1" i="0" u="none" strike="noStrike" cap="none" normalizeH="0" baseline="0" smtClean="0">
-              <a:ln>
-                <a:noFill/>
-              </a:ln>
-              <a:solidFill>
-                <a:schemeClr val="bg1"/>
-              </a:solidFill>
-              <a:effectLst/>
-              <a:latin typeface="Arial" panose="020B0604020202020204" pitchFamily="34" charset="0"/>
-              <a:ea typeface="SimSun" panose="02010600030101010101" pitchFamily="2" charset="-122"/>
-            </a:endParaRPr>
-          </a:p>
-        </p:txBody>
-      </p:sp>
-      <p:sp>
-        <p:nvSpPr>
-          <p:cNvPr id="6" name="Text Box 5"/>
-          <p:cNvSpPr txBox="1"/>
-          <p:nvPr/>
-        </p:nvSpPr>
-        <p:spPr>
-          <a:xfrm>
-            <a:off x="609600" y="1570990"/>
-            <a:ext cx="4311650" cy="368300"/>
-          </a:xfrm>
-          <a:prstGeom prst="rect">
-            <a:avLst/>
-          </a:prstGeom>
-          <a:noFill/>
-        </p:spPr>
-        <p:txBody>
-          <a:bodyPr wrap="square" rtlCol="0">
-            <a:spAutoFit/>
-          </a:bodyPr>
-          <a:p>
-            <a:r>
-              <a:rPr lang="en-US" b="1">
-                <a:solidFill>
-                  <a:schemeClr val="accent2">
-                    <a:lumMod val="50000"/>
-                  </a:schemeClr>
-                </a:solidFill>
-              </a:rPr>
-              <a:t>Reason: </a:t>
-            </a:r>
-            <a:r>
-              <a:rPr lang="en-US">
-                <a:solidFill>
-                  <a:schemeClr val="accent2">
-                    <a:lumMod val="50000"/>
-                  </a:schemeClr>
-                </a:solidFill>
-              </a:rPr>
-              <a:t>Element drop down list</a:t>
-            </a:r>
-            <a:endParaRPr lang="en-US">
-              <a:solidFill>
-                <a:schemeClr val="accent2">
-                  <a:lumMod val="50000"/>
-                </a:schemeClr>
-              </a:solidFill>
-            </a:endParaRPr>
-          </a:p>
-        </p:txBody>
-      </p:sp>
-      <p:sp>
-        <p:nvSpPr>
-          <p:cNvPr id="8" name="Text Box 7"/>
-          <p:cNvSpPr txBox="1"/>
-          <p:nvPr/>
-        </p:nvSpPr>
-        <p:spPr>
-          <a:xfrm>
-            <a:off x="609600" y="2277745"/>
-            <a:ext cx="4180840" cy="368300"/>
-          </a:xfrm>
-          <a:prstGeom prst="rect">
-            <a:avLst/>
-          </a:prstGeom>
-          <a:noFill/>
-        </p:spPr>
-        <p:txBody>
-          <a:bodyPr wrap="square" rtlCol="0">
-            <a:spAutoFit/>
-          </a:bodyPr>
-          <a:p>
-            <a:r>
-              <a:rPr lang="en-US" b="1">
-                <a:solidFill>
-                  <a:schemeClr val="accent2">
-                    <a:lumMod val="50000"/>
-                  </a:schemeClr>
-                </a:solidFill>
-              </a:rPr>
-              <a:t>Solution</a:t>
-            </a:r>
-            <a:r>
-              <a:rPr lang="en-US">
-                <a:solidFill>
-                  <a:schemeClr val="accent2">
-                    <a:lumMod val="50000"/>
-                  </a:schemeClr>
-                </a:solidFill>
-              </a:rPr>
-              <a:t>: Using Robot class. </a:t>
-            </a:r>
-            <a:endParaRPr lang="en-US">
-              <a:solidFill>
-                <a:schemeClr val="accent2">
-                  <a:lumMod val="50000"/>
-                </a:schemeClr>
-              </a:solidFill>
-            </a:endParaRPr>
-          </a:p>
-        </p:txBody>
-      </p:sp>
-      <p:pic>
-        <p:nvPicPr>
-          <p:cNvPr id="9" name="Content Placeholder 8" descr="drop"/>
-          <p:cNvPicPr>
-            <a:picLocks noChangeAspect="1"/>
-          </p:cNvPicPr>
-          <p:nvPr>
-            <p:ph idx="1"/>
-          </p:nvPr>
-        </p:nvPicPr>
-        <p:blipFill>
-          <a:blip r:embed="rId1"/>
-          <a:stretch>
-            <a:fillRect/>
-          </a:stretch>
-        </p:blipFill>
-        <p:spPr>
-          <a:xfrm>
-            <a:off x="4458335" y="1939290"/>
-            <a:ext cx="7124065" cy="2974340"/>
-          </a:xfrm>
-          <a:prstGeom prst="rect">
-            <a:avLst/>
-          </a:prstGeom>
-        </p:spPr>
-      </p:pic>
-      <p:sp>
-        <p:nvSpPr>
-          <p:cNvPr id="13" name="Text Box 12"/>
-          <p:cNvSpPr txBox="1"/>
-          <p:nvPr/>
-        </p:nvSpPr>
-        <p:spPr>
-          <a:xfrm>
-            <a:off x="609600" y="2850515"/>
-            <a:ext cx="4006850" cy="3291840"/>
-          </a:xfrm>
-          <a:prstGeom prst="rect">
-            <a:avLst/>
-          </a:prstGeom>
-          <a:noFill/>
-        </p:spPr>
-        <p:txBody>
-          <a:bodyPr wrap="square" rtlCol="0" anchor="t">
-            <a:spAutoFit/>
-          </a:bodyPr>
-          <a:p>
-            <a:r>
-              <a:rPr lang="en-US" sz="1600">
-                <a:solidFill>
-                  <a:srgbClr val="0070C0"/>
-                </a:solidFill>
-              </a:rPr>
-              <a:t>Robot r;</a:t>
-            </a:r>
-            <a:endParaRPr lang="en-US" sz="1600">
-              <a:solidFill>
-                <a:srgbClr val="0070C0"/>
-              </a:solidFill>
-            </a:endParaRPr>
-          </a:p>
-          <a:p>
-            <a:r>
-              <a:rPr lang="en-US" sz="1600">
-                <a:solidFill>
-                  <a:srgbClr val="0070C0"/>
-                </a:solidFill>
-              </a:rPr>
-              <a:t>try {</a:t>
-            </a:r>
-            <a:endParaRPr lang="en-US" sz="1600">
-              <a:solidFill>
-                <a:srgbClr val="0070C0"/>
-              </a:solidFill>
-            </a:endParaRPr>
-          </a:p>
-          <a:p>
-            <a:r>
-              <a:rPr lang="en-US" sz="1600">
-                <a:solidFill>
-                  <a:srgbClr val="0070C0"/>
-                </a:solidFill>
-              </a:rPr>
-              <a:t>     r = new Robot();</a:t>
-            </a:r>
-            <a:endParaRPr lang="en-US" sz="1600">
-              <a:solidFill>
-                <a:srgbClr val="0070C0"/>
-              </a:solidFill>
-            </a:endParaRPr>
-          </a:p>
-          <a:p>
-            <a:r>
-              <a:rPr lang="en-US" sz="1600">
-                <a:solidFill>
-                  <a:srgbClr val="0070C0"/>
-                </a:solidFill>
-              </a:rPr>
-              <a:t>     roleOption.click();</a:t>
-            </a:r>
-            <a:endParaRPr lang="en-US" sz="1600">
-              <a:solidFill>
-                <a:srgbClr val="0070C0"/>
-              </a:solidFill>
-            </a:endParaRPr>
-          </a:p>
-          <a:p>
-            <a:r>
-              <a:rPr lang="en-US" sz="1600">
-                <a:solidFill>
-                  <a:srgbClr val="0070C0"/>
-                </a:solidFill>
-              </a:rPr>
-              <a:t>     waitABit(3000);</a:t>
-            </a:r>
-            <a:endParaRPr lang="en-US" sz="1600">
-              <a:solidFill>
-                <a:srgbClr val="0070C0"/>
-              </a:solidFill>
-            </a:endParaRPr>
-          </a:p>
-          <a:p>
-            <a:r>
-              <a:rPr lang="en-US" sz="1600">
-                <a:solidFill>
-                  <a:srgbClr val="0070C0"/>
-                </a:solidFill>
-              </a:rPr>
-              <a:t>     r.keyPress(KeyEvent.VK_DOWN);</a:t>
-            </a:r>
-            <a:endParaRPr lang="en-US" sz="1600">
-              <a:solidFill>
-                <a:srgbClr val="0070C0"/>
-              </a:solidFill>
-            </a:endParaRPr>
-          </a:p>
-          <a:p>
-            <a:r>
-              <a:rPr lang="en-US" sz="1600">
-                <a:solidFill>
-                  <a:srgbClr val="0070C0"/>
-                </a:solidFill>
-              </a:rPr>
-              <a:t>     r.keyRelease(KeyEvent.VK_DOWN);</a:t>
-            </a:r>
-            <a:endParaRPr lang="en-US" sz="1600">
-              <a:solidFill>
-                <a:srgbClr val="0070C0"/>
-              </a:solidFill>
-            </a:endParaRPr>
-          </a:p>
-          <a:p>
-            <a:r>
-              <a:rPr lang="en-US" sz="1600">
-                <a:solidFill>
-                  <a:srgbClr val="0070C0"/>
-                </a:solidFill>
-              </a:rPr>
-              <a:t>     waitABit(3000);</a:t>
-            </a:r>
-            <a:endParaRPr lang="en-US" sz="1600">
-              <a:solidFill>
-                <a:srgbClr val="0070C0"/>
-              </a:solidFill>
-            </a:endParaRPr>
-          </a:p>
-          <a:p>
-            <a:r>
-              <a:rPr lang="en-US" sz="1600">
-                <a:solidFill>
-                  <a:srgbClr val="0070C0"/>
-                </a:solidFill>
-              </a:rPr>
-              <a:t>     r.keyPress(KeyEvent.VK_ENTER);</a:t>
-            </a:r>
-            <a:endParaRPr lang="en-US" sz="1600">
-              <a:solidFill>
-                <a:srgbClr val="0070C0"/>
-              </a:solidFill>
-            </a:endParaRPr>
-          </a:p>
-          <a:p>
-            <a:r>
-              <a:rPr lang="en-US" sz="1600">
-                <a:solidFill>
-                  <a:srgbClr val="0070C0"/>
-                </a:solidFill>
-              </a:rPr>
-              <a:t>     r.keyRelease(KeyEvent.VK_ENTER);</a:t>
-            </a:r>
-            <a:endParaRPr lang="en-US" sz="1600">
-              <a:solidFill>
-                <a:srgbClr val="0070C0"/>
-              </a:solidFill>
-            </a:endParaRPr>
-          </a:p>
-          <a:p>
-            <a:r>
-              <a:rPr lang="en-US" sz="1600">
-                <a:solidFill>
-                  <a:srgbClr val="0070C0"/>
-                </a:solidFill>
-              </a:rPr>
-              <a:t>} catch (AWTException e) {</a:t>
-            </a:r>
-            <a:endParaRPr lang="en-US" sz="1600">
-              <a:solidFill>
-                <a:srgbClr val="0070C0"/>
-              </a:solidFill>
-            </a:endParaRPr>
-          </a:p>
-          <a:p>
-            <a:r>
-              <a:rPr lang="en-US" sz="1600">
-                <a:solidFill>
-                  <a:srgbClr val="0070C0"/>
-                </a:solidFill>
-              </a:rPr>
-              <a:t>   e.printStackTrace();</a:t>
-            </a:r>
-            <a:endParaRPr lang="en-US" sz="1600">
-              <a:solidFill>
-                <a:srgbClr val="0070C0"/>
-              </a:solidFill>
-            </a:endParaRPr>
-          </a:p>
-          <a:p>
-            <a:r>
-              <a:rPr lang="en-US" sz="1600">
-                <a:solidFill>
-                  <a:srgbClr val="0070C0"/>
-                </a:solidFill>
-              </a:rPr>
-              <a:t>}</a:t>
-            </a:r>
-            <a:endParaRPr lang="en-US" sz="1600">
-              <a:solidFill>
-                <a:srgbClr val="0070C0"/>
-              </a:solidFill>
-            </a:endParaRPr>
-          </a:p>
-        </p:txBody>
-      </p:sp>
-    </p:spTree>
-  </p:cSld>
-  <p:clrMapOvr>
-    <a:masterClrMapping/>
-  </p:clrMapOvr>
-  <p:timing>
-    <p:tnLst>
-      <p:par>
-        <p:cTn id="1" dur="indefinite" restart="never" nodeType="tmRoot"/>
-      </p:par>
-    </p:tnLst>
-  </p:timing>
-</p:sld>
-</file>
-
-<file path=ppt/slides/slide24.xml><?xml version="1.0" encoding="utf-8"?>
-<p:sld xmlns:a="http://schemas.openxmlformats.org/drawingml/2006/main" xmlns:r="http://schemas.openxmlformats.org/officeDocument/2006/relationships" xmlns:p="http://schemas.openxmlformats.org/presentationml/2006/main">
-  <p:cSld>
-    <p:spTree>
-      <p:nvGrpSpPr>
-        <p:cNvPr id="1" name=""/>
-        <p:cNvGrpSpPr/>
-        <p:nvPr/>
-      </p:nvGrpSpPr>
-      <p:grpSpPr>
-        <a:xfrm>
-          <a:off x="0" y="0"/>
-          <a:ext cx="0" cy="0"/>
-          <a:chOff x="0" y="0"/>
-          <a:chExt cx="0" cy="0"/>
-        </a:xfrm>
-      </p:grpSpPr>
-      <p:sp>
-        <p:nvSpPr>
-          <p:cNvPr id="2" name="Title 1"/>
-          <p:cNvSpPr>
-            <a:spLocks noGrp="1"/>
-          </p:cNvSpPr>
-          <p:nvPr>
-            <p:ph type="title"/>
-          </p:nvPr>
-        </p:nvSpPr>
-        <p:spPr/>
-        <p:txBody>
-          <a:bodyPr/>
-          <a:lstStyle/>
-          <a:p>
-            <a:endParaRPr lang="en-US">
-              <a:solidFill>
-                <a:schemeClr val="accent1"/>
-              </a:solidFill>
-              <a:effectLst>
-                <a:outerShdw blurRad="38100" dist="25400" dir="5400000" algn="ctr" rotWithShape="0">
-                  <a:srgbClr val="6E747A">
-                    <a:alpha val="43000"/>
-                  </a:srgbClr>
-                </a:outerShdw>
-              </a:effectLst>
-            </a:endParaRPr>
-          </a:p>
-        </p:txBody>
-      </p:sp>
-      <p:sp>
-        <p:nvSpPr>
-          <p:cNvPr id="10" name="Flowchart: Process 9"/>
-          <p:cNvSpPr/>
-          <p:nvPr/>
-        </p:nvSpPr>
-        <p:spPr>
-          <a:xfrm>
-            <a:off x="609600" y="190500"/>
-            <a:ext cx="10972800" cy="784860"/>
-          </a:xfrm>
-          <a:prstGeom prst="flowChartProcess">
-            <a:avLst/>
-          </a:prstGeom>
-          <a:gradFill rotWithShape="0">
-            <a:gsLst>
-              <a:gs pos="0">
-                <a:srgbClr val="012D86"/>
-              </a:gs>
-              <a:gs pos="100000">
-                <a:srgbClr val="0E2557"/>
-              </a:gs>
-            </a:gsLst>
-            <a:lin ang="5400000" scaled="0"/>
-          </a:gradFill>
-          <a:ln w="9525" cap="flat" cmpd="sng" algn="ctr">
-            <a:solidFill>
-              <a:schemeClr val="accent1"/>
-            </a:solidFill>
-            <a:prstDash val="solid"/>
-            <a:round/>
-            <a:headEnd type="none" w="med" len="med"/>
-            <a:tailEnd type="none" w="med" len="med"/>
-          </a:ln>
-          <a:effectLst>
-            <a:outerShdw blurRad="50800" dist="50800" dir="5400000" algn="ctr" rotWithShape="0">
-              <a:srgbClr val="002060">
-                <a:alpha val="38000"/>
-              </a:srgbClr>
-            </a:outerShdw>
-          </a:effectLst>
-        </p:spPr>
-        <p:txBody>
-          <a:bodyPr vert="horz" wrap="none" lIns="91440" tIns="45720" rIns="91440" bIns="45720" numCol="1" anchor="ctr" anchorCtr="0" compatLnSpc="1"/>
-          <a:lstStyle/>
-          <a:p>
-            <a:pPr marL="0" marR="0" indent="0" algn="l" defTabSz="914400" rtl="0" eaLnBrk="1" fontAlgn="base" latinLnBrk="0" hangingPunct="1">
-              <a:lnSpc>
-                <a:spcPct val="100000"/>
-              </a:lnSpc>
-              <a:spcBef>
-                <a:spcPct val="0"/>
-              </a:spcBef>
-              <a:spcAft>
-                <a:spcPct val="0"/>
-              </a:spcAft>
-              <a:buClrTx/>
-              <a:buSzTx/>
-              <a:buFontTx/>
-              <a:buNone/>
-            </a:pPr>
-            <a:r>
-              <a:rPr lang="en-US" altLang="zh-CN" sz="3600" smtClean="0">
-                <a:ln w="10160">
-                  <a:solidFill>
-                    <a:schemeClr val="accent5"/>
-                  </a:solidFill>
-                  <a:prstDash val="solid"/>
-                </a:ln>
-                <a:solidFill>
-                  <a:srgbClr val="FFFFFF"/>
-                </a:solidFill>
-                <a:effectLst>
-                  <a:outerShdw blurRad="38100" dist="22860" dir="5400000" algn="tl" rotWithShape="0">
-                    <a:srgbClr val="000000">
-                      <a:alpha val="30000"/>
-                    </a:srgbClr>
-                  </a:outerShdw>
-                </a:effectLst>
-                <a:latin typeface="Arial" panose="020B0604020202020204" pitchFamily="34" charset="0"/>
-                <a:ea typeface="SimSun" panose="02010600030101010101" pitchFamily="2" charset="-122"/>
-                <a:sym typeface="+mn-ea"/>
-              </a:rPr>
-              <a:t>IV. Demo.</a:t>
-            </a:r>
-            <a:endParaRPr kumimoji="0" lang="en-US" altLang="zh-CN" sz="3600" b="0" i="0" u="none" strike="noStrike" cap="none" normalizeH="0" baseline="0" smtClean="0">
-              <a:ln w="10160">
-                <a:solidFill>
-                  <a:schemeClr val="accent5"/>
-                </a:solidFill>
-                <a:prstDash val="solid"/>
-              </a:ln>
-              <a:solidFill>
-                <a:srgbClr val="FFFFFF"/>
-              </a:solidFill>
-              <a:effectLst>
-                <a:outerShdw blurRad="38100" dist="22860" dir="5400000" algn="tl" rotWithShape="0">
-                  <a:srgbClr val="000000">
-                    <a:alpha val="30000"/>
-                  </a:srgbClr>
-                </a:outerShdw>
-              </a:effectLst>
-              <a:latin typeface="Arial" panose="020B0604020202020204" pitchFamily="34" charset="0"/>
-              <a:ea typeface="SimSun" panose="02010600030101010101" pitchFamily="2" charset="-122"/>
-              <a:sym typeface="+mn-ea"/>
-            </a:endParaRPr>
-          </a:p>
-        </p:txBody>
-      </p:sp>
-      <p:sp>
-        <p:nvSpPr>
-          <p:cNvPr id="4" name="Content Placeholder 3"/>
-          <p:cNvSpPr/>
-          <p:nvPr>
-            <p:ph idx="1"/>
-          </p:nvPr>
-        </p:nvSpPr>
-        <p:spPr>
-          <a:xfrm>
-            <a:off x="609600" y="1391920"/>
-            <a:ext cx="10972800" cy="4873625"/>
-          </a:xfrm>
-        </p:spPr>
-        <p:txBody>
-          <a:bodyPr/>
-          <a:p>
-            <a:pPr marL="0" indent="0" algn="ctr">
-              <a:lnSpc>
-                <a:spcPct val="360000"/>
-              </a:lnSpc>
-              <a:buNone/>
-            </a:pPr>
-            <a:r>
-              <a:rPr lang="en-US" sz="4400">
-                <a:solidFill>
-                  <a:schemeClr val="accent1"/>
-                </a:solidFill>
-                <a:effectLst>
-                  <a:outerShdw blurRad="38100" dist="25400" dir="5400000" algn="ctr" rotWithShape="0">
-                    <a:srgbClr val="6E747A">
-                      <a:alpha val="43000"/>
-                    </a:srgbClr>
-                  </a:outerShdw>
-                </a:effectLst>
-              </a:rPr>
-              <a:t>Run Demo</a:t>
-            </a:r>
-            <a:endParaRPr lang="en-US" sz="4400">
-              <a:solidFill>
-                <a:schemeClr val="accent1"/>
-              </a:solidFill>
-              <a:effectLst>
-                <a:outerShdw blurRad="38100" dist="25400" dir="5400000" algn="ctr" rotWithShape="0">
-                  <a:srgbClr val="6E747A">
-                    <a:alpha val="43000"/>
-                  </a:srgbClr>
-                </a:outerShdw>
-              </a:effectLst>
-            </a:endParaRPr>
-          </a:p>
-        </p:txBody>
-      </p:sp>
-    </p:spTree>
-  </p:cSld>
-  <p:clrMapOvr>
-    <a:masterClrMapping/>
-  </p:clrMapOvr>
-  <p:timing>
-    <p:tnLst>
-      <p:par>
-        <p:cTn id="1" dur="indefinite" restart="never" nodeType="tmRoot"/>
-      </p:par>
-    </p:tnLst>
-  </p:timing>
-</p:sld>
-</file>
-
-<file path=ppt/slides/slide25.xml><?xml version="1.0" encoding="utf-8"?>
 <p:sld xmlns:a="http://schemas.openxmlformats.org/drawingml/2006/main" xmlns:r="http://schemas.openxmlformats.org/officeDocument/2006/relationships" xmlns:p="http://schemas.openxmlformats.org/presentationml/2006/main">
   <p:cSld>
     <p:spTree>
@@ -17374,6 +16582,74 @@
           </a:p>
         </p:txBody>
       </p:sp>
+      <p:cxnSp>
+        <p:nvCxnSpPr>
+          <p:cNvPr id="3" name="Straight Arrow Connector 2"/>
+          <p:cNvCxnSpPr/>
+          <p:nvPr/>
+        </p:nvCxnSpPr>
+        <p:spPr>
+          <a:xfrm flipH="1">
+            <a:off x="5124450" y="2117090"/>
+            <a:ext cx="1301115" cy="230505"/>
+          </a:xfrm>
+          <a:prstGeom prst="straightConnector1">
+            <a:avLst/>
+          </a:prstGeom>
+          <a:ln>
+            <a:headEnd type="none" w="med" len="med"/>
+            <a:tailEnd type="arrow" w="med" len="med"/>
+          </a:ln>
+        </p:spPr>
+        <p:style>
+          <a:lnRef idx="3">
+            <a:schemeClr val="accent1"/>
+          </a:lnRef>
+          <a:fillRef idx="0">
+            <a:schemeClr val="accent1"/>
+          </a:fillRef>
+          <a:effectRef idx="2">
+            <a:schemeClr val="accent1"/>
+          </a:effectRef>
+          <a:fontRef idx="minor">
+            <a:schemeClr val="tx1"/>
+          </a:fontRef>
+        </p:style>
+      </p:cxnSp>
+      <p:cxnSp>
+        <p:nvCxnSpPr>
+          <p:cNvPr id="6" name="Straight Arrow Connector 5"/>
+          <p:cNvCxnSpPr/>
+          <p:nvPr/>
+        </p:nvCxnSpPr>
+        <p:spPr>
+          <a:xfrm flipH="1">
+            <a:off x="2391410" y="3418205"/>
+            <a:ext cx="4124325" cy="661035"/>
+          </a:xfrm>
+          <a:prstGeom prst="straightConnector1">
+            <a:avLst/>
+          </a:prstGeom>
+          <a:ln>
+            <a:headEnd type="none" w="med" len="med"/>
+            <a:tailEnd type="arrow" w="med" len="med"/>
+          </a:ln>
+        </p:spPr>
+        <p:style>
+          <a:lnRef idx="3">
+            <a:schemeClr val="dk1"/>
+          </a:lnRef>
+          <a:fillRef idx="0">
+            <a:schemeClr val="dk1"/>
+          </a:fillRef>
+          <a:effectRef idx="2">
+            <a:schemeClr val="dk1"/>
+          </a:effectRef>
+          <a:fontRef idx="minor">
+            <a:schemeClr val="tx1"/>
+          </a:fontRef>
+        </p:style>
+      </p:cxnSp>
     </p:spTree>
   </p:cSld>
   <p:clrMapOvr>
